--- a/docs/plan-de-proyecto/ppt-iteracion1.pptx
+++ b/docs/plan-de-proyecto/ppt-iteracion1.pptx
@@ -5,7 +5,7 @@
     <p:sldMasterId id="2147483732" r:id="rId1"/>
   </p:sldMasterIdLst>
   <p:notesMasterIdLst>
-    <p:notesMasterId r:id="rId8"/>
+    <p:notesMasterId r:id="rId11"/>
   </p:notesMasterIdLst>
   <p:sldIdLst>
     <p:sldId id="256" r:id="rId2"/>
@@ -14,6 +14,9 @@
     <p:sldId id="258" r:id="rId5"/>
     <p:sldId id="259" r:id="rId6"/>
     <p:sldId id="261" r:id="rId7"/>
+    <p:sldId id="262" r:id="rId8"/>
+    <p:sldId id="263" r:id="rId9"/>
+    <p:sldId id="264" r:id="rId10"/>
   </p:sldIdLst>
   <p:sldSz cx="9144000" cy="6858000" type="screen4x3"/>
   <p:notesSz cx="6858000" cy="9144000"/>
@@ -112,6 +115,11 @@
       </a:defRPr>
     </a:lvl9pPr>
   </p:defaultTextStyle>
+  <p:extLst>
+    <p:ext uri="{EFAFB233-063F-42B5-8137-9DF3F51BA10A}">
+      <p15:sldGuideLst xmlns:p15="http://schemas.microsoft.com/office/powerpoint/2012/main"/>
+    </p:ext>
+  </p:extLst>
 </p:presentation>
 </file>
 
@@ -8664,8 +8672,10 @@
           <a:bodyPr/>
           <a:lstStyle/>
           <a:p>
+            <a:pPr algn="ctr"/>
             <a:fld id="{82B5D99C-3243-4CCA-89CF-846763E29181}" type="slidenum">
               <a:rPr lang="es-CL" smtClean="0"/>
+              <a:pPr algn="ctr"/>
               <a:t>2</a:t>
             </a:fld>
             <a:endParaRPr lang="es-CL" dirty="0"/>
@@ -8846,8 +8856,10 @@
           <a:bodyPr/>
           <a:lstStyle/>
           <a:p>
+            <a:pPr algn="ctr"/>
             <a:fld id="{82B5D99C-3243-4CCA-89CF-846763E29181}" type="slidenum">
               <a:rPr lang="es-CL" smtClean="0"/>
+              <a:pPr algn="ctr"/>
               <a:t>3</a:t>
             </a:fld>
             <a:endParaRPr lang="es-CL" dirty="0"/>
@@ -9038,8 +9050,10 @@
           <a:bodyPr/>
           <a:lstStyle/>
           <a:p>
+            <a:pPr algn="ctr"/>
             <a:fld id="{82B5D99C-3243-4CCA-89CF-846763E29181}" type="slidenum">
               <a:rPr lang="es-CL" smtClean="0"/>
+              <a:pPr algn="ctr"/>
               <a:t>4</a:t>
             </a:fld>
             <a:endParaRPr lang="es-CL" dirty="0"/>
@@ -9204,8 +9218,10 @@
           <a:bodyPr/>
           <a:lstStyle/>
           <a:p>
+            <a:pPr algn="ctr"/>
             <a:fld id="{82B5D99C-3243-4CCA-89CF-846763E29181}" type="slidenum">
               <a:rPr lang="es-CL" smtClean="0"/>
+              <a:pPr algn="ctr"/>
               <a:t>5</a:t>
             </a:fld>
             <a:endParaRPr lang="es-CL" dirty="0"/>
@@ -9257,7 +9273,14 @@
           <a:bodyPr/>
           <a:lstStyle/>
           <a:p>
-            <a:endParaRPr lang="es-CL" dirty="0"/>
+            <a:r>
+              <a:rPr lang="es-CL" dirty="0" err="1"/>
+              <a:t>Descripcion</a:t>
+            </a:r>
+            <a:r>
+              <a:rPr lang="es-CL" dirty="0"/>
+              <a:t> del caso</a:t>
+            </a:r>
           </a:p>
         </p:txBody>
       </p:sp>
@@ -9276,6 +9299,29 @@
           <a:bodyPr/>
           <a:lstStyle/>
           <a:p>
+            <a:r>
+              <a:rPr lang="es-CL" dirty="0" err="1"/>
+              <a:t>Descripcion</a:t>
+            </a:r>
+            <a:r>
+              <a:rPr lang="es-CL" dirty="0"/>
+              <a:t> de la empresa</a:t>
+            </a:r>
+          </a:p>
+          <a:p>
+            <a:pPr marL="0" indent="0">
+              <a:buNone/>
+            </a:pPr>
+            <a:r>
+              <a:rPr lang="es-ES_tradnl" dirty="0"/>
+              <a:t>El centro médico Hipócrates es una institución dedicada a servicios de salud, que emplea a médicos, tecnólogos médicos, enfermeras y operadores para ofrecer diversos procedimientos a sus clientes, entre ellos consultas médicas, exámenes e imagenología. </a:t>
+            </a:r>
+            <a:endParaRPr lang="es-CL" dirty="0"/>
+          </a:p>
+          <a:p>
+            <a:pPr marL="0" indent="0">
+              <a:buNone/>
+            </a:pPr>
             <a:endParaRPr lang="es-CL" dirty="0"/>
           </a:p>
         </p:txBody>
@@ -9336,8 +9382,10 @@
           <a:bodyPr/>
           <a:lstStyle/>
           <a:p>
+            <a:pPr algn="ctr"/>
             <a:fld id="{82B5D99C-3243-4CCA-89CF-846763E29181}" type="slidenum">
               <a:rPr lang="es-CL" smtClean="0"/>
+              <a:pPr algn="ctr"/>
               <a:t>6</a:t>
             </a:fld>
             <a:endParaRPr lang="es-CL" dirty="0"/>
@@ -9348,6 +9396,738 @@
     <p:extLst>
       <p:ext uri="{BB962C8B-B14F-4D97-AF65-F5344CB8AC3E}">
         <p14:creationId xmlns:p14="http://schemas.microsoft.com/office/powerpoint/2010/main" val="392522673"/>
+      </p:ext>
+    </p:extLst>
+  </p:cSld>
+  <p:clrMapOvr>
+    <a:masterClrMapping/>
+  </p:clrMapOvr>
+</p:sld>
+</file>
+
+<file path=ppt/slides/slide7.xml><?xml version="1.0" encoding="utf-8"?>
+<p:sld xmlns:a="http://schemas.openxmlformats.org/drawingml/2006/main" xmlns:r="http://schemas.openxmlformats.org/officeDocument/2006/relationships" xmlns:p="http://schemas.openxmlformats.org/presentationml/2006/main">
+  <p:cSld>
+    <p:spTree>
+      <p:nvGrpSpPr>
+        <p:cNvPr id="1" name=""/>
+        <p:cNvGrpSpPr/>
+        <p:nvPr/>
+      </p:nvGrpSpPr>
+      <p:grpSpPr>
+        <a:xfrm>
+          <a:off x="0" y="0"/>
+          <a:ext cx="0" cy="0"/>
+          <a:chOff x="0" y="0"/>
+          <a:chExt cx="0" cy="0"/>
+        </a:xfrm>
+      </p:grpSpPr>
+      <p:sp>
+        <p:nvSpPr>
+          <p:cNvPr id="2" name="Title 1"/>
+          <p:cNvSpPr>
+            <a:spLocks noGrp="1"/>
+          </p:cNvSpPr>
+          <p:nvPr>
+            <p:ph type="title"/>
+          </p:nvPr>
+        </p:nvSpPr>
+        <p:spPr/>
+        <p:txBody>
+          <a:bodyPr/>
+          <a:lstStyle/>
+          <a:p>
+            <a:r>
+              <a:rPr lang="es-CL" dirty="0" err="1"/>
+              <a:t>Descripcion</a:t>
+            </a:r>
+            <a:r>
+              <a:rPr lang="es-CL" dirty="0"/>
+              <a:t> del caso</a:t>
+            </a:r>
+          </a:p>
+        </p:txBody>
+      </p:sp>
+      <p:sp>
+        <p:nvSpPr>
+          <p:cNvPr id="3" name="Content Placeholder 2"/>
+          <p:cNvSpPr>
+            <a:spLocks noGrp="1"/>
+          </p:cNvSpPr>
+          <p:nvPr>
+            <p:ph idx="1"/>
+          </p:nvPr>
+        </p:nvSpPr>
+        <p:spPr>
+          <a:xfrm>
+            <a:off x="531639" y="2155858"/>
+            <a:ext cx="6887389" cy="2024112"/>
+          </a:xfrm>
+        </p:spPr>
+        <p:txBody>
+          <a:bodyPr>
+            <a:normAutofit/>
+          </a:bodyPr>
+          <a:lstStyle/>
+          <a:p>
+            <a:r>
+              <a:rPr lang="es-CL" dirty="0" err="1"/>
+              <a:t>Descripcion</a:t>
+            </a:r>
+            <a:r>
+              <a:rPr lang="es-CL" dirty="0"/>
+              <a:t> del modelo de negocios</a:t>
+            </a:r>
+          </a:p>
+          <a:p>
+            <a:pPr marL="0" indent="0">
+              <a:buNone/>
+            </a:pPr>
+            <a:r>
+              <a:rPr lang="es-ES_tradnl" dirty="0"/>
+              <a:t>El documento provisto es insuficiente para derivar el modelo de negocios completo, sin embargo se puede generar un primer vistazo al modelo utilizando la herramienta CANVAS</a:t>
+            </a:r>
+          </a:p>
+        </p:txBody>
+      </p:sp>
+      <p:pic>
+        <p:nvPicPr>
+          <p:cNvPr id="2050" name="Picture 2" descr="Resultado de imagen para duoc"/>
+          <p:cNvPicPr>
+            <a:picLocks noChangeAspect="1" noChangeArrowheads="1"/>
+          </p:cNvPicPr>
+          <p:nvPr/>
+        </p:nvPicPr>
+        <p:blipFill>
+          <a:blip r:embed="rId2">
+            <a:extLst>
+              <a:ext uri="{28A0092B-C50C-407E-A947-70E740481C1C}">
+                <a14:useLocalDpi xmlns:a14="http://schemas.microsoft.com/office/drawing/2010/main" val="0"/>
+              </a:ext>
+            </a:extLst>
+          </a:blip>
+          <a:srcRect/>
+          <a:stretch>
+            <a:fillRect/>
+          </a:stretch>
+        </p:blipFill>
+        <p:spPr bwMode="auto">
+          <a:xfrm>
+            <a:off x="7770945" y="599455"/>
+            <a:ext cx="1373055" cy="307545"/>
+          </a:xfrm>
+          <a:prstGeom prst="rect">
+            <a:avLst/>
+          </a:prstGeom>
+          <a:noFill/>
+          <a:extLst>
+            <a:ext uri="{909E8E84-426E-40DD-AFC4-6F175D3DCCD1}">
+              <a14:hiddenFill xmlns:a14="http://schemas.microsoft.com/office/drawing/2010/main">
+                <a:solidFill>
+                  <a:srgbClr val="FFFFFF"/>
+                </a:solidFill>
+              </a14:hiddenFill>
+            </a:ext>
+          </a:extLst>
+        </p:spPr>
+      </p:pic>
+      <p:sp>
+        <p:nvSpPr>
+          <p:cNvPr id="5" name="Slide Number Placeholder 4"/>
+          <p:cNvSpPr>
+            <a:spLocks noGrp="1"/>
+          </p:cNvSpPr>
+          <p:nvPr>
+            <p:ph type="sldNum" sz="quarter" idx="12"/>
+          </p:nvPr>
+        </p:nvSpPr>
+        <p:spPr/>
+        <p:txBody>
+          <a:bodyPr/>
+          <a:lstStyle/>
+          <a:p>
+            <a:pPr algn="ctr"/>
+            <a:fld id="{82B5D99C-3243-4CCA-89CF-846763E29181}" type="slidenum">
+              <a:rPr lang="es-CL" smtClean="0"/>
+              <a:pPr algn="ctr"/>
+              <a:t>7</a:t>
+            </a:fld>
+            <a:endParaRPr lang="es-CL" dirty="0"/>
+          </a:p>
+        </p:txBody>
+      </p:sp>
+      <p:graphicFrame>
+        <p:nvGraphicFramePr>
+          <p:cNvPr id="4" name="Table 3"/>
+          <p:cNvGraphicFramePr>
+            <a:graphicFrameLocks noGrp="1"/>
+          </p:cNvGraphicFramePr>
+          <p:nvPr>
+            <p:extLst>
+              <p:ext uri="{D42A27DB-BD31-4B8C-83A1-F6EECF244321}">
+                <p14:modId xmlns:p14="http://schemas.microsoft.com/office/powerpoint/2010/main" val="938438664"/>
+              </p:ext>
+            </p:extLst>
+          </p:nvPr>
+        </p:nvGraphicFramePr>
+        <p:xfrm>
+          <a:off x="531639" y="4501662"/>
+          <a:ext cx="6887390" cy="1700355"/>
+        </p:xfrm>
+        <a:graphic>
+          <a:graphicData uri="http://schemas.openxmlformats.org/drawingml/2006/table">
+            <a:tbl>
+              <a:tblPr firstRow="1" bandRow="1">
+                <a:effectLst/>
+                <a:tableStyleId>{5C22544A-7EE6-4342-B048-85BDC9FD1C3A}</a:tableStyleId>
+              </a:tblPr>
+              <a:tblGrid>
+                <a:gridCol w="3443695">
+                  <a:extLst>
+                    <a:ext uri="{9D8B030D-6E8A-4147-A177-3AD203B41FA5}">
+                      <a16:colId xmlns:a16="http://schemas.microsoft.com/office/drawing/2014/main" val="576900497"/>
+                    </a:ext>
+                  </a:extLst>
+                </a:gridCol>
+                <a:gridCol w="3443695">
+                  <a:extLst>
+                    <a:ext uri="{9D8B030D-6E8A-4147-A177-3AD203B41FA5}">
+                      <a16:colId xmlns:a16="http://schemas.microsoft.com/office/drawing/2014/main" val="404792023"/>
+                    </a:ext>
+                  </a:extLst>
+                </a:gridCol>
+              </a:tblGrid>
+              <a:tr h="1700355">
+                <a:tc>
+                  <a:txBody>
+                    <a:bodyPr/>
+                    <a:lstStyle/>
+                    <a:p>
+                      <a:pPr marL="457200" indent="-457200">
+                        <a:buFont typeface="+mj-lt"/>
+                        <a:buAutoNum type="arabicPeriod"/>
+                      </a:pPr>
+                      <a:r>
+                        <a:rPr lang="es-ES_tradnl" sz="2000" b="0" i="0" dirty="0"/>
+                        <a:t>Segmento de clientes</a:t>
+                      </a:r>
+                    </a:p>
+                    <a:p>
+                      <a:pPr marL="457200" indent="-457200">
+                        <a:buFont typeface="+mj-lt"/>
+                        <a:buAutoNum type="arabicPeriod"/>
+                      </a:pPr>
+                      <a:r>
+                        <a:rPr lang="es-ES_tradnl" sz="2000" b="0" i="0" dirty="0"/>
+                        <a:t>Propuesta de valor</a:t>
+                      </a:r>
+                    </a:p>
+                    <a:p>
+                      <a:pPr marL="457200" indent="-457200">
+                        <a:buFont typeface="+mj-lt"/>
+                        <a:buAutoNum type="arabicPeriod"/>
+                      </a:pPr>
+                      <a:r>
+                        <a:rPr lang="es-ES_tradnl" sz="2000" b="0" i="0" dirty="0"/>
+                        <a:t>Canales</a:t>
+                      </a:r>
+                    </a:p>
+                    <a:p>
+                      <a:pPr marL="457200" indent="-457200">
+                        <a:buFont typeface="+mj-lt"/>
+                        <a:buAutoNum type="arabicPeriod"/>
+                      </a:pPr>
+                      <a:r>
+                        <a:rPr lang="es-ES_tradnl" sz="2000" b="0" i="0" dirty="0" err="1"/>
+                        <a:t>Relacion</a:t>
+                      </a:r>
+                      <a:r>
+                        <a:rPr lang="es-ES_tradnl" sz="2000" b="0" i="0" dirty="0"/>
+                        <a:t> con el cliente</a:t>
+                      </a:r>
+                    </a:p>
+                    <a:p>
+                      <a:pPr marL="457200" indent="-457200">
+                        <a:buFont typeface="+mj-lt"/>
+                        <a:buAutoNum type="arabicPeriod"/>
+                      </a:pPr>
+                      <a:r>
+                        <a:rPr lang="es-ES_tradnl" sz="2000" b="0" i="0" dirty="0"/>
+                        <a:t>Fuente de ingresos</a:t>
+                      </a:r>
+                    </a:p>
+                  </a:txBody>
+                  <a:tcPr>
+                    <a:lnL w="12700" cap="flat" cmpd="sng" algn="ctr">
+                      <a:solidFill>
+                        <a:schemeClr val="tx1"/>
+                      </a:solidFill>
+                      <a:prstDash val="solid"/>
+                      <a:round/>
+                      <a:headEnd type="none" w="med" len="med"/>
+                      <a:tailEnd type="none" w="med" len="med"/>
+                    </a:lnL>
+                    <a:lnR w="12700" cap="flat" cmpd="sng" algn="ctr">
+                      <a:solidFill>
+                        <a:schemeClr val="tx1"/>
+                      </a:solidFill>
+                      <a:prstDash val="solid"/>
+                      <a:round/>
+                      <a:headEnd type="none" w="med" len="med"/>
+                      <a:tailEnd type="none" w="med" len="med"/>
+                    </a:lnR>
+                    <a:lnT w="12700" cap="flat" cmpd="sng" algn="ctr">
+                      <a:solidFill>
+                        <a:schemeClr val="tx1"/>
+                      </a:solidFill>
+                      <a:prstDash val="solid"/>
+                      <a:round/>
+                      <a:headEnd type="none" w="med" len="med"/>
+                      <a:tailEnd type="none" w="med" len="med"/>
+                    </a:lnT>
+                    <a:lnB w="12700" cap="flat" cmpd="sng" algn="ctr">
+                      <a:solidFill>
+                        <a:schemeClr val="tx1"/>
+                      </a:solidFill>
+                      <a:prstDash val="solid"/>
+                      <a:round/>
+                      <a:headEnd type="none" w="med" len="med"/>
+                      <a:tailEnd type="none" w="med" len="med"/>
+                    </a:lnB>
+                    <a:lnTlToBr w="12700" cmpd="sng">
+                      <a:noFill/>
+                      <a:prstDash val="solid"/>
+                    </a:lnTlToBr>
+                    <a:lnBlToTr w="12700" cmpd="sng">
+                      <a:noFill/>
+                      <a:prstDash val="solid"/>
+                    </a:lnBlToTr>
+                    <a:noFill/>
+                  </a:tcPr>
+                </a:tc>
+                <a:tc>
+                  <a:txBody>
+                    <a:bodyPr/>
+                    <a:lstStyle/>
+                    <a:p>
+                      <a:pPr marL="457200" indent="-457200">
+                        <a:buFont typeface="+mj-lt"/>
+                        <a:buAutoNum type="arabicPeriod" startAt="6"/>
+                      </a:pPr>
+                      <a:r>
+                        <a:rPr lang="es-ES_tradnl" sz="2000" b="0" i="0" dirty="0"/>
+                        <a:t>Recursos</a:t>
+                      </a:r>
+                    </a:p>
+                    <a:p>
+                      <a:pPr marL="457200" indent="-457200">
+                        <a:buFont typeface="+mj-lt"/>
+                        <a:buAutoNum type="arabicPeriod" startAt="6"/>
+                      </a:pPr>
+                      <a:r>
+                        <a:rPr lang="es-ES_tradnl" sz="2000" b="0" i="0" dirty="0" err="1"/>
+                        <a:t>Actuvidades</a:t>
+                      </a:r>
+                      <a:r>
+                        <a:rPr lang="es-ES_tradnl" sz="2000" b="0" i="0" dirty="0"/>
+                        <a:t> clave</a:t>
+                      </a:r>
+                    </a:p>
+                    <a:p>
+                      <a:pPr marL="457200" indent="-457200">
+                        <a:buFont typeface="+mj-lt"/>
+                        <a:buAutoNum type="arabicPeriod" startAt="6"/>
+                      </a:pPr>
+                      <a:r>
+                        <a:rPr lang="es-ES_tradnl" sz="2000" b="0" i="0" dirty="0"/>
+                        <a:t>Socios</a:t>
+                      </a:r>
+                    </a:p>
+                    <a:p>
+                      <a:pPr marL="457200" indent="-457200">
+                        <a:buFont typeface="+mj-lt"/>
+                        <a:buAutoNum type="arabicPeriod" startAt="6"/>
+                      </a:pPr>
+                      <a:r>
+                        <a:rPr lang="es-ES_tradnl" sz="2000" b="0" i="0" dirty="0"/>
+                        <a:t>Estructura de costos</a:t>
+                      </a:r>
+                      <a:endParaRPr lang="es-CL" sz="2000" b="0" i="0" dirty="0"/>
+                    </a:p>
+                  </a:txBody>
+                  <a:tcPr>
+                    <a:lnL w="12700" cap="flat" cmpd="sng" algn="ctr">
+                      <a:solidFill>
+                        <a:schemeClr val="tx1"/>
+                      </a:solidFill>
+                      <a:prstDash val="solid"/>
+                      <a:round/>
+                      <a:headEnd type="none" w="med" len="med"/>
+                      <a:tailEnd type="none" w="med" len="med"/>
+                    </a:lnL>
+                    <a:lnR w="12700" cap="flat" cmpd="sng" algn="ctr">
+                      <a:solidFill>
+                        <a:schemeClr val="tx1"/>
+                      </a:solidFill>
+                      <a:prstDash val="solid"/>
+                      <a:round/>
+                      <a:headEnd type="none" w="med" len="med"/>
+                      <a:tailEnd type="none" w="med" len="med"/>
+                    </a:lnR>
+                    <a:lnT w="12700" cap="flat" cmpd="sng" algn="ctr">
+                      <a:solidFill>
+                        <a:schemeClr val="tx1"/>
+                      </a:solidFill>
+                      <a:prstDash val="solid"/>
+                      <a:round/>
+                      <a:headEnd type="none" w="med" len="med"/>
+                      <a:tailEnd type="none" w="med" len="med"/>
+                    </a:lnT>
+                    <a:lnB w="12700" cap="flat" cmpd="sng" algn="ctr">
+                      <a:solidFill>
+                        <a:schemeClr val="tx1"/>
+                      </a:solidFill>
+                      <a:prstDash val="solid"/>
+                      <a:round/>
+                      <a:headEnd type="none" w="med" len="med"/>
+                      <a:tailEnd type="none" w="med" len="med"/>
+                    </a:lnB>
+                    <a:lnTlToBr w="12700" cmpd="sng">
+                      <a:noFill/>
+                      <a:prstDash val="solid"/>
+                    </a:lnTlToBr>
+                    <a:lnBlToTr w="12700" cmpd="sng">
+                      <a:noFill/>
+                      <a:prstDash val="solid"/>
+                    </a:lnBlToTr>
+                    <a:noFill/>
+                  </a:tcPr>
+                </a:tc>
+                <a:extLst>
+                  <a:ext uri="{0D108BD9-81ED-4DB2-BD59-A6C34878D82A}">
+                    <a16:rowId xmlns:a16="http://schemas.microsoft.com/office/drawing/2014/main" val="687705351"/>
+                  </a:ext>
+                </a:extLst>
+              </a:tr>
+            </a:tbl>
+          </a:graphicData>
+        </a:graphic>
+      </p:graphicFrame>
+    </p:spTree>
+    <p:extLst>
+      <p:ext uri="{BB962C8B-B14F-4D97-AF65-F5344CB8AC3E}">
+        <p14:creationId xmlns:p14="http://schemas.microsoft.com/office/powerpoint/2010/main" val="2892776809"/>
+      </p:ext>
+    </p:extLst>
+  </p:cSld>
+  <p:clrMapOvr>
+    <a:masterClrMapping/>
+  </p:clrMapOvr>
+</p:sld>
+</file>
+
+<file path=ppt/slides/slide8.xml><?xml version="1.0" encoding="utf-8"?>
+<p:sld xmlns:a="http://schemas.openxmlformats.org/drawingml/2006/main" xmlns:r="http://schemas.openxmlformats.org/officeDocument/2006/relationships" xmlns:p="http://schemas.openxmlformats.org/presentationml/2006/main">
+  <p:cSld>
+    <p:spTree>
+      <p:nvGrpSpPr>
+        <p:cNvPr id="1" name=""/>
+        <p:cNvGrpSpPr/>
+        <p:nvPr/>
+      </p:nvGrpSpPr>
+      <p:grpSpPr>
+        <a:xfrm>
+          <a:off x="0" y="0"/>
+          <a:ext cx="0" cy="0"/>
+          <a:chOff x="0" y="0"/>
+          <a:chExt cx="0" cy="0"/>
+        </a:xfrm>
+      </p:grpSpPr>
+      <p:sp>
+        <p:nvSpPr>
+          <p:cNvPr id="2" name="Title 1"/>
+          <p:cNvSpPr>
+            <a:spLocks noGrp="1"/>
+          </p:cNvSpPr>
+          <p:nvPr>
+            <p:ph type="title"/>
+          </p:nvPr>
+        </p:nvSpPr>
+        <p:spPr/>
+        <p:txBody>
+          <a:bodyPr/>
+          <a:lstStyle/>
+          <a:p>
+            <a:r>
+              <a:rPr lang="es-CL" dirty="0" err="1"/>
+              <a:t>Descripcion</a:t>
+            </a:r>
+            <a:r>
+              <a:rPr lang="es-CL" dirty="0"/>
+              <a:t> del caso</a:t>
+            </a:r>
+          </a:p>
+        </p:txBody>
+      </p:sp>
+      <p:sp>
+        <p:nvSpPr>
+          <p:cNvPr id="3" name="Content Placeholder 2"/>
+          <p:cNvSpPr>
+            <a:spLocks noGrp="1"/>
+          </p:cNvSpPr>
+          <p:nvPr>
+            <p:ph idx="1"/>
+          </p:nvPr>
+        </p:nvSpPr>
+        <p:spPr/>
+        <p:txBody>
+          <a:bodyPr/>
+          <a:lstStyle/>
+          <a:p>
+            <a:r>
+              <a:rPr lang="es-CL" dirty="0" err="1"/>
+              <a:t>Descripcion</a:t>
+            </a:r>
+            <a:r>
+              <a:rPr lang="es-CL" dirty="0"/>
+              <a:t> del problema</a:t>
+            </a:r>
+          </a:p>
+        </p:txBody>
+      </p:sp>
+      <p:pic>
+        <p:nvPicPr>
+          <p:cNvPr id="2050" name="Picture 2" descr="Resultado de imagen para duoc"/>
+          <p:cNvPicPr>
+            <a:picLocks noChangeAspect="1" noChangeArrowheads="1"/>
+          </p:cNvPicPr>
+          <p:nvPr/>
+        </p:nvPicPr>
+        <p:blipFill>
+          <a:blip r:embed="rId2">
+            <a:extLst>
+              <a:ext uri="{28A0092B-C50C-407E-A947-70E740481C1C}">
+                <a14:useLocalDpi xmlns:a14="http://schemas.microsoft.com/office/drawing/2010/main" val="0"/>
+              </a:ext>
+            </a:extLst>
+          </a:blip>
+          <a:srcRect/>
+          <a:stretch>
+            <a:fillRect/>
+          </a:stretch>
+        </p:blipFill>
+        <p:spPr bwMode="auto">
+          <a:xfrm>
+            <a:off x="7770945" y="599455"/>
+            <a:ext cx="1373055" cy="307545"/>
+          </a:xfrm>
+          <a:prstGeom prst="rect">
+            <a:avLst/>
+          </a:prstGeom>
+          <a:noFill/>
+          <a:extLst>
+            <a:ext uri="{909E8E84-426E-40DD-AFC4-6F175D3DCCD1}">
+              <a14:hiddenFill xmlns:a14="http://schemas.microsoft.com/office/drawing/2010/main">
+                <a:solidFill>
+                  <a:srgbClr val="FFFFFF"/>
+                </a:solidFill>
+              </a14:hiddenFill>
+            </a:ext>
+          </a:extLst>
+        </p:spPr>
+      </p:pic>
+      <p:sp>
+        <p:nvSpPr>
+          <p:cNvPr id="5" name="Slide Number Placeholder 4"/>
+          <p:cNvSpPr>
+            <a:spLocks noGrp="1"/>
+          </p:cNvSpPr>
+          <p:nvPr>
+            <p:ph type="sldNum" sz="quarter" idx="12"/>
+          </p:nvPr>
+        </p:nvSpPr>
+        <p:spPr/>
+        <p:txBody>
+          <a:bodyPr/>
+          <a:lstStyle/>
+          <a:p>
+            <a:pPr algn="ctr"/>
+            <a:fld id="{82B5D99C-3243-4CCA-89CF-846763E29181}" type="slidenum">
+              <a:rPr lang="es-CL" smtClean="0"/>
+              <a:pPr algn="ctr"/>
+              <a:t>8</a:t>
+            </a:fld>
+            <a:endParaRPr lang="es-CL" dirty="0"/>
+          </a:p>
+        </p:txBody>
+      </p:sp>
+      <p:pic>
+        <p:nvPicPr>
+          <p:cNvPr id="8" name="Picture 7" descr="plan_de_proyecto - Word"/>
+          <p:cNvPicPr>
+            <a:picLocks noChangeAspect="1"/>
+          </p:cNvPicPr>
+          <p:nvPr/>
+        </p:nvPicPr>
+        <p:blipFill rotWithShape="1">
+          <a:blip r:embed="rId3">
+            <a:extLst>
+              <a:ext uri="{28A0092B-C50C-407E-A947-70E740481C1C}">
+                <a14:useLocalDpi xmlns:a14="http://schemas.microsoft.com/office/drawing/2010/main" val="0"/>
+              </a:ext>
+            </a:extLst>
+          </a:blip>
+          <a:srcRect l="21885" t="13724" r="12608" b="13859"/>
+          <a:stretch/>
+        </p:blipFill>
+        <p:spPr>
+          <a:xfrm>
+            <a:off x="1297993" y="2887313"/>
+            <a:ext cx="6282252" cy="3738773"/>
+          </a:xfrm>
+          <a:prstGeom prst="rect">
+            <a:avLst/>
+          </a:prstGeom>
+        </p:spPr>
+      </p:pic>
+    </p:spTree>
+    <p:extLst>
+      <p:ext uri="{BB962C8B-B14F-4D97-AF65-F5344CB8AC3E}">
+        <p14:creationId xmlns:p14="http://schemas.microsoft.com/office/powerpoint/2010/main" val="1100844812"/>
+      </p:ext>
+    </p:extLst>
+  </p:cSld>
+  <p:clrMapOvr>
+    <a:masterClrMapping/>
+  </p:clrMapOvr>
+</p:sld>
+</file>
+
+<file path=ppt/slides/slide9.xml><?xml version="1.0" encoding="utf-8"?>
+<p:sld xmlns:a="http://schemas.openxmlformats.org/drawingml/2006/main" xmlns:r="http://schemas.openxmlformats.org/officeDocument/2006/relationships" xmlns:p="http://schemas.openxmlformats.org/presentationml/2006/main">
+  <p:cSld>
+    <p:spTree>
+      <p:nvGrpSpPr>
+        <p:cNvPr id="1" name=""/>
+        <p:cNvGrpSpPr/>
+        <p:nvPr/>
+      </p:nvGrpSpPr>
+      <p:grpSpPr>
+        <a:xfrm>
+          <a:off x="0" y="0"/>
+          <a:ext cx="0" cy="0"/>
+          <a:chOff x="0" y="0"/>
+          <a:chExt cx="0" cy="0"/>
+        </a:xfrm>
+      </p:grpSpPr>
+      <p:sp>
+        <p:nvSpPr>
+          <p:cNvPr id="2" name="Title 1"/>
+          <p:cNvSpPr>
+            <a:spLocks noGrp="1"/>
+          </p:cNvSpPr>
+          <p:nvPr>
+            <p:ph type="title"/>
+          </p:nvPr>
+        </p:nvSpPr>
+        <p:spPr/>
+        <p:txBody>
+          <a:bodyPr/>
+          <a:lstStyle/>
+          <a:p>
+            <a:endParaRPr lang="es-CL" dirty="0"/>
+          </a:p>
+        </p:txBody>
+      </p:sp>
+      <p:sp>
+        <p:nvSpPr>
+          <p:cNvPr id="3" name="Content Placeholder 2"/>
+          <p:cNvSpPr>
+            <a:spLocks noGrp="1"/>
+          </p:cNvSpPr>
+          <p:nvPr>
+            <p:ph idx="1"/>
+          </p:nvPr>
+        </p:nvSpPr>
+        <p:spPr/>
+        <p:txBody>
+          <a:bodyPr/>
+          <a:lstStyle/>
+          <a:p>
+            <a:endParaRPr lang="es-CL" dirty="0"/>
+          </a:p>
+        </p:txBody>
+      </p:sp>
+      <p:pic>
+        <p:nvPicPr>
+          <p:cNvPr id="2050" name="Picture 2" descr="Resultado de imagen para duoc"/>
+          <p:cNvPicPr>
+            <a:picLocks noChangeAspect="1" noChangeArrowheads="1"/>
+          </p:cNvPicPr>
+          <p:nvPr/>
+        </p:nvPicPr>
+        <p:blipFill>
+          <a:blip r:embed="rId2">
+            <a:extLst>
+              <a:ext uri="{28A0092B-C50C-407E-A947-70E740481C1C}">
+                <a14:useLocalDpi xmlns:a14="http://schemas.microsoft.com/office/drawing/2010/main" val="0"/>
+              </a:ext>
+            </a:extLst>
+          </a:blip>
+          <a:srcRect/>
+          <a:stretch>
+            <a:fillRect/>
+          </a:stretch>
+        </p:blipFill>
+        <p:spPr bwMode="auto">
+          <a:xfrm>
+            <a:off x="7770945" y="599455"/>
+            <a:ext cx="1373055" cy="307545"/>
+          </a:xfrm>
+          <a:prstGeom prst="rect">
+            <a:avLst/>
+          </a:prstGeom>
+          <a:noFill/>
+          <a:extLst>
+            <a:ext uri="{909E8E84-426E-40DD-AFC4-6F175D3DCCD1}">
+              <a14:hiddenFill xmlns:a14="http://schemas.microsoft.com/office/drawing/2010/main">
+                <a:solidFill>
+                  <a:srgbClr val="FFFFFF"/>
+                </a:solidFill>
+              </a14:hiddenFill>
+            </a:ext>
+          </a:extLst>
+        </p:spPr>
+      </p:pic>
+      <p:sp>
+        <p:nvSpPr>
+          <p:cNvPr id="5" name="Slide Number Placeholder 4"/>
+          <p:cNvSpPr>
+            <a:spLocks noGrp="1"/>
+          </p:cNvSpPr>
+          <p:nvPr>
+            <p:ph type="sldNum" sz="quarter" idx="12"/>
+          </p:nvPr>
+        </p:nvSpPr>
+        <p:spPr/>
+        <p:txBody>
+          <a:bodyPr/>
+          <a:lstStyle/>
+          <a:p>
+            <a:pPr algn="ctr"/>
+            <a:fld id="{82B5D99C-3243-4CCA-89CF-846763E29181}" type="slidenum">
+              <a:rPr lang="es-CL" smtClean="0"/>
+              <a:pPr algn="ctr"/>
+              <a:t>9</a:t>
+            </a:fld>
+            <a:endParaRPr lang="es-CL" dirty="0"/>
+          </a:p>
+        </p:txBody>
+      </p:sp>
+    </p:spTree>
+    <p:extLst>
+      <p:ext uri="{BB962C8B-B14F-4D97-AF65-F5344CB8AC3E}">
+        <p14:creationId xmlns:p14="http://schemas.microsoft.com/office/powerpoint/2010/main" val="2520761892"/>
       </p:ext>
     </p:extLst>
   </p:cSld>

--- a/docs/plan-de-proyecto/ppt-iteracion1.pptx
+++ b/docs/plan-de-proyecto/ppt-iteracion1.pptx
@@ -5,7 +5,7 @@
     <p:sldMasterId id="2147483732" r:id="rId1"/>
   </p:sldMasterIdLst>
   <p:notesMasterIdLst>
-    <p:notesMasterId r:id="rId11"/>
+    <p:notesMasterId r:id="rId14"/>
   </p:notesMasterIdLst>
   <p:sldIdLst>
     <p:sldId id="256" r:id="rId2"/>
@@ -17,6 +17,9 @@
     <p:sldId id="262" r:id="rId8"/>
     <p:sldId id="263" r:id="rId9"/>
     <p:sldId id="264" r:id="rId10"/>
+    <p:sldId id="265" r:id="rId11"/>
+    <p:sldId id="266" r:id="rId12"/>
+    <p:sldId id="267" r:id="rId13"/>
   </p:sldIdLst>
   <p:sldSz cx="9144000" cy="6858000" type="screen4x3"/>
   <p:notesSz cx="6858000" cy="9144000"/>
@@ -7790,7 +7793,7 @@
           </a:prstGeom>
           <a:extLst>
             <a:ext uri="{909E8E84-426E-40dd-AFC4-6F175D3DCCD1}">
-              <a14:hiddenFill xmlns:a14="http://schemas.microsoft.com/office/drawing/2010/main" xmlns="">
+              <a14:hiddenFill xmlns="" xmlns:a14="http://schemas.microsoft.com/office/drawing/2010/main">
                 <a:solidFill>
                   <a:srgbClr val="FFFFFF"/>
                 </a:solidFill>
@@ -8482,7 +8485,7 @@
 </p:sld>
 </file>
 
-<file path=ppt/slides/slide2.xml><?xml version="1.0" encoding="utf-8"?>
+<file path=ppt/slides/slide10.xml><?xml version="1.0" encoding="utf-8"?>
 <p:sld xmlns:a="http://schemas.openxmlformats.org/drawingml/2006/main" xmlns:r="http://schemas.openxmlformats.org/officeDocument/2006/relationships" xmlns:p="http://schemas.openxmlformats.org/presentationml/2006/main">
   <p:cSld>
     <p:spTree>
@@ -8516,7 +8519,7 @@
           <a:p>
             <a:r>
               <a:rPr lang="es-CL" dirty="0"/>
-              <a:t>Contenido</a:t>
+              <a:t>Alcance</a:t>
             </a:r>
           </a:p>
         </p:txBody>
@@ -8533,8 +8536,8 @@
         </p:nvSpPr>
         <p:spPr>
           <a:xfrm>
-            <a:off x="533400" y="2336873"/>
-            <a:ext cx="6887389" cy="4310112"/>
+            <a:off x="533400" y="2336872"/>
+            <a:ext cx="6887389" cy="4063927"/>
           </a:xfrm>
         </p:spPr>
         <p:txBody>
@@ -8544,74 +8547,58 @@
           <a:lstStyle/>
           <a:p>
             <a:r>
-              <a:rPr lang="es-CL" dirty="0"/>
-              <a:t>Descripción del caso</a:t>
-            </a:r>
-          </a:p>
-          <a:p>
-            <a:pPr lvl="1"/>
-            <a:r>
-              <a:rPr lang="es-CL" dirty="0"/>
-              <a:t>Descripción de empresa</a:t>
-            </a:r>
-          </a:p>
-          <a:p>
-            <a:pPr lvl="1"/>
-            <a:r>
-              <a:rPr lang="es-CL" dirty="0"/>
-              <a:t>Descripción modelo de negocios</a:t>
-            </a:r>
-          </a:p>
-          <a:p>
-            <a:pPr lvl="1"/>
-            <a:r>
-              <a:rPr lang="es-CL" dirty="0"/>
-              <a:t>Descripción del problema</a:t>
+              <a:rPr lang="es-CL" dirty="0">
+                <a:latin typeface="Calibri" panose="020F0502020204030204" pitchFamily="34" charset="0"/>
+              </a:rPr>
+              <a:t>Descripción del proyecto</a:t>
             </a:r>
           </a:p>
           <a:p>
             <a:pPr marL="0" indent="0">
+              <a:spcAft>
+                <a:spcPts val="0"/>
+              </a:spcAft>
               <a:buNone/>
             </a:pPr>
-            <a:endParaRPr lang="es-CL" dirty="0"/>
-          </a:p>
-          <a:p>
-            <a:r>
-              <a:rPr lang="es-CL" dirty="0"/>
-              <a:t>Alcance</a:t>
-            </a:r>
-          </a:p>
-          <a:p>
-            <a:pPr lvl="1"/>
-            <a:r>
-              <a:rPr lang="es-CL" dirty="0"/>
-              <a:t>Objetivos</a:t>
-            </a:r>
-          </a:p>
-          <a:p>
-            <a:pPr lvl="1"/>
-            <a:r>
-              <a:rPr lang="es-CL" dirty="0"/>
-              <a:t>Descripción del proyecto</a:t>
-            </a:r>
-          </a:p>
-          <a:p>
-            <a:pPr lvl="1"/>
-            <a:r>
-              <a:rPr lang="es-CL" dirty="0"/>
-              <a:t>Descripción del producto</a:t>
-            </a:r>
-          </a:p>
-          <a:p>
-            <a:pPr marL="457200" lvl="1" indent="0">
+            <a:r>
+              <a:rPr lang="es-ES_tradnl" dirty="0">
+                <a:latin typeface="Calibri" panose="020F0502020204030204" pitchFamily="34" charset="0"/>
+                <a:ea typeface="Calibri" panose="020F0502020204030204" pitchFamily="34" charset="0"/>
+                <a:cs typeface="Times New Roman" panose="02020603050405020304" pitchFamily="18" charset="0"/>
+              </a:rPr>
+              <a:t>Se solicita agilizar a través de software los procesos que actualmente realizan a través de papel y así hacer que estos sean más eficientes ya que para el Centro médico "Hipócrates" les toma demasiado tiempo.</a:t>
+            </a:r>
+          </a:p>
+          <a:p>
+            <a:pPr marL="0" indent="0">
+              <a:spcAft>
+                <a:spcPts val="0"/>
+              </a:spcAft>
               <a:buNone/>
             </a:pPr>
-            <a:endParaRPr lang="es-CL" dirty="0"/>
-          </a:p>
-          <a:p>
-            <a:r>
-              <a:rPr lang="es-CL" dirty="0"/>
-              <a:t>Entregables</a:t>
+            <a:r>
+              <a:rPr lang="es-CL" dirty="0">
+                <a:latin typeface="Calibri" panose="020F0502020204030204" pitchFamily="34" charset="0"/>
+                <a:ea typeface="Calibri" panose="020F0502020204030204" pitchFamily="34" charset="0"/>
+                <a:cs typeface="Times New Roman" panose="02020603050405020304" pitchFamily="18" charset="0"/>
+              </a:rPr>
+              <a:t>Generar una solución informática para los trabajadores del centro médico, también para los pacientes.</a:t>
+            </a:r>
+          </a:p>
+          <a:p>
+            <a:pPr marL="0" indent="0">
+              <a:spcAft>
+                <a:spcPts val="0"/>
+              </a:spcAft>
+              <a:buNone/>
+            </a:pPr>
+            <a:r>
+              <a:rPr lang="es-CL" dirty="0">
+                <a:latin typeface="Calibri" panose="020F0502020204030204" pitchFamily="34" charset="0"/>
+                <a:ea typeface="Calibri" panose="020F0502020204030204" pitchFamily="34" charset="0"/>
+                <a:cs typeface="Times New Roman" panose="02020603050405020304" pitchFamily="18" charset="0"/>
+              </a:rPr>
+              <a:t>Servicios extra, ejemplo: capacitación y migración para puesta en marcha</a:t>
             </a:r>
           </a:p>
         </p:txBody>
@@ -8676,7 +8663,7 @@
             <a:fld id="{82B5D99C-3243-4CCA-89CF-846763E29181}" type="slidenum">
               <a:rPr lang="es-CL" smtClean="0"/>
               <a:pPr algn="ctr"/>
-              <a:t>2</a:t>
+              <a:t>10</a:t>
             </a:fld>
             <a:endParaRPr lang="es-CL" dirty="0"/>
           </a:p>
@@ -8685,7 +8672,7 @@
     </p:spTree>
     <p:extLst>
       <p:ext uri="{BB962C8B-B14F-4D97-AF65-F5344CB8AC3E}">
-        <p14:creationId xmlns:p14="http://schemas.microsoft.com/office/powerpoint/2010/main" val="3860496622"/>
+        <p14:creationId xmlns:p14="http://schemas.microsoft.com/office/powerpoint/2010/main" val="2721289420"/>
       </p:ext>
     </p:extLst>
   </p:cSld>
@@ -8695,7 +8682,7 @@
 </p:sld>
 </file>
 
-<file path=ppt/slides/slide3.xml><?xml version="1.0" encoding="utf-8"?>
+<file path=ppt/slides/slide11.xml><?xml version="1.0" encoding="utf-8"?>
 <p:sld xmlns:a="http://schemas.openxmlformats.org/drawingml/2006/main" xmlns:r="http://schemas.openxmlformats.org/officeDocument/2006/relationships" xmlns:p="http://schemas.openxmlformats.org/presentationml/2006/main">
   <p:cSld>
     <p:spTree>
@@ -8729,7 +8716,7 @@
           <a:p>
             <a:r>
               <a:rPr lang="es-CL" dirty="0"/>
-              <a:t>Contenidos</a:t>
+              <a:t>Alcance</a:t>
             </a:r>
           </a:p>
         </p:txBody>
@@ -8750,52 +8737,40 @@
           <a:lstStyle/>
           <a:p>
             <a:r>
-              <a:rPr lang="es-CL" dirty="0"/>
-              <a:t>Especificación de Requerimientos de SW (ERS)</a:t>
-            </a:r>
-          </a:p>
-          <a:p>
-            <a:r>
-              <a:rPr lang="es-CL" dirty="0"/>
-              <a:t>Organización del proyecto</a:t>
-            </a:r>
-          </a:p>
-          <a:p>
-            <a:r>
-              <a:rPr lang="es-CL" dirty="0"/>
-              <a:t>Modelo de procesos</a:t>
-            </a:r>
-          </a:p>
-          <a:p>
-            <a:pPr lvl="1"/>
-            <a:r>
-              <a:rPr lang="es-CL" dirty="0"/>
-              <a:t>Procesos vigentes</a:t>
-            </a:r>
-          </a:p>
-          <a:p>
-            <a:pPr lvl="1"/>
-            <a:r>
-              <a:rPr lang="es-CL" dirty="0"/>
-              <a:t>Procesos propuestos</a:t>
-            </a:r>
-          </a:p>
-          <a:p>
-            <a:r>
-              <a:rPr lang="es-CL" dirty="0"/>
-              <a:t>Estructura organizacional</a:t>
-            </a:r>
-          </a:p>
-          <a:p>
-            <a:r>
-              <a:rPr lang="es-CL" dirty="0"/>
-              <a:t>Interfaces e Interacciones</a:t>
-            </a:r>
-          </a:p>
-          <a:p>
-            <a:r>
-              <a:rPr lang="es-CL" dirty="0"/>
-              <a:t>Responsables</a:t>
+              <a:rPr lang="es-CL" dirty="0">
+                <a:latin typeface="Calibri" panose="020F0502020204030204" pitchFamily="34" charset="0"/>
+              </a:rPr>
+              <a:t>Descripción del producto</a:t>
+            </a:r>
+          </a:p>
+          <a:p>
+            <a:pPr marL="0" indent="0">
+              <a:buNone/>
+            </a:pPr>
+            <a:r>
+              <a:rPr lang="es-CL" dirty="0">
+                <a:latin typeface="Calibri" panose="020F0502020204030204" pitchFamily="34" charset="0"/>
+              </a:rPr>
+              <a:t>A grandes rasgos: Creación de base de datos relacional en Oracle, aplicaciones .NET y Java (Web y Escritorio)</a:t>
+            </a:r>
+          </a:p>
+          <a:p>
+            <a:pPr marL="0" indent="0">
+              <a:buNone/>
+            </a:pPr>
+            <a:endParaRPr lang="es-CL" dirty="0">
+              <a:latin typeface="Calibri" panose="020F0502020204030204" pitchFamily="34" charset="0"/>
+            </a:endParaRPr>
+          </a:p>
+          <a:p>
+            <a:pPr marL="0" indent="0">
+              <a:buNone/>
+            </a:pPr>
+            <a:r>
+              <a:rPr lang="es-CL" dirty="0">
+                <a:latin typeface="Calibri" panose="020F0502020204030204" pitchFamily="34" charset="0"/>
+              </a:rPr>
+              <a:t>Las funcionalidades habrán de apoyar a los principales procesos del negocio del cliente, entre los cuales está la atención de público, manejo de fichas médicas y funciones contables.</a:t>
             </a:r>
           </a:p>
         </p:txBody>
@@ -8860,7 +8835,7 @@
             <a:fld id="{82B5D99C-3243-4CCA-89CF-846763E29181}" type="slidenum">
               <a:rPr lang="es-CL" smtClean="0"/>
               <a:pPr algn="ctr"/>
-              <a:t>3</a:t>
+              <a:t>11</a:t>
             </a:fld>
             <a:endParaRPr lang="es-CL" dirty="0"/>
           </a:p>
@@ -8869,7 +8844,7 @@
     </p:spTree>
     <p:extLst>
       <p:ext uri="{BB962C8B-B14F-4D97-AF65-F5344CB8AC3E}">
-        <p14:creationId xmlns:p14="http://schemas.microsoft.com/office/powerpoint/2010/main" val="504158896"/>
+        <p14:creationId xmlns:p14="http://schemas.microsoft.com/office/powerpoint/2010/main" val="3622473992"/>
       </p:ext>
     </p:extLst>
   </p:cSld>
@@ -8879,7 +8854,7 @@
 </p:sld>
 </file>
 
-<file path=ppt/slides/slide4.xml><?xml version="1.0" encoding="utf-8"?>
+<file path=ppt/slides/slide12.xml><?xml version="1.0" encoding="utf-8"?>
 <p:sld xmlns:a="http://schemas.openxmlformats.org/drawingml/2006/main" xmlns:r="http://schemas.openxmlformats.org/officeDocument/2006/relationships" xmlns:p="http://schemas.openxmlformats.org/presentationml/2006/main">
   <p:cSld>
     <p:spTree>
@@ -8911,10 +8886,7 @@
           <a:bodyPr/>
           <a:lstStyle/>
           <a:p>
-            <a:r>
-              <a:rPr lang="es-CL" dirty="0"/>
-              <a:t>Contenidos</a:t>
-            </a:r>
+            <a:endParaRPr lang="es-CL" dirty="0"/>
           </a:p>
         </p:txBody>
       </p:sp>
@@ -8933,64 +8905,9 @@
           <a:bodyPr/>
           <a:lstStyle/>
           <a:p>
-            <a:r>
-              <a:rPr lang="es-CL" dirty="0"/>
-              <a:t>Procesos de gestión</a:t>
-            </a:r>
-          </a:p>
-          <a:p>
-            <a:pPr lvl="1"/>
-            <a:r>
-              <a:rPr lang="es-CL" dirty="0"/>
-              <a:t>Condiciones asumidas, dependencias y restricciones</a:t>
-            </a:r>
-          </a:p>
-          <a:p>
-            <a:pPr lvl="1"/>
-            <a:r>
-              <a:rPr lang="es-CL" dirty="0"/>
-              <a:t>Gestión de riesgos</a:t>
-            </a:r>
-          </a:p>
-          <a:p>
-            <a:r>
-              <a:rPr lang="es-CL" dirty="0"/>
-              <a:t>Mecanismos de control y ajuste</a:t>
-            </a:r>
-          </a:p>
-          <a:p>
-            <a:pPr lvl="1"/>
-            <a:r>
-              <a:rPr lang="es-CL" dirty="0"/>
-              <a:t>Mecanismos para la gestión de calidad</a:t>
-            </a:r>
-          </a:p>
-          <a:p>
-            <a:pPr lvl="1"/>
-            <a:r>
-              <a:rPr lang="es-CL" dirty="0"/>
-              <a:t>Mecanismos para la gestión de configuración</a:t>
-            </a:r>
-          </a:p>
-          <a:p>
-            <a:pPr lvl="1"/>
-            <a:r>
-              <a:rPr lang="es-CL" dirty="0"/>
-              <a:t>Mecanismos para la verificación</a:t>
-            </a:r>
-          </a:p>
-          <a:p>
-            <a:pPr lvl="1"/>
-            <a:r>
-              <a:rPr lang="es-CL" dirty="0"/>
-              <a:t>Mecanismos para la gestión del proyecto</a:t>
-            </a:r>
-          </a:p>
-          <a:p>
-            <a:r>
-              <a:rPr lang="es-CL" dirty="0"/>
-              <a:t>Recursos</a:t>
-            </a:r>
+            <a:endParaRPr lang="es-CL" dirty="0">
+              <a:latin typeface="Calibri" panose="020F0502020204030204" pitchFamily="34" charset="0"/>
+            </a:endParaRPr>
           </a:p>
         </p:txBody>
       </p:sp>
@@ -9054,7 +8971,7 @@
             <a:fld id="{82B5D99C-3243-4CCA-89CF-846763E29181}" type="slidenum">
               <a:rPr lang="es-CL" smtClean="0"/>
               <a:pPr algn="ctr"/>
-              <a:t>4</a:t>
+              <a:t>12</a:t>
             </a:fld>
             <a:endParaRPr lang="es-CL" dirty="0"/>
           </a:p>
@@ -9063,7 +8980,7 @@
     </p:spTree>
     <p:extLst>
       <p:ext uri="{BB962C8B-B14F-4D97-AF65-F5344CB8AC3E}">
-        <p14:creationId xmlns:p14="http://schemas.microsoft.com/office/powerpoint/2010/main" val="159672018"/>
+        <p14:creationId xmlns:p14="http://schemas.microsoft.com/office/powerpoint/2010/main" val="507458925"/>
       </p:ext>
     </p:extLst>
   </p:cSld>
@@ -9073,7 +8990,7 @@
 </p:sld>
 </file>
 
-<file path=ppt/slides/slide5.xml><?xml version="1.0" encoding="utf-8"?>
+<file path=ppt/slides/slide2.xml><?xml version="1.0" encoding="utf-8"?>
 <p:sld xmlns:a="http://schemas.openxmlformats.org/drawingml/2006/main" xmlns:r="http://schemas.openxmlformats.org/officeDocument/2006/relationships" xmlns:p="http://schemas.openxmlformats.org/presentationml/2006/main">
   <p:cSld>
     <p:spTree>
@@ -9107,7 +9024,7 @@
           <a:p>
             <a:r>
               <a:rPr lang="es-CL" dirty="0"/>
-              <a:t>Contenidos</a:t>
+              <a:t>Contenido</a:t>
             </a:r>
           </a:p>
         </p:txBody>
@@ -9122,42 +9039,109 @@
             <p:ph idx="1"/>
           </p:nvPr>
         </p:nvSpPr>
-        <p:spPr/>
-        <p:txBody>
-          <a:bodyPr/>
+        <p:spPr>
+          <a:xfrm>
+            <a:off x="533400" y="2336873"/>
+            <a:ext cx="6887389" cy="4310112"/>
+          </a:xfrm>
+        </p:spPr>
+        <p:txBody>
+          <a:bodyPr>
+            <a:normAutofit/>
+          </a:bodyPr>
           <a:lstStyle/>
           <a:p>
             <a:r>
-              <a:rPr lang="es-CL" dirty="0"/>
-              <a:t>Líneas de trabajo, distribución de recursos y cronogramas</a:t>
+              <a:rPr lang="es-CL" dirty="0">
+                <a:latin typeface="Calibri" panose="020F0502020204030204" pitchFamily="34" charset="0"/>
+              </a:rPr>
+              <a:t>Descripción del caso</a:t>
             </a:r>
           </a:p>
           <a:p>
             <a:pPr lvl="1"/>
             <a:r>
-              <a:rPr lang="es-CL" dirty="0"/>
-              <a:t>Líneas de trabajo</a:t>
+              <a:rPr lang="es-CL" dirty="0">
+                <a:latin typeface="Calibri" panose="020F0502020204030204" pitchFamily="34" charset="0"/>
+              </a:rPr>
+              <a:t>Descripción de empresa</a:t>
             </a:r>
           </a:p>
           <a:p>
             <a:pPr lvl="1"/>
             <a:r>
-              <a:rPr lang="es-CL" dirty="0"/>
-              <a:t>Dependencias</a:t>
+              <a:rPr lang="es-CL" dirty="0">
+                <a:latin typeface="Calibri" panose="020F0502020204030204" pitchFamily="34" charset="0"/>
+              </a:rPr>
+              <a:t>Descripción modelo de negocios</a:t>
             </a:r>
           </a:p>
           <a:p>
             <a:pPr lvl="1"/>
             <a:r>
-              <a:rPr lang="es-CL" dirty="0"/>
-              <a:t>Distribución de recursos humanos</a:t>
+              <a:rPr lang="es-CL" dirty="0">
+                <a:latin typeface="Calibri" panose="020F0502020204030204" pitchFamily="34" charset="0"/>
+              </a:rPr>
+              <a:t>Descripción del problema</a:t>
+            </a:r>
+          </a:p>
+          <a:p>
+            <a:pPr marL="0" indent="0">
+              <a:buNone/>
+            </a:pPr>
+            <a:endParaRPr lang="es-CL" dirty="0">
+              <a:latin typeface="Calibri" panose="020F0502020204030204" pitchFamily="34" charset="0"/>
+            </a:endParaRPr>
+          </a:p>
+          <a:p>
+            <a:r>
+              <a:rPr lang="es-CL" dirty="0">
+                <a:latin typeface="Calibri" panose="020F0502020204030204" pitchFamily="34" charset="0"/>
+              </a:rPr>
+              <a:t>Alcance</a:t>
             </a:r>
           </a:p>
           <a:p>
             <a:pPr lvl="1"/>
             <a:r>
-              <a:rPr lang="es-CL" dirty="0"/>
-              <a:t>cronograma</a:t>
+              <a:rPr lang="es-CL" dirty="0">
+                <a:latin typeface="Calibri" panose="020F0502020204030204" pitchFamily="34" charset="0"/>
+              </a:rPr>
+              <a:t>Objetivos</a:t>
+            </a:r>
+          </a:p>
+          <a:p>
+            <a:pPr lvl="1"/>
+            <a:r>
+              <a:rPr lang="es-CL" dirty="0">
+                <a:latin typeface="Calibri" panose="020F0502020204030204" pitchFamily="34" charset="0"/>
+              </a:rPr>
+              <a:t>Descripción del proyecto</a:t>
+            </a:r>
+          </a:p>
+          <a:p>
+            <a:pPr lvl="1"/>
+            <a:r>
+              <a:rPr lang="es-CL" dirty="0">
+                <a:latin typeface="Calibri" panose="020F0502020204030204" pitchFamily="34" charset="0"/>
+              </a:rPr>
+              <a:t>Descripción del producto</a:t>
+            </a:r>
+          </a:p>
+          <a:p>
+            <a:pPr marL="457200" lvl="1" indent="0">
+              <a:buNone/>
+            </a:pPr>
+            <a:endParaRPr lang="es-CL" dirty="0">
+              <a:latin typeface="Calibri" panose="020F0502020204030204" pitchFamily="34" charset="0"/>
+            </a:endParaRPr>
+          </a:p>
+          <a:p>
+            <a:r>
+              <a:rPr lang="es-CL" dirty="0">
+                <a:latin typeface="Calibri" panose="020F0502020204030204" pitchFamily="34" charset="0"/>
+              </a:rPr>
+              <a:t>Entregables</a:t>
             </a:r>
           </a:p>
         </p:txBody>
@@ -9222,7 +9206,7 @@
             <a:fld id="{82B5D99C-3243-4CCA-89CF-846763E29181}" type="slidenum">
               <a:rPr lang="es-CL" smtClean="0"/>
               <a:pPr algn="ctr"/>
-              <a:t>5</a:t>
+              <a:t>2</a:t>
             </a:fld>
             <a:endParaRPr lang="es-CL" dirty="0"/>
           </a:p>
@@ -9231,7 +9215,7 @@
     </p:spTree>
     <p:extLst>
       <p:ext uri="{BB962C8B-B14F-4D97-AF65-F5344CB8AC3E}">
-        <p14:creationId xmlns:p14="http://schemas.microsoft.com/office/powerpoint/2010/main" val="2637676616"/>
+        <p14:creationId xmlns:p14="http://schemas.microsoft.com/office/powerpoint/2010/main" val="3860496622"/>
       </p:ext>
     </p:extLst>
   </p:cSld>
@@ -9241,7 +9225,7 @@
 </p:sld>
 </file>
 
-<file path=ppt/slides/slide6.xml><?xml version="1.0" encoding="utf-8"?>
+<file path=ppt/slides/slide3.xml><?xml version="1.0" encoding="utf-8"?>
 <p:sld xmlns:a="http://schemas.openxmlformats.org/drawingml/2006/main" xmlns:r="http://schemas.openxmlformats.org/officeDocument/2006/relationships" xmlns:p="http://schemas.openxmlformats.org/presentationml/2006/main">
   <p:cSld>
     <p:spTree>
@@ -9274,12 +9258,8 @@
           <a:lstStyle/>
           <a:p>
             <a:r>
-              <a:rPr lang="es-CL" dirty="0" err="1"/>
-              <a:t>Descripcion</a:t>
-            </a:r>
-            <a:r>
               <a:rPr lang="es-CL" dirty="0"/>
-              <a:t> del caso</a:t>
+              <a:t>Contenidos</a:t>
             </a:r>
           </a:p>
         </p:txBody>
@@ -9300,29 +9280,69 @@
           <a:lstStyle/>
           <a:p>
             <a:r>
-              <a:rPr lang="es-CL" dirty="0" err="1"/>
-              <a:t>Descripcion</a:t>
-            </a:r>
-            <a:r>
-              <a:rPr lang="es-CL" dirty="0"/>
-              <a:t> de la empresa</a:t>
-            </a:r>
-          </a:p>
-          <a:p>
-            <a:pPr marL="0" indent="0">
-              <a:buNone/>
-            </a:pPr>
-            <a:r>
-              <a:rPr lang="es-ES_tradnl" dirty="0"/>
-              <a:t>El centro médico Hipócrates es una institución dedicada a servicios de salud, que emplea a médicos, tecnólogos médicos, enfermeras y operadores para ofrecer diversos procedimientos a sus clientes, entre ellos consultas médicas, exámenes e imagenología. </a:t>
-            </a:r>
-            <a:endParaRPr lang="es-CL" dirty="0"/>
-          </a:p>
-          <a:p>
-            <a:pPr marL="0" indent="0">
-              <a:buNone/>
-            </a:pPr>
-            <a:endParaRPr lang="es-CL" dirty="0"/>
+              <a:rPr lang="es-CL" dirty="0">
+                <a:latin typeface="Calibri" panose="020F0502020204030204" pitchFamily="34" charset="0"/>
+              </a:rPr>
+              <a:t>Especificación de Requerimientos de SW (ERS)</a:t>
+            </a:r>
+          </a:p>
+          <a:p>
+            <a:r>
+              <a:rPr lang="es-CL" dirty="0">
+                <a:latin typeface="Calibri" panose="020F0502020204030204" pitchFamily="34" charset="0"/>
+              </a:rPr>
+              <a:t>Organización del proyecto</a:t>
+            </a:r>
+          </a:p>
+          <a:p>
+            <a:r>
+              <a:rPr lang="es-CL" dirty="0">
+                <a:latin typeface="Calibri" panose="020F0502020204030204" pitchFamily="34" charset="0"/>
+              </a:rPr>
+              <a:t>Modelo de procesos</a:t>
+            </a:r>
+          </a:p>
+          <a:p>
+            <a:pPr lvl="1"/>
+            <a:r>
+              <a:rPr lang="es-CL" dirty="0">
+                <a:latin typeface="Calibri" panose="020F0502020204030204" pitchFamily="34" charset="0"/>
+              </a:rPr>
+              <a:t>Procesos vigentes</a:t>
+            </a:r>
+          </a:p>
+          <a:p>
+            <a:pPr lvl="1"/>
+            <a:r>
+              <a:rPr lang="es-CL" dirty="0">
+                <a:latin typeface="Calibri" panose="020F0502020204030204" pitchFamily="34" charset="0"/>
+              </a:rPr>
+              <a:t>Procesos propuestos</a:t>
+            </a:r>
+          </a:p>
+          <a:p>
+            <a:r>
+              <a:rPr lang="es-CL" dirty="0">
+                <a:latin typeface="Calibri" panose="020F0502020204030204" pitchFamily="34" charset="0"/>
+              </a:rPr>
+              <a:t>Estructura organizacional</a:t>
+            </a:r>
+          </a:p>
+          <a:p>
+            <a:r>
+              <a:rPr lang="es-CL" dirty="0">
+                <a:latin typeface="Calibri" panose="020F0502020204030204" pitchFamily="34" charset="0"/>
+              </a:rPr>
+              <a:t>Interfaces e Interacciones</a:t>
+            </a:r>
+          </a:p>
+          <a:p>
+            <a:r>
+              <a:rPr lang="es-CL" dirty="0">
+                <a:latin typeface="Calibri" panose="020F0502020204030204" pitchFamily="34" charset="0"/>
+              </a:rPr>
+              <a:t>Responsables</a:t>
+            </a:r>
           </a:p>
         </p:txBody>
       </p:sp>
@@ -9386,7 +9406,7 @@
             <a:fld id="{82B5D99C-3243-4CCA-89CF-846763E29181}" type="slidenum">
               <a:rPr lang="es-CL" smtClean="0"/>
               <a:pPr algn="ctr"/>
-              <a:t>6</a:t>
+              <a:t>3</a:t>
             </a:fld>
             <a:endParaRPr lang="es-CL" dirty="0"/>
           </a:p>
@@ -9395,7 +9415,7 @@
     </p:spTree>
     <p:extLst>
       <p:ext uri="{BB962C8B-B14F-4D97-AF65-F5344CB8AC3E}">
-        <p14:creationId xmlns:p14="http://schemas.microsoft.com/office/powerpoint/2010/main" val="392522673"/>
+        <p14:creationId xmlns:p14="http://schemas.microsoft.com/office/powerpoint/2010/main" val="504158896"/>
       </p:ext>
     </p:extLst>
   </p:cSld>
@@ -9405,7 +9425,7 @@
 </p:sld>
 </file>
 
-<file path=ppt/slides/slide7.xml><?xml version="1.0" encoding="utf-8"?>
+<file path=ppt/slides/slide4.xml><?xml version="1.0" encoding="utf-8"?>
 <p:sld xmlns:a="http://schemas.openxmlformats.org/drawingml/2006/main" xmlns:r="http://schemas.openxmlformats.org/officeDocument/2006/relationships" xmlns:p="http://schemas.openxmlformats.org/presentationml/2006/main">
   <p:cSld>
     <p:spTree>
@@ -9438,12 +9458,8 @@
           <a:lstStyle/>
           <a:p>
             <a:r>
-              <a:rPr lang="es-CL" dirty="0" err="1"/>
-              <a:t>Descripcion</a:t>
-            </a:r>
-            <a:r>
               <a:rPr lang="es-CL" dirty="0"/>
-              <a:t> del caso</a:t>
+              <a:t>Contenidos</a:t>
             </a:r>
           </a:p>
         </p:txBody>
@@ -9458,34 +9474,86 @@
             <p:ph idx="1"/>
           </p:nvPr>
         </p:nvSpPr>
-        <p:spPr>
-          <a:xfrm>
-            <a:off x="531639" y="2155858"/>
-            <a:ext cx="6887389" cy="2024112"/>
-          </a:xfrm>
-        </p:spPr>
-        <p:txBody>
-          <a:bodyPr>
-            <a:normAutofit/>
-          </a:bodyPr>
+        <p:spPr/>
+        <p:txBody>
+          <a:bodyPr/>
           <a:lstStyle/>
           <a:p>
             <a:r>
-              <a:rPr lang="es-CL" dirty="0" err="1"/>
-              <a:t>Descripcion</a:t>
-            </a:r>
-            <a:r>
-              <a:rPr lang="es-CL" dirty="0"/>
-              <a:t> del modelo de negocios</a:t>
-            </a:r>
-          </a:p>
-          <a:p>
-            <a:pPr marL="0" indent="0">
-              <a:buNone/>
-            </a:pPr>
-            <a:r>
-              <a:rPr lang="es-ES_tradnl" dirty="0"/>
-              <a:t>El documento provisto es insuficiente para derivar el modelo de negocios completo, sin embargo se puede generar un primer vistazo al modelo utilizando la herramienta CANVAS</a:t>
+              <a:rPr lang="es-CL" dirty="0">
+                <a:latin typeface="Calibri" panose="020F0502020204030204" pitchFamily="34" charset="0"/>
+              </a:rPr>
+              <a:t>Procesos de gestión</a:t>
+            </a:r>
+          </a:p>
+          <a:p>
+            <a:pPr lvl="1"/>
+            <a:r>
+              <a:rPr lang="es-CL" dirty="0">
+                <a:latin typeface="Calibri" panose="020F0502020204030204" pitchFamily="34" charset="0"/>
+              </a:rPr>
+              <a:t>Condiciones asumidas, dependencias y restricciones</a:t>
+            </a:r>
+          </a:p>
+          <a:p>
+            <a:pPr lvl="1"/>
+            <a:r>
+              <a:rPr lang="es-CL" dirty="0">
+                <a:latin typeface="Calibri" panose="020F0502020204030204" pitchFamily="34" charset="0"/>
+              </a:rPr>
+              <a:t>Gestión de riesgos</a:t>
+            </a:r>
+          </a:p>
+          <a:p>
+            <a:r>
+              <a:rPr lang="es-CL" dirty="0">
+                <a:latin typeface="Calibri" panose="020F0502020204030204" pitchFamily="34" charset="0"/>
+              </a:rPr>
+              <a:t>Mecanismos de control y ajuste</a:t>
+            </a:r>
+          </a:p>
+          <a:p>
+            <a:pPr lvl="1"/>
+            <a:r>
+              <a:rPr lang="es-CL" dirty="0">
+                <a:latin typeface="Calibri" panose="020F0502020204030204" pitchFamily="34" charset="0"/>
+              </a:rPr>
+              <a:t>Mecanismos para la gestión de calidad</a:t>
+            </a:r>
+          </a:p>
+          <a:p>
+            <a:pPr lvl="1"/>
+            <a:r>
+              <a:rPr lang="es-CL" dirty="0">
+                <a:latin typeface="Calibri" panose="020F0502020204030204" pitchFamily="34" charset="0"/>
+              </a:rPr>
+              <a:t>Mecanismos para la gestión de configuración</a:t>
+            </a:r>
+          </a:p>
+          <a:p>
+            <a:pPr lvl="1"/>
+            <a:r>
+              <a:rPr lang="es-CL" dirty="0">
+                <a:latin typeface="Calibri" panose="020F0502020204030204" pitchFamily="34" charset="0"/>
+              </a:rPr>
+              <a:t>Mecanismos para la verificación</a:t>
+            </a:r>
+          </a:p>
+          <a:p>
+            <a:pPr lvl="1"/>
+            <a:r>
+              <a:rPr lang="es-CL" dirty="0">
+                <a:latin typeface="Calibri" panose="020F0502020204030204" pitchFamily="34" charset="0"/>
+              </a:rPr>
+              <a:t>Mecanismos para la gestión del proyecto</a:t>
+            </a:r>
+          </a:p>
+          <a:p>
+            <a:r>
+              <a:rPr lang="es-CL" dirty="0">
+                <a:latin typeface="Calibri" panose="020F0502020204030204" pitchFamily="34" charset="0"/>
+              </a:rPr>
+              <a:t>Recursos</a:t>
             </a:r>
           </a:p>
         </p:txBody>
@@ -9550,6 +9618,508 @@
             <a:fld id="{82B5D99C-3243-4CCA-89CF-846763E29181}" type="slidenum">
               <a:rPr lang="es-CL" smtClean="0"/>
               <a:pPr algn="ctr"/>
+              <a:t>4</a:t>
+            </a:fld>
+            <a:endParaRPr lang="es-CL" dirty="0"/>
+          </a:p>
+        </p:txBody>
+      </p:sp>
+    </p:spTree>
+    <p:extLst>
+      <p:ext uri="{BB962C8B-B14F-4D97-AF65-F5344CB8AC3E}">
+        <p14:creationId xmlns:p14="http://schemas.microsoft.com/office/powerpoint/2010/main" val="159672018"/>
+      </p:ext>
+    </p:extLst>
+  </p:cSld>
+  <p:clrMapOvr>
+    <a:masterClrMapping/>
+  </p:clrMapOvr>
+</p:sld>
+</file>
+
+<file path=ppt/slides/slide5.xml><?xml version="1.0" encoding="utf-8"?>
+<p:sld xmlns:a="http://schemas.openxmlformats.org/drawingml/2006/main" xmlns:r="http://schemas.openxmlformats.org/officeDocument/2006/relationships" xmlns:p="http://schemas.openxmlformats.org/presentationml/2006/main">
+  <p:cSld>
+    <p:spTree>
+      <p:nvGrpSpPr>
+        <p:cNvPr id="1" name=""/>
+        <p:cNvGrpSpPr/>
+        <p:nvPr/>
+      </p:nvGrpSpPr>
+      <p:grpSpPr>
+        <a:xfrm>
+          <a:off x="0" y="0"/>
+          <a:ext cx="0" cy="0"/>
+          <a:chOff x="0" y="0"/>
+          <a:chExt cx="0" cy="0"/>
+        </a:xfrm>
+      </p:grpSpPr>
+      <p:sp>
+        <p:nvSpPr>
+          <p:cNvPr id="2" name="Title 1"/>
+          <p:cNvSpPr>
+            <a:spLocks noGrp="1"/>
+          </p:cNvSpPr>
+          <p:nvPr>
+            <p:ph type="title"/>
+          </p:nvPr>
+        </p:nvSpPr>
+        <p:spPr/>
+        <p:txBody>
+          <a:bodyPr/>
+          <a:lstStyle/>
+          <a:p>
+            <a:r>
+              <a:rPr lang="es-CL" dirty="0"/>
+              <a:t>Contenidos</a:t>
+            </a:r>
+          </a:p>
+        </p:txBody>
+      </p:sp>
+      <p:sp>
+        <p:nvSpPr>
+          <p:cNvPr id="3" name="Content Placeholder 2"/>
+          <p:cNvSpPr>
+            <a:spLocks noGrp="1"/>
+          </p:cNvSpPr>
+          <p:nvPr>
+            <p:ph idx="1"/>
+          </p:nvPr>
+        </p:nvSpPr>
+        <p:spPr/>
+        <p:txBody>
+          <a:bodyPr/>
+          <a:lstStyle/>
+          <a:p>
+            <a:r>
+              <a:rPr lang="es-CL" dirty="0">
+                <a:latin typeface="Calibri" panose="020F0502020204030204" pitchFamily="34" charset="0"/>
+              </a:rPr>
+              <a:t>Líneas de trabajo, distribución de recursos y cronogramas</a:t>
+            </a:r>
+          </a:p>
+          <a:p>
+            <a:pPr lvl="1"/>
+            <a:r>
+              <a:rPr lang="es-CL" dirty="0">
+                <a:latin typeface="Calibri" panose="020F0502020204030204" pitchFamily="34" charset="0"/>
+              </a:rPr>
+              <a:t>Líneas de trabajo</a:t>
+            </a:r>
+          </a:p>
+          <a:p>
+            <a:pPr lvl="1"/>
+            <a:r>
+              <a:rPr lang="es-CL" dirty="0">
+                <a:latin typeface="Calibri" panose="020F0502020204030204" pitchFamily="34" charset="0"/>
+              </a:rPr>
+              <a:t>Dependencias</a:t>
+            </a:r>
+          </a:p>
+          <a:p>
+            <a:pPr lvl="1"/>
+            <a:r>
+              <a:rPr lang="es-CL" dirty="0">
+                <a:latin typeface="Calibri" panose="020F0502020204030204" pitchFamily="34" charset="0"/>
+              </a:rPr>
+              <a:t>Distribución de recursos humanos</a:t>
+            </a:r>
+          </a:p>
+          <a:p>
+            <a:pPr lvl="1"/>
+            <a:r>
+              <a:rPr lang="es-CL" dirty="0">
+                <a:latin typeface="Calibri" panose="020F0502020204030204" pitchFamily="34" charset="0"/>
+              </a:rPr>
+              <a:t>cronograma</a:t>
+            </a:r>
+          </a:p>
+        </p:txBody>
+      </p:sp>
+      <p:pic>
+        <p:nvPicPr>
+          <p:cNvPr id="2050" name="Picture 2" descr="Resultado de imagen para duoc"/>
+          <p:cNvPicPr>
+            <a:picLocks noChangeAspect="1" noChangeArrowheads="1"/>
+          </p:cNvPicPr>
+          <p:nvPr/>
+        </p:nvPicPr>
+        <p:blipFill>
+          <a:blip r:embed="rId2">
+            <a:extLst>
+              <a:ext uri="{28A0092B-C50C-407E-A947-70E740481C1C}">
+                <a14:useLocalDpi xmlns:a14="http://schemas.microsoft.com/office/drawing/2010/main" val="0"/>
+              </a:ext>
+            </a:extLst>
+          </a:blip>
+          <a:srcRect/>
+          <a:stretch>
+            <a:fillRect/>
+          </a:stretch>
+        </p:blipFill>
+        <p:spPr bwMode="auto">
+          <a:xfrm>
+            <a:off x="7770945" y="599455"/>
+            <a:ext cx="1373055" cy="307545"/>
+          </a:xfrm>
+          <a:prstGeom prst="rect">
+            <a:avLst/>
+          </a:prstGeom>
+          <a:noFill/>
+          <a:extLst>
+            <a:ext uri="{909E8E84-426E-40DD-AFC4-6F175D3DCCD1}">
+              <a14:hiddenFill xmlns:a14="http://schemas.microsoft.com/office/drawing/2010/main">
+                <a:solidFill>
+                  <a:srgbClr val="FFFFFF"/>
+                </a:solidFill>
+              </a14:hiddenFill>
+            </a:ext>
+          </a:extLst>
+        </p:spPr>
+      </p:pic>
+      <p:sp>
+        <p:nvSpPr>
+          <p:cNvPr id="5" name="Slide Number Placeholder 4"/>
+          <p:cNvSpPr>
+            <a:spLocks noGrp="1"/>
+          </p:cNvSpPr>
+          <p:nvPr>
+            <p:ph type="sldNum" sz="quarter" idx="12"/>
+          </p:nvPr>
+        </p:nvSpPr>
+        <p:spPr/>
+        <p:txBody>
+          <a:bodyPr/>
+          <a:lstStyle/>
+          <a:p>
+            <a:pPr algn="ctr"/>
+            <a:fld id="{82B5D99C-3243-4CCA-89CF-846763E29181}" type="slidenum">
+              <a:rPr lang="es-CL" smtClean="0"/>
+              <a:pPr algn="ctr"/>
+              <a:t>5</a:t>
+            </a:fld>
+            <a:endParaRPr lang="es-CL" dirty="0"/>
+          </a:p>
+        </p:txBody>
+      </p:sp>
+    </p:spTree>
+    <p:extLst>
+      <p:ext uri="{BB962C8B-B14F-4D97-AF65-F5344CB8AC3E}">
+        <p14:creationId xmlns:p14="http://schemas.microsoft.com/office/powerpoint/2010/main" val="2637676616"/>
+      </p:ext>
+    </p:extLst>
+  </p:cSld>
+  <p:clrMapOvr>
+    <a:masterClrMapping/>
+  </p:clrMapOvr>
+</p:sld>
+</file>
+
+<file path=ppt/slides/slide6.xml><?xml version="1.0" encoding="utf-8"?>
+<p:sld xmlns:a="http://schemas.openxmlformats.org/drawingml/2006/main" xmlns:r="http://schemas.openxmlformats.org/officeDocument/2006/relationships" xmlns:p="http://schemas.openxmlformats.org/presentationml/2006/main">
+  <p:cSld>
+    <p:spTree>
+      <p:nvGrpSpPr>
+        <p:cNvPr id="1" name=""/>
+        <p:cNvGrpSpPr/>
+        <p:nvPr/>
+      </p:nvGrpSpPr>
+      <p:grpSpPr>
+        <a:xfrm>
+          <a:off x="0" y="0"/>
+          <a:ext cx="0" cy="0"/>
+          <a:chOff x="0" y="0"/>
+          <a:chExt cx="0" cy="0"/>
+        </a:xfrm>
+      </p:grpSpPr>
+      <p:sp>
+        <p:nvSpPr>
+          <p:cNvPr id="2" name="Title 1"/>
+          <p:cNvSpPr>
+            <a:spLocks noGrp="1"/>
+          </p:cNvSpPr>
+          <p:nvPr>
+            <p:ph type="title"/>
+          </p:nvPr>
+        </p:nvSpPr>
+        <p:spPr/>
+        <p:txBody>
+          <a:bodyPr/>
+          <a:lstStyle/>
+          <a:p>
+            <a:r>
+              <a:rPr lang="es-CL" dirty="0"/>
+              <a:t>Descripción del caso</a:t>
+            </a:r>
+          </a:p>
+        </p:txBody>
+      </p:sp>
+      <p:sp>
+        <p:nvSpPr>
+          <p:cNvPr id="3" name="Content Placeholder 2"/>
+          <p:cNvSpPr>
+            <a:spLocks noGrp="1"/>
+          </p:cNvSpPr>
+          <p:nvPr>
+            <p:ph idx="1"/>
+          </p:nvPr>
+        </p:nvSpPr>
+        <p:spPr/>
+        <p:txBody>
+          <a:bodyPr/>
+          <a:lstStyle/>
+          <a:p>
+            <a:r>
+              <a:rPr lang="es-CL" dirty="0">
+                <a:latin typeface="Calibri" panose="020F0502020204030204" pitchFamily="34" charset="0"/>
+              </a:rPr>
+              <a:t>Descripción de la empresa</a:t>
+            </a:r>
+          </a:p>
+          <a:p>
+            <a:pPr marL="0" indent="0">
+              <a:buNone/>
+            </a:pPr>
+            <a:r>
+              <a:rPr lang="es-ES_tradnl" dirty="0">
+                <a:latin typeface="Calibri" panose="020F0502020204030204" pitchFamily="34" charset="0"/>
+              </a:rPr>
+              <a:t>El centro médico Hipócrates es una institución dedicada a servicios de salud, que emplea a médicos, tecnólogos médicos, enfermeras y operadores para ofrecer diversos procedimientos a sus clientes, entre ellos consultas médicas, exámenes e imagenología. </a:t>
+            </a:r>
+            <a:endParaRPr lang="es-CL" dirty="0">
+              <a:latin typeface="Calibri" panose="020F0502020204030204" pitchFamily="34" charset="0"/>
+            </a:endParaRPr>
+          </a:p>
+          <a:p>
+            <a:pPr marL="0" indent="0">
+              <a:buNone/>
+            </a:pPr>
+            <a:endParaRPr lang="es-CL" dirty="0">
+              <a:latin typeface="Calibri" panose="020F0502020204030204" pitchFamily="34" charset="0"/>
+            </a:endParaRPr>
+          </a:p>
+        </p:txBody>
+      </p:sp>
+      <p:pic>
+        <p:nvPicPr>
+          <p:cNvPr id="2050" name="Picture 2" descr="Resultado de imagen para duoc"/>
+          <p:cNvPicPr>
+            <a:picLocks noChangeAspect="1" noChangeArrowheads="1"/>
+          </p:cNvPicPr>
+          <p:nvPr/>
+        </p:nvPicPr>
+        <p:blipFill>
+          <a:blip r:embed="rId2">
+            <a:extLst>
+              <a:ext uri="{28A0092B-C50C-407E-A947-70E740481C1C}">
+                <a14:useLocalDpi xmlns:a14="http://schemas.microsoft.com/office/drawing/2010/main" val="0"/>
+              </a:ext>
+            </a:extLst>
+          </a:blip>
+          <a:srcRect/>
+          <a:stretch>
+            <a:fillRect/>
+          </a:stretch>
+        </p:blipFill>
+        <p:spPr bwMode="auto">
+          <a:xfrm>
+            <a:off x="7770945" y="599455"/>
+            <a:ext cx="1373055" cy="307545"/>
+          </a:xfrm>
+          <a:prstGeom prst="rect">
+            <a:avLst/>
+          </a:prstGeom>
+          <a:noFill/>
+          <a:extLst>
+            <a:ext uri="{909E8E84-426E-40DD-AFC4-6F175D3DCCD1}">
+              <a14:hiddenFill xmlns:a14="http://schemas.microsoft.com/office/drawing/2010/main">
+                <a:solidFill>
+                  <a:srgbClr val="FFFFFF"/>
+                </a:solidFill>
+              </a14:hiddenFill>
+            </a:ext>
+          </a:extLst>
+        </p:spPr>
+      </p:pic>
+      <p:sp>
+        <p:nvSpPr>
+          <p:cNvPr id="5" name="Slide Number Placeholder 4"/>
+          <p:cNvSpPr>
+            <a:spLocks noGrp="1"/>
+          </p:cNvSpPr>
+          <p:nvPr>
+            <p:ph type="sldNum" sz="quarter" idx="12"/>
+          </p:nvPr>
+        </p:nvSpPr>
+        <p:spPr/>
+        <p:txBody>
+          <a:bodyPr/>
+          <a:lstStyle/>
+          <a:p>
+            <a:pPr algn="ctr"/>
+            <a:fld id="{82B5D99C-3243-4CCA-89CF-846763E29181}" type="slidenum">
+              <a:rPr lang="es-CL" smtClean="0"/>
+              <a:pPr algn="ctr"/>
+              <a:t>6</a:t>
+            </a:fld>
+            <a:endParaRPr lang="es-CL" dirty="0"/>
+          </a:p>
+        </p:txBody>
+      </p:sp>
+    </p:spTree>
+    <p:extLst>
+      <p:ext uri="{BB962C8B-B14F-4D97-AF65-F5344CB8AC3E}">
+        <p14:creationId xmlns:p14="http://schemas.microsoft.com/office/powerpoint/2010/main" val="392522673"/>
+      </p:ext>
+    </p:extLst>
+  </p:cSld>
+  <p:clrMapOvr>
+    <a:masterClrMapping/>
+  </p:clrMapOvr>
+</p:sld>
+</file>
+
+<file path=ppt/slides/slide7.xml><?xml version="1.0" encoding="utf-8"?>
+<p:sld xmlns:a="http://schemas.openxmlformats.org/drawingml/2006/main" xmlns:r="http://schemas.openxmlformats.org/officeDocument/2006/relationships" xmlns:p="http://schemas.openxmlformats.org/presentationml/2006/main">
+  <p:cSld>
+    <p:spTree>
+      <p:nvGrpSpPr>
+        <p:cNvPr id="1" name=""/>
+        <p:cNvGrpSpPr/>
+        <p:nvPr/>
+      </p:nvGrpSpPr>
+      <p:grpSpPr>
+        <a:xfrm>
+          <a:off x="0" y="0"/>
+          <a:ext cx="0" cy="0"/>
+          <a:chOff x="0" y="0"/>
+          <a:chExt cx="0" cy="0"/>
+        </a:xfrm>
+      </p:grpSpPr>
+      <p:sp>
+        <p:nvSpPr>
+          <p:cNvPr id="2" name="Title 1"/>
+          <p:cNvSpPr>
+            <a:spLocks noGrp="1"/>
+          </p:cNvSpPr>
+          <p:nvPr>
+            <p:ph type="title"/>
+          </p:nvPr>
+        </p:nvSpPr>
+        <p:spPr/>
+        <p:txBody>
+          <a:bodyPr/>
+          <a:lstStyle/>
+          <a:p>
+            <a:r>
+              <a:rPr lang="es-CL" dirty="0"/>
+              <a:t>Descripción del caso</a:t>
+            </a:r>
+          </a:p>
+        </p:txBody>
+      </p:sp>
+      <p:sp>
+        <p:nvSpPr>
+          <p:cNvPr id="3" name="Content Placeholder 2"/>
+          <p:cNvSpPr>
+            <a:spLocks noGrp="1"/>
+          </p:cNvSpPr>
+          <p:nvPr>
+            <p:ph idx="1"/>
+          </p:nvPr>
+        </p:nvSpPr>
+        <p:spPr>
+          <a:xfrm>
+            <a:off x="531639" y="2155858"/>
+            <a:ext cx="6887389" cy="2024112"/>
+          </a:xfrm>
+        </p:spPr>
+        <p:txBody>
+          <a:bodyPr>
+            <a:normAutofit/>
+          </a:bodyPr>
+          <a:lstStyle/>
+          <a:p>
+            <a:r>
+              <a:rPr lang="es-CL" dirty="0">
+                <a:latin typeface="Calibri" panose="020F0502020204030204" pitchFamily="34" charset="0"/>
+              </a:rPr>
+              <a:t>Descripción del modelo de negocios</a:t>
+            </a:r>
+          </a:p>
+          <a:p>
+            <a:pPr marL="0" indent="0">
+              <a:buNone/>
+            </a:pPr>
+            <a:r>
+              <a:rPr lang="es-ES_tradnl" dirty="0">
+                <a:latin typeface="Calibri" panose="020F0502020204030204" pitchFamily="34" charset="0"/>
+              </a:rPr>
+              <a:t>El documento provisto es insuficiente para derivar el modelo de negocios completo, sin embargo se puede generar un primer vistazo al modelo utilizando la herramienta CANVAS</a:t>
+            </a:r>
+          </a:p>
+        </p:txBody>
+      </p:sp>
+      <p:pic>
+        <p:nvPicPr>
+          <p:cNvPr id="2050" name="Picture 2" descr="Resultado de imagen para duoc"/>
+          <p:cNvPicPr>
+            <a:picLocks noChangeAspect="1" noChangeArrowheads="1"/>
+          </p:cNvPicPr>
+          <p:nvPr/>
+        </p:nvPicPr>
+        <p:blipFill>
+          <a:blip r:embed="rId2">
+            <a:extLst>
+              <a:ext uri="{28A0092B-C50C-407E-A947-70E740481C1C}">
+                <a14:useLocalDpi xmlns:a14="http://schemas.microsoft.com/office/drawing/2010/main" val="0"/>
+              </a:ext>
+            </a:extLst>
+          </a:blip>
+          <a:srcRect/>
+          <a:stretch>
+            <a:fillRect/>
+          </a:stretch>
+        </p:blipFill>
+        <p:spPr bwMode="auto">
+          <a:xfrm>
+            <a:off x="7770945" y="599455"/>
+            <a:ext cx="1373055" cy="307545"/>
+          </a:xfrm>
+          <a:prstGeom prst="rect">
+            <a:avLst/>
+          </a:prstGeom>
+          <a:noFill/>
+          <a:extLst>
+            <a:ext uri="{909E8E84-426E-40DD-AFC4-6F175D3DCCD1}">
+              <a14:hiddenFill xmlns:a14="http://schemas.microsoft.com/office/drawing/2010/main">
+                <a:solidFill>
+                  <a:srgbClr val="FFFFFF"/>
+                </a:solidFill>
+              </a14:hiddenFill>
+            </a:ext>
+          </a:extLst>
+        </p:spPr>
+      </p:pic>
+      <p:sp>
+        <p:nvSpPr>
+          <p:cNvPr id="5" name="Slide Number Placeholder 4"/>
+          <p:cNvSpPr>
+            <a:spLocks noGrp="1"/>
+          </p:cNvSpPr>
+          <p:nvPr>
+            <p:ph type="sldNum" sz="quarter" idx="12"/>
+          </p:nvPr>
+        </p:nvSpPr>
+        <p:spPr/>
+        <p:txBody>
+          <a:bodyPr/>
+          <a:lstStyle/>
+          <a:p>
+            <a:pPr algn="ctr"/>
+            <a:fld id="{82B5D99C-3243-4CCA-89CF-846763E29181}" type="slidenum">
+              <a:rPr lang="es-CL" smtClean="0"/>
+              <a:pPr algn="ctr"/>
               <a:t>7</a:t>
             </a:fld>
             <a:endParaRPr lang="es-CL" dirty="0"/>
@@ -9565,7 +10135,7 @@
           <p:nvPr>
             <p:extLst>
               <p:ext uri="{D42A27DB-BD31-4B8C-83A1-F6EECF244321}">
-                <p14:modId xmlns:p14="http://schemas.microsoft.com/office/powerpoint/2010/main" val="938438664"/>
+                <p14:modId xmlns:p14="http://schemas.microsoft.com/office/powerpoint/2010/main" val="2960575467"/>
               </p:ext>
             </p:extLst>
           </p:nvPr>
@@ -9638,12 +10208,8 @@
                         <a:buAutoNum type="arabicPeriod"/>
                       </a:pPr>
                       <a:r>
-                        <a:rPr lang="es-ES_tradnl" sz="2000" b="0" i="0" dirty="0" err="1"/>
-                        <a:t>Relacion</a:t>
-                      </a:r>
-                      <a:r>
                         <a:rPr lang="es-ES_tradnl" sz="2000" b="0" i="0" dirty="0"/>
-                        <a:t> con el cliente</a:t>
+                        <a:t>Relación con el cliente</a:t>
                       </a:r>
                     </a:p>
                     <a:p>
@@ -9725,12 +10291,8 @@
                         <a:buAutoNum type="arabicPeriod" startAt="6"/>
                       </a:pPr>
                       <a:r>
-                        <a:rPr lang="es-ES_tradnl" sz="2000" b="0" i="0" dirty="0" err="1"/>
-                        <a:t>Actuvidades</a:t>
-                      </a:r>
-                      <a:r>
                         <a:rPr lang="es-ES_tradnl" sz="2000" b="0" i="0" dirty="0"/>
-                        <a:t> clave</a:t>
+                        <a:t>Actividades clave</a:t>
                       </a:r>
                     </a:p>
                     <a:p>
@@ -9859,12 +10421,8 @@
           <a:lstStyle/>
           <a:p>
             <a:r>
-              <a:rPr lang="es-CL" dirty="0" err="1"/>
-              <a:t>Descripcion</a:t>
-            </a:r>
-            <a:r>
               <a:rPr lang="es-CL" dirty="0"/>
-              <a:t> del caso</a:t>
+              <a:t>Descripción del caso</a:t>
             </a:r>
           </a:p>
         </p:txBody>
@@ -9885,12 +10443,8 @@
           <a:lstStyle/>
           <a:p>
             <a:r>
-              <a:rPr lang="es-CL" dirty="0" err="1"/>
-              <a:t>Descripcion</a:t>
-            </a:r>
-            <a:r>
               <a:rPr lang="es-CL" dirty="0"/>
-              <a:t> del problema</a:t>
+              <a:t>Descripción del problema</a:t>
             </a:r>
           </a:p>
         </p:txBody>
@@ -10035,7 +10589,10 @@
           <a:bodyPr/>
           <a:lstStyle/>
           <a:p>
-            <a:endParaRPr lang="es-CL" dirty="0"/>
+            <a:r>
+              <a:rPr lang="es-CL" dirty="0"/>
+              <a:t>Alcance</a:t>
+            </a:r>
           </a:p>
         </p:txBody>
       </p:sp>
@@ -10049,12 +10606,150 @@
             <p:ph idx="1"/>
           </p:nvPr>
         </p:nvSpPr>
-        <p:spPr/>
-        <p:txBody>
-          <a:bodyPr/>
+        <p:spPr>
+          <a:xfrm>
+            <a:off x="533400" y="2336872"/>
+            <a:ext cx="7959969" cy="4099097"/>
+          </a:xfrm>
+        </p:spPr>
+        <p:txBody>
+          <a:bodyPr>
+            <a:normAutofit fontScale="85000" lnSpcReduction="20000"/>
+          </a:bodyPr>
           <a:lstStyle/>
           <a:p>
-            <a:endParaRPr lang="es-CL" dirty="0"/>
+            <a:r>
+              <a:rPr lang="es-CL" dirty="0">
+                <a:latin typeface="Calibri" panose="020F0502020204030204" pitchFamily="34" charset="0"/>
+              </a:rPr>
+              <a:t>Objetivo general</a:t>
+            </a:r>
+          </a:p>
+          <a:p>
+            <a:pPr marL="0" indent="0">
+              <a:buNone/>
+            </a:pPr>
+            <a:r>
+              <a:rPr lang="es-ES_tradnl" dirty="0">
+                <a:latin typeface="Calibri" panose="020F0502020204030204" pitchFamily="34" charset="0"/>
+              </a:rPr>
+              <a:t>Mejorar los resultados de los procesos del centro médico Hipócrates mediante una solución integrada de software.</a:t>
+            </a:r>
+            <a:endParaRPr lang="es-CL" dirty="0">
+              <a:latin typeface="Calibri" panose="020F0502020204030204" pitchFamily="34" charset="0"/>
+            </a:endParaRPr>
+          </a:p>
+          <a:p>
+            <a:pPr marL="0" indent="0">
+              <a:buNone/>
+            </a:pPr>
+            <a:endParaRPr lang="es-CL" dirty="0">
+              <a:latin typeface="Calibri" panose="020F0502020204030204" pitchFamily="34" charset="0"/>
+            </a:endParaRPr>
+          </a:p>
+          <a:p>
+            <a:r>
+              <a:rPr lang="es-CL" dirty="0">
+                <a:latin typeface="Calibri" panose="020F0502020204030204" pitchFamily="34" charset="0"/>
+              </a:rPr>
+              <a:t>Objetivos específicos</a:t>
+            </a:r>
+          </a:p>
+          <a:p>
+            <a:pPr marL="342900" marR="211455" lvl="0" indent="-342900" algn="just">
+              <a:spcAft>
+                <a:spcPts val="0"/>
+              </a:spcAft>
+              <a:buFont typeface="+mj-lt"/>
+              <a:buAutoNum type="arabicPeriod"/>
+            </a:pPr>
+            <a:r>
+              <a:rPr lang="es-ES_tradnl" dirty="0">
+                <a:latin typeface="Calibri" panose="020F0502020204030204" pitchFamily="34" charset="0"/>
+                <a:ea typeface="Calibri" panose="020F0502020204030204" pitchFamily="34" charset="0"/>
+                <a:cs typeface="Calibri" panose="020F0502020204030204" pitchFamily="34" charset="0"/>
+              </a:rPr>
+              <a:t>Reducir el tiempo empleado en el pago de honorarios en al menos un 50% del tiempo de ejecución.</a:t>
+            </a:r>
+            <a:endParaRPr lang="es-CL" dirty="0">
+              <a:latin typeface="Calibri" panose="020F0502020204030204" pitchFamily="34" charset="0"/>
+              <a:ea typeface="Calibri" panose="020F0502020204030204" pitchFamily="34" charset="0"/>
+              <a:cs typeface="Times New Roman" panose="02020603050405020304" pitchFamily="18" charset="0"/>
+            </a:endParaRPr>
+          </a:p>
+          <a:p>
+            <a:pPr marL="342900" marR="211455" lvl="0" indent="-342900" algn="just">
+              <a:spcAft>
+                <a:spcPts val="0"/>
+              </a:spcAft>
+              <a:buFont typeface="+mj-lt"/>
+              <a:buAutoNum type="arabicPeriod"/>
+            </a:pPr>
+            <a:r>
+              <a:rPr lang="es-ES_tradnl" dirty="0">
+                <a:latin typeface="Calibri" panose="020F0502020204030204" pitchFamily="34" charset="0"/>
+                <a:ea typeface="Calibri" panose="020F0502020204030204" pitchFamily="34" charset="0"/>
+                <a:cs typeface="Calibri" panose="020F0502020204030204" pitchFamily="34" charset="0"/>
+              </a:rPr>
+              <a:t>Reducir la incertidumbre de pacientes frente a sus atenciones y sus resultados al menos a un 2%.</a:t>
+            </a:r>
+            <a:endParaRPr lang="es-CL" dirty="0">
+              <a:latin typeface="Calibri" panose="020F0502020204030204" pitchFamily="34" charset="0"/>
+              <a:ea typeface="Calibri" panose="020F0502020204030204" pitchFamily="34" charset="0"/>
+              <a:cs typeface="Times New Roman" panose="02020603050405020304" pitchFamily="18" charset="0"/>
+            </a:endParaRPr>
+          </a:p>
+          <a:p>
+            <a:pPr marL="342900" marR="211455" lvl="0" indent="-342900" algn="just">
+              <a:spcAft>
+                <a:spcPts val="0"/>
+              </a:spcAft>
+              <a:buFont typeface="+mj-lt"/>
+              <a:buAutoNum type="arabicPeriod"/>
+            </a:pPr>
+            <a:r>
+              <a:rPr lang="es-ES_tradnl" dirty="0">
+                <a:latin typeface="Calibri" panose="020F0502020204030204" pitchFamily="34" charset="0"/>
+                <a:ea typeface="Calibri" panose="020F0502020204030204" pitchFamily="34" charset="0"/>
+                <a:cs typeface="Calibri" panose="020F0502020204030204" pitchFamily="34" charset="0"/>
+              </a:rPr>
+              <a:t>Asegurar la confiabilidad de la información de las cajas de pago en al menos un 99%.</a:t>
+            </a:r>
+            <a:endParaRPr lang="es-CL" dirty="0">
+              <a:latin typeface="Calibri" panose="020F0502020204030204" pitchFamily="34" charset="0"/>
+              <a:ea typeface="Calibri" panose="020F0502020204030204" pitchFamily="34" charset="0"/>
+              <a:cs typeface="Times New Roman" panose="02020603050405020304" pitchFamily="18" charset="0"/>
+            </a:endParaRPr>
+          </a:p>
+          <a:p>
+            <a:pPr marL="342900" marR="211455" lvl="0" indent="-342900" algn="just">
+              <a:spcAft>
+                <a:spcPts val="0"/>
+              </a:spcAft>
+              <a:buFont typeface="+mj-lt"/>
+              <a:buAutoNum type="arabicPeriod"/>
+            </a:pPr>
+            <a:r>
+              <a:rPr lang="es-ES_tradnl" dirty="0">
+                <a:latin typeface="Calibri" panose="020F0502020204030204" pitchFamily="34" charset="0"/>
+                <a:ea typeface="Calibri" panose="020F0502020204030204" pitchFamily="34" charset="0"/>
+                <a:cs typeface="Calibri" panose="020F0502020204030204" pitchFamily="34" charset="0"/>
+              </a:rPr>
+              <a:t>Incrementar información de detalle de procedimientos de médicos, enfermeros y/o tecnólogos en al menos un 99% de las ocasiones. </a:t>
+            </a:r>
+            <a:endParaRPr lang="es-CL" dirty="0">
+              <a:latin typeface="Calibri" panose="020F0502020204030204" pitchFamily="34" charset="0"/>
+              <a:ea typeface="Calibri" panose="020F0502020204030204" pitchFamily="34" charset="0"/>
+              <a:cs typeface="Times New Roman" panose="02020603050405020304" pitchFamily="18" charset="0"/>
+            </a:endParaRPr>
+          </a:p>
+          <a:p>
+            <a:pPr marL="0" indent="0">
+              <a:buNone/>
+            </a:pPr>
+            <a:endParaRPr lang="es-CL" dirty="0">
+              <a:latin typeface="Calibri" panose="020F0502020204030204" pitchFamily="34" charset="0"/>
+            </a:endParaRPr>
           </a:p>
         </p:txBody>
       </p:sp>

--- a/docs/plan-de-proyecto/ppt-iteracion1.pptx
+++ b/docs/plan-de-proyecto/ppt-iteracion1.pptx
@@ -5,7 +5,7 @@
     <p:sldMasterId id="2147483732" r:id="rId1"/>
   </p:sldMasterIdLst>
   <p:notesMasterIdLst>
-    <p:notesMasterId r:id="rId14"/>
+    <p:notesMasterId r:id="rId20"/>
   </p:notesMasterIdLst>
   <p:sldIdLst>
     <p:sldId id="256" r:id="rId2"/>
@@ -19,7 +19,13 @@
     <p:sldId id="264" r:id="rId10"/>
     <p:sldId id="265" r:id="rId11"/>
     <p:sldId id="266" r:id="rId12"/>
-    <p:sldId id="267" r:id="rId13"/>
+    <p:sldId id="270" r:id="rId13"/>
+    <p:sldId id="271" r:id="rId14"/>
+    <p:sldId id="272" r:id="rId15"/>
+    <p:sldId id="273" r:id="rId16"/>
+    <p:sldId id="274" r:id="rId17"/>
+    <p:sldId id="275" r:id="rId18"/>
+    <p:sldId id="269" r:id="rId19"/>
   </p:sldIdLst>
   <p:sldSz cx="9144000" cy="6858000" type="screen4x3"/>
   <p:notesSz cx="6858000" cy="9144000"/>
@@ -7793,7 +7799,7 @@
           </a:prstGeom>
           <a:extLst>
             <a:ext uri="{909E8E84-426E-40dd-AFC4-6F175D3DCCD1}">
-              <a14:hiddenFill xmlns="" xmlns:a14="http://schemas.microsoft.com/office/drawing/2010/main">
+              <a14:hiddenFill xmlns:a14="http://schemas.microsoft.com/office/drawing/2010/main" xmlns="">
                 <a:solidFill>
                   <a:srgbClr val="FFFFFF"/>
                 </a:solidFill>
@@ -8886,31 +8892,590 @@
           <a:bodyPr/>
           <a:lstStyle/>
           <a:p>
-            <a:endParaRPr lang="es-CL" dirty="0"/>
-          </a:p>
-        </p:txBody>
-      </p:sp>
-      <p:sp>
-        <p:nvSpPr>
-          <p:cNvPr id="3" name="Content Placeholder 2"/>
-          <p:cNvSpPr>
-            <a:spLocks noGrp="1"/>
-          </p:cNvSpPr>
+            <a:r>
+              <a:rPr lang="es-CL" dirty="0"/>
+              <a:t>Entregables</a:t>
+            </a:r>
+          </a:p>
+        </p:txBody>
+      </p:sp>
+      <p:graphicFrame>
+        <p:nvGraphicFramePr>
+          <p:cNvPr id="6" name="Content Placeholder 5"/>
+          <p:cNvGraphicFramePr>
+            <a:graphicFrameLocks noGrp="1"/>
+          </p:cNvGraphicFramePr>
           <p:nvPr>
             <p:ph idx="1"/>
-          </p:nvPr>
-        </p:nvSpPr>
-        <p:spPr/>
-        <p:txBody>
-          <a:bodyPr/>
-          <a:lstStyle/>
-          <a:p>
-            <a:endParaRPr lang="es-CL" dirty="0">
-              <a:latin typeface="Calibri" panose="020F0502020204030204" pitchFamily="34" charset="0"/>
-            </a:endParaRPr>
-          </a:p>
-        </p:txBody>
-      </p:sp>
+            <p:extLst>
+              <p:ext uri="{D42A27DB-BD31-4B8C-83A1-F6EECF244321}">
+                <p14:modId xmlns:p14="http://schemas.microsoft.com/office/powerpoint/2010/main" val="2028911478"/>
+              </p:ext>
+            </p:extLst>
+          </p:nvPr>
+        </p:nvGraphicFramePr>
+        <p:xfrm>
+          <a:off x="531638" y="2233244"/>
+          <a:ext cx="7697961" cy="3886202"/>
+        </p:xfrm>
+        <a:graphic>
+          <a:graphicData uri="http://schemas.openxmlformats.org/drawingml/2006/table">
+            <a:tbl>
+              <a:tblPr firstRow="1" firstCol="1" bandRow="1">
+                <a:tableStyleId>{5C22544A-7EE6-4342-B048-85BDC9FD1C3A}</a:tableStyleId>
+              </a:tblPr>
+              <a:tblGrid>
+                <a:gridCol w="643195">
+                  <a:extLst>
+                    <a:ext uri="{9D8B030D-6E8A-4147-A177-3AD203B41FA5}">
+                      <a16:colId xmlns:a16="http://schemas.microsoft.com/office/drawing/2014/main" val="3071779085"/>
+                    </a:ext>
+                  </a:extLst>
+                </a:gridCol>
+                <a:gridCol w="1882910">
+                  <a:extLst>
+                    <a:ext uri="{9D8B030D-6E8A-4147-A177-3AD203B41FA5}">
+                      <a16:colId xmlns:a16="http://schemas.microsoft.com/office/drawing/2014/main" val="66996548"/>
+                    </a:ext>
+                  </a:extLst>
+                </a:gridCol>
+                <a:gridCol w="3127721">
+                  <a:extLst>
+                    <a:ext uri="{9D8B030D-6E8A-4147-A177-3AD203B41FA5}">
+                      <a16:colId xmlns:a16="http://schemas.microsoft.com/office/drawing/2014/main" val="4240967042"/>
+                    </a:ext>
+                  </a:extLst>
+                </a:gridCol>
+                <a:gridCol w="2044135">
+                  <a:extLst>
+                    <a:ext uri="{9D8B030D-6E8A-4147-A177-3AD203B41FA5}">
+                      <a16:colId xmlns:a16="http://schemas.microsoft.com/office/drawing/2014/main" val="2519033814"/>
+                    </a:ext>
+                  </a:extLst>
+                </a:gridCol>
+              </a:tblGrid>
+              <a:tr h="504037">
+                <a:tc>
+                  <a:txBody>
+                    <a:bodyPr/>
+                    <a:lstStyle/>
+                    <a:p>
+                      <a:pPr algn="ctr">
+                        <a:spcAft>
+                          <a:spcPts val="0"/>
+                        </a:spcAft>
+                      </a:pPr>
+                      <a:r>
+                        <a:rPr lang="es-ES_tradnl" sz="1800">
+                          <a:effectLst/>
+                        </a:rPr>
+                        <a:t>#</a:t>
+                      </a:r>
+                      <a:endParaRPr lang="es-CL" sz="1800">
+                        <a:solidFill>
+                          <a:srgbClr val="2E74B5"/>
+                        </a:solidFill>
+                        <a:effectLst/>
+                        <a:latin typeface="Times New Roman" panose="02020603050405020304" pitchFamily="18" charset="0"/>
+                        <a:ea typeface="Calibri" panose="020F0502020204030204" pitchFamily="34" charset="0"/>
+                        <a:cs typeface="Times New Roman" panose="02020603050405020304" pitchFamily="18" charset="0"/>
+                      </a:endParaRPr>
+                    </a:p>
+                  </a:txBody>
+                  <a:tcPr marL="68580" marR="68580" marT="0" marB="0"/>
+                </a:tc>
+                <a:tc>
+                  <a:txBody>
+                    <a:bodyPr/>
+                    <a:lstStyle/>
+                    <a:p>
+                      <a:pPr algn="ctr">
+                        <a:spcAft>
+                          <a:spcPts val="0"/>
+                        </a:spcAft>
+                      </a:pPr>
+                      <a:r>
+                        <a:rPr lang="es-ES_tradnl" sz="1800">
+                          <a:effectLst/>
+                        </a:rPr>
+                        <a:t>Entregable</a:t>
+                      </a:r>
+                      <a:endParaRPr lang="es-CL" sz="1800">
+                        <a:solidFill>
+                          <a:srgbClr val="2E74B5"/>
+                        </a:solidFill>
+                        <a:effectLst/>
+                        <a:latin typeface="Times New Roman" panose="02020603050405020304" pitchFamily="18" charset="0"/>
+                        <a:ea typeface="Calibri" panose="020F0502020204030204" pitchFamily="34" charset="0"/>
+                        <a:cs typeface="Times New Roman" panose="02020603050405020304" pitchFamily="18" charset="0"/>
+                      </a:endParaRPr>
+                    </a:p>
+                  </a:txBody>
+                  <a:tcPr marL="68580" marR="68580" marT="0" marB="0"/>
+                </a:tc>
+                <a:tc>
+                  <a:txBody>
+                    <a:bodyPr/>
+                    <a:lstStyle/>
+                    <a:p>
+                      <a:pPr algn="ctr">
+                        <a:spcAft>
+                          <a:spcPts val="0"/>
+                        </a:spcAft>
+                      </a:pPr>
+                      <a:r>
+                        <a:rPr lang="es-ES_tradnl" sz="1800">
+                          <a:effectLst/>
+                        </a:rPr>
+                        <a:t>Descripción</a:t>
+                      </a:r>
+                      <a:endParaRPr lang="es-CL" sz="1800">
+                        <a:solidFill>
+                          <a:srgbClr val="2E74B5"/>
+                        </a:solidFill>
+                        <a:effectLst/>
+                        <a:latin typeface="Times New Roman" panose="02020603050405020304" pitchFamily="18" charset="0"/>
+                        <a:ea typeface="Calibri" panose="020F0502020204030204" pitchFamily="34" charset="0"/>
+                        <a:cs typeface="Times New Roman" panose="02020603050405020304" pitchFamily="18" charset="0"/>
+                      </a:endParaRPr>
+                    </a:p>
+                  </a:txBody>
+                  <a:tcPr marL="68580" marR="68580" marT="0" marB="0"/>
+                </a:tc>
+                <a:tc>
+                  <a:txBody>
+                    <a:bodyPr/>
+                    <a:lstStyle/>
+                    <a:p>
+                      <a:pPr algn="ctr">
+                        <a:spcAft>
+                          <a:spcPts val="0"/>
+                        </a:spcAft>
+                      </a:pPr>
+                      <a:r>
+                        <a:rPr lang="es-ES_tradnl" sz="1800">
+                          <a:effectLst/>
+                        </a:rPr>
+                        <a:t>Responsable(s)</a:t>
+                      </a:r>
+                      <a:endParaRPr lang="es-CL" sz="1800">
+                        <a:solidFill>
+                          <a:srgbClr val="2E74B5"/>
+                        </a:solidFill>
+                        <a:effectLst/>
+                        <a:latin typeface="Times New Roman" panose="02020603050405020304" pitchFamily="18" charset="0"/>
+                        <a:ea typeface="Calibri" panose="020F0502020204030204" pitchFamily="34" charset="0"/>
+                        <a:cs typeface="Times New Roman" panose="02020603050405020304" pitchFamily="18" charset="0"/>
+                      </a:endParaRPr>
+                    </a:p>
+                  </a:txBody>
+                  <a:tcPr marL="68580" marR="68580" marT="0" marB="0"/>
+                </a:tc>
+                <a:extLst>
+                  <a:ext uri="{0D108BD9-81ED-4DB2-BD59-A6C34878D82A}">
+                    <a16:rowId xmlns:a16="http://schemas.microsoft.com/office/drawing/2014/main" val="3273117480"/>
+                  </a:ext>
+                </a:extLst>
+              </a:tr>
+              <a:tr h="1532959">
+                <a:tc>
+                  <a:txBody>
+                    <a:bodyPr/>
+                    <a:lstStyle/>
+                    <a:p>
+                      <a:pPr>
+                        <a:spcAft>
+                          <a:spcPts val="0"/>
+                        </a:spcAft>
+                      </a:pPr>
+                      <a:r>
+                        <a:rPr lang="es-ES_tradnl" sz="1800" dirty="0">
+                          <a:effectLst/>
+                          <a:latin typeface="Calibri" panose="020F0502020204030204" pitchFamily="34" charset="0"/>
+                        </a:rPr>
+                        <a:t>001</a:t>
+                      </a:r>
+                      <a:endParaRPr lang="es-CL" sz="1800" dirty="0">
+                        <a:solidFill>
+                          <a:srgbClr val="2E74B5"/>
+                        </a:solidFill>
+                        <a:effectLst/>
+                        <a:latin typeface="Calibri" panose="020F0502020204030204" pitchFamily="34" charset="0"/>
+                        <a:ea typeface="Calibri" panose="020F0502020204030204" pitchFamily="34" charset="0"/>
+                        <a:cs typeface="Times New Roman" panose="02020603050405020304" pitchFamily="18" charset="0"/>
+                      </a:endParaRPr>
+                    </a:p>
+                  </a:txBody>
+                  <a:tcPr marL="68580" marR="68580" marT="0" marB="0"/>
+                </a:tc>
+                <a:tc>
+                  <a:txBody>
+                    <a:bodyPr/>
+                    <a:lstStyle/>
+                    <a:p>
+                      <a:pPr>
+                        <a:spcAft>
+                          <a:spcPts val="0"/>
+                        </a:spcAft>
+                      </a:pPr>
+                      <a:r>
+                        <a:rPr lang="es-ES_tradnl" sz="1800" b="0" dirty="0">
+                          <a:effectLst/>
+                          <a:latin typeface="Calibri" panose="020F0502020204030204" pitchFamily="34" charset="0"/>
+                        </a:rPr>
+                        <a:t>Alcance del proyecto</a:t>
+                      </a:r>
+                      <a:endParaRPr lang="es-CL" sz="1800" b="0" dirty="0">
+                        <a:solidFill>
+                          <a:srgbClr val="2E74B5"/>
+                        </a:solidFill>
+                        <a:effectLst/>
+                        <a:latin typeface="Calibri" panose="020F0502020204030204" pitchFamily="34" charset="0"/>
+                        <a:ea typeface="Calibri" panose="020F0502020204030204" pitchFamily="34" charset="0"/>
+                        <a:cs typeface="Times New Roman" panose="02020603050405020304" pitchFamily="18" charset="0"/>
+                      </a:endParaRPr>
+                    </a:p>
+                  </a:txBody>
+                  <a:tcPr marL="68580" marR="68580" marT="0" marB="0"/>
+                </a:tc>
+                <a:tc>
+                  <a:txBody>
+                    <a:bodyPr/>
+                    <a:lstStyle/>
+                    <a:p>
+                      <a:pPr>
+                        <a:spcAft>
+                          <a:spcPts val="0"/>
+                        </a:spcAft>
+                      </a:pPr>
+                      <a:r>
+                        <a:rPr lang="es-ES_tradnl" sz="1800" b="0">
+                          <a:effectLst/>
+                          <a:latin typeface="Calibri" panose="020F0502020204030204" pitchFamily="34" charset="0"/>
+                        </a:rPr>
+                        <a:t>Definición del objetivo que se persigue con el proyecto. Además, de una definición del proyecto.</a:t>
+                      </a:r>
+                      <a:endParaRPr lang="es-CL" sz="1800" b="0">
+                        <a:solidFill>
+                          <a:srgbClr val="2E74B5"/>
+                        </a:solidFill>
+                        <a:effectLst/>
+                        <a:latin typeface="Calibri" panose="020F0502020204030204" pitchFamily="34" charset="0"/>
+                        <a:ea typeface="Calibri" panose="020F0502020204030204" pitchFamily="34" charset="0"/>
+                        <a:cs typeface="Times New Roman" panose="02020603050405020304" pitchFamily="18" charset="0"/>
+                      </a:endParaRPr>
+                    </a:p>
+                  </a:txBody>
+                  <a:tcPr marL="68580" marR="68580" marT="0" marB="0"/>
+                </a:tc>
+                <a:tc>
+                  <a:txBody>
+                    <a:bodyPr/>
+                    <a:lstStyle/>
+                    <a:p>
+                      <a:pPr>
+                        <a:spcAft>
+                          <a:spcPts val="0"/>
+                        </a:spcAft>
+                      </a:pPr>
+                      <a:r>
+                        <a:rPr lang="es-ES_tradnl" sz="1800" b="0" dirty="0">
+                          <a:effectLst/>
+                          <a:latin typeface="Calibri" panose="020F0502020204030204" pitchFamily="34" charset="0"/>
+                        </a:rPr>
+                        <a:t>Elías Baeza, Tomás Muñiz, Pablo de la Sotta, Gonzalo López</a:t>
+                      </a:r>
+                      <a:endParaRPr lang="es-CL" sz="1800" b="0" dirty="0">
+                        <a:solidFill>
+                          <a:srgbClr val="2E74B5"/>
+                        </a:solidFill>
+                        <a:effectLst/>
+                        <a:latin typeface="Calibri" panose="020F0502020204030204" pitchFamily="34" charset="0"/>
+                        <a:ea typeface="Calibri" panose="020F0502020204030204" pitchFamily="34" charset="0"/>
+                        <a:cs typeface="Times New Roman" panose="02020603050405020304" pitchFamily="18" charset="0"/>
+                      </a:endParaRPr>
+                    </a:p>
+                  </a:txBody>
+                  <a:tcPr marL="68580" marR="68580" marT="0" marB="0"/>
+                </a:tc>
+                <a:extLst>
+                  <a:ext uri="{0D108BD9-81ED-4DB2-BD59-A6C34878D82A}">
+                    <a16:rowId xmlns:a16="http://schemas.microsoft.com/office/drawing/2014/main" val="4189845903"/>
+                  </a:ext>
+                </a:extLst>
+              </a:tr>
+              <a:tr h="924603">
+                <a:tc>
+                  <a:txBody>
+                    <a:bodyPr/>
+                    <a:lstStyle/>
+                    <a:p>
+                      <a:pPr>
+                        <a:spcAft>
+                          <a:spcPts val="0"/>
+                        </a:spcAft>
+                      </a:pPr>
+                      <a:r>
+                        <a:rPr lang="es-ES_tradnl" sz="1800">
+                          <a:effectLst/>
+                          <a:latin typeface="Calibri" panose="020F0502020204030204" pitchFamily="34" charset="0"/>
+                        </a:rPr>
+                        <a:t>002</a:t>
+                      </a:r>
+                      <a:endParaRPr lang="es-CL" sz="1800">
+                        <a:solidFill>
+                          <a:srgbClr val="2E74B5"/>
+                        </a:solidFill>
+                        <a:effectLst/>
+                        <a:latin typeface="Calibri" panose="020F0502020204030204" pitchFamily="34" charset="0"/>
+                        <a:ea typeface="Calibri" panose="020F0502020204030204" pitchFamily="34" charset="0"/>
+                        <a:cs typeface="Times New Roman" panose="02020603050405020304" pitchFamily="18" charset="0"/>
+                      </a:endParaRPr>
+                    </a:p>
+                  </a:txBody>
+                  <a:tcPr marL="68580" marR="68580" marT="0" marB="0"/>
+                </a:tc>
+                <a:tc>
+                  <a:txBody>
+                    <a:bodyPr/>
+                    <a:lstStyle/>
+                    <a:p>
+                      <a:pPr>
+                        <a:spcAft>
+                          <a:spcPts val="0"/>
+                        </a:spcAft>
+                      </a:pPr>
+                      <a:r>
+                        <a:rPr lang="es-ES_tradnl" sz="1800" b="0" dirty="0">
+                          <a:effectLst/>
+                          <a:latin typeface="Calibri" panose="020F0502020204030204" pitchFamily="34" charset="0"/>
+                        </a:rPr>
+                        <a:t>Entregables del proyecto</a:t>
+                      </a:r>
+                      <a:endParaRPr lang="es-CL" sz="1800" b="0" dirty="0">
+                        <a:solidFill>
+                          <a:srgbClr val="2E74B5"/>
+                        </a:solidFill>
+                        <a:effectLst/>
+                        <a:latin typeface="Calibri" panose="020F0502020204030204" pitchFamily="34" charset="0"/>
+                        <a:ea typeface="Calibri" panose="020F0502020204030204" pitchFamily="34" charset="0"/>
+                        <a:cs typeface="Times New Roman" panose="02020603050405020304" pitchFamily="18" charset="0"/>
+                      </a:endParaRPr>
+                    </a:p>
+                  </a:txBody>
+                  <a:tcPr marL="68580" marR="68580" marT="0" marB="0"/>
+                </a:tc>
+                <a:tc>
+                  <a:txBody>
+                    <a:bodyPr/>
+                    <a:lstStyle/>
+                    <a:p>
+                      <a:pPr>
+                        <a:spcAft>
+                          <a:spcPts val="0"/>
+                        </a:spcAft>
+                      </a:pPr>
+                      <a:r>
+                        <a:rPr lang="es-ES_tradnl" sz="1800" b="0" dirty="0">
+                          <a:effectLst/>
+                          <a:latin typeface="Calibri" panose="020F0502020204030204" pitchFamily="34" charset="0"/>
+                        </a:rPr>
+                        <a:t>Lista de todos los entregables para el Cliente.</a:t>
+                      </a:r>
+                      <a:endParaRPr lang="es-CL" sz="1800" b="0" dirty="0">
+                        <a:solidFill>
+                          <a:srgbClr val="2E74B5"/>
+                        </a:solidFill>
+                        <a:effectLst/>
+                        <a:latin typeface="Calibri" panose="020F0502020204030204" pitchFamily="34" charset="0"/>
+                        <a:ea typeface="Calibri" panose="020F0502020204030204" pitchFamily="34" charset="0"/>
+                        <a:cs typeface="Times New Roman" panose="02020603050405020304" pitchFamily="18" charset="0"/>
+                      </a:endParaRPr>
+                    </a:p>
+                  </a:txBody>
+                  <a:tcPr marL="68580" marR="68580" marT="0" marB="0"/>
+                </a:tc>
+                <a:tc>
+                  <a:txBody>
+                    <a:bodyPr/>
+                    <a:lstStyle/>
+                    <a:p>
+                      <a:pPr>
+                        <a:spcAft>
+                          <a:spcPts val="0"/>
+                        </a:spcAft>
+                      </a:pPr>
+                      <a:r>
+                        <a:rPr lang="es-ES_tradnl" sz="1800" b="0">
+                          <a:effectLst/>
+                          <a:latin typeface="Calibri" panose="020F0502020204030204" pitchFamily="34" charset="0"/>
+                        </a:rPr>
+                        <a:t>Fabián Jaque, Gonzalo López</a:t>
+                      </a:r>
+                      <a:endParaRPr lang="es-CL" sz="1800" b="0">
+                        <a:solidFill>
+                          <a:srgbClr val="2E74B5"/>
+                        </a:solidFill>
+                        <a:effectLst/>
+                        <a:latin typeface="Calibri" panose="020F0502020204030204" pitchFamily="34" charset="0"/>
+                        <a:ea typeface="Calibri" panose="020F0502020204030204" pitchFamily="34" charset="0"/>
+                        <a:cs typeface="Times New Roman" panose="02020603050405020304" pitchFamily="18" charset="0"/>
+                      </a:endParaRPr>
+                    </a:p>
+                  </a:txBody>
+                  <a:tcPr marL="68580" marR="68580" marT="0" marB="0"/>
+                </a:tc>
+                <a:extLst>
+                  <a:ext uri="{0D108BD9-81ED-4DB2-BD59-A6C34878D82A}">
+                    <a16:rowId xmlns:a16="http://schemas.microsoft.com/office/drawing/2014/main" val="967622194"/>
+                  </a:ext>
+                </a:extLst>
+              </a:tr>
+              <a:tr h="924603">
+                <a:tc>
+                  <a:txBody>
+                    <a:bodyPr/>
+                    <a:lstStyle/>
+                    <a:p>
+                      <a:pPr>
+                        <a:spcAft>
+                          <a:spcPts val="0"/>
+                        </a:spcAft>
+                      </a:pPr>
+                      <a:r>
+                        <a:rPr lang="es-ES_tradnl" sz="1800">
+                          <a:effectLst/>
+                          <a:latin typeface="Calibri" panose="020F0502020204030204" pitchFamily="34" charset="0"/>
+                        </a:rPr>
+                        <a:t>003</a:t>
+                      </a:r>
+                      <a:endParaRPr lang="es-CL" sz="1800">
+                        <a:solidFill>
+                          <a:srgbClr val="2E74B5"/>
+                        </a:solidFill>
+                        <a:effectLst/>
+                        <a:latin typeface="Calibri" panose="020F0502020204030204" pitchFamily="34" charset="0"/>
+                        <a:ea typeface="Calibri" panose="020F0502020204030204" pitchFamily="34" charset="0"/>
+                        <a:cs typeface="Times New Roman" panose="02020603050405020304" pitchFamily="18" charset="0"/>
+                      </a:endParaRPr>
+                    </a:p>
+                  </a:txBody>
+                  <a:tcPr marL="68580" marR="68580" marT="0" marB="0"/>
+                </a:tc>
+                <a:tc>
+                  <a:txBody>
+                    <a:bodyPr/>
+                    <a:lstStyle/>
+                    <a:p>
+                      <a:pPr>
+                        <a:spcAft>
+                          <a:spcPts val="0"/>
+                        </a:spcAft>
+                      </a:pPr>
+                      <a:r>
+                        <a:rPr lang="es-ES_tradnl" sz="1800" b="0" dirty="0">
+                          <a:effectLst/>
+                          <a:latin typeface="Calibri" panose="020F0502020204030204" pitchFamily="34" charset="0"/>
+                        </a:rPr>
+                        <a:t>Modelo de proceso</a:t>
+                      </a:r>
+                      <a:endParaRPr lang="es-CL" sz="1800" b="0" dirty="0">
+                        <a:solidFill>
+                          <a:srgbClr val="2E74B5"/>
+                        </a:solidFill>
+                        <a:effectLst/>
+                        <a:latin typeface="Calibri" panose="020F0502020204030204" pitchFamily="34" charset="0"/>
+                        <a:ea typeface="Calibri" panose="020F0502020204030204" pitchFamily="34" charset="0"/>
+                        <a:cs typeface="Times New Roman" panose="02020603050405020304" pitchFamily="18" charset="0"/>
+                      </a:endParaRPr>
+                    </a:p>
+                  </a:txBody>
+                  <a:tcPr marL="68580" marR="68580" marT="0" marB="0"/>
+                </a:tc>
+                <a:tc>
+                  <a:txBody>
+                    <a:bodyPr/>
+                    <a:lstStyle/>
+                    <a:p>
+                      <a:pPr>
+                        <a:spcAft>
+                          <a:spcPts val="0"/>
+                        </a:spcAft>
+                      </a:pPr>
+                      <a:r>
+                        <a:rPr lang="es-ES_tradnl" sz="1800" b="0" dirty="0">
+                          <a:effectLst/>
+                          <a:latin typeface="Calibri" panose="020F0502020204030204" pitchFamily="34" charset="0"/>
+                        </a:rPr>
+                        <a:t>Modelos de proceso de negocio actual de </a:t>
+                      </a:r>
+                      <a:r>
+                        <a:rPr lang="es-ES_tradnl" sz="1800" b="0" dirty="0" err="1">
+                          <a:effectLst/>
+                          <a:latin typeface="Calibri" panose="020F0502020204030204" pitchFamily="34" charset="0"/>
+                        </a:rPr>
+                        <a:t>Hipocrates</a:t>
+                      </a:r>
+                      <a:r>
+                        <a:rPr lang="es-ES_tradnl" sz="1800" b="0" dirty="0">
+                          <a:effectLst/>
+                          <a:latin typeface="Calibri" panose="020F0502020204030204" pitchFamily="34" charset="0"/>
+                        </a:rPr>
+                        <a:t>.</a:t>
+                      </a:r>
+                      <a:endParaRPr lang="es-CL" sz="1800" b="0" dirty="0">
+                        <a:solidFill>
+                          <a:srgbClr val="2E74B5"/>
+                        </a:solidFill>
+                        <a:effectLst/>
+                        <a:latin typeface="Calibri" panose="020F0502020204030204" pitchFamily="34" charset="0"/>
+                        <a:ea typeface="Calibri" panose="020F0502020204030204" pitchFamily="34" charset="0"/>
+                        <a:cs typeface="Times New Roman" panose="02020603050405020304" pitchFamily="18" charset="0"/>
+                      </a:endParaRPr>
+                    </a:p>
+                  </a:txBody>
+                  <a:tcPr marL="68580" marR="68580" marT="0" marB="0"/>
+                </a:tc>
+                <a:tc>
+                  <a:txBody>
+                    <a:bodyPr/>
+                    <a:lstStyle/>
+                    <a:p>
+                      <a:pPr>
+                        <a:spcAft>
+                          <a:spcPts val="0"/>
+                        </a:spcAft>
+                      </a:pPr>
+                      <a:r>
+                        <a:rPr lang="es-ES_tradnl" sz="1800" b="0" dirty="0">
+                          <a:effectLst/>
+                          <a:latin typeface="Calibri" panose="020F0502020204030204" pitchFamily="34" charset="0"/>
+                        </a:rPr>
+                        <a:t>Pablo de la Sotta</a:t>
+                      </a:r>
+                      <a:endParaRPr lang="es-CL" sz="1800" b="0" dirty="0">
+                        <a:solidFill>
+                          <a:srgbClr val="2E74B5"/>
+                        </a:solidFill>
+                        <a:effectLst/>
+                        <a:latin typeface="Calibri" panose="020F0502020204030204" pitchFamily="34" charset="0"/>
+                        <a:ea typeface="Calibri" panose="020F0502020204030204" pitchFamily="34" charset="0"/>
+                        <a:cs typeface="Times New Roman" panose="02020603050405020304" pitchFamily="18" charset="0"/>
+                      </a:endParaRPr>
+                    </a:p>
+                  </a:txBody>
+                  <a:tcPr marL="68580" marR="68580" marT="0" marB="0"/>
+                </a:tc>
+                <a:extLst>
+                  <a:ext uri="{0D108BD9-81ED-4DB2-BD59-A6C34878D82A}">
+                    <a16:rowId xmlns:a16="http://schemas.microsoft.com/office/drawing/2014/main" val="3836733366"/>
+                  </a:ext>
+                </a:extLst>
+              </a:tr>
+            </a:tbl>
+          </a:graphicData>
+        </a:graphic>
+      </p:graphicFrame>
       <p:pic>
         <p:nvPicPr>
           <p:cNvPr id="2050" name="Picture 2" descr="Resultado de imagen para duoc"/>
@@ -8980,7 +9545,3825 @@
     </p:spTree>
     <p:extLst>
       <p:ext uri="{BB962C8B-B14F-4D97-AF65-F5344CB8AC3E}">
-        <p14:creationId xmlns:p14="http://schemas.microsoft.com/office/powerpoint/2010/main" val="507458925"/>
+        <p14:creationId xmlns:p14="http://schemas.microsoft.com/office/powerpoint/2010/main" val="2601938409"/>
+      </p:ext>
+    </p:extLst>
+  </p:cSld>
+  <p:clrMapOvr>
+    <a:masterClrMapping/>
+  </p:clrMapOvr>
+</p:sld>
+</file>
+
+<file path=ppt/slides/slide13.xml><?xml version="1.0" encoding="utf-8"?>
+<p:sld xmlns:a="http://schemas.openxmlformats.org/drawingml/2006/main" xmlns:r="http://schemas.openxmlformats.org/officeDocument/2006/relationships" xmlns:p="http://schemas.openxmlformats.org/presentationml/2006/main">
+  <p:cSld>
+    <p:spTree>
+      <p:nvGrpSpPr>
+        <p:cNvPr id="1" name=""/>
+        <p:cNvGrpSpPr/>
+        <p:nvPr/>
+      </p:nvGrpSpPr>
+      <p:grpSpPr>
+        <a:xfrm>
+          <a:off x="0" y="0"/>
+          <a:ext cx="0" cy="0"/>
+          <a:chOff x="0" y="0"/>
+          <a:chExt cx="0" cy="0"/>
+        </a:xfrm>
+      </p:grpSpPr>
+      <p:sp>
+        <p:nvSpPr>
+          <p:cNvPr id="2" name="Title 1"/>
+          <p:cNvSpPr>
+            <a:spLocks noGrp="1"/>
+          </p:cNvSpPr>
+          <p:nvPr>
+            <p:ph type="title"/>
+          </p:nvPr>
+        </p:nvSpPr>
+        <p:spPr/>
+        <p:txBody>
+          <a:bodyPr/>
+          <a:lstStyle/>
+          <a:p>
+            <a:r>
+              <a:rPr lang="es-CL" dirty="0"/>
+              <a:t>Entregables</a:t>
+            </a:r>
+          </a:p>
+        </p:txBody>
+      </p:sp>
+      <p:graphicFrame>
+        <p:nvGraphicFramePr>
+          <p:cNvPr id="6" name="Content Placeholder 5"/>
+          <p:cNvGraphicFramePr>
+            <a:graphicFrameLocks noGrp="1"/>
+          </p:cNvGraphicFramePr>
+          <p:nvPr>
+            <p:ph idx="1"/>
+            <p:extLst>
+              <p:ext uri="{D42A27DB-BD31-4B8C-83A1-F6EECF244321}">
+                <p14:modId xmlns:p14="http://schemas.microsoft.com/office/powerpoint/2010/main" val="3206765835"/>
+              </p:ext>
+            </p:extLst>
+          </p:nvPr>
+        </p:nvGraphicFramePr>
+        <p:xfrm>
+          <a:off x="531638" y="2233244"/>
+          <a:ext cx="7697961" cy="4293452"/>
+        </p:xfrm>
+        <a:graphic>
+          <a:graphicData uri="http://schemas.openxmlformats.org/drawingml/2006/table">
+            <a:tbl>
+              <a:tblPr firstRow="1" firstCol="1" bandRow="1">
+                <a:tableStyleId>{5C22544A-7EE6-4342-B048-85BDC9FD1C3A}</a:tableStyleId>
+              </a:tblPr>
+              <a:tblGrid>
+                <a:gridCol w="643195">
+                  <a:extLst>
+                    <a:ext uri="{9D8B030D-6E8A-4147-A177-3AD203B41FA5}">
+                      <a16:colId xmlns:a16="http://schemas.microsoft.com/office/drawing/2014/main" val="3071779085"/>
+                    </a:ext>
+                  </a:extLst>
+                </a:gridCol>
+                <a:gridCol w="1502106">
+                  <a:extLst>
+                    <a:ext uri="{9D8B030D-6E8A-4147-A177-3AD203B41FA5}">
+                      <a16:colId xmlns:a16="http://schemas.microsoft.com/office/drawing/2014/main" val="66996548"/>
+                    </a:ext>
+                  </a:extLst>
+                </a:gridCol>
+                <a:gridCol w="3776870">
+                  <a:extLst>
+                    <a:ext uri="{9D8B030D-6E8A-4147-A177-3AD203B41FA5}">
+                      <a16:colId xmlns:a16="http://schemas.microsoft.com/office/drawing/2014/main" val="4240967042"/>
+                    </a:ext>
+                  </a:extLst>
+                </a:gridCol>
+                <a:gridCol w="1775790">
+                  <a:extLst>
+                    <a:ext uri="{9D8B030D-6E8A-4147-A177-3AD203B41FA5}">
+                      <a16:colId xmlns:a16="http://schemas.microsoft.com/office/drawing/2014/main" val="2519033814"/>
+                    </a:ext>
+                  </a:extLst>
+                </a:gridCol>
+              </a:tblGrid>
+              <a:tr h="504037">
+                <a:tc>
+                  <a:txBody>
+                    <a:bodyPr/>
+                    <a:lstStyle/>
+                    <a:p>
+                      <a:pPr algn="ctr">
+                        <a:spcAft>
+                          <a:spcPts val="0"/>
+                        </a:spcAft>
+                      </a:pPr>
+                      <a:r>
+                        <a:rPr lang="es-ES_tradnl" sz="1800">
+                          <a:effectLst/>
+                        </a:rPr>
+                        <a:t>#</a:t>
+                      </a:r>
+                      <a:endParaRPr lang="es-CL" sz="1800">
+                        <a:solidFill>
+                          <a:srgbClr val="2E74B5"/>
+                        </a:solidFill>
+                        <a:effectLst/>
+                        <a:latin typeface="Times New Roman" panose="02020603050405020304" pitchFamily="18" charset="0"/>
+                        <a:ea typeface="Calibri" panose="020F0502020204030204" pitchFamily="34" charset="0"/>
+                        <a:cs typeface="Times New Roman" panose="02020603050405020304" pitchFamily="18" charset="0"/>
+                      </a:endParaRPr>
+                    </a:p>
+                  </a:txBody>
+                  <a:tcPr marL="68580" marR="68580" marT="0" marB="0"/>
+                </a:tc>
+                <a:tc>
+                  <a:txBody>
+                    <a:bodyPr/>
+                    <a:lstStyle/>
+                    <a:p>
+                      <a:pPr algn="ctr">
+                        <a:spcAft>
+                          <a:spcPts val="0"/>
+                        </a:spcAft>
+                      </a:pPr>
+                      <a:r>
+                        <a:rPr lang="es-ES_tradnl" sz="1800">
+                          <a:effectLst/>
+                        </a:rPr>
+                        <a:t>Entregable</a:t>
+                      </a:r>
+                      <a:endParaRPr lang="es-CL" sz="1800">
+                        <a:solidFill>
+                          <a:srgbClr val="2E74B5"/>
+                        </a:solidFill>
+                        <a:effectLst/>
+                        <a:latin typeface="Times New Roman" panose="02020603050405020304" pitchFamily="18" charset="0"/>
+                        <a:ea typeface="Calibri" panose="020F0502020204030204" pitchFamily="34" charset="0"/>
+                        <a:cs typeface="Times New Roman" panose="02020603050405020304" pitchFamily="18" charset="0"/>
+                      </a:endParaRPr>
+                    </a:p>
+                  </a:txBody>
+                  <a:tcPr marL="68580" marR="68580" marT="0" marB="0"/>
+                </a:tc>
+                <a:tc>
+                  <a:txBody>
+                    <a:bodyPr/>
+                    <a:lstStyle/>
+                    <a:p>
+                      <a:pPr algn="ctr">
+                        <a:spcAft>
+                          <a:spcPts val="0"/>
+                        </a:spcAft>
+                      </a:pPr>
+                      <a:r>
+                        <a:rPr lang="es-ES_tradnl" sz="1800">
+                          <a:effectLst/>
+                        </a:rPr>
+                        <a:t>Descripción</a:t>
+                      </a:r>
+                      <a:endParaRPr lang="es-CL" sz="1800">
+                        <a:solidFill>
+                          <a:srgbClr val="2E74B5"/>
+                        </a:solidFill>
+                        <a:effectLst/>
+                        <a:latin typeface="Times New Roman" panose="02020603050405020304" pitchFamily="18" charset="0"/>
+                        <a:ea typeface="Calibri" panose="020F0502020204030204" pitchFamily="34" charset="0"/>
+                        <a:cs typeface="Times New Roman" panose="02020603050405020304" pitchFamily="18" charset="0"/>
+                      </a:endParaRPr>
+                    </a:p>
+                  </a:txBody>
+                  <a:tcPr marL="68580" marR="68580" marT="0" marB="0"/>
+                </a:tc>
+                <a:tc>
+                  <a:txBody>
+                    <a:bodyPr/>
+                    <a:lstStyle/>
+                    <a:p>
+                      <a:pPr algn="ctr">
+                        <a:spcAft>
+                          <a:spcPts val="0"/>
+                        </a:spcAft>
+                      </a:pPr>
+                      <a:r>
+                        <a:rPr lang="es-ES_tradnl" sz="1800">
+                          <a:effectLst/>
+                        </a:rPr>
+                        <a:t>Responsable(s)</a:t>
+                      </a:r>
+                      <a:endParaRPr lang="es-CL" sz="1800">
+                        <a:solidFill>
+                          <a:srgbClr val="2E74B5"/>
+                        </a:solidFill>
+                        <a:effectLst/>
+                        <a:latin typeface="Times New Roman" panose="02020603050405020304" pitchFamily="18" charset="0"/>
+                        <a:ea typeface="Calibri" panose="020F0502020204030204" pitchFamily="34" charset="0"/>
+                        <a:cs typeface="Times New Roman" panose="02020603050405020304" pitchFamily="18" charset="0"/>
+                      </a:endParaRPr>
+                    </a:p>
+                  </a:txBody>
+                  <a:tcPr marL="68580" marR="68580" marT="0" marB="0"/>
+                </a:tc>
+                <a:extLst>
+                  <a:ext uri="{0D108BD9-81ED-4DB2-BD59-A6C34878D82A}">
+                    <a16:rowId xmlns:a16="http://schemas.microsoft.com/office/drawing/2014/main" val="3273117480"/>
+                  </a:ext>
+                </a:extLst>
+              </a:tr>
+              <a:tr h="827554">
+                <a:tc>
+                  <a:txBody>
+                    <a:bodyPr/>
+                    <a:lstStyle/>
+                    <a:p>
+                      <a:pPr>
+                        <a:spcAft>
+                          <a:spcPts val="0"/>
+                        </a:spcAft>
+                      </a:pPr>
+                      <a:r>
+                        <a:rPr lang="es-ES_tradnl" sz="1800" b="1">
+                          <a:solidFill>
+                            <a:schemeClr val="tx1"/>
+                          </a:solidFill>
+                          <a:effectLst/>
+                          <a:latin typeface="Times New Roman" panose="02020603050405020304" pitchFamily="18" charset="0"/>
+                          <a:ea typeface="Calibri" panose="020F0502020204030204" pitchFamily="34" charset="0"/>
+                          <a:cs typeface="Times New Roman" panose="02020603050405020304" pitchFamily="18" charset="0"/>
+                        </a:rPr>
+                        <a:t>004</a:t>
+                      </a:r>
+                      <a:endParaRPr lang="es-CL" sz="1800">
+                        <a:solidFill>
+                          <a:schemeClr val="tx1"/>
+                        </a:solidFill>
+                        <a:effectLst/>
+                        <a:latin typeface="Times New Roman" panose="02020603050405020304" pitchFamily="18" charset="0"/>
+                        <a:ea typeface="Calibri" panose="020F0502020204030204" pitchFamily="34" charset="0"/>
+                        <a:cs typeface="Times New Roman" panose="02020603050405020304" pitchFamily="18" charset="0"/>
+                      </a:endParaRPr>
+                    </a:p>
+                  </a:txBody>
+                  <a:tcPr marL="68580" marR="68580" marT="0" marB="0"/>
+                </a:tc>
+                <a:tc>
+                  <a:txBody>
+                    <a:bodyPr/>
+                    <a:lstStyle/>
+                    <a:p>
+                      <a:pPr>
+                        <a:spcAft>
+                          <a:spcPts val="0"/>
+                        </a:spcAft>
+                      </a:pPr>
+                      <a:r>
+                        <a:rPr lang="es-ES_tradnl" sz="1800" b="0" dirty="0">
+                          <a:solidFill>
+                            <a:schemeClr val="bg1"/>
+                          </a:solidFill>
+                          <a:effectLst/>
+                          <a:latin typeface="Calibri Light" panose="020F0302020204030204" pitchFamily="34" charset="0"/>
+                          <a:ea typeface="Calibri" panose="020F0502020204030204" pitchFamily="34" charset="0"/>
+                          <a:cs typeface="Calibri Light" panose="020F0302020204030204" pitchFamily="34" charset="0"/>
+                        </a:rPr>
+                        <a:t>Estructura Organizacional</a:t>
+                      </a:r>
+                      <a:endParaRPr lang="es-CL" sz="1800" b="0" dirty="0">
+                        <a:solidFill>
+                          <a:schemeClr val="bg1"/>
+                        </a:solidFill>
+                        <a:effectLst/>
+                        <a:latin typeface="Times New Roman" panose="02020603050405020304" pitchFamily="18" charset="0"/>
+                        <a:ea typeface="Calibri" panose="020F0502020204030204" pitchFamily="34" charset="0"/>
+                        <a:cs typeface="Times New Roman" panose="02020603050405020304" pitchFamily="18" charset="0"/>
+                      </a:endParaRPr>
+                    </a:p>
+                  </a:txBody>
+                  <a:tcPr marL="68580" marR="68580" marT="0" marB="0"/>
+                </a:tc>
+                <a:tc>
+                  <a:txBody>
+                    <a:bodyPr/>
+                    <a:lstStyle/>
+                    <a:p>
+                      <a:pPr>
+                        <a:spcAft>
+                          <a:spcPts val="0"/>
+                        </a:spcAft>
+                      </a:pPr>
+                      <a:r>
+                        <a:rPr lang="es-ES_tradnl" sz="1800" b="0">
+                          <a:solidFill>
+                            <a:schemeClr val="bg1"/>
+                          </a:solidFill>
+                          <a:effectLst/>
+                          <a:latin typeface="Times New Roman" panose="02020603050405020304" pitchFamily="18" charset="0"/>
+                          <a:ea typeface="Calibri" panose="020F0502020204030204" pitchFamily="34" charset="0"/>
+                          <a:cs typeface="Calibri" panose="020F0502020204030204" pitchFamily="34" charset="0"/>
+                        </a:rPr>
+                        <a:t>De</a:t>
+                      </a:r>
+                      <a:r>
+                        <a:rPr lang="es-ES_tradnl" sz="1800" b="0">
+                          <a:solidFill>
+                            <a:schemeClr val="bg1"/>
+                          </a:solidFill>
+                          <a:effectLst/>
+                          <a:latin typeface="Calibri" panose="020F0502020204030204" pitchFamily="34" charset="0"/>
+                          <a:ea typeface="Calibri" panose="020F0502020204030204" pitchFamily="34" charset="0"/>
+                          <a:cs typeface="Calibri" panose="020F0502020204030204" pitchFamily="34" charset="0"/>
+                        </a:rPr>
+                        <a:t>scripción de la estructura jerárquica interna del proyecto</a:t>
+                      </a:r>
+                      <a:endParaRPr lang="es-CL" sz="1800" b="0">
+                        <a:solidFill>
+                          <a:schemeClr val="bg1"/>
+                        </a:solidFill>
+                        <a:effectLst/>
+                        <a:latin typeface="Times New Roman" panose="02020603050405020304" pitchFamily="18" charset="0"/>
+                        <a:ea typeface="Calibri" panose="020F0502020204030204" pitchFamily="34" charset="0"/>
+                        <a:cs typeface="Times New Roman" panose="02020603050405020304" pitchFamily="18" charset="0"/>
+                      </a:endParaRPr>
+                    </a:p>
+                  </a:txBody>
+                  <a:tcPr marL="68580" marR="68580" marT="0" marB="0"/>
+                </a:tc>
+                <a:tc>
+                  <a:txBody>
+                    <a:bodyPr/>
+                    <a:lstStyle/>
+                    <a:p>
+                      <a:pPr>
+                        <a:spcAft>
+                          <a:spcPts val="0"/>
+                        </a:spcAft>
+                      </a:pPr>
+                      <a:r>
+                        <a:rPr lang="es-ES_tradnl" sz="1800" b="0">
+                          <a:solidFill>
+                            <a:schemeClr val="bg1"/>
+                          </a:solidFill>
+                          <a:effectLst/>
+                          <a:latin typeface="Times New Roman" panose="02020603050405020304" pitchFamily="18" charset="0"/>
+                          <a:ea typeface="Calibri" panose="020F0502020204030204" pitchFamily="34" charset="0"/>
+                          <a:cs typeface="Times New Roman" panose="02020603050405020304" pitchFamily="18" charset="0"/>
+                        </a:rPr>
+                        <a:t>Gonzalo López</a:t>
+                      </a:r>
+                      <a:endParaRPr lang="es-CL" sz="1800" b="0">
+                        <a:solidFill>
+                          <a:schemeClr val="bg1"/>
+                        </a:solidFill>
+                        <a:effectLst/>
+                        <a:latin typeface="Times New Roman" panose="02020603050405020304" pitchFamily="18" charset="0"/>
+                        <a:ea typeface="Calibri" panose="020F0502020204030204" pitchFamily="34" charset="0"/>
+                        <a:cs typeface="Times New Roman" panose="02020603050405020304" pitchFamily="18" charset="0"/>
+                      </a:endParaRPr>
+                    </a:p>
+                  </a:txBody>
+                  <a:tcPr marL="68580" marR="68580" marT="0" marB="0"/>
+                </a:tc>
+                <a:extLst>
+                  <a:ext uri="{0D108BD9-81ED-4DB2-BD59-A6C34878D82A}">
+                    <a16:rowId xmlns:a16="http://schemas.microsoft.com/office/drawing/2014/main" val="4189845903"/>
+                  </a:ext>
+                </a:extLst>
+              </a:tr>
+              <a:tr h="1590261">
+                <a:tc>
+                  <a:txBody>
+                    <a:bodyPr/>
+                    <a:lstStyle/>
+                    <a:p>
+                      <a:pPr>
+                        <a:spcAft>
+                          <a:spcPts val="0"/>
+                        </a:spcAft>
+                      </a:pPr>
+                      <a:r>
+                        <a:rPr lang="es-ES_tradnl" sz="1800" b="1">
+                          <a:solidFill>
+                            <a:schemeClr val="tx1"/>
+                          </a:solidFill>
+                          <a:effectLst/>
+                          <a:latin typeface="Times New Roman" panose="02020603050405020304" pitchFamily="18" charset="0"/>
+                          <a:ea typeface="Calibri" panose="020F0502020204030204" pitchFamily="34" charset="0"/>
+                          <a:cs typeface="Times New Roman" panose="02020603050405020304" pitchFamily="18" charset="0"/>
+                        </a:rPr>
+                        <a:t>005</a:t>
+                      </a:r>
+                      <a:endParaRPr lang="es-CL" sz="1800">
+                        <a:solidFill>
+                          <a:schemeClr val="tx1"/>
+                        </a:solidFill>
+                        <a:effectLst/>
+                        <a:latin typeface="Times New Roman" panose="02020603050405020304" pitchFamily="18" charset="0"/>
+                        <a:ea typeface="Calibri" panose="020F0502020204030204" pitchFamily="34" charset="0"/>
+                        <a:cs typeface="Times New Roman" panose="02020603050405020304" pitchFamily="18" charset="0"/>
+                      </a:endParaRPr>
+                    </a:p>
+                  </a:txBody>
+                  <a:tcPr marL="68580" marR="68580" marT="0" marB="0"/>
+                </a:tc>
+                <a:tc>
+                  <a:txBody>
+                    <a:bodyPr/>
+                    <a:lstStyle/>
+                    <a:p>
+                      <a:pPr>
+                        <a:spcAft>
+                          <a:spcPts val="0"/>
+                        </a:spcAft>
+                      </a:pPr>
+                      <a:r>
+                        <a:rPr lang="es-ES_tradnl" sz="1800" b="0">
+                          <a:solidFill>
+                            <a:schemeClr val="bg1"/>
+                          </a:solidFill>
+                          <a:effectLst/>
+                          <a:latin typeface="Calibri Light" panose="020F0302020204030204" pitchFamily="34" charset="0"/>
+                          <a:ea typeface="Calibri" panose="020F0502020204030204" pitchFamily="34" charset="0"/>
+                          <a:cs typeface="Calibri Light" panose="020F0302020204030204" pitchFamily="34" charset="0"/>
+                        </a:rPr>
+                        <a:t>Interfaces e Interacciones</a:t>
+                      </a:r>
+                      <a:endParaRPr lang="es-CL" sz="1800" b="0">
+                        <a:solidFill>
+                          <a:schemeClr val="bg1"/>
+                        </a:solidFill>
+                        <a:effectLst/>
+                        <a:latin typeface="Times New Roman" panose="02020603050405020304" pitchFamily="18" charset="0"/>
+                        <a:ea typeface="Calibri" panose="020F0502020204030204" pitchFamily="34" charset="0"/>
+                        <a:cs typeface="Times New Roman" panose="02020603050405020304" pitchFamily="18" charset="0"/>
+                      </a:endParaRPr>
+                    </a:p>
+                  </a:txBody>
+                  <a:tcPr marL="68580" marR="68580" marT="0" marB="0"/>
+                </a:tc>
+                <a:tc>
+                  <a:txBody>
+                    <a:bodyPr/>
+                    <a:lstStyle/>
+                    <a:p>
+                      <a:pPr algn="just">
+                        <a:spcAft>
+                          <a:spcPts val="0"/>
+                        </a:spcAft>
+                      </a:pPr>
+                      <a:r>
+                        <a:rPr lang="es-ES_tradnl" sz="1800" b="0">
+                          <a:solidFill>
+                            <a:schemeClr val="bg1"/>
+                          </a:solidFill>
+                          <a:effectLst/>
+                          <a:latin typeface="Calibri" panose="020F0502020204030204" pitchFamily="34" charset="0"/>
+                          <a:ea typeface="Calibri" panose="020F0502020204030204" pitchFamily="34" charset="0"/>
+                          <a:cs typeface="Calibri" panose="020F0502020204030204" pitchFamily="34" charset="0"/>
+                        </a:rPr>
+                        <a:t> En esta sección se describen los procedimientos administrativos y de gestión entre el proyecto y:</a:t>
+                      </a:r>
+                      <a:endParaRPr lang="es-CL" sz="1800" b="0">
+                        <a:solidFill>
+                          <a:schemeClr val="bg1"/>
+                        </a:solidFill>
+                        <a:effectLst/>
+                        <a:latin typeface="Times New Roman" panose="02020603050405020304" pitchFamily="18" charset="0"/>
+                        <a:ea typeface="Calibri" panose="020F0502020204030204" pitchFamily="34" charset="0"/>
+                        <a:cs typeface="Times New Roman" panose="02020603050405020304" pitchFamily="18" charset="0"/>
+                      </a:endParaRPr>
+                    </a:p>
+                    <a:p>
+                      <a:pPr>
+                        <a:spcAft>
+                          <a:spcPts val="0"/>
+                        </a:spcAft>
+                      </a:pPr>
+                      <a:r>
+                        <a:rPr lang="es-ES_tradnl" sz="1800" b="0">
+                          <a:solidFill>
+                            <a:schemeClr val="bg1"/>
+                          </a:solidFill>
+                          <a:effectLst/>
+                          <a:latin typeface="Calibri" panose="020F0502020204030204" pitchFamily="34" charset="0"/>
+                          <a:ea typeface="Calibri" panose="020F0502020204030204" pitchFamily="34" charset="0"/>
+                          <a:cs typeface="Calibri" panose="020F0502020204030204" pitchFamily="34" charset="0"/>
+                        </a:rPr>
+                        <a:t> El Cliente, Gestión de configuración, Gestión de calidad y Verificación.</a:t>
+                      </a:r>
+                      <a:endParaRPr lang="es-CL" sz="1800" b="0">
+                        <a:solidFill>
+                          <a:schemeClr val="bg1"/>
+                        </a:solidFill>
+                        <a:effectLst/>
+                        <a:latin typeface="Times New Roman" panose="02020603050405020304" pitchFamily="18" charset="0"/>
+                        <a:ea typeface="Calibri" panose="020F0502020204030204" pitchFamily="34" charset="0"/>
+                        <a:cs typeface="Times New Roman" panose="02020603050405020304" pitchFamily="18" charset="0"/>
+                      </a:endParaRPr>
+                    </a:p>
+                  </a:txBody>
+                  <a:tcPr marL="68580" marR="68580" marT="0" marB="0"/>
+                </a:tc>
+                <a:tc>
+                  <a:txBody>
+                    <a:bodyPr/>
+                    <a:lstStyle/>
+                    <a:p>
+                      <a:pPr>
+                        <a:spcAft>
+                          <a:spcPts val="0"/>
+                        </a:spcAft>
+                      </a:pPr>
+                      <a:r>
+                        <a:rPr lang="es-ES_tradnl" sz="1800" b="0">
+                          <a:solidFill>
+                            <a:schemeClr val="bg1"/>
+                          </a:solidFill>
+                          <a:effectLst/>
+                          <a:latin typeface="Times New Roman" panose="02020603050405020304" pitchFamily="18" charset="0"/>
+                          <a:ea typeface="Calibri" panose="020F0502020204030204" pitchFamily="34" charset="0"/>
+                          <a:cs typeface="Times New Roman" panose="02020603050405020304" pitchFamily="18" charset="0"/>
+                        </a:rPr>
+                        <a:t>Tomás Muñiz</a:t>
+                      </a:r>
+                      <a:endParaRPr lang="es-CL" sz="1800" b="0">
+                        <a:solidFill>
+                          <a:schemeClr val="bg1"/>
+                        </a:solidFill>
+                        <a:effectLst/>
+                        <a:latin typeface="Times New Roman" panose="02020603050405020304" pitchFamily="18" charset="0"/>
+                        <a:ea typeface="Calibri" panose="020F0502020204030204" pitchFamily="34" charset="0"/>
+                        <a:cs typeface="Times New Roman" panose="02020603050405020304" pitchFamily="18" charset="0"/>
+                      </a:endParaRPr>
+                    </a:p>
+                  </a:txBody>
+                  <a:tcPr marL="68580" marR="68580" marT="0" marB="0"/>
+                </a:tc>
+                <a:extLst>
+                  <a:ext uri="{0D108BD9-81ED-4DB2-BD59-A6C34878D82A}">
+                    <a16:rowId xmlns:a16="http://schemas.microsoft.com/office/drawing/2014/main" val="967622194"/>
+                  </a:ext>
+                </a:extLst>
+              </a:tr>
+              <a:tr h="924603">
+                <a:tc>
+                  <a:txBody>
+                    <a:bodyPr/>
+                    <a:lstStyle/>
+                    <a:p>
+                      <a:pPr>
+                        <a:spcAft>
+                          <a:spcPts val="0"/>
+                        </a:spcAft>
+                      </a:pPr>
+                      <a:r>
+                        <a:rPr lang="es-ES_tradnl" sz="1800" b="1" dirty="0">
+                          <a:solidFill>
+                            <a:schemeClr val="tx1"/>
+                          </a:solidFill>
+                          <a:effectLst/>
+                          <a:latin typeface="Times New Roman" panose="02020603050405020304" pitchFamily="18" charset="0"/>
+                          <a:ea typeface="Calibri" panose="020F0502020204030204" pitchFamily="34" charset="0"/>
+                          <a:cs typeface="Times New Roman" panose="02020603050405020304" pitchFamily="18" charset="0"/>
+                        </a:rPr>
+                        <a:t>006</a:t>
+                      </a:r>
+                      <a:endParaRPr lang="es-CL" sz="1800" dirty="0">
+                        <a:solidFill>
+                          <a:schemeClr val="tx1"/>
+                        </a:solidFill>
+                        <a:effectLst/>
+                        <a:latin typeface="Times New Roman" panose="02020603050405020304" pitchFamily="18" charset="0"/>
+                        <a:ea typeface="Calibri" panose="020F0502020204030204" pitchFamily="34" charset="0"/>
+                        <a:cs typeface="Times New Roman" panose="02020603050405020304" pitchFamily="18" charset="0"/>
+                      </a:endParaRPr>
+                    </a:p>
+                  </a:txBody>
+                  <a:tcPr marL="68580" marR="68580" marT="0" marB="0"/>
+                </a:tc>
+                <a:tc>
+                  <a:txBody>
+                    <a:bodyPr/>
+                    <a:lstStyle/>
+                    <a:p>
+                      <a:pPr>
+                        <a:spcAft>
+                          <a:spcPts val="0"/>
+                        </a:spcAft>
+                      </a:pPr>
+                      <a:r>
+                        <a:rPr lang="es-ES_tradnl" sz="1800" b="0" dirty="0">
+                          <a:solidFill>
+                            <a:schemeClr val="bg1"/>
+                          </a:solidFill>
+                          <a:effectLst/>
+                          <a:latin typeface="Calibri Light" panose="020F0302020204030204" pitchFamily="34" charset="0"/>
+                          <a:ea typeface="Calibri" panose="020F0502020204030204" pitchFamily="34" charset="0"/>
+                          <a:cs typeface="Calibri Light" panose="020F0302020204030204" pitchFamily="34" charset="0"/>
+                        </a:rPr>
+                        <a:t>Responsables</a:t>
+                      </a:r>
+                      <a:endParaRPr lang="es-CL" sz="1800" b="0" dirty="0">
+                        <a:solidFill>
+                          <a:schemeClr val="bg1"/>
+                        </a:solidFill>
+                        <a:effectLst/>
+                        <a:latin typeface="Times New Roman" panose="02020603050405020304" pitchFamily="18" charset="0"/>
+                        <a:ea typeface="Calibri" panose="020F0502020204030204" pitchFamily="34" charset="0"/>
+                        <a:cs typeface="Times New Roman" panose="02020603050405020304" pitchFamily="18" charset="0"/>
+                      </a:endParaRPr>
+                    </a:p>
+                  </a:txBody>
+                  <a:tcPr marL="68580" marR="68580" marT="0" marB="0"/>
+                </a:tc>
+                <a:tc>
+                  <a:txBody>
+                    <a:bodyPr/>
+                    <a:lstStyle/>
+                    <a:p>
+                      <a:pPr algn="just">
+                        <a:spcAft>
+                          <a:spcPts val="0"/>
+                        </a:spcAft>
+                      </a:pPr>
+                      <a:r>
+                        <a:rPr lang="es-ES_tradnl" sz="1800" b="0">
+                          <a:solidFill>
+                            <a:schemeClr val="bg1"/>
+                          </a:solidFill>
+                          <a:effectLst/>
+                          <a:latin typeface="Calibri" panose="020F0502020204030204" pitchFamily="34" charset="0"/>
+                          <a:ea typeface="Calibri" panose="020F0502020204030204" pitchFamily="34" charset="0"/>
+                          <a:cs typeface="Calibri" panose="020F0502020204030204" pitchFamily="34" charset="0"/>
+                        </a:rPr>
+                        <a:t>Se identifican las actividades más relevantes en el proyecto, los responsables de dichas actividades y los involucrados.</a:t>
+                      </a:r>
+                      <a:endParaRPr lang="es-CL" sz="1800" b="0">
+                        <a:solidFill>
+                          <a:schemeClr val="bg1"/>
+                        </a:solidFill>
+                        <a:effectLst/>
+                        <a:latin typeface="Times New Roman" panose="02020603050405020304" pitchFamily="18" charset="0"/>
+                        <a:ea typeface="Calibri" panose="020F0502020204030204" pitchFamily="34" charset="0"/>
+                        <a:cs typeface="Times New Roman" panose="02020603050405020304" pitchFamily="18" charset="0"/>
+                      </a:endParaRPr>
+                    </a:p>
+                    <a:p>
+                      <a:pPr>
+                        <a:spcAft>
+                          <a:spcPts val="0"/>
+                        </a:spcAft>
+                      </a:pPr>
+                      <a:r>
+                        <a:rPr lang="es-ES_tradnl" sz="1800" b="0">
+                          <a:solidFill>
+                            <a:schemeClr val="bg1"/>
+                          </a:solidFill>
+                          <a:effectLst/>
+                          <a:latin typeface="Times New Roman" panose="02020603050405020304" pitchFamily="18" charset="0"/>
+                          <a:ea typeface="Calibri" panose="020F0502020204030204" pitchFamily="34" charset="0"/>
+                          <a:cs typeface="Times New Roman" panose="02020603050405020304" pitchFamily="18" charset="0"/>
+                        </a:rPr>
+                        <a:t> </a:t>
+                      </a:r>
+                      <a:endParaRPr lang="es-CL" sz="1800" b="0">
+                        <a:solidFill>
+                          <a:schemeClr val="bg1"/>
+                        </a:solidFill>
+                        <a:effectLst/>
+                        <a:latin typeface="Times New Roman" panose="02020603050405020304" pitchFamily="18" charset="0"/>
+                        <a:ea typeface="Calibri" panose="020F0502020204030204" pitchFamily="34" charset="0"/>
+                        <a:cs typeface="Times New Roman" panose="02020603050405020304" pitchFamily="18" charset="0"/>
+                      </a:endParaRPr>
+                    </a:p>
+                  </a:txBody>
+                  <a:tcPr marL="68580" marR="68580" marT="0" marB="0"/>
+                </a:tc>
+                <a:tc>
+                  <a:txBody>
+                    <a:bodyPr/>
+                    <a:lstStyle/>
+                    <a:p>
+                      <a:pPr>
+                        <a:spcAft>
+                          <a:spcPts val="0"/>
+                        </a:spcAft>
+                      </a:pPr>
+                      <a:r>
+                        <a:rPr lang="es-ES_tradnl" sz="1800" b="0" dirty="0">
+                          <a:solidFill>
+                            <a:schemeClr val="bg1"/>
+                          </a:solidFill>
+                          <a:effectLst/>
+                          <a:latin typeface="Times New Roman" panose="02020603050405020304" pitchFamily="18" charset="0"/>
+                          <a:ea typeface="Calibri" panose="020F0502020204030204" pitchFamily="34" charset="0"/>
+                          <a:cs typeface="Times New Roman" panose="02020603050405020304" pitchFamily="18" charset="0"/>
+                        </a:rPr>
+                        <a:t>Tomás Muñiz</a:t>
+                      </a:r>
+                      <a:endParaRPr lang="es-CL" sz="1800" b="0" dirty="0">
+                        <a:solidFill>
+                          <a:schemeClr val="bg1"/>
+                        </a:solidFill>
+                        <a:effectLst/>
+                        <a:latin typeface="Times New Roman" panose="02020603050405020304" pitchFamily="18" charset="0"/>
+                        <a:ea typeface="Calibri" panose="020F0502020204030204" pitchFamily="34" charset="0"/>
+                        <a:cs typeface="Times New Roman" panose="02020603050405020304" pitchFamily="18" charset="0"/>
+                      </a:endParaRPr>
+                    </a:p>
+                  </a:txBody>
+                  <a:tcPr marL="68580" marR="68580" marT="0" marB="0"/>
+                </a:tc>
+                <a:extLst>
+                  <a:ext uri="{0D108BD9-81ED-4DB2-BD59-A6C34878D82A}">
+                    <a16:rowId xmlns:a16="http://schemas.microsoft.com/office/drawing/2014/main" val="3836733366"/>
+                  </a:ext>
+                </a:extLst>
+              </a:tr>
+            </a:tbl>
+          </a:graphicData>
+        </a:graphic>
+      </p:graphicFrame>
+      <p:pic>
+        <p:nvPicPr>
+          <p:cNvPr id="2050" name="Picture 2" descr="Resultado de imagen para duoc"/>
+          <p:cNvPicPr>
+            <a:picLocks noChangeAspect="1" noChangeArrowheads="1"/>
+          </p:cNvPicPr>
+          <p:nvPr/>
+        </p:nvPicPr>
+        <p:blipFill>
+          <a:blip r:embed="rId2">
+            <a:extLst>
+              <a:ext uri="{28A0092B-C50C-407E-A947-70E740481C1C}">
+                <a14:useLocalDpi xmlns:a14="http://schemas.microsoft.com/office/drawing/2010/main" val="0"/>
+              </a:ext>
+            </a:extLst>
+          </a:blip>
+          <a:srcRect/>
+          <a:stretch>
+            <a:fillRect/>
+          </a:stretch>
+        </p:blipFill>
+        <p:spPr bwMode="auto">
+          <a:xfrm>
+            <a:off x="7770945" y="599455"/>
+            <a:ext cx="1373055" cy="307545"/>
+          </a:xfrm>
+          <a:prstGeom prst="rect">
+            <a:avLst/>
+          </a:prstGeom>
+          <a:noFill/>
+          <a:extLst>
+            <a:ext uri="{909E8E84-426E-40DD-AFC4-6F175D3DCCD1}">
+              <a14:hiddenFill xmlns:a14="http://schemas.microsoft.com/office/drawing/2010/main">
+                <a:solidFill>
+                  <a:srgbClr val="FFFFFF"/>
+                </a:solidFill>
+              </a14:hiddenFill>
+            </a:ext>
+          </a:extLst>
+        </p:spPr>
+      </p:pic>
+      <p:sp>
+        <p:nvSpPr>
+          <p:cNvPr id="5" name="Slide Number Placeholder 4"/>
+          <p:cNvSpPr>
+            <a:spLocks noGrp="1"/>
+          </p:cNvSpPr>
+          <p:nvPr>
+            <p:ph type="sldNum" sz="quarter" idx="12"/>
+          </p:nvPr>
+        </p:nvSpPr>
+        <p:spPr/>
+        <p:txBody>
+          <a:bodyPr/>
+          <a:lstStyle/>
+          <a:p>
+            <a:pPr algn="ctr"/>
+            <a:fld id="{82B5D99C-3243-4CCA-89CF-846763E29181}" type="slidenum">
+              <a:rPr lang="es-CL" smtClean="0"/>
+              <a:pPr algn="ctr"/>
+              <a:t>13</a:t>
+            </a:fld>
+            <a:endParaRPr lang="es-CL" dirty="0"/>
+          </a:p>
+        </p:txBody>
+      </p:sp>
+    </p:spTree>
+    <p:extLst>
+      <p:ext uri="{BB962C8B-B14F-4D97-AF65-F5344CB8AC3E}">
+        <p14:creationId xmlns:p14="http://schemas.microsoft.com/office/powerpoint/2010/main" val="3086524834"/>
+      </p:ext>
+    </p:extLst>
+  </p:cSld>
+  <p:clrMapOvr>
+    <a:masterClrMapping/>
+  </p:clrMapOvr>
+</p:sld>
+</file>
+
+<file path=ppt/slides/slide14.xml><?xml version="1.0" encoding="utf-8"?>
+<p:sld xmlns:a="http://schemas.openxmlformats.org/drawingml/2006/main" xmlns:r="http://schemas.openxmlformats.org/officeDocument/2006/relationships" xmlns:p="http://schemas.openxmlformats.org/presentationml/2006/main">
+  <p:cSld>
+    <p:spTree>
+      <p:nvGrpSpPr>
+        <p:cNvPr id="1" name=""/>
+        <p:cNvGrpSpPr/>
+        <p:nvPr/>
+      </p:nvGrpSpPr>
+      <p:grpSpPr>
+        <a:xfrm>
+          <a:off x="0" y="0"/>
+          <a:ext cx="0" cy="0"/>
+          <a:chOff x="0" y="0"/>
+          <a:chExt cx="0" cy="0"/>
+        </a:xfrm>
+      </p:grpSpPr>
+      <p:sp>
+        <p:nvSpPr>
+          <p:cNvPr id="2" name="Title 1"/>
+          <p:cNvSpPr>
+            <a:spLocks noGrp="1"/>
+          </p:cNvSpPr>
+          <p:nvPr>
+            <p:ph type="title"/>
+          </p:nvPr>
+        </p:nvSpPr>
+        <p:spPr/>
+        <p:txBody>
+          <a:bodyPr/>
+          <a:lstStyle/>
+          <a:p>
+            <a:r>
+              <a:rPr lang="es-CL" dirty="0"/>
+              <a:t>Entregables</a:t>
+            </a:r>
+          </a:p>
+        </p:txBody>
+      </p:sp>
+      <p:graphicFrame>
+        <p:nvGraphicFramePr>
+          <p:cNvPr id="6" name="Content Placeholder 5"/>
+          <p:cNvGraphicFramePr>
+            <a:graphicFrameLocks noGrp="1"/>
+          </p:cNvGraphicFramePr>
+          <p:nvPr>
+            <p:ph idx="1"/>
+            <p:extLst>
+              <p:ext uri="{D42A27DB-BD31-4B8C-83A1-F6EECF244321}">
+                <p14:modId xmlns:p14="http://schemas.microsoft.com/office/powerpoint/2010/main" val="3910437422"/>
+              </p:ext>
+            </p:extLst>
+          </p:nvPr>
+        </p:nvGraphicFramePr>
+        <p:xfrm>
+          <a:off x="531638" y="2233244"/>
+          <a:ext cx="7697961" cy="3999163"/>
+        </p:xfrm>
+        <a:graphic>
+          <a:graphicData uri="http://schemas.openxmlformats.org/drawingml/2006/table">
+            <a:tbl>
+              <a:tblPr firstRow="1" firstCol="1" bandRow="1">
+                <a:tableStyleId>{5C22544A-7EE6-4342-B048-85BDC9FD1C3A}</a:tableStyleId>
+              </a:tblPr>
+              <a:tblGrid>
+                <a:gridCol w="643195">
+                  <a:extLst>
+                    <a:ext uri="{9D8B030D-6E8A-4147-A177-3AD203B41FA5}">
+                      <a16:colId xmlns:a16="http://schemas.microsoft.com/office/drawing/2014/main" val="3071779085"/>
+                    </a:ext>
+                  </a:extLst>
+                </a:gridCol>
+                <a:gridCol w="1882910">
+                  <a:extLst>
+                    <a:ext uri="{9D8B030D-6E8A-4147-A177-3AD203B41FA5}">
+                      <a16:colId xmlns:a16="http://schemas.microsoft.com/office/drawing/2014/main" val="66996548"/>
+                    </a:ext>
+                  </a:extLst>
+                </a:gridCol>
+                <a:gridCol w="3127721">
+                  <a:extLst>
+                    <a:ext uri="{9D8B030D-6E8A-4147-A177-3AD203B41FA5}">
+                      <a16:colId xmlns:a16="http://schemas.microsoft.com/office/drawing/2014/main" val="4240967042"/>
+                    </a:ext>
+                  </a:extLst>
+                </a:gridCol>
+                <a:gridCol w="2044135">
+                  <a:extLst>
+                    <a:ext uri="{9D8B030D-6E8A-4147-A177-3AD203B41FA5}">
+                      <a16:colId xmlns:a16="http://schemas.microsoft.com/office/drawing/2014/main" val="2519033814"/>
+                    </a:ext>
+                  </a:extLst>
+                </a:gridCol>
+              </a:tblGrid>
+              <a:tr h="504037">
+                <a:tc>
+                  <a:txBody>
+                    <a:bodyPr/>
+                    <a:lstStyle/>
+                    <a:p>
+                      <a:pPr algn="ctr">
+                        <a:spcAft>
+                          <a:spcPts val="0"/>
+                        </a:spcAft>
+                      </a:pPr>
+                      <a:r>
+                        <a:rPr lang="es-ES_tradnl" sz="1800">
+                          <a:effectLst/>
+                        </a:rPr>
+                        <a:t>#</a:t>
+                      </a:r>
+                      <a:endParaRPr lang="es-CL" sz="1800">
+                        <a:solidFill>
+                          <a:srgbClr val="2E74B5"/>
+                        </a:solidFill>
+                        <a:effectLst/>
+                        <a:latin typeface="Times New Roman" panose="02020603050405020304" pitchFamily="18" charset="0"/>
+                        <a:ea typeface="Calibri" panose="020F0502020204030204" pitchFamily="34" charset="0"/>
+                        <a:cs typeface="Times New Roman" panose="02020603050405020304" pitchFamily="18" charset="0"/>
+                      </a:endParaRPr>
+                    </a:p>
+                  </a:txBody>
+                  <a:tcPr marL="68580" marR="68580" marT="0" marB="0"/>
+                </a:tc>
+                <a:tc>
+                  <a:txBody>
+                    <a:bodyPr/>
+                    <a:lstStyle/>
+                    <a:p>
+                      <a:pPr algn="ctr">
+                        <a:spcAft>
+                          <a:spcPts val="0"/>
+                        </a:spcAft>
+                      </a:pPr>
+                      <a:r>
+                        <a:rPr lang="es-ES_tradnl" sz="1800">
+                          <a:effectLst/>
+                        </a:rPr>
+                        <a:t>Entregable</a:t>
+                      </a:r>
+                      <a:endParaRPr lang="es-CL" sz="1800">
+                        <a:solidFill>
+                          <a:srgbClr val="2E74B5"/>
+                        </a:solidFill>
+                        <a:effectLst/>
+                        <a:latin typeface="Times New Roman" panose="02020603050405020304" pitchFamily="18" charset="0"/>
+                        <a:ea typeface="Calibri" panose="020F0502020204030204" pitchFamily="34" charset="0"/>
+                        <a:cs typeface="Times New Roman" panose="02020603050405020304" pitchFamily="18" charset="0"/>
+                      </a:endParaRPr>
+                    </a:p>
+                  </a:txBody>
+                  <a:tcPr marL="68580" marR="68580" marT="0" marB="0"/>
+                </a:tc>
+                <a:tc>
+                  <a:txBody>
+                    <a:bodyPr/>
+                    <a:lstStyle/>
+                    <a:p>
+                      <a:pPr algn="ctr">
+                        <a:spcAft>
+                          <a:spcPts val="0"/>
+                        </a:spcAft>
+                      </a:pPr>
+                      <a:r>
+                        <a:rPr lang="es-ES_tradnl" sz="1800">
+                          <a:effectLst/>
+                        </a:rPr>
+                        <a:t>Descripción</a:t>
+                      </a:r>
+                      <a:endParaRPr lang="es-CL" sz="1800">
+                        <a:solidFill>
+                          <a:srgbClr val="2E74B5"/>
+                        </a:solidFill>
+                        <a:effectLst/>
+                        <a:latin typeface="Times New Roman" panose="02020603050405020304" pitchFamily="18" charset="0"/>
+                        <a:ea typeface="Calibri" panose="020F0502020204030204" pitchFamily="34" charset="0"/>
+                        <a:cs typeface="Times New Roman" panose="02020603050405020304" pitchFamily="18" charset="0"/>
+                      </a:endParaRPr>
+                    </a:p>
+                  </a:txBody>
+                  <a:tcPr marL="68580" marR="68580" marT="0" marB="0"/>
+                </a:tc>
+                <a:tc>
+                  <a:txBody>
+                    <a:bodyPr/>
+                    <a:lstStyle/>
+                    <a:p>
+                      <a:pPr algn="ctr">
+                        <a:spcAft>
+                          <a:spcPts val="0"/>
+                        </a:spcAft>
+                      </a:pPr>
+                      <a:r>
+                        <a:rPr lang="es-ES_tradnl" sz="1800">
+                          <a:effectLst/>
+                        </a:rPr>
+                        <a:t>Responsable(s)</a:t>
+                      </a:r>
+                      <a:endParaRPr lang="es-CL" sz="1800">
+                        <a:solidFill>
+                          <a:srgbClr val="2E74B5"/>
+                        </a:solidFill>
+                        <a:effectLst/>
+                        <a:latin typeface="Times New Roman" panose="02020603050405020304" pitchFamily="18" charset="0"/>
+                        <a:ea typeface="Calibri" panose="020F0502020204030204" pitchFamily="34" charset="0"/>
+                        <a:cs typeface="Times New Roman" panose="02020603050405020304" pitchFamily="18" charset="0"/>
+                      </a:endParaRPr>
+                    </a:p>
+                  </a:txBody>
+                  <a:tcPr marL="68580" marR="68580" marT="0" marB="0"/>
+                </a:tc>
+                <a:extLst>
+                  <a:ext uri="{0D108BD9-81ED-4DB2-BD59-A6C34878D82A}">
+                    <a16:rowId xmlns:a16="http://schemas.microsoft.com/office/drawing/2014/main" val="3273117480"/>
+                  </a:ext>
+                </a:extLst>
+              </a:tr>
+              <a:tr h="1532959">
+                <a:tc>
+                  <a:txBody>
+                    <a:bodyPr/>
+                    <a:lstStyle/>
+                    <a:p>
+                      <a:pPr>
+                        <a:spcAft>
+                          <a:spcPts val="0"/>
+                        </a:spcAft>
+                      </a:pPr>
+                      <a:r>
+                        <a:rPr lang="es-ES_tradnl" sz="1800" b="1">
+                          <a:solidFill>
+                            <a:schemeClr val="tx1"/>
+                          </a:solidFill>
+                          <a:effectLst/>
+                          <a:latin typeface="Calibri" panose="020F0502020204030204" pitchFamily="34" charset="0"/>
+                          <a:ea typeface="Calibri" panose="020F0502020204030204" pitchFamily="34" charset="0"/>
+                          <a:cs typeface="Times New Roman" panose="02020603050405020304" pitchFamily="18" charset="0"/>
+                        </a:rPr>
+                        <a:t>007</a:t>
+                      </a:r>
+                      <a:endParaRPr lang="es-CL" sz="1800">
+                        <a:solidFill>
+                          <a:schemeClr val="tx1"/>
+                        </a:solidFill>
+                        <a:effectLst/>
+                        <a:latin typeface="Calibri" panose="020F0502020204030204" pitchFamily="34" charset="0"/>
+                        <a:ea typeface="Calibri" panose="020F0502020204030204" pitchFamily="34" charset="0"/>
+                        <a:cs typeface="Times New Roman" panose="02020603050405020304" pitchFamily="18" charset="0"/>
+                      </a:endParaRPr>
+                    </a:p>
+                  </a:txBody>
+                  <a:tcPr marL="68580" marR="68580" marT="0" marB="0"/>
+                </a:tc>
+                <a:tc>
+                  <a:txBody>
+                    <a:bodyPr/>
+                    <a:lstStyle/>
+                    <a:p>
+                      <a:pPr>
+                        <a:spcAft>
+                          <a:spcPts val="0"/>
+                        </a:spcAft>
+                      </a:pPr>
+                      <a:r>
+                        <a:rPr lang="es-ES_tradnl" sz="1800" b="0">
+                          <a:solidFill>
+                            <a:schemeClr val="bg1"/>
+                          </a:solidFill>
+                          <a:effectLst/>
+                          <a:latin typeface="Calibri" panose="020F0502020204030204" pitchFamily="34" charset="0"/>
+                          <a:ea typeface="Calibri" panose="020F0502020204030204" pitchFamily="34" charset="0"/>
+                          <a:cs typeface="Calibri Light" panose="020F0302020204030204" pitchFamily="34" charset="0"/>
+                        </a:rPr>
+                        <a:t>Condiciones asumidas, dependencias y restricciones</a:t>
+                      </a:r>
+                      <a:endParaRPr lang="es-CL" sz="1800" b="0">
+                        <a:solidFill>
+                          <a:schemeClr val="bg1"/>
+                        </a:solidFill>
+                        <a:effectLst/>
+                        <a:latin typeface="Calibri" panose="020F0502020204030204" pitchFamily="34" charset="0"/>
+                        <a:ea typeface="Calibri" panose="020F0502020204030204" pitchFamily="34" charset="0"/>
+                        <a:cs typeface="Times New Roman" panose="02020603050405020304" pitchFamily="18" charset="0"/>
+                      </a:endParaRPr>
+                    </a:p>
+                  </a:txBody>
+                  <a:tcPr marL="68580" marR="68580" marT="0" marB="0"/>
+                </a:tc>
+                <a:tc>
+                  <a:txBody>
+                    <a:bodyPr/>
+                    <a:lstStyle/>
+                    <a:p>
+                      <a:pPr algn="just">
+                        <a:spcAft>
+                          <a:spcPts val="0"/>
+                        </a:spcAft>
+                      </a:pPr>
+                      <a:r>
+                        <a:rPr lang="es-ES_tradnl" sz="1800" b="0">
+                          <a:solidFill>
+                            <a:schemeClr val="bg1"/>
+                          </a:solidFill>
+                          <a:effectLst/>
+                          <a:latin typeface="Calibri" panose="020F0502020204030204" pitchFamily="34" charset="0"/>
+                          <a:ea typeface="Calibri" panose="020F0502020204030204" pitchFamily="34" charset="0"/>
+                          <a:cs typeface="Calibri" panose="020F0502020204030204" pitchFamily="34" charset="0"/>
+                        </a:rPr>
+                        <a:t>Especificación  de  las  condiciones  que  se  asumen  para  el  proyecto,  eventos externos de los que se depende y restricciones del proyecto.</a:t>
+                      </a:r>
+                      <a:endParaRPr lang="es-CL" sz="1800" b="0">
+                        <a:solidFill>
+                          <a:schemeClr val="bg1"/>
+                        </a:solidFill>
+                        <a:effectLst/>
+                        <a:latin typeface="Calibri" panose="020F0502020204030204" pitchFamily="34" charset="0"/>
+                        <a:ea typeface="Calibri" panose="020F0502020204030204" pitchFamily="34" charset="0"/>
+                        <a:cs typeface="Times New Roman" panose="02020603050405020304" pitchFamily="18" charset="0"/>
+                      </a:endParaRPr>
+                    </a:p>
+                    <a:p>
+                      <a:pPr>
+                        <a:spcAft>
+                          <a:spcPts val="0"/>
+                        </a:spcAft>
+                      </a:pPr>
+                      <a:r>
+                        <a:rPr lang="es-ES_tradnl" sz="1800" b="0">
+                          <a:solidFill>
+                            <a:schemeClr val="bg1"/>
+                          </a:solidFill>
+                          <a:effectLst/>
+                          <a:latin typeface="Calibri" panose="020F0502020204030204" pitchFamily="34" charset="0"/>
+                          <a:ea typeface="Calibri" panose="020F0502020204030204" pitchFamily="34" charset="0"/>
+                          <a:cs typeface="Times New Roman" panose="02020603050405020304" pitchFamily="18" charset="0"/>
+                        </a:rPr>
+                        <a:t> </a:t>
+                      </a:r>
+                      <a:endParaRPr lang="es-CL" sz="1800" b="0">
+                        <a:solidFill>
+                          <a:schemeClr val="bg1"/>
+                        </a:solidFill>
+                        <a:effectLst/>
+                        <a:latin typeface="Calibri" panose="020F0502020204030204" pitchFamily="34" charset="0"/>
+                        <a:ea typeface="Calibri" panose="020F0502020204030204" pitchFamily="34" charset="0"/>
+                        <a:cs typeface="Times New Roman" panose="02020603050405020304" pitchFamily="18" charset="0"/>
+                      </a:endParaRPr>
+                    </a:p>
+                  </a:txBody>
+                  <a:tcPr marL="68580" marR="68580" marT="0" marB="0"/>
+                </a:tc>
+                <a:tc>
+                  <a:txBody>
+                    <a:bodyPr/>
+                    <a:lstStyle/>
+                    <a:p>
+                      <a:pPr>
+                        <a:spcAft>
+                          <a:spcPts val="0"/>
+                        </a:spcAft>
+                      </a:pPr>
+                      <a:r>
+                        <a:rPr lang="es-ES_tradnl" sz="1800" b="0">
+                          <a:solidFill>
+                            <a:schemeClr val="bg1"/>
+                          </a:solidFill>
+                          <a:effectLst/>
+                          <a:latin typeface="Calibri" panose="020F0502020204030204" pitchFamily="34" charset="0"/>
+                          <a:ea typeface="Calibri" panose="020F0502020204030204" pitchFamily="34" charset="0"/>
+                          <a:cs typeface="Times New Roman" panose="02020603050405020304" pitchFamily="18" charset="0"/>
+                        </a:rPr>
+                        <a:t>Elías Baeza</a:t>
+                      </a:r>
+                      <a:endParaRPr lang="es-CL" sz="1800" b="0">
+                        <a:solidFill>
+                          <a:schemeClr val="bg1"/>
+                        </a:solidFill>
+                        <a:effectLst/>
+                        <a:latin typeface="Calibri" panose="020F0502020204030204" pitchFamily="34" charset="0"/>
+                        <a:ea typeface="Calibri" panose="020F0502020204030204" pitchFamily="34" charset="0"/>
+                        <a:cs typeface="Times New Roman" panose="02020603050405020304" pitchFamily="18" charset="0"/>
+                      </a:endParaRPr>
+                    </a:p>
+                  </a:txBody>
+                  <a:tcPr marL="68580" marR="68580" marT="0" marB="0"/>
+                </a:tc>
+                <a:extLst>
+                  <a:ext uri="{0D108BD9-81ED-4DB2-BD59-A6C34878D82A}">
+                    <a16:rowId xmlns:a16="http://schemas.microsoft.com/office/drawing/2014/main" val="4189845903"/>
+                  </a:ext>
+                </a:extLst>
+              </a:tr>
+              <a:tr h="924603">
+                <a:tc>
+                  <a:txBody>
+                    <a:bodyPr/>
+                    <a:lstStyle/>
+                    <a:p>
+                      <a:pPr>
+                        <a:spcAft>
+                          <a:spcPts val="0"/>
+                        </a:spcAft>
+                      </a:pPr>
+                      <a:r>
+                        <a:rPr lang="es-ES_tradnl" sz="1800" b="1">
+                          <a:solidFill>
+                            <a:schemeClr val="tx1"/>
+                          </a:solidFill>
+                          <a:effectLst/>
+                          <a:latin typeface="Calibri" panose="020F0502020204030204" pitchFamily="34" charset="0"/>
+                          <a:ea typeface="Calibri" panose="020F0502020204030204" pitchFamily="34" charset="0"/>
+                          <a:cs typeface="Times New Roman" panose="02020603050405020304" pitchFamily="18" charset="0"/>
+                        </a:rPr>
+                        <a:t>008</a:t>
+                      </a:r>
+                      <a:endParaRPr lang="es-CL" sz="1800">
+                        <a:solidFill>
+                          <a:schemeClr val="tx1"/>
+                        </a:solidFill>
+                        <a:effectLst/>
+                        <a:latin typeface="Calibri" panose="020F0502020204030204" pitchFamily="34" charset="0"/>
+                        <a:ea typeface="Calibri" panose="020F0502020204030204" pitchFamily="34" charset="0"/>
+                        <a:cs typeface="Times New Roman" panose="02020603050405020304" pitchFamily="18" charset="0"/>
+                      </a:endParaRPr>
+                    </a:p>
+                  </a:txBody>
+                  <a:tcPr marL="68580" marR="68580" marT="0" marB="0"/>
+                </a:tc>
+                <a:tc>
+                  <a:txBody>
+                    <a:bodyPr/>
+                    <a:lstStyle/>
+                    <a:p>
+                      <a:pPr>
+                        <a:spcAft>
+                          <a:spcPts val="0"/>
+                        </a:spcAft>
+                      </a:pPr>
+                      <a:r>
+                        <a:rPr lang="es-ES_tradnl" sz="1800" b="0">
+                          <a:solidFill>
+                            <a:schemeClr val="bg1"/>
+                          </a:solidFill>
+                          <a:effectLst/>
+                          <a:latin typeface="Calibri" panose="020F0502020204030204" pitchFamily="34" charset="0"/>
+                          <a:ea typeface="Calibri" panose="020F0502020204030204" pitchFamily="34" charset="0"/>
+                          <a:cs typeface="Calibri Light" panose="020F0302020204030204" pitchFamily="34" charset="0"/>
+                        </a:rPr>
+                        <a:t>Gestión de riesgos</a:t>
+                      </a:r>
+                      <a:endParaRPr lang="es-CL" sz="1800" b="0">
+                        <a:solidFill>
+                          <a:schemeClr val="bg1"/>
+                        </a:solidFill>
+                        <a:effectLst/>
+                        <a:latin typeface="Calibri" panose="020F0502020204030204" pitchFamily="34" charset="0"/>
+                        <a:ea typeface="Calibri" panose="020F0502020204030204" pitchFamily="34" charset="0"/>
+                        <a:cs typeface="Times New Roman" panose="02020603050405020304" pitchFamily="18" charset="0"/>
+                      </a:endParaRPr>
+                    </a:p>
+                  </a:txBody>
+                  <a:tcPr marL="68580" marR="68580" marT="0" marB="0"/>
+                </a:tc>
+                <a:tc>
+                  <a:txBody>
+                    <a:bodyPr/>
+                    <a:lstStyle/>
+                    <a:p>
+                      <a:pPr>
+                        <a:spcAft>
+                          <a:spcPts val="0"/>
+                        </a:spcAft>
+                      </a:pPr>
+                      <a:r>
+                        <a:rPr lang="es-ES_tradnl" sz="1800" b="0">
+                          <a:solidFill>
+                            <a:schemeClr val="bg1"/>
+                          </a:solidFill>
+                          <a:effectLst/>
+                          <a:latin typeface="Calibri" panose="020F0502020204030204" pitchFamily="34" charset="0"/>
+                          <a:ea typeface="Calibri" panose="020F0502020204030204" pitchFamily="34" charset="0"/>
+                          <a:cs typeface="Calibri" panose="020F0502020204030204" pitchFamily="34" charset="0"/>
+                        </a:rPr>
+                        <a:t>Identificación y administración de riesgos.</a:t>
+                      </a:r>
+                      <a:endParaRPr lang="es-CL" sz="1800" b="0">
+                        <a:solidFill>
+                          <a:schemeClr val="bg1"/>
+                        </a:solidFill>
+                        <a:effectLst/>
+                        <a:latin typeface="Calibri" panose="020F0502020204030204" pitchFamily="34" charset="0"/>
+                        <a:ea typeface="Calibri" panose="020F0502020204030204" pitchFamily="34" charset="0"/>
+                        <a:cs typeface="Times New Roman" panose="02020603050405020304" pitchFamily="18" charset="0"/>
+                      </a:endParaRPr>
+                    </a:p>
+                  </a:txBody>
+                  <a:tcPr marL="68580" marR="68580" marT="0" marB="0"/>
+                </a:tc>
+                <a:tc>
+                  <a:txBody>
+                    <a:bodyPr/>
+                    <a:lstStyle/>
+                    <a:p>
+                      <a:pPr>
+                        <a:spcAft>
+                          <a:spcPts val="0"/>
+                        </a:spcAft>
+                      </a:pPr>
+                      <a:r>
+                        <a:rPr lang="es-ES_tradnl" sz="1800" b="0">
+                          <a:solidFill>
+                            <a:schemeClr val="bg1"/>
+                          </a:solidFill>
+                          <a:effectLst/>
+                          <a:latin typeface="Calibri" panose="020F0502020204030204" pitchFamily="34" charset="0"/>
+                          <a:ea typeface="Calibri" panose="020F0502020204030204" pitchFamily="34" charset="0"/>
+                          <a:cs typeface="Times New Roman" panose="02020603050405020304" pitchFamily="18" charset="0"/>
+                        </a:rPr>
+                        <a:t>Fabián Jaque</a:t>
+                      </a:r>
+                      <a:endParaRPr lang="es-CL" sz="1800" b="0">
+                        <a:solidFill>
+                          <a:schemeClr val="bg1"/>
+                        </a:solidFill>
+                        <a:effectLst/>
+                        <a:latin typeface="Calibri" panose="020F0502020204030204" pitchFamily="34" charset="0"/>
+                        <a:ea typeface="Calibri" panose="020F0502020204030204" pitchFamily="34" charset="0"/>
+                        <a:cs typeface="Times New Roman" panose="02020603050405020304" pitchFamily="18" charset="0"/>
+                      </a:endParaRPr>
+                    </a:p>
+                  </a:txBody>
+                  <a:tcPr marL="68580" marR="68580" marT="0" marB="0"/>
+                </a:tc>
+                <a:extLst>
+                  <a:ext uri="{0D108BD9-81ED-4DB2-BD59-A6C34878D82A}">
+                    <a16:rowId xmlns:a16="http://schemas.microsoft.com/office/drawing/2014/main" val="967622194"/>
+                  </a:ext>
+                </a:extLst>
+              </a:tr>
+              <a:tr h="924603">
+                <a:tc>
+                  <a:txBody>
+                    <a:bodyPr/>
+                    <a:lstStyle/>
+                    <a:p>
+                      <a:pPr>
+                        <a:spcAft>
+                          <a:spcPts val="0"/>
+                        </a:spcAft>
+                      </a:pPr>
+                      <a:r>
+                        <a:rPr lang="es-ES_tradnl" sz="1800" b="1" dirty="0">
+                          <a:solidFill>
+                            <a:schemeClr val="tx1"/>
+                          </a:solidFill>
+                          <a:effectLst/>
+                          <a:latin typeface="Calibri" panose="020F0502020204030204" pitchFamily="34" charset="0"/>
+                          <a:ea typeface="Calibri" panose="020F0502020204030204" pitchFamily="34" charset="0"/>
+                          <a:cs typeface="Times New Roman" panose="02020603050405020304" pitchFamily="18" charset="0"/>
+                        </a:rPr>
+                        <a:t>009</a:t>
+                      </a:r>
+                      <a:endParaRPr lang="es-CL" sz="1800" dirty="0">
+                        <a:solidFill>
+                          <a:schemeClr val="tx1"/>
+                        </a:solidFill>
+                        <a:effectLst/>
+                        <a:latin typeface="Calibri" panose="020F0502020204030204" pitchFamily="34" charset="0"/>
+                        <a:ea typeface="Calibri" panose="020F0502020204030204" pitchFamily="34" charset="0"/>
+                        <a:cs typeface="Times New Roman" panose="02020603050405020304" pitchFamily="18" charset="0"/>
+                      </a:endParaRPr>
+                    </a:p>
+                  </a:txBody>
+                  <a:tcPr marL="68580" marR="68580" marT="0" marB="0"/>
+                </a:tc>
+                <a:tc>
+                  <a:txBody>
+                    <a:bodyPr/>
+                    <a:lstStyle/>
+                    <a:p>
+                      <a:pPr>
+                        <a:spcAft>
+                          <a:spcPts val="0"/>
+                        </a:spcAft>
+                      </a:pPr>
+                      <a:r>
+                        <a:rPr lang="es-ES_tradnl" sz="1800" b="0">
+                          <a:solidFill>
+                            <a:schemeClr val="bg1"/>
+                          </a:solidFill>
+                          <a:effectLst/>
+                          <a:latin typeface="Calibri" panose="020F0502020204030204" pitchFamily="34" charset="0"/>
+                          <a:ea typeface="Calibri" panose="020F0502020204030204" pitchFamily="34" charset="0"/>
+                          <a:cs typeface="Times New Roman" panose="02020603050405020304" pitchFamily="18" charset="0"/>
+                        </a:rPr>
+                        <a:t>Mecanismos para la Gestión de calidad</a:t>
+                      </a:r>
+                      <a:endParaRPr lang="es-CL" sz="1800" b="0">
+                        <a:solidFill>
+                          <a:schemeClr val="bg1"/>
+                        </a:solidFill>
+                        <a:effectLst/>
+                        <a:latin typeface="Calibri" panose="020F0502020204030204" pitchFamily="34" charset="0"/>
+                        <a:ea typeface="Calibri" panose="020F0502020204030204" pitchFamily="34" charset="0"/>
+                        <a:cs typeface="Times New Roman" panose="02020603050405020304" pitchFamily="18" charset="0"/>
+                      </a:endParaRPr>
+                    </a:p>
+                  </a:txBody>
+                  <a:tcPr marL="68580" marR="68580" marT="0" marB="0"/>
+                </a:tc>
+                <a:tc>
+                  <a:txBody>
+                    <a:bodyPr/>
+                    <a:lstStyle/>
+                    <a:p>
+                      <a:pPr>
+                        <a:spcAft>
+                          <a:spcPts val="0"/>
+                        </a:spcAft>
+                      </a:pPr>
+                      <a:r>
+                        <a:rPr lang="es-ES_tradnl" sz="1800" b="0">
+                          <a:solidFill>
+                            <a:schemeClr val="bg1"/>
+                          </a:solidFill>
+                          <a:effectLst/>
+                          <a:latin typeface="Calibri" panose="020F0502020204030204" pitchFamily="34" charset="0"/>
+                          <a:ea typeface="Calibri" panose="020F0502020204030204" pitchFamily="34" charset="0"/>
+                          <a:cs typeface="Calibri" panose="020F0502020204030204" pitchFamily="34" charset="0"/>
+                        </a:rPr>
+                        <a:t>Mecanismos de monitoreo y control de  las  actividades  de  Gestión  de  calidad.</a:t>
+                      </a:r>
+                      <a:endParaRPr lang="es-CL" sz="1800" b="0">
+                        <a:solidFill>
+                          <a:schemeClr val="bg1"/>
+                        </a:solidFill>
+                        <a:effectLst/>
+                        <a:latin typeface="Calibri" panose="020F0502020204030204" pitchFamily="34" charset="0"/>
+                        <a:ea typeface="Calibri" panose="020F0502020204030204" pitchFamily="34" charset="0"/>
+                        <a:cs typeface="Times New Roman" panose="02020603050405020304" pitchFamily="18" charset="0"/>
+                      </a:endParaRPr>
+                    </a:p>
+                  </a:txBody>
+                  <a:tcPr marL="68580" marR="68580" marT="0" marB="0"/>
+                </a:tc>
+                <a:tc>
+                  <a:txBody>
+                    <a:bodyPr/>
+                    <a:lstStyle/>
+                    <a:p>
+                      <a:pPr>
+                        <a:spcAft>
+                          <a:spcPts val="0"/>
+                        </a:spcAft>
+                      </a:pPr>
+                      <a:r>
+                        <a:rPr lang="es-ES_tradnl" sz="1800" b="0" dirty="0">
+                          <a:solidFill>
+                            <a:schemeClr val="bg1"/>
+                          </a:solidFill>
+                          <a:effectLst/>
+                          <a:latin typeface="Calibri" panose="020F0502020204030204" pitchFamily="34" charset="0"/>
+                          <a:ea typeface="Calibri" panose="020F0502020204030204" pitchFamily="34" charset="0"/>
+                          <a:cs typeface="Times New Roman" panose="02020603050405020304" pitchFamily="18" charset="0"/>
+                        </a:rPr>
+                        <a:t>Elías Baeza</a:t>
+                      </a:r>
+                      <a:endParaRPr lang="es-CL" sz="1800" b="0" dirty="0">
+                        <a:solidFill>
+                          <a:schemeClr val="bg1"/>
+                        </a:solidFill>
+                        <a:effectLst/>
+                        <a:latin typeface="Calibri" panose="020F0502020204030204" pitchFamily="34" charset="0"/>
+                        <a:ea typeface="Calibri" panose="020F0502020204030204" pitchFamily="34" charset="0"/>
+                        <a:cs typeface="Times New Roman" panose="02020603050405020304" pitchFamily="18" charset="0"/>
+                      </a:endParaRPr>
+                    </a:p>
+                  </a:txBody>
+                  <a:tcPr marL="68580" marR="68580" marT="0" marB="0"/>
+                </a:tc>
+                <a:extLst>
+                  <a:ext uri="{0D108BD9-81ED-4DB2-BD59-A6C34878D82A}">
+                    <a16:rowId xmlns:a16="http://schemas.microsoft.com/office/drawing/2014/main" val="3836733366"/>
+                  </a:ext>
+                </a:extLst>
+              </a:tr>
+            </a:tbl>
+          </a:graphicData>
+        </a:graphic>
+      </p:graphicFrame>
+      <p:pic>
+        <p:nvPicPr>
+          <p:cNvPr id="2050" name="Picture 2" descr="Resultado de imagen para duoc"/>
+          <p:cNvPicPr>
+            <a:picLocks noChangeAspect="1" noChangeArrowheads="1"/>
+          </p:cNvPicPr>
+          <p:nvPr/>
+        </p:nvPicPr>
+        <p:blipFill>
+          <a:blip r:embed="rId2">
+            <a:extLst>
+              <a:ext uri="{28A0092B-C50C-407E-A947-70E740481C1C}">
+                <a14:useLocalDpi xmlns:a14="http://schemas.microsoft.com/office/drawing/2010/main" val="0"/>
+              </a:ext>
+            </a:extLst>
+          </a:blip>
+          <a:srcRect/>
+          <a:stretch>
+            <a:fillRect/>
+          </a:stretch>
+        </p:blipFill>
+        <p:spPr bwMode="auto">
+          <a:xfrm>
+            <a:off x="7770945" y="599455"/>
+            <a:ext cx="1373055" cy="307545"/>
+          </a:xfrm>
+          <a:prstGeom prst="rect">
+            <a:avLst/>
+          </a:prstGeom>
+          <a:noFill/>
+          <a:extLst>
+            <a:ext uri="{909E8E84-426E-40DD-AFC4-6F175D3DCCD1}">
+              <a14:hiddenFill xmlns:a14="http://schemas.microsoft.com/office/drawing/2010/main">
+                <a:solidFill>
+                  <a:srgbClr val="FFFFFF"/>
+                </a:solidFill>
+              </a14:hiddenFill>
+            </a:ext>
+          </a:extLst>
+        </p:spPr>
+      </p:pic>
+      <p:sp>
+        <p:nvSpPr>
+          <p:cNvPr id="5" name="Slide Number Placeholder 4"/>
+          <p:cNvSpPr>
+            <a:spLocks noGrp="1"/>
+          </p:cNvSpPr>
+          <p:nvPr>
+            <p:ph type="sldNum" sz="quarter" idx="12"/>
+          </p:nvPr>
+        </p:nvSpPr>
+        <p:spPr/>
+        <p:txBody>
+          <a:bodyPr/>
+          <a:lstStyle/>
+          <a:p>
+            <a:pPr algn="ctr"/>
+            <a:fld id="{82B5D99C-3243-4CCA-89CF-846763E29181}" type="slidenum">
+              <a:rPr lang="es-CL" smtClean="0"/>
+              <a:pPr algn="ctr"/>
+              <a:t>14</a:t>
+            </a:fld>
+            <a:endParaRPr lang="es-CL" dirty="0"/>
+          </a:p>
+        </p:txBody>
+      </p:sp>
+    </p:spTree>
+    <p:extLst>
+      <p:ext uri="{BB962C8B-B14F-4D97-AF65-F5344CB8AC3E}">
+        <p14:creationId xmlns:p14="http://schemas.microsoft.com/office/powerpoint/2010/main" val="2965405713"/>
+      </p:ext>
+    </p:extLst>
+  </p:cSld>
+  <p:clrMapOvr>
+    <a:masterClrMapping/>
+  </p:clrMapOvr>
+</p:sld>
+</file>
+
+<file path=ppt/slides/slide15.xml><?xml version="1.0" encoding="utf-8"?>
+<p:sld xmlns:a="http://schemas.openxmlformats.org/drawingml/2006/main" xmlns:r="http://schemas.openxmlformats.org/officeDocument/2006/relationships" xmlns:p="http://schemas.openxmlformats.org/presentationml/2006/main">
+  <p:cSld>
+    <p:spTree>
+      <p:nvGrpSpPr>
+        <p:cNvPr id="1" name=""/>
+        <p:cNvGrpSpPr/>
+        <p:nvPr/>
+      </p:nvGrpSpPr>
+      <p:grpSpPr>
+        <a:xfrm>
+          <a:off x="0" y="0"/>
+          <a:ext cx="0" cy="0"/>
+          <a:chOff x="0" y="0"/>
+          <a:chExt cx="0" cy="0"/>
+        </a:xfrm>
+      </p:grpSpPr>
+      <p:sp>
+        <p:nvSpPr>
+          <p:cNvPr id="2" name="Title 1"/>
+          <p:cNvSpPr>
+            <a:spLocks noGrp="1"/>
+          </p:cNvSpPr>
+          <p:nvPr>
+            <p:ph type="title"/>
+          </p:nvPr>
+        </p:nvSpPr>
+        <p:spPr/>
+        <p:txBody>
+          <a:bodyPr/>
+          <a:lstStyle/>
+          <a:p>
+            <a:r>
+              <a:rPr lang="es-CL" dirty="0"/>
+              <a:t>Entregables</a:t>
+            </a:r>
+          </a:p>
+        </p:txBody>
+      </p:sp>
+      <p:graphicFrame>
+        <p:nvGraphicFramePr>
+          <p:cNvPr id="6" name="Content Placeholder 5"/>
+          <p:cNvGraphicFramePr>
+            <a:graphicFrameLocks noGrp="1"/>
+          </p:cNvGraphicFramePr>
+          <p:nvPr>
+            <p:ph idx="1"/>
+            <p:extLst>
+              <p:ext uri="{D42A27DB-BD31-4B8C-83A1-F6EECF244321}">
+                <p14:modId xmlns:p14="http://schemas.microsoft.com/office/powerpoint/2010/main" val="3114516517"/>
+              </p:ext>
+            </p:extLst>
+          </p:nvPr>
+        </p:nvGraphicFramePr>
+        <p:xfrm>
+          <a:off x="531638" y="2233244"/>
+          <a:ext cx="7697961" cy="4058879"/>
+        </p:xfrm>
+        <a:graphic>
+          <a:graphicData uri="http://schemas.openxmlformats.org/drawingml/2006/table">
+            <a:tbl>
+              <a:tblPr firstRow="1" firstCol="1" bandRow="1">
+                <a:tableStyleId>{5C22544A-7EE6-4342-B048-85BDC9FD1C3A}</a:tableStyleId>
+              </a:tblPr>
+              <a:tblGrid>
+                <a:gridCol w="643195">
+                  <a:extLst>
+                    <a:ext uri="{9D8B030D-6E8A-4147-A177-3AD203B41FA5}">
+                      <a16:colId xmlns:a16="http://schemas.microsoft.com/office/drawing/2014/main" val="3071779085"/>
+                    </a:ext>
+                  </a:extLst>
+                </a:gridCol>
+                <a:gridCol w="1882910">
+                  <a:extLst>
+                    <a:ext uri="{9D8B030D-6E8A-4147-A177-3AD203B41FA5}">
+                      <a16:colId xmlns:a16="http://schemas.microsoft.com/office/drawing/2014/main" val="66996548"/>
+                    </a:ext>
+                  </a:extLst>
+                </a:gridCol>
+                <a:gridCol w="3127721">
+                  <a:extLst>
+                    <a:ext uri="{9D8B030D-6E8A-4147-A177-3AD203B41FA5}">
+                      <a16:colId xmlns:a16="http://schemas.microsoft.com/office/drawing/2014/main" val="4240967042"/>
+                    </a:ext>
+                  </a:extLst>
+                </a:gridCol>
+                <a:gridCol w="2044135">
+                  <a:extLst>
+                    <a:ext uri="{9D8B030D-6E8A-4147-A177-3AD203B41FA5}">
+                      <a16:colId xmlns:a16="http://schemas.microsoft.com/office/drawing/2014/main" val="2519033814"/>
+                    </a:ext>
+                  </a:extLst>
+                </a:gridCol>
+              </a:tblGrid>
+              <a:tr h="504037">
+                <a:tc>
+                  <a:txBody>
+                    <a:bodyPr/>
+                    <a:lstStyle/>
+                    <a:p>
+                      <a:pPr algn="ctr">
+                        <a:spcAft>
+                          <a:spcPts val="0"/>
+                        </a:spcAft>
+                      </a:pPr>
+                      <a:r>
+                        <a:rPr lang="es-ES_tradnl" sz="1800">
+                          <a:effectLst/>
+                        </a:rPr>
+                        <a:t>#</a:t>
+                      </a:r>
+                      <a:endParaRPr lang="es-CL" sz="1800">
+                        <a:solidFill>
+                          <a:srgbClr val="2E74B5"/>
+                        </a:solidFill>
+                        <a:effectLst/>
+                        <a:latin typeface="Times New Roman" panose="02020603050405020304" pitchFamily="18" charset="0"/>
+                        <a:ea typeface="Calibri" panose="020F0502020204030204" pitchFamily="34" charset="0"/>
+                        <a:cs typeface="Times New Roman" panose="02020603050405020304" pitchFamily="18" charset="0"/>
+                      </a:endParaRPr>
+                    </a:p>
+                  </a:txBody>
+                  <a:tcPr marL="68580" marR="68580" marT="0" marB="0"/>
+                </a:tc>
+                <a:tc>
+                  <a:txBody>
+                    <a:bodyPr/>
+                    <a:lstStyle/>
+                    <a:p>
+                      <a:pPr algn="ctr">
+                        <a:spcAft>
+                          <a:spcPts val="0"/>
+                        </a:spcAft>
+                      </a:pPr>
+                      <a:r>
+                        <a:rPr lang="es-ES_tradnl" sz="1800">
+                          <a:effectLst/>
+                        </a:rPr>
+                        <a:t>Entregable</a:t>
+                      </a:r>
+                      <a:endParaRPr lang="es-CL" sz="1800">
+                        <a:solidFill>
+                          <a:srgbClr val="2E74B5"/>
+                        </a:solidFill>
+                        <a:effectLst/>
+                        <a:latin typeface="Times New Roman" panose="02020603050405020304" pitchFamily="18" charset="0"/>
+                        <a:ea typeface="Calibri" panose="020F0502020204030204" pitchFamily="34" charset="0"/>
+                        <a:cs typeface="Times New Roman" panose="02020603050405020304" pitchFamily="18" charset="0"/>
+                      </a:endParaRPr>
+                    </a:p>
+                  </a:txBody>
+                  <a:tcPr marL="68580" marR="68580" marT="0" marB="0"/>
+                </a:tc>
+                <a:tc>
+                  <a:txBody>
+                    <a:bodyPr/>
+                    <a:lstStyle/>
+                    <a:p>
+                      <a:pPr algn="ctr">
+                        <a:spcAft>
+                          <a:spcPts val="0"/>
+                        </a:spcAft>
+                      </a:pPr>
+                      <a:r>
+                        <a:rPr lang="es-ES_tradnl" sz="1800">
+                          <a:effectLst/>
+                        </a:rPr>
+                        <a:t>Descripción</a:t>
+                      </a:r>
+                      <a:endParaRPr lang="es-CL" sz="1800">
+                        <a:solidFill>
+                          <a:srgbClr val="2E74B5"/>
+                        </a:solidFill>
+                        <a:effectLst/>
+                        <a:latin typeface="Times New Roman" panose="02020603050405020304" pitchFamily="18" charset="0"/>
+                        <a:ea typeface="Calibri" panose="020F0502020204030204" pitchFamily="34" charset="0"/>
+                        <a:cs typeface="Times New Roman" panose="02020603050405020304" pitchFamily="18" charset="0"/>
+                      </a:endParaRPr>
+                    </a:p>
+                  </a:txBody>
+                  <a:tcPr marL="68580" marR="68580" marT="0" marB="0"/>
+                </a:tc>
+                <a:tc>
+                  <a:txBody>
+                    <a:bodyPr/>
+                    <a:lstStyle/>
+                    <a:p>
+                      <a:pPr algn="ctr">
+                        <a:spcAft>
+                          <a:spcPts val="0"/>
+                        </a:spcAft>
+                      </a:pPr>
+                      <a:r>
+                        <a:rPr lang="es-ES_tradnl" sz="1800">
+                          <a:effectLst/>
+                        </a:rPr>
+                        <a:t>Responsable(s)</a:t>
+                      </a:r>
+                      <a:endParaRPr lang="es-CL" sz="1800">
+                        <a:solidFill>
+                          <a:srgbClr val="2E74B5"/>
+                        </a:solidFill>
+                        <a:effectLst/>
+                        <a:latin typeface="Times New Roman" panose="02020603050405020304" pitchFamily="18" charset="0"/>
+                        <a:ea typeface="Calibri" panose="020F0502020204030204" pitchFamily="34" charset="0"/>
+                        <a:cs typeface="Times New Roman" panose="02020603050405020304" pitchFamily="18" charset="0"/>
+                      </a:endParaRPr>
+                    </a:p>
+                  </a:txBody>
+                  <a:tcPr marL="68580" marR="68580" marT="0" marB="0"/>
+                </a:tc>
+                <a:extLst>
+                  <a:ext uri="{0D108BD9-81ED-4DB2-BD59-A6C34878D82A}">
+                    <a16:rowId xmlns:a16="http://schemas.microsoft.com/office/drawing/2014/main" val="3273117480"/>
+                  </a:ext>
+                </a:extLst>
+              </a:tr>
+              <a:tr h="1532959">
+                <a:tc>
+                  <a:txBody>
+                    <a:bodyPr/>
+                    <a:lstStyle/>
+                    <a:p>
+                      <a:pPr>
+                        <a:spcAft>
+                          <a:spcPts val="0"/>
+                        </a:spcAft>
+                      </a:pPr>
+                      <a:r>
+                        <a:rPr lang="es-ES_tradnl" sz="1800" b="1" dirty="0">
+                          <a:solidFill>
+                            <a:schemeClr val="tx1"/>
+                          </a:solidFill>
+                          <a:effectLst/>
+                          <a:latin typeface="Calibri" panose="020F0502020204030204" pitchFamily="34" charset="0"/>
+                          <a:ea typeface="Calibri" panose="020F0502020204030204" pitchFamily="34" charset="0"/>
+                          <a:cs typeface="Times New Roman" panose="02020603050405020304" pitchFamily="18" charset="0"/>
+                        </a:rPr>
+                        <a:t>010</a:t>
+                      </a:r>
+                      <a:endParaRPr lang="es-CL" sz="1800" dirty="0">
+                        <a:solidFill>
+                          <a:schemeClr val="tx1"/>
+                        </a:solidFill>
+                        <a:effectLst/>
+                        <a:latin typeface="Calibri" panose="020F0502020204030204" pitchFamily="34" charset="0"/>
+                        <a:ea typeface="Calibri" panose="020F0502020204030204" pitchFamily="34" charset="0"/>
+                        <a:cs typeface="Times New Roman" panose="02020603050405020304" pitchFamily="18" charset="0"/>
+                      </a:endParaRPr>
+                    </a:p>
+                  </a:txBody>
+                  <a:tcPr marL="68580" marR="68580" marT="0" marB="0"/>
+                </a:tc>
+                <a:tc>
+                  <a:txBody>
+                    <a:bodyPr/>
+                    <a:lstStyle/>
+                    <a:p>
+                      <a:pPr>
+                        <a:spcAft>
+                          <a:spcPts val="0"/>
+                        </a:spcAft>
+                      </a:pPr>
+                      <a:r>
+                        <a:rPr lang="es-ES_tradnl" sz="1800" b="0" dirty="0">
+                          <a:solidFill>
+                            <a:schemeClr val="bg1"/>
+                          </a:solidFill>
+                          <a:effectLst/>
+                          <a:latin typeface="Calibri" panose="020F0502020204030204" pitchFamily="34" charset="0"/>
+                          <a:ea typeface="Calibri" panose="020F0502020204030204" pitchFamily="34" charset="0"/>
+                          <a:cs typeface="Times New Roman" panose="02020603050405020304" pitchFamily="18" charset="0"/>
+                        </a:rPr>
+                        <a:t>Mecanismos para la Gestión de configuración</a:t>
+                      </a:r>
+                      <a:endParaRPr lang="es-CL" sz="1800" b="0" dirty="0">
+                        <a:solidFill>
+                          <a:schemeClr val="bg1"/>
+                        </a:solidFill>
+                        <a:effectLst/>
+                        <a:latin typeface="Calibri" panose="020F0502020204030204" pitchFamily="34" charset="0"/>
+                        <a:ea typeface="Calibri" panose="020F0502020204030204" pitchFamily="34" charset="0"/>
+                        <a:cs typeface="Times New Roman" panose="02020603050405020304" pitchFamily="18" charset="0"/>
+                      </a:endParaRPr>
+                    </a:p>
+                  </a:txBody>
+                  <a:tcPr marL="68580" marR="68580" marT="0" marB="0"/>
+                </a:tc>
+                <a:tc>
+                  <a:txBody>
+                    <a:bodyPr/>
+                    <a:lstStyle/>
+                    <a:p>
+                      <a:pPr>
+                        <a:spcAft>
+                          <a:spcPts val="0"/>
+                        </a:spcAft>
+                      </a:pPr>
+                      <a:r>
+                        <a:rPr lang="es-ES_tradnl" sz="1800" b="0">
+                          <a:solidFill>
+                            <a:schemeClr val="bg1"/>
+                          </a:solidFill>
+                          <a:effectLst/>
+                          <a:latin typeface="Calibri" panose="020F0502020204030204" pitchFamily="34" charset="0"/>
+                          <a:ea typeface="Calibri" panose="020F0502020204030204" pitchFamily="34" charset="0"/>
+                          <a:cs typeface="Calibri" panose="020F0502020204030204" pitchFamily="34" charset="0"/>
+                        </a:rPr>
+                        <a:t>Mecanismos de monitoreo y control de  las  actividades  de  Gestión  de  configuración.</a:t>
+                      </a:r>
+                      <a:endParaRPr lang="es-CL" sz="1800" b="0">
+                        <a:solidFill>
+                          <a:schemeClr val="bg1"/>
+                        </a:solidFill>
+                        <a:effectLst/>
+                        <a:latin typeface="Calibri" panose="020F0502020204030204" pitchFamily="34" charset="0"/>
+                        <a:ea typeface="Calibri" panose="020F0502020204030204" pitchFamily="34" charset="0"/>
+                        <a:cs typeface="Times New Roman" panose="02020603050405020304" pitchFamily="18" charset="0"/>
+                      </a:endParaRPr>
+                    </a:p>
+                  </a:txBody>
+                  <a:tcPr marL="68580" marR="68580" marT="0" marB="0"/>
+                </a:tc>
+                <a:tc>
+                  <a:txBody>
+                    <a:bodyPr/>
+                    <a:lstStyle/>
+                    <a:p>
+                      <a:pPr>
+                        <a:spcAft>
+                          <a:spcPts val="0"/>
+                        </a:spcAft>
+                      </a:pPr>
+                      <a:r>
+                        <a:rPr lang="es-ES_tradnl" sz="1800" b="0">
+                          <a:solidFill>
+                            <a:schemeClr val="bg1"/>
+                          </a:solidFill>
+                          <a:effectLst/>
+                          <a:latin typeface="Calibri" panose="020F0502020204030204" pitchFamily="34" charset="0"/>
+                          <a:ea typeface="Calibri" panose="020F0502020204030204" pitchFamily="34" charset="0"/>
+                          <a:cs typeface="Times New Roman" panose="02020603050405020304" pitchFamily="18" charset="0"/>
+                        </a:rPr>
+                        <a:t>Elías Baeza</a:t>
+                      </a:r>
+                      <a:endParaRPr lang="es-CL" sz="1800" b="0">
+                        <a:solidFill>
+                          <a:schemeClr val="bg1"/>
+                        </a:solidFill>
+                        <a:effectLst/>
+                        <a:latin typeface="Calibri" panose="020F0502020204030204" pitchFamily="34" charset="0"/>
+                        <a:ea typeface="Calibri" panose="020F0502020204030204" pitchFamily="34" charset="0"/>
+                        <a:cs typeface="Times New Roman" panose="02020603050405020304" pitchFamily="18" charset="0"/>
+                      </a:endParaRPr>
+                    </a:p>
+                  </a:txBody>
+                  <a:tcPr marL="68580" marR="68580" marT="0" marB="0"/>
+                </a:tc>
+                <a:extLst>
+                  <a:ext uri="{0D108BD9-81ED-4DB2-BD59-A6C34878D82A}">
+                    <a16:rowId xmlns:a16="http://schemas.microsoft.com/office/drawing/2014/main" val="4189845903"/>
+                  </a:ext>
+                </a:extLst>
+              </a:tr>
+              <a:tr h="924603">
+                <a:tc>
+                  <a:txBody>
+                    <a:bodyPr/>
+                    <a:lstStyle/>
+                    <a:p>
+                      <a:pPr>
+                        <a:spcAft>
+                          <a:spcPts val="0"/>
+                        </a:spcAft>
+                      </a:pPr>
+                      <a:r>
+                        <a:rPr lang="es-ES_tradnl" sz="1800" b="1">
+                          <a:solidFill>
+                            <a:schemeClr val="tx1"/>
+                          </a:solidFill>
+                          <a:effectLst/>
+                          <a:latin typeface="Calibri" panose="020F0502020204030204" pitchFamily="34" charset="0"/>
+                          <a:ea typeface="Calibri" panose="020F0502020204030204" pitchFamily="34" charset="0"/>
+                          <a:cs typeface="Times New Roman" panose="02020603050405020304" pitchFamily="18" charset="0"/>
+                        </a:rPr>
+                        <a:t>011</a:t>
+                      </a:r>
+                      <a:endParaRPr lang="es-CL" sz="1800">
+                        <a:solidFill>
+                          <a:schemeClr val="tx1"/>
+                        </a:solidFill>
+                        <a:effectLst/>
+                        <a:latin typeface="Calibri" panose="020F0502020204030204" pitchFamily="34" charset="0"/>
+                        <a:ea typeface="Calibri" panose="020F0502020204030204" pitchFamily="34" charset="0"/>
+                        <a:cs typeface="Times New Roman" panose="02020603050405020304" pitchFamily="18" charset="0"/>
+                      </a:endParaRPr>
+                    </a:p>
+                  </a:txBody>
+                  <a:tcPr marL="68580" marR="68580" marT="0" marB="0"/>
+                </a:tc>
+                <a:tc>
+                  <a:txBody>
+                    <a:bodyPr/>
+                    <a:lstStyle/>
+                    <a:p>
+                      <a:pPr>
+                        <a:spcAft>
+                          <a:spcPts val="0"/>
+                        </a:spcAft>
+                      </a:pPr>
+                      <a:r>
+                        <a:rPr lang="es-ES_tradnl" sz="1800" b="0">
+                          <a:solidFill>
+                            <a:schemeClr val="bg1"/>
+                          </a:solidFill>
+                          <a:effectLst/>
+                          <a:latin typeface="Calibri" panose="020F0502020204030204" pitchFamily="34" charset="0"/>
+                          <a:ea typeface="Calibri" panose="020F0502020204030204" pitchFamily="34" charset="0"/>
+                          <a:cs typeface="Times New Roman" panose="02020603050405020304" pitchFamily="18" charset="0"/>
+                        </a:rPr>
+                        <a:t>Mecanismos para Verificación</a:t>
+                      </a:r>
+                      <a:endParaRPr lang="es-CL" sz="1800" b="0">
+                        <a:solidFill>
+                          <a:schemeClr val="bg1"/>
+                        </a:solidFill>
+                        <a:effectLst/>
+                        <a:latin typeface="Calibri" panose="020F0502020204030204" pitchFamily="34" charset="0"/>
+                        <a:ea typeface="Calibri" panose="020F0502020204030204" pitchFamily="34" charset="0"/>
+                        <a:cs typeface="Times New Roman" panose="02020603050405020304" pitchFamily="18" charset="0"/>
+                      </a:endParaRPr>
+                    </a:p>
+                  </a:txBody>
+                  <a:tcPr marL="68580" marR="68580" marT="0" marB="0"/>
+                </a:tc>
+                <a:tc>
+                  <a:txBody>
+                    <a:bodyPr/>
+                    <a:lstStyle/>
+                    <a:p>
+                      <a:pPr>
+                        <a:spcAft>
+                          <a:spcPts val="0"/>
+                        </a:spcAft>
+                      </a:pPr>
+                      <a:r>
+                        <a:rPr lang="es-ES_tradnl" sz="1800" b="0" dirty="0">
+                          <a:solidFill>
+                            <a:schemeClr val="bg1"/>
+                          </a:solidFill>
+                          <a:effectLst/>
+                          <a:latin typeface="Calibri" panose="020F0502020204030204" pitchFamily="34" charset="0"/>
+                          <a:ea typeface="Calibri" panose="020F0502020204030204" pitchFamily="34" charset="0"/>
+                          <a:cs typeface="Calibri" panose="020F0502020204030204" pitchFamily="34" charset="0"/>
+                        </a:rPr>
+                        <a:t>Mecanismos de monitoreo y control de  las  actividades  de  Gestión  de  verificación y validación.</a:t>
+                      </a:r>
+                      <a:endParaRPr lang="es-CL" sz="1800" b="0" dirty="0">
+                        <a:solidFill>
+                          <a:schemeClr val="bg1"/>
+                        </a:solidFill>
+                        <a:effectLst/>
+                        <a:latin typeface="Calibri" panose="020F0502020204030204" pitchFamily="34" charset="0"/>
+                        <a:ea typeface="Calibri" panose="020F0502020204030204" pitchFamily="34" charset="0"/>
+                        <a:cs typeface="Times New Roman" panose="02020603050405020304" pitchFamily="18" charset="0"/>
+                      </a:endParaRPr>
+                    </a:p>
+                  </a:txBody>
+                  <a:tcPr marL="68580" marR="68580" marT="0" marB="0"/>
+                </a:tc>
+                <a:tc>
+                  <a:txBody>
+                    <a:bodyPr/>
+                    <a:lstStyle/>
+                    <a:p>
+                      <a:pPr>
+                        <a:spcAft>
+                          <a:spcPts val="0"/>
+                        </a:spcAft>
+                      </a:pPr>
+                      <a:r>
+                        <a:rPr lang="es-ES_tradnl" sz="1800" b="0">
+                          <a:solidFill>
+                            <a:schemeClr val="bg1"/>
+                          </a:solidFill>
+                          <a:effectLst/>
+                          <a:latin typeface="Calibri" panose="020F0502020204030204" pitchFamily="34" charset="0"/>
+                          <a:ea typeface="Calibri" panose="020F0502020204030204" pitchFamily="34" charset="0"/>
+                          <a:cs typeface="Times New Roman" panose="02020603050405020304" pitchFamily="18" charset="0"/>
+                        </a:rPr>
+                        <a:t>Elías Baeza</a:t>
+                      </a:r>
+                      <a:endParaRPr lang="es-CL" sz="1800" b="0">
+                        <a:solidFill>
+                          <a:schemeClr val="bg1"/>
+                        </a:solidFill>
+                        <a:effectLst/>
+                        <a:latin typeface="Calibri" panose="020F0502020204030204" pitchFamily="34" charset="0"/>
+                        <a:ea typeface="Calibri" panose="020F0502020204030204" pitchFamily="34" charset="0"/>
+                        <a:cs typeface="Times New Roman" panose="02020603050405020304" pitchFamily="18" charset="0"/>
+                      </a:endParaRPr>
+                    </a:p>
+                  </a:txBody>
+                  <a:tcPr marL="68580" marR="68580" marT="0" marB="0"/>
+                </a:tc>
+                <a:extLst>
+                  <a:ext uri="{0D108BD9-81ED-4DB2-BD59-A6C34878D82A}">
+                    <a16:rowId xmlns:a16="http://schemas.microsoft.com/office/drawing/2014/main" val="967622194"/>
+                  </a:ext>
+                </a:extLst>
+              </a:tr>
+              <a:tr h="924603">
+                <a:tc>
+                  <a:txBody>
+                    <a:bodyPr/>
+                    <a:lstStyle/>
+                    <a:p>
+                      <a:pPr>
+                        <a:spcAft>
+                          <a:spcPts val="0"/>
+                        </a:spcAft>
+                      </a:pPr>
+                      <a:r>
+                        <a:rPr lang="es-ES_tradnl" sz="1800" b="1" dirty="0">
+                          <a:solidFill>
+                            <a:schemeClr val="tx1"/>
+                          </a:solidFill>
+                          <a:effectLst/>
+                          <a:latin typeface="Calibri" panose="020F0502020204030204" pitchFamily="34" charset="0"/>
+                          <a:ea typeface="Calibri" panose="020F0502020204030204" pitchFamily="34" charset="0"/>
+                          <a:cs typeface="Times New Roman" panose="02020603050405020304" pitchFamily="18" charset="0"/>
+                        </a:rPr>
+                        <a:t>012</a:t>
+                      </a:r>
+                      <a:endParaRPr lang="es-CL" sz="1800" dirty="0">
+                        <a:solidFill>
+                          <a:schemeClr val="tx1"/>
+                        </a:solidFill>
+                        <a:effectLst/>
+                        <a:latin typeface="Calibri" panose="020F0502020204030204" pitchFamily="34" charset="0"/>
+                        <a:ea typeface="Calibri" panose="020F0502020204030204" pitchFamily="34" charset="0"/>
+                        <a:cs typeface="Times New Roman" panose="02020603050405020304" pitchFamily="18" charset="0"/>
+                      </a:endParaRPr>
+                    </a:p>
+                  </a:txBody>
+                  <a:tcPr marL="68580" marR="68580" marT="0" marB="0"/>
+                </a:tc>
+                <a:tc>
+                  <a:txBody>
+                    <a:bodyPr/>
+                    <a:lstStyle/>
+                    <a:p>
+                      <a:pPr>
+                        <a:spcAft>
+                          <a:spcPts val="0"/>
+                        </a:spcAft>
+                      </a:pPr>
+                      <a:r>
+                        <a:rPr lang="es-ES_tradnl" sz="1800" b="0">
+                          <a:solidFill>
+                            <a:schemeClr val="bg1"/>
+                          </a:solidFill>
+                          <a:effectLst/>
+                          <a:latin typeface="Calibri" panose="020F0502020204030204" pitchFamily="34" charset="0"/>
+                          <a:ea typeface="Calibri" panose="020F0502020204030204" pitchFamily="34" charset="0"/>
+                          <a:cs typeface="Times New Roman" panose="02020603050405020304" pitchFamily="18" charset="0"/>
+                        </a:rPr>
+                        <a:t>Mecanismos para la Gestión de proyecto </a:t>
+                      </a:r>
+                      <a:endParaRPr lang="es-CL" sz="1800" b="0">
+                        <a:solidFill>
+                          <a:schemeClr val="bg1"/>
+                        </a:solidFill>
+                        <a:effectLst/>
+                        <a:latin typeface="Calibri" panose="020F0502020204030204" pitchFamily="34" charset="0"/>
+                        <a:ea typeface="Calibri" panose="020F0502020204030204" pitchFamily="34" charset="0"/>
+                        <a:cs typeface="Times New Roman" panose="02020603050405020304" pitchFamily="18" charset="0"/>
+                      </a:endParaRPr>
+                    </a:p>
+                  </a:txBody>
+                  <a:tcPr marL="68580" marR="68580" marT="0" marB="0"/>
+                </a:tc>
+                <a:tc>
+                  <a:txBody>
+                    <a:bodyPr/>
+                    <a:lstStyle/>
+                    <a:p>
+                      <a:pPr>
+                        <a:spcAft>
+                          <a:spcPts val="0"/>
+                        </a:spcAft>
+                      </a:pPr>
+                      <a:r>
+                        <a:rPr lang="es-ES_tradnl" sz="1800" b="0" dirty="0">
+                          <a:solidFill>
+                            <a:schemeClr val="bg1"/>
+                          </a:solidFill>
+                          <a:effectLst/>
+                          <a:latin typeface="Calibri" panose="020F0502020204030204" pitchFamily="34" charset="0"/>
+                          <a:ea typeface="Calibri" panose="020F0502020204030204" pitchFamily="34" charset="0"/>
+                          <a:cs typeface="Calibri" panose="020F0502020204030204" pitchFamily="34" charset="0"/>
+                        </a:rPr>
+                        <a:t>Mecanismos de monitoreo y control de las actividades de Gestión de proyecto.</a:t>
+                      </a:r>
+                      <a:endParaRPr lang="es-CL" sz="1800" b="0" dirty="0">
+                        <a:solidFill>
+                          <a:schemeClr val="bg1"/>
+                        </a:solidFill>
+                        <a:effectLst/>
+                        <a:latin typeface="Calibri" panose="020F0502020204030204" pitchFamily="34" charset="0"/>
+                        <a:ea typeface="Calibri" panose="020F0502020204030204" pitchFamily="34" charset="0"/>
+                        <a:cs typeface="Times New Roman" panose="02020603050405020304" pitchFamily="18" charset="0"/>
+                      </a:endParaRPr>
+                    </a:p>
+                  </a:txBody>
+                  <a:tcPr marL="68580" marR="68580" marT="0" marB="0"/>
+                </a:tc>
+                <a:tc>
+                  <a:txBody>
+                    <a:bodyPr/>
+                    <a:lstStyle/>
+                    <a:p>
+                      <a:pPr>
+                        <a:spcAft>
+                          <a:spcPts val="0"/>
+                        </a:spcAft>
+                      </a:pPr>
+                      <a:r>
+                        <a:rPr lang="es-ES_tradnl" sz="1800" b="0" dirty="0">
+                          <a:solidFill>
+                            <a:schemeClr val="bg1"/>
+                          </a:solidFill>
+                          <a:effectLst/>
+                          <a:latin typeface="Calibri" panose="020F0502020204030204" pitchFamily="34" charset="0"/>
+                          <a:ea typeface="Calibri" panose="020F0502020204030204" pitchFamily="34" charset="0"/>
+                          <a:cs typeface="Times New Roman" panose="02020603050405020304" pitchFamily="18" charset="0"/>
+                        </a:rPr>
+                        <a:t>Elías Baeza</a:t>
+                      </a:r>
+                      <a:endParaRPr lang="es-CL" sz="1800" b="0" dirty="0">
+                        <a:solidFill>
+                          <a:schemeClr val="bg1"/>
+                        </a:solidFill>
+                        <a:effectLst/>
+                        <a:latin typeface="Calibri" panose="020F0502020204030204" pitchFamily="34" charset="0"/>
+                        <a:ea typeface="Calibri" panose="020F0502020204030204" pitchFamily="34" charset="0"/>
+                        <a:cs typeface="Times New Roman" panose="02020603050405020304" pitchFamily="18" charset="0"/>
+                      </a:endParaRPr>
+                    </a:p>
+                  </a:txBody>
+                  <a:tcPr marL="68580" marR="68580" marT="0" marB="0"/>
+                </a:tc>
+                <a:extLst>
+                  <a:ext uri="{0D108BD9-81ED-4DB2-BD59-A6C34878D82A}">
+                    <a16:rowId xmlns:a16="http://schemas.microsoft.com/office/drawing/2014/main" val="3836733366"/>
+                  </a:ext>
+                </a:extLst>
+              </a:tr>
+            </a:tbl>
+          </a:graphicData>
+        </a:graphic>
+      </p:graphicFrame>
+      <p:pic>
+        <p:nvPicPr>
+          <p:cNvPr id="2050" name="Picture 2" descr="Resultado de imagen para duoc"/>
+          <p:cNvPicPr>
+            <a:picLocks noChangeAspect="1" noChangeArrowheads="1"/>
+          </p:cNvPicPr>
+          <p:nvPr/>
+        </p:nvPicPr>
+        <p:blipFill>
+          <a:blip r:embed="rId2">
+            <a:extLst>
+              <a:ext uri="{28A0092B-C50C-407E-A947-70E740481C1C}">
+                <a14:useLocalDpi xmlns:a14="http://schemas.microsoft.com/office/drawing/2010/main" val="0"/>
+              </a:ext>
+            </a:extLst>
+          </a:blip>
+          <a:srcRect/>
+          <a:stretch>
+            <a:fillRect/>
+          </a:stretch>
+        </p:blipFill>
+        <p:spPr bwMode="auto">
+          <a:xfrm>
+            <a:off x="7770945" y="599455"/>
+            <a:ext cx="1373055" cy="307545"/>
+          </a:xfrm>
+          <a:prstGeom prst="rect">
+            <a:avLst/>
+          </a:prstGeom>
+          <a:noFill/>
+          <a:extLst>
+            <a:ext uri="{909E8E84-426E-40DD-AFC4-6F175D3DCCD1}">
+              <a14:hiddenFill xmlns:a14="http://schemas.microsoft.com/office/drawing/2010/main">
+                <a:solidFill>
+                  <a:srgbClr val="FFFFFF"/>
+                </a:solidFill>
+              </a14:hiddenFill>
+            </a:ext>
+          </a:extLst>
+        </p:spPr>
+      </p:pic>
+      <p:sp>
+        <p:nvSpPr>
+          <p:cNvPr id="5" name="Slide Number Placeholder 4"/>
+          <p:cNvSpPr>
+            <a:spLocks noGrp="1"/>
+          </p:cNvSpPr>
+          <p:nvPr>
+            <p:ph type="sldNum" sz="quarter" idx="12"/>
+          </p:nvPr>
+        </p:nvSpPr>
+        <p:spPr/>
+        <p:txBody>
+          <a:bodyPr/>
+          <a:lstStyle/>
+          <a:p>
+            <a:pPr algn="ctr"/>
+            <a:fld id="{82B5D99C-3243-4CCA-89CF-846763E29181}" type="slidenum">
+              <a:rPr lang="es-CL" smtClean="0"/>
+              <a:pPr algn="ctr"/>
+              <a:t>15</a:t>
+            </a:fld>
+            <a:endParaRPr lang="es-CL" dirty="0"/>
+          </a:p>
+        </p:txBody>
+      </p:sp>
+    </p:spTree>
+    <p:extLst>
+      <p:ext uri="{BB962C8B-B14F-4D97-AF65-F5344CB8AC3E}">
+        <p14:creationId xmlns:p14="http://schemas.microsoft.com/office/powerpoint/2010/main" val="11438349"/>
+      </p:ext>
+    </p:extLst>
+  </p:cSld>
+  <p:clrMapOvr>
+    <a:masterClrMapping/>
+  </p:clrMapOvr>
+</p:sld>
+</file>
+
+<file path=ppt/slides/slide16.xml><?xml version="1.0" encoding="utf-8"?>
+<p:sld xmlns:a="http://schemas.openxmlformats.org/drawingml/2006/main" xmlns:r="http://schemas.openxmlformats.org/officeDocument/2006/relationships" xmlns:p="http://schemas.openxmlformats.org/presentationml/2006/main">
+  <p:cSld>
+    <p:spTree>
+      <p:nvGrpSpPr>
+        <p:cNvPr id="1" name=""/>
+        <p:cNvGrpSpPr/>
+        <p:nvPr/>
+      </p:nvGrpSpPr>
+      <p:grpSpPr>
+        <a:xfrm>
+          <a:off x="0" y="0"/>
+          <a:ext cx="0" cy="0"/>
+          <a:chOff x="0" y="0"/>
+          <a:chExt cx="0" cy="0"/>
+        </a:xfrm>
+      </p:grpSpPr>
+      <p:sp>
+        <p:nvSpPr>
+          <p:cNvPr id="2" name="Title 1"/>
+          <p:cNvSpPr>
+            <a:spLocks noGrp="1"/>
+          </p:cNvSpPr>
+          <p:nvPr>
+            <p:ph type="title"/>
+          </p:nvPr>
+        </p:nvSpPr>
+        <p:spPr/>
+        <p:txBody>
+          <a:bodyPr/>
+          <a:lstStyle/>
+          <a:p>
+            <a:r>
+              <a:rPr lang="es-CL" dirty="0"/>
+              <a:t>Entregables</a:t>
+            </a:r>
+          </a:p>
+        </p:txBody>
+      </p:sp>
+      <p:graphicFrame>
+        <p:nvGraphicFramePr>
+          <p:cNvPr id="6" name="Content Placeholder 5"/>
+          <p:cNvGraphicFramePr>
+            <a:graphicFrameLocks noGrp="1"/>
+          </p:cNvGraphicFramePr>
+          <p:nvPr>
+            <p:ph idx="1"/>
+            <p:extLst>
+              <p:ext uri="{D42A27DB-BD31-4B8C-83A1-F6EECF244321}">
+                <p14:modId xmlns:p14="http://schemas.microsoft.com/office/powerpoint/2010/main" val="1067528366"/>
+              </p:ext>
+            </p:extLst>
+          </p:nvPr>
+        </p:nvGraphicFramePr>
+        <p:xfrm>
+          <a:off x="531638" y="2233244"/>
+          <a:ext cx="7697961" cy="4273483"/>
+        </p:xfrm>
+        <a:graphic>
+          <a:graphicData uri="http://schemas.openxmlformats.org/drawingml/2006/table">
+            <a:tbl>
+              <a:tblPr firstRow="1" firstCol="1" bandRow="1">
+                <a:tableStyleId>{5C22544A-7EE6-4342-B048-85BDC9FD1C3A}</a:tableStyleId>
+              </a:tblPr>
+              <a:tblGrid>
+                <a:gridCol w="643195">
+                  <a:extLst>
+                    <a:ext uri="{9D8B030D-6E8A-4147-A177-3AD203B41FA5}">
+                      <a16:colId xmlns:a16="http://schemas.microsoft.com/office/drawing/2014/main" val="3071779085"/>
+                    </a:ext>
+                  </a:extLst>
+                </a:gridCol>
+                <a:gridCol w="1502106">
+                  <a:extLst>
+                    <a:ext uri="{9D8B030D-6E8A-4147-A177-3AD203B41FA5}">
+                      <a16:colId xmlns:a16="http://schemas.microsoft.com/office/drawing/2014/main" val="66996548"/>
+                    </a:ext>
+                  </a:extLst>
+                </a:gridCol>
+                <a:gridCol w="3657600">
+                  <a:extLst>
+                    <a:ext uri="{9D8B030D-6E8A-4147-A177-3AD203B41FA5}">
+                      <a16:colId xmlns:a16="http://schemas.microsoft.com/office/drawing/2014/main" val="4240967042"/>
+                    </a:ext>
+                  </a:extLst>
+                </a:gridCol>
+                <a:gridCol w="1895060">
+                  <a:extLst>
+                    <a:ext uri="{9D8B030D-6E8A-4147-A177-3AD203B41FA5}">
+                      <a16:colId xmlns:a16="http://schemas.microsoft.com/office/drawing/2014/main" val="2519033814"/>
+                    </a:ext>
+                  </a:extLst>
+                </a:gridCol>
+              </a:tblGrid>
+              <a:tr h="504037">
+                <a:tc>
+                  <a:txBody>
+                    <a:bodyPr/>
+                    <a:lstStyle/>
+                    <a:p>
+                      <a:pPr algn="ctr">
+                        <a:spcAft>
+                          <a:spcPts val="0"/>
+                        </a:spcAft>
+                      </a:pPr>
+                      <a:r>
+                        <a:rPr lang="es-ES_tradnl" sz="1800">
+                          <a:effectLst/>
+                        </a:rPr>
+                        <a:t>#</a:t>
+                      </a:r>
+                      <a:endParaRPr lang="es-CL" sz="1800">
+                        <a:solidFill>
+                          <a:srgbClr val="2E74B5"/>
+                        </a:solidFill>
+                        <a:effectLst/>
+                        <a:latin typeface="Times New Roman" panose="02020603050405020304" pitchFamily="18" charset="0"/>
+                        <a:ea typeface="Calibri" panose="020F0502020204030204" pitchFamily="34" charset="0"/>
+                        <a:cs typeface="Times New Roman" panose="02020603050405020304" pitchFamily="18" charset="0"/>
+                      </a:endParaRPr>
+                    </a:p>
+                  </a:txBody>
+                  <a:tcPr marL="68580" marR="68580" marT="0" marB="0"/>
+                </a:tc>
+                <a:tc>
+                  <a:txBody>
+                    <a:bodyPr/>
+                    <a:lstStyle/>
+                    <a:p>
+                      <a:pPr algn="ctr">
+                        <a:spcAft>
+                          <a:spcPts val="0"/>
+                        </a:spcAft>
+                      </a:pPr>
+                      <a:r>
+                        <a:rPr lang="es-ES_tradnl" sz="1800">
+                          <a:effectLst/>
+                        </a:rPr>
+                        <a:t>Entregable</a:t>
+                      </a:r>
+                      <a:endParaRPr lang="es-CL" sz="1800">
+                        <a:solidFill>
+                          <a:srgbClr val="2E74B5"/>
+                        </a:solidFill>
+                        <a:effectLst/>
+                        <a:latin typeface="Times New Roman" panose="02020603050405020304" pitchFamily="18" charset="0"/>
+                        <a:ea typeface="Calibri" panose="020F0502020204030204" pitchFamily="34" charset="0"/>
+                        <a:cs typeface="Times New Roman" panose="02020603050405020304" pitchFamily="18" charset="0"/>
+                      </a:endParaRPr>
+                    </a:p>
+                  </a:txBody>
+                  <a:tcPr marL="68580" marR="68580" marT="0" marB="0"/>
+                </a:tc>
+                <a:tc>
+                  <a:txBody>
+                    <a:bodyPr/>
+                    <a:lstStyle/>
+                    <a:p>
+                      <a:pPr algn="ctr">
+                        <a:spcAft>
+                          <a:spcPts val="0"/>
+                        </a:spcAft>
+                      </a:pPr>
+                      <a:r>
+                        <a:rPr lang="es-ES_tradnl" sz="1800">
+                          <a:effectLst/>
+                        </a:rPr>
+                        <a:t>Descripción</a:t>
+                      </a:r>
+                      <a:endParaRPr lang="es-CL" sz="1800">
+                        <a:solidFill>
+                          <a:srgbClr val="2E74B5"/>
+                        </a:solidFill>
+                        <a:effectLst/>
+                        <a:latin typeface="Times New Roman" panose="02020603050405020304" pitchFamily="18" charset="0"/>
+                        <a:ea typeface="Calibri" panose="020F0502020204030204" pitchFamily="34" charset="0"/>
+                        <a:cs typeface="Times New Roman" panose="02020603050405020304" pitchFamily="18" charset="0"/>
+                      </a:endParaRPr>
+                    </a:p>
+                  </a:txBody>
+                  <a:tcPr marL="68580" marR="68580" marT="0" marB="0"/>
+                </a:tc>
+                <a:tc>
+                  <a:txBody>
+                    <a:bodyPr/>
+                    <a:lstStyle/>
+                    <a:p>
+                      <a:pPr algn="ctr">
+                        <a:spcAft>
+                          <a:spcPts val="0"/>
+                        </a:spcAft>
+                      </a:pPr>
+                      <a:r>
+                        <a:rPr lang="es-ES_tradnl" sz="1800" dirty="0">
+                          <a:effectLst/>
+                        </a:rPr>
+                        <a:t>Responsable(s)</a:t>
+                      </a:r>
+                      <a:endParaRPr lang="es-CL" sz="1800" dirty="0">
+                        <a:solidFill>
+                          <a:srgbClr val="2E74B5"/>
+                        </a:solidFill>
+                        <a:effectLst/>
+                        <a:latin typeface="Times New Roman" panose="02020603050405020304" pitchFamily="18" charset="0"/>
+                        <a:ea typeface="Calibri" panose="020F0502020204030204" pitchFamily="34" charset="0"/>
+                        <a:cs typeface="Times New Roman" panose="02020603050405020304" pitchFamily="18" charset="0"/>
+                      </a:endParaRPr>
+                    </a:p>
+                  </a:txBody>
+                  <a:tcPr marL="68580" marR="68580" marT="0" marB="0"/>
+                </a:tc>
+                <a:extLst>
+                  <a:ext uri="{0D108BD9-81ED-4DB2-BD59-A6C34878D82A}">
+                    <a16:rowId xmlns:a16="http://schemas.microsoft.com/office/drawing/2014/main" val="3273117480"/>
+                  </a:ext>
+                </a:extLst>
+              </a:tr>
+              <a:tr h="1755206">
+                <a:tc>
+                  <a:txBody>
+                    <a:bodyPr/>
+                    <a:lstStyle/>
+                    <a:p>
+                      <a:pPr>
+                        <a:spcAft>
+                          <a:spcPts val="0"/>
+                        </a:spcAft>
+                      </a:pPr>
+                      <a:r>
+                        <a:rPr lang="es-ES_tradnl" sz="1800" b="1">
+                          <a:solidFill>
+                            <a:schemeClr val="tx1"/>
+                          </a:solidFill>
+                          <a:effectLst/>
+                          <a:latin typeface="Calibri" panose="020F0502020204030204" pitchFamily="34" charset="0"/>
+                          <a:ea typeface="Calibri" panose="020F0502020204030204" pitchFamily="34" charset="0"/>
+                          <a:cs typeface="Times New Roman" panose="02020603050405020304" pitchFamily="18" charset="0"/>
+                        </a:rPr>
+                        <a:t>013</a:t>
+                      </a:r>
+                      <a:endParaRPr lang="es-CL" sz="1800">
+                        <a:solidFill>
+                          <a:schemeClr val="tx1"/>
+                        </a:solidFill>
+                        <a:effectLst/>
+                        <a:latin typeface="Calibri" panose="020F0502020204030204" pitchFamily="34" charset="0"/>
+                        <a:ea typeface="Calibri" panose="020F0502020204030204" pitchFamily="34" charset="0"/>
+                        <a:cs typeface="Times New Roman" panose="02020603050405020304" pitchFamily="18" charset="0"/>
+                      </a:endParaRPr>
+                    </a:p>
+                  </a:txBody>
+                  <a:tcPr marL="68580" marR="68580" marT="0" marB="0"/>
+                </a:tc>
+                <a:tc>
+                  <a:txBody>
+                    <a:bodyPr/>
+                    <a:lstStyle/>
+                    <a:p>
+                      <a:pPr>
+                        <a:spcAft>
+                          <a:spcPts val="0"/>
+                        </a:spcAft>
+                      </a:pPr>
+                      <a:r>
+                        <a:rPr lang="es-ES_tradnl" sz="1800" b="0" dirty="0">
+                          <a:solidFill>
+                            <a:schemeClr val="bg1"/>
+                          </a:solidFill>
+                          <a:effectLst/>
+                          <a:latin typeface="Calibri" panose="020F0502020204030204" pitchFamily="34" charset="0"/>
+                          <a:ea typeface="Calibri" panose="020F0502020204030204" pitchFamily="34" charset="0"/>
+                          <a:cs typeface="Times New Roman" panose="02020603050405020304" pitchFamily="18" charset="0"/>
+                        </a:rPr>
+                        <a:t>Recursos</a:t>
+                      </a:r>
+                      <a:endParaRPr lang="es-CL" sz="1800" b="0" dirty="0">
+                        <a:solidFill>
+                          <a:schemeClr val="bg1"/>
+                        </a:solidFill>
+                        <a:effectLst/>
+                        <a:latin typeface="Calibri" panose="020F0502020204030204" pitchFamily="34" charset="0"/>
+                        <a:ea typeface="Calibri" panose="020F0502020204030204" pitchFamily="34" charset="0"/>
+                        <a:cs typeface="Times New Roman" panose="02020603050405020304" pitchFamily="18" charset="0"/>
+                      </a:endParaRPr>
+                    </a:p>
+                  </a:txBody>
+                  <a:tcPr marL="68580" marR="68580" marT="0" marB="0"/>
+                </a:tc>
+                <a:tc>
+                  <a:txBody>
+                    <a:bodyPr/>
+                    <a:lstStyle/>
+                    <a:p>
+                      <a:pPr algn="just">
+                        <a:spcAft>
+                          <a:spcPts val="0"/>
+                        </a:spcAft>
+                      </a:pPr>
+                      <a:r>
+                        <a:rPr lang="es-ES_tradnl" sz="1800" b="0">
+                          <a:solidFill>
+                            <a:schemeClr val="bg1"/>
+                          </a:solidFill>
+                          <a:effectLst/>
+                          <a:latin typeface="Calibri" panose="020F0502020204030204" pitchFamily="34" charset="0"/>
+                          <a:ea typeface="Calibri" panose="020F0502020204030204" pitchFamily="34" charset="0"/>
+                          <a:cs typeface="Calibri" panose="020F0502020204030204" pitchFamily="34" charset="0"/>
+                        </a:rPr>
+                        <a:t>Especificación de Recursos humanos incluyendo la cantidad de personal en el proyecto, asignación  de  roles,  responsables  de  Líneas  de  trabajo  y métodos de entrenamiento y estudio a seguirse.</a:t>
+                      </a:r>
+                      <a:endParaRPr lang="es-CL" sz="1800" b="0">
+                        <a:solidFill>
+                          <a:schemeClr val="bg1"/>
+                        </a:solidFill>
+                        <a:effectLst/>
+                        <a:latin typeface="Calibri" panose="020F0502020204030204" pitchFamily="34" charset="0"/>
+                        <a:ea typeface="Calibri" panose="020F0502020204030204" pitchFamily="34" charset="0"/>
+                        <a:cs typeface="Times New Roman" panose="02020603050405020304" pitchFamily="18" charset="0"/>
+                      </a:endParaRPr>
+                    </a:p>
+                    <a:p>
+                      <a:pPr>
+                        <a:spcAft>
+                          <a:spcPts val="0"/>
+                        </a:spcAft>
+                      </a:pPr>
+                      <a:r>
+                        <a:rPr lang="es-ES_tradnl" sz="1800" b="0">
+                          <a:solidFill>
+                            <a:schemeClr val="bg1"/>
+                          </a:solidFill>
+                          <a:effectLst/>
+                          <a:latin typeface="Calibri" panose="020F0502020204030204" pitchFamily="34" charset="0"/>
+                          <a:ea typeface="Calibri" panose="020F0502020204030204" pitchFamily="34" charset="0"/>
+                          <a:cs typeface="Times New Roman" panose="02020603050405020304" pitchFamily="18" charset="0"/>
+                        </a:rPr>
+                        <a:t> </a:t>
+                      </a:r>
+                      <a:endParaRPr lang="es-CL" sz="1800" b="0">
+                        <a:solidFill>
+                          <a:schemeClr val="bg1"/>
+                        </a:solidFill>
+                        <a:effectLst/>
+                        <a:latin typeface="Calibri" panose="020F0502020204030204" pitchFamily="34" charset="0"/>
+                        <a:ea typeface="Calibri" panose="020F0502020204030204" pitchFamily="34" charset="0"/>
+                        <a:cs typeface="Times New Roman" panose="02020603050405020304" pitchFamily="18" charset="0"/>
+                      </a:endParaRPr>
+                    </a:p>
+                  </a:txBody>
+                  <a:tcPr marL="68580" marR="68580" marT="0" marB="0"/>
+                </a:tc>
+                <a:tc>
+                  <a:txBody>
+                    <a:bodyPr/>
+                    <a:lstStyle/>
+                    <a:p>
+                      <a:pPr>
+                        <a:spcAft>
+                          <a:spcPts val="0"/>
+                        </a:spcAft>
+                      </a:pPr>
+                      <a:r>
+                        <a:rPr lang="es-ES_tradnl" sz="1800" b="0" dirty="0">
+                          <a:solidFill>
+                            <a:schemeClr val="bg1"/>
+                          </a:solidFill>
+                          <a:effectLst/>
+                          <a:latin typeface="Calibri" panose="020F0502020204030204" pitchFamily="34" charset="0"/>
+                          <a:ea typeface="Calibri" panose="020F0502020204030204" pitchFamily="34" charset="0"/>
+                          <a:cs typeface="Times New Roman" panose="02020603050405020304" pitchFamily="18" charset="0"/>
+                        </a:rPr>
+                        <a:t>Gonzalo López, Fabián Jaque</a:t>
+                      </a:r>
+                      <a:endParaRPr lang="es-CL" sz="1800" b="0" dirty="0">
+                        <a:solidFill>
+                          <a:schemeClr val="bg1"/>
+                        </a:solidFill>
+                        <a:effectLst/>
+                        <a:latin typeface="Calibri" panose="020F0502020204030204" pitchFamily="34" charset="0"/>
+                        <a:ea typeface="Calibri" panose="020F0502020204030204" pitchFamily="34" charset="0"/>
+                        <a:cs typeface="Times New Roman" panose="02020603050405020304" pitchFamily="18" charset="0"/>
+                      </a:endParaRPr>
+                    </a:p>
+                  </a:txBody>
+                  <a:tcPr marL="68580" marR="68580" marT="0" marB="0"/>
+                </a:tc>
+                <a:extLst>
+                  <a:ext uri="{0D108BD9-81ED-4DB2-BD59-A6C34878D82A}">
+                    <a16:rowId xmlns:a16="http://schemas.microsoft.com/office/drawing/2014/main" val="4189845903"/>
+                  </a:ext>
+                </a:extLst>
+              </a:tr>
+              <a:tr h="924603">
+                <a:tc>
+                  <a:txBody>
+                    <a:bodyPr/>
+                    <a:lstStyle/>
+                    <a:p>
+                      <a:pPr>
+                        <a:spcAft>
+                          <a:spcPts val="0"/>
+                        </a:spcAft>
+                      </a:pPr>
+                      <a:r>
+                        <a:rPr lang="es-ES_tradnl" sz="1800" b="1">
+                          <a:solidFill>
+                            <a:schemeClr val="tx1"/>
+                          </a:solidFill>
+                          <a:effectLst/>
+                          <a:latin typeface="Calibri" panose="020F0502020204030204" pitchFamily="34" charset="0"/>
+                          <a:ea typeface="Calibri" panose="020F0502020204030204" pitchFamily="34" charset="0"/>
+                          <a:cs typeface="Times New Roman" panose="02020603050405020304" pitchFamily="18" charset="0"/>
+                        </a:rPr>
+                        <a:t>014</a:t>
+                      </a:r>
+                      <a:endParaRPr lang="es-CL" sz="1800">
+                        <a:solidFill>
+                          <a:schemeClr val="tx1"/>
+                        </a:solidFill>
+                        <a:effectLst/>
+                        <a:latin typeface="Calibri" panose="020F0502020204030204" pitchFamily="34" charset="0"/>
+                        <a:ea typeface="Calibri" panose="020F0502020204030204" pitchFamily="34" charset="0"/>
+                        <a:cs typeface="Times New Roman" panose="02020603050405020304" pitchFamily="18" charset="0"/>
+                      </a:endParaRPr>
+                    </a:p>
+                  </a:txBody>
+                  <a:tcPr marL="68580" marR="68580" marT="0" marB="0"/>
+                </a:tc>
+                <a:tc>
+                  <a:txBody>
+                    <a:bodyPr/>
+                    <a:lstStyle/>
+                    <a:p>
+                      <a:pPr>
+                        <a:spcAft>
+                          <a:spcPts val="0"/>
+                        </a:spcAft>
+                      </a:pPr>
+                      <a:r>
+                        <a:rPr lang="es-ES_tradnl" sz="1800" b="0">
+                          <a:solidFill>
+                            <a:schemeClr val="bg1"/>
+                          </a:solidFill>
+                          <a:effectLst/>
+                          <a:latin typeface="Calibri" panose="020F0502020204030204" pitchFamily="34" charset="0"/>
+                          <a:ea typeface="Calibri" panose="020F0502020204030204" pitchFamily="34" charset="0"/>
+                          <a:cs typeface="Times New Roman" panose="02020603050405020304" pitchFamily="18" charset="0"/>
+                        </a:rPr>
+                        <a:t>Líneas de trabajo</a:t>
+                      </a:r>
+                      <a:endParaRPr lang="es-CL" sz="1800" b="0">
+                        <a:solidFill>
+                          <a:schemeClr val="bg1"/>
+                        </a:solidFill>
+                        <a:effectLst/>
+                        <a:latin typeface="Calibri" panose="020F0502020204030204" pitchFamily="34" charset="0"/>
+                        <a:ea typeface="Calibri" panose="020F0502020204030204" pitchFamily="34" charset="0"/>
+                        <a:cs typeface="Times New Roman" panose="02020603050405020304" pitchFamily="18" charset="0"/>
+                      </a:endParaRPr>
+                    </a:p>
+                  </a:txBody>
+                  <a:tcPr marL="68580" marR="68580" marT="0" marB="0"/>
+                </a:tc>
+                <a:tc>
+                  <a:txBody>
+                    <a:bodyPr/>
+                    <a:lstStyle/>
+                    <a:p>
+                      <a:pPr>
+                        <a:spcAft>
+                          <a:spcPts val="0"/>
+                        </a:spcAft>
+                      </a:pPr>
+                      <a:r>
+                        <a:rPr lang="es-ES_tradnl" sz="1800" b="0">
+                          <a:solidFill>
+                            <a:schemeClr val="bg1"/>
+                          </a:solidFill>
+                          <a:effectLst/>
+                          <a:latin typeface="Calibri" panose="020F0502020204030204" pitchFamily="34" charset="0"/>
+                          <a:ea typeface="Calibri" panose="020F0502020204030204" pitchFamily="34" charset="0"/>
+                          <a:cs typeface="Calibri" panose="020F0502020204030204" pitchFamily="34" charset="0"/>
+                        </a:rPr>
+                        <a:t>Especificación  de  Líneas  de  trabajo  para  las  distintas  actividades que  se deben realizar.</a:t>
+                      </a:r>
+                      <a:endParaRPr lang="es-CL" sz="1800" b="0">
+                        <a:solidFill>
+                          <a:schemeClr val="bg1"/>
+                        </a:solidFill>
+                        <a:effectLst/>
+                        <a:latin typeface="Calibri" panose="020F0502020204030204" pitchFamily="34" charset="0"/>
+                        <a:ea typeface="Calibri" panose="020F0502020204030204" pitchFamily="34" charset="0"/>
+                        <a:cs typeface="Times New Roman" panose="02020603050405020304" pitchFamily="18" charset="0"/>
+                      </a:endParaRPr>
+                    </a:p>
+                  </a:txBody>
+                  <a:tcPr marL="68580" marR="68580" marT="0" marB="0"/>
+                </a:tc>
+                <a:tc>
+                  <a:txBody>
+                    <a:bodyPr/>
+                    <a:lstStyle/>
+                    <a:p>
+                      <a:pPr>
+                        <a:spcAft>
+                          <a:spcPts val="0"/>
+                        </a:spcAft>
+                      </a:pPr>
+                      <a:r>
+                        <a:rPr lang="es-ES_tradnl" sz="1800" b="0">
+                          <a:solidFill>
+                            <a:schemeClr val="bg1"/>
+                          </a:solidFill>
+                          <a:effectLst/>
+                          <a:latin typeface="Calibri" panose="020F0502020204030204" pitchFamily="34" charset="0"/>
+                          <a:ea typeface="Calibri" panose="020F0502020204030204" pitchFamily="34" charset="0"/>
+                          <a:cs typeface="Times New Roman" panose="02020603050405020304" pitchFamily="18" charset="0"/>
+                        </a:rPr>
+                        <a:t>Fabián Jaque</a:t>
+                      </a:r>
+                      <a:endParaRPr lang="es-CL" sz="1800" b="0">
+                        <a:solidFill>
+                          <a:schemeClr val="bg1"/>
+                        </a:solidFill>
+                        <a:effectLst/>
+                        <a:latin typeface="Calibri" panose="020F0502020204030204" pitchFamily="34" charset="0"/>
+                        <a:ea typeface="Calibri" panose="020F0502020204030204" pitchFamily="34" charset="0"/>
+                        <a:cs typeface="Times New Roman" panose="02020603050405020304" pitchFamily="18" charset="0"/>
+                      </a:endParaRPr>
+                    </a:p>
+                  </a:txBody>
+                  <a:tcPr marL="68580" marR="68580" marT="0" marB="0"/>
+                </a:tc>
+                <a:extLst>
+                  <a:ext uri="{0D108BD9-81ED-4DB2-BD59-A6C34878D82A}">
+                    <a16:rowId xmlns:a16="http://schemas.microsoft.com/office/drawing/2014/main" val="967622194"/>
+                  </a:ext>
+                </a:extLst>
+              </a:tr>
+              <a:tr h="924603">
+                <a:tc>
+                  <a:txBody>
+                    <a:bodyPr/>
+                    <a:lstStyle/>
+                    <a:p>
+                      <a:pPr>
+                        <a:spcAft>
+                          <a:spcPts val="0"/>
+                        </a:spcAft>
+                      </a:pPr>
+                      <a:r>
+                        <a:rPr lang="es-ES_tradnl" sz="1800" b="1" dirty="0">
+                          <a:solidFill>
+                            <a:schemeClr val="tx1"/>
+                          </a:solidFill>
+                          <a:effectLst/>
+                          <a:latin typeface="Calibri" panose="020F0502020204030204" pitchFamily="34" charset="0"/>
+                          <a:ea typeface="Calibri" panose="020F0502020204030204" pitchFamily="34" charset="0"/>
+                          <a:cs typeface="Times New Roman" panose="02020603050405020304" pitchFamily="18" charset="0"/>
+                        </a:rPr>
+                        <a:t>015</a:t>
+                      </a:r>
+                      <a:endParaRPr lang="es-CL" sz="1800" dirty="0">
+                        <a:solidFill>
+                          <a:schemeClr val="tx1"/>
+                        </a:solidFill>
+                        <a:effectLst/>
+                        <a:latin typeface="Calibri" panose="020F0502020204030204" pitchFamily="34" charset="0"/>
+                        <a:ea typeface="Calibri" panose="020F0502020204030204" pitchFamily="34" charset="0"/>
+                        <a:cs typeface="Times New Roman" panose="02020603050405020304" pitchFamily="18" charset="0"/>
+                      </a:endParaRPr>
+                    </a:p>
+                  </a:txBody>
+                  <a:tcPr marL="68580" marR="68580" marT="0" marB="0"/>
+                </a:tc>
+                <a:tc>
+                  <a:txBody>
+                    <a:bodyPr/>
+                    <a:lstStyle/>
+                    <a:p>
+                      <a:pPr>
+                        <a:spcAft>
+                          <a:spcPts val="0"/>
+                        </a:spcAft>
+                      </a:pPr>
+                      <a:r>
+                        <a:rPr lang="es-ES_tradnl" sz="1800" b="0">
+                          <a:solidFill>
+                            <a:schemeClr val="bg1"/>
+                          </a:solidFill>
+                          <a:effectLst/>
+                          <a:latin typeface="Calibri" panose="020F0502020204030204" pitchFamily="34" charset="0"/>
+                          <a:ea typeface="Calibri" panose="020F0502020204030204" pitchFamily="34" charset="0"/>
+                          <a:cs typeface="Times New Roman" panose="02020603050405020304" pitchFamily="18" charset="0"/>
+                        </a:rPr>
+                        <a:t>Dependencias</a:t>
+                      </a:r>
+                      <a:endParaRPr lang="es-CL" sz="1800" b="0">
+                        <a:solidFill>
+                          <a:schemeClr val="bg1"/>
+                        </a:solidFill>
+                        <a:effectLst/>
+                        <a:latin typeface="Calibri" panose="020F0502020204030204" pitchFamily="34" charset="0"/>
+                        <a:ea typeface="Calibri" panose="020F0502020204030204" pitchFamily="34" charset="0"/>
+                        <a:cs typeface="Times New Roman" panose="02020603050405020304" pitchFamily="18" charset="0"/>
+                      </a:endParaRPr>
+                    </a:p>
+                  </a:txBody>
+                  <a:tcPr marL="68580" marR="68580" marT="0" marB="0"/>
+                </a:tc>
+                <a:tc>
+                  <a:txBody>
+                    <a:bodyPr/>
+                    <a:lstStyle/>
+                    <a:p>
+                      <a:pPr>
+                        <a:spcAft>
+                          <a:spcPts val="0"/>
+                        </a:spcAft>
+                      </a:pPr>
+                      <a:r>
+                        <a:rPr lang="es-ES_tradnl" sz="1800" b="0">
+                          <a:solidFill>
+                            <a:schemeClr val="bg1"/>
+                          </a:solidFill>
+                          <a:effectLst/>
+                          <a:latin typeface="Calibri" panose="020F0502020204030204" pitchFamily="34" charset="0"/>
+                          <a:ea typeface="Calibri" panose="020F0502020204030204" pitchFamily="34" charset="0"/>
+                          <a:cs typeface="Calibri" panose="020F0502020204030204" pitchFamily="34" charset="0"/>
+                        </a:rPr>
+                        <a:t>Se  establecen  las  dependencias  entre actividades  de  las  distintas Líneas  de Trabajo.</a:t>
+                      </a:r>
+                      <a:endParaRPr lang="es-CL" sz="1800" b="0">
+                        <a:solidFill>
+                          <a:schemeClr val="bg1"/>
+                        </a:solidFill>
+                        <a:effectLst/>
+                        <a:latin typeface="Calibri" panose="020F0502020204030204" pitchFamily="34" charset="0"/>
+                        <a:ea typeface="Calibri" panose="020F0502020204030204" pitchFamily="34" charset="0"/>
+                        <a:cs typeface="Times New Roman" panose="02020603050405020304" pitchFamily="18" charset="0"/>
+                      </a:endParaRPr>
+                    </a:p>
+                  </a:txBody>
+                  <a:tcPr marL="68580" marR="68580" marT="0" marB="0"/>
+                </a:tc>
+                <a:tc>
+                  <a:txBody>
+                    <a:bodyPr/>
+                    <a:lstStyle/>
+                    <a:p>
+                      <a:pPr>
+                        <a:spcAft>
+                          <a:spcPts val="0"/>
+                        </a:spcAft>
+                      </a:pPr>
+                      <a:r>
+                        <a:rPr lang="es-ES_tradnl" sz="1800" b="0" dirty="0">
+                          <a:solidFill>
+                            <a:schemeClr val="bg1"/>
+                          </a:solidFill>
+                          <a:effectLst/>
+                          <a:latin typeface="Calibri" panose="020F0502020204030204" pitchFamily="34" charset="0"/>
+                          <a:ea typeface="Calibri" panose="020F0502020204030204" pitchFamily="34" charset="0"/>
+                          <a:cs typeface="Times New Roman" panose="02020603050405020304" pitchFamily="18" charset="0"/>
+                        </a:rPr>
+                        <a:t>Tomás Muñiz</a:t>
+                      </a:r>
+                      <a:endParaRPr lang="es-CL" sz="1800" b="0" dirty="0">
+                        <a:solidFill>
+                          <a:schemeClr val="bg1"/>
+                        </a:solidFill>
+                        <a:effectLst/>
+                        <a:latin typeface="Calibri" panose="020F0502020204030204" pitchFamily="34" charset="0"/>
+                        <a:ea typeface="Calibri" panose="020F0502020204030204" pitchFamily="34" charset="0"/>
+                        <a:cs typeface="Times New Roman" panose="02020603050405020304" pitchFamily="18" charset="0"/>
+                      </a:endParaRPr>
+                    </a:p>
+                  </a:txBody>
+                  <a:tcPr marL="68580" marR="68580" marT="0" marB="0"/>
+                </a:tc>
+                <a:extLst>
+                  <a:ext uri="{0D108BD9-81ED-4DB2-BD59-A6C34878D82A}">
+                    <a16:rowId xmlns:a16="http://schemas.microsoft.com/office/drawing/2014/main" val="3836733366"/>
+                  </a:ext>
+                </a:extLst>
+              </a:tr>
+            </a:tbl>
+          </a:graphicData>
+        </a:graphic>
+      </p:graphicFrame>
+      <p:pic>
+        <p:nvPicPr>
+          <p:cNvPr id="2050" name="Picture 2" descr="Resultado de imagen para duoc"/>
+          <p:cNvPicPr>
+            <a:picLocks noChangeAspect="1" noChangeArrowheads="1"/>
+          </p:cNvPicPr>
+          <p:nvPr/>
+        </p:nvPicPr>
+        <p:blipFill>
+          <a:blip r:embed="rId2">
+            <a:extLst>
+              <a:ext uri="{28A0092B-C50C-407E-A947-70E740481C1C}">
+                <a14:useLocalDpi xmlns:a14="http://schemas.microsoft.com/office/drawing/2010/main" val="0"/>
+              </a:ext>
+            </a:extLst>
+          </a:blip>
+          <a:srcRect/>
+          <a:stretch>
+            <a:fillRect/>
+          </a:stretch>
+        </p:blipFill>
+        <p:spPr bwMode="auto">
+          <a:xfrm>
+            <a:off x="7770945" y="599455"/>
+            <a:ext cx="1373055" cy="307545"/>
+          </a:xfrm>
+          <a:prstGeom prst="rect">
+            <a:avLst/>
+          </a:prstGeom>
+          <a:noFill/>
+          <a:extLst>
+            <a:ext uri="{909E8E84-426E-40DD-AFC4-6F175D3DCCD1}">
+              <a14:hiddenFill xmlns:a14="http://schemas.microsoft.com/office/drawing/2010/main">
+                <a:solidFill>
+                  <a:srgbClr val="FFFFFF"/>
+                </a:solidFill>
+              </a14:hiddenFill>
+            </a:ext>
+          </a:extLst>
+        </p:spPr>
+      </p:pic>
+      <p:sp>
+        <p:nvSpPr>
+          <p:cNvPr id="5" name="Slide Number Placeholder 4"/>
+          <p:cNvSpPr>
+            <a:spLocks noGrp="1"/>
+          </p:cNvSpPr>
+          <p:nvPr>
+            <p:ph type="sldNum" sz="quarter" idx="12"/>
+          </p:nvPr>
+        </p:nvSpPr>
+        <p:spPr/>
+        <p:txBody>
+          <a:bodyPr/>
+          <a:lstStyle/>
+          <a:p>
+            <a:pPr algn="ctr"/>
+            <a:fld id="{82B5D99C-3243-4CCA-89CF-846763E29181}" type="slidenum">
+              <a:rPr lang="es-CL" smtClean="0"/>
+              <a:pPr algn="ctr"/>
+              <a:t>16</a:t>
+            </a:fld>
+            <a:endParaRPr lang="es-CL" dirty="0"/>
+          </a:p>
+        </p:txBody>
+      </p:sp>
+    </p:spTree>
+    <p:extLst>
+      <p:ext uri="{BB962C8B-B14F-4D97-AF65-F5344CB8AC3E}">
+        <p14:creationId xmlns:p14="http://schemas.microsoft.com/office/powerpoint/2010/main" val="3546852941"/>
+      </p:ext>
+    </p:extLst>
+  </p:cSld>
+  <p:clrMapOvr>
+    <a:masterClrMapping/>
+  </p:clrMapOvr>
+</p:sld>
+</file>
+
+<file path=ppt/slides/slide17.xml><?xml version="1.0" encoding="utf-8"?>
+<p:sld xmlns:a="http://schemas.openxmlformats.org/drawingml/2006/main" xmlns:r="http://schemas.openxmlformats.org/officeDocument/2006/relationships" xmlns:p="http://schemas.openxmlformats.org/presentationml/2006/main">
+  <p:cSld>
+    <p:spTree>
+      <p:nvGrpSpPr>
+        <p:cNvPr id="1" name=""/>
+        <p:cNvGrpSpPr/>
+        <p:nvPr/>
+      </p:nvGrpSpPr>
+      <p:grpSpPr>
+        <a:xfrm>
+          <a:off x="0" y="0"/>
+          <a:ext cx="0" cy="0"/>
+          <a:chOff x="0" y="0"/>
+          <a:chExt cx="0" cy="0"/>
+        </a:xfrm>
+      </p:grpSpPr>
+      <p:sp>
+        <p:nvSpPr>
+          <p:cNvPr id="2" name="Title 1"/>
+          <p:cNvSpPr>
+            <a:spLocks noGrp="1"/>
+          </p:cNvSpPr>
+          <p:nvPr>
+            <p:ph type="title"/>
+          </p:nvPr>
+        </p:nvSpPr>
+        <p:spPr/>
+        <p:txBody>
+          <a:bodyPr/>
+          <a:lstStyle/>
+          <a:p>
+            <a:r>
+              <a:rPr lang="es-CL" dirty="0"/>
+              <a:t>Entregables</a:t>
+            </a:r>
+          </a:p>
+        </p:txBody>
+      </p:sp>
+      <p:graphicFrame>
+        <p:nvGraphicFramePr>
+          <p:cNvPr id="6" name="Content Placeholder 5"/>
+          <p:cNvGraphicFramePr>
+            <a:graphicFrameLocks noGrp="1"/>
+          </p:cNvGraphicFramePr>
+          <p:nvPr>
+            <p:ph idx="1"/>
+            <p:extLst>
+              <p:ext uri="{D42A27DB-BD31-4B8C-83A1-F6EECF244321}">
+                <p14:modId xmlns:p14="http://schemas.microsoft.com/office/powerpoint/2010/main" val="3437413800"/>
+              </p:ext>
+            </p:extLst>
+          </p:nvPr>
+        </p:nvGraphicFramePr>
+        <p:xfrm>
+          <a:off x="531638" y="2233244"/>
+          <a:ext cx="7697961" cy="2961599"/>
+        </p:xfrm>
+        <a:graphic>
+          <a:graphicData uri="http://schemas.openxmlformats.org/drawingml/2006/table">
+            <a:tbl>
+              <a:tblPr firstRow="1" firstCol="1" bandRow="1">
+                <a:tableStyleId>{5C22544A-7EE6-4342-B048-85BDC9FD1C3A}</a:tableStyleId>
+              </a:tblPr>
+              <a:tblGrid>
+                <a:gridCol w="643195">
+                  <a:extLst>
+                    <a:ext uri="{9D8B030D-6E8A-4147-A177-3AD203B41FA5}">
+                      <a16:colId xmlns:a16="http://schemas.microsoft.com/office/drawing/2014/main" val="3071779085"/>
+                    </a:ext>
+                  </a:extLst>
+                </a:gridCol>
+                <a:gridCol w="1882910">
+                  <a:extLst>
+                    <a:ext uri="{9D8B030D-6E8A-4147-A177-3AD203B41FA5}">
+                      <a16:colId xmlns:a16="http://schemas.microsoft.com/office/drawing/2014/main" val="66996548"/>
+                    </a:ext>
+                  </a:extLst>
+                </a:gridCol>
+                <a:gridCol w="3127721">
+                  <a:extLst>
+                    <a:ext uri="{9D8B030D-6E8A-4147-A177-3AD203B41FA5}">
+                      <a16:colId xmlns:a16="http://schemas.microsoft.com/office/drawing/2014/main" val="4240967042"/>
+                    </a:ext>
+                  </a:extLst>
+                </a:gridCol>
+                <a:gridCol w="2044135">
+                  <a:extLst>
+                    <a:ext uri="{9D8B030D-6E8A-4147-A177-3AD203B41FA5}">
+                      <a16:colId xmlns:a16="http://schemas.microsoft.com/office/drawing/2014/main" val="2519033814"/>
+                    </a:ext>
+                  </a:extLst>
+                </a:gridCol>
+              </a:tblGrid>
+              <a:tr h="504037">
+                <a:tc>
+                  <a:txBody>
+                    <a:bodyPr/>
+                    <a:lstStyle/>
+                    <a:p>
+                      <a:pPr algn="ctr">
+                        <a:spcAft>
+                          <a:spcPts val="0"/>
+                        </a:spcAft>
+                      </a:pPr>
+                      <a:r>
+                        <a:rPr lang="es-ES_tradnl" sz="1800">
+                          <a:effectLst/>
+                        </a:rPr>
+                        <a:t>#</a:t>
+                      </a:r>
+                      <a:endParaRPr lang="es-CL" sz="1800">
+                        <a:solidFill>
+                          <a:srgbClr val="2E74B5"/>
+                        </a:solidFill>
+                        <a:effectLst/>
+                        <a:latin typeface="Times New Roman" panose="02020603050405020304" pitchFamily="18" charset="0"/>
+                        <a:ea typeface="Calibri" panose="020F0502020204030204" pitchFamily="34" charset="0"/>
+                        <a:cs typeface="Times New Roman" panose="02020603050405020304" pitchFamily="18" charset="0"/>
+                      </a:endParaRPr>
+                    </a:p>
+                  </a:txBody>
+                  <a:tcPr marL="68580" marR="68580" marT="0" marB="0"/>
+                </a:tc>
+                <a:tc>
+                  <a:txBody>
+                    <a:bodyPr/>
+                    <a:lstStyle/>
+                    <a:p>
+                      <a:pPr algn="ctr">
+                        <a:spcAft>
+                          <a:spcPts val="0"/>
+                        </a:spcAft>
+                      </a:pPr>
+                      <a:r>
+                        <a:rPr lang="es-ES_tradnl" sz="1800">
+                          <a:effectLst/>
+                        </a:rPr>
+                        <a:t>Entregable</a:t>
+                      </a:r>
+                      <a:endParaRPr lang="es-CL" sz="1800">
+                        <a:solidFill>
+                          <a:srgbClr val="2E74B5"/>
+                        </a:solidFill>
+                        <a:effectLst/>
+                        <a:latin typeface="Times New Roman" panose="02020603050405020304" pitchFamily="18" charset="0"/>
+                        <a:ea typeface="Calibri" panose="020F0502020204030204" pitchFamily="34" charset="0"/>
+                        <a:cs typeface="Times New Roman" panose="02020603050405020304" pitchFamily="18" charset="0"/>
+                      </a:endParaRPr>
+                    </a:p>
+                  </a:txBody>
+                  <a:tcPr marL="68580" marR="68580" marT="0" marB="0"/>
+                </a:tc>
+                <a:tc>
+                  <a:txBody>
+                    <a:bodyPr/>
+                    <a:lstStyle/>
+                    <a:p>
+                      <a:pPr algn="ctr">
+                        <a:spcAft>
+                          <a:spcPts val="0"/>
+                        </a:spcAft>
+                      </a:pPr>
+                      <a:r>
+                        <a:rPr lang="es-ES_tradnl" sz="1800" dirty="0">
+                          <a:effectLst/>
+                        </a:rPr>
+                        <a:t>Descripción</a:t>
+                      </a:r>
+                      <a:endParaRPr lang="es-CL" sz="1800" dirty="0">
+                        <a:solidFill>
+                          <a:srgbClr val="2E74B5"/>
+                        </a:solidFill>
+                        <a:effectLst/>
+                        <a:latin typeface="Times New Roman" panose="02020603050405020304" pitchFamily="18" charset="0"/>
+                        <a:ea typeface="Calibri" panose="020F0502020204030204" pitchFamily="34" charset="0"/>
+                        <a:cs typeface="Times New Roman" panose="02020603050405020304" pitchFamily="18" charset="0"/>
+                      </a:endParaRPr>
+                    </a:p>
+                  </a:txBody>
+                  <a:tcPr marL="68580" marR="68580" marT="0" marB="0"/>
+                </a:tc>
+                <a:tc>
+                  <a:txBody>
+                    <a:bodyPr/>
+                    <a:lstStyle/>
+                    <a:p>
+                      <a:pPr algn="ctr">
+                        <a:spcAft>
+                          <a:spcPts val="0"/>
+                        </a:spcAft>
+                      </a:pPr>
+                      <a:r>
+                        <a:rPr lang="es-ES_tradnl" sz="1800">
+                          <a:effectLst/>
+                        </a:rPr>
+                        <a:t>Responsable(s)</a:t>
+                      </a:r>
+                      <a:endParaRPr lang="es-CL" sz="1800">
+                        <a:solidFill>
+                          <a:srgbClr val="2E74B5"/>
+                        </a:solidFill>
+                        <a:effectLst/>
+                        <a:latin typeface="Times New Roman" panose="02020603050405020304" pitchFamily="18" charset="0"/>
+                        <a:ea typeface="Calibri" panose="020F0502020204030204" pitchFamily="34" charset="0"/>
+                        <a:cs typeface="Times New Roman" panose="02020603050405020304" pitchFamily="18" charset="0"/>
+                      </a:endParaRPr>
+                    </a:p>
+                  </a:txBody>
+                  <a:tcPr marL="68580" marR="68580" marT="0" marB="0"/>
+                </a:tc>
+                <a:extLst>
+                  <a:ext uri="{0D108BD9-81ED-4DB2-BD59-A6C34878D82A}">
+                    <a16:rowId xmlns:a16="http://schemas.microsoft.com/office/drawing/2014/main" val="3273117480"/>
+                  </a:ext>
+                </a:extLst>
+              </a:tr>
+              <a:tr h="1532959">
+                <a:tc>
+                  <a:txBody>
+                    <a:bodyPr/>
+                    <a:lstStyle/>
+                    <a:p>
+                      <a:pPr>
+                        <a:spcAft>
+                          <a:spcPts val="0"/>
+                        </a:spcAft>
+                      </a:pPr>
+                      <a:r>
+                        <a:rPr lang="es-ES_tradnl" sz="1800" b="1">
+                          <a:solidFill>
+                            <a:schemeClr val="tx1"/>
+                          </a:solidFill>
+                          <a:effectLst/>
+                          <a:latin typeface="Calibri" panose="020F0502020204030204" pitchFamily="34" charset="0"/>
+                          <a:ea typeface="Calibri" panose="020F0502020204030204" pitchFamily="34" charset="0"/>
+                          <a:cs typeface="Times New Roman" panose="02020603050405020304" pitchFamily="18" charset="0"/>
+                        </a:rPr>
+                        <a:t>016</a:t>
+                      </a:r>
+                      <a:endParaRPr lang="es-CL" sz="1800" b="1">
+                        <a:solidFill>
+                          <a:schemeClr val="tx1"/>
+                        </a:solidFill>
+                        <a:effectLst/>
+                        <a:latin typeface="Calibri" panose="020F0502020204030204" pitchFamily="34" charset="0"/>
+                        <a:ea typeface="Calibri" panose="020F0502020204030204" pitchFamily="34" charset="0"/>
+                        <a:cs typeface="Times New Roman" panose="02020603050405020304" pitchFamily="18" charset="0"/>
+                      </a:endParaRPr>
+                    </a:p>
+                  </a:txBody>
+                  <a:tcPr marL="68580" marR="68580" marT="0" marB="0"/>
+                </a:tc>
+                <a:tc>
+                  <a:txBody>
+                    <a:bodyPr/>
+                    <a:lstStyle/>
+                    <a:p>
+                      <a:pPr>
+                        <a:spcAft>
+                          <a:spcPts val="0"/>
+                        </a:spcAft>
+                      </a:pPr>
+                      <a:r>
+                        <a:rPr lang="es-ES_tradnl" sz="1800" b="0">
+                          <a:solidFill>
+                            <a:schemeClr val="bg1"/>
+                          </a:solidFill>
+                          <a:effectLst/>
+                          <a:latin typeface="Calibri" panose="020F0502020204030204" pitchFamily="34" charset="0"/>
+                          <a:ea typeface="Calibri" panose="020F0502020204030204" pitchFamily="34" charset="0"/>
+                          <a:cs typeface="Times New Roman" panose="02020603050405020304" pitchFamily="18" charset="0"/>
+                        </a:rPr>
+                        <a:t>Distribución de recursos humanos</a:t>
+                      </a:r>
+                      <a:endParaRPr lang="es-CL" sz="1800" b="0">
+                        <a:solidFill>
+                          <a:schemeClr val="bg1"/>
+                        </a:solidFill>
+                        <a:effectLst/>
+                        <a:latin typeface="Calibri" panose="020F0502020204030204" pitchFamily="34" charset="0"/>
+                        <a:ea typeface="Calibri" panose="020F0502020204030204" pitchFamily="34" charset="0"/>
+                        <a:cs typeface="Times New Roman" panose="02020603050405020304" pitchFamily="18" charset="0"/>
+                      </a:endParaRPr>
+                    </a:p>
+                  </a:txBody>
+                  <a:tcPr marL="68580" marR="68580" marT="0" marB="0"/>
+                </a:tc>
+                <a:tc>
+                  <a:txBody>
+                    <a:bodyPr/>
+                    <a:lstStyle/>
+                    <a:p>
+                      <a:pPr>
+                        <a:spcAft>
+                          <a:spcPts val="0"/>
+                        </a:spcAft>
+                      </a:pPr>
+                      <a:r>
+                        <a:rPr lang="es-ES_tradnl" sz="1800" b="0">
+                          <a:solidFill>
+                            <a:schemeClr val="bg1"/>
+                          </a:solidFill>
+                          <a:effectLst/>
+                          <a:latin typeface="Calibri" panose="020F0502020204030204" pitchFamily="34" charset="0"/>
+                          <a:ea typeface="Calibri" panose="020F0502020204030204" pitchFamily="34" charset="0"/>
+                          <a:cs typeface="Calibri" panose="020F0502020204030204" pitchFamily="34" charset="0"/>
+                        </a:rPr>
+                        <a:t>Estimación  de  la  asignación  de  recursos  humanos  a  las  distintas  Líneas  de trabajo a través de la duración del proyecto.</a:t>
+                      </a:r>
+                      <a:endParaRPr lang="es-CL" sz="1800" b="0">
+                        <a:solidFill>
+                          <a:schemeClr val="bg1"/>
+                        </a:solidFill>
+                        <a:effectLst/>
+                        <a:latin typeface="Calibri" panose="020F0502020204030204" pitchFamily="34" charset="0"/>
+                        <a:ea typeface="Calibri" panose="020F0502020204030204" pitchFamily="34" charset="0"/>
+                        <a:cs typeface="Times New Roman" panose="02020603050405020304" pitchFamily="18" charset="0"/>
+                      </a:endParaRPr>
+                    </a:p>
+                  </a:txBody>
+                  <a:tcPr marL="68580" marR="68580" marT="0" marB="0"/>
+                </a:tc>
+                <a:tc>
+                  <a:txBody>
+                    <a:bodyPr/>
+                    <a:lstStyle/>
+                    <a:p>
+                      <a:pPr>
+                        <a:spcAft>
+                          <a:spcPts val="0"/>
+                        </a:spcAft>
+                      </a:pPr>
+                      <a:r>
+                        <a:rPr lang="es-ES_tradnl" sz="1800" b="0">
+                          <a:solidFill>
+                            <a:schemeClr val="bg1"/>
+                          </a:solidFill>
+                          <a:effectLst/>
+                          <a:latin typeface="Calibri" panose="020F0502020204030204" pitchFamily="34" charset="0"/>
+                          <a:ea typeface="Calibri" panose="020F0502020204030204" pitchFamily="34" charset="0"/>
+                          <a:cs typeface="Times New Roman" panose="02020603050405020304" pitchFamily="18" charset="0"/>
+                        </a:rPr>
+                        <a:t>Fabián Jaque</a:t>
+                      </a:r>
+                      <a:endParaRPr lang="es-CL" sz="1800" b="0">
+                        <a:solidFill>
+                          <a:schemeClr val="bg1"/>
+                        </a:solidFill>
+                        <a:effectLst/>
+                        <a:latin typeface="Calibri" panose="020F0502020204030204" pitchFamily="34" charset="0"/>
+                        <a:ea typeface="Calibri" panose="020F0502020204030204" pitchFamily="34" charset="0"/>
+                        <a:cs typeface="Times New Roman" panose="02020603050405020304" pitchFamily="18" charset="0"/>
+                      </a:endParaRPr>
+                    </a:p>
+                  </a:txBody>
+                  <a:tcPr marL="68580" marR="68580" marT="0" marB="0"/>
+                </a:tc>
+                <a:extLst>
+                  <a:ext uri="{0D108BD9-81ED-4DB2-BD59-A6C34878D82A}">
+                    <a16:rowId xmlns:a16="http://schemas.microsoft.com/office/drawing/2014/main" val="4189845903"/>
+                  </a:ext>
+                </a:extLst>
+              </a:tr>
+              <a:tr h="924603">
+                <a:tc>
+                  <a:txBody>
+                    <a:bodyPr/>
+                    <a:lstStyle/>
+                    <a:p>
+                      <a:pPr>
+                        <a:spcAft>
+                          <a:spcPts val="0"/>
+                        </a:spcAft>
+                      </a:pPr>
+                      <a:r>
+                        <a:rPr lang="es-ES_tradnl" sz="1800" b="1" dirty="0">
+                          <a:solidFill>
+                            <a:schemeClr val="tx1"/>
+                          </a:solidFill>
+                          <a:effectLst/>
+                          <a:latin typeface="Calibri" panose="020F0502020204030204" pitchFamily="34" charset="0"/>
+                          <a:ea typeface="Calibri" panose="020F0502020204030204" pitchFamily="34" charset="0"/>
+                          <a:cs typeface="Times New Roman" panose="02020603050405020304" pitchFamily="18" charset="0"/>
+                        </a:rPr>
+                        <a:t>017</a:t>
+                      </a:r>
+                      <a:endParaRPr lang="es-CL" sz="1800" b="1" dirty="0">
+                        <a:solidFill>
+                          <a:schemeClr val="tx1"/>
+                        </a:solidFill>
+                        <a:effectLst/>
+                        <a:latin typeface="Calibri" panose="020F0502020204030204" pitchFamily="34" charset="0"/>
+                        <a:ea typeface="Calibri" panose="020F0502020204030204" pitchFamily="34" charset="0"/>
+                        <a:cs typeface="Times New Roman" panose="02020603050405020304" pitchFamily="18" charset="0"/>
+                      </a:endParaRPr>
+                    </a:p>
+                  </a:txBody>
+                  <a:tcPr marL="68580" marR="68580" marT="0" marB="0"/>
+                </a:tc>
+                <a:tc>
+                  <a:txBody>
+                    <a:bodyPr/>
+                    <a:lstStyle/>
+                    <a:p>
+                      <a:pPr>
+                        <a:spcAft>
+                          <a:spcPts val="0"/>
+                        </a:spcAft>
+                      </a:pPr>
+                      <a:r>
+                        <a:rPr lang="es-ES_tradnl" sz="1800" b="0" dirty="0">
+                          <a:solidFill>
+                            <a:schemeClr val="bg1"/>
+                          </a:solidFill>
+                          <a:effectLst/>
+                          <a:latin typeface="Calibri" panose="020F0502020204030204" pitchFamily="34" charset="0"/>
+                          <a:ea typeface="Calibri" panose="020F0502020204030204" pitchFamily="34" charset="0"/>
+                          <a:cs typeface="Times New Roman" panose="02020603050405020304" pitchFamily="18" charset="0"/>
+                        </a:rPr>
+                        <a:t>Cronograma</a:t>
+                      </a:r>
+                      <a:endParaRPr lang="es-CL" sz="1800" b="0" dirty="0">
+                        <a:solidFill>
+                          <a:schemeClr val="bg1"/>
+                        </a:solidFill>
+                        <a:effectLst/>
+                        <a:latin typeface="Calibri" panose="020F0502020204030204" pitchFamily="34" charset="0"/>
+                        <a:ea typeface="Calibri" panose="020F0502020204030204" pitchFamily="34" charset="0"/>
+                        <a:cs typeface="Times New Roman" panose="02020603050405020304" pitchFamily="18" charset="0"/>
+                      </a:endParaRPr>
+                    </a:p>
+                  </a:txBody>
+                  <a:tcPr marL="68580" marR="68580" marT="0" marB="0"/>
+                </a:tc>
+                <a:tc>
+                  <a:txBody>
+                    <a:bodyPr/>
+                    <a:lstStyle/>
+                    <a:p>
+                      <a:pPr>
+                        <a:spcAft>
+                          <a:spcPts val="0"/>
+                        </a:spcAft>
+                      </a:pPr>
+                      <a:r>
+                        <a:rPr lang="es-ES_tradnl" sz="1800" b="0">
+                          <a:solidFill>
+                            <a:schemeClr val="bg1"/>
+                          </a:solidFill>
+                          <a:effectLst/>
+                          <a:latin typeface="Calibri" panose="020F0502020204030204" pitchFamily="34" charset="0"/>
+                          <a:ea typeface="Calibri" panose="020F0502020204030204" pitchFamily="34" charset="0"/>
+                          <a:cs typeface="Calibri" panose="020F0502020204030204" pitchFamily="34" charset="0"/>
+                        </a:rPr>
+                        <a:t>Cronograma   para   las   distintas   actividades   del   proyecto.</a:t>
+                      </a:r>
+                      <a:endParaRPr lang="es-CL" sz="1800" b="0">
+                        <a:solidFill>
+                          <a:schemeClr val="bg1"/>
+                        </a:solidFill>
+                        <a:effectLst/>
+                        <a:latin typeface="Calibri" panose="020F0502020204030204" pitchFamily="34" charset="0"/>
+                        <a:ea typeface="Calibri" panose="020F0502020204030204" pitchFamily="34" charset="0"/>
+                        <a:cs typeface="Times New Roman" panose="02020603050405020304" pitchFamily="18" charset="0"/>
+                      </a:endParaRPr>
+                    </a:p>
+                  </a:txBody>
+                  <a:tcPr marL="68580" marR="68580" marT="0" marB="0"/>
+                </a:tc>
+                <a:tc>
+                  <a:txBody>
+                    <a:bodyPr/>
+                    <a:lstStyle/>
+                    <a:p>
+                      <a:pPr>
+                        <a:spcAft>
+                          <a:spcPts val="0"/>
+                        </a:spcAft>
+                      </a:pPr>
+                      <a:r>
+                        <a:rPr lang="es-ES_tradnl" sz="1800" b="0" dirty="0">
+                          <a:solidFill>
+                            <a:schemeClr val="bg1"/>
+                          </a:solidFill>
+                          <a:effectLst/>
+                          <a:latin typeface="Calibri" panose="020F0502020204030204" pitchFamily="34" charset="0"/>
+                          <a:ea typeface="Calibri" panose="020F0502020204030204" pitchFamily="34" charset="0"/>
+                          <a:cs typeface="Times New Roman" panose="02020603050405020304" pitchFamily="18" charset="0"/>
+                        </a:rPr>
+                        <a:t>Tomás Muñiz, Fabián Jaque</a:t>
+                      </a:r>
+                      <a:endParaRPr lang="es-CL" sz="1800" b="0" dirty="0">
+                        <a:solidFill>
+                          <a:schemeClr val="bg1"/>
+                        </a:solidFill>
+                        <a:effectLst/>
+                        <a:latin typeface="Calibri" panose="020F0502020204030204" pitchFamily="34" charset="0"/>
+                        <a:ea typeface="Calibri" panose="020F0502020204030204" pitchFamily="34" charset="0"/>
+                        <a:cs typeface="Times New Roman" panose="02020603050405020304" pitchFamily="18" charset="0"/>
+                      </a:endParaRPr>
+                    </a:p>
+                  </a:txBody>
+                  <a:tcPr marL="68580" marR="68580" marT="0" marB="0"/>
+                </a:tc>
+                <a:extLst>
+                  <a:ext uri="{0D108BD9-81ED-4DB2-BD59-A6C34878D82A}">
+                    <a16:rowId xmlns:a16="http://schemas.microsoft.com/office/drawing/2014/main" val="967622194"/>
+                  </a:ext>
+                </a:extLst>
+              </a:tr>
+            </a:tbl>
+          </a:graphicData>
+        </a:graphic>
+      </p:graphicFrame>
+      <p:pic>
+        <p:nvPicPr>
+          <p:cNvPr id="2050" name="Picture 2" descr="Resultado de imagen para duoc"/>
+          <p:cNvPicPr>
+            <a:picLocks noChangeAspect="1" noChangeArrowheads="1"/>
+          </p:cNvPicPr>
+          <p:nvPr/>
+        </p:nvPicPr>
+        <p:blipFill>
+          <a:blip r:embed="rId2">
+            <a:extLst>
+              <a:ext uri="{28A0092B-C50C-407E-A947-70E740481C1C}">
+                <a14:useLocalDpi xmlns:a14="http://schemas.microsoft.com/office/drawing/2010/main" val="0"/>
+              </a:ext>
+            </a:extLst>
+          </a:blip>
+          <a:srcRect/>
+          <a:stretch>
+            <a:fillRect/>
+          </a:stretch>
+        </p:blipFill>
+        <p:spPr bwMode="auto">
+          <a:xfrm>
+            <a:off x="7770945" y="599455"/>
+            <a:ext cx="1373055" cy="307545"/>
+          </a:xfrm>
+          <a:prstGeom prst="rect">
+            <a:avLst/>
+          </a:prstGeom>
+          <a:noFill/>
+          <a:extLst>
+            <a:ext uri="{909E8E84-426E-40DD-AFC4-6F175D3DCCD1}">
+              <a14:hiddenFill xmlns:a14="http://schemas.microsoft.com/office/drawing/2010/main">
+                <a:solidFill>
+                  <a:srgbClr val="FFFFFF"/>
+                </a:solidFill>
+              </a14:hiddenFill>
+            </a:ext>
+          </a:extLst>
+        </p:spPr>
+      </p:pic>
+      <p:sp>
+        <p:nvSpPr>
+          <p:cNvPr id="5" name="Slide Number Placeholder 4"/>
+          <p:cNvSpPr>
+            <a:spLocks noGrp="1"/>
+          </p:cNvSpPr>
+          <p:nvPr>
+            <p:ph type="sldNum" sz="quarter" idx="12"/>
+          </p:nvPr>
+        </p:nvSpPr>
+        <p:spPr/>
+        <p:txBody>
+          <a:bodyPr/>
+          <a:lstStyle/>
+          <a:p>
+            <a:pPr algn="ctr"/>
+            <a:fld id="{82B5D99C-3243-4CCA-89CF-846763E29181}" type="slidenum">
+              <a:rPr lang="es-CL" smtClean="0"/>
+              <a:pPr algn="ctr"/>
+              <a:t>17</a:t>
+            </a:fld>
+            <a:endParaRPr lang="es-CL" dirty="0"/>
+          </a:p>
+        </p:txBody>
+      </p:sp>
+    </p:spTree>
+    <p:extLst>
+      <p:ext uri="{BB962C8B-B14F-4D97-AF65-F5344CB8AC3E}">
+        <p14:creationId xmlns:p14="http://schemas.microsoft.com/office/powerpoint/2010/main" val="3613969638"/>
+      </p:ext>
+    </p:extLst>
+  </p:cSld>
+  <p:clrMapOvr>
+    <a:masterClrMapping/>
+  </p:clrMapOvr>
+</p:sld>
+</file>
+
+<file path=ppt/slides/slide18.xml><?xml version="1.0" encoding="utf-8"?>
+<p:sld xmlns:a="http://schemas.openxmlformats.org/drawingml/2006/main" xmlns:r="http://schemas.openxmlformats.org/officeDocument/2006/relationships" xmlns:p="http://schemas.openxmlformats.org/presentationml/2006/main">
+  <p:cSld>
+    <p:spTree>
+      <p:nvGrpSpPr>
+        <p:cNvPr id="1" name=""/>
+        <p:cNvGrpSpPr/>
+        <p:nvPr/>
+      </p:nvGrpSpPr>
+      <p:grpSpPr>
+        <a:xfrm>
+          <a:off x="0" y="0"/>
+          <a:ext cx="0" cy="0"/>
+          <a:chOff x="0" y="0"/>
+          <a:chExt cx="0" cy="0"/>
+        </a:xfrm>
+      </p:grpSpPr>
+      <p:sp>
+        <p:nvSpPr>
+          <p:cNvPr id="2" name="Title 1"/>
+          <p:cNvSpPr>
+            <a:spLocks noGrp="1"/>
+          </p:cNvSpPr>
+          <p:nvPr>
+            <p:ph type="title"/>
+          </p:nvPr>
+        </p:nvSpPr>
+        <p:spPr/>
+        <p:txBody>
+          <a:bodyPr/>
+          <a:lstStyle/>
+          <a:p>
+            <a:endParaRPr lang="es-CL" dirty="0"/>
+          </a:p>
+        </p:txBody>
+      </p:sp>
+      <p:sp>
+        <p:nvSpPr>
+          <p:cNvPr id="3" name="Content Placeholder 2"/>
+          <p:cNvSpPr>
+            <a:spLocks noGrp="1"/>
+          </p:cNvSpPr>
+          <p:nvPr>
+            <p:ph idx="1"/>
+          </p:nvPr>
+        </p:nvSpPr>
+        <p:spPr/>
+        <p:txBody>
+          <a:bodyPr/>
+          <a:lstStyle/>
+          <a:p>
+            <a:endParaRPr lang="es-CL" dirty="0">
+              <a:latin typeface="Calibri" panose="020F0502020204030204" pitchFamily="34" charset="0"/>
+            </a:endParaRPr>
+          </a:p>
+        </p:txBody>
+      </p:sp>
+      <p:pic>
+        <p:nvPicPr>
+          <p:cNvPr id="2050" name="Picture 2" descr="Resultado de imagen para duoc"/>
+          <p:cNvPicPr>
+            <a:picLocks noChangeAspect="1" noChangeArrowheads="1"/>
+          </p:cNvPicPr>
+          <p:nvPr/>
+        </p:nvPicPr>
+        <p:blipFill>
+          <a:blip r:embed="rId2">
+            <a:extLst>
+              <a:ext uri="{28A0092B-C50C-407E-A947-70E740481C1C}">
+                <a14:useLocalDpi xmlns:a14="http://schemas.microsoft.com/office/drawing/2010/main" val="0"/>
+              </a:ext>
+            </a:extLst>
+          </a:blip>
+          <a:srcRect/>
+          <a:stretch>
+            <a:fillRect/>
+          </a:stretch>
+        </p:blipFill>
+        <p:spPr bwMode="auto">
+          <a:xfrm>
+            <a:off x="7770945" y="599455"/>
+            <a:ext cx="1373055" cy="307545"/>
+          </a:xfrm>
+          <a:prstGeom prst="rect">
+            <a:avLst/>
+          </a:prstGeom>
+          <a:noFill/>
+          <a:extLst>
+            <a:ext uri="{909E8E84-426E-40DD-AFC4-6F175D3DCCD1}">
+              <a14:hiddenFill xmlns:a14="http://schemas.microsoft.com/office/drawing/2010/main">
+                <a:solidFill>
+                  <a:srgbClr val="FFFFFF"/>
+                </a:solidFill>
+              </a14:hiddenFill>
+            </a:ext>
+          </a:extLst>
+        </p:spPr>
+      </p:pic>
+      <p:sp>
+        <p:nvSpPr>
+          <p:cNvPr id="5" name="Slide Number Placeholder 4"/>
+          <p:cNvSpPr>
+            <a:spLocks noGrp="1"/>
+          </p:cNvSpPr>
+          <p:nvPr>
+            <p:ph type="sldNum" sz="quarter" idx="12"/>
+          </p:nvPr>
+        </p:nvSpPr>
+        <p:spPr/>
+        <p:txBody>
+          <a:bodyPr/>
+          <a:lstStyle/>
+          <a:p>
+            <a:pPr algn="ctr"/>
+            <a:fld id="{82B5D99C-3243-4CCA-89CF-846763E29181}" type="slidenum">
+              <a:rPr lang="es-CL" smtClean="0"/>
+              <a:pPr algn="ctr"/>
+              <a:t>18</a:t>
+            </a:fld>
+            <a:endParaRPr lang="es-CL" dirty="0"/>
+          </a:p>
+        </p:txBody>
+      </p:sp>
+    </p:spTree>
+    <p:extLst>
+      <p:ext uri="{BB962C8B-B14F-4D97-AF65-F5344CB8AC3E}">
+        <p14:creationId xmlns:p14="http://schemas.microsoft.com/office/powerpoint/2010/main" val="2667253172"/>
       </p:ext>
     </p:extLst>
   </p:cSld>

--- a/docs/plan-de-proyecto/ppt-iteracion1.pptx
+++ b/docs/plan-de-proyecto/ppt-iteracion1.pptx
@@ -5,7 +5,7 @@
     <p:sldMasterId id="2147483732" r:id="rId1"/>
   </p:sldMasterIdLst>
   <p:notesMasterIdLst>
-    <p:notesMasterId r:id="rId20"/>
+    <p:notesMasterId r:id="rId51"/>
   </p:notesMasterIdLst>
   <p:sldIdLst>
     <p:sldId id="256" r:id="rId2"/>
@@ -26,6 +26,37 @@
     <p:sldId id="274" r:id="rId17"/>
     <p:sldId id="275" r:id="rId18"/>
     <p:sldId id="269" r:id="rId19"/>
+    <p:sldId id="276" r:id="rId20"/>
+    <p:sldId id="279" r:id="rId21"/>
+    <p:sldId id="280" r:id="rId22"/>
+    <p:sldId id="281" r:id="rId23"/>
+    <p:sldId id="282" r:id="rId24"/>
+    <p:sldId id="283" r:id="rId25"/>
+    <p:sldId id="284" r:id="rId26"/>
+    <p:sldId id="285" r:id="rId27"/>
+    <p:sldId id="286" r:id="rId28"/>
+    <p:sldId id="287" r:id="rId29"/>
+    <p:sldId id="288" r:id="rId30"/>
+    <p:sldId id="289" r:id="rId31"/>
+    <p:sldId id="290" r:id="rId32"/>
+    <p:sldId id="291" r:id="rId33"/>
+    <p:sldId id="292" r:id="rId34"/>
+    <p:sldId id="293" r:id="rId35"/>
+    <p:sldId id="294" r:id="rId36"/>
+    <p:sldId id="295" r:id="rId37"/>
+    <p:sldId id="296" r:id="rId38"/>
+    <p:sldId id="297" r:id="rId39"/>
+    <p:sldId id="298" r:id="rId40"/>
+    <p:sldId id="307" r:id="rId41"/>
+    <p:sldId id="299" r:id="rId42"/>
+    <p:sldId id="300" r:id="rId43"/>
+    <p:sldId id="301" r:id="rId44"/>
+    <p:sldId id="302" r:id="rId45"/>
+    <p:sldId id="303" r:id="rId46"/>
+    <p:sldId id="304" r:id="rId47"/>
+    <p:sldId id="305" r:id="rId48"/>
+    <p:sldId id="306" r:id="rId49"/>
+    <p:sldId id="278" r:id="rId50"/>
   </p:sldIdLst>
   <p:sldSz cx="9144000" cy="6858000" type="screen4x3"/>
   <p:notesSz cx="6858000" cy="9144000"/>
@@ -7799,7 +7830,7 @@
           </a:prstGeom>
           <a:extLst>
             <a:ext uri="{909E8E84-426E-40dd-AFC4-6F175D3DCCD1}">
-              <a14:hiddenFill xmlns:a14="http://schemas.microsoft.com/office/drawing/2010/main" xmlns="">
+              <a14:hiddenFill xmlns="" xmlns:a14="http://schemas.microsoft.com/office/drawing/2010/main">
                 <a:solidFill>
                   <a:srgbClr val="FFFFFF"/>
                 </a:solidFill>
@@ -13269,7 +13300,10 @@
           <a:bodyPr/>
           <a:lstStyle/>
           <a:p>
-            <a:endParaRPr lang="es-CL" dirty="0"/>
+            <a:r>
+              <a:rPr lang="es-CL" dirty="0"/>
+              <a:t>ERS Y WEA</a:t>
+            </a:r>
           </a:p>
         </p:txBody>
       </p:sp>
@@ -13373,7 +13407,7 @@
 </p:sld>
 </file>
 
-<file path=ppt/slides/slide2.xml><?xml version="1.0" encoding="utf-8"?>
+<file path=ppt/slides/slide19.xml><?xml version="1.0" encoding="utf-8"?>
 <p:sld xmlns:a="http://schemas.openxmlformats.org/drawingml/2006/main" xmlns:r="http://schemas.openxmlformats.org/officeDocument/2006/relationships" xmlns:p="http://schemas.openxmlformats.org/presentationml/2006/main">
   <p:cSld>
     <p:spTree>
@@ -13406,48 +13440,40 @@
           <a:lstStyle/>
           <a:p>
             <a:r>
-              <a:rPr lang="es-CL" dirty="0"/>
-              <a:t>Contenido</a:t>
-            </a:r>
-          </a:p>
-        </p:txBody>
-      </p:sp>
-      <p:sp>
-        <p:nvSpPr>
-          <p:cNvPr id="3" name="Content Placeholder 2"/>
-          <p:cNvSpPr>
-            <a:spLocks noGrp="1"/>
-          </p:cNvSpPr>
-          <p:nvPr>
-            <p:ph idx="1"/>
-          </p:nvPr>
-        </p:nvSpPr>
-        <p:spPr>
-          <a:xfrm>
-            <a:off x="533400" y="2336873"/>
-            <a:ext cx="6887389" cy="4310112"/>
-          </a:xfrm>
-        </p:spPr>
-        <p:txBody>
-          <a:bodyPr>
-            <a:normAutofit/>
-          </a:bodyPr>
-          <a:lstStyle/>
-          <a:p>
-            <a:r>
               <a:rPr lang="es-CL" dirty="0">
                 <a:latin typeface="Calibri" panose="020F0502020204030204" pitchFamily="34" charset="0"/>
               </a:rPr>
-              <a:t>Descripción del caso</a:t>
-            </a:r>
-          </a:p>
-          <a:p>
-            <a:pPr lvl="1"/>
+              <a:t>Organización del proyecto</a:t>
+            </a:r>
+            <a:endParaRPr lang="es-CL" dirty="0"/>
+          </a:p>
+        </p:txBody>
+      </p:sp>
+      <p:sp>
+        <p:nvSpPr>
+          <p:cNvPr id="3" name="Content Placeholder 2"/>
+          <p:cNvSpPr>
+            <a:spLocks noGrp="1"/>
+          </p:cNvSpPr>
+          <p:nvPr>
+            <p:ph idx="1"/>
+          </p:nvPr>
+        </p:nvSpPr>
+        <p:spPr>
+          <a:xfrm>
+            <a:off x="531639" y="1965812"/>
+            <a:ext cx="6887389" cy="3599316"/>
+          </a:xfrm>
+        </p:spPr>
+        <p:txBody>
+          <a:bodyPr/>
+          <a:lstStyle/>
+          <a:p>
             <a:r>
               <a:rPr lang="es-CL" dirty="0">
                 <a:latin typeface="Calibri" panose="020F0502020204030204" pitchFamily="34" charset="0"/>
               </a:rPr>
-              <a:t>Descripción de empresa</a:t>
+              <a:t>Modelo de procesos</a:t>
             </a:r>
           </a:p>
           <a:p>
@@ -13456,75 +13482,7 @@
               <a:rPr lang="es-CL" dirty="0">
                 <a:latin typeface="Calibri" panose="020F0502020204030204" pitchFamily="34" charset="0"/>
               </a:rPr>
-              <a:t>Descripción modelo de negocios</a:t>
-            </a:r>
-          </a:p>
-          <a:p>
-            <a:pPr lvl="1"/>
-            <a:r>
-              <a:rPr lang="es-CL" dirty="0">
-                <a:latin typeface="Calibri" panose="020F0502020204030204" pitchFamily="34" charset="0"/>
-              </a:rPr>
-              <a:t>Descripción del problema</a:t>
-            </a:r>
-          </a:p>
-          <a:p>
-            <a:pPr marL="0" indent="0">
-              <a:buNone/>
-            </a:pPr>
-            <a:endParaRPr lang="es-CL" dirty="0">
-              <a:latin typeface="Calibri" panose="020F0502020204030204" pitchFamily="34" charset="0"/>
-            </a:endParaRPr>
-          </a:p>
-          <a:p>
-            <a:r>
-              <a:rPr lang="es-CL" dirty="0">
-                <a:latin typeface="Calibri" panose="020F0502020204030204" pitchFamily="34" charset="0"/>
-              </a:rPr>
-              <a:t>Alcance</a:t>
-            </a:r>
-          </a:p>
-          <a:p>
-            <a:pPr lvl="1"/>
-            <a:r>
-              <a:rPr lang="es-CL" dirty="0">
-                <a:latin typeface="Calibri" panose="020F0502020204030204" pitchFamily="34" charset="0"/>
-              </a:rPr>
-              <a:t>Objetivos</a:t>
-            </a:r>
-          </a:p>
-          <a:p>
-            <a:pPr lvl="1"/>
-            <a:r>
-              <a:rPr lang="es-CL" dirty="0">
-                <a:latin typeface="Calibri" panose="020F0502020204030204" pitchFamily="34" charset="0"/>
-              </a:rPr>
-              <a:t>Descripción del proyecto</a:t>
-            </a:r>
-          </a:p>
-          <a:p>
-            <a:pPr lvl="1"/>
-            <a:r>
-              <a:rPr lang="es-CL" dirty="0">
-                <a:latin typeface="Calibri" panose="020F0502020204030204" pitchFamily="34" charset="0"/>
-              </a:rPr>
-              <a:t>Descripción del producto</a:t>
-            </a:r>
-          </a:p>
-          <a:p>
-            <a:pPr marL="457200" lvl="1" indent="0">
-              <a:buNone/>
-            </a:pPr>
-            <a:endParaRPr lang="es-CL" dirty="0">
-              <a:latin typeface="Calibri" panose="020F0502020204030204" pitchFamily="34" charset="0"/>
-            </a:endParaRPr>
-          </a:p>
-          <a:p>
-            <a:r>
-              <a:rPr lang="es-CL" dirty="0">
-                <a:latin typeface="Calibri" panose="020F0502020204030204" pitchFamily="34" charset="0"/>
-              </a:rPr>
-              <a:t>Entregables</a:t>
+              <a:t>Procesos vigentes</a:t>
             </a:r>
           </a:p>
         </p:txBody>
@@ -13589,16 +13547,38 @@
             <a:fld id="{82B5D99C-3243-4CCA-89CF-846763E29181}" type="slidenum">
               <a:rPr lang="es-CL" smtClean="0"/>
               <a:pPr algn="ctr"/>
-              <a:t>2</a:t>
+              <a:t>19</a:t>
             </a:fld>
             <a:endParaRPr lang="es-CL" dirty="0"/>
           </a:p>
         </p:txBody>
       </p:sp>
+      <p:pic>
+        <p:nvPicPr>
+          <p:cNvPr id="6" name="Imagen 9856"/>
+          <p:cNvPicPr/>
+          <p:nvPr/>
+        </p:nvPicPr>
+        <p:blipFill>
+          <a:blip r:embed="rId3"/>
+          <a:stretch>
+            <a:fillRect/>
+          </a:stretch>
+        </p:blipFill>
+        <p:spPr>
+          <a:xfrm>
+            <a:off x="0" y="2676525"/>
+            <a:ext cx="9144000" cy="4181475"/>
+          </a:xfrm>
+          <a:prstGeom prst="rect">
+            <a:avLst/>
+          </a:prstGeom>
+        </p:spPr>
+      </p:pic>
     </p:spTree>
     <p:extLst>
       <p:ext uri="{BB962C8B-B14F-4D97-AF65-F5344CB8AC3E}">
-        <p14:creationId xmlns:p14="http://schemas.microsoft.com/office/powerpoint/2010/main" val="3860496622"/>
+        <p14:creationId xmlns:p14="http://schemas.microsoft.com/office/powerpoint/2010/main" val="3812256238"/>
       </p:ext>
     </p:extLst>
   </p:cSld>
@@ -13608,7 +13588,7 @@
 </p:sld>
 </file>
 
-<file path=ppt/slides/slide3.xml><?xml version="1.0" encoding="utf-8"?>
+<file path=ppt/slides/slide2.xml><?xml version="1.0" encoding="utf-8"?>
 <p:sld xmlns:a="http://schemas.openxmlformats.org/drawingml/2006/main" xmlns:r="http://schemas.openxmlformats.org/officeDocument/2006/relationships" xmlns:p="http://schemas.openxmlformats.org/presentationml/2006/main">
   <p:cSld>
     <p:spTree>
@@ -13642,7 +13622,7 @@
           <a:p>
             <a:r>
               <a:rPr lang="es-CL" dirty="0"/>
-              <a:t>Contenidos</a:t>
+              <a:t>Contenido</a:t>
             </a:r>
           </a:p>
         </p:txBody>
@@ -13657,32 +13637,41 @@
             <p:ph idx="1"/>
           </p:nvPr>
         </p:nvSpPr>
-        <p:spPr/>
-        <p:txBody>
-          <a:bodyPr/>
+        <p:spPr>
+          <a:xfrm>
+            <a:off x="533400" y="2336873"/>
+            <a:ext cx="6887389" cy="4310112"/>
+          </a:xfrm>
+        </p:spPr>
+        <p:txBody>
+          <a:bodyPr>
+            <a:normAutofit/>
+          </a:bodyPr>
           <a:lstStyle/>
           <a:p>
             <a:r>
               <a:rPr lang="es-CL" dirty="0">
                 <a:latin typeface="Calibri" panose="020F0502020204030204" pitchFamily="34" charset="0"/>
               </a:rPr>
-              <a:t>Especificación de Requerimientos de SW (ERS)</a:t>
-            </a:r>
-          </a:p>
-          <a:p>
+              <a:t>Descripción del caso</a:t>
+            </a:r>
+          </a:p>
+          <a:p>
+            <a:pPr lvl="1"/>
             <a:r>
               <a:rPr lang="es-CL" dirty="0">
                 <a:latin typeface="Calibri" panose="020F0502020204030204" pitchFamily="34" charset="0"/>
               </a:rPr>
-              <a:t>Organización del proyecto</a:t>
-            </a:r>
-          </a:p>
-          <a:p>
+              <a:t>Descripción de empresa</a:t>
+            </a:r>
+          </a:p>
+          <a:p>
+            <a:pPr lvl="1"/>
             <a:r>
               <a:rPr lang="es-CL" dirty="0">
                 <a:latin typeface="Calibri" panose="020F0502020204030204" pitchFamily="34" charset="0"/>
               </a:rPr>
-              <a:t>Modelo de procesos</a:t>
+              <a:t>Descripción modelo de negocios</a:t>
             </a:r>
           </a:p>
           <a:p>
@@ -13691,40 +13680,50 @@
               <a:rPr lang="es-CL" dirty="0">
                 <a:latin typeface="Calibri" panose="020F0502020204030204" pitchFamily="34" charset="0"/>
               </a:rPr>
-              <a:t>Procesos vigentes</a:t>
-            </a:r>
-          </a:p>
-          <a:p>
-            <a:pPr lvl="1"/>
+              <a:t>Descripción del problema</a:t>
+            </a:r>
+          </a:p>
+          <a:p>
             <a:r>
               <a:rPr lang="es-CL" dirty="0">
                 <a:latin typeface="Calibri" panose="020F0502020204030204" pitchFamily="34" charset="0"/>
               </a:rPr>
-              <a:t>Procesos propuestos</a:t>
-            </a:r>
-          </a:p>
-          <a:p>
+              <a:t>Alcance</a:t>
+            </a:r>
+          </a:p>
+          <a:p>
+            <a:pPr lvl="1"/>
             <a:r>
               <a:rPr lang="es-CL" dirty="0">
                 <a:latin typeface="Calibri" panose="020F0502020204030204" pitchFamily="34" charset="0"/>
               </a:rPr>
-              <a:t>Estructura organizacional</a:t>
-            </a:r>
-          </a:p>
-          <a:p>
+              <a:t>Objetivos</a:t>
+            </a:r>
+          </a:p>
+          <a:p>
+            <a:pPr lvl="1"/>
             <a:r>
               <a:rPr lang="es-CL" dirty="0">
                 <a:latin typeface="Calibri" panose="020F0502020204030204" pitchFamily="34" charset="0"/>
               </a:rPr>
-              <a:t>Interfaces e Interacciones</a:t>
-            </a:r>
-          </a:p>
-          <a:p>
+              <a:t>Descripción del proyecto</a:t>
+            </a:r>
+          </a:p>
+          <a:p>
+            <a:pPr lvl="1"/>
             <a:r>
               <a:rPr lang="es-CL" dirty="0">
                 <a:latin typeface="Calibri" panose="020F0502020204030204" pitchFamily="34" charset="0"/>
               </a:rPr>
-              <a:t>Responsables</a:t>
+              <a:t>Descripción del producto</a:t>
+            </a:r>
+          </a:p>
+          <a:p>
+            <a:r>
+              <a:rPr lang="es-CL" dirty="0">
+                <a:latin typeface="Calibri" panose="020F0502020204030204" pitchFamily="34" charset="0"/>
+              </a:rPr>
+              <a:t>Entregables</a:t>
             </a:r>
           </a:p>
         </p:txBody>
@@ -13789,7 +13788,7 @@
             <a:fld id="{82B5D99C-3243-4CCA-89CF-846763E29181}" type="slidenum">
               <a:rPr lang="es-CL" smtClean="0"/>
               <a:pPr algn="ctr"/>
-              <a:t>3</a:t>
+              <a:t>2</a:t>
             </a:fld>
             <a:endParaRPr lang="es-CL" dirty="0"/>
           </a:p>
@@ -13798,7 +13797,7 @@
     </p:spTree>
     <p:extLst>
       <p:ext uri="{BB962C8B-B14F-4D97-AF65-F5344CB8AC3E}">
-        <p14:creationId xmlns:p14="http://schemas.microsoft.com/office/powerpoint/2010/main" val="504158896"/>
+        <p14:creationId xmlns:p14="http://schemas.microsoft.com/office/powerpoint/2010/main" val="3860496622"/>
       </p:ext>
     </p:extLst>
   </p:cSld>
@@ -13808,7 +13807,7 @@
 </p:sld>
 </file>
 
-<file path=ppt/slides/slide4.xml><?xml version="1.0" encoding="utf-8"?>
+<file path=ppt/slides/slide20.xml><?xml version="1.0" encoding="utf-8"?>
 <p:sld xmlns:a="http://schemas.openxmlformats.org/drawingml/2006/main" xmlns:r="http://schemas.openxmlformats.org/officeDocument/2006/relationships" xmlns:p="http://schemas.openxmlformats.org/presentationml/2006/main">
   <p:cSld>
     <p:spTree>
@@ -13841,41 +13840,40 @@
           <a:lstStyle/>
           <a:p>
             <a:r>
-              <a:rPr lang="es-CL" dirty="0"/>
-              <a:t>Contenidos</a:t>
-            </a:r>
-          </a:p>
-        </p:txBody>
-      </p:sp>
-      <p:sp>
-        <p:nvSpPr>
-          <p:cNvPr id="3" name="Content Placeholder 2"/>
-          <p:cNvSpPr>
-            <a:spLocks noGrp="1"/>
-          </p:cNvSpPr>
-          <p:nvPr>
-            <p:ph idx="1"/>
-          </p:nvPr>
-        </p:nvSpPr>
-        <p:spPr/>
-        <p:txBody>
-          <a:bodyPr/>
-          <a:lstStyle/>
-          <a:p>
-            <a:r>
               <a:rPr lang="es-CL" dirty="0">
                 <a:latin typeface="Calibri" panose="020F0502020204030204" pitchFamily="34" charset="0"/>
               </a:rPr>
-              <a:t>Procesos de gestión</a:t>
-            </a:r>
-          </a:p>
-          <a:p>
-            <a:pPr lvl="1"/>
+              <a:t>Organización del proyecto</a:t>
+            </a:r>
+            <a:endParaRPr lang="es-CL" dirty="0"/>
+          </a:p>
+        </p:txBody>
+      </p:sp>
+      <p:sp>
+        <p:nvSpPr>
+          <p:cNvPr id="3" name="Content Placeholder 2"/>
+          <p:cNvSpPr>
+            <a:spLocks noGrp="1"/>
+          </p:cNvSpPr>
+          <p:nvPr>
+            <p:ph idx="1"/>
+          </p:nvPr>
+        </p:nvSpPr>
+        <p:spPr>
+          <a:xfrm>
+            <a:off x="531639" y="1963285"/>
+            <a:ext cx="6887389" cy="3599316"/>
+          </a:xfrm>
+        </p:spPr>
+        <p:txBody>
+          <a:bodyPr/>
+          <a:lstStyle/>
+          <a:p>
             <a:r>
               <a:rPr lang="es-CL" dirty="0">
                 <a:latin typeface="Calibri" panose="020F0502020204030204" pitchFamily="34" charset="0"/>
               </a:rPr>
-              <a:t>Condiciones asumidas, dependencias y restricciones</a:t>
+              <a:t>Modelo de procesos</a:t>
             </a:r>
           </a:p>
           <a:p>
@@ -13884,59 +13882,7 @@
               <a:rPr lang="es-CL" dirty="0">
                 <a:latin typeface="Calibri" panose="020F0502020204030204" pitchFamily="34" charset="0"/>
               </a:rPr>
-              <a:t>Gestión de riesgos</a:t>
-            </a:r>
-          </a:p>
-          <a:p>
-            <a:r>
-              <a:rPr lang="es-CL" dirty="0">
-                <a:latin typeface="Calibri" panose="020F0502020204030204" pitchFamily="34" charset="0"/>
-              </a:rPr>
-              <a:t>Mecanismos de control y ajuste</a:t>
-            </a:r>
-          </a:p>
-          <a:p>
-            <a:pPr lvl="1"/>
-            <a:r>
-              <a:rPr lang="es-CL" dirty="0">
-                <a:latin typeface="Calibri" panose="020F0502020204030204" pitchFamily="34" charset="0"/>
-              </a:rPr>
-              <a:t>Mecanismos para la gestión de calidad</a:t>
-            </a:r>
-          </a:p>
-          <a:p>
-            <a:pPr lvl="1"/>
-            <a:r>
-              <a:rPr lang="es-CL" dirty="0">
-                <a:latin typeface="Calibri" panose="020F0502020204030204" pitchFamily="34" charset="0"/>
-              </a:rPr>
-              <a:t>Mecanismos para la gestión de configuración</a:t>
-            </a:r>
-          </a:p>
-          <a:p>
-            <a:pPr lvl="1"/>
-            <a:r>
-              <a:rPr lang="es-CL" dirty="0">
-                <a:latin typeface="Calibri" panose="020F0502020204030204" pitchFamily="34" charset="0"/>
-              </a:rPr>
-              <a:t>Mecanismos para la verificación</a:t>
-            </a:r>
-          </a:p>
-          <a:p>
-            <a:pPr lvl="1"/>
-            <a:r>
-              <a:rPr lang="es-CL" dirty="0">
-                <a:latin typeface="Calibri" panose="020F0502020204030204" pitchFamily="34" charset="0"/>
-              </a:rPr>
-              <a:t>Mecanismos para la gestión del proyecto</a:t>
-            </a:r>
-          </a:p>
-          <a:p>
-            <a:r>
-              <a:rPr lang="es-CL" dirty="0">
-                <a:latin typeface="Calibri" panose="020F0502020204030204" pitchFamily="34" charset="0"/>
-              </a:rPr>
-              <a:t>Recursos</a:t>
+              <a:t>Procesos vigentes</a:t>
             </a:r>
           </a:p>
         </p:txBody>
@@ -14001,6 +13947,3902 @@
             <a:fld id="{82B5D99C-3243-4CCA-89CF-846763E29181}" type="slidenum">
               <a:rPr lang="es-CL" smtClean="0"/>
               <a:pPr algn="ctr"/>
+              <a:t>20</a:t>
+            </a:fld>
+            <a:endParaRPr lang="es-CL" dirty="0"/>
+          </a:p>
+        </p:txBody>
+      </p:sp>
+      <p:pic>
+        <p:nvPicPr>
+          <p:cNvPr id="6" name="Imagen 9857"/>
+          <p:cNvPicPr/>
+          <p:nvPr/>
+        </p:nvPicPr>
+        <p:blipFill>
+          <a:blip r:embed="rId3"/>
+          <a:stretch>
+            <a:fillRect/>
+          </a:stretch>
+        </p:blipFill>
+        <p:spPr>
+          <a:xfrm>
+            <a:off x="0" y="2700849"/>
+            <a:ext cx="9143999" cy="4329430"/>
+          </a:xfrm>
+          <a:prstGeom prst="rect">
+            <a:avLst/>
+          </a:prstGeom>
+        </p:spPr>
+      </p:pic>
+    </p:spTree>
+    <p:extLst>
+      <p:ext uri="{BB962C8B-B14F-4D97-AF65-F5344CB8AC3E}">
+        <p14:creationId xmlns:p14="http://schemas.microsoft.com/office/powerpoint/2010/main" val="637685255"/>
+      </p:ext>
+    </p:extLst>
+  </p:cSld>
+  <p:clrMapOvr>
+    <a:masterClrMapping/>
+  </p:clrMapOvr>
+</p:sld>
+</file>
+
+<file path=ppt/slides/slide21.xml><?xml version="1.0" encoding="utf-8"?>
+<p:sld xmlns:a="http://schemas.openxmlformats.org/drawingml/2006/main" xmlns:r="http://schemas.openxmlformats.org/officeDocument/2006/relationships" xmlns:p="http://schemas.openxmlformats.org/presentationml/2006/main">
+  <p:cSld>
+    <p:spTree>
+      <p:nvGrpSpPr>
+        <p:cNvPr id="1" name=""/>
+        <p:cNvGrpSpPr/>
+        <p:nvPr/>
+      </p:nvGrpSpPr>
+      <p:grpSpPr>
+        <a:xfrm>
+          <a:off x="0" y="0"/>
+          <a:ext cx="0" cy="0"/>
+          <a:chOff x="0" y="0"/>
+          <a:chExt cx="0" cy="0"/>
+        </a:xfrm>
+      </p:grpSpPr>
+      <p:sp>
+        <p:nvSpPr>
+          <p:cNvPr id="2" name="Title 1"/>
+          <p:cNvSpPr>
+            <a:spLocks noGrp="1"/>
+          </p:cNvSpPr>
+          <p:nvPr>
+            <p:ph type="title"/>
+          </p:nvPr>
+        </p:nvSpPr>
+        <p:spPr/>
+        <p:txBody>
+          <a:bodyPr/>
+          <a:lstStyle/>
+          <a:p>
+            <a:r>
+              <a:rPr lang="es-CL" dirty="0">
+                <a:latin typeface="Calibri" panose="020F0502020204030204" pitchFamily="34" charset="0"/>
+              </a:rPr>
+              <a:t>Organización del proyecto</a:t>
+            </a:r>
+            <a:endParaRPr lang="es-CL" dirty="0"/>
+          </a:p>
+        </p:txBody>
+      </p:sp>
+      <p:sp>
+        <p:nvSpPr>
+          <p:cNvPr id="3" name="Content Placeholder 2"/>
+          <p:cNvSpPr>
+            <a:spLocks noGrp="1"/>
+          </p:cNvSpPr>
+          <p:nvPr>
+            <p:ph idx="1"/>
+          </p:nvPr>
+        </p:nvSpPr>
+        <p:spPr>
+          <a:xfrm>
+            <a:off x="531639" y="1963285"/>
+            <a:ext cx="6887389" cy="3599316"/>
+          </a:xfrm>
+        </p:spPr>
+        <p:txBody>
+          <a:bodyPr/>
+          <a:lstStyle/>
+          <a:p>
+            <a:r>
+              <a:rPr lang="es-CL" dirty="0">
+                <a:latin typeface="Calibri" panose="020F0502020204030204" pitchFamily="34" charset="0"/>
+              </a:rPr>
+              <a:t>Modelo de procesos</a:t>
+            </a:r>
+          </a:p>
+          <a:p>
+            <a:pPr lvl="1"/>
+            <a:r>
+              <a:rPr lang="es-CL" dirty="0">
+                <a:latin typeface="Calibri" panose="020F0502020204030204" pitchFamily="34" charset="0"/>
+              </a:rPr>
+              <a:t>Procesos vigentes</a:t>
+            </a:r>
+          </a:p>
+        </p:txBody>
+      </p:sp>
+      <p:pic>
+        <p:nvPicPr>
+          <p:cNvPr id="2050" name="Picture 2" descr="Resultado de imagen para duoc"/>
+          <p:cNvPicPr>
+            <a:picLocks noChangeAspect="1" noChangeArrowheads="1"/>
+          </p:cNvPicPr>
+          <p:nvPr/>
+        </p:nvPicPr>
+        <p:blipFill>
+          <a:blip r:embed="rId2">
+            <a:extLst>
+              <a:ext uri="{28A0092B-C50C-407E-A947-70E740481C1C}">
+                <a14:useLocalDpi xmlns:a14="http://schemas.microsoft.com/office/drawing/2010/main" val="0"/>
+              </a:ext>
+            </a:extLst>
+          </a:blip>
+          <a:srcRect/>
+          <a:stretch>
+            <a:fillRect/>
+          </a:stretch>
+        </p:blipFill>
+        <p:spPr bwMode="auto">
+          <a:xfrm>
+            <a:off x="7770945" y="599455"/>
+            <a:ext cx="1373055" cy="307545"/>
+          </a:xfrm>
+          <a:prstGeom prst="rect">
+            <a:avLst/>
+          </a:prstGeom>
+          <a:noFill/>
+          <a:extLst>
+            <a:ext uri="{909E8E84-426E-40DD-AFC4-6F175D3DCCD1}">
+              <a14:hiddenFill xmlns:a14="http://schemas.microsoft.com/office/drawing/2010/main">
+                <a:solidFill>
+                  <a:srgbClr val="FFFFFF"/>
+                </a:solidFill>
+              </a14:hiddenFill>
+            </a:ext>
+          </a:extLst>
+        </p:spPr>
+      </p:pic>
+      <p:sp>
+        <p:nvSpPr>
+          <p:cNvPr id="5" name="Slide Number Placeholder 4"/>
+          <p:cNvSpPr>
+            <a:spLocks noGrp="1"/>
+          </p:cNvSpPr>
+          <p:nvPr>
+            <p:ph type="sldNum" sz="quarter" idx="12"/>
+          </p:nvPr>
+        </p:nvSpPr>
+        <p:spPr/>
+        <p:txBody>
+          <a:bodyPr/>
+          <a:lstStyle/>
+          <a:p>
+            <a:pPr algn="ctr"/>
+            <a:fld id="{82B5D99C-3243-4CCA-89CF-846763E29181}" type="slidenum">
+              <a:rPr lang="es-CL" smtClean="0"/>
+              <a:pPr algn="ctr"/>
+              <a:t>21</a:t>
+            </a:fld>
+            <a:endParaRPr lang="es-CL" dirty="0"/>
+          </a:p>
+        </p:txBody>
+      </p:sp>
+      <p:pic>
+        <p:nvPicPr>
+          <p:cNvPr id="7" name="Imagen 9862"/>
+          <p:cNvPicPr/>
+          <p:nvPr/>
+        </p:nvPicPr>
+        <p:blipFill>
+          <a:blip r:embed="rId3"/>
+          <a:stretch>
+            <a:fillRect/>
+          </a:stretch>
+        </p:blipFill>
+        <p:spPr>
+          <a:xfrm>
+            <a:off x="0" y="2729948"/>
+            <a:ext cx="9144000" cy="4128052"/>
+          </a:xfrm>
+          <a:prstGeom prst="rect">
+            <a:avLst/>
+          </a:prstGeom>
+        </p:spPr>
+      </p:pic>
+    </p:spTree>
+    <p:extLst>
+      <p:ext uri="{BB962C8B-B14F-4D97-AF65-F5344CB8AC3E}">
+        <p14:creationId xmlns:p14="http://schemas.microsoft.com/office/powerpoint/2010/main" val="946568137"/>
+      </p:ext>
+    </p:extLst>
+  </p:cSld>
+  <p:clrMapOvr>
+    <a:masterClrMapping/>
+  </p:clrMapOvr>
+</p:sld>
+</file>
+
+<file path=ppt/slides/slide22.xml><?xml version="1.0" encoding="utf-8"?>
+<p:sld xmlns:a="http://schemas.openxmlformats.org/drawingml/2006/main" xmlns:r="http://schemas.openxmlformats.org/officeDocument/2006/relationships" xmlns:p="http://schemas.openxmlformats.org/presentationml/2006/main">
+  <p:cSld>
+    <p:spTree>
+      <p:nvGrpSpPr>
+        <p:cNvPr id="1" name=""/>
+        <p:cNvGrpSpPr/>
+        <p:nvPr/>
+      </p:nvGrpSpPr>
+      <p:grpSpPr>
+        <a:xfrm>
+          <a:off x="0" y="0"/>
+          <a:ext cx="0" cy="0"/>
+          <a:chOff x="0" y="0"/>
+          <a:chExt cx="0" cy="0"/>
+        </a:xfrm>
+      </p:grpSpPr>
+      <p:sp>
+        <p:nvSpPr>
+          <p:cNvPr id="2" name="Title 1"/>
+          <p:cNvSpPr>
+            <a:spLocks noGrp="1"/>
+          </p:cNvSpPr>
+          <p:nvPr>
+            <p:ph type="title"/>
+          </p:nvPr>
+        </p:nvSpPr>
+        <p:spPr/>
+        <p:txBody>
+          <a:bodyPr/>
+          <a:lstStyle/>
+          <a:p>
+            <a:r>
+              <a:rPr lang="es-CL" dirty="0">
+                <a:latin typeface="Calibri" panose="020F0502020204030204" pitchFamily="34" charset="0"/>
+              </a:rPr>
+              <a:t>Organización del proyecto</a:t>
+            </a:r>
+            <a:endParaRPr lang="es-CL" dirty="0"/>
+          </a:p>
+        </p:txBody>
+      </p:sp>
+      <p:sp>
+        <p:nvSpPr>
+          <p:cNvPr id="3" name="Content Placeholder 2"/>
+          <p:cNvSpPr>
+            <a:spLocks noGrp="1"/>
+          </p:cNvSpPr>
+          <p:nvPr>
+            <p:ph idx="1"/>
+          </p:nvPr>
+        </p:nvSpPr>
+        <p:spPr>
+          <a:xfrm>
+            <a:off x="531639" y="1963285"/>
+            <a:ext cx="6887389" cy="3599316"/>
+          </a:xfrm>
+        </p:spPr>
+        <p:txBody>
+          <a:bodyPr/>
+          <a:lstStyle/>
+          <a:p>
+            <a:r>
+              <a:rPr lang="es-CL" dirty="0">
+                <a:latin typeface="Calibri" panose="020F0502020204030204" pitchFamily="34" charset="0"/>
+              </a:rPr>
+              <a:t>Modelo de procesos</a:t>
+            </a:r>
+          </a:p>
+          <a:p>
+            <a:pPr lvl="1"/>
+            <a:r>
+              <a:rPr lang="es-CL" dirty="0">
+                <a:latin typeface="Calibri" panose="020F0502020204030204" pitchFamily="34" charset="0"/>
+              </a:rPr>
+              <a:t>Procesos vigentes</a:t>
+            </a:r>
+          </a:p>
+        </p:txBody>
+      </p:sp>
+      <p:pic>
+        <p:nvPicPr>
+          <p:cNvPr id="2050" name="Picture 2" descr="Resultado de imagen para duoc"/>
+          <p:cNvPicPr>
+            <a:picLocks noChangeAspect="1" noChangeArrowheads="1"/>
+          </p:cNvPicPr>
+          <p:nvPr/>
+        </p:nvPicPr>
+        <p:blipFill>
+          <a:blip r:embed="rId2">
+            <a:extLst>
+              <a:ext uri="{28A0092B-C50C-407E-A947-70E740481C1C}">
+                <a14:useLocalDpi xmlns:a14="http://schemas.microsoft.com/office/drawing/2010/main" val="0"/>
+              </a:ext>
+            </a:extLst>
+          </a:blip>
+          <a:srcRect/>
+          <a:stretch>
+            <a:fillRect/>
+          </a:stretch>
+        </p:blipFill>
+        <p:spPr bwMode="auto">
+          <a:xfrm>
+            <a:off x="7770945" y="599455"/>
+            <a:ext cx="1373055" cy="307545"/>
+          </a:xfrm>
+          <a:prstGeom prst="rect">
+            <a:avLst/>
+          </a:prstGeom>
+          <a:noFill/>
+          <a:extLst>
+            <a:ext uri="{909E8E84-426E-40DD-AFC4-6F175D3DCCD1}">
+              <a14:hiddenFill xmlns:a14="http://schemas.microsoft.com/office/drawing/2010/main">
+                <a:solidFill>
+                  <a:srgbClr val="FFFFFF"/>
+                </a:solidFill>
+              </a14:hiddenFill>
+            </a:ext>
+          </a:extLst>
+        </p:spPr>
+      </p:pic>
+      <p:sp>
+        <p:nvSpPr>
+          <p:cNvPr id="5" name="Slide Number Placeholder 4"/>
+          <p:cNvSpPr>
+            <a:spLocks noGrp="1"/>
+          </p:cNvSpPr>
+          <p:nvPr>
+            <p:ph type="sldNum" sz="quarter" idx="12"/>
+          </p:nvPr>
+        </p:nvSpPr>
+        <p:spPr/>
+        <p:txBody>
+          <a:bodyPr/>
+          <a:lstStyle/>
+          <a:p>
+            <a:pPr algn="ctr"/>
+            <a:fld id="{82B5D99C-3243-4CCA-89CF-846763E29181}" type="slidenum">
+              <a:rPr lang="es-CL" smtClean="0"/>
+              <a:pPr algn="ctr"/>
+              <a:t>22</a:t>
+            </a:fld>
+            <a:endParaRPr lang="es-CL" dirty="0"/>
+          </a:p>
+        </p:txBody>
+      </p:sp>
+      <p:pic>
+        <p:nvPicPr>
+          <p:cNvPr id="7" name="Imagen 9863"/>
+          <p:cNvPicPr/>
+          <p:nvPr/>
+        </p:nvPicPr>
+        <p:blipFill>
+          <a:blip r:embed="rId3"/>
+          <a:stretch>
+            <a:fillRect/>
+          </a:stretch>
+        </p:blipFill>
+        <p:spPr>
+          <a:xfrm>
+            <a:off x="91982" y="2962067"/>
+            <a:ext cx="8914292" cy="3478490"/>
+          </a:xfrm>
+          <a:prstGeom prst="rect">
+            <a:avLst/>
+          </a:prstGeom>
+        </p:spPr>
+      </p:pic>
+    </p:spTree>
+    <p:extLst>
+      <p:ext uri="{BB962C8B-B14F-4D97-AF65-F5344CB8AC3E}">
+        <p14:creationId xmlns:p14="http://schemas.microsoft.com/office/powerpoint/2010/main" val="537835747"/>
+      </p:ext>
+    </p:extLst>
+  </p:cSld>
+  <p:clrMapOvr>
+    <a:masterClrMapping/>
+  </p:clrMapOvr>
+</p:sld>
+</file>
+
+<file path=ppt/slides/slide23.xml><?xml version="1.0" encoding="utf-8"?>
+<p:sld xmlns:a="http://schemas.openxmlformats.org/drawingml/2006/main" xmlns:r="http://schemas.openxmlformats.org/officeDocument/2006/relationships" xmlns:p="http://schemas.openxmlformats.org/presentationml/2006/main">
+  <p:cSld>
+    <p:spTree>
+      <p:nvGrpSpPr>
+        <p:cNvPr id="1" name=""/>
+        <p:cNvGrpSpPr/>
+        <p:nvPr/>
+      </p:nvGrpSpPr>
+      <p:grpSpPr>
+        <a:xfrm>
+          <a:off x="0" y="0"/>
+          <a:ext cx="0" cy="0"/>
+          <a:chOff x="0" y="0"/>
+          <a:chExt cx="0" cy="0"/>
+        </a:xfrm>
+      </p:grpSpPr>
+      <p:sp>
+        <p:nvSpPr>
+          <p:cNvPr id="2" name="Title 1"/>
+          <p:cNvSpPr>
+            <a:spLocks noGrp="1"/>
+          </p:cNvSpPr>
+          <p:nvPr>
+            <p:ph type="title"/>
+          </p:nvPr>
+        </p:nvSpPr>
+        <p:spPr/>
+        <p:txBody>
+          <a:bodyPr/>
+          <a:lstStyle/>
+          <a:p>
+            <a:r>
+              <a:rPr lang="es-CL" dirty="0">
+                <a:latin typeface="Calibri" panose="020F0502020204030204" pitchFamily="34" charset="0"/>
+              </a:rPr>
+              <a:t>Organización del proyecto</a:t>
+            </a:r>
+            <a:endParaRPr lang="es-CL" dirty="0"/>
+          </a:p>
+        </p:txBody>
+      </p:sp>
+      <p:sp>
+        <p:nvSpPr>
+          <p:cNvPr id="3" name="Content Placeholder 2"/>
+          <p:cNvSpPr>
+            <a:spLocks noGrp="1"/>
+          </p:cNvSpPr>
+          <p:nvPr>
+            <p:ph idx="1"/>
+          </p:nvPr>
+        </p:nvSpPr>
+        <p:spPr>
+          <a:xfrm>
+            <a:off x="531639" y="1963285"/>
+            <a:ext cx="6887389" cy="3599316"/>
+          </a:xfrm>
+        </p:spPr>
+        <p:txBody>
+          <a:bodyPr/>
+          <a:lstStyle/>
+          <a:p>
+            <a:r>
+              <a:rPr lang="es-CL" dirty="0">
+                <a:latin typeface="Calibri" panose="020F0502020204030204" pitchFamily="34" charset="0"/>
+              </a:rPr>
+              <a:t>Modelo de procesos</a:t>
+            </a:r>
+          </a:p>
+          <a:p>
+            <a:pPr lvl="1"/>
+            <a:r>
+              <a:rPr lang="es-CL" dirty="0">
+                <a:latin typeface="Calibri" panose="020F0502020204030204" pitchFamily="34" charset="0"/>
+              </a:rPr>
+              <a:t>Procesos vigentes</a:t>
+            </a:r>
+          </a:p>
+        </p:txBody>
+      </p:sp>
+      <p:pic>
+        <p:nvPicPr>
+          <p:cNvPr id="2050" name="Picture 2" descr="Resultado de imagen para duoc"/>
+          <p:cNvPicPr>
+            <a:picLocks noChangeAspect="1" noChangeArrowheads="1"/>
+          </p:cNvPicPr>
+          <p:nvPr/>
+        </p:nvPicPr>
+        <p:blipFill>
+          <a:blip r:embed="rId2">
+            <a:extLst>
+              <a:ext uri="{28A0092B-C50C-407E-A947-70E740481C1C}">
+                <a14:useLocalDpi xmlns:a14="http://schemas.microsoft.com/office/drawing/2010/main" val="0"/>
+              </a:ext>
+            </a:extLst>
+          </a:blip>
+          <a:srcRect/>
+          <a:stretch>
+            <a:fillRect/>
+          </a:stretch>
+        </p:blipFill>
+        <p:spPr bwMode="auto">
+          <a:xfrm>
+            <a:off x="7770945" y="599455"/>
+            <a:ext cx="1373055" cy="307545"/>
+          </a:xfrm>
+          <a:prstGeom prst="rect">
+            <a:avLst/>
+          </a:prstGeom>
+          <a:noFill/>
+          <a:extLst>
+            <a:ext uri="{909E8E84-426E-40DD-AFC4-6F175D3DCCD1}">
+              <a14:hiddenFill xmlns:a14="http://schemas.microsoft.com/office/drawing/2010/main">
+                <a:solidFill>
+                  <a:srgbClr val="FFFFFF"/>
+                </a:solidFill>
+              </a14:hiddenFill>
+            </a:ext>
+          </a:extLst>
+        </p:spPr>
+      </p:pic>
+      <p:sp>
+        <p:nvSpPr>
+          <p:cNvPr id="5" name="Slide Number Placeholder 4"/>
+          <p:cNvSpPr>
+            <a:spLocks noGrp="1"/>
+          </p:cNvSpPr>
+          <p:nvPr>
+            <p:ph type="sldNum" sz="quarter" idx="12"/>
+          </p:nvPr>
+        </p:nvSpPr>
+        <p:spPr/>
+        <p:txBody>
+          <a:bodyPr/>
+          <a:lstStyle/>
+          <a:p>
+            <a:pPr algn="ctr"/>
+            <a:fld id="{82B5D99C-3243-4CCA-89CF-846763E29181}" type="slidenum">
+              <a:rPr lang="es-CL" smtClean="0"/>
+              <a:pPr algn="ctr"/>
+              <a:t>23</a:t>
+            </a:fld>
+            <a:endParaRPr lang="es-CL" dirty="0"/>
+          </a:p>
+        </p:txBody>
+      </p:sp>
+      <p:pic>
+        <p:nvPicPr>
+          <p:cNvPr id="8" name="Imagen 9864"/>
+          <p:cNvPicPr/>
+          <p:nvPr/>
+        </p:nvPicPr>
+        <p:blipFill>
+          <a:blip r:embed="rId3"/>
+          <a:stretch>
+            <a:fillRect/>
+          </a:stretch>
+        </p:blipFill>
+        <p:spPr>
+          <a:xfrm>
+            <a:off x="1" y="2928730"/>
+            <a:ext cx="9144000" cy="3929270"/>
+          </a:xfrm>
+          <a:prstGeom prst="rect">
+            <a:avLst/>
+          </a:prstGeom>
+        </p:spPr>
+      </p:pic>
+    </p:spTree>
+    <p:extLst>
+      <p:ext uri="{BB962C8B-B14F-4D97-AF65-F5344CB8AC3E}">
+        <p14:creationId xmlns:p14="http://schemas.microsoft.com/office/powerpoint/2010/main" val="918960127"/>
+      </p:ext>
+    </p:extLst>
+  </p:cSld>
+  <p:clrMapOvr>
+    <a:masterClrMapping/>
+  </p:clrMapOvr>
+</p:sld>
+</file>
+
+<file path=ppt/slides/slide24.xml><?xml version="1.0" encoding="utf-8"?>
+<p:sld xmlns:a="http://schemas.openxmlformats.org/drawingml/2006/main" xmlns:r="http://schemas.openxmlformats.org/officeDocument/2006/relationships" xmlns:p="http://schemas.openxmlformats.org/presentationml/2006/main">
+  <p:cSld>
+    <p:spTree>
+      <p:nvGrpSpPr>
+        <p:cNvPr id="1" name=""/>
+        <p:cNvGrpSpPr/>
+        <p:nvPr/>
+      </p:nvGrpSpPr>
+      <p:grpSpPr>
+        <a:xfrm>
+          <a:off x="0" y="0"/>
+          <a:ext cx="0" cy="0"/>
+          <a:chOff x="0" y="0"/>
+          <a:chExt cx="0" cy="0"/>
+        </a:xfrm>
+      </p:grpSpPr>
+      <p:sp>
+        <p:nvSpPr>
+          <p:cNvPr id="2" name="Title 1"/>
+          <p:cNvSpPr>
+            <a:spLocks noGrp="1"/>
+          </p:cNvSpPr>
+          <p:nvPr>
+            <p:ph type="title"/>
+          </p:nvPr>
+        </p:nvSpPr>
+        <p:spPr/>
+        <p:txBody>
+          <a:bodyPr/>
+          <a:lstStyle/>
+          <a:p>
+            <a:r>
+              <a:rPr lang="es-CL" dirty="0">
+                <a:latin typeface="Calibri" panose="020F0502020204030204" pitchFamily="34" charset="0"/>
+              </a:rPr>
+              <a:t>Organización del proyecto</a:t>
+            </a:r>
+            <a:endParaRPr lang="es-CL" dirty="0"/>
+          </a:p>
+        </p:txBody>
+      </p:sp>
+      <p:sp>
+        <p:nvSpPr>
+          <p:cNvPr id="3" name="Content Placeholder 2"/>
+          <p:cNvSpPr>
+            <a:spLocks noGrp="1"/>
+          </p:cNvSpPr>
+          <p:nvPr>
+            <p:ph idx="1"/>
+          </p:nvPr>
+        </p:nvSpPr>
+        <p:spPr>
+          <a:xfrm>
+            <a:off x="531639" y="1963285"/>
+            <a:ext cx="6887389" cy="3599316"/>
+          </a:xfrm>
+        </p:spPr>
+        <p:txBody>
+          <a:bodyPr/>
+          <a:lstStyle/>
+          <a:p>
+            <a:r>
+              <a:rPr lang="es-CL" dirty="0">
+                <a:latin typeface="Calibri" panose="020F0502020204030204" pitchFamily="34" charset="0"/>
+              </a:rPr>
+              <a:t>Modelo de procesos</a:t>
+            </a:r>
+          </a:p>
+          <a:p>
+            <a:pPr lvl="1"/>
+            <a:r>
+              <a:rPr lang="es-CL" dirty="0">
+                <a:latin typeface="Calibri" panose="020F0502020204030204" pitchFamily="34" charset="0"/>
+              </a:rPr>
+              <a:t>Procesos vigentes</a:t>
+            </a:r>
+          </a:p>
+        </p:txBody>
+      </p:sp>
+      <p:pic>
+        <p:nvPicPr>
+          <p:cNvPr id="2050" name="Picture 2" descr="Resultado de imagen para duoc"/>
+          <p:cNvPicPr>
+            <a:picLocks noChangeAspect="1" noChangeArrowheads="1"/>
+          </p:cNvPicPr>
+          <p:nvPr/>
+        </p:nvPicPr>
+        <p:blipFill>
+          <a:blip r:embed="rId2">
+            <a:extLst>
+              <a:ext uri="{28A0092B-C50C-407E-A947-70E740481C1C}">
+                <a14:useLocalDpi xmlns:a14="http://schemas.microsoft.com/office/drawing/2010/main" val="0"/>
+              </a:ext>
+            </a:extLst>
+          </a:blip>
+          <a:srcRect/>
+          <a:stretch>
+            <a:fillRect/>
+          </a:stretch>
+        </p:blipFill>
+        <p:spPr bwMode="auto">
+          <a:xfrm>
+            <a:off x="7770945" y="599455"/>
+            <a:ext cx="1373055" cy="307545"/>
+          </a:xfrm>
+          <a:prstGeom prst="rect">
+            <a:avLst/>
+          </a:prstGeom>
+          <a:noFill/>
+          <a:extLst>
+            <a:ext uri="{909E8E84-426E-40DD-AFC4-6F175D3DCCD1}">
+              <a14:hiddenFill xmlns:a14="http://schemas.microsoft.com/office/drawing/2010/main">
+                <a:solidFill>
+                  <a:srgbClr val="FFFFFF"/>
+                </a:solidFill>
+              </a14:hiddenFill>
+            </a:ext>
+          </a:extLst>
+        </p:spPr>
+      </p:pic>
+      <p:sp>
+        <p:nvSpPr>
+          <p:cNvPr id="5" name="Slide Number Placeholder 4"/>
+          <p:cNvSpPr>
+            <a:spLocks noGrp="1"/>
+          </p:cNvSpPr>
+          <p:nvPr>
+            <p:ph type="sldNum" sz="quarter" idx="12"/>
+          </p:nvPr>
+        </p:nvSpPr>
+        <p:spPr/>
+        <p:txBody>
+          <a:bodyPr/>
+          <a:lstStyle/>
+          <a:p>
+            <a:pPr algn="ctr"/>
+            <a:fld id="{82B5D99C-3243-4CCA-89CF-846763E29181}" type="slidenum">
+              <a:rPr lang="es-CL" smtClean="0"/>
+              <a:pPr algn="ctr"/>
+              <a:t>24</a:t>
+            </a:fld>
+            <a:endParaRPr lang="es-CL" dirty="0"/>
+          </a:p>
+        </p:txBody>
+      </p:sp>
+      <p:pic>
+        <p:nvPicPr>
+          <p:cNvPr id="6" name="Imagen 9865"/>
+          <p:cNvPicPr/>
+          <p:nvPr/>
+        </p:nvPicPr>
+        <p:blipFill>
+          <a:blip r:embed="rId3"/>
+          <a:stretch>
+            <a:fillRect/>
+          </a:stretch>
+        </p:blipFill>
+        <p:spPr>
+          <a:xfrm>
+            <a:off x="0" y="3087757"/>
+            <a:ext cx="9144000" cy="3783495"/>
+          </a:xfrm>
+          <a:prstGeom prst="rect">
+            <a:avLst/>
+          </a:prstGeom>
+        </p:spPr>
+      </p:pic>
+    </p:spTree>
+    <p:extLst>
+      <p:ext uri="{BB962C8B-B14F-4D97-AF65-F5344CB8AC3E}">
+        <p14:creationId xmlns:p14="http://schemas.microsoft.com/office/powerpoint/2010/main" val="2781839098"/>
+      </p:ext>
+    </p:extLst>
+  </p:cSld>
+  <p:clrMapOvr>
+    <a:masterClrMapping/>
+  </p:clrMapOvr>
+</p:sld>
+</file>
+
+<file path=ppt/slides/slide25.xml><?xml version="1.0" encoding="utf-8"?>
+<p:sld xmlns:a="http://schemas.openxmlformats.org/drawingml/2006/main" xmlns:r="http://schemas.openxmlformats.org/officeDocument/2006/relationships" xmlns:p="http://schemas.openxmlformats.org/presentationml/2006/main">
+  <p:cSld>
+    <p:spTree>
+      <p:nvGrpSpPr>
+        <p:cNvPr id="1" name=""/>
+        <p:cNvGrpSpPr/>
+        <p:nvPr/>
+      </p:nvGrpSpPr>
+      <p:grpSpPr>
+        <a:xfrm>
+          <a:off x="0" y="0"/>
+          <a:ext cx="0" cy="0"/>
+          <a:chOff x="0" y="0"/>
+          <a:chExt cx="0" cy="0"/>
+        </a:xfrm>
+      </p:grpSpPr>
+      <p:sp>
+        <p:nvSpPr>
+          <p:cNvPr id="2" name="Title 1"/>
+          <p:cNvSpPr>
+            <a:spLocks noGrp="1"/>
+          </p:cNvSpPr>
+          <p:nvPr>
+            <p:ph type="title"/>
+          </p:nvPr>
+        </p:nvSpPr>
+        <p:spPr/>
+        <p:txBody>
+          <a:bodyPr/>
+          <a:lstStyle/>
+          <a:p>
+            <a:r>
+              <a:rPr lang="es-CL" dirty="0">
+                <a:latin typeface="Calibri" panose="020F0502020204030204" pitchFamily="34" charset="0"/>
+              </a:rPr>
+              <a:t>Organización del proyecto</a:t>
+            </a:r>
+            <a:endParaRPr lang="es-CL" dirty="0"/>
+          </a:p>
+        </p:txBody>
+      </p:sp>
+      <p:sp>
+        <p:nvSpPr>
+          <p:cNvPr id="3" name="Content Placeholder 2"/>
+          <p:cNvSpPr>
+            <a:spLocks noGrp="1"/>
+          </p:cNvSpPr>
+          <p:nvPr>
+            <p:ph idx="1"/>
+          </p:nvPr>
+        </p:nvSpPr>
+        <p:spPr>
+          <a:xfrm>
+            <a:off x="531639" y="1963285"/>
+            <a:ext cx="6887389" cy="3599316"/>
+          </a:xfrm>
+        </p:spPr>
+        <p:txBody>
+          <a:bodyPr/>
+          <a:lstStyle/>
+          <a:p>
+            <a:r>
+              <a:rPr lang="es-CL" dirty="0">
+                <a:latin typeface="Calibri" panose="020F0502020204030204" pitchFamily="34" charset="0"/>
+              </a:rPr>
+              <a:t>Modelo de procesos</a:t>
+            </a:r>
+          </a:p>
+          <a:p>
+            <a:pPr lvl="1"/>
+            <a:r>
+              <a:rPr lang="es-CL" dirty="0">
+                <a:latin typeface="Calibri" panose="020F0502020204030204" pitchFamily="34" charset="0"/>
+              </a:rPr>
+              <a:t>Procesos vigentes</a:t>
+            </a:r>
+          </a:p>
+        </p:txBody>
+      </p:sp>
+      <p:pic>
+        <p:nvPicPr>
+          <p:cNvPr id="2050" name="Picture 2" descr="Resultado de imagen para duoc"/>
+          <p:cNvPicPr>
+            <a:picLocks noChangeAspect="1" noChangeArrowheads="1"/>
+          </p:cNvPicPr>
+          <p:nvPr/>
+        </p:nvPicPr>
+        <p:blipFill>
+          <a:blip r:embed="rId2">
+            <a:extLst>
+              <a:ext uri="{28A0092B-C50C-407E-A947-70E740481C1C}">
+                <a14:useLocalDpi xmlns:a14="http://schemas.microsoft.com/office/drawing/2010/main" val="0"/>
+              </a:ext>
+            </a:extLst>
+          </a:blip>
+          <a:srcRect/>
+          <a:stretch>
+            <a:fillRect/>
+          </a:stretch>
+        </p:blipFill>
+        <p:spPr bwMode="auto">
+          <a:xfrm>
+            <a:off x="7770945" y="599455"/>
+            <a:ext cx="1373055" cy="307545"/>
+          </a:xfrm>
+          <a:prstGeom prst="rect">
+            <a:avLst/>
+          </a:prstGeom>
+          <a:noFill/>
+          <a:extLst>
+            <a:ext uri="{909E8E84-426E-40DD-AFC4-6F175D3DCCD1}">
+              <a14:hiddenFill xmlns:a14="http://schemas.microsoft.com/office/drawing/2010/main">
+                <a:solidFill>
+                  <a:srgbClr val="FFFFFF"/>
+                </a:solidFill>
+              </a14:hiddenFill>
+            </a:ext>
+          </a:extLst>
+        </p:spPr>
+      </p:pic>
+      <p:sp>
+        <p:nvSpPr>
+          <p:cNvPr id="5" name="Slide Number Placeholder 4"/>
+          <p:cNvSpPr>
+            <a:spLocks noGrp="1"/>
+          </p:cNvSpPr>
+          <p:nvPr>
+            <p:ph type="sldNum" sz="quarter" idx="12"/>
+          </p:nvPr>
+        </p:nvSpPr>
+        <p:spPr/>
+        <p:txBody>
+          <a:bodyPr/>
+          <a:lstStyle/>
+          <a:p>
+            <a:pPr algn="ctr"/>
+            <a:fld id="{82B5D99C-3243-4CCA-89CF-846763E29181}" type="slidenum">
+              <a:rPr lang="es-CL" smtClean="0"/>
+              <a:pPr algn="ctr"/>
+              <a:t>25</a:t>
+            </a:fld>
+            <a:endParaRPr lang="es-CL" dirty="0"/>
+          </a:p>
+        </p:txBody>
+      </p:sp>
+      <p:pic>
+        <p:nvPicPr>
+          <p:cNvPr id="6" name="Imagen 9866"/>
+          <p:cNvPicPr/>
+          <p:nvPr/>
+        </p:nvPicPr>
+        <p:blipFill>
+          <a:blip r:embed="rId3"/>
+          <a:stretch>
+            <a:fillRect/>
+          </a:stretch>
+        </p:blipFill>
+        <p:spPr>
+          <a:xfrm>
+            <a:off x="0" y="2649745"/>
+            <a:ext cx="9144000" cy="4327525"/>
+          </a:xfrm>
+          <a:prstGeom prst="rect">
+            <a:avLst/>
+          </a:prstGeom>
+        </p:spPr>
+      </p:pic>
+    </p:spTree>
+    <p:extLst>
+      <p:ext uri="{BB962C8B-B14F-4D97-AF65-F5344CB8AC3E}">
+        <p14:creationId xmlns:p14="http://schemas.microsoft.com/office/powerpoint/2010/main" val="3234737862"/>
+      </p:ext>
+    </p:extLst>
+  </p:cSld>
+  <p:clrMapOvr>
+    <a:masterClrMapping/>
+  </p:clrMapOvr>
+</p:sld>
+</file>
+
+<file path=ppt/slides/slide26.xml><?xml version="1.0" encoding="utf-8"?>
+<p:sld xmlns:a="http://schemas.openxmlformats.org/drawingml/2006/main" xmlns:r="http://schemas.openxmlformats.org/officeDocument/2006/relationships" xmlns:p="http://schemas.openxmlformats.org/presentationml/2006/main">
+  <p:cSld>
+    <p:spTree>
+      <p:nvGrpSpPr>
+        <p:cNvPr id="1" name=""/>
+        <p:cNvGrpSpPr/>
+        <p:nvPr/>
+      </p:nvGrpSpPr>
+      <p:grpSpPr>
+        <a:xfrm>
+          <a:off x="0" y="0"/>
+          <a:ext cx="0" cy="0"/>
+          <a:chOff x="0" y="0"/>
+          <a:chExt cx="0" cy="0"/>
+        </a:xfrm>
+      </p:grpSpPr>
+      <p:sp>
+        <p:nvSpPr>
+          <p:cNvPr id="2" name="Title 1"/>
+          <p:cNvSpPr>
+            <a:spLocks noGrp="1"/>
+          </p:cNvSpPr>
+          <p:nvPr>
+            <p:ph type="title"/>
+          </p:nvPr>
+        </p:nvSpPr>
+        <p:spPr/>
+        <p:txBody>
+          <a:bodyPr/>
+          <a:lstStyle/>
+          <a:p>
+            <a:r>
+              <a:rPr lang="es-CL" dirty="0">
+                <a:latin typeface="Calibri" panose="020F0502020204030204" pitchFamily="34" charset="0"/>
+              </a:rPr>
+              <a:t>Organización del proyecto</a:t>
+            </a:r>
+            <a:endParaRPr lang="es-CL" dirty="0"/>
+          </a:p>
+        </p:txBody>
+      </p:sp>
+      <p:sp>
+        <p:nvSpPr>
+          <p:cNvPr id="3" name="Content Placeholder 2"/>
+          <p:cNvSpPr>
+            <a:spLocks noGrp="1"/>
+          </p:cNvSpPr>
+          <p:nvPr>
+            <p:ph idx="1"/>
+          </p:nvPr>
+        </p:nvSpPr>
+        <p:spPr>
+          <a:xfrm>
+            <a:off x="531639" y="1963285"/>
+            <a:ext cx="6887389" cy="3599316"/>
+          </a:xfrm>
+        </p:spPr>
+        <p:txBody>
+          <a:bodyPr/>
+          <a:lstStyle/>
+          <a:p>
+            <a:r>
+              <a:rPr lang="es-CL" dirty="0">
+                <a:latin typeface="Calibri" panose="020F0502020204030204" pitchFamily="34" charset="0"/>
+              </a:rPr>
+              <a:t>Modelo de procesos</a:t>
+            </a:r>
+          </a:p>
+          <a:p>
+            <a:pPr lvl="1"/>
+            <a:r>
+              <a:rPr lang="es-CL" dirty="0">
+                <a:latin typeface="Calibri" panose="020F0502020204030204" pitchFamily="34" charset="0"/>
+              </a:rPr>
+              <a:t>Procesos vigentes</a:t>
+            </a:r>
+          </a:p>
+        </p:txBody>
+      </p:sp>
+      <p:pic>
+        <p:nvPicPr>
+          <p:cNvPr id="2050" name="Picture 2" descr="Resultado de imagen para duoc"/>
+          <p:cNvPicPr>
+            <a:picLocks noChangeAspect="1" noChangeArrowheads="1"/>
+          </p:cNvPicPr>
+          <p:nvPr/>
+        </p:nvPicPr>
+        <p:blipFill>
+          <a:blip r:embed="rId2">
+            <a:extLst>
+              <a:ext uri="{28A0092B-C50C-407E-A947-70E740481C1C}">
+                <a14:useLocalDpi xmlns:a14="http://schemas.microsoft.com/office/drawing/2010/main" val="0"/>
+              </a:ext>
+            </a:extLst>
+          </a:blip>
+          <a:srcRect/>
+          <a:stretch>
+            <a:fillRect/>
+          </a:stretch>
+        </p:blipFill>
+        <p:spPr bwMode="auto">
+          <a:xfrm>
+            <a:off x="7770945" y="599455"/>
+            <a:ext cx="1373055" cy="307545"/>
+          </a:xfrm>
+          <a:prstGeom prst="rect">
+            <a:avLst/>
+          </a:prstGeom>
+          <a:noFill/>
+          <a:extLst>
+            <a:ext uri="{909E8E84-426E-40DD-AFC4-6F175D3DCCD1}">
+              <a14:hiddenFill xmlns:a14="http://schemas.microsoft.com/office/drawing/2010/main">
+                <a:solidFill>
+                  <a:srgbClr val="FFFFFF"/>
+                </a:solidFill>
+              </a14:hiddenFill>
+            </a:ext>
+          </a:extLst>
+        </p:spPr>
+      </p:pic>
+      <p:sp>
+        <p:nvSpPr>
+          <p:cNvPr id="5" name="Slide Number Placeholder 4"/>
+          <p:cNvSpPr>
+            <a:spLocks noGrp="1"/>
+          </p:cNvSpPr>
+          <p:nvPr>
+            <p:ph type="sldNum" sz="quarter" idx="12"/>
+          </p:nvPr>
+        </p:nvSpPr>
+        <p:spPr/>
+        <p:txBody>
+          <a:bodyPr/>
+          <a:lstStyle/>
+          <a:p>
+            <a:pPr algn="ctr"/>
+            <a:fld id="{82B5D99C-3243-4CCA-89CF-846763E29181}" type="slidenum">
+              <a:rPr lang="es-CL" smtClean="0"/>
+              <a:pPr algn="ctr"/>
+              <a:t>26</a:t>
+            </a:fld>
+            <a:endParaRPr lang="es-CL" dirty="0"/>
+          </a:p>
+        </p:txBody>
+      </p:sp>
+      <p:pic>
+        <p:nvPicPr>
+          <p:cNvPr id="6" name="Imagen 9867"/>
+          <p:cNvPicPr/>
+          <p:nvPr/>
+        </p:nvPicPr>
+        <p:blipFill>
+          <a:blip r:embed="rId3"/>
+          <a:stretch>
+            <a:fillRect/>
+          </a:stretch>
+        </p:blipFill>
+        <p:spPr>
+          <a:xfrm>
+            <a:off x="0" y="3564835"/>
+            <a:ext cx="9144000" cy="3293165"/>
+          </a:xfrm>
+          <a:prstGeom prst="rect">
+            <a:avLst/>
+          </a:prstGeom>
+        </p:spPr>
+      </p:pic>
+    </p:spTree>
+    <p:extLst>
+      <p:ext uri="{BB962C8B-B14F-4D97-AF65-F5344CB8AC3E}">
+        <p14:creationId xmlns:p14="http://schemas.microsoft.com/office/powerpoint/2010/main" val="3693317751"/>
+      </p:ext>
+    </p:extLst>
+  </p:cSld>
+  <p:clrMapOvr>
+    <a:masterClrMapping/>
+  </p:clrMapOvr>
+</p:sld>
+</file>
+
+<file path=ppt/slides/slide27.xml><?xml version="1.0" encoding="utf-8"?>
+<p:sld xmlns:a="http://schemas.openxmlformats.org/drawingml/2006/main" xmlns:r="http://schemas.openxmlformats.org/officeDocument/2006/relationships" xmlns:p="http://schemas.openxmlformats.org/presentationml/2006/main">
+  <p:cSld>
+    <p:spTree>
+      <p:nvGrpSpPr>
+        <p:cNvPr id="1" name=""/>
+        <p:cNvGrpSpPr/>
+        <p:nvPr/>
+      </p:nvGrpSpPr>
+      <p:grpSpPr>
+        <a:xfrm>
+          <a:off x="0" y="0"/>
+          <a:ext cx="0" cy="0"/>
+          <a:chOff x="0" y="0"/>
+          <a:chExt cx="0" cy="0"/>
+        </a:xfrm>
+      </p:grpSpPr>
+      <p:sp>
+        <p:nvSpPr>
+          <p:cNvPr id="2" name="Title 1"/>
+          <p:cNvSpPr>
+            <a:spLocks noGrp="1"/>
+          </p:cNvSpPr>
+          <p:nvPr>
+            <p:ph type="title"/>
+          </p:nvPr>
+        </p:nvSpPr>
+        <p:spPr/>
+        <p:txBody>
+          <a:bodyPr/>
+          <a:lstStyle/>
+          <a:p>
+            <a:r>
+              <a:rPr lang="es-CL" dirty="0">
+                <a:latin typeface="Calibri" panose="020F0502020204030204" pitchFamily="34" charset="0"/>
+              </a:rPr>
+              <a:t>Organización del proyecto</a:t>
+            </a:r>
+            <a:endParaRPr lang="es-CL" dirty="0"/>
+          </a:p>
+        </p:txBody>
+      </p:sp>
+      <p:sp>
+        <p:nvSpPr>
+          <p:cNvPr id="3" name="Content Placeholder 2"/>
+          <p:cNvSpPr>
+            <a:spLocks noGrp="1"/>
+          </p:cNvSpPr>
+          <p:nvPr>
+            <p:ph idx="1"/>
+          </p:nvPr>
+        </p:nvSpPr>
+        <p:spPr>
+          <a:xfrm>
+            <a:off x="531639" y="1963285"/>
+            <a:ext cx="6887389" cy="3599316"/>
+          </a:xfrm>
+        </p:spPr>
+        <p:txBody>
+          <a:bodyPr/>
+          <a:lstStyle/>
+          <a:p>
+            <a:r>
+              <a:rPr lang="es-CL" dirty="0">
+                <a:latin typeface="Calibri" panose="020F0502020204030204" pitchFamily="34" charset="0"/>
+              </a:rPr>
+              <a:t>Modelo de procesos</a:t>
+            </a:r>
+          </a:p>
+          <a:p>
+            <a:pPr lvl="1"/>
+            <a:r>
+              <a:rPr lang="es-CL" dirty="0">
+                <a:latin typeface="Calibri" panose="020F0502020204030204" pitchFamily="34" charset="0"/>
+              </a:rPr>
+              <a:t>Procesos vigentes</a:t>
+            </a:r>
+          </a:p>
+        </p:txBody>
+      </p:sp>
+      <p:pic>
+        <p:nvPicPr>
+          <p:cNvPr id="2050" name="Picture 2" descr="Resultado de imagen para duoc"/>
+          <p:cNvPicPr>
+            <a:picLocks noChangeAspect="1" noChangeArrowheads="1"/>
+          </p:cNvPicPr>
+          <p:nvPr/>
+        </p:nvPicPr>
+        <p:blipFill>
+          <a:blip r:embed="rId2">
+            <a:extLst>
+              <a:ext uri="{28A0092B-C50C-407E-A947-70E740481C1C}">
+                <a14:useLocalDpi xmlns:a14="http://schemas.microsoft.com/office/drawing/2010/main" val="0"/>
+              </a:ext>
+            </a:extLst>
+          </a:blip>
+          <a:srcRect/>
+          <a:stretch>
+            <a:fillRect/>
+          </a:stretch>
+        </p:blipFill>
+        <p:spPr bwMode="auto">
+          <a:xfrm>
+            <a:off x="7770945" y="599455"/>
+            <a:ext cx="1373055" cy="307545"/>
+          </a:xfrm>
+          <a:prstGeom prst="rect">
+            <a:avLst/>
+          </a:prstGeom>
+          <a:noFill/>
+          <a:extLst>
+            <a:ext uri="{909E8E84-426E-40DD-AFC4-6F175D3DCCD1}">
+              <a14:hiddenFill xmlns:a14="http://schemas.microsoft.com/office/drawing/2010/main">
+                <a:solidFill>
+                  <a:srgbClr val="FFFFFF"/>
+                </a:solidFill>
+              </a14:hiddenFill>
+            </a:ext>
+          </a:extLst>
+        </p:spPr>
+      </p:pic>
+      <p:sp>
+        <p:nvSpPr>
+          <p:cNvPr id="5" name="Slide Number Placeholder 4"/>
+          <p:cNvSpPr>
+            <a:spLocks noGrp="1"/>
+          </p:cNvSpPr>
+          <p:nvPr>
+            <p:ph type="sldNum" sz="quarter" idx="12"/>
+          </p:nvPr>
+        </p:nvSpPr>
+        <p:spPr/>
+        <p:txBody>
+          <a:bodyPr/>
+          <a:lstStyle/>
+          <a:p>
+            <a:pPr algn="ctr"/>
+            <a:fld id="{82B5D99C-3243-4CCA-89CF-846763E29181}" type="slidenum">
+              <a:rPr lang="es-CL" smtClean="0"/>
+              <a:pPr algn="ctr"/>
+              <a:t>27</a:t>
+            </a:fld>
+            <a:endParaRPr lang="es-CL" dirty="0"/>
+          </a:p>
+        </p:txBody>
+      </p:sp>
+      <p:pic>
+        <p:nvPicPr>
+          <p:cNvPr id="6" name="Imagen 9869"/>
+          <p:cNvPicPr/>
+          <p:nvPr/>
+        </p:nvPicPr>
+        <p:blipFill>
+          <a:blip r:embed="rId3"/>
+          <a:stretch>
+            <a:fillRect/>
+          </a:stretch>
+        </p:blipFill>
+        <p:spPr>
+          <a:xfrm>
+            <a:off x="1" y="2647950"/>
+            <a:ext cx="9144000" cy="4210050"/>
+          </a:xfrm>
+          <a:prstGeom prst="rect">
+            <a:avLst/>
+          </a:prstGeom>
+        </p:spPr>
+      </p:pic>
+    </p:spTree>
+    <p:extLst>
+      <p:ext uri="{BB962C8B-B14F-4D97-AF65-F5344CB8AC3E}">
+        <p14:creationId xmlns:p14="http://schemas.microsoft.com/office/powerpoint/2010/main" val="626279016"/>
+      </p:ext>
+    </p:extLst>
+  </p:cSld>
+  <p:clrMapOvr>
+    <a:masterClrMapping/>
+  </p:clrMapOvr>
+</p:sld>
+</file>
+
+<file path=ppt/slides/slide28.xml><?xml version="1.0" encoding="utf-8"?>
+<p:sld xmlns:a="http://schemas.openxmlformats.org/drawingml/2006/main" xmlns:r="http://schemas.openxmlformats.org/officeDocument/2006/relationships" xmlns:p="http://schemas.openxmlformats.org/presentationml/2006/main">
+  <p:cSld>
+    <p:spTree>
+      <p:nvGrpSpPr>
+        <p:cNvPr id="1" name=""/>
+        <p:cNvGrpSpPr/>
+        <p:nvPr/>
+      </p:nvGrpSpPr>
+      <p:grpSpPr>
+        <a:xfrm>
+          <a:off x="0" y="0"/>
+          <a:ext cx="0" cy="0"/>
+          <a:chOff x="0" y="0"/>
+          <a:chExt cx="0" cy="0"/>
+        </a:xfrm>
+      </p:grpSpPr>
+      <p:sp>
+        <p:nvSpPr>
+          <p:cNvPr id="2" name="Title 1"/>
+          <p:cNvSpPr>
+            <a:spLocks noGrp="1"/>
+          </p:cNvSpPr>
+          <p:nvPr>
+            <p:ph type="title"/>
+          </p:nvPr>
+        </p:nvSpPr>
+        <p:spPr/>
+        <p:txBody>
+          <a:bodyPr/>
+          <a:lstStyle/>
+          <a:p>
+            <a:r>
+              <a:rPr lang="es-CL" dirty="0">
+                <a:latin typeface="Calibri" panose="020F0502020204030204" pitchFamily="34" charset="0"/>
+              </a:rPr>
+              <a:t>Organización del proyecto</a:t>
+            </a:r>
+            <a:endParaRPr lang="es-CL" dirty="0"/>
+          </a:p>
+        </p:txBody>
+      </p:sp>
+      <p:sp>
+        <p:nvSpPr>
+          <p:cNvPr id="3" name="Content Placeholder 2"/>
+          <p:cNvSpPr>
+            <a:spLocks noGrp="1"/>
+          </p:cNvSpPr>
+          <p:nvPr>
+            <p:ph idx="1"/>
+          </p:nvPr>
+        </p:nvSpPr>
+        <p:spPr>
+          <a:xfrm>
+            <a:off x="531639" y="1963285"/>
+            <a:ext cx="6887389" cy="3599316"/>
+          </a:xfrm>
+        </p:spPr>
+        <p:txBody>
+          <a:bodyPr/>
+          <a:lstStyle/>
+          <a:p>
+            <a:r>
+              <a:rPr lang="es-CL" dirty="0">
+                <a:latin typeface="Calibri" panose="020F0502020204030204" pitchFamily="34" charset="0"/>
+              </a:rPr>
+              <a:t>Modelo de procesos</a:t>
+            </a:r>
+          </a:p>
+          <a:p>
+            <a:pPr lvl="1"/>
+            <a:r>
+              <a:rPr lang="es-CL" dirty="0">
+                <a:latin typeface="Calibri" panose="020F0502020204030204" pitchFamily="34" charset="0"/>
+              </a:rPr>
+              <a:t>Procesos vigentes</a:t>
+            </a:r>
+          </a:p>
+        </p:txBody>
+      </p:sp>
+      <p:pic>
+        <p:nvPicPr>
+          <p:cNvPr id="2050" name="Picture 2" descr="Resultado de imagen para duoc"/>
+          <p:cNvPicPr>
+            <a:picLocks noChangeAspect="1" noChangeArrowheads="1"/>
+          </p:cNvPicPr>
+          <p:nvPr/>
+        </p:nvPicPr>
+        <p:blipFill>
+          <a:blip r:embed="rId2">
+            <a:extLst>
+              <a:ext uri="{28A0092B-C50C-407E-A947-70E740481C1C}">
+                <a14:useLocalDpi xmlns:a14="http://schemas.microsoft.com/office/drawing/2010/main" val="0"/>
+              </a:ext>
+            </a:extLst>
+          </a:blip>
+          <a:srcRect/>
+          <a:stretch>
+            <a:fillRect/>
+          </a:stretch>
+        </p:blipFill>
+        <p:spPr bwMode="auto">
+          <a:xfrm>
+            <a:off x="7770945" y="599455"/>
+            <a:ext cx="1373055" cy="307545"/>
+          </a:xfrm>
+          <a:prstGeom prst="rect">
+            <a:avLst/>
+          </a:prstGeom>
+          <a:noFill/>
+          <a:extLst>
+            <a:ext uri="{909E8E84-426E-40DD-AFC4-6F175D3DCCD1}">
+              <a14:hiddenFill xmlns:a14="http://schemas.microsoft.com/office/drawing/2010/main">
+                <a:solidFill>
+                  <a:srgbClr val="FFFFFF"/>
+                </a:solidFill>
+              </a14:hiddenFill>
+            </a:ext>
+          </a:extLst>
+        </p:spPr>
+      </p:pic>
+      <p:sp>
+        <p:nvSpPr>
+          <p:cNvPr id="5" name="Slide Number Placeholder 4"/>
+          <p:cNvSpPr>
+            <a:spLocks noGrp="1"/>
+          </p:cNvSpPr>
+          <p:nvPr>
+            <p:ph type="sldNum" sz="quarter" idx="12"/>
+          </p:nvPr>
+        </p:nvSpPr>
+        <p:spPr/>
+        <p:txBody>
+          <a:bodyPr/>
+          <a:lstStyle/>
+          <a:p>
+            <a:pPr algn="ctr"/>
+            <a:fld id="{82B5D99C-3243-4CCA-89CF-846763E29181}" type="slidenum">
+              <a:rPr lang="es-CL" smtClean="0"/>
+              <a:pPr algn="ctr"/>
+              <a:t>28</a:t>
+            </a:fld>
+            <a:endParaRPr lang="es-CL" dirty="0"/>
+          </a:p>
+        </p:txBody>
+      </p:sp>
+      <p:pic>
+        <p:nvPicPr>
+          <p:cNvPr id="6" name="Imagen 9871"/>
+          <p:cNvPicPr/>
+          <p:nvPr/>
+        </p:nvPicPr>
+        <p:blipFill>
+          <a:blip r:embed="rId3">
+            <a:extLst>
+              <a:ext uri="{28A0092B-C50C-407E-A947-70E740481C1C}">
+                <a14:useLocalDpi xmlns:a14="http://schemas.microsoft.com/office/drawing/2010/main" val="0"/>
+              </a:ext>
+            </a:extLst>
+          </a:blip>
+          <a:srcRect/>
+          <a:stretch>
+            <a:fillRect/>
+          </a:stretch>
+        </p:blipFill>
+        <p:spPr bwMode="auto">
+          <a:xfrm>
+            <a:off x="0" y="2680253"/>
+            <a:ext cx="9144000" cy="5410200"/>
+          </a:xfrm>
+          <a:prstGeom prst="rect">
+            <a:avLst/>
+          </a:prstGeom>
+          <a:noFill/>
+          <a:ln>
+            <a:noFill/>
+          </a:ln>
+        </p:spPr>
+      </p:pic>
+    </p:spTree>
+    <p:extLst>
+      <p:ext uri="{BB962C8B-B14F-4D97-AF65-F5344CB8AC3E}">
+        <p14:creationId xmlns:p14="http://schemas.microsoft.com/office/powerpoint/2010/main" val="1128061995"/>
+      </p:ext>
+    </p:extLst>
+  </p:cSld>
+  <p:clrMapOvr>
+    <a:masterClrMapping/>
+  </p:clrMapOvr>
+</p:sld>
+</file>
+
+<file path=ppt/slides/slide29.xml><?xml version="1.0" encoding="utf-8"?>
+<p:sld xmlns:a="http://schemas.openxmlformats.org/drawingml/2006/main" xmlns:r="http://schemas.openxmlformats.org/officeDocument/2006/relationships" xmlns:p="http://schemas.openxmlformats.org/presentationml/2006/main">
+  <p:cSld>
+    <p:spTree>
+      <p:nvGrpSpPr>
+        <p:cNvPr id="1" name=""/>
+        <p:cNvGrpSpPr/>
+        <p:nvPr/>
+      </p:nvGrpSpPr>
+      <p:grpSpPr>
+        <a:xfrm>
+          <a:off x="0" y="0"/>
+          <a:ext cx="0" cy="0"/>
+          <a:chOff x="0" y="0"/>
+          <a:chExt cx="0" cy="0"/>
+        </a:xfrm>
+      </p:grpSpPr>
+      <p:sp>
+        <p:nvSpPr>
+          <p:cNvPr id="2" name="Title 1"/>
+          <p:cNvSpPr>
+            <a:spLocks noGrp="1"/>
+          </p:cNvSpPr>
+          <p:nvPr>
+            <p:ph type="title"/>
+          </p:nvPr>
+        </p:nvSpPr>
+        <p:spPr/>
+        <p:txBody>
+          <a:bodyPr/>
+          <a:lstStyle/>
+          <a:p>
+            <a:r>
+              <a:rPr lang="es-CL" dirty="0">
+                <a:latin typeface="Calibri" panose="020F0502020204030204" pitchFamily="34" charset="0"/>
+              </a:rPr>
+              <a:t>Organización del proyecto</a:t>
+            </a:r>
+            <a:endParaRPr lang="es-CL" dirty="0"/>
+          </a:p>
+        </p:txBody>
+      </p:sp>
+      <p:sp>
+        <p:nvSpPr>
+          <p:cNvPr id="3" name="Content Placeholder 2"/>
+          <p:cNvSpPr>
+            <a:spLocks noGrp="1"/>
+          </p:cNvSpPr>
+          <p:nvPr>
+            <p:ph idx="1"/>
+          </p:nvPr>
+        </p:nvSpPr>
+        <p:spPr>
+          <a:xfrm>
+            <a:off x="531639" y="1963285"/>
+            <a:ext cx="6887389" cy="3599316"/>
+          </a:xfrm>
+        </p:spPr>
+        <p:txBody>
+          <a:bodyPr/>
+          <a:lstStyle/>
+          <a:p>
+            <a:r>
+              <a:rPr lang="es-CL" dirty="0">
+                <a:latin typeface="Calibri" panose="020F0502020204030204" pitchFamily="34" charset="0"/>
+              </a:rPr>
+              <a:t>Modelo de procesos</a:t>
+            </a:r>
+          </a:p>
+          <a:p>
+            <a:pPr lvl="1"/>
+            <a:r>
+              <a:rPr lang="es-CL" dirty="0">
+                <a:latin typeface="Calibri" panose="020F0502020204030204" pitchFamily="34" charset="0"/>
+              </a:rPr>
+              <a:t>Procesos vigentes</a:t>
+            </a:r>
+          </a:p>
+        </p:txBody>
+      </p:sp>
+      <p:pic>
+        <p:nvPicPr>
+          <p:cNvPr id="2050" name="Picture 2" descr="Resultado de imagen para duoc"/>
+          <p:cNvPicPr>
+            <a:picLocks noChangeAspect="1" noChangeArrowheads="1"/>
+          </p:cNvPicPr>
+          <p:nvPr/>
+        </p:nvPicPr>
+        <p:blipFill>
+          <a:blip r:embed="rId2">
+            <a:extLst>
+              <a:ext uri="{28A0092B-C50C-407E-A947-70E740481C1C}">
+                <a14:useLocalDpi xmlns:a14="http://schemas.microsoft.com/office/drawing/2010/main" val="0"/>
+              </a:ext>
+            </a:extLst>
+          </a:blip>
+          <a:srcRect/>
+          <a:stretch>
+            <a:fillRect/>
+          </a:stretch>
+        </p:blipFill>
+        <p:spPr bwMode="auto">
+          <a:xfrm>
+            <a:off x="7770945" y="599455"/>
+            <a:ext cx="1373055" cy="307545"/>
+          </a:xfrm>
+          <a:prstGeom prst="rect">
+            <a:avLst/>
+          </a:prstGeom>
+          <a:noFill/>
+          <a:extLst>
+            <a:ext uri="{909E8E84-426E-40DD-AFC4-6F175D3DCCD1}">
+              <a14:hiddenFill xmlns:a14="http://schemas.microsoft.com/office/drawing/2010/main">
+                <a:solidFill>
+                  <a:srgbClr val="FFFFFF"/>
+                </a:solidFill>
+              </a14:hiddenFill>
+            </a:ext>
+          </a:extLst>
+        </p:spPr>
+      </p:pic>
+      <p:sp>
+        <p:nvSpPr>
+          <p:cNvPr id="5" name="Slide Number Placeholder 4"/>
+          <p:cNvSpPr>
+            <a:spLocks noGrp="1"/>
+          </p:cNvSpPr>
+          <p:nvPr>
+            <p:ph type="sldNum" sz="quarter" idx="12"/>
+          </p:nvPr>
+        </p:nvSpPr>
+        <p:spPr/>
+        <p:txBody>
+          <a:bodyPr/>
+          <a:lstStyle/>
+          <a:p>
+            <a:pPr algn="ctr"/>
+            <a:fld id="{82B5D99C-3243-4CCA-89CF-846763E29181}" type="slidenum">
+              <a:rPr lang="es-CL" smtClean="0"/>
+              <a:pPr algn="ctr"/>
+              <a:t>29</a:t>
+            </a:fld>
+            <a:endParaRPr lang="es-CL" dirty="0"/>
+          </a:p>
+        </p:txBody>
+      </p:sp>
+      <p:pic>
+        <p:nvPicPr>
+          <p:cNvPr id="6" name="Imagen 9872"/>
+          <p:cNvPicPr/>
+          <p:nvPr/>
+        </p:nvPicPr>
+        <p:blipFill>
+          <a:blip r:embed="rId3"/>
+          <a:stretch>
+            <a:fillRect/>
+          </a:stretch>
+        </p:blipFill>
+        <p:spPr>
+          <a:xfrm>
+            <a:off x="0" y="3020060"/>
+            <a:ext cx="9144000" cy="3837940"/>
+          </a:xfrm>
+          <a:prstGeom prst="rect">
+            <a:avLst/>
+          </a:prstGeom>
+        </p:spPr>
+      </p:pic>
+    </p:spTree>
+    <p:extLst>
+      <p:ext uri="{BB962C8B-B14F-4D97-AF65-F5344CB8AC3E}">
+        <p14:creationId xmlns:p14="http://schemas.microsoft.com/office/powerpoint/2010/main" val="2601339549"/>
+      </p:ext>
+    </p:extLst>
+  </p:cSld>
+  <p:clrMapOvr>
+    <a:masterClrMapping/>
+  </p:clrMapOvr>
+</p:sld>
+</file>
+
+<file path=ppt/slides/slide3.xml><?xml version="1.0" encoding="utf-8"?>
+<p:sld xmlns:a="http://schemas.openxmlformats.org/drawingml/2006/main" xmlns:r="http://schemas.openxmlformats.org/officeDocument/2006/relationships" xmlns:p="http://schemas.openxmlformats.org/presentationml/2006/main">
+  <p:cSld>
+    <p:spTree>
+      <p:nvGrpSpPr>
+        <p:cNvPr id="1" name=""/>
+        <p:cNvGrpSpPr/>
+        <p:nvPr/>
+      </p:nvGrpSpPr>
+      <p:grpSpPr>
+        <a:xfrm>
+          <a:off x="0" y="0"/>
+          <a:ext cx="0" cy="0"/>
+          <a:chOff x="0" y="0"/>
+          <a:chExt cx="0" cy="0"/>
+        </a:xfrm>
+      </p:grpSpPr>
+      <p:sp>
+        <p:nvSpPr>
+          <p:cNvPr id="2" name="Title 1"/>
+          <p:cNvSpPr>
+            <a:spLocks noGrp="1"/>
+          </p:cNvSpPr>
+          <p:nvPr>
+            <p:ph type="title"/>
+          </p:nvPr>
+        </p:nvSpPr>
+        <p:spPr/>
+        <p:txBody>
+          <a:bodyPr/>
+          <a:lstStyle/>
+          <a:p>
+            <a:r>
+              <a:rPr lang="es-CL" dirty="0"/>
+              <a:t>Contenidos</a:t>
+            </a:r>
+          </a:p>
+        </p:txBody>
+      </p:sp>
+      <p:sp>
+        <p:nvSpPr>
+          <p:cNvPr id="3" name="Content Placeholder 2"/>
+          <p:cNvSpPr>
+            <a:spLocks noGrp="1"/>
+          </p:cNvSpPr>
+          <p:nvPr>
+            <p:ph idx="1"/>
+          </p:nvPr>
+        </p:nvSpPr>
+        <p:spPr/>
+        <p:txBody>
+          <a:bodyPr/>
+          <a:lstStyle/>
+          <a:p>
+            <a:r>
+              <a:rPr lang="es-CL" dirty="0">
+                <a:latin typeface="Calibri" panose="020F0502020204030204" pitchFamily="34" charset="0"/>
+              </a:rPr>
+              <a:t>Especificación de Requerimientos de SW (ERS)</a:t>
+            </a:r>
+          </a:p>
+          <a:p>
+            <a:r>
+              <a:rPr lang="es-CL" dirty="0">
+                <a:latin typeface="Calibri" panose="020F0502020204030204" pitchFamily="34" charset="0"/>
+              </a:rPr>
+              <a:t>Organización del proyecto</a:t>
+            </a:r>
+          </a:p>
+          <a:p>
+            <a:pPr lvl="1"/>
+            <a:r>
+              <a:rPr lang="es-CL" dirty="0">
+                <a:latin typeface="Calibri" panose="020F0502020204030204" pitchFamily="34" charset="0"/>
+              </a:rPr>
+              <a:t>Modelo de procesos</a:t>
+            </a:r>
+          </a:p>
+          <a:p>
+            <a:pPr lvl="2"/>
+            <a:r>
+              <a:rPr lang="es-CL" dirty="0">
+                <a:latin typeface="Calibri" panose="020F0502020204030204" pitchFamily="34" charset="0"/>
+              </a:rPr>
+              <a:t>Procesos vigentes</a:t>
+            </a:r>
+          </a:p>
+          <a:p>
+            <a:pPr lvl="2"/>
+            <a:r>
+              <a:rPr lang="es-CL" dirty="0">
+                <a:latin typeface="Calibri" panose="020F0502020204030204" pitchFamily="34" charset="0"/>
+              </a:rPr>
+              <a:t>Procesos propuestos</a:t>
+            </a:r>
+          </a:p>
+          <a:p>
+            <a:r>
+              <a:rPr lang="es-CL" dirty="0">
+                <a:latin typeface="Calibri" panose="020F0502020204030204" pitchFamily="34" charset="0"/>
+              </a:rPr>
+              <a:t>Estructura organizacional</a:t>
+            </a:r>
+          </a:p>
+          <a:p>
+            <a:r>
+              <a:rPr lang="es-CL" dirty="0">
+                <a:latin typeface="Calibri" panose="020F0502020204030204" pitchFamily="34" charset="0"/>
+              </a:rPr>
+              <a:t>Interfaces e Interacciones</a:t>
+            </a:r>
+          </a:p>
+          <a:p>
+            <a:r>
+              <a:rPr lang="es-CL" dirty="0">
+                <a:latin typeface="Calibri" panose="020F0502020204030204" pitchFamily="34" charset="0"/>
+              </a:rPr>
+              <a:t>Responsables</a:t>
+            </a:r>
+          </a:p>
+        </p:txBody>
+      </p:sp>
+      <p:pic>
+        <p:nvPicPr>
+          <p:cNvPr id="2050" name="Picture 2" descr="Resultado de imagen para duoc"/>
+          <p:cNvPicPr>
+            <a:picLocks noChangeAspect="1" noChangeArrowheads="1"/>
+          </p:cNvPicPr>
+          <p:nvPr/>
+        </p:nvPicPr>
+        <p:blipFill>
+          <a:blip r:embed="rId2">
+            <a:extLst>
+              <a:ext uri="{28A0092B-C50C-407E-A947-70E740481C1C}">
+                <a14:useLocalDpi xmlns:a14="http://schemas.microsoft.com/office/drawing/2010/main" val="0"/>
+              </a:ext>
+            </a:extLst>
+          </a:blip>
+          <a:srcRect/>
+          <a:stretch>
+            <a:fillRect/>
+          </a:stretch>
+        </p:blipFill>
+        <p:spPr bwMode="auto">
+          <a:xfrm>
+            <a:off x="7770945" y="599455"/>
+            <a:ext cx="1373055" cy="307545"/>
+          </a:xfrm>
+          <a:prstGeom prst="rect">
+            <a:avLst/>
+          </a:prstGeom>
+          <a:noFill/>
+          <a:extLst>
+            <a:ext uri="{909E8E84-426E-40DD-AFC4-6F175D3DCCD1}">
+              <a14:hiddenFill xmlns:a14="http://schemas.microsoft.com/office/drawing/2010/main">
+                <a:solidFill>
+                  <a:srgbClr val="FFFFFF"/>
+                </a:solidFill>
+              </a14:hiddenFill>
+            </a:ext>
+          </a:extLst>
+        </p:spPr>
+      </p:pic>
+      <p:sp>
+        <p:nvSpPr>
+          <p:cNvPr id="5" name="Slide Number Placeholder 4"/>
+          <p:cNvSpPr>
+            <a:spLocks noGrp="1"/>
+          </p:cNvSpPr>
+          <p:nvPr>
+            <p:ph type="sldNum" sz="quarter" idx="12"/>
+          </p:nvPr>
+        </p:nvSpPr>
+        <p:spPr/>
+        <p:txBody>
+          <a:bodyPr/>
+          <a:lstStyle/>
+          <a:p>
+            <a:pPr algn="ctr"/>
+            <a:fld id="{82B5D99C-3243-4CCA-89CF-846763E29181}" type="slidenum">
+              <a:rPr lang="es-CL" smtClean="0"/>
+              <a:pPr algn="ctr"/>
+              <a:t>3</a:t>
+            </a:fld>
+            <a:endParaRPr lang="es-CL" dirty="0"/>
+          </a:p>
+        </p:txBody>
+      </p:sp>
+    </p:spTree>
+    <p:extLst>
+      <p:ext uri="{BB962C8B-B14F-4D97-AF65-F5344CB8AC3E}">
+        <p14:creationId xmlns:p14="http://schemas.microsoft.com/office/powerpoint/2010/main" val="504158896"/>
+      </p:ext>
+    </p:extLst>
+  </p:cSld>
+  <p:clrMapOvr>
+    <a:masterClrMapping/>
+  </p:clrMapOvr>
+</p:sld>
+</file>
+
+<file path=ppt/slides/slide30.xml><?xml version="1.0" encoding="utf-8"?>
+<p:sld xmlns:a="http://schemas.openxmlformats.org/drawingml/2006/main" xmlns:r="http://schemas.openxmlformats.org/officeDocument/2006/relationships" xmlns:p="http://schemas.openxmlformats.org/presentationml/2006/main">
+  <p:cSld>
+    <p:spTree>
+      <p:nvGrpSpPr>
+        <p:cNvPr id="1" name=""/>
+        <p:cNvGrpSpPr/>
+        <p:nvPr/>
+      </p:nvGrpSpPr>
+      <p:grpSpPr>
+        <a:xfrm>
+          <a:off x="0" y="0"/>
+          <a:ext cx="0" cy="0"/>
+          <a:chOff x="0" y="0"/>
+          <a:chExt cx="0" cy="0"/>
+        </a:xfrm>
+      </p:grpSpPr>
+      <p:sp>
+        <p:nvSpPr>
+          <p:cNvPr id="2" name="Title 1"/>
+          <p:cNvSpPr>
+            <a:spLocks noGrp="1"/>
+          </p:cNvSpPr>
+          <p:nvPr>
+            <p:ph type="title"/>
+          </p:nvPr>
+        </p:nvSpPr>
+        <p:spPr/>
+        <p:txBody>
+          <a:bodyPr/>
+          <a:lstStyle/>
+          <a:p>
+            <a:r>
+              <a:rPr lang="es-CL" dirty="0">
+                <a:latin typeface="Calibri" panose="020F0502020204030204" pitchFamily="34" charset="0"/>
+              </a:rPr>
+              <a:t>Organización del proyecto</a:t>
+            </a:r>
+            <a:endParaRPr lang="es-CL" dirty="0"/>
+          </a:p>
+        </p:txBody>
+      </p:sp>
+      <p:sp>
+        <p:nvSpPr>
+          <p:cNvPr id="3" name="Content Placeholder 2"/>
+          <p:cNvSpPr>
+            <a:spLocks noGrp="1"/>
+          </p:cNvSpPr>
+          <p:nvPr>
+            <p:ph idx="1"/>
+          </p:nvPr>
+        </p:nvSpPr>
+        <p:spPr>
+          <a:xfrm>
+            <a:off x="531639" y="1963285"/>
+            <a:ext cx="6887389" cy="3599316"/>
+          </a:xfrm>
+        </p:spPr>
+        <p:txBody>
+          <a:bodyPr/>
+          <a:lstStyle/>
+          <a:p>
+            <a:r>
+              <a:rPr lang="es-CL" dirty="0">
+                <a:latin typeface="Calibri" panose="020F0502020204030204" pitchFamily="34" charset="0"/>
+              </a:rPr>
+              <a:t>Modelo de procesos</a:t>
+            </a:r>
+          </a:p>
+          <a:p>
+            <a:pPr lvl="1"/>
+            <a:r>
+              <a:rPr lang="es-CL" dirty="0">
+                <a:latin typeface="Calibri" panose="020F0502020204030204" pitchFamily="34" charset="0"/>
+              </a:rPr>
+              <a:t>Procesos vigentes</a:t>
+            </a:r>
+          </a:p>
+        </p:txBody>
+      </p:sp>
+      <p:pic>
+        <p:nvPicPr>
+          <p:cNvPr id="2050" name="Picture 2" descr="Resultado de imagen para duoc"/>
+          <p:cNvPicPr>
+            <a:picLocks noChangeAspect="1" noChangeArrowheads="1"/>
+          </p:cNvPicPr>
+          <p:nvPr/>
+        </p:nvPicPr>
+        <p:blipFill>
+          <a:blip r:embed="rId2">
+            <a:extLst>
+              <a:ext uri="{28A0092B-C50C-407E-A947-70E740481C1C}">
+                <a14:useLocalDpi xmlns:a14="http://schemas.microsoft.com/office/drawing/2010/main" val="0"/>
+              </a:ext>
+            </a:extLst>
+          </a:blip>
+          <a:srcRect/>
+          <a:stretch>
+            <a:fillRect/>
+          </a:stretch>
+        </p:blipFill>
+        <p:spPr bwMode="auto">
+          <a:xfrm>
+            <a:off x="7770945" y="599455"/>
+            <a:ext cx="1373055" cy="307545"/>
+          </a:xfrm>
+          <a:prstGeom prst="rect">
+            <a:avLst/>
+          </a:prstGeom>
+          <a:noFill/>
+          <a:extLst>
+            <a:ext uri="{909E8E84-426E-40DD-AFC4-6F175D3DCCD1}">
+              <a14:hiddenFill xmlns:a14="http://schemas.microsoft.com/office/drawing/2010/main">
+                <a:solidFill>
+                  <a:srgbClr val="FFFFFF"/>
+                </a:solidFill>
+              </a14:hiddenFill>
+            </a:ext>
+          </a:extLst>
+        </p:spPr>
+      </p:pic>
+      <p:sp>
+        <p:nvSpPr>
+          <p:cNvPr id="5" name="Slide Number Placeholder 4"/>
+          <p:cNvSpPr>
+            <a:spLocks noGrp="1"/>
+          </p:cNvSpPr>
+          <p:nvPr>
+            <p:ph type="sldNum" sz="quarter" idx="12"/>
+          </p:nvPr>
+        </p:nvSpPr>
+        <p:spPr/>
+        <p:txBody>
+          <a:bodyPr/>
+          <a:lstStyle/>
+          <a:p>
+            <a:pPr algn="ctr"/>
+            <a:fld id="{82B5D99C-3243-4CCA-89CF-846763E29181}" type="slidenum">
+              <a:rPr lang="es-CL" smtClean="0"/>
+              <a:pPr algn="ctr"/>
+              <a:t>30</a:t>
+            </a:fld>
+            <a:endParaRPr lang="es-CL" dirty="0"/>
+          </a:p>
+        </p:txBody>
+      </p:sp>
+      <p:pic>
+        <p:nvPicPr>
+          <p:cNvPr id="6" name="Imagen 9873"/>
+          <p:cNvPicPr/>
+          <p:nvPr/>
+        </p:nvPicPr>
+        <p:blipFill>
+          <a:blip r:embed="rId3"/>
+          <a:stretch>
+            <a:fillRect/>
+          </a:stretch>
+        </p:blipFill>
+        <p:spPr>
+          <a:xfrm>
+            <a:off x="0" y="3366052"/>
+            <a:ext cx="9144000" cy="3491948"/>
+          </a:xfrm>
+          <a:prstGeom prst="rect">
+            <a:avLst/>
+          </a:prstGeom>
+        </p:spPr>
+      </p:pic>
+    </p:spTree>
+    <p:extLst>
+      <p:ext uri="{BB962C8B-B14F-4D97-AF65-F5344CB8AC3E}">
+        <p14:creationId xmlns:p14="http://schemas.microsoft.com/office/powerpoint/2010/main" val="413761157"/>
+      </p:ext>
+    </p:extLst>
+  </p:cSld>
+  <p:clrMapOvr>
+    <a:masterClrMapping/>
+  </p:clrMapOvr>
+</p:sld>
+</file>
+
+<file path=ppt/slides/slide31.xml><?xml version="1.0" encoding="utf-8"?>
+<p:sld xmlns:a="http://schemas.openxmlformats.org/drawingml/2006/main" xmlns:r="http://schemas.openxmlformats.org/officeDocument/2006/relationships" xmlns:p="http://schemas.openxmlformats.org/presentationml/2006/main">
+  <p:cSld>
+    <p:spTree>
+      <p:nvGrpSpPr>
+        <p:cNvPr id="1" name=""/>
+        <p:cNvGrpSpPr/>
+        <p:nvPr/>
+      </p:nvGrpSpPr>
+      <p:grpSpPr>
+        <a:xfrm>
+          <a:off x="0" y="0"/>
+          <a:ext cx="0" cy="0"/>
+          <a:chOff x="0" y="0"/>
+          <a:chExt cx="0" cy="0"/>
+        </a:xfrm>
+      </p:grpSpPr>
+      <p:sp>
+        <p:nvSpPr>
+          <p:cNvPr id="2" name="Title 1"/>
+          <p:cNvSpPr>
+            <a:spLocks noGrp="1"/>
+          </p:cNvSpPr>
+          <p:nvPr>
+            <p:ph type="title"/>
+          </p:nvPr>
+        </p:nvSpPr>
+        <p:spPr/>
+        <p:txBody>
+          <a:bodyPr/>
+          <a:lstStyle/>
+          <a:p>
+            <a:r>
+              <a:rPr lang="es-CL" dirty="0">
+                <a:latin typeface="Calibri" panose="020F0502020204030204" pitchFamily="34" charset="0"/>
+              </a:rPr>
+              <a:t>Organización del proyecto</a:t>
+            </a:r>
+            <a:endParaRPr lang="es-CL" dirty="0"/>
+          </a:p>
+        </p:txBody>
+      </p:sp>
+      <p:sp>
+        <p:nvSpPr>
+          <p:cNvPr id="3" name="Content Placeholder 2"/>
+          <p:cNvSpPr>
+            <a:spLocks noGrp="1"/>
+          </p:cNvSpPr>
+          <p:nvPr>
+            <p:ph idx="1"/>
+          </p:nvPr>
+        </p:nvSpPr>
+        <p:spPr>
+          <a:xfrm>
+            <a:off x="531639" y="1963285"/>
+            <a:ext cx="6887389" cy="3599316"/>
+          </a:xfrm>
+        </p:spPr>
+        <p:txBody>
+          <a:bodyPr/>
+          <a:lstStyle/>
+          <a:p>
+            <a:r>
+              <a:rPr lang="es-CL" dirty="0">
+                <a:latin typeface="Calibri" panose="020F0502020204030204" pitchFamily="34" charset="0"/>
+              </a:rPr>
+              <a:t>Modelo de procesos</a:t>
+            </a:r>
+          </a:p>
+          <a:p>
+            <a:pPr lvl="1"/>
+            <a:r>
+              <a:rPr lang="es-CL" dirty="0">
+                <a:latin typeface="Calibri" panose="020F0502020204030204" pitchFamily="34" charset="0"/>
+              </a:rPr>
+              <a:t>Procesos vigentes</a:t>
+            </a:r>
+          </a:p>
+        </p:txBody>
+      </p:sp>
+      <p:pic>
+        <p:nvPicPr>
+          <p:cNvPr id="2050" name="Picture 2" descr="Resultado de imagen para duoc"/>
+          <p:cNvPicPr>
+            <a:picLocks noChangeAspect="1" noChangeArrowheads="1"/>
+          </p:cNvPicPr>
+          <p:nvPr/>
+        </p:nvPicPr>
+        <p:blipFill>
+          <a:blip r:embed="rId2">
+            <a:extLst>
+              <a:ext uri="{28A0092B-C50C-407E-A947-70E740481C1C}">
+                <a14:useLocalDpi xmlns:a14="http://schemas.microsoft.com/office/drawing/2010/main" val="0"/>
+              </a:ext>
+            </a:extLst>
+          </a:blip>
+          <a:srcRect/>
+          <a:stretch>
+            <a:fillRect/>
+          </a:stretch>
+        </p:blipFill>
+        <p:spPr bwMode="auto">
+          <a:xfrm>
+            <a:off x="7770945" y="599455"/>
+            <a:ext cx="1373055" cy="307545"/>
+          </a:xfrm>
+          <a:prstGeom prst="rect">
+            <a:avLst/>
+          </a:prstGeom>
+          <a:noFill/>
+          <a:extLst>
+            <a:ext uri="{909E8E84-426E-40DD-AFC4-6F175D3DCCD1}">
+              <a14:hiddenFill xmlns:a14="http://schemas.microsoft.com/office/drawing/2010/main">
+                <a:solidFill>
+                  <a:srgbClr val="FFFFFF"/>
+                </a:solidFill>
+              </a14:hiddenFill>
+            </a:ext>
+          </a:extLst>
+        </p:spPr>
+      </p:pic>
+      <p:sp>
+        <p:nvSpPr>
+          <p:cNvPr id="5" name="Slide Number Placeholder 4"/>
+          <p:cNvSpPr>
+            <a:spLocks noGrp="1"/>
+          </p:cNvSpPr>
+          <p:nvPr>
+            <p:ph type="sldNum" sz="quarter" idx="12"/>
+          </p:nvPr>
+        </p:nvSpPr>
+        <p:spPr/>
+        <p:txBody>
+          <a:bodyPr/>
+          <a:lstStyle/>
+          <a:p>
+            <a:pPr algn="ctr"/>
+            <a:fld id="{82B5D99C-3243-4CCA-89CF-846763E29181}" type="slidenum">
+              <a:rPr lang="es-CL" smtClean="0"/>
+              <a:pPr algn="ctr"/>
+              <a:t>31</a:t>
+            </a:fld>
+            <a:endParaRPr lang="es-CL" dirty="0"/>
+          </a:p>
+        </p:txBody>
+      </p:sp>
+      <p:pic>
+        <p:nvPicPr>
+          <p:cNvPr id="6" name="Imagen 9874"/>
+          <p:cNvPicPr/>
+          <p:nvPr/>
+        </p:nvPicPr>
+        <p:blipFill>
+          <a:blip r:embed="rId3"/>
+          <a:stretch>
+            <a:fillRect/>
+          </a:stretch>
+        </p:blipFill>
+        <p:spPr>
+          <a:xfrm>
+            <a:off x="0" y="2955235"/>
+            <a:ext cx="9144000" cy="3902765"/>
+          </a:xfrm>
+          <a:prstGeom prst="rect">
+            <a:avLst/>
+          </a:prstGeom>
+        </p:spPr>
+      </p:pic>
+    </p:spTree>
+    <p:extLst>
+      <p:ext uri="{BB962C8B-B14F-4D97-AF65-F5344CB8AC3E}">
+        <p14:creationId xmlns:p14="http://schemas.microsoft.com/office/powerpoint/2010/main" val="4067564613"/>
+      </p:ext>
+    </p:extLst>
+  </p:cSld>
+  <p:clrMapOvr>
+    <a:masterClrMapping/>
+  </p:clrMapOvr>
+</p:sld>
+</file>
+
+<file path=ppt/slides/slide32.xml><?xml version="1.0" encoding="utf-8"?>
+<p:sld xmlns:a="http://schemas.openxmlformats.org/drawingml/2006/main" xmlns:r="http://schemas.openxmlformats.org/officeDocument/2006/relationships" xmlns:p="http://schemas.openxmlformats.org/presentationml/2006/main">
+  <p:cSld>
+    <p:spTree>
+      <p:nvGrpSpPr>
+        <p:cNvPr id="1" name=""/>
+        <p:cNvGrpSpPr/>
+        <p:nvPr/>
+      </p:nvGrpSpPr>
+      <p:grpSpPr>
+        <a:xfrm>
+          <a:off x="0" y="0"/>
+          <a:ext cx="0" cy="0"/>
+          <a:chOff x="0" y="0"/>
+          <a:chExt cx="0" cy="0"/>
+        </a:xfrm>
+      </p:grpSpPr>
+      <p:sp>
+        <p:nvSpPr>
+          <p:cNvPr id="2" name="Title 1"/>
+          <p:cNvSpPr>
+            <a:spLocks noGrp="1"/>
+          </p:cNvSpPr>
+          <p:nvPr>
+            <p:ph type="title"/>
+          </p:nvPr>
+        </p:nvSpPr>
+        <p:spPr/>
+        <p:txBody>
+          <a:bodyPr/>
+          <a:lstStyle/>
+          <a:p>
+            <a:r>
+              <a:rPr lang="es-CL" dirty="0">
+                <a:latin typeface="Calibri" panose="020F0502020204030204" pitchFamily="34" charset="0"/>
+              </a:rPr>
+              <a:t>Organización del proyecto</a:t>
+            </a:r>
+            <a:endParaRPr lang="es-CL" dirty="0"/>
+          </a:p>
+        </p:txBody>
+      </p:sp>
+      <p:sp>
+        <p:nvSpPr>
+          <p:cNvPr id="3" name="Content Placeholder 2"/>
+          <p:cNvSpPr>
+            <a:spLocks noGrp="1"/>
+          </p:cNvSpPr>
+          <p:nvPr>
+            <p:ph idx="1"/>
+          </p:nvPr>
+        </p:nvSpPr>
+        <p:spPr>
+          <a:xfrm>
+            <a:off x="531639" y="1963285"/>
+            <a:ext cx="6887389" cy="3599316"/>
+          </a:xfrm>
+        </p:spPr>
+        <p:txBody>
+          <a:bodyPr/>
+          <a:lstStyle/>
+          <a:p>
+            <a:r>
+              <a:rPr lang="es-CL" dirty="0">
+                <a:latin typeface="Calibri" panose="020F0502020204030204" pitchFamily="34" charset="0"/>
+              </a:rPr>
+              <a:t>Modelo de procesos</a:t>
+            </a:r>
+          </a:p>
+          <a:p>
+            <a:pPr lvl="1"/>
+            <a:r>
+              <a:rPr lang="es-CL" dirty="0">
+                <a:latin typeface="Calibri" panose="020F0502020204030204" pitchFamily="34" charset="0"/>
+              </a:rPr>
+              <a:t>Procesos propuestos</a:t>
+            </a:r>
+          </a:p>
+        </p:txBody>
+      </p:sp>
+      <p:pic>
+        <p:nvPicPr>
+          <p:cNvPr id="2050" name="Picture 2" descr="Resultado de imagen para duoc"/>
+          <p:cNvPicPr>
+            <a:picLocks noChangeAspect="1" noChangeArrowheads="1"/>
+          </p:cNvPicPr>
+          <p:nvPr/>
+        </p:nvPicPr>
+        <p:blipFill>
+          <a:blip r:embed="rId2">
+            <a:extLst>
+              <a:ext uri="{28A0092B-C50C-407E-A947-70E740481C1C}">
+                <a14:useLocalDpi xmlns:a14="http://schemas.microsoft.com/office/drawing/2010/main" val="0"/>
+              </a:ext>
+            </a:extLst>
+          </a:blip>
+          <a:srcRect/>
+          <a:stretch>
+            <a:fillRect/>
+          </a:stretch>
+        </p:blipFill>
+        <p:spPr bwMode="auto">
+          <a:xfrm>
+            <a:off x="7770945" y="599455"/>
+            <a:ext cx="1373055" cy="307545"/>
+          </a:xfrm>
+          <a:prstGeom prst="rect">
+            <a:avLst/>
+          </a:prstGeom>
+          <a:noFill/>
+          <a:extLst>
+            <a:ext uri="{909E8E84-426E-40DD-AFC4-6F175D3DCCD1}">
+              <a14:hiddenFill xmlns:a14="http://schemas.microsoft.com/office/drawing/2010/main">
+                <a:solidFill>
+                  <a:srgbClr val="FFFFFF"/>
+                </a:solidFill>
+              </a14:hiddenFill>
+            </a:ext>
+          </a:extLst>
+        </p:spPr>
+      </p:pic>
+      <p:sp>
+        <p:nvSpPr>
+          <p:cNvPr id="5" name="Slide Number Placeholder 4"/>
+          <p:cNvSpPr>
+            <a:spLocks noGrp="1"/>
+          </p:cNvSpPr>
+          <p:nvPr>
+            <p:ph type="sldNum" sz="quarter" idx="12"/>
+          </p:nvPr>
+        </p:nvSpPr>
+        <p:spPr/>
+        <p:txBody>
+          <a:bodyPr/>
+          <a:lstStyle/>
+          <a:p>
+            <a:pPr algn="ctr"/>
+            <a:fld id="{82B5D99C-3243-4CCA-89CF-846763E29181}" type="slidenum">
+              <a:rPr lang="es-CL" smtClean="0"/>
+              <a:pPr algn="ctr"/>
+              <a:t>32</a:t>
+            </a:fld>
+            <a:endParaRPr lang="es-CL" dirty="0"/>
+          </a:p>
+        </p:txBody>
+      </p:sp>
+      <p:pic>
+        <p:nvPicPr>
+          <p:cNvPr id="7" name="Imagen 9876"/>
+          <p:cNvPicPr/>
+          <p:nvPr/>
+        </p:nvPicPr>
+        <p:blipFill>
+          <a:blip r:embed="rId3"/>
+          <a:stretch>
+            <a:fillRect/>
+          </a:stretch>
+        </p:blipFill>
+        <p:spPr>
+          <a:xfrm>
+            <a:off x="0" y="2756728"/>
+            <a:ext cx="9144000" cy="4737100"/>
+          </a:xfrm>
+          <a:prstGeom prst="rect">
+            <a:avLst/>
+          </a:prstGeom>
+        </p:spPr>
+      </p:pic>
+    </p:spTree>
+    <p:extLst>
+      <p:ext uri="{BB962C8B-B14F-4D97-AF65-F5344CB8AC3E}">
+        <p14:creationId xmlns:p14="http://schemas.microsoft.com/office/powerpoint/2010/main" val="1206221302"/>
+      </p:ext>
+    </p:extLst>
+  </p:cSld>
+  <p:clrMapOvr>
+    <a:masterClrMapping/>
+  </p:clrMapOvr>
+</p:sld>
+</file>
+
+<file path=ppt/slides/slide33.xml><?xml version="1.0" encoding="utf-8"?>
+<p:sld xmlns:a="http://schemas.openxmlformats.org/drawingml/2006/main" xmlns:r="http://schemas.openxmlformats.org/officeDocument/2006/relationships" xmlns:p="http://schemas.openxmlformats.org/presentationml/2006/main">
+  <p:cSld>
+    <p:spTree>
+      <p:nvGrpSpPr>
+        <p:cNvPr id="1" name=""/>
+        <p:cNvGrpSpPr/>
+        <p:nvPr/>
+      </p:nvGrpSpPr>
+      <p:grpSpPr>
+        <a:xfrm>
+          <a:off x="0" y="0"/>
+          <a:ext cx="0" cy="0"/>
+          <a:chOff x="0" y="0"/>
+          <a:chExt cx="0" cy="0"/>
+        </a:xfrm>
+      </p:grpSpPr>
+      <p:sp>
+        <p:nvSpPr>
+          <p:cNvPr id="2" name="Title 1"/>
+          <p:cNvSpPr>
+            <a:spLocks noGrp="1"/>
+          </p:cNvSpPr>
+          <p:nvPr>
+            <p:ph type="title"/>
+          </p:nvPr>
+        </p:nvSpPr>
+        <p:spPr/>
+        <p:txBody>
+          <a:bodyPr/>
+          <a:lstStyle/>
+          <a:p>
+            <a:r>
+              <a:rPr lang="es-CL" dirty="0">
+                <a:latin typeface="Calibri" panose="020F0502020204030204" pitchFamily="34" charset="0"/>
+              </a:rPr>
+              <a:t>Organización del proyecto</a:t>
+            </a:r>
+            <a:endParaRPr lang="es-CL" dirty="0"/>
+          </a:p>
+        </p:txBody>
+      </p:sp>
+      <p:sp>
+        <p:nvSpPr>
+          <p:cNvPr id="3" name="Content Placeholder 2"/>
+          <p:cNvSpPr>
+            <a:spLocks noGrp="1"/>
+          </p:cNvSpPr>
+          <p:nvPr>
+            <p:ph idx="1"/>
+          </p:nvPr>
+        </p:nvSpPr>
+        <p:spPr>
+          <a:xfrm>
+            <a:off x="531639" y="1963285"/>
+            <a:ext cx="6887389" cy="3599316"/>
+          </a:xfrm>
+        </p:spPr>
+        <p:txBody>
+          <a:bodyPr/>
+          <a:lstStyle/>
+          <a:p>
+            <a:r>
+              <a:rPr lang="es-CL" dirty="0">
+                <a:latin typeface="Calibri" panose="020F0502020204030204" pitchFamily="34" charset="0"/>
+              </a:rPr>
+              <a:t>Modelo de procesos</a:t>
+            </a:r>
+          </a:p>
+          <a:p>
+            <a:pPr lvl="1"/>
+            <a:r>
+              <a:rPr lang="es-CL" dirty="0">
+                <a:latin typeface="Calibri" panose="020F0502020204030204" pitchFamily="34" charset="0"/>
+              </a:rPr>
+              <a:t>Procesos propuestos</a:t>
+            </a:r>
+          </a:p>
+        </p:txBody>
+      </p:sp>
+      <p:pic>
+        <p:nvPicPr>
+          <p:cNvPr id="2050" name="Picture 2" descr="Resultado de imagen para duoc"/>
+          <p:cNvPicPr>
+            <a:picLocks noChangeAspect="1" noChangeArrowheads="1"/>
+          </p:cNvPicPr>
+          <p:nvPr/>
+        </p:nvPicPr>
+        <p:blipFill>
+          <a:blip r:embed="rId2">
+            <a:extLst>
+              <a:ext uri="{28A0092B-C50C-407E-A947-70E740481C1C}">
+                <a14:useLocalDpi xmlns:a14="http://schemas.microsoft.com/office/drawing/2010/main" val="0"/>
+              </a:ext>
+            </a:extLst>
+          </a:blip>
+          <a:srcRect/>
+          <a:stretch>
+            <a:fillRect/>
+          </a:stretch>
+        </p:blipFill>
+        <p:spPr bwMode="auto">
+          <a:xfrm>
+            <a:off x="7770945" y="599455"/>
+            <a:ext cx="1373055" cy="307545"/>
+          </a:xfrm>
+          <a:prstGeom prst="rect">
+            <a:avLst/>
+          </a:prstGeom>
+          <a:noFill/>
+          <a:extLst>
+            <a:ext uri="{909E8E84-426E-40DD-AFC4-6F175D3DCCD1}">
+              <a14:hiddenFill xmlns:a14="http://schemas.microsoft.com/office/drawing/2010/main">
+                <a:solidFill>
+                  <a:srgbClr val="FFFFFF"/>
+                </a:solidFill>
+              </a14:hiddenFill>
+            </a:ext>
+          </a:extLst>
+        </p:spPr>
+      </p:pic>
+      <p:sp>
+        <p:nvSpPr>
+          <p:cNvPr id="5" name="Slide Number Placeholder 4"/>
+          <p:cNvSpPr>
+            <a:spLocks noGrp="1"/>
+          </p:cNvSpPr>
+          <p:nvPr>
+            <p:ph type="sldNum" sz="quarter" idx="12"/>
+          </p:nvPr>
+        </p:nvSpPr>
+        <p:spPr/>
+        <p:txBody>
+          <a:bodyPr/>
+          <a:lstStyle/>
+          <a:p>
+            <a:pPr algn="ctr"/>
+            <a:fld id="{82B5D99C-3243-4CCA-89CF-846763E29181}" type="slidenum">
+              <a:rPr lang="es-CL" smtClean="0"/>
+              <a:pPr algn="ctr"/>
+              <a:t>33</a:t>
+            </a:fld>
+            <a:endParaRPr lang="es-CL" dirty="0"/>
+          </a:p>
+        </p:txBody>
+      </p:sp>
+      <p:pic>
+        <p:nvPicPr>
+          <p:cNvPr id="6" name="Imagen 9877"/>
+          <p:cNvPicPr/>
+          <p:nvPr/>
+        </p:nvPicPr>
+        <p:blipFill>
+          <a:blip r:embed="rId3">
+            <a:extLst>
+              <a:ext uri="{28A0092B-C50C-407E-A947-70E740481C1C}">
+                <a14:useLocalDpi xmlns:a14="http://schemas.microsoft.com/office/drawing/2010/main" val="0"/>
+              </a:ext>
+            </a:extLst>
+          </a:blip>
+          <a:srcRect/>
+          <a:stretch>
+            <a:fillRect/>
+          </a:stretch>
+        </p:blipFill>
+        <p:spPr bwMode="auto">
+          <a:xfrm>
+            <a:off x="255171" y="1497495"/>
+            <a:ext cx="8751103" cy="5373757"/>
+          </a:xfrm>
+          <a:prstGeom prst="rect">
+            <a:avLst/>
+          </a:prstGeom>
+          <a:noFill/>
+          <a:ln>
+            <a:noFill/>
+          </a:ln>
+        </p:spPr>
+      </p:pic>
+    </p:spTree>
+    <p:extLst>
+      <p:ext uri="{BB962C8B-B14F-4D97-AF65-F5344CB8AC3E}">
+        <p14:creationId xmlns:p14="http://schemas.microsoft.com/office/powerpoint/2010/main" val="421333627"/>
+      </p:ext>
+    </p:extLst>
+  </p:cSld>
+  <p:clrMapOvr>
+    <a:masterClrMapping/>
+  </p:clrMapOvr>
+</p:sld>
+</file>
+
+<file path=ppt/slides/slide34.xml><?xml version="1.0" encoding="utf-8"?>
+<p:sld xmlns:a="http://schemas.openxmlformats.org/drawingml/2006/main" xmlns:r="http://schemas.openxmlformats.org/officeDocument/2006/relationships" xmlns:p="http://schemas.openxmlformats.org/presentationml/2006/main">
+  <p:cSld>
+    <p:spTree>
+      <p:nvGrpSpPr>
+        <p:cNvPr id="1" name=""/>
+        <p:cNvGrpSpPr/>
+        <p:nvPr/>
+      </p:nvGrpSpPr>
+      <p:grpSpPr>
+        <a:xfrm>
+          <a:off x="0" y="0"/>
+          <a:ext cx="0" cy="0"/>
+          <a:chOff x="0" y="0"/>
+          <a:chExt cx="0" cy="0"/>
+        </a:xfrm>
+      </p:grpSpPr>
+      <p:sp>
+        <p:nvSpPr>
+          <p:cNvPr id="2" name="Title 1"/>
+          <p:cNvSpPr>
+            <a:spLocks noGrp="1"/>
+          </p:cNvSpPr>
+          <p:nvPr>
+            <p:ph type="title"/>
+          </p:nvPr>
+        </p:nvSpPr>
+        <p:spPr/>
+        <p:txBody>
+          <a:bodyPr/>
+          <a:lstStyle/>
+          <a:p>
+            <a:r>
+              <a:rPr lang="es-CL" dirty="0">
+                <a:latin typeface="Calibri" panose="020F0502020204030204" pitchFamily="34" charset="0"/>
+              </a:rPr>
+              <a:t>Organización del proyecto</a:t>
+            </a:r>
+            <a:endParaRPr lang="es-CL" dirty="0"/>
+          </a:p>
+        </p:txBody>
+      </p:sp>
+      <p:sp>
+        <p:nvSpPr>
+          <p:cNvPr id="3" name="Content Placeholder 2"/>
+          <p:cNvSpPr>
+            <a:spLocks noGrp="1"/>
+          </p:cNvSpPr>
+          <p:nvPr>
+            <p:ph idx="1"/>
+          </p:nvPr>
+        </p:nvSpPr>
+        <p:spPr>
+          <a:xfrm>
+            <a:off x="531639" y="1963285"/>
+            <a:ext cx="6887389" cy="3599316"/>
+          </a:xfrm>
+        </p:spPr>
+        <p:txBody>
+          <a:bodyPr/>
+          <a:lstStyle/>
+          <a:p>
+            <a:r>
+              <a:rPr lang="es-CL" dirty="0">
+                <a:latin typeface="Calibri" panose="020F0502020204030204" pitchFamily="34" charset="0"/>
+              </a:rPr>
+              <a:t>Modelo de procesos</a:t>
+            </a:r>
+          </a:p>
+          <a:p>
+            <a:pPr lvl="1"/>
+            <a:r>
+              <a:rPr lang="es-CL" dirty="0">
+                <a:latin typeface="Calibri" panose="020F0502020204030204" pitchFamily="34" charset="0"/>
+              </a:rPr>
+              <a:t>Procesos propuestos</a:t>
+            </a:r>
+          </a:p>
+        </p:txBody>
+      </p:sp>
+      <p:pic>
+        <p:nvPicPr>
+          <p:cNvPr id="2050" name="Picture 2" descr="Resultado de imagen para duoc"/>
+          <p:cNvPicPr>
+            <a:picLocks noChangeAspect="1" noChangeArrowheads="1"/>
+          </p:cNvPicPr>
+          <p:nvPr/>
+        </p:nvPicPr>
+        <p:blipFill>
+          <a:blip r:embed="rId2">
+            <a:extLst>
+              <a:ext uri="{28A0092B-C50C-407E-A947-70E740481C1C}">
+                <a14:useLocalDpi xmlns:a14="http://schemas.microsoft.com/office/drawing/2010/main" val="0"/>
+              </a:ext>
+            </a:extLst>
+          </a:blip>
+          <a:srcRect/>
+          <a:stretch>
+            <a:fillRect/>
+          </a:stretch>
+        </p:blipFill>
+        <p:spPr bwMode="auto">
+          <a:xfrm>
+            <a:off x="7770945" y="599455"/>
+            <a:ext cx="1373055" cy="307545"/>
+          </a:xfrm>
+          <a:prstGeom prst="rect">
+            <a:avLst/>
+          </a:prstGeom>
+          <a:noFill/>
+          <a:extLst>
+            <a:ext uri="{909E8E84-426E-40DD-AFC4-6F175D3DCCD1}">
+              <a14:hiddenFill xmlns:a14="http://schemas.microsoft.com/office/drawing/2010/main">
+                <a:solidFill>
+                  <a:srgbClr val="FFFFFF"/>
+                </a:solidFill>
+              </a14:hiddenFill>
+            </a:ext>
+          </a:extLst>
+        </p:spPr>
+      </p:pic>
+      <p:sp>
+        <p:nvSpPr>
+          <p:cNvPr id="5" name="Slide Number Placeholder 4"/>
+          <p:cNvSpPr>
+            <a:spLocks noGrp="1"/>
+          </p:cNvSpPr>
+          <p:nvPr>
+            <p:ph type="sldNum" sz="quarter" idx="12"/>
+          </p:nvPr>
+        </p:nvSpPr>
+        <p:spPr/>
+        <p:txBody>
+          <a:bodyPr/>
+          <a:lstStyle/>
+          <a:p>
+            <a:pPr algn="ctr"/>
+            <a:fld id="{82B5D99C-3243-4CCA-89CF-846763E29181}" type="slidenum">
+              <a:rPr lang="es-CL" smtClean="0"/>
+              <a:pPr algn="ctr"/>
+              <a:t>34</a:t>
+            </a:fld>
+            <a:endParaRPr lang="es-CL" dirty="0"/>
+          </a:p>
+        </p:txBody>
+      </p:sp>
+      <p:pic>
+        <p:nvPicPr>
+          <p:cNvPr id="6" name="Imagen 9878"/>
+          <p:cNvPicPr/>
+          <p:nvPr/>
+        </p:nvPicPr>
+        <p:blipFill>
+          <a:blip r:embed="rId3"/>
+          <a:stretch>
+            <a:fillRect/>
+          </a:stretch>
+        </p:blipFill>
+        <p:spPr>
+          <a:xfrm>
+            <a:off x="0" y="2756453"/>
+            <a:ext cx="9144000" cy="4101548"/>
+          </a:xfrm>
+          <a:prstGeom prst="rect">
+            <a:avLst/>
+          </a:prstGeom>
+        </p:spPr>
+      </p:pic>
+    </p:spTree>
+    <p:extLst>
+      <p:ext uri="{BB962C8B-B14F-4D97-AF65-F5344CB8AC3E}">
+        <p14:creationId xmlns:p14="http://schemas.microsoft.com/office/powerpoint/2010/main" val="3156666684"/>
+      </p:ext>
+    </p:extLst>
+  </p:cSld>
+  <p:clrMapOvr>
+    <a:masterClrMapping/>
+  </p:clrMapOvr>
+</p:sld>
+</file>
+
+<file path=ppt/slides/slide35.xml><?xml version="1.0" encoding="utf-8"?>
+<p:sld xmlns:a="http://schemas.openxmlformats.org/drawingml/2006/main" xmlns:r="http://schemas.openxmlformats.org/officeDocument/2006/relationships" xmlns:p="http://schemas.openxmlformats.org/presentationml/2006/main">
+  <p:cSld>
+    <p:spTree>
+      <p:nvGrpSpPr>
+        <p:cNvPr id="1" name=""/>
+        <p:cNvGrpSpPr/>
+        <p:nvPr/>
+      </p:nvGrpSpPr>
+      <p:grpSpPr>
+        <a:xfrm>
+          <a:off x="0" y="0"/>
+          <a:ext cx="0" cy="0"/>
+          <a:chOff x="0" y="0"/>
+          <a:chExt cx="0" cy="0"/>
+        </a:xfrm>
+      </p:grpSpPr>
+      <p:sp>
+        <p:nvSpPr>
+          <p:cNvPr id="2" name="Title 1"/>
+          <p:cNvSpPr>
+            <a:spLocks noGrp="1"/>
+          </p:cNvSpPr>
+          <p:nvPr>
+            <p:ph type="title"/>
+          </p:nvPr>
+        </p:nvSpPr>
+        <p:spPr/>
+        <p:txBody>
+          <a:bodyPr/>
+          <a:lstStyle/>
+          <a:p>
+            <a:r>
+              <a:rPr lang="es-CL" dirty="0">
+                <a:latin typeface="Calibri" panose="020F0502020204030204" pitchFamily="34" charset="0"/>
+              </a:rPr>
+              <a:t>Organización del proyecto</a:t>
+            </a:r>
+            <a:endParaRPr lang="es-CL" dirty="0"/>
+          </a:p>
+        </p:txBody>
+      </p:sp>
+      <p:sp>
+        <p:nvSpPr>
+          <p:cNvPr id="3" name="Content Placeholder 2"/>
+          <p:cNvSpPr>
+            <a:spLocks noGrp="1"/>
+          </p:cNvSpPr>
+          <p:nvPr>
+            <p:ph idx="1"/>
+          </p:nvPr>
+        </p:nvSpPr>
+        <p:spPr>
+          <a:xfrm>
+            <a:off x="531639" y="1963285"/>
+            <a:ext cx="6887389" cy="3599316"/>
+          </a:xfrm>
+        </p:spPr>
+        <p:txBody>
+          <a:bodyPr/>
+          <a:lstStyle/>
+          <a:p>
+            <a:r>
+              <a:rPr lang="es-CL" dirty="0">
+                <a:latin typeface="Calibri" panose="020F0502020204030204" pitchFamily="34" charset="0"/>
+              </a:rPr>
+              <a:t>Modelo de procesos</a:t>
+            </a:r>
+          </a:p>
+          <a:p>
+            <a:pPr lvl="1"/>
+            <a:r>
+              <a:rPr lang="es-CL" dirty="0">
+                <a:latin typeface="Calibri" panose="020F0502020204030204" pitchFamily="34" charset="0"/>
+              </a:rPr>
+              <a:t>Procesos propuestos</a:t>
+            </a:r>
+          </a:p>
+        </p:txBody>
+      </p:sp>
+      <p:pic>
+        <p:nvPicPr>
+          <p:cNvPr id="2050" name="Picture 2" descr="Resultado de imagen para duoc"/>
+          <p:cNvPicPr>
+            <a:picLocks noChangeAspect="1" noChangeArrowheads="1"/>
+          </p:cNvPicPr>
+          <p:nvPr/>
+        </p:nvPicPr>
+        <p:blipFill>
+          <a:blip r:embed="rId2">
+            <a:extLst>
+              <a:ext uri="{28A0092B-C50C-407E-A947-70E740481C1C}">
+                <a14:useLocalDpi xmlns:a14="http://schemas.microsoft.com/office/drawing/2010/main" val="0"/>
+              </a:ext>
+            </a:extLst>
+          </a:blip>
+          <a:srcRect/>
+          <a:stretch>
+            <a:fillRect/>
+          </a:stretch>
+        </p:blipFill>
+        <p:spPr bwMode="auto">
+          <a:xfrm>
+            <a:off x="7770945" y="599455"/>
+            <a:ext cx="1373055" cy="307545"/>
+          </a:xfrm>
+          <a:prstGeom prst="rect">
+            <a:avLst/>
+          </a:prstGeom>
+          <a:noFill/>
+          <a:extLst>
+            <a:ext uri="{909E8E84-426E-40DD-AFC4-6F175D3DCCD1}">
+              <a14:hiddenFill xmlns:a14="http://schemas.microsoft.com/office/drawing/2010/main">
+                <a:solidFill>
+                  <a:srgbClr val="FFFFFF"/>
+                </a:solidFill>
+              </a14:hiddenFill>
+            </a:ext>
+          </a:extLst>
+        </p:spPr>
+      </p:pic>
+      <p:sp>
+        <p:nvSpPr>
+          <p:cNvPr id="5" name="Slide Number Placeholder 4"/>
+          <p:cNvSpPr>
+            <a:spLocks noGrp="1"/>
+          </p:cNvSpPr>
+          <p:nvPr>
+            <p:ph type="sldNum" sz="quarter" idx="12"/>
+          </p:nvPr>
+        </p:nvSpPr>
+        <p:spPr/>
+        <p:txBody>
+          <a:bodyPr/>
+          <a:lstStyle/>
+          <a:p>
+            <a:pPr algn="ctr"/>
+            <a:fld id="{82B5D99C-3243-4CCA-89CF-846763E29181}" type="slidenum">
+              <a:rPr lang="es-CL" smtClean="0"/>
+              <a:pPr algn="ctr"/>
+              <a:t>35</a:t>
+            </a:fld>
+            <a:endParaRPr lang="es-CL" dirty="0"/>
+          </a:p>
+        </p:txBody>
+      </p:sp>
+      <p:pic>
+        <p:nvPicPr>
+          <p:cNvPr id="6" name="Imagen 9879"/>
+          <p:cNvPicPr/>
+          <p:nvPr/>
+        </p:nvPicPr>
+        <p:blipFill>
+          <a:blip r:embed="rId3"/>
+          <a:stretch>
+            <a:fillRect/>
+          </a:stretch>
+        </p:blipFill>
+        <p:spPr>
+          <a:xfrm>
+            <a:off x="0" y="1963285"/>
+            <a:ext cx="9144000" cy="4907967"/>
+          </a:xfrm>
+          <a:prstGeom prst="rect">
+            <a:avLst/>
+          </a:prstGeom>
+        </p:spPr>
+      </p:pic>
+    </p:spTree>
+    <p:extLst>
+      <p:ext uri="{BB962C8B-B14F-4D97-AF65-F5344CB8AC3E}">
+        <p14:creationId xmlns:p14="http://schemas.microsoft.com/office/powerpoint/2010/main" val="3651123972"/>
+      </p:ext>
+    </p:extLst>
+  </p:cSld>
+  <p:clrMapOvr>
+    <a:masterClrMapping/>
+  </p:clrMapOvr>
+</p:sld>
+</file>
+
+<file path=ppt/slides/slide36.xml><?xml version="1.0" encoding="utf-8"?>
+<p:sld xmlns:a="http://schemas.openxmlformats.org/drawingml/2006/main" xmlns:r="http://schemas.openxmlformats.org/officeDocument/2006/relationships" xmlns:p="http://schemas.openxmlformats.org/presentationml/2006/main">
+  <p:cSld>
+    <p:spTree>
+      <p:nvGrpSpPr>
+        <p:cNvPr id="1" name=""/>
+        <p:cNvGrpSpPr/>
+        <p:nvPr/>
+      </p:nvGrpSpPr>
+      <p:grpSpPr>
+        <a:xfrm>
+          <a:off x="0" y="0"/>
+          <a:ext cx="0" cy="0"/>
+          <a:chOff x="0" y="0"/>
+          <a:chExt cx="0" cy="0"/>
+        </a:xfrm>
+      </p:grpSpPr>
+      <p:sp>
+        <p:nvSpPr>
+          <p:cNvPr id="2" name="Title 1"/>
+          <p:cNvSpPr>
+            <a:spLocks noGrp="1"/>
+          </p:cNvSpPr>
+          <p:nvPr>
+            <p:ph type="title"/>
+          </p:nvPr>
+        </p:nvSpPr>
+        <p:spPr/>
+        <p:txBody>
+          <a:bodyPr/>
+          <a:lstStyle/>
+          <a:p>
+            <a:r>
+              <a:rPr lang="es-CL" dirty="0">
+                <a:latin typeface="Calibri" panose="020F0502020204030204" pitchFamily="34" charset="0"/>
+              </a:rPr>
+              <a:t>Organización del proyecto</a:t>
+            </a:r>
+            <a:endParaRPr lang="es-CL" dirty="0"/>
+          </a:p>
+        </p:txBody>
+      </p:sp>
+      <p:sp>
+        <p:nvSpPr>
+          <p:cNvPr id="3" name="Content Placeholder 2"/>
+          <p:cNvSpPr>
+            <a:spLocks noGrp="1"/>
+          </p:cNvSpPr>
+          <p:nvPr>
+            <p:ph idx="1"/>
+          </p:nvPr>
+        </p:nvSpPr>
+        <p:spPr>
+          <a:xfrm>
+            <a:off x="531639" y="1963285"/>
+            <a:ext cx="6887389" cy="3599316"/>
+          </a:xfrm>
+        </p:spPr>
+        <p:txBody>
+          <a:bodyPr/>
+          <a:lstStyle/>
+          <a:p>
+            <a:r>
+              <a:rPr lang="es-CL" dirty="0">
+                <a:latin typeface="Calibri" panose="020F0502020204030204" pitchFamily="34" charset="0"/>
+              </a:rPr>
+              <a:t>Modelo de procesos</a:t>
+            </a:r>
+          </a:p>
+          <a:p>
+            <a:pPr lvl="1"/>
+            <a:r>
+              <a:rPr lang="es-CL" dirty="0">
+                <a:latin typeface="Calibri" panose="020F0502020204030204" pitchFamily="34" charset="0"/>
+              </a:rPr>
+              <a:t>Procesos propuestos</a:t>
+            </a:r>
+          </a:p>
+        </p:txBody>
+      </p:sp>
+      <p:pic>
+        <p:nvPicPr>
+          <p:cNvPr id="2050" name="Picture 2" descr="Resultado de imagen para duoc"/>
+          <p:cNvPicPr>
+            <a:picLocks noChangeAspect="1" noChangeArrowheads="1"/>
+          </p:cNvPicPr>
+          <p:nvPr/>
+        </p:nvPicPr>
+        <p:blipFill>
+          <a:blip r:embed="rId2">
+            <a:extLst>
+              <a:ext uri="{28A0092B-C50C-407E-A947-70E740481C1C}">
+                <a14:useLocalDpi xmlns:a14="http://schemas.microsoft.com/office/drawing/2010/main" val="0"/>
+              </a:ext>
+            </a:extLst>
+          </a:blip>
+          <a:srcRect/>
+          <a:stretch>
+            <a:fillRect/>
+          </a:stretch>
+        </p:blipFill>
+        <p:spPr bwMode="auto">
+          <a:xfrm>
+            <a:off x="7770945" y="599455"/>
+            <a:ext cx="1373055" cy="307545"/>
+          </a:xfrm>
+          <a:prstGeom prst="rect">
+            <a:avLst/>
+          </a:prstGeom>
+          <a:noFill/>
+          <a:extLst>
+            <a:ext uri="{909E8E84-426E-40DD-AFC4-6F175D3DCCD1}">
+              <a14:hiddenFill xmlns:a14="http://schemas.microsoft.com/office/drawing/2010/main">
+                <a:solidFill>
+                  <a:srgbClr val="FFFFFF"/>
+                </a:solidFill>
+              </a14:hiddenFill>
+            </a:ext>
+          </a:extLst>
+        </p:spPr>
+      </p:pic>
+      <p:sp>
+        <p:nvSpPr>
+          <p:cNvPr id="5" name="Slide Number Placeholder 4"/>
+          <p:cNvSpPr>
+            <a:spLocks noGrp="1"/>
+          </p:cNvSpPr>
+          <p:nvPr>
+            <p:ph type="sldNum" sz="quarter" idx="12"/>
+          </p:nvPr>
+        </p:nvSpPr>
+        <p:spPr/>
+        <p:txBody>
+          <a:bodyPr/>
+          <a:lstStyle/>
+          <a:p>
+            <a:pPr algn="ctr"/>
+            <a:fld id="{82B5D99C-3243-4CCA-89CF-846763E29181}" type="slidenum">
+              <a:rPr lang="es-CL" smtClean="0"/>
+              <a:pPr algn="ctr"/>
+              <a:t>36</a:t>
+            </a:fld>
+            <a:endParaRPr lang="es-CL" dirty="0"/>
+          </a:p>
+        </p:txBody>
+      </p:sp>
+      <p:pic>
+        <p:nvPicPr>
+          <p:cNvPr id="6" name="Imagen 9880"/>
+          <p:cNvPicPr/>
+          <p:nvPr/>
+        </p:nvPicPr>
+        <p:blipFill>
+          <a:blip r:embed="rId3"/>
+          <a:stretch>
+            <a:fillRect/>
+          </a:stretch>
+        </p:blipFill>
+        <p:spPr>
+          <a:xfrm>
+            <a:off x="455439" y="2672328"/>
+            <a:ext cx="8257540" cy="4894663"/>
+          </a:xfrm>
+          <a:prstGeom prst="rect">
+            <a:avLst/>
+          </a:prstGeom>
+        </p:spPr>
+      </p:pic>
+    </p:spTree>
+    <p:extLst>
+      <p:ext uri="{BB962C8B-B14F-4D97-AF65-F5344CB8AC3E}">
+        <p14:creationId xmlns:p14="http://schemas.microsoft.com/office/powerpoint/2010/main" val="4026900421"/>
+      </p:ext>
+    </p:extLst>
+  </p:cSld>
+  <p:clrMapOvr>
+    <a:masterClrMapping/>
+  </p:clrMapOvr>
+</p:sld>
+</file>
+
+<file path=ppt/slides/slide37.xml><?xml version="1.0" encoding="utf-8"?>
+<p:sld xmlns:a="http://schemas.openxmlformats.org/drawingml/2006/main" xmlns:r="http://schemas.openxmlformats.org/officeDocument/2006/relationships" xmlns:p="http://schemas.openxmlformats.org/presentationml/2006/main">
+  <p:cSld>
+    <p:spTree>
+      <p:nvGrpSpPr>
+        <p:cNvPr id="1" name=""/>
+        <p:cNvGrpSpPr/>
+        <p:nvPr/>
+      </p:nvGrpSpPr>
+      <p:grpSpPr>
+        <a:xfrm>
+          <a:off x="0" y="0"/>
+          <a:ext cx="0" cy="0"/>
+          <a:chOff x="0" y="0"/>
+          <a:chExt cx="0" cy="0"/>
+        </a:xfrm>
+      </p:grpSpPr>
+      <p:sp>
+        <p:nvSpPr>
+          <p:cNvPr id="2" name="Title 1"/>
+          <p:cNvSpPr>
+            <a:spLocks noGrp="1"/>
+          </p:cNvSpPr>
+          <p:nvPr>
+            <p:ph type="title"/>
+          </p:nvPr>
+        </p:nvSpPr>
+        <p:spPr/>
+        <p:txBody>
+          <a:bodyPr/>
+          <a:lstStyle/>
+          <a:p>
+            <a:r>
+              <a:rPr lang="es-CL" dirty="0">
+                <a:latin typeface="Calibri" panose="020F0502020204030204" pitchFamily="34" charset="0"/>
+              </a:rPr>
+              <a:t>Organización del proyecto</a:t>
+            </a:r>
+            <a:endParaRPr lang="es-CL" dirty="0"/>
+          </a:p>
+        </p:txBody>
+      </p:sp>
+      <p:sp>
+        <p:nvSpPr>
+          <p:cNvPr id="3" name="Content Placeholder 2"/>
+          <p:cNvSpPr>
+            <a:spLocks noGrp="1"/>
+          </p:cNvSpPr>
+          <p:nvPr>
+            <p:ph idx="1"/>
+          </p:nvPr>
+        </p:nvSpPr>
+        <p:spPr>
+          <a:xfrm>
+            <a:off x="531639" y="1963285"/>
+            <a:ext cx="6887389" cy="3599316"/>
+          </a:xfrm>
+        </p:spPr>
+        <p:txBody>
+          <a:bodyPr/>
+          <a:lstStyle/>
+          <a:p>
+            <a:r>
+              <a:rPr lang="es-CL" dirty="0">
+                <a:latin typeface="Calibri" panose="020F0502020204030204" pitchFamily="34" charset="0"/>
+              </a:rPr>
+              <a:t>Modelo de procesos</a:t>
+            </a:r>
+          </a:p>
+          <a:p>
+            <a:pPr lvl="1"/>
+            <a:r>
+              <a:rPr lang="es-CL" dirty="0">
+                <a:latin typeface="Calibri" panose="020F0502020204030204" pitchFamily="34" charset="0"/>
+              </a:rPr>
+              <a:t>Procesos propuestos</a:t>
+            </a:r>
+          </a:p>
+        </p:txBody>
+      </p:sp>
+      <p:pic>
+        <p:nvPicPr>
+          <p:cNvPr id="2050" name="Picture 2" descr="Resultado de imagen para duoc"/>
+          <p:cNvPicPr>
+            <a:picLocks noChangeAspect="1" noChangeArrowheads="1"/>
+          </p:cNvPicPr>
+          <p:nvPr/>
+        </p:nvPicPr>
+        <p:blipFill>
+          <a:blip r:embed="rId2">
+            <a:extLst>
+              <a:ext uri="{28A0092B-C50C-407E-A947-70E740481C1C}">
+                <a14:useLocalDpi xmlns:a14="http://schemas.microsoft.com/office/drawing/2010/main" val="0"/>
+              </a:ext>
+            </a:extLst>
+          </a:blip>
+          <a:srcRect/>
+          <a:stretch>
+            <a:fillRect/>
+          </a:stretch>
+        </p:blipFill>
+        <p:spPr bwMode="auto">
+          <a:xfrm>
+            <a:off x="7770945" y="599455"/>
+            <a:ext cx="1373055" cy="307545"/>
+          </a:xfrm>
+          <a:prstGeom prst="rect">
+            <a:avLst/>
+          </a:prstGeom>
+          <a:noFill/>
+          <a:extLst>
+            <a:ext uri="{909E8E84-426E-40DD-AFC4-6F175D3DCCD1}">
+              <a14:hiddenFill xmlns:a14="http://schemas.microsoft.com/office/drawing/2010/main">
+                <a:solidFill>
+                  <a:srgbClr val="FFFFFF"/>
+                </a:solidFill>
+              </a14:hiddenFill>
+            </a:ext>
+          </a:extLst>
+        </p:spPr>
+      </p:pic>
+      <p:sp>
+        <p:nvSpPr>
+          <p:cNvPr id="5" name="Slide Number Placeholder 4"/>
+          <p:cNvSpPr>
+            <a:spLocks noGrp="1"/>
+          </p:cNvSpPr>
+          <p:nvPr>
+            <p:ph type="sldNum" sz="quarter" idx="12"/>
+          </p:nvPr>
+        </p:nvSpPr>
+        <p:spPr/>
+        <p:txBody>
+          <a:bodyPr/>
+          <a:lstStyle/>
+          <a:p>
+            <a:pPr algn="ctr"/>
+            <a:fld id="{82B5D99C-3243-4CCA-89CF-846763E29181}" type="slidenum">
+              <a:rPr lang="es-CL" smtClean="0"/>
+              <a:pPr algn="ctr"/>
+              <a:t>37</a:t>
+            </a:fld>
+            <a:endParaRPr lang="es-CL" dirty="0"/>
+          </a:p>
+        </p:txBody>
+      </p:sp>
+      <p:pic>
+        <p:nvPicPr>
+          <p:cNvPr id="6" name="Imagen 9881"/>
+          <p:cNvPicPr/>
+          <p:nvPr/>
+        </p:nvPicPr>
+        <p:blipFill>
+          <a:blip r:embed="rId3"/>
+          <a:stretch>
+            <a:fillRect/>
+          </a:stretch>
+        </p:blipFill>
+        <p:spPr>
+          <a:xfrm>
+            <a:off x="0" y="2753360"/>
+            <a:ext cx="9144000" cy="4104640"/>
+          </a:xfrm>
+          <a:prstGeom prst="rect">
+            <a:avLst/>
+          </a:prstGeom>
+        </p:spPr>
+      </p:pic>
+    </p:spTree>
+    <p:extLst>
+      <p:ext uri="{BB962C8B-B14F-4D97-AF65-F5344CB8AC3E}">
+        <p14:creationId xmlns:p14="http://schemas.microsoft.com/office/powerpoint/2010/main" val="44086311"/>
+      </p:ext>
+    </p:extLst>
+  </p:cSld>
+  <p:clrMapOvr>
+    <a:masterClrMapping/>
+  </p:clrMapOvr>
+</p:sld>
+</file>
+
+<file path=ppt/slides/slide38.xml><?xml version="1.0" encoding="utf-8"?>
+<p:sld xmlns:a="http://schemas.openxmlformats.org/drawingml/2006/main" xmlns:r="http://schemas.openxmlformats.org/officeDocument/2006/relationships" xmlns:p="http://schemas.openxmlformats.org/presentationml/2006/main">
+  <p:cSld>
+    <p:spTree>
+      <p:nvGrpSpPr>
+        <p:cNvPr id="1" name=""/>
+        <p:cNvGrpSpPr/>
+        <p:nvPr/>
+      </p:nvGrpSpPr>
+      <p:grpSpPr>
+        <a:xfrm>
+          <a:off x="0" y="0"/>
+          <a:ext cx="0" cy="0"/>
+          <a:chOff x="0" y="0"/>
+          <a:chExt cx="0" cy="0"/>
+        </a:xfrm>
+      </p:grpSpPr>
+      <p:sp>
+        <p:nvSpPr>
+          <p:cNvPr id="2" name="Title 1"/>
+          <p:cNvSpPr>
+            <a:spLocks noGrp="1"/>
+          </p:cNvSpPr>
+          <p:nvPr>
+            <p:ph type="title"/>
+          </p:nvPr>
+        </p:nvSpPr>
+        <p:spPr/>
+        <p:txBody>
+          <a:bodyPr/>
+          <a:lstStyle/>
+          <a:p>
+            <a:r>
+              <a:rPr lang="es-CL" dirty="0">
+                <a:latin typeface="Calibri" panose="020F0502020204030204" pitchFamily="34" charset="0"/>
+              </a:rPr>
+              <a:t>Organización del proyecto</a:t>
+            </a:r>
+            <a:endParaRPr lang="es-CL" dirty="0"/>
+          </a:p>
+        </p:txBody>
+      </p:sp>
+      <p:sp>
+        <p:nvSpPr>
+          <p:cNvPr id="3" name="Content Placeholder 2"/>
+          <p:cNvSpPr>
+            <a:spLocks noGrp="1"/>
+          </p:cNvSpPr>
+          <p:nvPr>
+            <p:ph idx="1"/>
+          </p:nvPr>
+        </p:nvSpPr>
+        <p:spPr>
+          <a:xfrm>
+            <a:off x="531639" y="1963285"/>
+            <a:ext cx="6887389" cy="3599316"/>
+          </a:xfrm>
+        </p:spPr>
+        <p:txBody>
+          <a:bodyPr/>
+          <a:lstStyle/>
+          <a:p>
+            <a:r>
+              <a:rPr lang="es-CL" dirty="0">
+                <a:latin typeface="Calibri" panose="020F0502020204030204" pitchFamily="34" charset="0"/>
+              </a:rPr>
+              <a:t>Modelo de procesos</a:t>
+            </a:r>
+          </a:p>
+          <a:p>
+            <a:pPr lvl="1"/>
+            <a:r>
+              <a:rPr lang="es-CL" dirty="0">
+                <a:latin typeface="Calibri" panose="020F0502020204030204" pitchFamily="34" charset="0"/>
+              </a:rPr>
+              <a:t>Procesos propuestos</a:t>
+            </a:r>
+          </a:p>
+        </p:txBody>
+      </p:sp>
+      <p:pic>
+        <p:nvPicPr>
+          <p:cNvPr id="2050" name="Picture 2" descr="Resultado de imagen para duoc"/>
+          <p:cNvPicPr>
+            <a:picLocks noChangeAspect="1" noChangeArrowheads="1"/>
+          </p:cNvPicPr>
+          <p:nvPr/>
+        </p:nvPicPr>
+        <p:blipFill>
+          <a:blip r:embed="rId2">
+            <a:extLst>
+              <a:ext uri="{28A0092B-C50C-407E-A947-70E740481C1C}">
+                <a14:useLocalDpi xmlns:a14="http://schemas.microsoft.com/office/drawing/2010/main" val="0"/>
+              </a:ext>
+            </a:extLst>
+          </a:blip>
+          <a:srcRect/>
+          <a:stretch>
+            <a:fillRect/>
+          </a:stretch>
+        </p:blipFill>
+        <p:spPr bwMode="auto">
+          <a:xfrm>
+            <a:off x="7770945" y="599455"/>
+            <a:ext cx="1373055" cy="307545"/>
+          </a:xfrm>
+          <a:prstGeom prst="rect">
+            <a:avLst/>
+          </a:prstGeom>
+          <a:noFill/>
+          <a:extLst>
+            <a:ext uri="{909E8E84-426E-40DD-AFC4-6F175D3DCCD1}">
+              <a14:hiddenFill xmlns:a14="http://schemas.microsoft.com/office/drawing/2010/main">
+                <a:solidFill>
+                  <a:srgbClr val="FFFFFF"/>
+                </a:solidFill>
+              </a14:hiddenFill>
+            </a:ext>
+          </a:extLst>
+        </p:spPr>
+      </p:pic>
+      <p:sp>
+        <p:nvSpPr>
+          <p:cNvPr id="5" name="Slide Number Placeholder 4"/>
+          <p:cNvSpPr>
+            <a:spLocks noGrp="1"/>
+          </p:cNvSpPr>
+          <p:nvPr>
+            <p:ph type="sldNum" sz="quarter" idx="12"/>
+          </p:nvPr>
+        </p:nvSpPr>
+        <p:spPr/>
+        <p:txBody>
+          <a:bodyPr/>
+          <a:lstStyle/>
+          <a:p>
+            <a:pPr algn="ctr"/>
+            <a:fld id="{82B5D99C-3243-4CCA-89CF-846763E29181}" type="slidenum">
+              <a:rPr lang="es-CL" smtClean="0"/>
+              <a:pPr algn="ctr"/>
+              <a:t>38</a:t>
+            </a:fld>
+            <a:endParaRPr lang="es-CL" dirty="0"/>
+          </a:p>
+        </p:txBody>
+      </p:sp>
+      <p:pic>
+        <p:nvPicPr>
+          <p:cNvPr id="6" name="Imagen 9882"/>
+          <p:cNvPicPr/>
+          <p:nvPr/>
+        </p:nvPicPr>
+        <p:blipFill>
+          <a:blip r:embed="rId3"/>
+          <a:stretch>
+            <a:fillRect/>
+          </a:stretch>
+        </p:blipFill>
+        <p:spPr>
+          <a:xfrm>
+            <a:off x="0" y="2807802"/>
+            <a:ext cx="9144000" cy="4991100"/>
+          </a:xfrm>
+          <a:prstGeom prst="rect">
+            <a:avLst/>
+          </a:prstGeom>
+        </p:spPr>
+      </p:pic>
+    </p:spTree>
+    <p:extLst>
+      <p:ext uri="{BB962C8B-B14F-4D97-AF65-F5344CB8AC3E}">
+        <p14:creationId xmlns:p14="http://schemas.microsoft.com/office/powerpoint/2010/main" val="2774467092"/>
+      </p:ext>
+    </p:extLst>
+  </p:cSld>
+  <p:clrMapOvr>
+    <a:masterClrMapping/>
+  </p:clrMapOvr>
+</p:sld>
+</file>
+
+<file path=ppt/slides/slide39.xml><?xml version="1.0" encoding="utf-8"?>
+<p:sld xmlns:a="http://schemas.openxmlformats.org/drawingml/2006/main" xmlns:r="http://schemas.openxmlformats.org/officeDocument/2006/relationships" xmlns:p="http://schemas.openxmlformats.org/presentationml/2006/main">
+  <p:cSld>
+    <p:spTree>
+      <p:nvGrpSpPr>
+        <p:cNvPr id="1" name=""/>
+        <p:cNvGrpSpPr/>
+        <p:nvPr/>
+      </p:nvGrpSpPr>
+      <p:grpSpPr>
+        <a:xfrm>
+          <a:off x="0" y="0"/>
+          <a:ext cx="0" cy="0"/>
+          <a:chOff x="0" y="0"/>
+          <a:chExt cx="0" cy="0"/>
+        </a:xfrm>
+      </p:grpSpPr>
+      <p:sp>
+        <p:nvSpPr>
+          <p:cNvPr id="2" name="Title 1"/>
+          <p:cNvSpPr>
+            <a:spLocks noGrp="1"/>
+          </p:cNvSpPr>
+          <p:nvPr>
+            <p:ph type="title"/>
+          </p:nvPr>
+        </p:nvSpPr>
+        <p:spPr/>
+        <p:txBody>
+          <a:bodyPr/>
+          <a:lstStyle/>
+          <a:p>
+            <a:r>
+              <a:rPr lang="es-CL" dirty="0">
+                <a:latin typeface="Calibri" panose="020F0502020204030204" pitchFamily="34" charset="0"/>
+              </a:rPr>
+              <a:t>Organización del proyecto</a:t>
+            </a:r>
+            <a:endParaRPr lang="es-CL" dirty="0"/>
+          </a:p>
+        </p:txBody>
+      </p:sp>
+      <p:sp>
+        <p:nvSpPr>
+          <p:cNvPr id="3" name="Content Placeholder 2"/>
+          <p:cNvSpPr>
+            <a:spLocks noGrp="1"/>
+          </p:cNvSpPr>
+          <p:nvPr>
+            <p:ph idx="1"/>
+          </p:nvPr>
+        </p:nvSpPr>
+        <p:spPr>
+          <a:xfrm>
+            <a:off x="531639" y="1963285"/>
+            <a:ext cx="6887389" cy="3599316"/>
+          </a:xfrm>
+        </p:spPr>
+        <p:txBody>
+          <a:bodyPr/>
+          <a:lstStyle/>
+          <a:p>
+            <a:r>
+              <a:rPr lang="es-CL" dirty="0">
+                <a:latin typeface="Calibri" panose="020F0502020204030204" pitchFamily="34" charset="0"/>
+              </a:rPr>
+              <a:t>Modelo de procesos</a:t>
+            </a:r>
+          </a:p>
+          <a:p>
+            <a:pPr lvl="1"/>
+            <a:r>
+              <a:rPr lang="es-CL" dirty="0">
+                <a:latin typeface="Calibri" panose="020F0502020204030204" pitchFamily="34" charset="0"/>
+              </a:rPr>
+              <a:t>Procesos propuestos</a:t>
+            </a:r>
+          </a:p>
+        </p:txBody>
+      </p:sp>
+      <p:pic>
+        <p:nvPicPr>
+          <p:cNvPr id="2050" name="Picture 2" descr="Resultado de imagen para duoc"/>
+          <p:cNvPicPr>
+            <a:picLocks noChangeAspect="1" noChangeArrowheads="1"/>
+          </p:cNvPicPr>
+          <p:nvPr/>
+        </p:nvPicPr>
+        <p:blipFill>
+          <a:blip r:embed="rId2">
+            <a:extLst>
+              <a:ext uri="{28A0092B-C50C-407E-A947-70E740481C1C}">
+                <a14:useLocalDpi xmlns:a14="http://schemas.microsoft.com/office/drawing/2010/main" val="0"/>
+              </a:ext>
+            </a:extLst>
+          </a:blip>
+          <a:srcRect/>
+          <a:stretch>
+            <a:fillRect/>
+          </a:stretch>
+        </p:blipFill>
+        <p:spPr bwMode="auto">
+          <a:xfrm>
+            <a:off x="7770945" y="599455"/>
+            <a:ext cx="1373055" cy="307545"/>
+          </a:xfrm>
+          <a:prstGeom prst="rect">
+            <a:avLst/>
+          </a:prstGeom>
+          <a:noFill/>
+          <a:extLst>
+            <a:ext uri="{909E8E84-426E-40DD-AFC4-6F175D3DCCD1}">
+              <a14:hiddenFill xmlns:a14="http://schemas.microsoft.com/office/drawing/2010/main">
+                <a:solidFill>
+                  <a:srgbClr val="FFFFFF"/>
+                </a:solidFill>
+              </a14:hiddenFill>
+            </a:ext>
+          </a:extLst>
+        </p:spPr>
+      </p:pic>
+      <p:sp>
+        <p:nvSpPr>
+          <p:cNvPr id="5" name="Slide Number Placeholder 4"/>
+          <p:cNvSpPr>
+            <a:spLocks noGrp="1"/>
+          </p:cNvSpPr>
+          <p:nvPr>
+            <p:ph type="sldNum" sz="quarter" idx="12"/>
+          </p:nvPr>
+        </p:nvSpPr>
+        <p:spPr/>
+        <p:txBody>
+          <a:bodyPr/>
+          <a:lstStyle/>
+          <a:p>
+            <a:pPr algn="ctr"/>
+            <a:fld id="{82B5D99C-3243-4CCA-89CF-846763E29181}" type="slidenum">
+              <a:rPr lang="es-CL" smtClean="0"/>
+              <a:pPr algn="ctr"/>
+              <a:t>39</a:t>
+            </a:fld>
+            <a:endParaRPr lang="es-CL" dirty="0"/>
+          </a:p>
+        </p:txBody>
+      </p:sp>
+      <p:pic>
+        <p:nvPicPr>
+          <p:cNvPr id="6" name="Imagen 9883"/>
+          <p:cNvPicPr/>
+          <p:nvPr/>
+        </p:nvPicPr>
+        <p:blipFill>
+          <a:blip r:embed="rId3"/>
+          <a:stretch>
+            <a:fillRect/>
+          </a:stretch>
+        </p:blipFill>
+        <p:spPr>
+          <a:xfrm>
+            <a:off x="0" y="3419061"/>
+            <a:ext cx="9244109" cy="3438939"/>
+          </a:xfrm>
+          <a:prstGeom prst="rect">
+            <a:avLst/>
+          </a:prstGeom>
+        </p:spPr>
+      </p:pic>
+    </p:spTree>
+    <p:extLst>
+      <p:ext uri="{BB962C8B-B14F-4D97-AF65-F5344CB8AC3E}">
+        <p14:creationId xmlns:p14="http://schemas.microsoft.com/office/powerpoint/2010/main" val="3301742867"/>
+      </p:ext>
+    </p:extLst>
+  </p:cSld>
+  <p:clrMapOvr>
+    <a:masterClrMapping/>
+  </p:clrMapOvr>
+</p:sld>
+</file>
+
+<file path=ppt/slides/slide4.xml><?xml version="1.0" encoding="utf-8"?>
+<p:sld xmlns:a="http://schemas.openxmlformats.org/drawingml/2006/main" xmlns:r="http://schemas.openxmlformats.org/officeDocument/2006/relationships" xmlns:p="http://schemas.openxmlformats.org/presentationml/2006/main">
+  <p:cSld>
+    <p:spTree>
+      <p:nvGrpSpPr>
+        <p:cNvPr id="1" name=""/>
+        <p:cNvGrpSpPr/>
+        <p:nvPr/>
+      </p:nvGrpSpPr>
+      <p:grpSpPr>
+        <a:xfrm>
+          <a:off x="0" y="0"/>
+          <a:ext cx="0" cy="0"/>
+          <a:chOff x="0" y="0"/>
+          <a:chExt cx="0" cy="0"/>
+        </a:xfrm>
+      </p:grpSpPr>
+      <p:sp>
+        <p:nvSpPr>
+          <p:cNvPr id="2" name="Title 1"/>
+          <p:cNvSpPr>
+            <a:spLocks noGrp="1"/>
+          </p:cNvSpPr>
+          <p:nvPr>
+            <p:ph type="title"/>
+          </p:nvPr>
+        </p:nvSpPr>
+        <p:spPr/>
+        <p:txBody>
+          <a:bodyPr/>
+          <a:lstStyle/>
+          <a:p>
+            <a:r>
+              <a:rPr lang="es-CL" dirty="0"/>
+              <a:t>Contenidos</a:t>
+            </a:r>
+          </a:p>
+        </p:txBody>
+      </p:sp>
+      <p:sp>
+        <p:nvSpPr>
+          <p:cNvPr id="3" name="Content Placeholder 2"/>
+          <p:cNvSpPr>
+            <a:spLocks noGrp="1"/>
+          </p:cNvSpPr>
+          <p:nvPr>
+            <p:ph idx="1"/>
+          </p:nvPr>
+        </p:nvSpPr>
+        <p:spPr/>
+        <p:txBody>
+          <a:bodyPr/>
+          <a:lstStyle/>
+          <a:p>
+            <a:r>
+              <a:rPr lang="es-CL" dirty="0">
+                <a:latin typeface="Calibri" panose="020F0502020204030204" pitchFamily="34" charset="0"/>
+              </a:rPr>
+              <a:t>Procesos de gestión</a:t>
+            </a:r>
+          </a:p>
+          <a:p>
+            <a:pPr lvl="1"/>
+            <a:r>
+              <a:rPr lang="es-CL" dirty="0">
+                <a:latin typeface="Calibri" panose="020F0502020204030204" pitchFamily="34" charset="0"/>
+              </a:rPr>
+              <a:t>Condiciones asumidas, dependencias y restricciones</a:t>
+            </a:r>
+          </a:p>
+          <a:p>
+            <a:pPr lvl="1"/>
+            <a:r>
+              <a:rPr lang="es-CL" dirty="0">
+                <a:latin typeface="Calibri" panose="020F0502020204030204" pitchFamily="34" charset="0"/>
+              </a:rPr>
+              <a:t>Gestión de riesgos</a:t>
+            </a:r>
+          </a:p>
+          <a:p>
+            <a:r>
+              <a:rPr lang="es-CL" dirty="0">
+                <a:latin typeface="Calibri" panose="020F0502020204030204" pitchFamily="34" charset="0"/>
+              </a:rPr>
+              <a:t>Mecanismos de control y ajuste</a:t>
+            </a:r>
+          </a:p>
+          <a:p>
+            <a:pPr lvl="1"/>
+            <a:r>
+              <a:rPr lang="es-CL" dirty="0">
+                <a:latin typeface="Calibri" panose="020F0502020204030204" pitchFamily="34" charset="0"/>
+              </a:rPr>
+              <a:t>Mecanismos para la gestión de calidad</a:t>
+            </a:r>
+          </a:p>
+          <a:p>
+            <a:pPr lvl="1"/>
+            <a:r>
+              <a:rPr lang="es-CL" dirty="0">
+                <a:latin typeface="Calibri" panose="020F0502020204030204" pitchFamily="34" charset="0"/>
+              </a:rPr>
+              <a:t>Mecanismos para la gestión de configuración</a:t>
+            </a:r>
+          </a:p>
+          <a:p>
+            <a:pPr lvl="1"/>
+            <a:r>
+              <a:rPr lang="es-CL" dirty="0">
+                <a:latin typeface="Calibri" panose="020F0502020204030204" pitchFamily="34" charset="0"/>
+              </a:rPr>
+              <a:t>Mecanismos para la verificación</a:t>
+            </a:r>
+          </a:p>
+          <a:p>
+            <a:pPr lvl="1"/>
+            <a:r>
+              <a:rPr lang="es-CL" dirty="0">
+                <a:latin typeface="Calibri" panose="020F0502020204030204" pitchFamily="34" charset="0"/>
+              </a:rPr>
+              <a:t>Mecanismos para la gestión del proyecto</a:t>
+            </a:r>
+          </a:p>
+          <a:p>
+            <a:r>
+              <a:rPr lang="es-CL" dirty="0">
+                <a:latin typeface="Calibri" panose="020F0502020204030204" pitchFamily="34" charset="0"/>
+              </a:rPr>
+              <a:t>Recursos</a:t>
+            </a:r>
+          </a:p>
+        </p:txBody>
+      </p:sp>
+      <p:pic>
+        <p:nvPicPr>
+          <p:cNvPr id="2050" name="Picture 2" descr="Resultado de imagen para duoc"/>
+          <p:cNvPicPr>
+            <a:picLocks noChangeAspect="1" noChangeArrowheads="1"/>
+          </p:cNvPicPr>
+          <p:nvPr/>
+        </p:nvPicPr>
+        <p:blipFill>
+          <a:blip r:embed="rId2">
+            <a:extLst>
+              <a:ext uri="{28A0092B-C50C-407E-A947-70E740481C1C}">
+                <a14:useLocalDpi xmlns:a14="http://schemas.microsoft.com/office/drawing/2010/main" val="0"/>
+              </a:ext>
+            </a:extLst>
+          </a:blip>
+          <a:srcRect/>
+          <a:stretch>
+            <a:fillRect/>
+          </a:stretch>
+        </p:blipFill>
+        <p:spPr bwMode="auto">
+          <a:xfrm>
+            <a:off x="7770945" y="599455"/>
+            <a:ext cx="1373055" cy="307545"/>
+          </a:xfrm>
+          <a:prstGeom prst="rect">
+            <a:avLst/>
+          </a:prstGeom>
+          <a:noFill/>
+          <a:extLst>
+            <a:ext uri="{909E8E84-426E-40DD-AFC4-6F175D3DCCD1}">
+              <a14:hiddenFill xmlns:a14="http://schemas.microsoft.com/office/drawing/2010/main">
+                <a:solidFill>
+                  <a:srgbClr val="FFFFFF"/>
+                </a:solidFill>
+              </a14:hiddenFill>
+            </a:ext>
+          </a:extLst>
+        </p:spPr>
+      </p:pic>
+      <p:sp>
+        <p:nvSpPr>
+          <p:cNvPr id="5" name="Slide Number Placeholder 4"/>
+          <p:cNvSpPr>
+            <a:spLocks noGrp="1"/>
+          </p:cNvSpPr>
+          <p:nvPr>
+            <p:ph type="sldNum" sz="quarter" idx="12"/>
+          </p:nvPr>
+        </p:nvSpPr>
+        <p:spPr/>
+        <p:txBody>
+          <a:bodyPr/>
+          <a:lstStyle/>
+          <a:p>
+            <a:pPr algn="ctr"/>
+            <a:fld id="{82B5D99C-3243-4CCA-89CF-846763E29181}" type="slidenum">
+              <a:rPr lang="es-CL" smtClean="0"/>
+              <a:pPr algn="ctr"/>
               <a:t>4</a:t>
             </a:fld>
             <a:endParaRPr lang="es-CL" dirty="0"/>
@@ -14011,6 +17853,1734 @@
     <p:extLst>
       <p:ext uri="{BB962C8B-B14F-4D97-AF65-F5344CB8AC3E}">
         <p14:creationId xmlns:p14="http://schemas.microsoft.com/office/powerpoint/2010/main" val="159672018"/>
+      </p:ext>
+    </p:extLst>
+  </p:cSld>
+  <p:clrMapOvr>
+    <a:masterClrMapping/>
+  </p:clrMapOvr>
+</p:sld>
+</file>
+
+<file path=ppt/slides/slide40.xml><?xml version="1.0" encoding="utf-8"?>
+<p:sld xmlns:a="http://schemas.openxmlformats.org/drawingml/2006/main" xmlns:r="http://schemas.openxmlformats.org/officeDocument/2006/relationships" xmlns:p="http://schemas.openxmlformats.org/presentationml/2006/main">
+  <p:cSld>
+    <p:spTree>
+      <p:nvGrpSpPr>
+        <p:cNvPr id="1" name=""/>
+        <p:cNvGrpSpPr/>
+        <p:nvPr/>
+      </p:nvGrpSpPr>
+      <p:grpSpPr>
+        <a:xfrm>
+          <a:off x="0" y="0"/>
+          <a:ext cx="0" cy="0"/>
+          <a:chOff x="0" y="0"/>
+          <a:chExt cx="0" cy="0"/>
+        </a:xfrm>
+      </p:grpSpPr>
+      <p:sp>
+        <p:nvSpPr>
+          <p:cNvPr id="2" name="Title 1"/>
+          <p:cNvSpPr>
+            <a:spLocks noGrp="1"/>
+          </p:cNvSpPr>
+          <p:nvPr>
+            <p:ph type="title"/>
+          </p:nvPr>
+        </p:nvSpPr>
+        <p:spPr/>
+        <p:txBody>
+          <a:bodyPr/>
+          <a:lstStyle/>
+          <a:p>
+            <a:r>
+              <a:rPr lang="es-CL" dirty="0">
+                <a:latin typeface="Calibri" panose="020F0502020204030204" pitchFamily="34" charset="0"/>
+              </a:rPr>
+              <a:t>Organización del proyecto</a:t>
+            </a:r>
+            <a:endParaRPr lang="es-CL" dirty="0"/>
+          </a:p>
+        </p:txBody>
+      </p:sp>
+      <p:sp>
+        <p:nvSpPr>
+          <p:cNvPr id="4" name="Slide Number Placeholder 3"/>
+          <p:cNvSpPr>
+            <a:spLocks noGrp="1"/>
+          </p:cNvSpPr>
+          <p:nvPr>
+            <p:ph type="sldNum" sz="quarter" idx="12"/>
+          </p:nvPr>
+        </p:nvSpPr>
+        <p:spPr/>
+        <p:txBody>
+          <a:bodyPr/>
+          <a:lstStyle/>
+          <a:p>
+            <a:fld id="{82B5D99C-3243-4CCA-89CF-846763E29181}" type="slidenum">
+              <a:rPr lang="es-CL" smtClean="0"/>
+              <a:t>40</a:t>
+            </a:fld>
+            <a:endParaRPr lang="es-CL" dirty="0"/>
+          </a:p>
+        </p:txBody>
+      </p:sp>
+      <p:pic>
+        <p:nvPicPr>
+          <p:cNvPr id="5" name="Imagen 9884"/>
+          <p:cNvPicPr/>
+          <p:nvPr/>
+        </p:nvPicPr>
+        <p:blipFill>
+          <a:blip r:embed="rId2"/>
+          <a:stretch>
+            <a:fillRect/>
+          </a:stretch>
+        </p:blipFill>
+        <p:spPr>
+          <a:xfrm>
+            <a:off x="0" y="1973136"/>
+            <a:ext cx="9144000" cy="4884864"/>
+          </a:xfrm>
+          <a:prstGeom prst="rect">
+            <a:avLst/>
+          </a:prstGeom>
+        </p:spPr>
+      </p:pic>
+      <p:sp>
+        <p:nvSpPr>
+          <p:cNvPr id="6" name="Content Placeholder 2"/>
+          <p:cNvSpPr>
+            <a:spLocks noGrp="1"/>
+          </p:cNvSpPr>
+          <p:nvPr>
+            <p:ph idx="1"/>
+          </p:nvPr>
+        </p:nvSpPr>
+        <p:spPr>
+          <a:xfrm>
+            <a:off x="531639" y="1963285"/>
+            <a:ext cx="6887389" cy="3599316"/>
+          </a:xfrm>
+        </p:spPr>
+        <p:txBody>
+          <a:bodyPr/>
+          <a:lstStyle/>
+          <a:p>
+            <a:r>
+              <a:rPr lang="es-CL" dirty="0">
+                <a:latin typeface="Calibri" panose="020F0502020204030204" pitchFamily="34" charset="0"/>
+              </a:rPr>
+              <a:t>Modelo de procesos</a:t>
+            </a:r>
+          </a:p>
+          <a:p>
+            <a:pPr lvl="1"/>
+            <a:r>
+              <a:rPr lang="es-CL" dirty="0">
+                <a:latin typeface="Calibri" panose="020F0502020204030204" pitchFamily="34" charset="0"/>
+              </a:rPr>
+              <a:t>Procesos propuestos</a:t>
+            </a:r>
+          </a:p>
+        </p:txBody>
+      </p:sp>
+    </p:spTree>
+    <p:extLst>
+      <p:ext uri="{BB962C8B-B14F-4D97-AF65-F5344CB8AC3E}">
+        <p14:creationId xmlns:p14="http://schemas.microsoft.com/office/powerpoint/2010/main" val="1303646678"/>
+      </p:ext>
+    </p:extLst>
+  </p:cSld>
+  <p:clrMapOvr>
+    <a:masterClrMapping/>
+  </p:clrMapOvr>
+</p:sld>
+</file>
+
+<file path=ppt/slides/slide41.xml><?xml version="1.0" encoding="utf-8"?>
+<p:sld xmlns:a="http://schemas.openxmlformats.org/drawingml/2006/main" xmlns:r="http://schemas.openxmlformats.org/officeDocument/2006/relationships" xmlns:p="http://schemas.openxmlformats.org/presentationml/2006/main">
+  <p:cSld>
+    <p:spTree>
+      <p:nvGrpSpPr>
+        <p:cNvPr id="1" name=""/>
+        <p:cNvGrpSpPr/>
+        <p:nvPr/>
+      </p:nvGrpSpPr>
+      <p:grpSpPr>
+        <a:xfrm>
+          <a:off x="0" y="0"/>
+          <a:ext cx="0" cy="0"/>
+          <a:chOff x="0" y="0"/>
+          <a:chExt cx="0" cy="0"/>
+        </a:xfrm>
+      </p:grpSpPr>
+      <p:sp>
+        <p:nvSpPr>
+          <p:cNvPr id="2" name="Title 1"/>
+          <p:cNvSpPr>
+            <a:spLocks noGrp="1"/>
+          </p:cNvSpPr>
+          <p:nvPr>
+            <p:ph type="title"/>
+          </p:nvPr>
+        </p:nvSpPr>
+        <p:spPr/>
+        <p:txBody>
+          <a:bodyPr/>
+          <a:lstStyle/>
+          <a:p>
+            <a:r>
+              <a:rPr lang="es-CL" dirty="0">
+                <a:latin typeface="Calibri" panose="020F0502020204030204" pitchFamily="34" charset="0"/>
+              </a:rPr>
+              <a:t>Organización del proyecto</a:t>
+            </a:r>
+            <a:endParaRPr lang="es-CL" dirty="0"/>
+          </a:p>
+        </p:txBody>
+      </p:sp>
+      <p:sp>
+        <p:nvSpPr>
+          <p:cNvPr id="3" name="Content Placeholder 2"/>
+          <p:cNvSpPr>
+            <a:spLocks noGrp="1"/>
+          </p:cNvSpPr>
+          <p:nvPr>
+            <p:ph idx="1"/>
+          </p:nvPr>
+        </p:nvSpPr>
+        <p:spPr>
+          <a:xfrm>
+            <a:off x="531639" y="1963285"/>
+            <a:ext cx="6887389" cy="3599316"/>
+          </a:xfrm>
+        </p:spPr>
+        <p:txBody>
+          <a:bodyPr/>
+          <a:lstStyle/>
+          <a:p>
+            <a:r>
+              <a:rPr lang="es-CL" dirty="0">
+                <a:latin typeface="Calibri" panose="020F0502020204030204" pitchFamily="34" charset="0"/>
+              </a:rPr>
+              <a:t>Modelo de procesos</a:t>
+            </a:r>
+          </a:p>
+          <a:p>
+            <a:pPr lvl="1"/>
+            <a:r>
+              <a:rPr lang="es-CL" dirty="0">
+                <a:latin typeface="Calibri" panose="020F0502020204030204" pitchFamily="34" charset="0"/>
+              </a:rPr>
+              <a:t>Procesos propuestos</a:t>
+            </a:r>
+          </a:p>
+        </p:txBody>
+      </p:sp>
+      <p:pic>
+        <p:nvPicPr>
+          <p:cNvPr id="2050" name="Picture 2" descr="Resultado de imagen para duoc"/>
+          <p:cNvPicPr>
+            <a:picLocks noChangeAspect="1" noChangeArrowheads="1"/>
+          </p:cNvPicPr>
+          <p:nvPr/>
+        </p:nvPicPr>
+        <p:blipFill>
+          <a:blip r:embed="rId2">
+            <a:extLst>
+              <a:ext uri="{28A0092B-C50C-407E-A947-70E740481C1C}">
+                <a14:useLocalDpi xmlns:a14="http://schemas.microsoft.com/office/drawing/2010/main" val="0"/>
+              </a:ext>
+            </a:extLst>
+          </a:blip>
+          <a:srcRect/>
+          <a:stretch>
+            <a:fillRect/>
+          </a:stretch>
+        </p:blipFill>
+        <p:spPr bwMode="auto">
+          <a:xfrm>
+            <a:off x="7770945" y="599455"/>
+            <a:ext cx="1373055" cy="307545"/>
+          </a:xfrm>
+          <a:prstGeom prst="rect">
+            <a:avLst/>
+          </a:prstGeom>
+          <a:noFill/>
+          <a:extLst>
+            <a:ext uri="{909E8E84-426E-40DD-AFC4-6F175D3DCCD1}">
+              <a14:hiddenFill xmlns:a14="http://schemas.microsoft.com/office/drawing/2010/main">
+                <a:solidFill>
+                  <a:srgbClr val="FFFFFF"/>
+                </a:solidFill>
+              </a14:hiddenFill>
+            </a:ext>
+          </a:extLst>
+        </p:spPr>
+      </p:pic>
+      <p:sp>
+        <p:nvSpPr>
+          <p:cNvPr id="5" name="Slide Number Placeholder 4"/>
+          <p:cNvSpPr>
+            <a:spLocks noGrp="1"/>
+          </p:cNvSpPr>
+          <p:nvPr>
+            <p:ph type="sldNum" sz="quarter" idx="12"/>
+          </p:nvPr>
+        </p:nvSpPr>
+        <p:spPr/>
+        <p:txBody>
+          <a:bodyPr/>
+          <a:lstStyle/>
+          <a:p>
+            <a:pPr algn="ctr"/>
+            <a:fld id="{82B5D99C-3243-4CCA-89CF-846763E29181}" type="slidenum">
+              <a:rPr lang="es-CL" smtClean="0"/>
+              <a:pPr algn="ctr"/>
+              <a:t>41</a:t>
+            </a:fld>
+            <a:endParaRPr lang="es-CL" dirty="0"/>
+          </a:p>
+        </p:txBody>
+      </p:sp>
+      <p:pic>
+        <p:nvPicPr>
+          <p:cNvPr id="6" name="Imagen 9885"/>
+          <p:cNvPicPr/>
+          <p:nvPr/>
+        </p:nvPicPr>
+        <p:blipFill>
+          <a:blip r:embed="rId3"/>
+          <a:stretch>
+            <a:fillRect/>
+          </a:stretch>
+        </p:blipFill>
+        <p:spPr>
+          <a:xfrm>
+            <a:off x="1" y="1484243"/>
+            <a:ext cx="9144000" cy="5373757"/>
+          </a:xfrm>
+          <a:prstGeom prst="rect">
+            <a:avLst/>
+          </a:prstGeom>
+        </p:spPr>
+      </p:pic>
+    </p:spTree>
+    <p:extLst>
+      <p:ext uri="{BB962C8B-B14F-4D97-AF65-F5344CB8AC3E}">
+        <p14:creationId xmlns:p14="http://schemas.microsoft.com/office/powerpoint/2010/main" val="298885835"/>
+      </p:ext>
+    </p:extLst>
+  </p:cSld>
+  <p:clrMapOvr>
+    <a:masterClrMapping/>
+  </p:clrMapOvr>
+</p:sld>
+</file>
+
+<file path=ppt/slides/slide42.xml><?xml version="1.0" encoding="utf-8"?>
+<p:sld xmlns:a="http://schemas.openxmlformats.org/drawingml/2006/main" xmlns:r="http://schemas.openxmlformats.org/officeDocument/2006/relationships" xmlns:p="http://schemas.openxmlformats.org/presentationml/2006/main">
+  <p:cSld>
+    <p:spTree>
+      <p:nvGrpSpPr>
+        <p:cNvPr id="1" name=""/>
+        <p:cNvGrpSpPr/>
+        <p:nvPr/>
+      </p:nvGrpSpPr>
+      <p:grpSpPr>
+        <a:xfrm>
+          <a:off x="0" y="0"/>
+          <a:ext cx="0" cy="0"/>
+          <a:chOff x="0" y="0"/>
+          <a:chExt cx="0" cy="0"/>
+        </a:xfrm>
+      </p:grpSpPr>
+      <p:sp>
+        <p:nvSpPr>
+          <p:cNvPr id="2" name="Title 1"/>
+          <p:cNvSpPr>
+            <a:spLocks noGrp="1"/>
+          </p:cNvSpPr>
+          <p:nvPr>
+            <p:ph type="title"/>
+          </p:nvPr>
+        </p:nvSpPr>
+        <p:spPr/>
+        <p:txBody>
+          <a:bodyPr/>
+          <a:lstStyle/>
+          <a:p>
+            <a:r>
+              <a:rPr lang="es-CL" dirty="0">
+                <a:latin typeface="Calibri" panose="020F0502020204030204" pitchFamily="34" charset="0"/>
+              </a:rPr>
+              <a:t>Organización del proyecto</a:t>
+            </a:r>
+            <a:endParaRPr lang="es-CL" dirty="0"/>
+          </a:p>
+        </p:txBody>
+      </p:sp>
+      <p:sp>
+        <p:nvSpPr>
+          <p:cNvPr id="3" name="Content Placeholder 2"/>
+          <p:cNvSpPr>
+            <a:spLocks noGrp="1"/>
+          </p:cNvSpPr>
+          <p:nvPr>
+            <p:ph idx="1"/>
+          </p:nvPr>
+        </p:nvSpPr>
+        <p:spPr>
+          <a:xfrm>
+            <a:off x="531639" y="1963285"/>
+            <a:ext cx="6887389" cy="3599316"/>
+          </a:xfrm>
+        </p:spPr>
+        <p:txBody>
+          <a:bodyPr/>
+          <a:lstStyle/>
+          <a:p>
+            <a:r>
+              <a:rPr lang="es-CL" dirty="0">
+                <a:latin typeface="Calibri" panose="020F0502020204030204" pitchFamily="34" charset="0"/>
+              </a:rPr>
+              <a:t>Modelo de procesos</a:t>
+            </a:r>
+          </a:p>
+          <a:p>
+            <a:pPr lvl="1"/>
+            <a:r>
+              <a:rPr lang="es-CL" dirty="0">
+                <a:latin typeface="Calibri" panose="020F0502020204030204" pitchFamily="34" charset="0"/>
+              </a:rPr>
+              <a:t>Procesos propuestos</a:t>
+            </a:r>
+          </a:p>
+        </p:txBody>
+      </p:sp>
+      <p:pic>
+        <p:nvPicPr>
+          <p:cNvPr id="2050" name="Picture 2" descr="Resultado de imagen para duoc"/>
+          <p:cNvPicPr>
+            <a:picLocks noChangeAspect="1" noChangeArrowheads="1"/>
+          </p:cNvPicPr>
+          <p:nvPr/>
+        </p:nvPicPr>
+        <p:blipFill>
+          <a:blip r:embed="rId2">
+            <a:extLst>
+              <a:ext uri="{28A0092B-C50C-407E-A947-70E740481C1C}">
+                <a14:useLocalDpi xmlns:a14="http://schemas.microsoft.com/office/drawing/2010/main" val="0"/>
+              </a:ext>
+            </a:extLst>
+          </a:blip>
+          <a:srcRect/>
+          <a:stretch>
+            <a:fillRect/>
+          </a:stretch>
+        </p:blipFill>
+        <p:spPr bwMode="auto">
+          <a:xfrm>
+            <a:off x="7770945" y="599455"/>
+            <a:ext cx="1373055" cy="307545"/>
+          </a:xfrm>
+          <a:prstGeom prst="rect">
+            <a:avLst/>
+          </a:prstGeom>
+          <a:noFill/>
+          <a:extLst>
+            <a:ext uri="{909E8E84-426E-40DD-AFC4-6F175D3DCCD1}">
+              <a14:hiddenFill xmlns:a14="http://schemas.microsoft.com/office/drawing/2010/main">
+                <a:solidFill>
+                  <a:srgbClr val="FFFFFF"/>
+                </a:solidFill>
+              </a14:hiddenFill>
+            </a:ext>
+          </a:extLst>
+        </p:spPr>
+      </p:pic>
+      <p:sp>
+        <p:nvSpPr>
+          <p:cNvPr id="5" name="Slide Number Placeholder 4"/>
+          <p:cNvSpPr>
+            <a:spLocks noGrp="1"/>
+          </p:cNvSpPr>
+          <p:nvPr>
+            <p:ph type="sldNum" sz="quarter" idx="12"/>
+          </p:nvPr>
+        </p:nvSpPr>
+        <p:spPr/>
+        <p:txBody>
+          <a:bodyPr/>
+          <a:lstStyle/>
+          <a:p>
+            <a:pPr algn="ctr"/>
+            <a:fld id="{82B5D99C-3243-4CCA-89CF-846763E29181}" type="slidenum">
+              <a:rPr lang="es-CL" smtClean="0"/>
+              <a:pPr algn="ctr"/>
+              <a:t>42</a:t>
+            </a:fld>
+            <a:endParaRPr lang="es-CL" dirty="0"/>
+          </a:p>
+        </p:txBody>
+      </p:sp>
+      <p:pic>
+        <p:nvPicPr>
+          <p:cNvPr id="6" name="Imagen 9886"/>
+          <p:cNvPicPr/>
+          <p:nvPr/>
+        </p:nvPicPr>
+        <p:blipFill>
+          <a:blip r:embed="rId3"/>
+          <a:stretch>
+            <a:fillRect/>
+          </a:stretch>
+        </p:blipFill>
+        <p:spPr>
+          <a:xfrm>
+            <a:off x="0" y="2796209"/>
+            <a:ext cx="9144000" cy="4061791"/>
+          </a:xfrm>
+          <a:prstGeom prst="rect">
+            <a:avLst/>
+          </a:prstGeom>
+        </p:spPr>
+      </p:pic>
+    </p:spTree>
+    <p:extLst>
+      <p:ext uri="{BB962C8B-B14F-4D97-AF65-F5344CB8AC3E}">
+        <p14:creationId xmlns:p14="http://schemas.microsoft.com/office/powerpoint/2010/main" val="1292021809"/>
+      </p:ext>
+    </p:extLst>
+  </p:cSld>
+  <p:clrMapOvr>
+    <a:masterClrMapping/>
+  </p:clrMapOvr>
+</p:sld>
+</file>
+
+<file path=ppt/slides/slide43.xml><?xml version="1.0" encoding="utf-8"?>
+<p:sld xmlns:a="http://schemas.openxmlformats.org/drawingml/2006/main" xmlns:r="http://schemas.openxmlformats.org/officeDocument/2006/relationships" xmlns:p="http://schemas.openxmlformats.org/presentationml/2006/main">
+  <p:cSld>
+    <p:spTree>
+      <p:nvGrpSpPr>
+        <p:cNvPr id="1" name=""/>
+        <p:cNvGrpSpPr/>
+        <p:nvPr/>
+      </p:nvGrpSpPr>
+      <p:grpSpPr>
+        <a:xfrm>
+          <a:off x="0" y="0"/>
+          <a:ext cx="0" cy="0"/>
+          <a:chOff x="0" y="0"/>
+          <a:chExt cx="0" cy="0"/>
+        </a:xfrm>
+      </p:grpSpPr>
+      <p:sp>
+        <p:nvSpPr>
+          <p:cNvPr id="2" name="Title 1"/>
+          <p:cNvSpPr>
+            <a:spLocks noGrp="1"/>
+          </p:cNvSpPr>
+          <p:nvPr>
+            <p:ph type="title"/>
+          </p:nvPr>
+        </p:nvSpPr>
+        <p:spPr/>
+        <p:txBody>
+          <a:bodyPr/>
+          <a:lstStyle/>
+          <a:p>
+            <a:r>
+              <a:rPr lang="es-CL" dirty="0">
+                <a:latin typeface="Calibri" panose="020F0502020204030204" pitchFamily="34" charset="0"/>
+              </a:rPr>
+              <a:t>Organización del proyecto</a:t>
+            </a:r>
+            <a:endParaRPr lang="es-CL" dirty="0"/>
+          </a:p>
+        </p:txBody>
+      </p:sp>
+      <p:sp>
+        <p:nvSpPr>
+          <p:cNvPr id="3" name="Content Placeholder 2"/>
+          <p:cNvSpPr>
+            <a:spLocks noGrp="1"/>
+          </p:cNvSpPr>
+          <p:nvPr>
+            <p:ph idx="1"/>
+          </p:nvPr>
+        </p:nvSpPr>
+        <p:spPr>
+          <a:xfrm>
+            <a:off x="531639" y="1963285"/>
+            <a:ext cx="6887389" cy="3599316"/>
+          </a:xfrm>
+        </p:spPr>
+        <p:txBody>
+          <a:bodyPr/>
+          <a:lstStyle/>
+          <a:p>
+            <a:r>
+              <a:rPr lang="es-CL" dirty="0">
+                <a:latin typeface="Calibri" panose="020F0502020204030204" pitchFamily="34" charset="0"/>
+              </a:rPr>
+              <a:t>Modelo de procesos</a:t>
+            </a:r>
+          </a:p>
+          <a:p>
+            <a:pPr lvl="1"/>
+            <a:r>
+              <a:rPr lang="es-CL" dirty="0">
+                <a:latin typeface="Calibri" panose="020F0502020204030204" pitchFamily="34" charset="0"/>
+              </a:rPr>
+              <a:t>Procesos propuestos</a:t>
+            </a:r>
+          </a:p>
+        </p:txBody>
+      </p:sp>
+      <p:pic>
+        <p:nvPicPr>
+          <p:cNvPr id="2050" name="Picture 2" descr="Resultado de imagen para duoc"/>
+          <p:cNvPicPr>
+            <a:picLocks noChangeAspect="1" noChangeArrowheads="1"/>
+          </p:cNvPicPr>
+          <p:nvPr/>
+        </p:nvPicPr>
+        <p:blipFill>
+          <a:blip r:embed="rId2">
+            <a:extLst>
+              <a:ext uri="{28A0092B-C50C-407E-A947-70E740481C1C}">
+                <a14:useLocalDpi xmlns:a14="http://schemas.microsoft.com/office/drawing/2010/main" val="0"/>
+              </a:ext>
+            </a:extLst>
+          </a:blip>
+          <a:srcRect/>
+          <a:stretch>
+            <a:fillRect/>
+          </a:stretch>
+        </p:blipFill>
+        <p:spPr bwMode="auto">
+          <a:xfrm>
+            <a:off x="7770945" y="599455"/>
+            <a:ext cx="1373055" cy="307545"/>
+          </a:xfrm>
+          <a:prstGeom prst="rect">
+            <a:avLst/>
+          </a:prstGeom>
+          <a:noFill/>
+          <a:extLst>
+            <a:ext uri="{909E8E84-426E-40DD-AFC4-6F175D3DCCD1}">
+              <a14:hiddenFill xmlns:a14="http://schemas.microsoft.com/office/drawing/2010/main">
+                <a:solidFill>
+                  <a:srgbClr val="FFFFFF"/>
+                </a:solidFill>
+              </a14:hiddenFill>
+            </a:ext>
+          </a:extLst>
+        </p:spPr>
+      </p:pic>
+      <p:sp>
+        <p:nvSpPr>
+          <p:cNvPr id="5" name="Slide Number Placeholder 4"/>
+          <p:cNvSpPr>
+            <a:spLocks noGrp="1"/>
+          </p:cNvSpPr>
+          <p:nvPr>
+            <p:ph type="sldNum" sz="quarter" idx="12"/>
+          </p:nvPr>
+        </p:nvSpPr>
+        <p:spPr/>
+        <p:txBody>
+          <a:bodyPr/>
+          <a:lstStyle/>
+          <a:p>
+            <a:pPr algn="ctr"/>
+            <a:fld id="{82B5D99C-3243-4CCA-89CF-846763E29181}" type="slidenum">
+              <a:rPr lang="es-CL" smtClean="0"/>
+              <a:pPr algn="ctr"/>
+              <a:t>43</a:t>
+            </a:fld>
+            <a:endParaRPr lang="es-CL" dirty="0"/>
+          </a:p>
+        </p:txBody>
+      </p:sp>
+      <p:pic>
+        <p:nvPicPr>
+          <p:cNvPr id="6" name="Imagen 9887"/>
+          <p:cNvPicPr/>
+          <p:nvPr/>
+        </p:nvPicPr>
+        <p:blipFill>
+          <a:blip r:embed="rId3"/>
+          <a:stretch>
+            <a:fillRect/>
+          </a:stretch>
+        </p:blipFill>
+        <p:spPr>
+          <a:xfrm>
+            <a:off x="0" y="3843130"/>
+            <a:ext cx="9144000" cy="3014870"/>
+          </a:xfrm>
+          <a:prstGeom prst="rect">
+            <a:avLst/>
+          </a:prstGeom>
+        </p:spPr>
+      </p:pic>
+    </p:spTree>
+    <p:extLst>
+      <p:ext uri="{BB962C8B-B14F-4D97-AF65-F5344CB8AC3E}">
+        <p14:creationId xmlns:p14="http://schemas.microsoft.com/office/powerpoint/2010/main" val="4188580565"/>
+      </p:ext>
+    </p:extLst>
+  </p:cSld>
+  <p:clrMapOvr>
+    <a:masterClrMapping/>
+  </p:clrMapOvr>
+</p:sld>
+</file>
+
+<file path=ppt/slides/slide44.xml><?xml version="1.0" encoding="utf-8"?>
+<p:sld xmlns:a="http://schemas.openxmlformats.org/drawingml/2006/main" xmlns:r="http://schemas.openxmlformats.org/officeDocument/2006/relationships" xmlns:p="http://schemas.openxmlformats.org/presentationml/2006/main">
+  <p:cSld>
+    <p:spTree>
+      <p:nvGrpSpPr>
+        <p:cNvPr id="1" name=""/>
+        <p:cNvGrpSpPr/>
+        <p:nvPr/>
+      </p:nvGrpSpPr>
+      <p:grpSpPr>
+        <a:xfrm>
+          <a:off x="0" y="0"/>
+          <a:ext cx="0" cy="0"/>
+          <a:chOff x="0" y="0"/>
+          <a:chExt cx="0" cy="0"/>
+        </a:xfrm>
+      </p:grpSpPr>
+      <p:sp>
+        <p:nvSpPr>
+          <p:cNvPr id="2" name="Title 1"/>
+          <p:cNvSpPr>
+            <a:spLocks noGrp="1"/>
+          </p:cNvSpPr>
+          <p:nvPr>
+            <p:ph type="title"/>
+          </p:nvPr>
+        </p:nvSpPr>
+        <p:spPr/>
+        <p:txBody>
+          <a:bodyPr/>
+          <a:lstStyle/>
+          <a:p>
+            <a:r>
+              <a:rPr lang="es-CL" dirty="0">
+                <a:latin typeface="Calibri" panose="020F0502020204030204" pitchFamily="34" charset="0"/>
+              </a:rPr>
+              <a:t>Organización del proyecto</a:t>
+            </a:r>
+            <a:endParaRPr lang="es-CL" dirty="0"/>
+          </a:p>
+        </p:txBody>
+      </p:sp>
+      <p:sp>
+        <p:nvSpPr>
+          <p:cNvPr id="3" name="Content Placeholder 2"/>
+          <p:cNvSpPr>
+            <a:spLocks noGrp="1"/>
+          </p:cNvSpPr>
+          <p:nvPr>
+            <p:ph idx="1"/>
+          </p:nvPr>
+        </p:nvSpPr>
+        <p:spPr>
+          <a:xfrm>
+            <a:off x="531639" y="1963285"/>
+            <a:ext cx="6887389" cy="3599316"/>
+          </a:xfrm>
+        </p:spPr>
+        <p:txBody>
+          <a:bodyPr/>
+          <a:lstStyle/>
+          <a:p>
+            <a:r>
+              <a:rPr lang="es-CL" dirty="0">
+                <a:latin typeface="Calibri" panose="020F0502020204030204" pitchFamily="34" charset="0"/>
+              </a:rPr>
+              <a:t>Modelo de procesos</a:t>
+            </a:r>
+          </a:p>
+          <a:p>
+            <a:pPr lvl="1"/>
+            <a:r>
+              <a:rPr lang="es-CL" dirty="0">
+                <a:latin typeface="Calibri" panose="020F0502020204030204" pitchFamily="34" charset="0"/>
+              </a:rPr>
+              <a:t>Procesos propuestos</a:t>
+            </a:r>
+          </a:p>
+        </p:txBody>
+      </p:sp>
+      <p:pic>
+        <p:nvPicPr>
+          <p:cNvPr id="2050" name="Picture 2" descr="Resultado de imagen para duoc"/>
+          <p:cNvPicPr>
+            <a:picLocks noChangeAspect="1" noChangeArrowheads="1"/>
+          </p:cNvPicPr>
+          <p:nvPr/>
+        </p:nvPicPr>
+        <p:blipFill>
+          <a:blip r:embed="rId2">
+            <a:extLst>
+              <a:ext uri="{28A0092B-C50C-407E-A947-70E740481C1C}">
+                <a14:useLocalDpi xmlns:a14="http://schemas.microsoft.com/office/drawing/2010/main" val="0"/>
+              </a:ext>
+            </a:extLst>
+          </a:blip>
+          <a:srcRect/>
+          <a:stretch>
+            <a:fillRect/>
+          </a:stretch>
+        </p:blipFill>
+        <p:spPr bwMode="auto">
+          <a:xfrm>
+            <a:off x="7770945" y="599455"/>
+            <a:ext cx="1373055" cy="307545"/>
+          </a:xfrm>
+          <a:prstGeom prst="rect">
+            <a:avLst/>
+          </a:prstGeom>
+          <a:noFill/>
+          <a:extLst>
+            <a:ext uri="{909E8E84-426E-40DD-AFC4-6F175D3DCCD1}">
+              <a14:hiddenFill xmlns:a14="http://schemas.microsoft.com/office/drawing/2010/main">
+                <a:solidFill>
+                  <a:srgbClr val="FFFFFF"/>
+                </a:solidFill>
+              </a14:hiddenFill>
+            </a:ext>
+          </a:extLst>
+        </p:spPr>
+      </p:pic>
+      <p:sp>
+        <p:nvSpPr>
+          <p:cNvPr id="5" name="Slide Number Placeholder 4"/>
+          <p:cNvSpPr>
+            <a:spLocks noGrp="1"/>
+          </p:cNvSpPr>
+          <p:nvPr>
+            <p:ph type="sldNum" sz="quarter" idx="12"/>
+          </p:nvPr>
+        </p:nvSpPr>
+        <p:spPr/>
+        <p:txBody>
+          <a:bodyPr/>
+          <a:lstStyle/>
+          <a:p>
+            <a:pPr algn="ctr"/>
+            <a:fld id="{82B5D99C-3243-4CCA-89CF-846763E29181}" type="slidenum">
+              <a:rPr lang="es-CL" smtClean="0"/>
+              <a:pPr algn="ctr"/>
+              <a:t>44</a:t>
+            </a:fld>
+            <a:endParaRPr lang="es-CL" dirty="0"/>
+          </a:p>
+        </p:txBody>
+      </p:sp>
+      <p:pic>
+        <p:nvPicPr>
+          <p:cNvPr id="6" name="Imagen 9888"/>
+          <p:cNvPicPr/>
+          <p:nvPr/>
+        </p:nvPicPr>
+        <p:blipFill>
+          <a:blip r:embed="rId3"/>
+          <a:stretch>
+            <a:fillRect/>
+          </a:stretch>
+        </p:blipFill>
+        <p:spPr>
+          <a:xfrm>
+            <a:off x="1" y="1537252"/>
+            <a:ext cx="9144000" cy="5320748"/>
+          </a:xfrm>
+          <a:prstGeom prst="rect">
+            <a:avLst/>
+          </a:prstGeom>
+        </p:spPr>
+      </p:pic>
+    </p:spTree>
+    <p:extLst>
+      <p:ext uri="{BB962C8B-B14F-4D97-AF65-F5344CB8AC3E}">
+        <p14:creationId xmlns:p14="http://schemas.microsoft.com/office/powerpoint/2010/main" val="342095723"/>
+      </p:ext>
+    </p:extLst>
+  </p:cSld>
+  <p:clrMapOvr>
+    <a:masterClrMapping/>
+  </p:clrMapOvr>
+</p:sld>
+</file>
+
+<file path=ppt/slides/slide45.xml><?xml version="1.0" encoding="utf-8"?>
+<p:sld xmlns:a="http://schemas.openxmlformats.org/drawingml/2006/main" xmlns:r="http://schemas.openxmlformats.org/officeDocument/2006/relationships" xmlns:p="http://schemas.openxmlformats.org/presentationml/2006/main">
+  <p:cSld>
+    <p:spTree>
+      <p:nvGrpSpPr>
+        <p:cNvPr id="1" name=""/>
+        <p:cNvGrpSpPr/>
+        <p:nvPr/>
+      </p:nvGrpSpPr>
+      <p:grpSpPr>
+        <a:xfrm>
+          <a:off x="0" y="0"/>
+          <a:ext cx="0" cy="0"/>
+          <a:chOff x="0" y="0"/>
+          <a:chExt cx="0" cy="0"/>
+        </a:xfrm>
+      </p:grpSpPr>
+      <p:sp>
+        <p:nvSpPr>
+          <p:cNvPr id="2" name="Title 1"/>
+          <p:cNvSpPr>
+            <a:spLocks noGrp="1"/>
+          </p:cNvSpPr>
+          <p:nvPr>
+            <p:ph type="title"/>
+          </p:nvPr>
+        </p:nvSpPr>
+        <p:spPr/>
+        <p:txBody>
+          <a:bodyPr/>
+          <a:lstStyle/>
+          <a:p>
+            <a:r>
+              <a:rPr lang="es-CL" dirty="0">
+                <a:latin typeface="Calibri" panose="020F0502020204030204" pitchFamily="34" charset="0"/>
+              </a:rPr>
+              <a:t>Organización del proyecto</a:t>
+            </a:r>
+            <a:endParaRPr lang="es-CL" dirty="0"/>
+          </a:p>
+        </p:txBody>
+      </p:sp>
+      <p:sp>
+        <p:nvSpPr>
+          <p:cNvPr id="3" name="Content Placeholder 2"/>
+          <p:cNvSpPr>
+            <a:spLocks noGrp="1"/>
+          </p:cNvSpPr>
+          <p:nvPr>
+            <p:ph idx="1"/>
+          </p:nvPr>
+        </p:nvSpPr>
+        <p:spPr>
+          <a:xfrm>
+            <a:off x="531639" y="1963285"/>
+            <a:ext cx="6887389" cy="3599316"/>
+          </a:xfrm>
+        </p:spPr>
+        <p:txBody>
+          <a:bodyPr/>
+          <a:lstStyle/>
+          <a:p>
+            <a:r>
+              <a:rPr lang="es-CL" dirty="0">
+                <a:latin typeface="Calibri" panose="020F0502020204030204" pitchFamily="34" charset="0"/>
+              </a:rPr>
+              <a:t>Modelo de procesos</a:t>
+            </a:r>
+          </a:p>
+          <a:p>
+            <a:pPr lvl="1"/>
+            <a:r>
+              <a:rPr lang="es-CL" dirty="0">
+                <a:latin typeface="Calibri" panose="020F0502020204030204" pitchFamily="34" charset="0"/>
+              </a:rPr>
+              <a:t>Procesos propuestos</a:t>
+            </a:r>
+          </a:p>
+        </p:txBody>
+      </p:sp>
+      <p:pic>
+        <p:nvPicPr>
+          <p:cNvPr id="2050" name="Picture 2" descr="Resultado de imagen para duoc"/>
+          <p:cNvPicPr>
+            <a:picLocks noChangeAspect="1" noChangeArrowheads="1"/>
+          </p:cNvPicPr>
+          <p:nvPr/>
+        </p:nvPicPr>
+        <p:blipFill>
+          <a:blip r:embed="rId2">
+            <a:extLst>
+              <a:ext uri="{28A0092B-C50C-407E-A947-70E740481C1C}">
+                <a14:useLocalDpi xmlns:a14="http://schemas.microsoft.com/office/drawing/2010/main" val="0"/>
+              </a:ext>
+            </a:extLst>
+          </a:blip>
+          <a:srcRect/>
+          <a:stretch>
+            <a:fillRect/>
+          </a:stretch>
+        </p:blipFill>
+        <p:spPr bwMode="auto">
+          <a:xfrm>
+            <a:off x="7770945" y="599455"/>
+            <a:ext cx="1373055" cy="307545"/>
+          </a:xfrm>
+          <a:prstGeom prst="rect">
+            <a:avLst/>
+          </a:prstGeom>
+          <a:noFill/>
+          <a:extLst>
+            <a:ext uri="{909E8E84-426E-40DD-AFC4-6F175D3DCCD1}">
+              <a14:hiddenFill xmlns:a14="http://schemas.microsoft.com/office/drawing/2010/main">
+                <a:solidFill>
+                  <a:srgbClr val="FFFFFF"/>
+                </a:solidFill>
+              </a14:hiddenFill>
+            </a:ext>
+          </a:extLst>
+        </p:spPr>
+      </p:pic>
+      <p:sp>
+        <p:nvSpPr>
+          <p:cNvPr id="5" name="Slide Number Placeholder 4"/>
+          <p:cNvSpPr>
+            <a:spLocks noGrp="1"/>
+          </p:cNvSpPr>
+          <p:nvPr>
+            <p:ph type="sldNum" sz="quarter" idx="12"/>
+          </p:nvPr>
+        </p:nvSpPr>
+        <p:spPr/>
+        <p:txBody>
+          <a:bodyPr/>
+          <a:lstStyle/>
+          <a:p>
+            <a:pPr algn="ctr"/>
+            <a:fld id="{82B5D99C-3243-4CCA-89CF-846763E29181}" type="slidenum">
+              <a:rPr lang="es-CL" smtClean="0"/>
+              <a:pPr algn="ctr"/>
+              <a:t>45</a:t>
+            </a:fld>
+            <a:endParaRPr lang="es-CL" dirty="0"/>
+          </a:p>
+        </p:txBody>
+      </p:sp>
+      <p:pic>
+        <p:nvPicPr>
+          <p:cNvPr id="6" name="Imagen 9889"/>
+          <p:cNvPicPr/>
+          <p:nvPr/>
+        </p:nvPicPr>
+        <p:blipFill>
+          <a:blip r:embed="rId3"/>
+          <a:stretch>
+            <a:fillRect/>
+          </a:stretch>
+        </p:blipFill>
+        <p:spPr>
+          <a:xfrm>
+            <a:off x="1189819" y="2809461"/>
+            <a:ext cx="6581126" cy="4048539"/>
+          </a:xfrm>
+          <a:prstGeom prst="rect">
+            <a:avLst/>
+          </a:prstGeom>
+        </p:spPr>
+      </p:pic>
+    </p:spTree>
+    <p:extLst>
+      <p:ext uri="{BB962C8B-B14F-4D97-AF65-F5344CB8AC3E}">
+        <p14:creationId xmlns:p14="http://schemas.microsoft.com/office/powerpoint/2010/main" val="4217713386"/>
+      </p:ext>
+    </p:extLst>
+  </p:cSld>
+  <p:clrMapOvr>
+    <a:masterClrMapping/>
+  </p:clrMapOvr>
+</p:sld>
+</file>
+
+<file path=ppt/slides/slide46.xml><?xml version="1.0" encoding="utf-8"?>
+<p:sld xmlns:a="http://schemas.openxmlformats.org/drawingml/2006/main" xmlns:r="http://schemas.openxmlformats.org/officeDocument/2006/relationships" xmlns:p="http://schemas.openxmlformats.org/presentationml/2006/main">
+  <p:cSld>
+    <p:spTree>
+      <p:nvGrpSpPr>
+        <p:cNvPr id="1" name=""/>
+        <p:cNvGrpSpPr/>
+        <p:nvPr/>
+      </p:nvGrpSpPr>
+      <p:grpSpPr>
+        <a:xfrm>
+          <a:off x="0" y="0"/>
+          <a:ext cx="0" cy="0"/>
+          <a:chOff x="0" y="0"/>
+          <a:chExt cx="0" cy="0"/>
+        </a:xfrm>
+      </p:grpSpPr>
+      <p:sp>
+        <p:nvSpPr>
+          <p:cNvPr id="2" name="Title 1"/>
+          <p:cNvSpPr>
+            <a:spLocks noGrp="1"/>
+          </p:cNvSpPr>
+          <p:nvPr>
+            <p:ph type="title"/>
+          </p:nvPr>
+        </p:nvSpPr>
+        <p:spPr/>
+        <p:txBody>
+          <a:bodyPr/>
+          <a:lstStyle/>
+          <a:p>
+            <a:r>
+              <a:rPr lang="es-CL" dirty="0">
+                <a:latin typeface="Calibri" panose="020F0502020204030204" pitchFamily="34" charset="0"/>
+              </a:rPr>
+              <a:t>Organización del proyecto</a:t>
+            </a:r>
+            <a:endParaRPr lang="es-CL" dirty="0"/>
+          </a:p>
+        </p:txBody>
+      </p:sp>
+      <p:sp>
+        <p:nvSpPr>
+          <p:cNvPr id="3" name="Content Placeholder 2"/>
+          <p:cNvSpPr>
+            <a:spLocks noGrp="1"/>
+          </p:cNvSpPr>
+          <p:nvPr>
+            <p:ph idx="1"/>
+          </p:nvPr>
+        </p:nvSpPr>
+        <p:spPr>
+          <a:xfrm>
+            <a:off x="531639" y="1963285"/>
+            <a:ext cx="6887389" cy="3599316"/>
+          </a:xfrm>
+        </p:spPr>
+        <p:txBody>
+          <a:bodyPr/>
+          <a:lstStyle/>
+          <a:p>
+            <a:r>
+              <a:rPr lang="es-CL" dirty="0">
+                <a:latin typeface="Calibri" panose="020F0502020204030204" pitchFamily="34" charset="0"/>
+              </a:rPr>
+              <a:t>Modelo de procesos</a:t>
+            </a:r>
+          </a:p>
+          <a:p>
+            <a:pPr lvl="1"/>
+            <a:r>
+              <a:rPr lang="es-CL" dirty="0">
+                <a:latin typeface="Calibri" panose="020F0502020204030204" pitchFamily="34" charset="0"/>
+              </a:rPr>
+              <a:t>Procesos propuestos</a:t>
+            </a:r>
+          </a:p>
+        </p:txBody>
+      </p:sp>
+      <p:pic>
+        <p:nvPicPr>
+          <p:cNvPr id="2050" name="Picture 2" descr="Resultado de imagen para duoc"/>
+          <p:cNvPicPr>
+            <a:picLocks noChangeAspect="1" noChangeArrowheads="1"/>
+          </p:cNvPicPr>
+          <p:nvPr/>
+        </p:nvPicPr>
+        <p:blipFill>
+          <a:blip r:embed="rId2">
+            <a:extLst>
+              <a:ext uri="{28A0092B-C50C-407E-A947-70E740481C1C}">
+                <a14:useLocalDpi xmlns:a14="http://schemas.microsoft.com/office/drawing/2010/main" val="0"/>
+              </a:ext>
+            </a:extLst>
+          </a:blip>
+          <a:srcRect/>
+          <a:stretch>
+            <a:fillRect/>
+          </a:stretch>
+        </p:blipFill>
+        <p:spPr bwMode="auto">
+          <a:xfrm>
+            <a:off x="7770945" y="599455"/>
+            <a:ext cx="1373055" cy="307545"/>
+          </a:xfrm>
+          <a:prstGeom prst="rect">
+            <a:avLst/>
+          </a:prstGeom>
+          <a:noFill/>
+          <a:extLst>
+            <a:ext uri="{909E8E84-426E-40DD-AFC4-6F175D3DCCD1}">
+              <a14:hiddenFill xmlns:a14="http://schemas.microsoft.com/office/drawing/2010/main">
+                <a:solidFill>
+                  <a:srgbClr val="FFFFFF"/>
+                </a:solidFill>
+              </a14:hiddenFill>
+            </a:ext>
+          </a:extLst>
+        </p:spPr>
+      </p:pic>
+      <p:sp>
+        <p:nvSpPr>
+          <p:cNvPr id="5" name="Slide Number Placeholder 4"/>
+          <p:cNvSpPr>
+            <a:spLocks noGrp="1"/>
+          </p:cNvSpPr>
+          <p:nvPr>
+            <p:ph type="sldNum" sz="quarter" idx="12"/>
+          </p:nvPr>
+        </p:nvSpPr>
+        <p:spPr/>
+        <p:txBody>
+          <a:bodyPr/>
+          <a:lstStyle/>
+          <a:p>
+            <a:pPr algn="ctr"/>
+            <a:fld id="{82B5D99C-3243-4CCA-89CF-846763E29181}" type="slidenum">
+              <a:rPr lang="es-CL" smtClean="0"/>
+              <a:pPr algn="ctr"/>
+              <a:t>46</a:t>
+            </a:fld>
+            <a:endParaRPr lang="es-CL" dirty="0"/>
+          </a:p>
+        </p:txBody>
+      </p:sp>
+      <p:pic>
+        <p:nvPicPr>
+          <p:cNvPr id="6" name="Imagen 9890"/>
+          <p:cNvPicPr/>
+          <p:nvPr/>
+        </p:nvPicPr>
+        <p:blipFill>
+          <a:blip r:embed="rId3">
+            <a:extLst>
+              <a:ext uri="{28A0092B-C50C-407E-A947-70E740481C1C}">
+                <a14:useLocalDpi xmlns:a14="http://schemas.microsoft.com/office/drawing/2010/main" val="0"/>
+              </a:ext>
+            </a:extLst>
+          </a:blip>
+          <a:stretch>
+            <a:fillRect/>
+          </a:stretch>
+        </p:blipFill>
+        <p:spPr>
+          <a:xfrm>
+            <a:off x="0" y="0"/>
+            <a:ext cx="9144000" cy="6858000"/>
+          </a:xfrm>
+          <a:prstGeom prst="rect">
+            <a:avLst/>
+          </a:prstGeom>
+        </p:spPr>
+      </p:pic>
+    </p:spTree>
+    <p:extLst>
+      <p:ext uri="{BB962C8B-B14F-4D97-AF65-F5344CB8AC3E}">
+        <p14:creationId xmlns:p14="http://schemas.microsoft.com/office/powerpoint/2010/main" val="3024062787"/>
+      </p:ext>
+    </p:extLst>
+  </p:cSld>
+  <p:clrMapOvr>
+    <a:masterClrMapping/>
+  </p:clrMapOvr>
+</p:sld>
+</file>
+
+<file path=ppt/slides/slide47.xml><?xml version="1.0" encoding="utf-8"?>
+<p:sld xmlns:a="http://schemas.openxmlformats.org/drawingml/2006/main" xmlns:r="http://schemas.openxmlformats.org/officeDocument/2006/relationships" xmlns:p="http://schemas.openxmlformats.org/presentationml/2006/main">
+  <p:cSld>
+    <p:spTree>
+      <p:nvGrpSpPr>
+        <p:cNvPr id="1" name=""/>
+        <p:cNvGrpSpPr/>
+        <p:nvPr/>
+      </p:nvGrpSpPr>
+      <p:grpSpPr>
+        <a:xfrm>
+          <a:off x="0" y="0"/>
+          <a:ext cx="0" cy="0"/>
+          <a:chOff x="0" y="0"/>
+          <a:chExt cx="0" cy="0"/>
+        </a:xfrm>
+      </p:grpSpPr>
+      <p:sp>
+        <p:nvSpPr>
+          <p:cNvPr id="2" name="Title 1"/>
+          <p:cNvSpPr>
+            <a:spLocks noGrp="1"/>
+          </p:cNvSpPr>
+          <p:nvPr>
+            <p:ph type="title"/>
+          </p:nvPr>
+        </p:nvSpPr>
+        <p:spPr/>
+        <p:txBody>
+          <a:bodyPr/>
+          <a:lstStyle/>
+          <a:p>
+            <a:r>
+              <a:rPr lang="es-CL" dirty="0">
+                <a:latin typeface="Calibri" panose="020F0502020204030204" pitchFamily="34" charset="0"/>
+              </a:rPr>
+              <a:t>Organización del proyecto</a:t>
+            </a:r>
+            <a:endParaRPr lang="es-CL" dirty="0"/>
+          </a:p>
+        </p:txBody>
+      </p:sp>
+      <p:sp>
+        <p:nvSpPr>
+          <p:cNvPr id="3" name="Content Placeholder 2"/>
+          <p:cNvSpPr>
+            <a:spLocks noGrp="1"/>
+          </p:cNvSpPr>
+          <p:nvPr>
+            <p:ph idx="1"/>
+          </p:nvPr>
+        </p:nvSpPr>
+        <p:spPr>
+          <a:xfrm>
+            <a:off x="531639" y="1963285"/>
+            <a:ext cx="6887389" cy="3599316"/>
+          </a:xfrm>
+        </p:spPr>
+        <p:txBody>
+          <a:bodyPr/>
+          <a:lstStyle/>
+          <a:p>
+            <a:r>
+              <a:rPr lang="es-CL" dirty="0">
+                <a:latin typeface="Calibri" panose="020F0502020204030204" pitchFamily="34" charset="0"/>
+              </a:rPr>
+              <a:t>Modelo de procesos</a:t>
+            </a:r>
+          </a:p>
+          <a:p>
+            <a:pPr lvl="1"/>
+            <a:r>
+              <a:rPr lang="es-CL" dirty="0">
+                <a:latin typeface="Calibri" panose="020F0502020204030204" pitchFamily="34" charset="0"/>
+              </a:rPr>
+              <a:t>Procesos propuestos</a:t>
+            </a:r>
+          </a:p>
+        </p:txBody>
+      </p:sp>
+      <p:pic>
+        <p:nvPicPr>
+          <p:cNvPr id="2050" name="Picture 2" descr="Resultado de imagen para duoc"/>
+          <p:cNvPicPr>
+            <a:picLocks noChangeAspect="1" noChangeArrowheads="1"/>
+          </p:cNvPicPr>
+          <p:nvPr/>
+        </p:nvPicPr>
+        <p:blipFill>
+          <a:blip r:embed="rId2">
+            <a:extLst>
+              <a:ext uri="{28A0092B-C50C-407E-A947-70E740481C1C}">
+                <a14:useLocalDpi xmlns:a14="http://schemas.microsoft.com/office/drawing/2010/main" val="0"/>
+              </a:ext>
+            </a:extLst>
+          </a:blip>
+          <a:srcRect/>
+          <a:stretch>
+            <a:fillRect/>
+          </a:stretch>
+        </p:blipFill>
+        <p:spPr bwMode="auto">
+          <a:xfrm>
+            <a:off x="7770945" y="599455"/>
+            <a:ext cx="1373055" cy="307545"/>
+          </a:xfrm>
+          <a:prstGeom prst="rect">
+            <a:avLst/>
+          </a:prstGeom>
+          <a:noFill/>
+          <a:extLst>
+            <a:ext uri="{909E8E84-426E-40DD-AFC4-6F175D3DCCD1}">
+              <a14:hiddenFill xmlns:a14="http://schemas.microsoft.com/office/drawing/2010/main">
+                <a:solidFill>
+                  <a:srgbClr val="FFFFFF"/>
+                </a:solidFill>
+              </a14:hiddenFill>
+            </a:ext>
+          </a:extLst>
+        </p:spPr>
+      </p:pic>
+      <p:sp>
+        <p:nvSpPr>
+          <p:cNvPr id="5" name="Slide Number Placeholder 4"/>
+          <p:cNvSpPr>
+            <a:spLocks noGrp="1"/>
+          </p:cNvSpPr>
+          <p:nvPr>
+            <p:ph type="sldNum" sz="quarter" idx="12"/>
+          </p:nvPr>
+        </p:nvSpPr>
+        <p:spPr/>
+        <p:txBody>
+          <a:bodyPr/>
+          <a:lstStyle/>
+          <a:p>
+            <a:pPr algn="ctr"/>
+            <a:fld id="{82B5D99C-3243-4CCA-89CF-846763E29181}" type="slidenum">
+              <a:rPr lang="es-CL" smtClean="0"/>
+              <a:pPr algn="ctr"/>
+              <a:t>47</a:t>
+            </a:fld>
+            <a:endParaRPr lang="es-CL" dirty="0"/>
+          </a:p>
+        </p:txBody>
+      </p:sp>
+      <p:pic>
+        <p:nvPicPr>
+          <p:cNvPr id="6" name="Imagen 9892"/>
+          <p:cNvPicPr/>
+          <p:nvPr/>
+        </p:nvPicPr>
+        <p:blipFill>
+          <a:blip r:embed="rId3"/>
+          <a:stretch>
+            <a:fillRect/>
+          </a:stretch>
+        </p:blipFill>
+        <p:spPr>
+          <a:xfrm>
+            <a:off x="0" y="1963285"/>
+            <a:ext cx="9144000" cy="5005070"/>
+          </a:xfrm>
+          <a:prstGeom prst="rect">
+            <a:avLst/>
+          </a:prstGeom>
+        </p:spPr>
+      </p:pic>
+    </p:spTree>
+    <p:extLst>
+      <p:ext uri="{BB962C8B-B14F-4D97-AF65-F5344CB8AC3E}">
+        <p14:creationId xmlns:p14="http://schemas.microsoft.com/office/powerpoint/2010/main" val="964085150"/>
+      </p:ext>
+    </p:extLst>
+  </p:cSld>
+  <p:clrMapOvr>
+    <a:masterClrMapping/>
+  </p:clrMapOvr>
+</p:sld>
+</file>
+
+<file path=ppt/slides/slide48.xml><?xml version="1.0" encoding="utf-8"?>
+<p:sld xmlns:a="http://schemas.openxmlformats.org/drawingml/2006/main" xmlns:r="http://schemas.openxmlformats.org/officeDocument/2006/relationships" xmlns:p="http://schemas.openxmlformats.org/presentationml/2006/main">
+  <p:cSld>
+    <p:spTree>
+      <p:nvGrpSpPr>
+        <p:cNvPr id="1" name=""/>
+        <p:cNvGrpSpPr/>
+        <p:nvPr/>
+      </p:nvGrpSpPr>
+      <p:grpSpPr>
+        <a:xfrm>
+          <a:off x="0" y="0"/>
+          <a:ext cx="0" cy="0"/>
+          <a:chOff x="0" y="0"/>
+          <a:chExt cx="0" cy="0"/>
+        </a:xfrm>
+      </p:grpSpPr>
+      <p:sp>
+        <p:nvSpPr>
+          <p:cNvPr id="2" name="Title 1"/>
+          <p:cNvSpPr>
+            <a:spLocks noGrp="1"/>
+          </p:cNvSpPr>
+          <p:nvPr>
+            <p:ph type="title"/>
+          </p:nvPr>
+        </p:nvSpPr>
+        <p:spPr/>
+        <p:txBody>
+          <a:bodyPr/>
+          <a:lstStyle/>
+          <a:p>
+            <a:r>
+              <a:rPr lang="es-CL" dirty="0">
+                <a:latin typeface="Calibri" panose="020F0502020204030204" pitchFamily="34" charset="0"/>
+              </a:rPr>
+              <a:t>Organización del proyecto</a:t>
+            </a:r>
+            <a:endParaRPr lang="es-CL" dirty="0"/>
+          </a:p>
+        </p:txBody>
+      </p:sp>
+      <p:sp>
+        <p:nvSpPr>
+          <p:cNvPr id="3" name="Content Placeholder 2"/>
+          <p:cNvSpPr>
+            <a:spLocks noGrp="1"/>
+          </p:cNvSpPr>
+          <p:nvPr>
+            <p:ph idx="1"/>
+          </p:nvPr>
+        </p:nvSpPr>
+        <p:spPr>
+          <a:xfrm>
+            <a:off x="531639" y="1963285"/>
+            <a:ext cx="6887389" cy="3599316"/>
+          </a:xfrm>
+        </p:spPr>
+        <p:txBody>
+          <a:bodyPr/>
+          <a:lstStyle/>
+          <a:p>
+            <a:r>
+              <a:rPr lang="es-CL" dirty="0">
+                <a:latin typeface="Calibri" panose="020F0502020204030204" pitchFamily="34" charset="0"/>
+              </a:rPr>
+              <a:t>Modelo de procesos</a:t>
+            </a:r>
+          </a:p>
+          <a:p>
+            <a:pPr lvl="1"/>
+            <a:r>
+              <a:rPr lang="es-CL" dirty="0">
+                <a:latin typeface="Calibri" panose="020F0502020204030204" pitchFamily="34" charset="0"/>
+              </a:rPr>
+              <a:t>Procesos propuestos</a:t>
+            </a:r>
+          </a:p>
+        </p:txBody>
+      </p:sp>
+      <p:pic>
+        <p:nvPicPr>
+          <p:cNvPr id="2050" name="Picture 2" descr="Resultado de imagen para duoc"/>
+          <p:cNvPicPr>
+            <a:picLocks noChangeAspect="1" noChangeArrowheads="1"/>
+          </p:cNvPicPr>
+          <p:nvPr/>
+        </p:nvPicPr>
+        <p:blipFill>
+          <a:blip r:embed="rId2">
+            <a:extLst>
+              <a:ext uri="{28A0092B-C50C-407E-A947-70E740481C1C}">
+                <a14:useLocalDpi xmlns:a14="http://schemas.microsoft.com/office/drawing/2010/main" val="0"/>
+              </a:ext>
+            </a:extLst>
+          </a:blip>
+          <a:srcRect/>
+          <a:stretch>
+            <a:fillRect/>
+          </a:stretch>
+        </p:blipFill>
+        <p:spPr bwMode="auto">
+          <a:xfrm>
+            <a:off x="7770945" y="599455"/>
+            <a:ext cx="1373055" cy="307545"/>
+          </a:xfrm>
+          <a:prstGeom prst="rect">
+            <a:avLst/>
+          </a:prstGeom>
+          <a:noFill/>
+          <a:extLst>
+            <a:ext uri="{909E8E84-426E-40DD-AFC4-6F175D3DCCD1}">
+              <a14:hiddenFill xmlns:a14="http://schemas.microsoft.com/office/drawing/2010/main">
+                <a:solidFill>
+                  <a:srgbClr val="FFFFFF"/>
+                </a:solidFill>
+              </a14:hiddenFill>
+            </a:ext>
+          </a:extLst>
+        </p:spPr>
+      </p:pic>
+      <p:sp>
+        <p:nvSpPr>
+          <p:cNvPr id="5" name="Slide Number Placeholder 4"/>
+          <p:cNvSpPr>
+            <a:spLocks noGrp="1"/>
+          </p:cNvSpPr>
+          <p:nvPr>
+            <p:ph type="sldNum" sz="quarter" idx="12"/>
+          </p:nvPr>
+        </p:nvSpPr>
+        <p:spPr/>
+        <p:txBody>
+          <a:bodyPr/>
+          <a:lstStyle/>
+          <a:p>
+            <a:pPr algn="ctr"/>
+            <a:fld id="{82B5D99C-3243-4CCA-89CF-846763E29181}" type="slidenum">
+              <a:rPr lang="es-CL" smtClean="0"/>
+              <a:pPr algn="ctr"/>
+              <a:t>48</a:t>
+            </a:fld>
+            <a:endParaRPr lang="es-CL" dirty="0"/>
+          </a:p>
+        </p:txBody>
+      </p:sp>
+      <p:pic>
+        <p:nvPicPr>
+          <p:cNvPr id="7" name="Imagen 9893"/>
+          <p:cNvPicPr/>
+          <p:nvPr/>
+        </p:nvPicPr>
+        <p:blipFill>
+          <a:blip r:embed="rId3"/>
+          <a:stretch>
+            <a:fillRect/>
+          </a:stretch>
+        </p:blipFill>
+        <p:spPr>
+          <a:xfrm>
+            <a:off x="0" y="2796209"/>
+            <a:ext cx="9144000" cy="4075043"/>
+          </a:xfrm>
+          <a:prstGeom prst="rect">
+            <a:avLst/>
+          </a:prstGeom>
+        </p:spPr>
+      </p:pic>
+    </p:spTree>
+    <p:extLst>
+      <p:ext uri="{BB962C8B-B14F-4D97-AF65-F5344CB8AC3E}">
+        <p14:creationId xmlns:p14="http://schemas.microsoft.com/office/powerpoint/2010/main" val="3332872787"/>
+      </p:ext>
+    </p:extLst>
+  </p:cSld>
+  <p:clrMapOvr>
+    <a:masterClrMapping/>
+  </p:clrMapOvr>
+</p:sld>
+</file>
+
+<file path=ppt/slides/slide49.xml><?xml version="1.0" encoding="utf-8"?>
+<p:sld xmlns:a="http://schemas.openxmlformats.org/drawingml/2006/main" xmlns:r="http://schemas.openxmlformats.org/officeDocument/2006/relationships" xmlns:p="http://schemas.openxmlformats.org/presentationml/2006/main">
+  <p:cSld>
+    <p:spTree>
+      <p:nvGrpSpPr>
+        <p:cNvPr id="1" name=""/>
+        <p:cNvGrpSpPr/>
+        <p:nvPr/>
+      </p:nvGrpSpPr>
+      <p:grpSpPr>
+        <a:xfrm>
+          <a:off x="0" y="0"/>
+          <a:ext cx="0" cy="0"/>
+          <a:chOff x="0" y="0"/>
+          <a:chExt cx="0" cy="0"/>
+        </a:xfrm>
+      </p:grpSpPr>
+      <p:sp>
+        <p:nvSpPr>
+          <p:cNvPr id="2" name="Title 1"/>
+          <p:cNvSpPr>
+            <a:spLocks noGrp="1"/>
+          </p:cNvSpPr>
+          <p:nvPr>
+            <p:ph type="title"/>
+          </p:nvPr>
+        </p:nvSpPr>
+        <p:spPr/>
+        <p:txBody>
+          <a:bodyPr/>
+          <a:lstStyle/>
+          <a:p>
+            <a:endParaRPr lang="es-CL" dirty="0"/>
+          </a:p>
+        </p:txBody>
+      </p:sp>
+      <p:sp>
+        <p:nvSpPr>
+          <p:cNvPr id="3" name="Content Placeholder 2"/>
+          <p:cNvSpPr>
+            <a:spLocks noGrp="1"/>
+          </p:cNvSpPr>
+          <p:nvPr>
+            <p:ph idx="1"/>
+          </p:nvPr>
+        </p:nvSpPr>
+        <p:spPr/>
+        <p:txBody>
+          <a:bodyPr/>
+          <a:lstStyle/>
+          <a:p>
+            <a:endParaRPr lang="es-CL" dirty="0">
+              <a:latin typeface="Calibri" panose="020F0502020204030204" pitchFamily="34" charset="0"/>
+            </a:endParaRPr>
+          </a:p>
+        </p:txBody>
+      </p:sp>
+      <p:pic>
+        <p:nvPicPr>
+          <p:cNvPr id="2050" name="Picture 2" descr="Resultado de imagen para duoc"/>
+          <p:cNvPicPr>
+            <a:picLocks noChangeAspect="1" noChangeArrowheads="1"/>
+          </p:cNvPicPr>
+          <p:nvPr/>
+        </p:nvPicPr>
+        <p:blipFill>
+          <a:blip r:embed="rId2">
+            <a:extLst>
+              <a:ext uri="{28A0092B-C50C-407E-A947-70E740481C1C}">
+                <a14:useLocalDpi xmlns:a14="http://schemas.microsoft.com/office/drawing/2010/main" val="0"/>
+              </a:ext>
+            </a:extLst>
+          </a:blip>
+          <a:srcRect/>
+          <a:stretch>
+            <a:fillRect/>
+          </a:stretch>
+        </p:blipFill>
+        <p:spPr bwMode="auto">
+          <a:xfrm>
+            <a:off x="7770945" y="599455"/>
+            <a:ext cx="1373055" cy="307545"/>
+          </a:xfrm>
+          <a:prstGeom prst="rect">
+            <a:avLst/>
+          </a:prstGeom>
+          <a:noFill/>
+          <a:extLst>
+            <a:ext uri="{909E8E84-426E-40DD-AFC4-6F175D3DCCD1}">
+              <a14:hiddenFill xmlns:a14="http://schemas.microsoft.com/office/drawing/2010/main">
+                <a:solidFill>
+                  <a:srgbClr val="FFFFFF"/>
+                </a:solidFill>
+              </a14:hiddenFill>
+            </a:ext>
+          </a:extLst>
+        </p:spPr>
+      </p:pic>
+      <p:sp>
+        <p:nvSpPr>
+          <p:cNvPr id="5" name="Slide Number Placeholder 4"/>
+          <p:cNvSpPr>
+            <a:spLocks noGrp="1"/>
+          </p:cNvSpPr>
+          <p:nvPr>
+            <p:ph type="sldNum" sz="quarter" idx="12"/>
+          </p:nvPr>
+        </p:nvSpPr>
+        <p:spPr/>
+        <p:txBody>
+          <a:bodyPr/>
+          <a:lstStyle/>
+          <a:p>
+            <a:pPr algn="ctr"/>
+            <a:fld id="{82B5D99C-3243-4CCA-89CF-846763E29181}" type="slidenum">
+              <a:rPr lang="es-CL" smtClean="0"/>
+              <a:pPr algn="ctr"/>
+              <a:t>49</a:t>
+            </a:fld>
+            <a:endParaRPr lang="es-CL" dirty="0"/>
+          </a:p>
+        </p:txBody>
+      </p:sp>
+    </p:spTree>
+    <p:extLst>
+      <p:ext uri="{BB962C8B-B14F-4D97-AF65-F5344CB8AC3E}">
+        <p14:creationId xmlns:p14="http://schemas.microsoft.com/office/powerpoint/2010/main" val="2749334143"/>
       </p:ext>
     </p:extLst>
   </p:cSld>

--- a/docs/plan-de-proyecto/ppt-iteracion1.pptx
+++ b/docs/plan-de-proyecto/ppt-iteracion1.pptx
@@ -5,7 +5,7 @@
     <p:sldMasterId id="2147483732" r:id="rId1"/>
   </p:sldMasterIdLst>
   <p:notesMasterIdLst>
-    <p:notesMasterId r:id="rId59"/>
+    <p:notesMasterId r:id="rId66"/>
   </p:notesMasterIdLst>
   <p:sldIdLst>
     <p:sldId id="256" r:id="rId2"/>
@@ -64,7 +64,14 @@
     <p:sldId id="313" r:id="rId55"/>
     <p:sldId id="314" r:id="rId56"/>
     <p:sldId id="315" r:id="rId57"/>
-    <p:sldId id="316" r:id="rId58"/>
+    <p:sldId id="317" r:id="rId58"/>
+    <p:sldId id="318" r:id="rId59"/>
+    <p:sldId id="319" r:id="rId60"/>
+    <p:sldId id="320" r:id="rId61"/>
+    <p:sldId id="321" r:id="rId62"/>
+    <p:sldId id="322" r:id="rId63"/>
+    <p:sldId id="323" r:id="rId64"/>
+    <p:sldId id="316" r:id="rId65"/>
   </p:sldIdLst>
   <p:sldSz cx="9144000" cy="6858000" type="screen4x3"/>
   <p:notesSz cx="6858000" cy="9144000"/>
@@ -12689,7 +12696,7 @@
           </a:prstGeom>
           <a:extLst>
             <a:ext uri="{909E8E84-426E-40dd-AFC4-6F175D3DCCD1}">
-              <a14:hiddenFill xmlns:a14="http://schemas.microsoft.com/office/drawing/2010/main" xmlns="">
+              <a14:hiddenFill xmlns="" xmlns:a14="http://schemas.microsoft.com/office/drawing/2010/main">
                 <a:solidFill>
                   <a:srgbClr val="FFFFFF"/>
                 </a:solidFill>
@@ -13799,7 +13806,7 @@
             <p:ph idx="1"/>
             <p:extLst>
               <p:ext uri="{D42A27DB-BD31-4B8C-83A1-F6EECF244321}">
-                <p14:modId xmlns:p14="http://schemas.microsoft.com/office/powerpoint/2010/main" val="2028911478"/>
+                <p14:modId xmlns:p14="http://schemas.microsoft.com/office/powerpoint/2010/main" val="1417666543"/>
               </p:ext>
             </p:extLst>
           </p:nvPr>
@@ -13856,12 +13863,12 @@
                         </a:spcAft>
                       </a:pPr>
                       <a:r>
-                        <a:rPr lang="es-ES_tradnl" sz="1800">
+                        <a:rPr lang="es-ES_tradnl" sz="1800" dirty="0">
                           <a:effectLst/>
                         </a:rPr>
                         <a:t>#</a:t>
                       </a:r>
-                      <a:endParaRPr lang="es-CL" sz="1800">
+                      <a:endParaRPr lang="es-CL" sz="1800" dirty="0">
                         <a:solidFill>
                           <a:srgbClr val="2E74B5"/>
                         </a:solidFill>
@@ -13885,12 +13892,12 @@
                         </a:spcAft>
                       </a:pPr>
                       <a:r>
-                        <a:rPr lang="es-ES_tradnl" sz="1800">
+                        <a:rPr lang="es-ES_tradnl" sz="1800" dirty="0">
                           <a:effectLst/>
                         </a:rPr>
                         <a:t>Entregable</a:t>
                       </a:r>
-                      <a:endParaRPr lang="es-CL" sz="1800">
+                      <a:endParaRPr lang="es-CL" sz="1800" dirty="0">
                         <a:solidFill>
                           <a:srgbClr val="2E74B5"/>
                         </a:solidFill>
@@ -13914,12 +13921,12 @@
                         </a:spcAft>
                       </a:pPr>
                       <a:r>
-                        <a:rPr lang="es-ES_tradnl" sz="1800">
+                        <a:rPr lang="es-ES_tradnl" sz="1800" dirty="0">
                           <a:effectLst/>
                         </a:rPr>
                         <a:t>Descripción</a:t>
                       </a:r>
-                      <a:endParaRPr lang="es-CL" sz="1800">
+                      <a:endParaRPr lang="es-CL" sz="1800" dirty="0">
                         <a:solidFill>
                           <a:srgbClr val="2E74B5"/>
                         </a:solidFill>
@@ -13943,12 +13950,12 @@
                         </a:spcAft>
                       </a:pPr>
                       <a:r>
-                        <a:rPr lang="es-ES_tradnl" sz="1800">
+                        <a:rPr lang="es-ES_tradnl" sz="1800" dirty="0">
                           <a:effectLst/>
                         </a:rPr>
                         <a:t>Responsable(s)</a:t>
                       </a:r>
-                      <a:endParaRPr lang="es-CL" sz="1800">
+                      <a:endParaRPr lang="es-CL" sz="1800" dirty="0">
                         <a:solidFill>
                           <a:srgbClr val="2E74B5"/>
                         </a:solidFill>
@@ -14039,13 +14046,13 @@
                         </a:spcAft>
                       </a:pPr>
                       <a:r>
-                        <a:rPr lang="es-ES_tradnl" sz="1800" b="0">
+                        <a:rPr lang="es-ES_tradnl" sz="1800" b="0" dirty="0">
                           <a:effectLst/>
                           <a:latin typeface="Calibri" panose="020F0502020204030204" pitchFamily="34" charset="0"/>
                         </a:rPr>
                         <a:t>Definición del objetivo que se persigue con el proyecto. Además, de una definición del proyecto.</a:t>
                       </a:r>
-                      <a:endParaRPr lang="es-CL" sz="1800" b="0">
+                      <a:endParaRPr lang="es-CL" sz="1800" b="0" dirty="0">
                         <a:solidFill>
                           <a:srgbClr val="2E74B5"/>
                         </a:solidFill>
@@ -14106,13 +14113,13 @@
                         </a:spcAft>
                       </a:pPr>
                       <a:r>
-                        <a:rPr lang="es-ES_tradnl" sz="1800">
+                        <a:rPr lang="es-ES_tradnl" sz="1800" dirty="0">
                           <a:effectLst/>
                           <a:latin typeface="Calibri" panose="020F0502020204030204" pitchFamily="34" charset="0"/>
                         </a:rPr>
                         <a:t>002</a:t>
                       </a:r>
-                      <a:endParaRPr lang="es-CL" sz="1800">
+                      <a:endParaRPr lang="es-CL" sz="1800" dirty="0">
                         <a:solidFill>
                           <a:srgbClr val="2E74B5"/>
                         </a:solidFill>
@@ -14196,13 +14203,13 @@
                         </a:spcAft>
                       </a:pPr>
                       <a:r>
-                        <a:rPr lang="es-ES_tradnl" sz="1800" b="0">
+                        <a:rPr lang="es-ES_tradnl" sz="1800" b="0" dirty="0">
                           <a:effectLst/>
                           <a:latin typeface="Calibri" panose="020F0502020204030204" pitchFamily="34" charset="0"/>
                         </a:rPr>
                         <a:t>Fabián Jaque, Gonzalo López</a:t>
                       </a:r>
-                      <a:endParaRPr lang="es-CL" sz="1800" b="0">
+                      <a:endParaRPr lang="es-CL" sz="1800" b="0" dirty="0">
                         <a:solidFill>
                           <a:srgbClr val="2E74B5"/>
                         </a:solidFill>
@@ -14233,13 +14240,13 @@
                         </a:spcAft>
                       </a:pPr>
                       <a:r>
-                        <a:rPr lang="es-ES_tradnl" sz="1800">
+                        <a:rPr lang="es-ES_tradnl" sz="1800" dirty="0">
                           <a:effectLst/>
                           <a:latin typeface="Calibri" panose="020F0502020204030204" pitchFamily="34" charset="0"/>
                         </a:rPr>
                         <a:t>003</a:t>
                       </a:r>
-                      <a:endParaRPr lang="es-CL" sz="1800">
+                      <a:endParaRPr lang="es-CL" sz="1800" dirty="0">
                         <a:solidFill>
                           <a:srgbClr val="2E74B5"/>
                         </a:solidFill>
@@ -14297,21 +14304,7 @@
                           <a:effectLst/>
                           <a:latin typeface="Calibri" panose="020F0502020204030204" pitchFamily="34" charset="0"/>
                         </a:rPr>
-                        <a:t>Modelos de proceso de negocio actual de </a:t>
-                      </a:r>
-                      <a:r>
-                        <a:rPr lang="es-ES_tradnl" sz="1800" b="0" dirty="0" err="1">
-                          <a:effectLst/>
-                          <a:latin typeface="Calibri" panose="020F0502020204030204" pitchFamily="34" charset="0"/>
-                        </a:rPr>
-                        <a:t>Hipocrates</a:t>
-                      </a:r>
-                      <a:r>
-                        <a:rPr lang="es-ES_tradnl" sz="1800" b="0" dirty="0">
-                          <a:effectLst/>
-                          <a:latin typeface="Calibri" panose="020F0502020204030204" pitchFamily="34" charset="0"/>
-                        </a:rPr>
-                        <a:t>.</a:t>
+                        <a:t>Modelos de proceso de negocio actual de Hipócrates.</a:t>
                       </a:r>
                       <a:endParaRPr lang="es-CL" sz="1800" b="0" dirty="0">
                         <a:solidFill>
@@ -14551,12 +14544,12 @@
                         </a:spcAft>
                       </a:pPr>
                       <a:r>
-                        <a:rPr lang="es-ES_tradnl" sz="1800">
+                        <a:rPr lang="es-ES_tradnl" sz="1800" dirty="0">
                           <a:effectLst/>
                         </a:rPr>
                         <a:t>#</a:t>
                       </a:r>
-                      <a:endParaRPr lang="es-CL" sz="1800">
+                      <a:endParaRPr lang="es-CL" sz="1800" dirty="0">
                         <a:solidFill>
                           <a:srgbClr val="2E74B5"/>
                         </a:solidFill>
@@ -14580,12 +14573,12 @@
                         </a:spcAft>
                       </a:pPr>
                       <a:r>
-                        <a:rPr lang="es-ES_tradnl" sz="1800">
+                        <a:rPr lang="es-ES_tradnl" sz="1800" dirty="0">
                           <a:effectLst/>
                         </a:rPr>
                         <a:t>Entregable</a:t>
                       </a:r>
-                      <a:endParaRPr lang="es-CL" sz="1800">
+                      <a:endParaRPr lang="es-CL" sz="1800" dirty="0">
                         <a:solidFill>
                           <a:srgbClr val="2E74B5"/>
                         </a:solidFill>
@@ -14609,12 +14602,12 @@
                         </a:spcAft>
                       </a:pPr>
                       <a:r>
-                        <a:rPr lang="es-ES_tradnl" sz="1800">
+                        <a:rPr lang="es-ES_tradnl" sz="1800" dirty="0">
                           <a:effectLst/>
                         </a:rPr>
                         <a:t>Descripción</a:t>
                       </a:r>
-                      <a:endParaRPr lang="es-CL" sz="1800">
+                      <a:endParaRPr lang="es-CL" sz="1800" dirty="0">
                         <a:solidFill>
                           <a:srgbClr val="2E74B5"/>
                         </a:solidFill>
@@ -14638,12 +14631,12 @@
                         </a:spcAft>
                       </a:pPr>
                       <a:r>
-                        <a:rPr lang="es-ES_tradnl" sz="1800">
+                        <a:rPr lang="es-ES_tradnl" sz="1800" dirty="0">
                           <a:effectLst/>
                         </a:rPr>
                         <a:t>Responsable(s)</a:t>
                       </a:r>
-                      <a:endParaRPr lang="es-CL" sz="1800">
+                      <a:endParaRPr lang="es-CL" sz="1800" dirty="0">
                         <a:solidFill>
                           <a:srgbClr val="2E74B5"/>
                         </a:solidFill>
@@ -14674,7 +14667,7 @@
                         </a:spcAft>
                       </a:pPr>
                       <a:r>
-                        <a:rPr lang="es-ES_tradnl" sz="1800" b="1">
+                        <a:rPr lang="es-ES_tradnl" sz="1800" b="1" dirty="0">
                           <a:solidFill>
                             <a:schemeClr val="tx1"/>
                           </a:solidFill>
@@ -14685,7 +14678,7 @@
                         </a:rPr>
                         <a:t>004</a:t>
                       </a:r>
-                      <a:endParaRPr lang="es-CL" sz="1800">
+                      <a:endParaRPr lang="es-CL" sz="1800" dirty="0">
                         <a:solidFill>
                           <a:schemeClr val="tx1"/>
                         </a:solidFill>
@@ -14744,7 +14737,7 @@
                         </a:spcAft>
                       </a:pPr>
                       <a:r>
-                        <a:rPr lang="es-ES_tradnl" sz="1800" b="0">
+                        <a:rPr lang="es-ES_tradnl" sz="1800" b="0" dirty="0">
                           <a:solidFill>
                             <a:schemeClr val="bg1"/>
                           </a:solidFill>
@@ -14756,7 +14749,7 @@
                         <a:t>De</a:t>
                       </a:r>
                       <a:r>
-                        <a:rPr lang="es-ES_tradnl" sz="1800" b="0">
+                        <a:rPr lang="es-ES_tradnl" sz="1800" b="0" dirty="0">
                           <a:solidFill>
                             <a:schemeClr val="bg1"/>
                           </a:solidFill>
@@ -14767,7 +14760,7 @@
                         </a:rPr>
                         <a:t>scripción de la estructura jerárquica interna del proyecto</a:t>
                       </a:r>
-                      <a:endParaRPr lang="es-CL" sz="1800" b="0">
+                      <a:endParaRPr lang="es-CL" sz="1800" b="0" dirty="0">
                         <a:solidFill>
                           <a:schemeClr val="bg1"/>
                         </a:solidFill>
@@ -14791,7 +14784,7 @@
                         </a:spcAft>
                       </a:pPr>
                       <a:r>
-                        <a:rPr lang="es-ES_tradnl" sz="1800" b="0">
+                        <a:rPr lang="es-ES_tradnl" sz="1800" b="0" dirty="0">
                           <a:solidFill>
                             <a:schemeClr val="bg1"/>
                           </a:solidFill>
@@ -14802,7 +14795,7 @@
                         </a:rPr>
                         <a:t>Gonzalo López</a:t>
                       </a:r>
-                      <a:endParaRPr lang="es-CL" sz="1800" b="0">
+                      <a:endParaRPr lang="es-CL" sz="1800" b="0" dirty="0">
                         <a:solidFill>
                           <a:schemeClr val="bg1"/>
                         </a:solidFill>
@@ -14833,7 +14826,7 @@
                         </a:spcAft>
                       </a:pPr>
                       <a:r>
-                        <a:rPr lang="es-ES_tradnl" sz="1800" b="1">
+                        <a:rPr lang="es-ES_tradnl" sz="1800" b="1" dirty="0">
                           <a:solidFill>
                             <a:schemeClr val="tx1"/>
                           </a:solidFill>
@@ -14844,7 +14837,7 @@
                         </a:rPr>
                         <a:t>005</a:t>
                       </a:r>
-                      <a:endParaRPr lang="es-CL" sz="1800">
+                      <a:endParaRPr lang="es-CL" sz="1800" dirty="0">
                         <a:solidFill>
                           <a:schemeClr val="tx1"/>
                         </a:solidFill>
@@ -14868,7 +14861,7 @@
                         </a:spcAft>
                       </a:pPr>
                       <a:r>
-                        <a:rPr lang="es-ES_tradnl" sz="1800" b="0">
+                        <a:rPr lang="es-ES_tradnl" sz="1800" b="0" dirty="0">
                           <a:solidFill>
                             <a:schemeClr val="bg1"/>
                           </a:solidFill>
@@ -14879,7 +14872,7 @@
                         </a:rPr>
                         <a:t>Interfaces e Interacciones</a:t>
                       </a:r>
-                      <a:endParaRPr lang="es-CL" sz="1800" b="0">
+                      <a:endParaRPr lang="es-CL" sz="1800" b="0" dirty="0">
                         <a:solidFill>
                           <a:schemeClr val="bg1"/>
                         </a:solidFill>
@@ -14903,7 +14896,7 @@
                         </a:spcAft>
                       </a:pPr>
                       <a:r>
-                        <a:rPr lang="es-ES_tradnl" sz="1800" b="0">
+                        <a:rPr lang="es-ES_tradnl" sz="1800" b="0" dirty="0">
                           <a:solidFill>
                             <a:schemeClr val="bg1"/>
                           </a:solidFill>
@@ -14914,7 +14907,7 @@
                         </a:rPr>
                         <a:t> En esta sección se describen los procedimientos administrativos y de gestión entre el proyecto y:</a:t>
                       </a:r>
-                      <a:endParaRPr lang="es-CL" sz="1800" b="0">
+                      <a:endParaRPr lang="es-CL" sz="1800" b="0" dirty="0">
                         <a:solidFill>
                           <a:schemeClr val="bg1"/>
                         </a:solidFill>
@@ -14931,7 +14924,7 @@
                         </a:spcAft>
                       </a:pPr>
                       <a:r>
-                        <a:rPr lang="es-ES_tradnl" sz="1800" b="0">
+                        <a:rPr lang="es-ES_tradnl" sz="1800" b="0" dirty="0">
                           <a:solidFill>
                             <a:schemeClr val="bg1"/>
                           </a:solidFill>
@@ -14942,7 +14935,7 @@
                         </a:rPr>
                         <a:t> El Cliente, Gestión de configuración, Gestión de calidad y Verificación.</a:t>
                       </a:r>
-                      <a:endParaRPr lang="es-CL" sz="1800" b="0">
+                      <a:endParaRPr lang="es-CL" sz="1800" b="0" dirty="0">
                         <a:solidFill>
                           <a:schemeClr val="bg1"/>
                         </a:solidFill>
@@ -14966,7 +14959,7 @@
                         </a:spcAft>
                       </a:pPr>
                       <a:r>
-                        <a:rPr lang="es-ES_tradnl" sz="1800" b="0">
+                        <a:rPr lang="es-ES_tradnl" sz="1800" b="0" dirty="0">
                           <a:solidFill>
                             <a:schemeClr val="bg1"/>
                           </a:solidFill>
@@ -14977,7 +14970,7 @@
                         </a:rPr>
                         <a:t>Tomás Muñiz</a:t>
                       </a:r>
-                      <a:endParaRPr lang="es-CL" sz="1800" b="0">
+                      <a:endParaRPr lang="es-CL" sz="1800" b="0" dirty="0">
                         <a:solidFill>
                           <a:schemeClr val="bg1"/>
                         </a:solidFill>
@@ -15078,7 +15071,7 @@
                         </a:spcAft>
                       </a:pPr>
                       <a:r>
-                        <a:rPr lang="es-ES_tradnl" sz="1800" b="0">
+                        <a:rPr lang="es-ES_tradnl" sz="1800" b="0" dirty="0">
                           <a:solidFill>
                             <a:schemeClr val="bg1"/>
                           </a:solidFill>
@@ -15089,7 +15082,7 @@
                         </a:rPr>
                         <a:t>Se identifican las actividades más relevantes en el proyecto, los responsables de dichas actividades y los involucrados.</a:t>
                       </a:r>
-                      <a:endParaRPr lang="es-CL" sz="1800" b="0">
+                      <a:endParaRPr lang="es-CL" sz="1800" b="0" dirty="0">
                         <a:solidFill>
                           <a:schemeClr val="bg1"/>
                         </a:solidFill>
@@ -15106,7 +15099,7 @@
                         </a:spcAft>
                       </a:pPr>
                       <a:r>
-                        <a:rPr lang="es-ES_tradnl" sz="1800" b="0">
+                        <a:rPr lang="es-ES_tradnl" sz="1800" b="0" dirty="0">
                           <a:solidFill>
                             <a:schemeClr val="bg1"/>
                           </a:solidFill>
@@ -15117,7 +15110,7 @@
                         </a:rPr>
                         <a:t> </a:t>
                       </a:r>
-                      <a:endParaRPr lang="es-CL" sz="1800" b="0">
+                      <a:endParaRPr lang="es-CL" sz="1800" b="0" dirty="0">
                         <a:solidFill>
                           <a:schemeClr val="bg1"/>
                         </a:solidFill>
@@ -15360,12 +15353,12 @@
                         </a:spcAft>
                       </a:pPr>
                       <a:r>
-                        <a:rPr lang="es-ES_tradnl" sz="1800">
+                        <a:rPr lang="es-ES_tradnl" sz="1800" dirty="0">
                           <a:effectLst/>
                         </a:rPr>
                         <a:t>#</a:t>
                       </a:r>
-                      <a:endParaRPr lang="es-CL" sz="1800">
+                      <a:endParaRPr lang="es-CL" sz="1800" dirty="0">
                         <a:solidFill>
                           <a:srgbClr val="2E74B5"/>
                         </a:solidFill>
@@ -15389,12 +15382,12 @@
                         </a:spcAft>
                       </a:pPr>
                       <a:r>
-                        <a:rPr lang="es-ES_tradnl" sz="1800">
+                        <a:rPr lang="es-ES_tradnl" sz="1800" dirty="0">
                           <a:effectLst/>
                         </a:rPr>
                         <a:t>Entregable</a:t>
                       </a:r>
-                      <a:endParaRPr lang="es-CL" sz="1800">
+                      <a:endParaRPr lang="es-CL" sz="1800" dirty="0">
                         <a:solidFill>
                           <a:srgbClr val="2E74B5"/>
                         </a:solidFill>
@@ -15418,12 +15411,12 @@
                         </a:spcAft>
                       </a:pPr>
                       <a:r>
-                        <a:rPr lang="es-ES_tradnl" sz="1800">
+                        <a:rPr lang="es-ES_tradnl" sz="1800" dirty="0">
                           <a:effectLst/>
                         </a:rPr>
                         <a:t>Descripción</a:t>
                       </a:r>
-                      <a:endParaRPr lang="es-CL" sz="1800">
+                      <a:endParaRPr lang="es-CL" sz="1800" dirty="0">
                         <a:solidFill>
                           <a:srgbClr val="2E74B5"/>
                         </a:solidFill>
@@ -15447,12 +15440,12 @@
                         </a:spcAft>
                       </a:pPr>
                       <a:r>
-                        <a:rPr lang="es-ES_tradnl" sz="1800">
+                        <a:rPr lang="es-ES_tradnl" sz="1800" dirty="0">
                           <a:effectLst/>
                         </a:rPr>
                         <a:t>Responsable(s)</a:t>
                       </a:r>
-                      <a:endParaRPr lang="es-CL" sz="1800">
+                      <a:endParaRPr lang="es-CL" sz="1800" dirty="0">
                         <a:solidFill>
                           <a:srgbClr val="2E74B5"/>
                         </a:solidFill>
@@ -15483,7 +15476,7 @@
                         </a:spcAft>
                       </a:pPr>
                       <a:r>
-                        <a:rPr lang="es-ES_tradnl" sz="1800" b="1">
+                        <a:rPr lang="es-ES_tradnl" sz="1800" b="1" dirty="0">
                           <a:solidFill>
                             <a:schemeClr val="tx1"/>
                           </a:solidFill>
@@ -15494,7 +15487,7 @@
                         </a:rPr>
                         <a:t>007</a:t>
                       </a:r>
-                      <a:endParaRPr lang="es-CL" sz="1800">
+                      <a:endParaRPr lang="es-CL" sz="1800" dirty="0">
                         <a:solidFill>
                           <a:schemeClr val="tx1"/>
                         </a:solidFill>
@@ -15518,7 +15511,7 @@
                         </a:spcAft>
                       </a:pPr>
                       <a:r>
-                        <a:rPr lang="es-ES_tradnl" sz="1800" b="0">
+                        <a:rPr lang="es-ES_tradnl" sz="1800" b="0" dirty="0">
                           <a:solidFill>
                             <a:schemeClr val="bg1"/>
                           </a:solidFill>
@@ -15529,7 +15522,7 @@
                         </a:rPr>
                         <a:t>Condiciones asumidas, dependencias y restricciones</a:t>
                       </a:r>
-                      <a:endParaRPr lang="es-CL" sz="1800" b="0">
+                      <a:endParaRPr lang="es-CL" sz="1800" b="0" dirty="0">
                         <a:solidFill>
                           <a:schemeClr val="bg1"/>
                         </a:solidFill>
@@ -15553,7 +15546,7 @@
                         </a:spcAft>
                       </a:pPr>
                       <a:r>
-                        <a:rPr lang="es-ES_tradnl" sz="1800" b="0">
+                        <a:rPr lang="es-ES_tradnl" sz="1800" b="0" dirty="0">
                           <a:solidFill>
                             <a:schemeClr val="bg1"/>
                           </a:solidFill>
@@ -15564,7 +15557,7 @@
                         </a:rPr>
                         <a:t>Especificación  de  las  condiciones  que  se  asumen  para  el  proyecto,  eventos externos de los que se depende y restricciones del proyecto.</a:t>
                       </a:r>
-                      <a:endParaRPr lang="es-CL" sz="1800" b="0">
+                      <a:endParaRPr lang="es-CL" sz="1800" b="0" dirty="0">
                         <a:solidFill>
                           <a:schemeClr val="bg1"/>
                         </a:solidFill>
@@ -15581,7 +15574,7 @@
                         </a:spcAft>
                       </a:pPr>
                       <a:r>
-                        <a:rPr lang="es-ES_tradnl" sz="1800" b="0">
+                        <a:rPr lang="es-ES_tradnl" sz="1800" b="0" dirty="0">
                           <a:solidFill>
                             <a:schemeClr val="bg1"/>
                           </a:solidFill>
@@ -15592,7 +15585,7 @@
                         </a:rPr>
                         <a:t> </a:t>
                       </a:r>
-                      <a:endParaRPr lang="es-CL" sz="1800" b="0">
+                      <a:endParaRPr lang="es-CL" sz="1800" b="0" dirty="0">
                         <a:solidFill>
                           <a:schemeClr val="bg1"/>
                         </a:solidFill>
@@ -15616,7 +15609,7 @@
                         </a:spcAft>
                       </a:pPr>
                       <a:r>
-                        <a:rPr lang="es-ES_tradnl" sz="1800" b="0">
+                        <a:rPr lang="es-ES_tradnl" sz="1800" b="0" dirty="0">
                           <a:solidFill>
                             <a:schemeClr val="bg1"/>
                           </a:solidFill>
@@ -15627,7 +15620,7 @@
                         </a:rPr>
                         <a:t>Elías Baeza</a:t>
                       </a:r>
-                      <a:endParaRPr lang="es-CL" sz="1800" b="0">
+                      <a:endParaRPr lang="es-CL" sz="1800" b="0" dirty="0">
                         <a:solidFill>
                           <a:schemeClr val="bg1"/>
                         </a:solidFill>
@@ -15658,7 +15651,7 @@
                         </a:spcAft>
                       </a:pPr>
                       <a:r>
-                        <a:rPr lang="es-ES_tradnl" sz="1800" b="1">
+                        <a:rPr lang="es-ES_tradnl" sz="1800" b="1" dirty="0">
                           <a:solidFill>
                             <a:schemeClr val="tx1"/>
                           </a:solidFill>
@@ -15669,7 +15662,7 @@
                         </a:rPr>
                         <a:t>008</a:t>
                       </a:r>
-                      <a:endParaRPr lang="es-CL" sz="1800">
+                      <a:endParaRPr lang="es-CL" sz="1800" dirty="0">
                         <a:solidFill>
                           <a:schemeClr val="tx1"/>
                         </a:solidFill>
@@ -15693,7 +15686,7 @@
                         </a:spcAft>
                       </a:pPr>
                       <a:r>
-                        <a:rPr lang="es-ES_tradnl" sz="1800" b="0">
+                        <a:rPr lang="es-ES_tradnl" sz="1800" b="0" dirty="0">
                           <a:solidFill>
                             <a:schemeClr val="bg1"/>
                           </a:solidFill>
@@ -15704,7 +15697,7 @@
                         </a:rPr>
                         <a:t>Gestión de riesgos</a:t>
                       </a:r>
-                      <a:endParaRPr lang="es-CL" sz="1800" b="0">
+                      <a:endParaRPr lang="es-CL" sz="1800" b="0" dirty="0">
                         <a:solidFill>
                           <a:schemeClr val="bg1"/>
                         </a:solidFill>
@@ -15728,7 +15721,7 @@
                         </a:spcAft>
                       </a:pPr>
                       <a:r>
-                        <a:rPr lang="es-ES_tradnl" sz="1800" b="0">
+                        <a:rPr lang="es-ES_tradnl" sz="1800" b="0" dirty="0">
                           <a:solidFill>
                             <a:schemeClr val="bg1"/>
                           </a:solidFill>
@@ -15739,7 +15732,7 @@
                         </a:rPr>
                         <a:t>Identificación y administración de riesgos.</a:t>
                       </a:r>
-                      <a:endParaRPr lang="es-CL" sz="1800" b="0">
+                      <a:endParaRPr lang="es-CL" sz="1800" b="0" dirty="0">
                         <a:solidFill>
                           <a:schemeClr val="bg1"/>
                         </a:solidFill>
@@ -15763,7 +15756,7 @@
                         </a:spcAft>
                       </a:pPr>
                       <a:r>
-                        <a:rPr lang="es-ES_tradnl" sz="1800" b="0">
+                        <a:rPr lang="es-ES_tradnl" sz="1800" b="0" dirty="0">
                           <a:solidFill>
                             <a:schemeClr val="bg1"/>
                           </a:solidFill>
@@ -15774,7 +15767,7 @@
                         </a:rPr>
                         <a:t>Fabián Jaque</a:t>
                       </a:r>
-                      <a:endParaRPr lang="es-CL" sz="1800" b="0">
+                      <a:endParaRPr lang="es-CL" sz="1800" b="0" dirty="0">
                         <a:solidFill>
                           <a:schemeClr val="bg1"/>
                         </a:solidFill>
@@ -15840,7 +15833,7 @@
                         </a:spcAft>
                       </a:pPr>
                       <a:r>
-                        <a:rPr lang="es-ES_tradnl" sz="1800" b="0">
+                        <a:rPr lang="es-ES_tradnl" sz="1800" b="0" dirty="0">
                           <a:solidFill>
                             <a:schemeClr val="bg1"/>
                           </a:solidFill>
@@ -15851,7 +15844,7 @@
                         </a:rPr>
                         <a:t>Mecanismos para la Gestión de calidad</a:t>
                       </a:r>
-                      <a:endParaRPr lang="es-CL" sz="1800" b="0">
+                      <a:endParaRPr lang="es-CL" sz="1800" b="0" dirty="0">
                         <a:solidFill>
                           <a:schemeClr val="bg1"/>
                         </a:solidFill>
@@ -15875,7 +15868,7 @@
                         </a:spcAft>
                       </a:pPr>
                       <a:r>
-                        <a:rPr lang="es-ES_tradnl" sz="1800" b="0">
+                        <a:rPr lang="es-ES_tradnl" sz="1800" b="0" dirty="0">
                           <a:solidFill>
                             <a:schemeClr val="bg1"/>
                           </a:solidFill>
@@ -15886,7 +15879,7 @@
                         </a:rPr>
                         <a:t>Mecanismos de monitoreo y control de  las  actividades  de  Gestión  de  calidad.</a:t>
                       </a:r>
-                      <a:endParaRPr lang="es-CL" sz="1800" b="0">
+                      <a:endParaRPr lang="es-CL" sz="1800" b="0" dirty="0">
                         <a:solidFill>
                           <a:schemeClr val="bg1"/>
                         </a:solidFill>
@@ -16129,12 +16122,12 @@
                         </a:spcAft>
                       </a:pPr>
                       <a:r>
-                        <a:rPr lang="es-ES_tradnl" sz="1800">
+                        <a:rPr lang="es-ES_tradnl" sz="1800" dirty="0">
                           <a:effectLst/>
                         </a:rPr>
                         <a:t>#</a:t>
                       </a:r>
-                      <a:endParaRPr lang="es-CL" sz="1800">
+                      <a:endParaRPr lang="es-CL" sz="1800" dirty="0">
                         <a:solidFill>
                           <a:srgbClr val="2E74B5"/>
                         </a:solidFill>
@@ -16158,12 +16151,12 @@
                         </a:spcAft>
                       </a:pPr>
                       <a:r>
-                        <a:rPr lang="es-ES_tradnl" sz="1800">
+                        <a:rPr lang="es-ES_tradnl" sz="1800" dirty="0">
                           <a:effectLst/>
                         </a:rPr>
                         <a:t>Entregable</a:t>
                       </a:r>
-                      <a:endParaRPr lang="es-CL" sz="1800">
+                      <a:endParaRPr lang="es-CL" sz="1800" dirty="0">
                         <a:solidFill>
                           <a:srgbClr val="2E74B5"/>
                         </a:solidFill>
@@ -16187,12 +16180,12 @@
                         </a:spcAft>
                       </a:pPr>
                       <a:r>
-                        <a:rPr lang="es-ES_tradnl" sz="1800">
+                        <a:rPr lang="es-ES_tradnl" sz="1800" dirty="0">
                           <a:effectLst/>
                         </a:rPr>
                         <a:t>Descripción</a:t>
                       </a:r>
-                      <a:endParaRPr lang="es-CL" sz="1800">
+                      <a:endParaRPr lang="es-CL" sz="1800" dirty="0">
                         <a:solidFill>
                           <a:srgbClr val="2E74B5"/>
                         </a:solidFill>
@@ -16216,12 +16209,12 @@
                         </a:spcAft>
                       </a:pPr>
                       <a:r>
-                        <a:rPr lang="es-ES_tradnl" sz="1800">
+                        <a:rPr lang="es-ES_tradnl" sz="1800" dirty="0">
                           <a:effectLst/>
                         </a:rPr>
                         <a:t>Responsable(s)</a:t>
                       </a:r>
-                      <a:endParaRPr lang="es-CL" sz="1800">
+                      <a:endParaRPr lang="es-CL" sz="1800" dirty="0">
                         <a:solidFill>
                           <a:srgbClr val="2E74B5"/>
                         </a:solidFill>
@@ -16322,7 +16315,7 @@
                         </a:spcAft>
                       </a:pPr>
                       <a:r>
-                        <a:rPr lang="es-ES_tradnl" sz="1800" b="0">
+                        <a:rPr lang="es-ES_tradnl" sz="1800" b="0" dirty="0">
                           <a:solidFill>
                             <a:schemeClr val="bg1"/>
                           </a:solidFill>
@@ -16333,7 +16326,7 @@
                         </a:rPr>
                         <a:t>Mecanismos de monitoreo y control de  las  actividades  de  Gestión  de  configuración.</a:t>
                       </a:r>
-                      <a:endParaRPr lang="es-CL" sz="1800" b="0">
+                      <a:endParaRPr lang="es-CL" sz="1800" b="0" dirty="0">
                         <a:solidFill>
                           <a:schemeClr val="bg1"/>
                         </a:solidFill>
@@ -16357,7 +16350,7 @@
                         </a:spcAft>
                       </a:pPr>
                       <a:r>
-                        <a:rPr lang="es-ES_tradnl" sz="1800" b="0">
+                        <a:rPr lang="es-ES_tradnl" sz="1800" b="0" dirty="0">
                           <a:solidFill>
                             <a:schemeClr val="bg1"/>
                           </a:solidFill>
@@ -16368,7 +16361,7 @@
                         </a:rPr>
                         <a:t>Elías Baeza</a:t>
                       </a:r>
-                      <a:endParaRPr lang="es-CL" sz="1800" b="0">
+                      <a:endParaRPr lang="es-CL" sz="1800" b="0" dirty="0">
                         <a:solidFill>
                           <a:schemeClr val="bg1"/>
                         </a:solidFill>
@@ -16399,7 +16392,7 @@
                         </a:spcAft>
                       </a:pPr>
                       <a:r>
-                        <a:rPr lang="es-ES_tradnl" sz="1800" b="1">
+                        <a:rPr lang="es-ES_tradnl" sz="1800" b="1" dirty="0">
                           <a:solidFill>
                             <a:schemeClr val="tx1"/>
                           </a:solidFill>
@@ -16410,7 +16403,7 @@
                         </a:rPr>
                         <a:t>011</a:t>
                       </a:r>
-                      <a:endParaRPr lang="es-CL" sz="1800">
+                      <a:endParaRPr lang="es-CL" sz="1800" dirty="0">
                         <a:solidFill>
                           <a:schemeClr val="tx1"/>
                         </a:solidFill>
@@ -16434,7 +16427,7 @@
                         </a:spcAft>
                       </a:pPr>
                       <a:r>
-                        <a:rPr lang="es-ES_tradnl" sz="1800" b="0">
+                        <a:rPr lang="es-ES_tradnl" sz="1800" b="0" dirty="0">
                           <a:solidFill>
                             <a:schemeClr val="bg1"/>
                           </a:solidFill>
@@ -16445,7 +16438,7 @@
                         </a:rPr>
                         <a:t>Mecanismos para Verificación</a:t>
                       </a:r>
-                      <a:endParaRPr lang="es-CL" sz="1800" b="0">
+                      <a:endParaRPr lang="es-CL" sz="1800" b="0" dirty="0">
                         <a:solidFill>
                           <a:schemeClr val="bg1"/>
                         </a:solidFill>
@@ -16504,7 +16497,7 @@
                         </a:spcAft>
                       </a:pPr>
                       <a:r>
-                        <a:rPr lang="es-ES_tradnl" sz="1800" b="0">
+                        <a:rPr lang="es-ES_tradnl" sz="1800" b="0" dirty="0">
                           <a:solidFill>
                             <a:schemeClr val="bg1"/>
                           </a:solidFill>
@@ -16515,7 +16508,7 @@
                         </a:rPr>
                         <a:t>Elías Baeza</a:t>
                       </a:r>
-                      <a:endParaRPr lang="es-CL" sz="1800" b="0">
+                      <a:endParaRPr lang="es-CL" sz="1800" b="0" dirty="0">
                         <a:solidFill>
                           <a:schemeClr val="bg1"/>
                         </a:solidFill>
@@ -16581,7 +16574,7 @@
                         </a:spcAft>
                       </a:pPr>
                       <a:r>
-                        <a:rPr lang="es-ES_tradnl" sz="1800" b="0">
+                        <a:rPr lang="es-ES_tradnl" sz="1800" b="0" dirty="0">
                           <a:solidFill>
                             <a:schemeClr val="bg1"/>
                           </a:solidFill>
@@ -16592,7 +16585,7 @@
                         </a:rPr>
                         <a:t>Mecanismos para la Gestión de proyecto </a:t>
                       </a:r>
-                      <a:endParaRPr lang="es-CL" sz="1800" b="0">
+                      <a:endParaRPr lang="es-CL" sz="1800" b="0" dirty="0">
                         <a:solidFill>
                           <a:schemeClr val="bg1"/>
                         </a:solidFill>
@@ -16870,12 +16863,12 @@
                         </a:spcAft>
                       </a:pPr>
                       <a:r>
-                        <a:rPr lang="es-ES_tradnl" sz="1800">
+                        <a:rPr lang="es-ES_tradnl" sz="1800" dirty="0">
                           <a:effectLst/>
                         </a:rPr>
                         <a:t>#</a:t>
                       </a:r>
-                      <a:endParaRPr lang="es-CL" sz="1800">
+                      <a:endParaRPr lang="es-CL" sz="1800" dirty="0">
                         <a:solidFill>
                           <a:srgbClr val="2E74B5"/>
                         </a:solidFill>
@@ -16899,12 +16892,12 @@
                         </a:spcAft>
                       </a:pPr>
                       <a:r>
-                        <a:rPr lang="es-ES_tradnl" sz="1800">
+                        <a:rPr lang="es-ES_tradnl" sz="1800" dirty="0">
                           <a:effectLst/>
                         </a:rPr>
                         <a:t>Entregable</a:t>
                       </a:r>
-                      <a:endParaRPr lang="es-CL" sz="1800">
+                      <a:endParaRPr lang="es-CL" sz="1800" dirty="0">
                         <a:solidFill>
                           <a:srgbClr val="2E74B5"/>
                         </a:solidFill>
@@ -16928,12 +16921,12 @@
                         </a:spcAft>
                       </a:pPr>
                       <a:r>
-                        <a:rPr lang="es-ES_tradnl" sz="1800">
+                        <a:rPr lang="es-ES_tradnl" sz="1800" dirty="0">
                           <a:effectLst/>
                         </a:rPr>
                         <a:t>Descripción</a:t>
                       </a:r>
-                      <a:endParaRPr lang="es-CL" sz="1800">
+                      <a:endParaRPr lang="es-CL" sz="1800" dirty="0">
                         <a:solidFill>
                           <a:srgbClr val="2E74B5"/>
                         </a:solidFill>
@@ -16993,7 +16986,7 @@
                         </a:spcAft>
                       </a:pPr>
                       <a:r>
-                        <a:rPr lang="es-ES_tradnl" sz="1800" b="1">
+                        <a:rPr lang="es-ES_tradnl" sz="1800" b="1" dirty="0">
                           <a:solidFill>
                             <a:schemeClr val="tx1"/>
                           </a:solidFill>
@@ -17004,7 +16997,7 @@
                         </a:rPr>
                         <a:t>013</a:t>
                       </a:r>
-                      <a:endParaRPr lang="es-CL" sz="1800">
+                      <a:endParaRPr lang="es-CL" sz="1800" dirty="0">
                         <a:solidFill>
                           <a:schemeClr val="tx1"/>
                         </a:solidFill>
@@ -17063,7 +17056,7 @@
                         </a:spcAft>
                       </a:pPr>
                       <a:r>
-                        <a:rPr lang="es-ES_tradnl" sz="1800" b="0">
+                        <a:rPr lang="es-ES_tradnl" sz="1800" b="0" dirty="0">
                           <a:solidFill>
                             <a:schemeClr val="bg1"/>
                           </a:solidFill>
@@ -17074,7 +17067,7 @@
                         </a:rPr>
                         <a:t>Especificación de Recursos humanos incluyendo la cantidad de personal en el proyecto, asignación  de  roles,  responsables  de  Líneas  de  trabajo  y métodos de entrenamiento y estudio a seguirse.</a:t>
                       </a:r>
-                      <a:endParaRPr lang="es-CL" sz="1800" b="0">
+                      <a:endParaRPr lang="es-CL" sz="1800" b="0" dirty="0">
                         <a:solidFill>
                           <a:schemeClr val="bg1"/>
                         </a:solidFill>
@@ -17091,7 +17084,7 @@
                         </a:spcAft>
                       </a:pPr>
                       <a:r>
-                        <a:rPr lang="es-ES_tradnl" sz="1800" b="0">
+                        <a:rPr lang="es-ES_tradnl" sz="1800" b="0" dirty="0">
                           <a:solidFill>
                             <a:schemeClr val="bg1"/>
                           </a:solidFill>
@@ -17102,7 +17095,7 @@
                         </a:rPr>
                         <a:t> </a:t>
                       </a:r>
-                      <a:endParaRPr lang="es-CL" sz="1800" b="0">
+                      <a:endParaRPr lang="es-CL" sz="1800" b="0" dirty="0">
                         <a:solidFill>
                           <a:schemeClr val="bg1"/>
                         </a:solidFill>
@@ -17168,7 +17161,7 @@
                         </a:spcAft>
                       </a:pPr>
                       <a:r>
-                        <a:rPr lang="es-ES_tradnl" sz="1800" b="1">
+                        <a:rPr lang="es-ES_tradnl" sz="1800" b="1" dirty="0">
                           <a:solidFill>
                             <a:schemeClr val="tx1"/>
                           </a:solidFill>
@@ -17179,7 +17172,7 @@
                         </a:rPr>
                         <a:t>014</a:t>
                       </a:r>
-                      <a:endParaRPr lang="es-CL" sz="1800">
+                      <a:endParaRPr lang="es-CL" sz="1800" dirty="0">
                         <a:solidFill>
                           <a:schemeClr val="tx1"/>
                         </a:solidFill>
@@ -17203,7 +17196,7 @@
                         </a:spcAft>
                       </a:pPr>
                       <a:r>
-                        <a:rPr lang="es-ES_tradnl" sz="1800" b="0">
+                        <a:rPr lang="es-ES_tradnl" sz="1800" b="0" dirty="0">
                           <a:solidFill>
                             <a:schemeClr val="bg1"/>
                           </a:solidFill>
@@ -17214,7 +17207,7 @@
                         </a:rPr>
                         <a:t>Líneas de trabajo</a:t>
                       </a:r>
-                      <a:endParaRPr lang="es-CL" sz="1800" b="0">
+                      <a:endParaRPr lang="es-CL" sz="1800" b="0" dirty="0">
                         <a:solidFill>
                           <a:schemeClr val="bg1"/>
                         </a:solidFill>
@@ -17238,7 +17231,7 @@
                         </a:spcAft>
                       </a:pPr>
                       <a:r>
-                        <a:rPr lang="es-ES_tradnl" sz="1800" b="0">
+                        <a:rPr lang="es-ES_tradnl" sz="1800" b="0" dirty="0">
                           <a:solidFill>
                             <a:schemeClr val="bg1"/>
                           </a:solidFill>
@@ -17249,7 +17242,7 @@
                         </a:rPr>
                         <a:t>Especificación  de  Líneas  de  trabajo  para  las  distintas  actividades que  se deben realizar.</a:t>
                       </a:r>
-                      <a:endParaRPr lang="es-CL" sz="1800" b="0">
+                      <a:endParaRPr lang="es-CL" sz="1800" b="0" dirty="0">
                         <a:solidFill>
                           <a:schemeClr val="bg1"/>
                         </a:solidFill>
@@ -17273,7 +17266,7 @@
                         </a:spcAft>
                       </a:pPr>
                       <a:r>
-                        <a:rPr lang="es-ES_tradnl" sz="1800" b="0">
+                        <a:rPr lang="es-ES_tradnl" sz="1800" b="0" dirty="0">
                           <a:solidFill>
                             <a:schemeClr val="bg1"/>
                           </a:solidFill>
@@ -17284,7 +17277,7 @@
                         </a:rPr>
                         <a:t>Fabián Jaque</a:t>
                       </a:r>
-                      <a:endParaRPr lang="es-CL" sz="1800" b="0">
+                      <a:endParaRPr lang="es-CL" sz="1800" b="0" dirty="0">
                         <a:solidFill>
                           <a:schemeClr val="bg1"/>
                         </a:solidFill>
@@ -17350,7 +17343,7 @@
                         </a:spcAft>
                       </a:pPr>
                       <a:r>
-                        <a:rPr lang="es-ES_tradnl" sz="1800" b="0">
+                        <a:rPr lang="es-ES_tradnl" sz="1800" b="0" dirty="0">
                           <a:solidFill>
                             <a:schemeClr val="bg1"/>
                           </a:solidFill>
@@ -17361,7 +17354,7 @@
                         </a:rPr>
                         <a:t>Dependencias</a:t>
                       </a:r>
-                      <a:endParaRPr lang="es-CL" sz="1800" b="0">
+                      <a:endParaRPr lang="es-CL" sz="1800" b="0" dirty="0">
                         <a:solidFill>
                           <a:schemeClr val="bg1"/>
                         </a:solidFill>
@@ -17385,7 +17378,7 @@
                         </a:spcAft>
                       </a:pPr>
                       <a:r>
-                        <a:rPr lang="es-ES_tradnl" sz="1800" b="0">
+                        <a:rPr lang="es-ES_tradnl" sz="1800" b="0" dirty="0">
                           <a:solidFill>
                             <a:schemeClr val="bg1"/>
                           </a:solidFill>
@@ -17396,7 +17389,7 @@
                         </a:rPr>
                         <a:t>Se  establecen  las  dependencias  entre actividades  de  las  distintas Líneas  de Trabajo.</a:t>
                       </a:r>
-                      <a:endParaRPr lang="es-CL" sz="1800" b="0">
+                      <a:endParaRPr lang="es-CL" sz="1800" b="0" dirty="0">
                         <a:solidFill>
                           <a:schemeClr val="bg1"/>
                         </a:solidFill>
@@ -17639,68 +17632,10 @@
                         </a:spcAft>
                       </a:pPr>
                       <a:r>
-                        <a:rPr lang="es-ES_tradnl" sz="1800">
+                        <a:rPr lang="es-ES_tradnl" sz="1800" dirty="0">
                           <a:effectLst/>
                         </a:rPr>
                         <a:t>#</a:t>
-                      </a:r>
-                      <a:endParaRPr lang="es-CL" sz="1800">
-                        <a:solidFill>
-                          <a:srgbClr val="2E74B5"/>
-                        </a:solidFill>
-                        <a:effectLst/>
-                        <a:latin typeface="Times New Roman" panose="02020603050405020304" pitchFamily="18" charset="0"/>
-                        <a:ea typeface="Calibri" panose="020F0502020204030204" pitchFamily="34" charset="0"/>
-                        <a:cs typeface="Times New Roman" panose="02020603050405020304" pitchFamily="18" charset="0"/>
-                      </a:endParaRPr>
-                    </a:p>
-                  </a:txBody>
-                  <a:tcPr marL="68580" marR="68580" marT="0" marB="0"/>
-                </a:tc>
-                <a:tc>
-                  <a:txBody>
-                    <a:bodyPr/>
-                    <a:lstStyle/>
-                    <a:p>
-                      <a:pPr algn="ctr">
-                        <a:spcAft>
-                          <a:spcPts val="0"/>
-                        </a:spcAft>
-                      </a:pPr>
-                      <a:r>
-                        <a:rPr lang="es-ES_tradnl" sz="1800">
-                          <a:effectLst/>
-                        </a:rPr>
-                        <a:t>Entregable</a:t>
-                      </a:r>
-                      <a:endParaRPr lang="es-CL" sz="1800">
-                        <a:solidFill>
-                          <a:srgbClr val="2E74B5"/>
-                        </a:solidFill>
-                        <a:effectLst/>
-                        <a:latin typeface="Times New Roman" panose="02020603050405020304" pitchFamily="18" charset="0"/>
-                        <a:ea typeface="Calibri" panose="020F0502020204030204" pitchFamily="34" charset="0"/>
-                        <a:cs typeface="Times New Roman" panose="02020603050405020304" pitchFamily="18" charset="0"/>
-                      </a:endParaRPr>
-                    </a:p>
-                  </a:txBody>
-                  <a:tcPr marL="68580" marR="68580" marT="0" marB="0"/>
-                </a:tc>
-                <a:tc>
-                  <a:txBody>
-                    <a:bodyPr/>
-                    <a:lstStyle/>
-                    <a:p>
-                      <a:pPr algn="ctr">
-                        <a:spcAft>
-                          <a:spcPts val="0"/>
-                        </a:spcAft>
-                      </a:pPr>
-                      <a:r>
-                        <a:rPr lang="es-ES_tradnl" sz="1800" dirty="0">
-                          <a:effectLst/>
-                        </a:rPr>
-                        <a:t>Descripción</a:t>
                       </a:r>
                       <a:endParaRPr lang="es-CL" sz="1800" dirty="0">
                         <a:solidFill>
@@ -17726,12 +17661,70 @@
                         </a:spcAft>
                       </a:pPr>
                       <a:r>
-                        <a:rPr lang="es-ES_tradnl" sz="1800">
+                        <a:rPr lang="es-ES_tradnl" sz="1800" dirty="0">
+                          <a:effectLst/>
+                        </a:rPr>
+                        <a:t>Entregable</a:t>
+                      </a:r>
+                      <a:endParaRPr lang="es-CL" sz="1800" dirty="0">
+                        <a:solidFill>
+                          <a:srgbClr val="2E74B5"/>
+                        </a:solidFill>
+                        <a:effectLst/>
+                        <a:latin typeface="Times New Roman" panose="02020603050405020304" pitchFamily="18" charset="0"/>
+                        <a:ea typeface="Calibri" panose="020F0502020204030204" pitchFamily="34" charset="0"/>
+                        <a:cs typeface="Times New Roman" panose="02020603050405020304" pitchFamily="18" charset="0"/>
+                      </a:endParaRPr>
+                    </a:p>
+                  </a:txBody>
+                  <a:tcPr marL="68580" marR="68580" marT="0" marB="0"/>
+                </a:tc>
+                <a:tc>
+                  <a:txBody>
+                    <a:bodyPr/>
+                    <a:lstStyle/>
+                    <a:p>
+                      <a:pPr algn="ctr">
+                        <a:spcAft>
+                          <a:spcPts val="0"/>
+                        </a:spcAft>
+                      </a:pPr>
+                      <a:r>
+                        <a:rPr lang="es-ES_tradnl" sz="1800" dirty="0">
+                          <a:effectLst/>
+                        </a:rPr>
+                        <a:t>Descripción</a:t>
+                      </a:r>
+                      <a:endParaRPr lang="es-CL" sz="1800" dirty="0">
+                        <a:solidFill>
+                          <a:srgbClr val="2E74B5"/>
+                        </a:solidFill>
+                        <a:effectLst/>
+                        <a:latin typeface="Times New Roman" panose="02020603050405020304" pitchFamily="18" charset="0"/>
+                        <a:ea typeface="Calibri" panose="020F0502020204030204" pitchFamily="34" charset="0"/>
+                        <a:cs typeface="Times New Roman" panose="02020603050405020304" pitchFamily="18" charset="0"/>
+                      </a:endParaRPr>
+                    </a:p>
+                  </a:txBody>
+                  <a:tcPr marL="68580" marR="68580" marT="0" marB="0"/>
+                </a:tc>
+                <a:tc>
+                  <a:txBody>
+                    <a:bodyPr/>
+                    <a:lstStyle/>
+                    <a:p>
+                      <a:pPr algn="ctr">
+                        <a:spcAft>
+                          <a:spcPts val="0"/>
+                        </a:spcAft>
+                      </a:pPr>
+                      <a:r>
+                        <a:rPr lang="es-ES_tradnl" sz="1800" dirty="0">
                           <a:effectLst/>
                         </a:rPr>
                         <a:t>Responsable(s)</a:t>
                       </a:r>
-                      <a:endParaRPr lang="es-CL" sz="1800">
+                      <a:endParaRPr lang="es-CL" sz="1800" dirty="0">
                         <a:solidFill>
                           <a:srgbClr val="2E74B5"/>
                         </a:solidFill>
@@ -17762,7 +17755,7 @@
                         </a:spcAft>
                       </a:pPr>
                       <a:r>
-                        <a:rPr lang="es-ES_tradnl" sz="1800" b="1">
+                        <a:rPr lang="es-ES_tradnl" sz="1800" b="1" dirty="0">
                           <a:solidFill>
                             <a:schemeClr val="tx1"/>
                           </a:solidFill>
@@ -17773,7 +17766,7 @@
                         </a:rPr>
                         <a:t>016</a:t>
                       </a:r>
-                      <a:endParaRPr lang="es-CL" sz="1800" b="1">
+                      <a:endParaRPr lang="es-CL" sz="1800" b="1" dirty="0">
                         <a:solidFill>
                           <a:schemeClr val="tx1"/>
                         </a:solidFill>
@@ -17797,7 +17790,7 @@
                         </a:spcAft>
                       </a:pPr>
                       <a:r>
-                        <a:rPr lang="es-ES_tradnl" sz="1800" b="0">
+                        <a:rPr lang="es-ES_tradnl" sz="1800" b="0" dirty="0">
                           <a:solidFill>
                             <a:schemeClr val="bg1"/>
                           </a:solidFill>
@@ -17808,7 +17801,7 @@
                         </a:rPr>
                         <a:t>Distribución de recursos humanos</a:t>
                       </a:r>
-                      <a:endParaRPr lang="es-CL" sz="1800" b="0">
+                      <a:endParaRPr lang="es-CL" sz="1800" b="0" dirty="0">
                         <a:solidFill>
                           <a:schemeClr val="bg1"/>
                         </a:solidFill>
@@ -17832,7 +17825,7 @@
                         </a:spcAft>
                       </a:pPr>
                       <a:r>
-                        <a:rPr lang="es-ES_tradnl" sz="1800" b="0">
+                        <a:rPr lang="es-ES_tradnl" sz="1800" b="0" dirty="0">
                           <a:solidFill>
                             <a:schemeClr val="bg1"/>
                           </a:solidFill>
@@ -17843,7 +17836,7 @@
                         </a:rPr>
                         <a:t>Estimación  de  la  asignación  de  recursos  humanos  a  las  distintas  Líneas  de trabajo a través de la duración del proyecto.</a:t>
                       </a:r>
-                      <a:endParaRPr lang="es-CL" sz="1800" b="0">
+                      <a:endParaRPr lang="es-CL" sz="1800" b="0" dirty="0">
                         <a:solidFill>
                           <a:schemeClr val="bg1"/>
                         </a:solidFill>
@@ -17867,7 +17860,7 @@
                         </a:spcAft>
                       </a:pPr>
                       <a:r>
-                        <a:rPr lang="es-ES_tradnl" sz="1800" b="0">
+                        <a:rPr lang="es-ES_tradnl" sz="1800" b="0" dirty="0">
                           <a:solidFill>
                             <a:schemeClr val="bg1"/>
                           </a:solidFill>
@@ -17878,7 +17871,7 @@
                         </a:rPr>
                         <a:t>Fabián Jaque</a:t>
                       </a:r>
-                      <a:endParaRPr lang="es-CL" sz="1800" b="0">
+                      <a:endParaRPr lang="es-CL" sz="1800" b="0" dirty="0">
                         <a:solidFill>
                           <a:schemeClr val="bg1"/>
                         </a:solidFill>
@@ -17979,7 +17972,7 @@
                         </a:spcAft>
                       </a:pPr>
                       <a:r>
-                        <a:rPr lang="es-ES_tradnl" sz="1800" b="0">
+                        <a:rPr lang="es-ES_tradnl" sz="1800" b="0" dirty="0">
                           <a:solidFill>
                             <a:schemeClr val="bg1"/>
                           </a:solidFill>
@@ -17990,7 +17983,7 @@
                         </a:rPr>
                         <a:t>Cronograma   para   las   distintas   actividades   del   proyecto.</a:t>
                       </a:r>
-                      <a:endParaRPr lang="es-CL" sz="1800" b="0">
+                      <a:endParaRPr lang="es-CL" sz="1800" b="0" dirty="0">
                         <a:solidFill>
                           <a:schemeClr val="bg1"/>
                         </a:solidFill>
@@ -24796,13 +24789,13 @@
                         </a:spcAft>
                       </a:pPr>
                       <a:r>
-                        <a:rPr lang="es-ES_tradnl" sz="1800">
+                        <a:rPr lang="es-ES_tradnl" sz="1800" dirty="0">
                           <a:effectLst/>
                           <a:latin typeface="Calibri" panose="020F0502020204030204" pitchFamily="34" charset="0"/>
                         </a:rPr>
                         <a:t>Actividad</a:t>
                       </a:r>
-                      <a:endParaRPr lang="es-CL" sz="1800">
+                      <a:endParaRPr lang="es-CL" sz="1800" dirty="0">
                         <a:solidFill>
                           <a:srgbClr val="2E74B5"/>
                         </a:solidFill>
@@ -24826,13 +24819,13 @@
                         </a:spcAft>
                       </a:pPr>
                       <a:r>
-                        <a:rPr lang="es-ES_tradnl" sz="1800">
+                        <a:rPr lang="es-ES_tradnl" sz="1800" dirty="0">
                           <a:effectLst/>
                           <a:latin typeface="Calibri" panose="020F0502020204030204" pitchFamily="34" charset="0"/>
                         </a:rPr>
                         <a:t>Procedimiento</a:t>
                       </a:r>
-                      <a:endParaRPr lang="es-CL" sz="1800">
+                      <a:endParaRPr lang="es-CL" sz="1800" dirty="0">
                         <a:solidFill>
                           <a:srgbClr val="2E74B5"/>
                         </a:solidFill>
@@ -24856,13 +24849,13 @@
                         </a:spcAft>
                       </a:pPr>
                       <a:r>
-                        <a:rPr lang="es-ES_tradnl" sz="1800">
+                        <a:rPr lang="es-ES_tradnl" sz="1800" dirty="0">
                           <a:effectLst/>
                           <a:latin typeface="Calibri" panose="020F0502020204030204" pitchFamily="34" charset="0"/>
                         </a:rPr>
                         <a:t>Responsable</a:t>
                       </a:r>
-                      <a:endParaRPr lang="es-CL" sz="1800">
+                      <a:endParaRPr lang="es-CL" sz="1800" dirty="0">
                         <a:solidFill>
                           <a:srgbClr val="2E74B5"/>
                         </a:solidFill>
@@ -24886,13 +24879,13 @@
                         </a:spcAft>
                       </a:pPr>
                       <a:r>
-                        <a:rPr lang="es-ES_tradnl" sz="1800">
+                        <a:rPr lang="es-ES_tradnl" sz="1800" dirty="0">
                           <a:effectLst/>
                           <a:latin typeface="Calibri" panose="020F0502020204030204" pitchFamily="34" charset="0"/>
                         </a:rPr>
                         <a:t>Involucrados</a:t>
                       </a:r>
-                      <a:endParaRPr lang="es-CL" sz="1800">
+                      <a:endParaRPr lang="es-CL" sz="1800" dirty="0">
                         <a:solidFill>
                           <a:srgbClr val="2E74B5"/>
                         </a:solidFill>
@@ -24923,13 +24916,13 @@
                         </a:spcAft>
                       </a:pPr>
                       <a:r>
-                        <a:rPr lang="es-ES_tradnl" sz="1800">
+                        <a:rPr lang="es-ES_tradnl" sz="1800" dirty="0">
                           <a:effectLst/>
                           <a:latin typeface="Calibri" panose="020F0502020204030204" pitchFamily="34" charset="0"/>
                         </a:rPr>
                         <a:t>Toma de requerimientos</a:t>
                       </a:r>
-                      <a:endParaRPr lang="es-CL" sz="1800">
+                      <a:endParaRPr lang="es-CL" sz="1800" dirty="0">
                         <a:solidFill>
                           <a:srgbClr val="2E74B5"/>
                         </a:solidFill>
@@ -24955,13 +24948,13 @@
                         <a:buAutoNum type="arabicPeriod"/>
                       </a:pPr>
                       <a:r>
-                        <a:rPr lang="es-ES_tradnl" sz="1800">
+                        <a:rPr lang="es-ES_tradnl" sz="1800" dirty="0">
                           <a:effectLst/>
                           <a:latin typeface="Calibri" panose="020F0502020204030204" pitchFamily="34" charset="0"/>
                         </a:rPr>
                         <a:t>Recepción de documento de requerimientos.</a:t>
                       </a:r>
-                      <a:endParaRPr lang="es-CL" sz="1800">
+                      <a:endParaRPr lang="es-CL" sz="1800" dirty="0">
                         <a:effectLst/>
                         <a:latin typeface="Calibri" panose="020F0502020204030204" pitchFamily="34" charset="0"/>
                       </a:endParaRPr>
@@ -24975,13 +24968,13 @@
                         <a:buAutoNum type="arabicPeriod"/>
                       </a:pPr>
                       <a:r>
-                        <a:rPr lang="es-ES_tradnl" sz="1800">
+                        <a:rPr lang="es-ES_tradnl" sz="1800" dirty="0">
                           <a:effectLst/>
                           <a:latin typeface="Calibri" panose="020F0502020204030204" pitchFamily="34" charset="0"/>
                         </a:rPr>
                         <a:t>Análisis de documento de requerimiento.</a:t>
                       </a:r>
-                      <a:endParaRPr lang="es-CL" sz="1800">
+                      <a:endParaRPr lang="es-CL" sz="1800" dirty="0">
                         <a:effectLst/>
                         <a:latin typeface="Calibri" panose="020F0502020204030204" pitchFamily="34" charset="0"/>
                       </a:endParaRPr>
@@ -24995,13 +24988,13 @@
                         <a:buAutoNum type="arabicPeriod"/>
                       </a:pPr>
                       <a:r>
-                        <a:rPr lang="es-ES_tradnl" sz="1800">
+                        <a:rPr lang="es-ES_tradnl" sz="1800" dirty="0">
                           <a:effectLst/>
                           <a:latin typeface="Calibri" panose="020F0502020204030204" pitchFamily="34" charset="0"/>
                         </a:rPr>
                         <a:t>Generación de ERS.</a:t>
                       </a:r>
-                      <a:endParaRPr lang="es-CL" sz="1800">
+                      <a:endParaRPr lang="es-CL" sz="1800" dirty="0">
                         <a:effectLst/>
                         <a:latin typeface="Calibri" panose="020F0502020204030204" pitchFamily="34" charset="0"/>
                       </a:endParaRPr>
@@ -25015,13 +25008,13 @@
                         <a:buAutoNum type="arabicPeriod"/>
                       </a:pPr>
                       <a:r>
-                        <a:rPr lang="es-ES_tradnl" sz="1800">
+                        <a:rPr lang="es-ES_tradnl" sz="1800" dirty="0">
                           <a:effectLst/>
                           <a:latin typeface="Calibri" panose="020F0502020204030204" pitchFamily="34" charset="0"/>
                         </a:rPr>
                         <a:t>Verificación de ERS. </a:t>
                       </a:r>
-                      <a:endParaRPr lang="es-CL" sz="1800">
+                      <a:endParaRPr lang="es-CL" sz="1800" dirty="0">
                         <a:solidFill>
                           <a:srgbClr val="2E74B5"/>
                         </a:solidFill>
@@ -25045,13 +25038,13 @@
                         </a:spcAft>
                       </a:pPr>
                       <a:r>
-                        <a:rPr lang="es-ES_tradnl" sz="1800">
+                        <a:rPr lang="es-ES_tradnl" sz="1800" dirty="0">
                           <a:effectLst/>
                           <a:latin typeface="Calibri" panose="020F0502020204030204" pitchFamily="34" charset="0"/>
                         </a:rPr>
                         <a:t>Jefe de proyecto</a:t>
                       </a:r>
-                      <a:endParaRPr lang="es-CL" sz="1800">
+                      <a:endParaRPr lang="es-CL" sz="1800" dirty="0">
                         <a:solidFill>
                           <a:srgbClr val="2E74B5"/>
                         </a:solidFill>
@@ -25077,13 +25070,13 @@
                         <a:buChar char=""/>
                       </a:pPr>
                       <a:r>
-                        <a:rPr lang="es-ES_tradnl" sz="1800">
+                        <a:rPr lang="es-ES_tradnl" sz="1800" dirty="0">
                           <a:effectLst/>
                           <a:latin typeface="Calibri" panose="020F0502020204030204" pitchFamily="34" charset="0"/>
                         </a:rPr>
                         <a:t>Jefe de proyecto</a:t>
                       </a:r>
-                      <a:endParaRPr lang="es-CL" sz="1800">
+                      <a:endParaRPr lang="es-CL" sz="1800" dirty="0">
                         <a:effectLst/>
                         <a:latin typeface="Calibri" panose="020F0502020204030204" pitchFamily="34" charset="0"/>
                       </a:endParaRPr>
@@ -25097,13 +25090,13 @@
                         <a:buChar char=""/>
                       </a:pPr>
                       <a:r>
-                        <a:rPr lang="es-ES_tradnl" sz="1800">
+                        <a:rPr lang="es-ES_tradnl" sz="1800" dirty="0">
                           <a:effectLst/>
                           <a:latin typeface="Calibri" panose="020F0502020204030204" pitchFamily="34" charset="0"/>
                         </a:rPr>
                         <a:t>Cliente</a:t>
                       </a:r>
-                      <a:endParaRPr lang="es-CL" sz="1800">
+                      <a:endParaRPr lang="es-CL" sz="1800" dirty="0">
                         <a:solidFill>
                           <a:srgbClr val="2E74B5"/>
                         </a:solidFill>
@@ -25134,13 +25127,13 @@
                         </a:spcAft>
                       </a:pPr>
                       <a:r>
-                        <a:rPr lang="es-ES_tradnl" sz="1800">
+                        <a:rPr lang="es-ES_tradnl" sz="1800" dirty="0">
                           <a:effectLst/>
                           <a:latin typeface="Calibri" panose="020F0502020204030204" pitchFamily="34" charset="0"/>
                         </a:rPr>
                         <a:t>Gestión de riesgos</a:t>
                       </a:r>
-                      <a:endParaRPr lang="es-CL" sz="1800">
+                      <a:endParaRPr lang="es-CL" sz="1800" dirty="0">
                         <a:solidFill>
                           <a:srgbClr val="2E74B5"/>
                         </a:solidFill>
@@ -25164,13 +25157,13 @@
                         </a:spcAft>
                       </a:pPr>
                       <a:r>
-                        <a:rPr lang="es-ES_tradnl" sz="1800">
+                        <a:rPr lang="es-ES_tradnl" sz="1800" dirty="0">
                           <a:effectLst/>
                           <a:latin typeface="Calibri" panose="020F0502020204030204" pitchFamily="34" charset="0"/>
                         </a:rPr>
                         <a:t>Se ejecutara el control de riesgos y ejecutara el plan de contingencia según corresponda.</a:t>
                       </a:r>
-                      <a:endParaRPr lang="es-CL" sz="1800">
+                      <a:endParaRPr lang="es-CL" sz="1800" dirty="0">
                         <a:solidFill>
                           <a:srgbClr val="2E74B5"/>
                         </a:solidFill>
@@ -25194,13 +25187,13 @@
                         </a:spcAft>
                       </a:pPr>
                       <a:r>
-                        <a:rPr lang="es-ES_tradnl" sz="1800">
+                        <a:rPr lang="es-ES_tradnl" sz="1800" dirty="0">
                           <a:effectLst/>
                           <a:latin typeface="Calibri" panose="020F0502020204030204" pitchFamily="34" charset="0"/>
                         </a:rPr>
                         <a:t>Jefe de proyecto</a:t>
                       </a:r>
-                      <a:endParaRPr lang="es-CL" sz="1800">
+                      <a:endParaRPr lang="es-CL" sz="1800" dirty="0">
                         <a:solidFill>
                           <a:srgbClr val="2E74B5"/>
                         </a:solidFill>
@@ -25226,13 +25219,13 @@
                         <a:buChar char=""/>
                       </a:pPr>
                       <a:r>
-                        <a:rPr lang="es-ES_tradnl" sz="1800">
+                        <a:rPr lang="es-ES_tradnl" sz="1800" dirty="0">
                           <a:effectLst/>
                           <a:latin typeface="Calibri" panose="020F0502020204030204" pitchFamily="34" charset="0"/>
                         </a:rPr>
                         <a:t>Jefe de proyecto</a:t>
                       </a:r>
-                      <a:endParaRPr lang="es-CL" sz="1800">
+                      <a:endParaRPr lang="es-CL" sz="1800" dirty="0">
                         <a:solidFill>
                           <a:srgbClr val="2E74B5"/>
                         </a:solidFill>
@@ -25263,13 +25256,13 @@
                         </a:spcAft>
                       </a:pPr>
                       <a:r>
-                        <a:rPr lang="es-ES_tradnl" sz="1800">
+                        <a:rPr lang="es-ES_tradnl" sz="1800" dirty="0">
                           <a:effectLst/>
                           <a:latin typeface="Calibri" panose="020F0502020204030204" pitchFamily="34" charset="0"/>
                         </a:rPr>
                         <a:t>Mecanismos de gestión de calidad</a:t>
                       </a:r>
-                      <a:endParaRPr lang="es-CL" sz="1800">
+                      <a:endParaRPr lang="es-CL" sz="1800" dirty="0">
                         <a:solidFill>
                           <a:srgbClr val="2E74B5"/>
                         </a:solidFill>
@@ -25293,13 +25286,13 @@
                         </a:spcAft>
                       </a:pPr>
                       <a:r>
-                        <a:rPr lang="es-ES_tradnl" sz="1800">
+                        <a:rPr lang="es-ES_tradnl" sz="1800" dirty="0">
                           <a:effectLst/>
                           <a:latin typeface="Calibri" panose="020F0502020204030204" pitchFamily="34" charset="0"/>
                         </a:rPr>
                         <a:t>Se ejecutara el control de calidad y ejecutara las correcciones al proceso según corresponda.</a:t>
                       </a:r>
-                      <a:endParaRPr lang="es-CL" sz="1800">
+                      <a:endParaRPr lang="es-CL" sz="1800" dirty="0">
                         <a:solidFill>
                           <a:srgbClr val="2E74B5"/>
                         </a:solidFill>
@@ -25323,13 +25316,13 @@
                         </a:spcAft>
                       </a:pPr>
                       <a:r>
-                        <a:rPr lang="es-ES_tradnl" sz="1800">
+                        <a:rPr lang="es-ES_tradnl" sz="1800" dirty="0">
                           <a:effectLst/>
                           <a:latin typeface="Calibri" panose="020F0502020204030204" pitchFamily="34" charset="0"/>
                         </a:rPr>
                         <a:t>Jefe de proyecto</a:t>
                       </a:r>
-                      <a:endParaRPr lang="es-CL" sz="1800">
+                      <a:endParaRPr lang="es-CL" sz="1800" dirty="0">
                         <a:solidFill>
                           <a:srgbClr val="2E74B5"/>
                         </a:solidFill>
@@ -25557,7 +25550,7 @@
           <p:nvPr>
             <p:extLst>
               <p:ext uri="{D42A27DB-BD31-4B8C-83A1-F6EECF244321}">
-                <p14:modId xmlns:p14="http://schemas.microsoft.com/office/powerpoint/2010/main" val="1763825780"/>
+                <p14:modId xmlns:p14="http://schemas.microsoft.com/office/powerpoint/2010/main" val="2276739159"/>
               </p:ext>
             </p:extLst>
           </p:nvPr>
@@ -25614,13 +25607,13 @@
                         </a:spcAft>
                       </a:pPr>
                       <a:r>
-                        <a:rPr lang="es-ES_tradnl" sz="1800">
+                        <a:rPr lang="es-ES_tradnl" sz="1800" dirty="0">
                           <a:effectLst/>
                           <a:latin typeface="Calibri" panose="020F0502020204030204" pitchFamily="34" charset="0"/>
                         </a:rPr>
                         <a:t>Actividad</a:t>
                       </a:r>
-                      <a:endParaRPr lang="es-CL" sz="1800">
+                      <a:endParaRPr lang="es-CL" sz="1800" dirty="0">
                         <a:solidFill>
                           <a:srgbClr val="2E74B5"/>
                         </a:solidFill>
@@ -25644,13 +25637,13 @@
                         </a:spcAft>
                       </a:pPr>
                       <a:r>
-                        <a:rPr lang="es-ES_tradnl" sz="1800">
+                        <a:rPr lang="es-ES_tradnl" sz="1800" dirty="0">
                           <a:effectLst/>
                           <a:latin typeface="Calibri" panose="020F0502020204030204" pitchFamily="34" charset="0"/>
                         </a:rPr>
                         <a:t>Procedimiento</a:t>
                       </a:r>
-                      <a:endParaRPr lang="es-CL" sz="1800">
+                      <a:endParaRPr lang="es-CL" sz="1800" dirty="0">
                         <a:solidFill>
                           <a:srgbClr val="2E74B5"/>
                         </a:solidFill>
@@ -25674,13 +25667,13 @@
                         </a:spcAft>
                       </a:pPr>
                       <a:r>
-                        <a:rPr lang="es-ES_tradnl" sz="1800">
+                        <a:rPr lang="es-ES_tradnl" sz="1800" dirty="0">
                           <a:effectLst/>
                           <a:latin typeface="Calibri" panose="020F0502020204030204" pitchFamily="34" charset="0"/>
                         </a:rPr>
                         <a:t>Responsable</a:t>
                       </a:r>
-                      <a:endParaRPr lang="es-CL" sz="1800">
+                      <a:endParaRPr lang="es-CL" sz="1800" dirty="0">
                         <a:solidFill>
                           <a:srgbClr val="2E74B5"/>
                         </a:solidFill>
@@ -25704,13 +25697,13 @@
                         </a:spcAft>
                       </a:pPr>
                       <a:r>
-                        <a:rPr lang="es-ES_tradnl" sz="1800">
+                        <a:rPr lang="es-ES_tradnl" sz="1800" dirty="0">
                           <a:effectLst/>
                           <a:latin typeface="Calibri" panose="020F0502020204030204" pitchFamily="34" charset="0"/>
                         </a:rPr>
                         <a:t>Involucrados</a:t>
                       </a:r>
-                      <a:endParaRPr lang="es-CL" sz="1800">
+                      <a:endParaRPr lang="es-CL" sz="1800" dirty="0">
                         <a:solidFill>
                           <a:srgbClr val="2E74B5"/>
                         </a:solidFill>
@@ -25741,7 +25734,7 @@
                         </a:spcAft>
                       </a:pPr>
                       <a:r>
-                        <a:rPr lang="es-ES_tradnl" sz="1800" b="1">
+                        <a:rPr lang="es-ES_tradnl" sz="1800" b="1" dirty="0">
                           <a:solidFill>
                             <a:schemeClr val="tx1"/>
                           </a:solidFill>
@@ -25752,7 +25745,7 @@
                         </a:rPr>
                         <a:t>Mecanismos para gestión de configuración</a:t>
                       </a:r>
-                      <a:endParaRPr lang="es-CL" sz="1800">
+                      <a:endParaRPr lang="es-CL" sz="1800" dirty="0">
                         <a:solidFill>
                           <a:schemeClr val="tx1"/>
                         </a:solidFill>
@@ -25776,7 +25769,7 @@
                         </a:spcAft>
                       </a:pPr>
                       <a:r>
-                        <a:rPr lang="es-ES_tradnl" sz="1800" b="0">
+                        <a:rPr lang="es-ES_tradnl" sz="1800" b="0" dirty="0">
                           <a:solidFill>
                             <a:schemeClr val="bg1"/>
                           </a:solidFill>
@@ -25787,7 +25780,7 @@
                         </a:rPr>
                         <a:t>Se ejecuta los procesos de configuración en los ambientes de desarrollo y producción dependiendo la etapa de producción del proyecto.</a:t>
                       </a:r>
-                      <a:endParaRPr lang="es-CL" sz="1800" b="0">
+                      <a:endParaRPr lang="es-CL" sz="1800" b="0" dirty="0">
                         <a:solidFill>
                           <a:schemeClr val="bg1"/>
                         </a:solidFill>
@@ -25811,7 +25804,7 @@
                         </a:spcAft>
                       </a:pPr>
                       <a:r>
-                        <a:rPr lang="es-ES_tradnl" sz="1800" b="0">
+                        <a:rPr lang="es-ES_tradnl" sz="1800" b="0" dirty="0">
                           <a:solidFill>
                             <a:schemeClr val="bg1"/>
                           </a:solidFill>
@@ -25822,7 +25815,7 @@
                         </a:rPr>
                         <a:t>Jefe de proyecto</a:t>
                       </a:r>
-                      <a:endParaRPr lang="es-CL" sz="1800" b="0">
+                      <a:endParaRPr lang="es-CL" sz="1800" b="0" dirty="0">
                         <a:solidFill>
                           <a:schemeClr val="bg1"/>
                         </a:solidFill>
@@ -25848,7 +25841,7 @@
                         <a:buChar char=""/>
                       </a:pPr>
                       <a:r>
-                        <a:rPr lang="es-ES_tradnl" sz="1800" b="0">
+                        <a:rPr lang="es-ES_tradnl" sz="1800" b="0" dirty="0">
                           <a:solidFill>
                             <a:schemeClr val="bg1"/>
                           </a:solidFill>
@@ -25859,7 +25852,7 @@
                         </a:rPr>
                         <a:t>Jefe de proyecto</a:t>
                       </a:r>
-                      <a:endParaRPr lang="es-CL" sz="1800" b="0">
+                      <a:endParaRPr lang="es-CL" sz="1800" b="0" dirty="0">
                         <a:solidFill>
                           <a:schemeClr val="bg1"/>
                         </a:solidFill>
@@ -25925,7 +25918,7 @@
                         </a:spcAft>
                       </a:pPr>
                       <a:r>
-                        <a:rPr lang="es-ES_tradnl" sz="1800" b="0">
+                        <a:rPr lang="es-ES_tradnl" sz="1800" b="0" dirty="0">
                           <a:solidFill>
                             <a:schemeClr val="bg1"/>
                           </a:solidFill>
@@ -25934,9 +25927,9 @@
                           <a:ea typeface="Calibri" panose="020F0502020204030204" pitchFamily="34" charset="0"/>
                           <a:cs typeface="Times New Roman" panose="02020603050405020304" pitchFamily="18" charset="0"/>
                         </a:rPr>
-                        <a:t>Se ejecutaran las pruebas de humo y verificación de mockups.</a:t>
-                      </a:r>
-                      <a:endParaRPr lang="es-CL" sz="1800" b="0">
+                        <a:t>Se ejecutaran las pruebas de humo y verificación de Mockups.</a:t>
+                      </a:r>
+                      <a:endParaRPr lang="es-CL" sz="1800" b="0" dirty="0">
                         <a:solidFill>
                           <a:schemeClr val="bg1"/>
                         </a:solidFill>
@@ -25960,7 +25953,7 @@
                         </a:spcAft>
                       </a:pPr>
                       <a:r>
-                        <a:rPr lang="es-ES_tradnl" sz="1800" b="0">
+                        <a:rPr lang="es-ES_tradnl" sz="1800" b="0" dirty="0">
                           <a:solidFill>
                             <a:schemeClr val="bg1"/>
                           </a:solidFill>
@@ -25971,7 +25964,7 @@
                         </a:rPr>
                         <a:t>Jefe de proyecto</a:t>
                       </a:r>
-                      <a:endParaRPr lang="es-CL" sz="1800" b="0">
+                      <a:endParaRPr lang="es-CL" sz="1800" b="0" dirty="0">
                         <a:solidFill>
                           <a:schemeClr val="bg1"/>
                         </a:solidFill>
@@ -26216,13 +26209,13 @@
                         </a:spcAft>
                       </a:pPr>
                       <a:r>
-                        <a:rPr lang="es-ES_tradnl" sz="1600">
+                        <a:rPr lang="es-ES_tradnl" sz="1600" dirty="0">
                           <a:effectLst/>
                           <a:latin typeface="Calibri" panose="020F0502020204030204" pitchFamily="34" charset="0"/>
                         </a:rPr>
                         <a:t>Identificación de actividad</a:t>
                       </a:r>
-                      <a:endParaRPr lang="es-CL" sz="1600">
+                      <a:endParaRPr lang="es-CL" sz="1600" dirty="0">
                         <a:solidFill>
                           <a:srgbClr val="2E74B5"/>
                         </a:solidFill>
@@ -26246,13 +26239,13 @@
                         </a:spcAft>
                       </a:pPr>
                       <a:r>
-                        <a:rPr lang="es-ES_tradnl" sz="1600">
+                        <a:rPr lang="es-ES_tradnl" sz="1600" dirty="0">
                           <a:effectLst/>
                           <a:latin typeface="Calibri" panose="020F0502020204030204" pitchFamily="34" charset="0"/>
                         </a:rPr>
                         <a:t>Descripción de actividad</a:t>
                       </a:r>
-                      <a:endParaRPr lang="es-CL" sz="1600">
+                      <a:endParaRPr lang="es-CL" sz="1600" dirty="0">
                         <a:solidFill>
                           <a:srgbClr val="2E74B5"/>
                         </a:solidFill>
@@ -26276,13 +26269,13 @@
                         </a:spcAft>
                       </a:pPr>
                       <a:r>
-                        <a:rPr lang="es-ES_tradnl" sz="1600">
+                        <a:rPr lang="es-ES_tradnl" sz="1600" dirty="0">
                           <a:effectLst/>
                           <a:latin typeface="Calibri" panose="020F0502020204030204" pitchFamily="34" charset="0"/>
                         </a:rPr>
                         <a:t>Responsable</a:t>
                       </a:r>
-                      <a:endParaRPr lang="es-CL" sz="1600">
+                      <a:endParaRPr lang="es-CL" sz="1600" dirty="0">
                         <a:solidFill>
                           <a:srgbClr val="2E74B5"/>
                         </a:solidFill>
@@ -26306,13 +26299,13 @@
                         </a:spcAft>
                       </a:pPr>
                       <a:r>
-                        <a:rPr lang="es-ES_tradnl" sz="1600">
+                        <a:rPr lang="es-ES_tradnl" sz="1600" dirty="0">
                           <a:effectLst/>
                           <a:latin typeface="Calibri" panose="020F0502020204030204" pitchFamily="34" charset="0"/>
                         </a:rPr>
                         <a:t>Involucrados</a:t>
                       </a:r>
-                      <a:endParaRPr lang="es-CL" sz="1600">
+                      <a:endParaRPr lang="es-CL" sz="1600" dirty="0">
                         <a:solidFill>
                           <a:srgbClr val="2E74B5"/>
                         </a:solidFill>
@@ -26373,13 +26366,13 @@
                         </a:spcAft>
                       </a:pPr>
                       <a:r>
-                        <a:rPr lang="es-ES_tradnl" sz="1600">
+                        <a:rPr lang="es-ES_tradnl" sz="1600" dirty="0">
                           <a:effectLst/>
                           <a:latin typeface="Calibri" panose="020F0502020204030204" pitchFamily="34" charset="0"/>
                         </a:rPr>
                         <a:t>Toma de requerimientos</a:t>
                       </a:r>
-                      <a:endParaRPr lang="es-CL" sz="1600">
+                      <a:endParaRPr lang="es-CL" sz="1600" dirty="0">
                         <a:solidFill>
                           <a:srgbClr val="2E74B5"/>
                         </a:solidFill>
@@ -26403,13 +26396,13 @@
                         </a:spcAft>
                       </a:pPr>
                       <a:r>
-                        <a:rPr lang="es-ES_tradnl" sz="1600">
+                        <a:rPr lang="es-ES_tradnl" sz="1600" dirty="0">
                           <a:effectLst/>
                           <a:latin typeface="Calibri" panose="020F0502020204030204" pitchFamily="34" charset="0"/>
                         </a:rPr>
                         <a:t>Jefe de proyecto</a:t>
                       </a:r>
-                      <a:endParaRPr lang="es-CL" sz="1600">
+                      <a:endParaRPr lang="es-CL" sz="1600" dirty="0">
                         <a:solidFill>
                           <a:srgbClr val="2E74B5"/>
                         </a:solidFill>
@@ -26435,13 +26428,13 @@
                         <a:buChar char=""/>
                       </a:pPr>
                       <a:r>
-                        <a:rPr lang="es-ES_tradnl" sz="1600">
+                        <a:rPr lang="es-ES_tradnl" sz="1600" dirty="0">
                           <a:effectLst/>
                           <a:latin typeface="Calibri" panose="020F0502020204030204" pitchFamily="34" charset="0"/>
                         </a:rPr>
                         <a:t>Jefe de proyecto</a:t>
                       </a:r>
-                      <a:endParaRPr lang="es-CL" sz="1600">
+                      <a:endParaRPr lang="es-CL" sz="1600" dirty="0">
                         <a:effectLst/>
                         <a:latin typeface="Calibri" panose="020F0502020204030204" pitchFamily="34" charset="0"/>
                       </a:endParaRPr>
@@ -26455,13 +26448,13 @@
                         <a:buChar char=""/>
                       </a:pPr>
                       <a:r>
-                        <a:rPr lang="es-ES_tradnl" sz="1600">
+                        <a:rPr lang="es-ES_tradnl" sz="1600" dirty="0">
                           <a:effectLst/>
                           <a:latin typeface="Calibri" panose="020F0502020204030204" pitchFamily="34" charset="0"/>
                         </a:rPr>
                         <a:t>Ingeniero informático</a:t>
                       </a:r>
-                      <a:endParaRPr lang="es-CL" sz="1600">
+                      <a:endParaRPr lang="es-CL" sz="1600" dirty="0">
                         <a:solidFill>
                           <a:srgbClr val="2E74B5"/>
                         </a:solidFill>
@@ -26522,13 +26515,13 @@
                         </a:spcAft>
                       </a:pPr>
                       <a:r>
-                        <a:rPr lang="es-ES_tradnl" sz="1600">
+                        <a:rPr lang="es-ES_tradnl" sz="1600" dirty="0">
                           <a:effectLst/>
                           <a:latin typeface="Calibri" panose="020F0502020204030204" pitchFamily="34" charset="0"/>
                         </a:rPr>
                         <a:t>Establecer alcance</a:t>
                       </a:r>
-                      <a:endParaRPr lang="es-CL" sz="1600">
+                      <a:endParaRPr lang="es-CL" sz="1600" dirty="0">
                         <a:solidFill>
                           <a:srgbClr val="2E74B5"/>
                         </a:solidFill>
@@ -26552,13 +26545,13 @@
                         </a:spcAft>
                       </a:pPr>
                       <a:r>
-                        <a:rPr lang="es-ES_tradnl" sz="1600">
+                        <a:rPr lang="es-ES_tradnl" sz="1600" dirty="0">
                           <a:effectLst/>
                           <a:latin typeface="Calibri" panose="020F0502020204030204" pitchFamily="34" charset="0"/>
                         </a:rPr>
                         <a:t>Jefe de proyecto</a:t>
                       </a:r>
-                      <a:endParaRPr lang="es-CL" sz="1600">
+                      <a:endParaRPr lang="es-CL" sz="1600" dirty="0">
                         <a:solidFill>
                           <a:srgbClr val="2E74B5"/>
                         </a:solidFill>
@@ -26584,13 +26577,13 @@
                         <a:buChar char=""/>
                       </a:pPr>
                       <a:r>
-                        <a:rPr lang="es-ES_tradnl" sz="1600">
+                        <a:rPr lang="es-ES_tradnl" sz="1600" dirty="0">
                           <a:effectLst/>
                           <a:latin typeface="Calibri" panose="020F0502020204030204" pitchFamily="34" charset="0"/>
                         </a:rPr>
                         <a:t>Jefe de proyecto</a:t>
                       </a:r>
-                      <a:endParaRPr lang="es-CL" sz="1600">
+                      <a:endParaRPr lang="es-CL" sz="1600" dirty="0">
                         <a:effectLst/>
                         <a:latin typeface="Calibri" panose="020F0502020204030204" pitchFamily="34" charset="0"/>
                       </a:endParaRPr>
@@ -26604,13 +26597,13 @@
                         <a:buChar char=""/>
                       </a:pPr>
                       <a:r>
-                        <a:rPr lang="es-ES_tradnl" sz="1600">
+                        <a:rPr lang="es-ES_tradnl" sz="1600" dirty="0">
                           <a:effectLst/>
                           <a:latin typeface="Calibri" panose="020F0502020204030204" pitchFamily="34" charset="0"/>
                         </a:rPr>
                         <a:t>Ingeniero informático</a:t>
                       </a:r>
-                      <a:endParaRPr lang="es-CL" sz="1600">
+                      <a:endParaRPr lang="es-CL" sz="1600" dirty="0">
                         <a:solidFill>
                           <a:srgbClr val="2E74B5"/>
                         </a:solidFill>
@@ -26641,41 +26634,11 @@
                         </a:spcAft>
                       </a:pPr>
                       <a:r>
-                        <a:rPr lang="es-ES_tradnl" sz="1600">
+                        <a:rPr lang="es-ES_tradnl" sz="1600" dirty="0">
                           <a:effectLst/>
                           <a:latin typeface="Calibri" panose="020F0502020204030204" pitchFamily="34" charset="0"/>
                         </a:rPr>
                         <a:t>1.1.3</a:t>
-                      </a:r>
-                      <a:endParaRPr lang="es-CL" sz="1600">
-                        <a:solidFill>
-                          <a:srgbClr val="2E74B5"/>
-                        </a:solidFill>
-                        <a:effectLst/>
-                        <a:latin typeface="Calibri" panose="020F0502020204030204" pitchFamily="34" charset="0"/>
-                        <a:ea typeface="Calibri" panose="020F0502020204030204" pitchFamily="34" charset="0"/>
-                        <a:cs typeface="Times New Roman" panose="02020603050405020304" pitchFamily="18" charset="0"/>
-                      </a:endParaRPr>
-                    </a:p>
-                  </a:txBody>
-                  <a:tcPr marL="68580" marR="68580" marT="0" marB="0"/>
-                </a:tc>
-                <a:tc>
-                  <a:txBody>
-                    <a:bodyPr/>
-                    <a:lstStyle/>
-                    <a:p>
-                      <a:pPr>
-                        <a:spcAft>
-                          <a:spcPts val="0"/>
-                        </a:spcAft>
-                      </a:pPr>
-                      <a:r>
-                        <a:rPr lang="es-ES_tradnl" sz="1600" dirty="0">
-                          <a:effectLst/>
-                          <a:latin typeface="Calibri" panose="020F0502020204030204" pitchFamily="34" charset="0"/>
-                        </a:rPr>
-                        <a:t>Generar ERS</a:t>
                       </a:r>
                       <a:endParaRPr lang="es-CL" sz="1600" dirty="0">
                         <a:solidFill>
@@ -26701,13 +26664,13 @@
                         </a:spcAft>
                       </a:pPr>
                       <a:r>
-                        <a:rPr lang="es-ES_tradnl" sz="1600">
+                        <a:rPr lang="es-ES_tradnl" sz="1600" dirty="0">
                           <a:effectLst/>
                           <a:latin typeface="Calibri" panose="020F0502020204030204" pitchFamily="34" charset="0"/>
                         </a:rPr>
-                        <a:t>Jefe de proyecto</a:t>
-                      </a:r>
-                      <a:endParaRPr lang="es-CL" sz="1600">
+                        <a:t>Generar ERS</a:t>
+                      </a:r>
+                      <a:endParaRPr lang="es-CL" sz="1600" dirty="0">
                         <a:solidFill>
                           <a:srgbClr val="2E74B5"/>
                         </a:solidFill>
@@ -26725,6 +26688,36 @@
                     <a:bodyPr/>
                     <a:lstStyle/>
                     <a:p>
+                      <a:pPr>
+                        <a:spcAft>
+                          <a:spcPts val="0"/>
+                        </a:spcAft>
+                      </a:pPr>
+                      <a:r>
+                        <a:rPr lang="es-ES_tradnl" sz="1600" dirty="0">
+                          <a:effectLst/>
+                          <a:latin typeface="Calibri" panose="020F0502020204030204" pitchFamily="34" charset="0"/>
+                        </a:rPr>
+                        <a:t>Jefe de proyecto</a:t>
+                      </a:r>
+                      <a:endParaRPr lang="es-CL" sz="1600" dirty="0">
+                        <a:solidFill>
+                          <a:srgbClr val="2E74B5"/>
+                        </a:solidFill>
+                        <a:effectLst/>
+                        <a:latin typeface="Calibri" panose="020F0502020204030204" pitchFamily="34" charset="0"/>
+                        <a:ea typeface="Calibri" panose="020F0502020204030204" pitchFamily="34" charset="0"/>
+                        <a:cs typeface="Times New Roman" panose="02020603050405020304" pitchFamily="18" charset="0"/>
+                      </a:endParaRPr>
+                    </a:p>
+                  </a:txBody>
+                  <a:tcPr marL="68580" marR="68580" marT="0" marB="0"/>
+                </a:tc>
+                <a:tc>
+                  <a:txBody>
+                    <a:bodyPr/>
+                    <a:lstStyle/>
+                    <a:p>
                       <a:pPr marL="342900" lvl="0" indent="-342900">
                         <a:spcAft>
                           <a:spcPts val="0"/>
@@ -26733,13 +26726,13 @@
                         <a:buChar char=""/>
                       </a:pPr>
                       <a:r>
-                        <a:rPr lang="es-ES_tradnl" sz="1600">
+                        <a:rPr lang="es-ES_tradnl" sz="1600" dirty="0">
                           <a:effectLst/>
                           <a:latin typeface="Calibri" panose="020F0502020204030204" pitchFamily="34" charset="0"/>
                         </a:rPr>
                         <a:t>Jefe de proyecto</a:t>
                       </a:r>
-                      <a:endParaRPr lang="es-CL" sz="1600">
+                      <a:endParaRPr lang="es-CL" sz="1600" dirty="0">
                         <a:effectLst/>
                         <a:latin typeface="Calibri" panose="020F0502020204030204" pitchFamily="34" charset="0"/>
                       </a:endParaRPr>
@@ -26753,13 +26746,13 @@
                         <a:buChar char=""/>
                       </a:pPr>
                       <a:r>
-                        <a:rPr lang="es-ES_tradnl" sz="1600">
+                        <a:rPr lang="es-ES_tradnl" sz="1600" dirty="0">
                           <a:effectLst/>
                           <a:latin typeface="Calibri" panose="020F0502020204030204" pitchFamily="34" charset="0"/>
                         </a:rPr>
                         <a:t>Ingeniero informático</a:t>
                       </a:r>
-                      <a:endParaRPr lang="es-CL" sz="1600">
+                      <a:endParaRPr lang="es-CL" sz="1600" dirty="0">
                         <a:solidFill>
                           <a:srgbClr val="2E74B5"/>
                         </a:solidFill>
@@ -26790,13 +26783,13 @@
                         </a:spcAft>
                       </a:pPr>
                       <a:r>
-                        <a:rPr lang="es-ES_tradnl" sz="1600">
+                        <a:rPr lang="es-ES_tradnl" sz="1600" dirty="0">
                           <a:effectLst/>
                           <a:latin typeface="Calibri" panose="020F0502020204030204" pitchFamily="34" charset="0"/>
                         </a:rPr>
                         <a:t>1.2</a:t>
                       </a:r>
-                      <a:endParaRPr lang="es-CL" sz="1600">
+                      <a:endParaRPr lang="es-CL" sz="1600" dirty="0">
                         <a:solidFill>
                           <a:srgbClr val="2E74B5"/>
                         </a:solidFill>
@@ -26820,13 +26813,13 @@
                         </a:spcAft>
                       </a:pPr>
                       <a:r>
-                        <a:rPr lang="es-ES_tradnl" sz="1600">
+                        <a:rPr lang="es-ES_tradnl" sz="1600" dirty="0">
                           <a:effectLst/>
                           <a:latin typeface="Calibri" panose="020F0502020204030204" pitchFamily="34" charset="0"/>
                         </a:rPr>
                         <a:t>Organización de proyecto</a:t>
                       </a:r>
-                      <a:endParaRPr lang="es-CL" sz="1600">
+                      <a:endParaRPr lang="es-CL" sz="1600" dirty="0">
                         <a:solidFill>
                           <a:srgbClr val="2E74B5"/>
                         </a:solidFill>
@@ -26850,13 +26843,13 @@
                         </a:spcAft>
                       </a:pPr>
                       <a:r>
-                        <a:rPr lang="es-ES_tradnl" sz="1600">
+                        <a:rPr lang="es-ES_tradnl" sz="1600" dirty="0">
                           <a:effectLst/>
                           <a:latin typeface="Calibri" panose="020F0502020204030204" pitchFamily="34" charset="0"/>
                         </a:rPr>
                         <a:t>Jefe de proyecto</a:t>
                       </a:r>
-                      <a:endParaRPr lang="es-CL" sz="1600">
+                      <a:endParaRPr lang="es-CL" sz="1600" dirty="0">
                         <a:solidFill>
                           <a:srgbClr val="2E74B5"/>
                         </a:solidFill>
@@ -26882,13 +26875,13 @@
                         <a:buChar char=""/>
                       </a:pPr>
                       <a:r>
-                        <a:rPr lang="es-ES_tradnl" sz="1600">
+                        <a:rPr lang="es-ES_tradnl" sz="1600" dirty="0">
                           <a:effectLst/>
                           <a:latin typeface="Calibri" panose="020F0502020204030204" pitchFamily="34" charset="0"/>
                         </a:rPr>
                         <a:t>Ingeniero de procesos</a:t>
                       </a:r>
-                      <a:endParaRPr lang="es-CL" sz="1600">
+                      <a:endParaRPr lang="es-CL" sz="1600" dirty="0">
                         <a:effectLst/>
                         <a:latin typeface="Calibri" panose="020F0502020204030204" pitchFamily="34" charset="0"/>
                       </a:endParaRPr>
@@ -26902,13 +26895,13 @@
                         <a:buChar char=""/>
                       </a:pPr>
                       <a:r>
-                        <a:rPr lang="es-ES_tradnl" sz="1600">
+                        <a:rPr lang="es-ES_tradnl" sz="1600" dirty="0">
                           <a:effectLst/>
                           <a:latin typeface="Calibri" panose="020F0502020204030204" pitchFamily="34" charset="0"/>
                         </a:rPr>
                         <a:t>Ingeniero informático</a:t>
                       </a:r>
-                      <a:endParaRPr lang="es-CL" sz="1600">
+                      <a:endParaRPr lang="es-CL" sz="1600" dirty="0">
                         <a:solidFill>
                           <a:srgbClr val="2E74B5"/>
                         </a:solidFill>
@@ -26939,71 +26932,11 @@
                         </a:spcAft>
                       </a:pPr>
                       <a:r>
-                        <a:rPr lang="es-ES_tradnl" sz="1600">
+                        <a:rPr lang="es-ES_tradnl" sz="1600" dirty="0">
                           <a:effectLst/>
                           <a:latin typeface="Calibri" panose="020F0502020204030204" pitchFamily="34" charset="0"/>
                         </a:rPr>
                         <a:t>2.1</a:t>
-                      </a:r>
-                      <a:endParaRPr lang="es-CL" sz="1600">
-                        <a:solidFill>
-                          <a:srgbClr val="2E74B5"/>
-                        </a:solidFill>
-                        <a:effectLst/>
-                        <a:latin typeface="Calibri" panose="020F0502020204030204" pitchFamily="34" charset="0"/>
-                        <a:ea typeface="Calibri" panose="020F0502020204030204" pitchFamily="34" charset="0"/>
-                        <a:cs typeface="Times New Roman" panose="02020603050405020304" pitchFamily="18" charset="0"/>
-                      </a:endParaRPr>
-                    </a:p>
-                  </a:txBody>
-                  <a:tcPr marL="68580" marR="68580" marT="0" marB="0"/>
-                </a:tc>
-                <a:tc>
-                  <a:txBody>
-                    <a:bodyPr/>
-                    <a:lstStyle/>
-                    <a:p>
-                      <a:pPr>
-                        <a:spcAft>
-                          <a:spcPts val="0"/>
-                        </a:spcAft>
-                      </a:pPr>
-                      <a:r>
-                        <a:rPr lang="es-ES_tradnl" sz="1600">
-                          <a:effectLst/>
-                          <a:latin typeface="Calibri" panose="020F0502020204030204" pitchFamily="34" charset="0"/>
-                        </a:rPr>
-                        <a:t>Objetivos y prioridades</a:t>
-                      </a:r>
-                      <a:endParaRPr lang="es-CL" sz="1600">
-                        <a:solidFill>
-                          <a:srgbClr val="2E74B5"/>
-                        </a:solidFill>
-                        <a:effectLst/>
-                        <a:latin typeface="Calibri" panose="020F0502020204030204" pitchFamily="34" charset="0"/>
-                        <a:ea typeface="Calibri" panose="020F0502020204030204" pitchFamily="34" charset="0"/>
-                        <a:cs typeface="Times New Roman" panose="02020603050405020304" pitchFamily="18" charset="0"/>
-                      </a:endParaRPr>
-                    </a:p>
-                  </a:txBody>
-                  <a:tcPr marL="68580" marR="68580" marT="0" marB="0"/>
-                </a:tc>
-                <a:tc>
-                  <a:txBody>
-                    <a:bodyPr/>
-                    <a:lstStyle/>
-                    <a:p>
-                      <a:pPr>
-                        <a:spcAft>
-                          <a:spcPts val="0"/>
-                        </a:spcAft>
-                      </a:pPr>
-                      <a:r>
-                        <a:rPr lang="es-ES_tradnl" sz="1600" dirty="0">
-                          <a:effectLst/>
-                          <a:latin typeface="Calibri" panose="020F0502020204030204" pitchFamily="34" charset="0"/>
-                        </a:rPr>
-                        <a:t>Jefe de proyecto</a:t>
                       </a:r>
                       <a:endParaRPr lang="es-CL" sz="1600" dirty="0">
                         <a:solidFill>
@@ -27023,6 +26956,66 @@
                     <a:bodyPr/>
                     <a:lstStyle/>
                     <a:p>
+                      <a:pPr>
+                        <a:spcAft>
+                          <a:spcPts val="0"/>
+                        </a:spcAft>
+                      </a:pPr>
+                      <a:r>
+                        <a:rPr lang="es-ES_tradnl" sz="1600" dirty="0">
+                          <a:effectLst/>
+                          <a:latin typeface="Calibri" panose="020F0502020204030204" pitchFamily="34" charset="0"/>
+                        </a:rPr>
+                        <a:t>Objetivos y prioridades</a:t>
+                      </a:r>
+                      <a:endParaRPr lang="es-CL" sz="1600" dirty="0">
+                        <a:solidFill>
+                          <a:srgbClr val="2E74B5"/>
+                        </a:solidFill>
+                        <a:effectLst/>
+                        <a:latin typeface="Calibri" panose="020F0502020204030204" pitchFamily="34" charset="0"/>
+                        <a:ea typeface="Calibri" panose="020F0502020204030204" pitchFamily="34" charset="0"/>
+                        <a:cs typeface="Times New Roman" panose="02020603050405020304" pitchFamily="18" charset="0"/>
+                      </a:endParaRPr>
+                    </a:p>
+                  </a:txBody>
+                  <a:tcPr marL="68580" marR="68580" marT="0" marB="0"/>
+                </a:tc>
+                <a:tc>
+                  <a:txBody>
+                    <a:bodyPr/>
+                    <a:lstStyle/>
+                    <a:p>
+                      <a:pPr>
+                        <a:spcAft>
+                          <a:spcPts val="0"/>
+                        </a:spcAft>
+                      </a:pPr>
+                      <a:r>
+                        <a:rPr lang="es-ES_tradnl" sz="1600" dirty="0">
+                          <a:effectLst/>
+                          <a:latin typeface="Calibri" panose="020F0502020204030204" pitchFamily="34" charset="0"/>
+                        </a:rPr>
+                        <a:t>Jefe de proyecto</a:t>
+                      </a:r>
+                      <a:endParaRPr lang="es-CL" sz="1600" dirty="0">
+                        <a:solidFill>
+                          <a:srgbClr val="2E74B5"/>
+                        </a:solidFill>
+                        <a:effectLst/>
+                        <a:latin typeface="Calibri" panose="020F0502020204030204" pitchFamily="34" charset="0"/>
+                        <a:ea typeface="Calibri" panose="020F0502020204030204" pitchFamily="34" charset="0"/>
+                        <a:cs typeface="Times New Roman" panose="02020603050405020304" pitchFamily="18" charset="0"/>
+                      </a:endParaRPr>
+                    </a:p>
+                  </a:txBody>
+                  <a:tcPr marL="68580" marR="68580" marT="0" marB="0"/>
+                </a:tc>
+                <a:tc>
+                  <a:txBody>
+                    <a:bodyPr/>
+                    <a:lstStyle/>
+                    <a:p>
                       <a:pPr marL="342900" lvl="0" indent="-342900">
                         <a:spcAft>
                           <a:spcPts val="0"/>
@@ -27031,13 +27024,13 @@
                         <a:buChar char=""/>
                       </a:pPr>
                       <a:r>
-                        <a:rPr lang="es-ES_tradnl" sz="1600">
+                        <a:rPr lang="es-ES_tradnl" sz="1600" dirty="0">
                           <a:effectLst/>
                           <a:latin typeface="Calibri" panose="020F0502020204030204" pitchFamily="34" charset="0"/>
                         </a:rPr>
                         <a:t>Jefe de proyecto</a:t>
                       </a:r>
-                      <a:endParaRPr lang="es-CL" sz="1600">
+                      <a:endParaRPr lang="es-CL" sz="1600" dirty="0">
                         <a:effectLst/>
                         <a:latin typeface="Calibri" panose="020F0502020204030204" pitchFamily="34" charset="0"/>
                       </a:endParaRPr>
@@ -27051,13 +27044,13 @@
                         <a:buChar char=""/>
                       </a:pPr>
                       <a:r>
-                        <a:rPr lang="es-ES_tradnl" sz="1600">
+                        <a:rPr lang="es-ES_tradnl" sz="1600" dirty="0">
                           <a:effectLst/>
                           <a:latin typeface="Calibri" panose="020F0502020204030204" pitchFamily="34" charset="0"/>
                         </a:rPr>
                         <a:t>Ingeniero informático</a:t>
                       </a:r>
-                      <a:endParaRPr lang="es-CL" sz="1600">
+                      <a:endParaRPr lang="es-CL" sz="1600" dirty="0">
                         <a:solidFill>
                           <a:srgbClr val="2E74B5"/>
                         </a:solidFill>
@@ -27088,13 +27081,13 @@
                         </a:spcAft>
                       </a:pPr>
                       <a:r>
-                        <a:rPr lang="es-ES_tradnl" sz="1600">
+                        <a:rPr lang="es-ES_tradnl" sz="1600" dirty="0">
                           <a:effectLst/>
                           <a:latin typeface="Calibri" panose="020F0502020204030204" pitchFamily="34" charset="0"/>
                         </a:rPr>
                         <a:t>2.2</a:t>
                       </a:r>
-                      <a:endParaRPr lang="es-CL" sz="1600">
+                      <a:endParaRPr lang="es-CL" sz="1600" dirty="0">
                         <a:solidFill>
                           <a:srgbClr val="2E74B5"/>
                         </a:solidFill>
@@ -27118,13 +27111,13 @@
                         </a:spcAft>
                       </a:pPr>
                       <a:r>
-                        <a:rPr lang="es-ES_tradnl" sz="1600">
+                        <a:rPr lang="es-ES_tradnl" sz="1600" dirty="0">
                           <a:effectLst/>
                           <a:latin typeface="Calibri" panose="020F0502020204030204" pitchFamily="34" charset="0"/>
                         </a:rPr>
                         <a:t>Condiciones asumidas, dependencias y restricciones</a:t>
                       </a:r>
-                      <a:endParaRPr lang="es-CL" sz="1600">
+                      <a:endParaRPr lang="es-CL" sz="1600" dirty="0">
                         <a:solidFill>
                           <a:srgbClr val="2E74B5"/>
                         </a:solidFill>
@@ -27148,13 +27141,13 @@
                         </a:spcAft>
                       </a:pPr>
                       <a:r>
-                        <a:rPr lang="es-ES_tradnl" sz="1600">
+                        <a:rPr lang="es-ES_tradnl" sz="1600" dirty="0">
                           <a:effectLst/>
                           <a:latin typeface="Calibri" panose="020F0502020204030204" pitchFamily="34" charset="0"/>
                         </a:rPr>
                         <a:t>Jefe de proyecto</a:t>
                       </a:r>
-                      <a:endParaRPr lang="es-CL" sz="1600">
+                      <a:endParaRPr lang="es-CL" sz="1600" dirty="0">
                         <a:solidFill>
                           <a:srgbClr val="2E74B5"/>
                         </a:solidFill>
@@ -27180,13 +27173,13 @@
                         <a:buChar char=""/>
                       </a:pPr>
                       <a:r>
-                        <a:rPr lang="es-ES_tradnl" sz="1600">
+                        <a:rPr lang="es-ES_tradnl" sz="1600" dirty="0">
                           <a:effectLst/>
                           <a:latin typeface="Calibri" panose="020F0502020204030204" pitchFamily="34" charset="0"/>
                         </a:rPr>
                         <a:t>Jefe de proyecto</a:t>
                       </a:r>
-                      <a:endParaRPr lang="es-CL" sz="1600">
+                      <a:endParaRPr lang="es-CL" sz="1600" dirty="0">
                         <a:effectLst/>
                         <a:latin typeface="Calibri" panose="020F0502020204030204" pitchFamily="34" charset="0"/>
                       </a:endParaRPr>
@@ -27200,13 +27193,13 @@
                         <a:buChar char=""/>
                       </a:pPr>
                       <a:r>
-                        <a:rPr lang="es-ES_tradnl" sz="1600">
+                        <a:rPr lang="es-ES_tradnl" sz="1600" dirty="0">
                           <a:effectLst/>
                           <a:latin typeface="Calibri" panose="020F0502020204030204" pitchFamily="34" charset="0"/>
                         </a:rPr>
                         <a:t>Ingeniero informático</a:t>
                       </a:r>
-                      <a:endParaRPr lang="es-CL" sz="1600">
+                      <a:endParaRPr lang="es-CL" sz="1600" dirty="0">
                         <a:solidFill>
                           <a:srgbClr val="2E74B5"/>
                         </a:solidFill>
@@ -27237,13 +27230,13 @@
                         </a:spcAft>
                       </a:pPr>
                       <a:r>
-                        <a:rPr lang="es-ES_tradnl" sz="1600">
+                        <a:rPr lang="es-ES_tradnl" sz="1600" dirty="0">
                           <a:effectLst/>
                           <a:latin typeface="Calibri" panose="020F0502020204030204" pitchFamily="34" charset="0"/>
                         </a:rPr>
                         <a:t>2.3</a:t>
                       </a:r>
-                      <a:endParaRPr lang="es-CL" sz="1600">
+                      <a:endParaRPr lang="es-CL" sz="1600" dirty="0">
                         <a:solidFill>
                           <a:srgbClr val="2E74B5"/>
                         </a:solidFill>
@@ -27267,13 +27260,13 @@
                         </a:spcAft>
                       </a:pPr>
                       <a:r>
-                        <a:rPr lang="es-ES_tradnl" sz="1600">
+                        <a:rPr lang="es-ES_tradnl" sz="1600" dirty="0">
                           <a:effectLst/>
                           <a:latin typeface="Calibri" panose="020F0502020204030204" pitchFamily="34" charset="0"/>
                         </a:rPr>
                         <a:t>Gestión de riesgo</a:t>
                       </a:r>
-                      <a:endParaRPr lang="es-CL" sz="1600">
+                      <a:endParaRPr lang="es-CL" sz="1600" dirty="0">
                         <a:solidFill>
                           <a:srgbClr val="2E74B5"/>
                         </a:solidFill>
@@ -27297,13 +27290,13 @@
                         </a:spcAft>
                       </a:pPr>
                       <a:r>
-                        <a:rPr lang="es-ES_tradnl" sz="1600">
+                        <a:rPr lang="es-ES_tradnl" sz="1600" dirty="0">
                           <a:effectLst/>
                           <a:latin typeface="Calibri" panose="020F0502020204030204" pitchFamily="34" charset="0"/>
                         </a:rPr>
                         <a:t>Jefe de proyecto</a:t>
                       </a:r>
-                      <a:endParaRPr lang="es-CL" sz="1600">
+                      <a:endParaRPr lang="es-CL" sz="1600" dirty="0">
                         <a:solidFill>
                           <a:srgbClr val="2E74B5"/>
                         </a:solidFill>
@@ -27572,13 +27565,13 @@
                         </a:spcAft>
                       </a:pPr>
                       <a:r>
-                        <a:rPr lang="es-ES_tradnl" sz="1600">
+                        <a:rPr lang="es-ES_tradnl" sz="1600" dirty="0">
                           <a:effectLst/>
                           <a:latin typeface="Calibri" panose="020F0502020204030204" pitchFamily="34" charset="0"/>
                         </a:rPr>
                         <a:t>Descripción de actividad</a:t>
                       </a:r>
-                      <a:endParaRPr lang="es-CL" sz="1600">
+                      <a:endParaRPr lang="es-CL" sz="1600" dirty="0">
                         <a:solidFill>
                           <a:srgbClr val="2E74B5"/>
                         </a:solidFill>
@@ -27602,13 +27595,13 @@
                         </a:spcAft>
                       </a:pPr>
                       <a:r>
-                        <a:rPr lang="es-ES_tradnl" sz="1600">
+                        <a:rPr lang="es-ES_tradnl" sz="1600" dirty="0">
                           <a:effectLst/>
                           <a:latin typeface="Calibri" panose="020F0502020204030204" pitchFamily="34" charset="0"/>
                         </a:rPr>
                         <a:t>Responsable</a:t>
                       </a:r>
-                      <a:endParaRPr lang="es-CL" sz="1600">
+                      <a:endParaRPr lang="es-CL" sz="1600" dirty="0">
                         <a:solidFill>
                           <a:srgbClr val="2E74B5"/>
                         </a:solidFill>
@@ -27632,13 +27625,13 @@
                         </a:spcAft>
                       </a:pPr>
                       <a:r>
-                        <a:rPr lang="es-ES_tradnl" sz="1600">
+                        <a:rPr lang="es-ES_tradnl" sz="1600" dirty="0">
                           <a:effectLst/>
                           <a:latin typeface="Calibri" panose="020F0502020204030204" pitchFamily="34" charset="0"/>
                         </a:rPr>
                         <a:t>Involucrados</a:t>
                       </a:r>
-                      <a:endParaRPr lang="es-CL" sz="1600">
+                      <a:endParaRPr lang="es-CL" sz="1600" dirty="0">
                         <a:solidFill>
                           <a:srgbClr val="2E74B5"/>
                         </a:solidFill>
@@ -27704,7 +27697,7 @@
                         </a:spcAft>
                       </a:pPr>
                       <a:r>
-                        <a:rPr lang="es-ES_tradnl" sz="1600" b="0">
+                        <a:rPr lang="es-ES_tradnl" sz="1600" b="0" dirty="0">
                           <a:solidFill>
                             <a:schemeClr val="bg1"/>
                           </a:solidFill>
@@ -27715,7 +27708,7 @@
                         </a:rPr>
                         <a:t>Mecanismo de control y ajuste</a:t>
                       </a:r>
-                      <a:endParaRPr lang="es-CL" sz="1600" b="0">
+                      <a:endParaRPr lang="es-CL" sz="1600" b="0" dirty="0">
                         <a:solidFill>
                           <a:schemeClr val="bg1"/>
                         </a:solidFill>
@@ -27739,7 +27732,7 @@
                         </a:spcAft>
                       </a:pPr>
                       <a:r>
-                        <a:rPr lang="es-ES_tradnl" sz="1600" b="0">
+                        <a:rPr lang="es-ES_tradnl" sz="1600" b="0" dirty="0">
                           <a:solidFill>
                             <a:schemeClr val="bg1"/>
                           </a:solidFill>
@@ -27750,7 +27743,7 @@
                         </a:rPr>
                         <a:t>Jefe de proyecto</a:t>
                       </a:r>
-                      <a:endParaRPr lang="es-CL" sz="1600" b="0">
+                      <a:endParaRPr lang="es-CL" sz="1600" b="0" dirty="0">
                         <a:solidFill>
                           <a:schemeClr val="bg1"/>
                         </a:solidFill>
@@ -27776,7 +27769,7 @@
                         <a:buChar char=""/>
                       </a:pPr>
                       <a:r>
-                        <a:rPr lang="es-ES_tradnl" sz="1600" b="0">
+                        <a:rPr lang="es-ES_tradnl" sz="1600" b="0" dirty="0">
                           <a:solidFill>
                             <a:schemeClr val="bg1"/>
                           </a:solidFill>
@@ -27787,7 +27780,7 @@
                         </a:rPr>
                         <a:t>Jefe de proyecto</a:t>
                       </a:r>
-                      <a:endParaRPr lang="es-CL" sz="1600" b="0">
+                      <a:endParaRPr lang="es-CL" sz="1600" b="0" dirty="0">
                         <a:solidFill>
                           <a:schemeClr val="bg1"/>
                         </a:solidFill>
@@ -27818,7 +27811,7 @@
                         </a:spcAft>
                       </a:pPr>
                       <a:r>
-                        <a:rPr lang="es-ES_tradnl" sz="1600" b="1">
+                        <a:rPr lang="es-ES_tradnl" sz="1600" b="1" dirty="0">
                           <a:solidFill>
                             <a:schemeClr val="tx1"/>
                           </a:solidFill>
@@ -27829,7 +27822,7 @@
                         </a:rPr>
                         <a:t>3.1</a:t>
                       </a:r>
-                      <a:endParaRPr lang="es-CL" sz="1600">
+                      <a:endParaRPr lang="es-CL" sz="1600" dirty="0">
                         <a:solidFill>
                           <a:schemeClr val="tx1"/>
                         </a:solidFill>
@@ -27853,7 +27846,7 @@
                         </a:spcAft>
                       </a:pPr>
                       <a:r>
-                        <a:rPr lang="es-ES_tradnl" sz="1600" b="0">
+                        <a:rPr lang="es-ES_tradnl" sz="1600" b="0" dirty="0">
                           <a:solidFill>
                             <a:schemeClr val="bg1"/>
                           </a:solidFill>
@@ -27864,7 +27857,7 @@
                         </a:rPr>
                         <a:t>Dependencias</a:t>
                       </a:r>
-                      <a:endParaRPr lang="es-CL" sz="1600" b="0">
+                      <a:endParaRPr lang="es-CL" sz="1600" b="0" dirty="0">
                         <a:solidFill>
                           <a:schemeClr val="bg1"/>
                         </a:solidFill>
@@ -27888,7 +27881,7 @@
                         </a:spcAft>
                       </a:pPr>
                       <a:r>
-                        <a:rPr lang="es-ES_tradnl" sz="1600" b="0">
+                        <a:rPr lang="es-ES_tradnl" sz="1600" b="0" dirty="0">
                           <a:solidFill>
                             <a:schemeClr val="bg1"/>
                           </a:solidFill>
@@ -27899,7 +27892,7 @@
                         </a:rPr>
                         <a:t>Jefe de proyecto</a:t>
                       </a:r>
-                      <a:endParaRPr lang="es-CL" sz="1600" b="0">
+                      <a:endParaRPr lang="es-CL" sz="1600" b="0" dirty="0">
                         <a:solidFill>
                           <a:schemeClr val="bg1"/>
                         </a:solidFill>
@@ -27925,7 +27918,7 @@
                         <a:buChar char=""/>
                       </a:pPr>
                       <a:r>
-                        <a:rPr lang="es-ES_tradnl" sz="1600" b="0">
+                        <a:rPr lang="es-ES_tradnl" sz="1600" b="0" dirty="0">
                           <a:solidFill>
                             <a:schemeClr val="bg1"/>
                           </a:solidFill>
@@ -27936,7 +27929,7 @@
                         </a:rPr>
                         <a:t>Jefe de proyecto</a:t>
                       </a:r>
-                      <a:endParaRPr lang="es-CL" sz="1600" b="0">
+                      <a:endParaRPr lang="es-CL" sz="1600" b="0" dirty="0">
                         <a:solidFill>
                           <a:schemeClr val="bg1"/>
                         </a:solidFill>
@@ -27967,7 +27960,7 @@
                         </a:spcAft>
                       </a:pPr>
                       <a:r>
-                        <a:rPr lang="es-ES_tradnl" sz="1600" b="1">
+                        <a:rPr lang="es-ES_tradnl" sz="1600" b="1" dirty="0">
                           <a:solidFill>
                             <a:schemeClr val="tx1"/>
                           </a:solidFill>
@@ -27978,7 +27971,7 @@
                         </a:rPr>
                         <a:t>3.2</a:t>
                       </a:r>
-                      <a:endParaRPr lang="es-CL" sz="1600">
+                      <a:endParaRPr lang="es-CL" sz="1600" dirty="0">
                         <a:solidFill>
                           <a:schemeClr val="tx1"/>
                         </a:solidFill>
@@ -28002,7 +27995,7 @@
                         </a:spcAft>
                       </a:pPr>
                       <a:r>
-                        <a:rPr lang="es-ES_tradnl" sz="1600" b="0">
+                        <a:rPr lang="es-ES_tradnl" sz="1600" b="0" dirty="0">
                           <a:solidFill>
                             <a:schemeClr val="bg1"/>
                           </a:solidFill>
@@ -28013,7 +28006,7 @@
                         </a:rPr>
                         <a:t>Distribución de RRHH</a:t>
                       </a:r>
-                      <a:endParaRPr lang="es-CL" sz="1600" b="0">
+                      <a:endParaRPr lang="es-CL" sz="1600" b="0" dirty="0">
                         <a:solidFill>
                           <a:schemeClr val="bg1"/>
                         </a:solidFill>
@@ -28037,7 +28030,7 @@
                         </a:spcAft>
                       </a:pPr>
                       <a:r>
-                        <a:rPr lang="es-ES_tradnl" sz="1600" b="0">
+                        <a:rPr lang="es-ES_tradnl" sz="1600" b="0" dirty="0">
                           <a:solidFill>
                             <a:schemeClr val="bg1"/>
                           </a:solidFill>
@@ -28048,7 +28041,7 @@
                         </a:rPr>
                         <a:t>Jefe de proyecto</a:t>
                       </a:r>
-                      <a:endParaRPr lang="es-CL" sz="1600" b="0">
+                      <a:endParaRPr lang="es-CL" sz="1600" b="0" dirty="0">
                         <a:solidFill>
                           <a:schemeClr val="bg1"/>
                         </a:solidFill>
@@ -28074,7 +28067,7 @@
                         <a:buChar char=""/>
                       </a:pPr>
                       <a:r>
-                        <a:rPr lang="es-ES_tradnl" sz="1600" b="0">
+                        <a:rPr lang="es-ES_tradnl" sz="1600" b="0" dirty="0">
                           <a:solidFill>
                             <a:schemeClr val="bg1"/>
                           </a:solidFill>
@@ -28085,7 +28078,7 @@
                         </a:rPr>
                         <a:t>Jefe de proyecto</a:t>
                       </a:r>
-                      <a:endParaRPr lang="es-CL" sz="1600" b="0">
+                      <a:endParaRPr lang="es-CL" sz="1600" b="0" dirty="0">
                         <a:solidFill>
                           <a:schemeClr val="bg1"/>
                         </a:solidFill>
@@ -28116,7 +28109,7 @@
                         </a:spcAft>
                       </a:pPr>
                       <a:r>
-                        <a:rPr lang="es-ES_tradnl" sz="1600" b="1">
+                        <a:rPr lang="es-ES_tradnl" sz="1600" b="1" dirty="0">
                           <a:solidFill>
                             <a:schemeClr val="tx1"/>
                           </a:solidFill>
@@ -28127,7 +28120,7 @@
                         </a:rPr>
                         <a:t>3.3</a:t>
                       </a:r>
-                      <a:endParaRPr lang="es-CL" sz="1600">
+                      <a:endParaRPr lang="es-CL" sz="1600" dirty="0">
                         <a:solidFill>
                           <a:schemeClr val="tx1"/>
                         </a:solidFill>
@@ -28151,7 +28144,7 @@
                         </a:spcAft>
                       </a:pPr>
                       <a:r>
-                        <a:rPr lang="es-ES_tradnl" sz="1600" b="0">
+                        <a:rPr lang="es-ES_tradnl" sz="1600" b="0" dirty="0">
                           <a:solidFill>
                             <a:schemeClr val="bg1"/>
                           </a:solidFill>
@@ -28162,7 +28155,7 @@
                         </a:rPr>
                         <a:t>Cronograma</a:t>
                       </a:r>
-                      <a:endParaRPr lang="es-CL" sz="1600" b="0">
+                      <a:endParaRPr lang="es-CL" sz="1600" b="0" dirty="0">
                         <a:solidFill>
                           <a:schemeClr val="bg1"/>
                         </a:solidFill>
@@ -28186,7 +28179,7 @@
                         </a:spcAft>
                       </a:pPr>
                       <a:r>
-                        <a:rPr lang="es-ES_tradnl" sz="1600" b="0">
+                        <a:rPr lang="es-ES_tradnl" sz="1600" b="0" dirty="0">
                           <a:solidFill>
                             <a:schemeClr val="bg1"/>
                           </a:solidFill>
@@ -28197,7 +28190,7 @@
                         </a:rPr>
                         <a:t>Jefe de proyecto</a:t>
                       </a:r>
-                      <a:endParaRPr lang="es-CL" sz="1600" b="0">
+                      <a:endParaRPr lang="es-CL" sz="1600" b="0" dirty="0">
                         <a:solidFill>
                           <a:schemeClr val="bg1"/>
                         </a:solidFill>
@@ -28223,7 +28216,7 @@
                         <a:buChar char=""/>
                       </a:pPr>
                       <a:r>
-                        <a:rPr lang="es-ES_tradnl" sz="1600" b="0">
+                        <a:rPr lang="es-ES_tradnl" sz="1600" b="0" dirty="0">
                           <a:solidFill>
                             <a:schemeClr val="bg1"/>
                           </a:solidFill>
@@ -28234,7 +28227,7 @@
                         </a:rPr>
                         <a:t>Jefe de proyecto</a:t>
                       </a:r>
-                      <a:endParaRPr lang="es-CL" sz="1600" b="0">
+                      <a:endParaRPr lang="es-CL" sz="1600" b="0" dirty="0">
                         <a:solidFill>
                           <a:schemeClr val="bg1"/>
                         </a:solidFill>
@@ -28265,7 +28258,7 @@
                         </a:spcAft>
                       </a:pPr>
                       <a:r>
-                        <a:rPr lang="es-ES_tradnl" sz="1600" b="1">
+                        <a:rPr lang="es-ES_tradnl" sz="1600" b="1" dirty="0">
                           <a:solidFill>
                             <a:schemeClr val="tx1"/>
                           </a:solidFill>
@@ -28276,7 +28269,7 @@
                         </a:rPr>
                         <a:t>4.1</a:t>
                       </a:r>
-                      <a:endParaRPr lang="es-CL" sz="1600">
+                      <a:endParaRPr lang="es-CL" sz="1600" dirty="0">
                         <a:solidFill>
                           <a:schemeClr val="tx1"/>
                         </a:solidFill>
@@ -28300,7 +28293,7 @@
                         </a:spcAft>
                       </a:pPr>
                       <a:r>
-                        <a:rPr lang="es-ES_tradnl" sz="1600" b="0">
+                        <a:rPr lang="es-ES_tradnl" sz="1600" b="0" dirty="0">
                           <a:solidFill>
                             <a:schemeClr val="bg1"/>
                           </a:solidFill>
@@ -28311,7 +28304,7 @@
                         </a:rPr>
                         <a:t>ECU</a:t>
                       </a:r>
-                      <a:endParaRPr lang="es-CL" sz="1600" b="0">
+                      <a:endParaRPr lang="es-CL" sz="1600" b="0" dirty="0">
                         <a:solidFill>
                           <a:schemeClr val="bg1"/>
                         </a:solidFill>
@@ -28335,7 +28328,7 @@
                         </a:spcAft>
                       </a:pPr>
                       <a:r>
-                        <a:rPr lang="es-ES_tradnl" sz="1600" b="0">
+                        <a:rPr lang="es-ES_tradnl" sz="1600" b="0" dirty="0">
                           <a:solidFill>
                             <a:schemeClr val="bg1"/>
                           </a:solidFill>
@@ -28346,7 +28339,7 @@
                         </a:rPr>
                         <a:t>Jefe de proyecto</a:t>
                       </a:r>
-                      <a:endParaRPr lang="es-CL" sz="1600" b="0">
+                      <a:endParaRPr lang="es-CL" sz="1600" b="0" dirty="0">
                         <a:solidFill>
                           <a:schemeClr val="bg1"/>
                         </a:solidFill>
@@ -28372,7 +28365,7 @@
                         <a:buChar char=""/>
                       </a:pPr>
                       <a:r>
-                        <a:rPr lang="es-ES_tradnl" sz="1600" b="0">
+                        <a:rPr lang="es-ES_tradnl" sz="1600" b="0" dirty="0">
                           <a:solidFill>
                             <a:schemeClr val="bg1"/>
                           </a:solidFill>
@@ -28383,7 +28376,7 @@
                         </a:rPr>
                         <a:t>Jefe de proyecto</a:t>
                       </a:r>
-                      <a:endParaRPr lang="es-CL" sz="1600" b="0">
+                      <a:endParaRPr lang="es-CL" sz="1600" b="0" dirty="0">
                         <a:solidFill>
                           <a:schemeClr val="bg1"/>
                         </a:solidFill>
@@ -28402,7 +28395,7 @@
                         <a:buChar char=""/>
                       </a:pPr>
                       <a:r>
-                        <a:rPr lang="es-ES_tradnl" sz="1600" b="0">
+                        <a:rPr lang="es-ES_tradnl" sz="1600" b="0" dirty="0">
                           <a:solidFill>
                             <a:schemeClr val="bg1"/>
                           </a:solidFill>
@@ -28413,7 +28406,7 @@
                         </a:rPr>
                         <a:t>Ingeniero informático</a:t>
                       </a:r>
-                      <a:endParaRPr lang="es-CL" sz="1600" b="0">
+                      <a:endParaRPr lang="es-CL" sz="1600" b="0" dirty="0">
                         <a:solidFill>
                           <a:schemeClr val="bg1"/>
                         </a:solidFill>
@@ -28444,7 +28437,7 @@
                         </a:spcAft>
                       </a:pPr>
                       <a:r>
-                        <a:rPr lang="es-ES_tradnl" sz="1600" b="1">
+                        <a:rPr lang="es-ES_tradnl" sz="1600" b="1" dirty="0">
                           <a:solidFill>
                             <a:schemeClr val="tx1"/>
                           </a:solidFill>
@@ -28455,7 +28448,7 @@
                         </a:rPr>
                         <a:t>4.2</a:t>
                       </a:r>
-                      <a:endParaRPr lang="es-CL" sz="1600">
+                      <a:endParaRPr lang="es-CL" sz="1600" dirty="0">
                         <a:solidFill>
                           <a:schemeClr val="tx1"/>
                         </a:solidFill>
@@ -28479,7 +28472,7 @@
                         </a:spcAft>
                       </a:pPr>
                       <a:r>
-                        <a:rPr lang="es-ES_tradnl" sz="1600" b="0">
+                        <a:rPr lang="es-ES_tradnl" sz="1600" b="0" dirty="0">
                           <a:solidFill>
                             <a:schemeClr val="bg1"/>
                           </a:solidFill>
@@ -28490,7 +28483,7 @@
                         </a:rPr>
                         <a:t>Documentación técnica</a:t>
                       </a:r>
-                      <a:endParaRPr lang="es-CL" sz="1600" b="0">
+                      <a:endParaRPr lang="es-CL" sz="1600" b="0" dirty="0">
                         <a:solidFill>
                           <a:schemeClr val="bg1"/>
                         </a:solidFill>
@@ -28514,7 +28507,7 @@
                         </a:spcAft>
                       </a:pPr>
                       <a:r>
-                        <a:rPr lang="es-ES_tradnl" sz="1600" b="0">
+                        <a:rPr lang="es-ES_tradnl" sz="1600" b="0" dirty="0">
                           <a:solidFill>
                             <a:schemeClr val="bg1"/>
                           </a:solidFill>
@@ -28525,7 +28518,7 @@
                         </a:rPr>
                         <a:t>Jefe de proyecto</a:t>
                       </a:r>
-                      <a:endParaRPr lang="es-CL" sz="1600" b="0">
+                      <a:endParaRPr lang="es-CL" sz="1600" b="0" dirty="0">
                         <a:solidFill>
                           <a:schemeClr val="bg1"/>
                         </a:solidFill>
@@ -28551,7 +28544,7 @@
                         <a:buChar char=""/>
                       </a:pPr>
                       <a:r>
-                        <a:rPr lang="es-ES_tradnl" sz="1600" b="0">
+                        <a:rPr lang="es-ES_tradnl" sz="1600" b="0" dirty="0">
                           <a:solidFill>
                             <a:schemeClr val="bg1"/>
                           </a:solidFill>
@@ -28562,7 +28555,7 @@
                         </a:rPr>
                         <a:t>Ingeniero informático</a:t>
                       </a:r>
-                      <a:endParaRPr lang="es-CL" sz="1600" b="0">
+                      <a:endParaRPr lang="es-CL" sz="1600" b="0" dirty="0">
                         <a:solidFill>
                           <a:schemeClr val="bg1"/>
                         </a:solidFill>
@@ -28593,7 +28586,7 @@
                         </a:spcAft>
                       </a:pPr>
                       <a:r>
-                        <a:rPr lang="es-ES_tradnl" sz="1600" b="1">
+                        <a:rPr lang="es-ES_tradnl" sz="1600" b="1" dirty="0">
                           <a:solidFill>
                             <a:schemeClr val="tx1"/>
                           </a:solidFill>
@@ -28604,7 +28597,7 @@
                         </a:rPr>
                         <a:t>4.3</a:t>
                       </a:r>
-                      <a:endParaRPr lang="es-CL" sz="1600">
+                      <a:endParaRPr lang="es-CL" sz="1600" dirty="0">
                         <a:solidFill>
                           <a:schemeClr val="tx1"/>
                         </a:solidFill>
@@ -28628,7 +28621,7 @@
                         </a:spcAft>
                       </a:pPr>
                       <a:r>
-                        <a:rPr lang="es-ES_tradnl" sz="1600" b="0">
+                        <a:rPr lang="es-ES_tradnl" sz="1600" b="0" dirty="0">
                           <a:solidFill>
                             <a:schemeClr val="bg1"/>
                           </a:solidFill>
@@ -28639,7 +28632,7 @@
                         </a:rPr>
                         <a:t>Bocetos (Mockups)</a:t>
                       </a:r>
-                      <a:endParaRPr lang="es-CL" sz="1600" b="0">
+                      <a:endParaRPr lang="es-CL" sz="1600" b="0" dirty="0">
                         <a:solidFill>
                           <a:schemeClr val="bg1"/>
                         </a:solidFill>
@@ -28663,7 +28656,7 @@
                         </a:spcAft>
                       </a:pPr>
                       <a:r>
-                        <a:rPr lang="es-ES_tradnl" sz="1600" b="0">
+                        <a:rPr lang="es-ES_tradnl" sz="1600" b="0" dirty="0">
                           <a:solidFill>
                             <a:schemeClr val="bg1"/>
                           </a:solidFill>
@@ -28674,7 +28667,7 @@
                         </a:rPr>
                         <a:t>Jefe de proyecto</a:t>
                       </a:r>
-                      <a:endParaRPr lang="es-CL" sz="1600" b="0">
+                      <a:endParaRPr lang="es-CL" sz="1600" b="0" dirty="0">
                         <a:solidFill>
                           <a:schemeClr val="bg1"/>
                         </a:solidFill>
@@ -28700,7 +28693,7 @@
                         <a:buChar char=""/>
                       </a:pPr>
                       <a:r>
-                        <a:rPr lang="es-ES_tradnl" sz="1600" b="0">
+                        <a:rPr lang="es-ES_tradnl" sz="1600" b="0" dirty="0">
                           <a:solidFill>
                             <a:schemeClr val="bg1"/>
                           </a:solidFill>
@@ -28711,7 +28704,7 @@
                         </a:rPr>
                         <a:t>Diseñador de prototipos</a:t>
                       </a:r>
-                      <a:endParaRPr lang="es-CL" sz="1600" b="0">
+                      <a:endParaRPr lang="es-CL" sz="1600" b="0" dirty="0">
                         <a:solidFill>
                           <a:schemeClr val="bg1"/>
                         </a:solidFill>
@@ -28742,7 +28735,7 @@
                         </a:spcAft>
                       </a:pPr>
                       <a:r>
-                        <a:rPr lang="es-ES_tradnl" sz="1600" b="1">
+                        <a:rPr lang="es-ES_tradnl" sz="1600" b="1" dirty="0">
                           <a:solidFill>
                             <a:schemeClr val="tx1"/>
                           </a:solidFill>
@@ -28753,7 +28746,7 @@
                         </a:rPr>
                         <a:t>4.4</a:t>
                       </a:r>
-                      <a:endParaRPr lang="es-CL" sz="1600">
+                      <a:endParaRPr lang="es-CL" sz="1600" dirty="0">
                         <a:solidFill>
                           <a:schemeClr val="tx1"/>
                         </a:solidFill>
@@ -28777,7 +28770,7 @@
                         </a:spcAft>
                       </a:pPr>
                       <a:r>
-                        <a:rPr lang="es-ES_tradnl" sz="1600" b="0">
+                        <a:rPr lang="es-ES_tradnl" sz="1600" b="0" dirty="0">
                           <a:solidFill>
                             <a:schemeClr val="bg1"/>
                           </a:solidFill>
@@ -28788,7 +28781,7 @@
                         </a:rPr>
                         <a:t>Modelamiento de clases</a:t>
                       </a:r>
-                      <a:endParaRPr lang="es-CL" sz="1600" b="0">
+                      <a:endParaRPr lang="es-CL" sz="1600" b="0" dirty="0">
                         <a:solidFill>
                           <a:schemeClr val="bg1"/>
                         </a:solidFill>
@@ -28812,7 +28805,7 @@
                         </a:spcAft>
                       </a:pPr>
                       <a:r>
-                        <a:rPr lang="es-ES_tradnl" sz="1600" b="0">
+                        <a:rPr lang="es-ES_tradnl" sz="1600" b="0" dirty="0">
                           <a:solidFill>
                             <a:schemeClr val="bg1"/>
                           </a:solidFill>
@@ -28823,7 +28816,7 @@
                         </a:rPr>
                         <a:t>Jefe de proyecto</a:t>
                       </a:r>
-                      <a:endParaRPr lang="es-CL" sz="1600" b="0">
+                      <a:endParaRPr lang="es-CL" sz="1600" b="0" dirty="0">
                         <a:solidFill>
                           <a:schemeClr val="bg1"/>
                         </a:solidFill>
@@ -28849,7 +28842,7 @@
                         <a:buChar char=""/>
                       </a:pPr>
                       <a:r>
-                        <a:rPr lang="es-ES_tradnl" sz="1600" b="0">
+                        <a:rPr lang="es-ES_tradnl" sz="1600" b="0" dirty="0">
                           <a:solidFill>
                             <a:schemeClr val="bg1"/>
                           </a:solidFill>
@@ -28860,7 +28853,7 @@
                         </a:rPr>
                         <a:t>Ingeniero informático</a:t>
                       </a:r>
-                      <a:endParaRPr lang="es-CL" sz="1600" b="0">
+                      <a:endParaRPr lang="es-CL" sz="1600" b="0" dirty="0">
                         <a:solidFill>
                           <a:schemeClr val="bg1"/>
                         </a:solidFill>
@@ -28926,7 +28919,7 @@
                         </a:spcAft>
                       </a:pPr>
                       <a:r>
-                        <a:rPr lang="es-ES_tradnl" sz="1600" b="0">
+                        <a:rPr lang="es-ES_tradnl" sz="1600" b="0" dirty="0">
                           <a:solidFill>
                             <a:schemeClr val="bg1"/>
                           </a:solidFill>
@@ -28937,7 +28930,7 @@
                         </a:rPr>
                         <a:t>Modelamiento de base de datos</a:t>
                       </a:r>
-                      <a:endParaRPr lang="es-CL" sz="1600" b="0">
+                      <a:endParaRPr lang="es-CL" sz="1600" b="0" dirty="0">
                         <a:solidFill>
                           <a:schemeClr val="bg1"/>
                         </a:solidFill>
@@ -28961,7 +28954,7 @@
                         </a:spcAft>
                       </a:pPr>
                       <a:r>
-                        <a:rPr lang="es-ES_tradnl" sz="1600" b="0">
+                        <a:rPr lang="es-ES_tradnl" sz="1600" b="0" dirty="0">
                           <a:solidFill>
                             <a:schemeClr val="bg1"/>
                           </a:solidFill>
@@ -28972,7 +28965,7 @@
                         </a:rPr>
                         <a:t>Jefe de proyecto</a:t>
                       </a:r>
-                      <a:endParaRPr lang="es-CL" sz="1600" b="0">
+                      <a:endParaRPr lang="es-CL" sz="1600" b="0" dirty="0">
                         <a:solidFill>
                           <a:schemeClr val="bg1"/>
                         </a:solidFill>
@@ -29272,13 +29265,13 @@
                         </a:spcAft>
                       </a:pPr>
                       <a:r>
-                        <a:rPr lang="es-ES_tradnl" sz="1600">
+                        <a:rPr lang="es-ES_tradnl" sz="1600" dirty="0">
                           <a:effectLst/>
                           <a:latin typeface="Calibri" panose="020F0502020204030204" pitchFamily="34" charset="0"/>
                         </a:rPr>
                         <a:t>Descripción de actividad</a:t>
                       </a:r>
-                      <a:endParaRPr lang="es-CL" sz="1600">
+                      <a:endParaRPr lang="es-CL" sz="1600" dirty="0">
                         <a:solidFill>
                           <a:srgbClr val="2E74B5"/>
                         </a:solidFill>
@@ -29302,13 +29295,13 @@
                         </a:spcAft>
                       </a:pPr>
                       <a:r>
-                        <a:rPr lang="es-ES_tradnl" sz="1600">
+                        <a:rPr lang="es-ES_tradnl" sz="1600" dirty="0">
                           <a:effectLst/>
                           <a:latin typeface="Calibri" panose="020F0502020204030204" pitchFamily="34" charset="0"/>
                         </a:rPr>
                         <a:t>Responsable</a:t>
                       </a:r>
-                      <a:endParaRPr lang="es-CL" sz="1600">
+                      <a:endParaRPr lang="es-CL" sz="1600" dirty="0">
                         <a:solidFill>
                           <a:srgbClr val="2E74B5"/>
                         </a:solidFill>
@@ -29332,13 +29325,13 @@
                         </a:spcAft>
                       </a:pPr>
                       <a:r>
-                        <a:rPr lang="es-ES_tradnl" sz="1600">
+                        <a:rPr lang="es-ES_tradnl" sz="1600" dirty="0">
                           <a:effectLst/>
                           <a:latin typeface="Calibri" panose="020F0502020204030204" pitchFamily="34" charset="0"/>
                         </a:rPr>
                         <a:t>Involucrados</a:t>
                       </a:r>
-                      <a:endParaRPr lang="es-CL" sz="1600">
+                      <a:endParaRPr lang="es-CL" sz="1600" dirty="0">
                         <a:solidFill>
                           <a:srgbClr val="2E74B5"/>
                         </a:solidFill>
@@ -29439,7 +29432,7 @@
                         </a:spcAft>
                       </a:pPr>
                       <a:r>
-                        <a:rPr lang="es-ES_tradnl" sz="1600" b="0">
+                        <a:rPr lang="es-ES_tradnl" sz="1600" b="0" dirty="0">
                           <a:solidFill>
                             <a:schemeClr val="bg1"/>
                           </a:solidFill>
@@ -29450,7 +29443,7 @@
                         </a:rPr>
                         <a:t>Jefe de proyecto</a:t>
                       </a:r>
-                      <a:endParaRPr lang="es-CL" sz="1600" b="0">
+                      <a:endParaRPr lang="es-CL" sz="1600" b="0" dirty="0">
                         <a:solidFill>
                           <a:schemeClr val="bg1"/>
                         </a:solidFill>
@@ -29476,7 +29469,7 @@
                         <a:buChar char=""/>
                       </a:pPr>
                       <a:r>
-                        <a:rPr lang="es-ES_tradnl" sz="1600" b="0">
+                        <a:rPr lang="es-ES_tradnl" sz="1600" b="0" dirty="0">
                           <a:solidFill>
                             <a:schemeClr val="bg1"/>
                           </a:solidFill>
@@ -29487,7 +29480,7 @@
                         </a:rPr>
                         <a:t>Desarrollador JAVA</a:t>
                       </a:r>
-                      <a:endParaRPr lang="es-CL" sz="1600" b="0">
+                      <a:endParaRPr lang="es-CL" sz="1600" b="0" dirty="0">
                         <a:solidFill>
                           <a:schemeClr val="bg1"/>
                         </a:solidFill>
@@ -29506,7 +29499,7 @@
                         <a:buChar char=""/>
                       </a:pPr>
                       <a:r>
-                        <a:rPr lang="es-ES_tradnl" sz="1600" b="0">
+                        <a:rPr lang="es-ES_tradnl" sz="1600" b="0" dirty="0">
                           <a:solidFill>
                             <a:schemeClr val="bg1"/>
                           </a:solidFill>
@@ -29517,7 +29510,7 @@
                         </a:rPr>
                         <a:t>Desarrollador .NET</a:t>
                       </a:r>
-                      <a:endParaRPr lang="es-CL" sz="1600" b="0">
+                      <a:endParaRPr lang="es-CL" sz="1600" b="0" dirty="0">
                         <a:solidFill>
                           <a:schemeClr val="bg1"/>
                         </a:solidFill>
@@ -29618,7 +29611,7 @@
                         </a:spcAft>
                       </a:pPr>
                       <a:r>
-                        <a:rPr lang="es-ES_tradnl" sz="1600" b="0">
+                        <a:rPr lang="es-ES_tradnl" sz="1600" b="0" dirty="0">
                           <a:solidFill>
                             <a:schemeClr val="bg1"/>
                           </a:solidFill>
@@ -29629,7 +29622,7 @@
                         </a:rPr>
                         <a:t>Jefe de proyecto</a:t>
                       </a:r>
-                      <a:endParaRPr lang="es-CL" sz="1600" b="0">
+                      <a:endParaRPr lang="es-CL" sz="1600" b="0" dirty="0">
                         <a:solidFill>
                           <a:schemeClr val="bg1"/>
                         </a:solidFill>
@@ -29655,7 +29648,7 @@
                         <a:buChar char=""/>
                       </a:pPr>
                       <a:r>
-                        <a:rPr lang="es-ES_tradnl" sz="1600" b="0">
+                        <a:rPr lang="es-ES_tradnl" sz="1600" b="0" dirty="0">
                           <a:solidFill>
                             <a:schemeClr val="bg1"/>
                           </a:solidFill>
@@ -29666,7 +29659,7 @@
                         </a:rPr>
                         <a:t>Programador PL/SQL</a:t>
                       </a:r>
-                      <a:endParaRPr lang="es-CL" sz="1600" b="0">
+                      <a:endParaRPr lang="es-CL" sz="1600" b="0" dirty="0">
                         <a:solidFill>
                           <a:schemeClr val="bg1"/>
                         </a:solidFill>
@@ -29732,7 +29725,7 @@
                         </a:spcAft>
                       </a:pPr>
                       <a:r>
-                        <a:rPr lang="es-ES_tradnl" sz="1600" b="0">
+                        <a:rPr lang="es-ES_tradnl" sz="1600" b="0" dirty="0">
                           <a:solidFill>
                             <a:schemeClr val="bg1"/>
                           </a:solidFill>
@@ -29743,7 +29736,7 @@
                         </a:rPr>
                         <a:t>Generación de documentación y planes de prueba</a:t>
                       </a:r>
-                      <a:endParaRPr lang="es-CL" sz="1600" b="0">
+                      <a:endParaRPr lang="es-CL" sz="1600" b="0" dirty="0">
                         <a:solidFill>
                           <a:schemeClr val="bg1"/>
                         </a:solidFill>
@@ -29804,7 +29797,7 @@
                         <a:buChar char=""/>
                       </a:pPr>
                       <a:r>
-                        <a:rPr lang="es-ES_tradnl" sz="1600" b="0">
+                        <a:rPr lang="es-ES_tradnl" sz="1600" b="0" dirty="0">
                           <a:solidFill>
                             <a:schemeClr val="bg1"/>
                           </a:solidFill>
@@ -29815,7 +29808,7 @@
                         </a:rPr>
                         <a:t>Ingeniero informático</a:t>
                       </a:r>
-                      <a:endParaRPr lang="es-CL" sz="1600" b="0">
+                      <a:endParaRPr lang="es-CL" sz="1600" b="0" dirty="0">
                         <a:solidFill>
                           <a:schemeClr val="bg1"/>
                         </a:solidFill>
@@ -29881,7 +29874,7 @@
                         </a:spcAft>
                       </a:pPr>
                       <a:r>
-                        <a:rPr lang="es-ES_tradnl" sz="1600" b="0">
+                        <a:rPr lang="es-ES_tradnl" sz="1600" b="0" dirty="0">
                           <a:solidFill>
                             <a:schemeClr val="bg1"/>
                           </a:solidFill>
@@ -29892,7 +29885,7 @@
                         </a:rPr>
                         <a:t>Pruebas unitarias</a:t>
                       </a:r>
-                      <a:endParaRPr lang="es-CL" sz="1600" b="0">
+                      <a:endParaRPr lang="es-CL" sz="1600" b="0" dirty="0">
                         <a:solidFill>
                           <a:schemeClr val="bg1"/>
                         </a:solidFill>
@@ -29953,7 +29946,7 @@
                         <a:buChar char=""/>
                       </a:pPr>
                       <a:r>
-                        <a:rPr lang="es-ES_tradnl" sz="1600" b="0">
+                        <a:rPr lang="es-ES_tradnl" sz="1600" b="0" dirty="0">
                           <a:solidFill>
                             <a:schemeClr val="bg1"/>
                           </a:solidFill>
@@ -29964,7 +29957,7 @@
                         </a:rPr>
                         <a:t>Ingeniero de pruebas</a:t>
                       </a:r>
-                      <a:endParaRPr lang="es-CL" sz="1600" b="0">
+                      <a:endParaRPr lang="es-CL" sz="1600" b="0" dirty="0">
                         <a:solidFill>
                           <a:schemeClr val="bg1"/>
                         </a:solidFill>
@@ -30030,7 +30023,7 @@
                         </a:spcAft>
                       </a:pPr>
                       <a:r>
-                        <a:rPr lang="es-ES_tradnl" sz="1600" b="0">
+                        <a:rPr lang="es-ES_tradnl" sz="1600" b="0" dirty="0">
                           <a:solidFill>
                             <a:schemeClr val="bg1"/>
                           </a:solidFill>
@@ -30041,7 +30034,7 @@
                         </a:rPr>
                         <a:t>Pruebas de integración</a:t>
                       </a:r>
-                      <a:endParaRPr lang="es-CL" sz="1600" b="0">
+                      <a:endParaRPr lang="es-CL" sz="1600" b="0" dirty="0">
                         <a:solidFill>
                           <a:schemeClr val="bg1"/>
                         </a:solidFill>
@@ -30065,7 +30058,7 @@
                         </a:spcAft>
                       </a:pPr>
                       <a:r>
-                        <a:rPr lang="es-ES_tradnl" sz="1600" b="0">
+                        <a:rPr lang="es-ES_tradnl" sz="1600" b="0" dirty="0">
                           <a:solidFill>
                             <a:schemeClr val="bg1"/>
                           </a:solidFill>
@@ -30076,7 +30069,7 @@
                         </a:rPr>
                         <a:t>Jefe de proyecto</a:t>
                       </a:r>
-                      <a:endParaRPr lang="es-CL" sz="1600" b="0">
+                      <a:endParaRPr lang="es-CL" sz="1600" b="0" dirty="0">
                         <a:solidFill>
                           <a:schemeClr val="bg1"/>
                         </a:solidFill>
@@ -30102,7 +30095,7 @@
                         <a:buChar char=""/>
                       </a:pPr>
                       <a:r>
-                        <a:rPr lang="es-ES_tradnl" sz="1600" b="0">
+                        <a:rPr lang="es-ES_tradnl" sz="1600" b="0" dirty="0">
                           <a:solidFill>
                             <a:schemeClr val="bg1"/>
                           </a:solidFill>
@@ -30113,7 +30106,7 @@
                         </a:rPr>
                         <a:t>Ingeniero de pruebas</a:t>
                       </a:r>
-                      <a:endParaRPr lang="es-CL" sz="1600" b="0">
+                      <a:endParaRPr lang="es-CL" sz="1600" b="0" dirty="0">
                         <a:solidFill>
                           <a:schemeClr val="bg1"/>
                         </a:solidFill>
@@ -30144,7 +30137,7 @@
                         </a:spcAft>
                       </a:pPr>
                       <a:r>
-                        <a:rPr lang="es-ES_tradnl" sz="1600" b="1">
+                        <a:rPr lang="es-ES_tradnl" sz="1600" b="1" dirty="0">
                           <a:solidFill>
                             <a:schemeClr val="tx1"/>
                           </a:solidFill>
@@ -30155,7 +30148,7 @@
                         </a:rPr>
                         <a:t>8.3</a:t>
                       </a:r>
-                      <a:endParaRPr lang="es-CL" sz="1600">
+                      <a:endParaRPr lang="es-CL" sz="1600" dirty="0">
                         <a:solidFill>
                           <a:schemeClr val="tx1"/>
                         </a:solidFill>
@@ -30179,7 +30172,7 @@
                         </a:spcAft>
                       </a:pPr>
                       <a:r>
-                        <a:rPr lang="es-ES_tradnl" sz="1600" b="0">
+                        <a:rPr lang="es-ES_tradnl" sz="1600" b="0" dirty="0">
                           <a:solidFill>
                             <a:schemeClr val="bg1"/>
                           </a:solidFill>
@@ -30190,7 +30183,7 @@
                         </a:rPr>
                         <a:t>Pruebas de aceptación </a:t>
                       </a:r>
-                      <a:endParaRPr lang="es-CL" sz="1600" b="0">
+                      <a:endParaRPr lang="es-CL" sz="1600" b="0" dirty="0">
                         <a:solidFill>
                           <a:schemeClr val="bg1"/>
                         </a:solidFill>
@@ -30214,7 +30207,7 @@
                         </a:spcAft>
                       </a:pPr>
                       <a:r>
-                        <a:rPr lang="es-ES_tradnl" sz="1600" b="0">
+                        <a:rPr lang="es-ES_tradnl" sz="1600" b="0" dirty="0">
                           <a:solidFill>
                             <a:schemeClr val="bg1"/>
                           </a:solidFill>
@@ -30225,7 +30218,7 @@
                         </a:rPr>
                         <a:t>Jefe de proyecto</a:t>
                       </a:r>
-                      <a:endParaRPr lang="es-CL" sz="1600" b="0">
+                      <a:endParaRPr lang="es-CL" sz="1600" b="0" dirty="0">
                         <a:solidFill>
                           <a:schemeClr val="bg1"/>
                         </a:solidFill>
@@ -30328,7 +30321,7 @@
                         </a:spcAft>
                       </a:pPr>
                       <a:r>
-                        <a:rPr lang="es-ES_tradnl" sz="1600" b="0">
+                        <a:rPr lang="es-ES_tradnl" sz="1600" b="0" dirty="0">
                           <a:solidFill>
                             <a:schemeClr val="bg1"/>
                           </a:solidFill>
@@ -30339,7 +30332,7 @@
                         </a:rPr>
                         <a:t>Corrección de errores</a:t>
                       </a:r>
-                      <a:endParaRPr lang="es-CL" sz="1600" b="0">
+                      <a:endParaRPr lang="es-CL" sz="1600" b="0" dirty="0">
                         <a:solidFill>
                           <a:schemeClr val="bg1"/>
                         </a:solidFill>
@@ -30363,7 +30356,7 @@
                         </a:spcAft>
                       </a:pPr>
                       <a:r>
-                        <a:rPr lang="es-ES_tradnl" sz="1600" b="0">
+                        <a:rPr lang="es-ES_tradnl" sz="1600" b="0" dirty="0">
                           <a:solidFill>
                             <a:schemeClr val="bg1"/>
                           </a:solidFill>
@@ -30374,7 +30367,7 @@
                         </a:rPr>
                         <a:t>Jefe de proyecto</a:t>
                       </a:r>
-                      <a:endParaRPr lang="es-CL" sz="1600" b="0">
+                      <a:endParaRPr lang="es-CL" sz="1600" b="0" dirty="0">
                         <a:solidFill>
                           <a:schemeClr val="bg1"/>
                         </a:solidFill>
@@ -30400,7 +30393,7 @@
                         <a:buChar char=""/>
                       </a:pPr>
                       <a:r>
-                        <a:rPr lang="es-ES_tradnl" sz="1600" b="0">
+                        <a:rPr lang="es-ES_tradnl" sz="1600" b="0" dirty="0">
                           <a:solidFill>
                             <a:schemeClr val="bg1"/>
                           </a:solidFill>
@@ -30411,7 +30404,7 @@
                         </a:rPr>
                         <a:t>Jefe de proyecto</a:t>
                       </a:r>
-                      <a:endParaRPr lang="es-CL" sz="1600" b="0">
+                      <a:endParaRPr lang="es-CL" sz="1600" b="0" dirty="0">
                         <a:solidFill>
                           <a:schemeClr val="bg1"/>
                         </a:solidFill>
@@ -30430,7 +30423,7 @@
                         <a:buChar char=""/>
                       </a:pPr>
                       <a:r>
-                        <a:rPr lang="es-ES_tradnl" sz="1600" b="0">
+                        <a:rPr lang="es-ES_tradnl" sz="1600" b="0" dirty="0">
                           <a:solidFill>
                             <a:schemeClr val="bg1"/>
                           </a:solidFill>
@@ -30441,7 +30434,7 @@
                         </a:rPr>
                         <a:t>Ingeniero de pruebas</a:t>
                       </a:r>
-                      <a:endParaRPr lang="es-CL" sz="1600" b="0">
+                      <a:endParaRPr lang="es-CL" sz="1600" b="0" dirty="0">
                         <a:solidFill>
                           <a:schemeClr val="bg1"/>
                         </a:solidFill>
@@ -30507,7 +30500,7 @@
                         </a:spcAft>
                       </a:pPr>
                       <a:r>
-                        <a:rPr lang="es-ES_tradnl" sz="1600" b="0">
+                        <a:rPr lang="es-ES_tradnl" sz="1600" b="0" dirty="0">
                           <a:solidFill>
                             <a:schemeClr val="bg1"/>
                           </a:solidFill>
@@ -30518,7 +30511,7 @@
                         </a:rPr>
                         <a:t>Implantación de sistema en toda la empresa</a:t>
                       </a:r>
-                      <a:endParaRPr lang="es-CL" sz="1600" b="0">
+                      <a:endParaRPr lang="es-CL" sz="1600" b="0" dirty="0">
                         <a:solidFill>
                           <a:schemeClr val="bg1"/>
                         </a:solidFill>
@@ -30542,7 +30535,7 @@
                         </a:spcAft>
                       </a:pPr>
                       <a:r>
-                        <a:rPr lang="es-ES_tradnl" sz="1600" b="0">
+                        <a:rPr lang="es-ES_tradnl" sz="1600" b="0" dirty="0">
                           <a:solidFill>
                             <a:schemeClr val="bg1"/>
                           </a:solidFill>
@@ -30553,7 +30546,7 @@
                         </a:rPr>
                         <a:t>Jefe de proyecto</a:t>
                       </a:r>
-                      <a:endParaRPr lang="es-CL" sz="1600" b="0">
+                      <a:endParaRPr lang="es-CL" sz="1600" b="0" dirty="0">
                         <a:solidFill>
                           <a:schemeClr val="bg1"/>
                         </a:solidFill>
@@ -30621,7 +30614,7 @@
                         </a:spcAft>
                       </a:pPr>
                       <a:r>
-                        <a:rPr lang="es-ES_tradnl" sz="1600" b="1">
+                        <a:rPr lang="es-ES_tradnl" sz="1600" b="1" dirty="0">
                           <a:solidFill>
                             <a:schemeClr val="tx1"/>
                           </a:solidFill>
@@ -30632,7 +30625,7 @@
                         </a:rPr>
                         <a:t>10.2</a:t>
                       </a:r>
-                      <a:endParaRPr lang="es-CL" sz="1600">
+                      <a:endParaRPr lang="es-CL" sz="1600" dirty="0">
                         <a:solidFill>
                           <a:schemeClr val="tx1"/>
                         </a:solidFill>
@@ -30656,7 +30649,7 @@
                         </a:spcAft>
                       </a:pPr>
                       <a:r>
-                        <a:rPr lang="es-ES_tradnl" sz="1600" b="0">
+                        <a:rPr lang="es-ES_tradnl" sz="1600" b="0" dirty="0">
                           <a:solidFill>
                             <a:schemeClr val="bg1"/>
                           </a:solidFill>
@@ -30667,7 +30660,7 @@
                         </a:rPr>
                         <a:t>Capacitación del personal</a:t>
                       </a:r>
-                      <a:endParaRPr lang="es-CL" sz="1600" b="0">
+                      <a:endParaRPr lang="es-CL" sz="1600" b="0" dirty="0">
                         <a:solidFill>
                           <a:schemeClr val="bg1"/>
                         </a:solidFill>
@@ -30691,7 +30684,7 @@
                         </a:spcAft>
                       </a:pPr>
                       <a:r>
-                        <a:rPr lang="es-ES_tradnl" sz="1600" b="0">
+                        <a:rPr lang="es-ES_tradnl" sz="1600" b="0" dirty="0">
                           <a:solidFill>
                             <a:schemeClr val="bg1"/>
                           </a:solidFill>
@@ -30702,7 +30695,7 @@
                         </a:rPr>
                         <a:t>Jefe de proyecto</a:t>
                       </a:r>
-                      <a:endParaRPr lang="es-CL" sz="1600" b="0">
+                      <a:endParaRPr lang="es-CL" sz="1600" b="0" dirty="0">
                         <a:solidFill>
                           <a:schemeClr val="bg1"/>
                         </a:solidFill>
@@ -30728,7 +30721,7 @@
                         <a:buChar char=""/>
                       </a:pPr>
                       <a:r>
-                        <a:rPr lang="es-ES_tradnl" sz="1600" b="0">
+                        <a:rPr lang="es-ES_tradnl" sz="1600" b="0" dirty="0">
                           <a:solidFill>
                             <a:schemeClr val="bg1"/>
                           </a:solidFill>
@@ -30739,7 +30732,7 @@
                         </a:rPr>
                         <a:t>Ingeniero informático</a:t>
                       </a:r>
-                      <a:endParaRPr lang="es-CL" sz="1600" b="0">
+                      <a:endParaRPr lang="es-CL" sz="1600" b="0" dirty="0">
                         <a:solidFill>
                           <a:schemeClr val="bg1"/>
                         </a:solidFill>
@@ -30805,7 +30798,7 @@
                         </a:spcAft>
                       </a:pPr>
                       <a:r>
-                        <a:rPr lang="es-ES_tradnl" sz="1600" b="0">
+                        <a:rPr lang="es-ES_tradnl" sz="1600" b="0" dirty="0">
                           <a:solidFill>
                             <a:schemeClr val="bg1"/>
                           </a:solidFill>
@@ -30816,7 +30809,7 @@
                         </a:rPr>
                         <a:t>Marcha blanca</a:t>
                       </a:r>
-                      <a:endParaRPr lang="es-CL" sz="1600" b="0">
+                      <a:endParaRPr lang="es-CL" sz="1600" b="0" dirty="0">
                         <a:solidFill>
                           <a:schemeClr val="bg1"/>
                         </a:solidFill>
@@ -30954,7 +30947,7 @@
                         </a:spcAft>
                       </a:pPr>
                       <a:r>
-                        <a:rPr lang="es-ES_tradnl" sz="1600" b="0">
+                        <a:rPr lang="es-ES_tradnl" sz="1600" b="0" dirty="0">
                           <a:solidFill>
                             <a:schemeClr val="bg1"/>
                           </a:solidFill>
@@ -30965,7 +30958,7 @@
                         </a:rPr>
                         <a:t>Entrega de documentación</a:t>
                       </a:r>
-                      <a:endParaRPr lang="es-CL" sz="1600" b="0">
+                      <a:endParaRPr lang="es-CL" sz="1600" b="0" dirty="0">
                         <a:solidFill>
                           <a:schemeClr val="bg1"/>
                         </a:solidFill>
@@ -30989,7 +30982,7 @@
                         </a:spcAft>
                       </a:pPr>
                       <a:r>
-                        <a:rPr lang="es-ES_tradnl" sz="1600" b="0">
+                        <a:rPr lang="es-ES_tradnl" sz="1600" b="0" dirty="0">
                           <a:solidFill>
                             <a:schemeClr val="bg1"/>
                           </a:solidFill>
@@ -31000,7 +30993,7 @@
                         </a:rPr>
                         <a:t>Jefe de proyecto</a:t>
                       </a:r>
-                      <a:endParaRPr lang="es-CL" sz="1600" b="0">
+                      <a:endParaRPr lang="es-CL" sz="1600" b="0" dirty="0">
                         <a:solidFill>
                           <a:schemeClr val="bg1"/>
                         </a:solidFill>
@@ -31103,7 +31096,7 @@
                         </a:spcAft>
                       </a:pPr>
                       <a:r>
-                        <a:rPr lang="es-ES_tradnl" sz="1600" b="0">
+                        <a:rPr lang="es-ES_tradnl" sz="1600" b="0" dirty="0">
                           <a:solidFill>
                             <a:schemeClr val="bg1"/>
                           </a:solidFill>
@@ -31114,7 +31107,7 @@
                         </a:rPr>
                         <a:t>Generar acta de cierre</a:t>
                       </a:r>
-                      <a:endParaRPr lang="es-CL" sz="1600" b="0">
+                      <a:endParaRPr lang="es-CL" sz="1600" b="0" dirty="0">
                         <a:solidFill>
                           <a:schemeClr val="bg1"/>
                         </a:solidFill>
@@ -31138,7 +31131,7 @@
                         </a:spcAft>
                       </a:pPr>
                       <a:r>
-                        <a:rPr lang="es-ES_tradnl" sz="1600" b="0">
+                        <a:rPr lang="es-ES_tradnl" sz="1600" b="0" dirty="0">
                           <a:solidFill>
                             <a:schemeClr val="bg1"/>
                           </a:solidFill>
@@ -31149,7 +31142,7 @@
                         </a:rPr>
                         <a:t>Jefe de proyecto</a:t>
                       </a:r>
-                      <a:endParaRPr lang="es-CL" sz="1600" b="0">
+                      <a:endParaRPr lang="es-CL" sz="1600" b="0" dirty="0">
                         <a:solidFill>
                           <a:schemeClr val="bg1"/>
                         </a:solidFill>
@@ -31254,7 +31247,10 @@
           <a:bodyPr/>
           <a:lstStyle/>
           <a:p>
-            <a:endParaRPr lang="es-CL" dirty="0"/>
+            <a:r>
+              <a:rPr lang="es-CL" dirty="0"/>
+              <a:t>Proceso de gestión</a:t>
+            </a:r>
           </a:p>
         </p:txBody>
       </p:sp>
@@ -31341,9 +31337,59 @@
           </a:xfrm>
         </p:spPr>
         <p:txBody>
-          <a:bodyPr/>
+          <a:bodyPr>
+            <a:normAutofit/>
+          </a:bodyPr>
           <a:lstStyle/>
           <a:p>
+            <a:r>
+              <a:rPr lang="es-CL" dirty="0">
+                <a:latin typeface="Calibri" panose="020F0502020204030204" pitchFamily="34" charset="0"/>
+              </a:rPr>
+              <a:t>Condiciones asumidas</a:t>
+            </a:r>
+          </a:p>
+          <a:p>
+            <a:pPr lvl="0">
+              <a:buFont typeface="Wingdings" panose="05000000000000000000" pitchFamily="2" charset="2"/>
+              <a:buChar char="Ø"/>
+            </a:pPr>
+            <a:r>
+              <a:rPr lang="es-ES_tradnl" dirty="0">
+                <a:latin typeface="Calibri" panose="020F0502020204030204" pitchFamily="34" charset="0"/>
+              </a:rPr>
+              <a:t>Los usuarios del software sabrán lo básico referente al uso del computador.</a:t>
+            </a:r>
+            <a:endParaRPr lang="es-CL" dirty="0">
+              <a:latin typeface="Calibri" panose="020F0502020204030204" pitchFamily="34" charset="0"/>
+            </a:endParaRPr>
+          </a:p>
+          <a:p>
+            <a:pPr lvl="0">
+              <a:buFont typeface="Wingdings" panose="05000000000000000000" pitchFamily="2" charset="2"/>
+              <a:buChar char="Ø"/>
+            </a:pPr>
+            <a:r>
+              <a:rPr lang="es-ES_tradnl" dirty="0">
+                <a:latin typeface="Calibri" panose="020F0502020204030204" pitchFamily="34" charset="0"/>
+              </a:rPr>
+              <a:t>Habrá personal de la clínica que hará el traspaso de papeleo a digital con una previa capacitación.</a:t>
+            </a:r>
+            <a:endParaRPr lang="es-CL" dirty="0">
+              <a:latin typeface="Calibri" panose="020F0502020204030204" pitchFamily="34" charset="0"/>
+            </a:endParaRPr>
+          </a:p>
+          <a:p>
+            <a:pPr lvl="0">
+              <a:buFont typeface="Wingdings" panose="05000000000000000000" pitchFamily="2" charset="2"/>
+              <a:buChar char="Ø"/>
+            </a:pPr>
+            <a:r>
+              <a:rPr lang="es-ES_tradnl" dirty="0">
+                <a:latin typeface="Calibri" panose="020F0502020204030204" pitchFamily="34" charset="0"/>
+              </a:rPr>
+              <a:t>Los computadores donde vaya a ser cargado el software cumplirá con los requisitos mínimos de hardware para que las aplicaciones funcionen de manera fluida y con la menor tasa de fallas.</a:t>
+            </a:r>
             <a:endParaRPr lang="es-CL" dirty="0">
               <a:latin typeface="Calibri" panose="020F0502020204030204" pitchFamily="34" charset="0"/>
             </a:endParaRPr>
@@ -31395,7 +31441,10 @@
           <a:bodyPr/>
           <a:lstStyle/>
           <a:p>
-            <a:endParaRPr lang="es-CL" dirty="0"/>
+            <a:r>
+              <a:rPr lang="es-CL" dirty="0"/>
+              <a:t>Proceso de gestión</a:t>
+            </a:r>
           </a:p>
         </p:txBody>
       </p:sp>
@@ -31485,6 +31534,41 @@
           <a:bodyPr/>
           <a:lstStyle/>
           <a:p>
+            <a:r>
+              <a:rPr lang="es-CL" dirty="0">
+                <a:latin typeface="Calibri" panose="020F0502020204030204" pitchFamily="34" charset="0"/>
+              </a:rPr>
+              <a:t>Dependencias </a:t>
+            </a:r>
+          </a:p>
+          <a:p>
+            <a:pPr>
+              <a:buFont typeface="Wingdings" panose="05000000000000000000" pitchFamily="2" charset="2"/>
+              <a:buChar char="Ø"/>
+            </a:pPr>
+            <a:r>
+              <a:rPr lang="es-CL" dirty="0">
+                <a:latin typeface="Calibri" panose="020F0502020204030204" pitchFamily="34" charset="0"/>
+              </a:rPr>
+              <a:t>Tener un generador de luz en caso de que se corte el suministro eléctrico.</a:t>
+            </a:r>
+          </a:p>
+          <a:p>
+            <a:pPr>
+              <a:buFont typeface="Wingdings" panose="05000000000000000000" pitchFamily="2" charset="2"/>
+              <a:buChar char="Ø"/>
+            </a:pPr>
+            <a:r>
+              <a:rPr lang="es-CL" dirty="0">
+                <a:latin typeface="Calibri" panose="020F0502020204030204" pitchFamily="34" charset="0"/>
+              </a:rPr>
+              <a:t>Métodos para evitar propagaciones de incendio al interior de la clínica y así evitar pérdidas de documentación de clientes (ej. fichas clínicas).</a:t>
+            </a:r>
+          </a:p>
+          <a:p>
+            <a:pPr marL="0" indent="0">
+              <a:buNone/>
+            </a:pPr>
             <a:endParaRPr lang="es-CL" dirty="0">
               <a:latin typeface="Calibri" panose="020F0502020204030204" pitchFamily="34" charset="0"/>
             </a:endParaRPr>
@@ -31536,7 +31620,10 @@
           <a:bodyPr/>
           <a:lstStyle/>
           <a:p>
-            <a:endParaRPr lang="es-CL" dirty="0"/>
+            <a:r>
+              <a:rPr lang="es-CL" dirty="0"/>
+              <a:t>Procesos de gestión</a:t>
+            </a:r>
           </a:p>
         </p:txBody>
       </p:sp>
@@ -31626,6 +31713,53 @@
           <a:bodyPr/>
           <a:lstStyle/>
           <a:p>
+            <a:r>
+              <a:rPr lang="es-CL" dirty="0">
+                <a:latin typeface="Calibri" panose="020F0502020204030204" pitchFamily="34" charset="0"/>
+              </a:rPr>
+              <a:t>Restricciones</a:t>
+            </a:r>
+          </a:p>
+          <a:p>
+            <a:pPr>
+              <a:buFont typeface="Wingdings" panose="05000000000000000000" pitchFamily="2" charset="2"/>
+              <a:buChar char="Ø"/>
+            </a:pPr>
+            <a:r>
+              <a:rPr lang="es-CL" dirty="0">
+                <a:latin typeface="Calibri" panose="020F0502020204030204" pitchFamily="34" charset="0"/>
+              </a:rPr>
+              <a:t>Después de haber entregado el producto, no se le hará mantención.</a:t>
+            </a:r>
+          </a:p>
+          <a:p>
+            <a:pPr>
+              <a:buFont typeface="Wingdings" panose="05000000000000000000" pitchFamily="2" charset="2"/>
+              <a:buChar char="Ø"/>
+            </a:pPr>
+            <a:r>
+              <a:rPr lang="es-CL" dirty="0">
+                <a:latin typeface="Calibri" panose="020F0502020204030204" pitchFamily="34" charset="0"/>
+              </a:rPr>
+              <a:t>La cantidad de recursos humanos que cooperará en el proyecto será definida al principio del proyecto.</a:t>
+            </a:r>
+          </a:p>
+          <a:p>
+            <a:pPr>
+              <a:buFont typeface="Wingdings" panose="05000000000000000000" pitchFamily="2" charset="2"/>
+              <a:buChar char="Ø"/>
+            </a:pPr>
+            <a:r>
+              <a:rPr lang="es-CL" dirty="0">
+                <a:latin typeface="Calibri" panose="020F0502020204030204" pitchFamily="34" charset="0"/>
+              </a:rPr>
+              <a:t>La fecha esperada de entrega no se puede exceder más allá de 5 días hábiles desde la fecha estimada al comienzo del proyecto.</a:t>
+            </a:r>
+          </a:p>
+          <a:p>
+            <a:pPr marL="0" indent="0">
+              <a:buNone/>
+            </a:pPr>
             <a:endParaRPr lang="es-CL" dirty="0">
               <a:latin typeface="Calibri" panose="020F0502020204030204" pitchFamily="34" charset="0"/>
             </a:endParaRPr>
@@ -31635,7 +31769,7 @@
     </p:spTree>
     <p:extLst>
       <p:ext uri="{BB962C8B-B14F-4D97-AF65-F5344CB8AC3E}">
-        <p14:creationId xmlns:p14="http://schemas.microsoft.com/office/powerpoint/2010/main" val="2924300858"/>
+        <p14:creationId xmlns:p14="http://schemas.microsoft.com/office/powerpoint/2010/main" val="4215693972"/>
       </p:ext>
     </p:extLst>
   </p:cSld>
@@ -31645,7 +31779,7 @@
 </p:sld>
 </file>
 
-<file path=ppt/slides/slide6.xml><?xml version="1.0" encoding="utf-8"?>
+<file path=ppt/slides/slide58.xml><?xml version="1.0" encoding="utf-8"?>
 <p:sld xmlns:a="http://schemas.openxmlformats.org/drawingml/2006/main" xmlns:r="http://schemas.openxmlformats.org/officeDocument/2006/relationships" xmlns:p="http://schemas.openxmlformats.org/presentationml/2006/main">
   <p:cSld>
     <p:spTree>
@@ -31679,54 +31813,8 @@
           <a:p>
             <a:r>
               <a:rPr lang="es-CL" dirty="0"/>
-              <a:t>Descripción del caso</a:t>
+              <a:t>Gestión de riesgos</a:t>
             </a:r>
-          </a:p>
-        </p:txBody>
-      </p:sp>
-      <p:sp>
-        <p:nvSpPr>
-          <p:cNvPr id="3" name="Content Placeholder 2"/>
-          <p:cNvSpPr>
-            <a:spLocks noGrp="1"/>
-          </p:cNvSpPr>
-          <p:nvPr>
-            <p:ph idx="1"/>
-          </p:nvPr>
-        </p:nvSpPr>
-        <p:spPr/>
-        <p:txBody>
-          <a:bodyPr/>
-          <a:lstStyle/>
-          <a:p>
-            <a:r>
-              <a:rPr lang="es-CL" dirty="0">
-                <a:latin typeface="Calibri" panose="020F0502020204030204" pitchFamily="34" charset="0"/>
-              </a:rPr>
-              <a:t>Descripción de la empresa</a:t>
-            </a:r>
-          </a:p>
-          <a:p>
-            <a:pPr marL="0" indent="0">
-              <a:buNone/>
-            </a:pPr>
-            <a:r>
-              <a:rPr lang="es-ES_tradnl" dirty="0">
-                <a:latin typeface="Calibri" panose="020F0502020204030204" pitchFamily="34" charset="0"/>
-              </a:rPr>
-              <a:t>El centro médico Hipócrates es una institución dedicada a servicios de salud, que emplea a médicos, tecnólogos médicos, enfermeras y operadores para ofrecer diversos procedimientos a sus clientes, entre ellos consultas médicas, exámenes e imagenología. </a:t>
-            </a:r>
-            <a:endParaRPr lang="es-CL" dirty="0">
-              <a:latin typeface="Calibri" panose="020F0502020204030204" pitchFamily="34" charset="0"/>
-            </a:endParaRPr>
-          </a:p>
-          <a:p>
-            <a:pPr marL="0" indent="0">
-              <a:buNone/>
-            </a:pPr>
-            <a:endParaRPr lang="es-CL" dirty="0">
-              <a:latin typeface="Calibri" panose="020F0502020204030204" pitchFamily="34" charset="0"/>
-            </a:endParaRPr>
           </a:p>
         </p:txBody>
       </p:sp>
@@ -31790,6 +31878,1756 @@
             <a:fld id="{82B5D99C-3243-4CCA-89CF-846763E29181}" type="slidenum">
               <a:rPr lang="es-CL" smtClean="0"/>
               <a:pPr algn="ctr"/>
+              <a:t>58</a:t>
+            </a:fld>
+            <a:endParaRPr lang="es-CL" dirty="0"/>
+          </a:p>
+        </p:txBody>
+      </p:sp>
+      <p:graphicFrame>
+        <p:nvGraphicFramePr>
+          <p:cNvPr id="3" name="Content Placeholder 2"/>
+          <p:cNvGraphicFramePr>
+            <a:graphicFrameLocks noGrp="1"/>
+          </p:cNvGraphicFramePr>
+          <p:nvPr>
+            <p:ph idx="1"/>
+            <p:extLst>
+              <p:ext uri="{D42A27DB-BD31-4B8C-83A1-F6EECF244321}">
+                <p14:modId xmlns:p14="http://schemas.microsoft.com/office/powerpoint/2010/main" val="1345669256"/>
+              </p:ext>
+            </p:extLst>
+          </p:nvPr>
+        </p:nvGraphicFramePr>
+        <p:xfrm>
+          <a:off x="1" y="2831123"/>
+          <a:ext cx="9006272" cy="4026876"/>
+        </p:xfrm>
+        <a:graphic>
+          <a:graphicData uri="http://schemas.openxmlformats.org/drawingml/2006/table">
+            <a:tbl>
+              <a:tblPr firstRow="1" firstCol="1" bandRow="1">
+                <a:tableStyleId>{5C22544A-7EE6-4342-B048-85BDC9FD1C3A}</a:tableStyleId>
+              </a:tblPr>
+              <a:tblGrid>
+                <a:gridCol w="985806">
+                  <a:extLst>
+                    <a:ext uri="{9D8B030D-6E8A-4147-A177-3AD203B41FA5}">
+                      <a16:colId xmlns:a16="http://schemas.microsoft.com/office/drawing/2014/main" val="155350581"/>
+                    </a:ext>
+                  </a:extLst>
+                </a:gridCol>
+                <a:gridCol w="3658301">
+                  <a:extLst>
+                    <a:ext uri="{9D8B030D-6E8A-4147-A177-3AD203B41FA5}">
+                      <a16:colId xmlns:a16="http://schemas.microsoft.com/office/drawing/2014/main" val="1877264711"/>
+                    </a:ext>
+                  </a:extLst>
+                </a:gridCol>
+                <a:gridCol w="4362165">
+                  <a:extLst>
+                    <a:ext uri="{9D8B030D-6E8A-4147-A177-3AD203B41FA5}">
+                      <a16:colId xmlns:a16="http://schemas.microsoft.com/office/drawing/2014/main" val="3609475912"/>
+                    </a:ext>
+                  </a:extLst>
+                </a:gridCol>
+              </a:tblGrid>
+              <a:tr h="251679">
+                <a:tc>
+                  <a:txBody>
+                    <a:bodyPr/>
+                    <a:lstStyle/>
+                    <a:p>
+                      <a:pPr algn="ctr">
+                        <a:spcAft>
+                          <a:spcPts val="0"/>
+                        </a:spcAft>
+                      </a:pPr>
+                      <a:r>
+                        <a:rPr lang="es-ES_tradnl" sz="1600" dirty="0">
+                          <a:effectLst/>
+                          <a:latin typeface="Calibri" panose="020F0502020204030204" pitchFamily="34" charset="0"/>
+                        </a:rPr>
+                        <a:t>Código</a:t>
+                      </a:r>
+                      <a:endParaRPr lang="es-CL" sz="1600" dirty="0">
+                        <a:solidFill>
+                          <a:srgbClr val="2E74B5"/>
+                        </a:solidFill>
+                        <a:effectLst/>
+                        <a:latin typeface="Calibri" panose="020F0502020204030204" pitchFamily="34" charset="0"/>
+                        <a:ea typeface="Calibri" panose="020F0502020204030204" pitchFamily="34" charset="0"/>
+                        <a:cs typeface="Times New Roman" panose="02020603050405020304" pitchFamily="18" charset="0"/>
+                      </a:endParaRPr>
+                    </a:p>
+                  </a:txBody>
+                  <a:tcPr marL="68580" marR="68580" marT="0" marB="0"/>
+                </a:tc>
+                <a:tc>
+                  <a:txBody>
+                    <a:bodyPr/>
+                    <a:lstStyle/>
+                    <a:p>
+                      <a:pPr algn="ctr">
+                        <a:spcAft>
+                          <a:spcPts val="0"/>
+                        </a:spcAft>
+                      </a:pPr>
+                      <a:r>
+                        <a:rPr lang="es-ES_tradnl" sz="1600" dirty="0">
+                          <a:effectLst/>
+                          <a:latin typeface="Calibri" panose="020F0502020204030204" pitchFamily="34" charset="0"/>
+                        </a:rPr>
+                        <a:t>Descripción</a:t>
+                      </a:r>
+                      <a:endParaRPr lang="es-CL" sz="1600" dirty="0">
+                        <a:solidFill>
+                          <a:srgbClr val="2E74B5"/>
+                        </a:solidFill>
+                        <a:effectLst/>
+                        <a:latin typeface="Calibri" panose="020F0502020204030204" pitchFamily="34" charset="0"/>
+                        <a:ea typeface="Calibri" panose="020F0502020204030204" pitchFamily="34" charset="0"/>
+                        <a:cs typeface="Times New Roman" panose="02020603050405020304" pitchFamily="18" charset="0"/>
+                      </a:endParaRPr>
+                    </a:p>
+                  </a:txBody>
+                  <a:tcPr marL="68580" marR="68580" marT="0" marB="0"/>
+                </a:tc>
+                <a:tc>
+                  <a:txBody>
+                    <a:bodyPr/>
+                    <a:lstStyle/>
+                    <a:p>
+                      <a:pPr algn="ctr">
+                        <a:spcAft>
+                          <a:spcPts val="0"/>
+                        </a:spcAft>
+                      </a:pPr>
+                      <a:r>
+                        <a:rPr lang="es-ES_tradnl" sz="1600" dirty="0">
+                          <a:effectLst/>
+                          <a:latin typeface="Calibri" panose="020F0502020204030204" pitchFamily="34" charset="0"/>
+                        </a:rPr>
+                        <a:t>Causa Raíz</a:t>
+                      </a:r>
+                      <a:endParaRPr lang="es-CL" sz="1600" dirty="0">
+                        <a:solidFill>
+                          <a:srgbClr val="2E74B5"/>
+                        </a:solidFill>
+                        <a:effectLst/>
+                        <a:latin typeface="Calibri" panose="020F0502020204030204" pitchFamily="34" charset="0"/>
+                        <a:ea typeface="Calibri" panose="020F0502020204030204" pitchFamily="34" charset="0"/>
+                        <a:cs typeface="Times New Roman" panose="02020603050405020304" pitchFamily="18" charset="0"/>
+                      </a:endParaRPr>
+                    </a:p>
+                  </a:txBody>
+                  <a:tcPr marL="68580" marR="68580" marT="0" marB="0"/>
+                </a:tc>
+                <a:extLst>
+                  <a:ext uri="{0D108BD9-81ED-4DB2-BD59-A6C34878D82A}">
+                    <a16:rowId xmlns:a16="http://schemas.microsoft.com/office/drawing/2014/main" val="4215545122"/>
+                  </a:ext>
+                </a:extLst>
+              </a:tr>
+              <a:tr h="503360">
+                <a:tc>
+                  <a:txBody>
+                    <a:bodyPr/>
+                    <a:lstStyle/>
+                    <a:p>
+                      <a:pPr algn="just">
+                        <a:spcAft>
+                          <a:spcPts val="0"/>
+                        </a:spcAft>
+                      </a:pPr>
+                      <a:r>
+                        <a:rPr lang="es-ES_tradnl" sz="1600" dirty="0">
+                          <a:effectLst/>
+                          <a:latin typeface="Calibri" panose="020F0502020204030204" pitchFamily="34" charset="0"/>
+                        </a:rPr>
+                        <a:t>R001</a:t>
+                      </a:r>
+                      <a:endParaRPr lang="es-CL" sz="1600" dirty="0">
+                        <a:solidFill>
+                          <a:srgbClr val="2E74B5"/>
+                        </a:solidFill>
+                        <a:effectLst/>
+                        <a:latin typeface="Calibri" panose="020F0502020204030204" pitchFamily="34" charset="0"/>
+                        <a:ea typeface="Calibri" panose="020F0502020204030204" pitchFamily="34" charset="0"/>
+                        <a:cs typeface="Times New Roman" panose="02020603050405020304" pitchFamily="18" charset="0"/>
+                      </a:endParaRPr>
+                    </a:p>
+                  </a:txBody>
+                  <a:tcPr marL="68580" marR="68580" marT="0" marB="0"/>
+                </a:tc>
+                <a:tc>
+                  <a:txBody>
+                    <a:bodyPr/>
+                    <a:lstStyle/>
+                    <a:p>
+                      <a:pPr algn="just">
+                        <a:spcAft>
+                          <a:spcPts val="0"/>
+                        </a:spcAft>
+                      </a:pPr>
+                      <a:r>
+                        <a:rPr lang="es-ES_tradnl" sz="1600" dirty="0">
+                          <a:effectLst/>
+                          <a:latin typeface="Calibri" panose="020F0502020204030204" pitchFamily="34" charset="0"/>
+                        </a:rPr>
+                        <a:t>Abandono de personal del equipo.</a:t>
+                      </a:r>
+                      <a:endParaRPr lang="es-CL" sz="1600" dirty="0">
+                        <a:solidFill>
+                          <a:srgbClr val="2E74B5"/>
+                        </a:solidFill>
+                        <a:effectLst/>
+                        <a:latin typeface="Calibri" panose="020F0502020204030204" pitchFamily="34" charset="0"/>
+                        <a:ea typeface="Calibri" panose="020F0502020204030204" pitchFamily="34" charset="0"/>
+                        <a:cs typeface="Times New Roman" panose="02020603050405020304" pitchFamily="18" charset="0"/>
+                      </a:endParaRPr>
+                    </a:p>
+                  </a:txBody>
+                  <a:tcPr marL="68580" marR="68580" marT="0" marB="0"/>
+                </a:tc>
+                <a:tc>
+                  <a:txBody>
+                    <a:bodyPr/>
+                    <a:lstStyle/>
+                    <a:p>
+                      <a:pPr>
+                        <a:spcAft>
+                          <a:spcPts val="0"/>
+                        </a:spcAft>
+                      </a:pPr>
+                      <a:r>
+                        <a:rPr lang="es-ES_tradnl" sz="1600" dirty="0">
+                          <a:effectLst/>
+                          <a:latin typeface="Calibri" panose="020F0502020204030204" pitchFamily="34" charset="0"/>
+                        </a:rPr>
+                        <a:t>Cambio de empresa, enfermedad, vacaciones, entre otros.</a:t>
+                      </a:r>
+                      <a:endParaRPr lang="es-CL" sz="1600" dirty="0">
+                        <a:solidFill>
+                          <a:srgbClr val="2E74B5"/>
+                        </a:solidFill>
+                        <a:effectLst/>
+                        <a:latin typeface="Calibri" panose="020F0502020204030204" pitchFamily="34" charset="0"/>
+                        <a:ea typeface="Calibri" panose="020F0502020204030204" pitchFamily="34" charset="0"/>
+                        <a:cs typeface="Times New Roman" panose="02020603050405020304" pitchFamily="18" charset="0"/>
+                      </a:endParaRPr>
+                    </a:p>
+                  </a:txBody>
+                  <a:tcPr marL="68580" marR="68580" marT="0" marB="0"/>
+                </a:tc>
+                <a:extLst>
+                  <a:ext uri="{0D108BD9-81ED-4DB2-BD59-A6C34878D82A}">
+                    <a16:rowId xmlns:a16="http://schemas.microsoft.com/office/drawing/2014/main" val="1477714908"/>
+                  </a:ext>
+                </a:extLst>
+              </a:tr>
+              <a:tr h="755039">
+                <a:tc>
+                  <a:txBody>
+                    <a:bodyPr/>
+                    <a:lstStyle/>
+                    <a:p>
+                      <a:pPr algn="just">
+                        <a:spcAft>
+                          <a:spcPts val="0"/>
+                        </a:spcAft>
+                      </a:pPr>
+                      <a:r>
+                        <a:rPr lang="es-ES_tradnl" sz="1600" dirty="0">
+                          <a:effectLst/>
+                          <a:latin typeface="Calibri" panose="020F0502020204030204" pitchFamily="34" charset="0"/>
+                        </a:rPr>
+                        <a:t>R002</a:t>
+                      </a:r>
+                      <a:endParaRPr lang="es-CL" sz="1600" dirty="0">
+                        <a:solidFill>
+                          <a:srgbClr val="2E74B5"/>
+                        </a:solidFill>
+                        <a:effectLst/>
+                        <a:latin typeface="Calibri" panose="020F0502020204030204" pitchFamily="34" charset="0"/>
+                        <a:ea typeface="Calibri" panose="020F0502020204030204" pitchFamily="34" charset="0"/>
+                        <a:cs typeface="Times New Roman" panose="02020603050405020304" pitchFamily="18" charset="0"/>
+                      </a:endParaRPr>
+                    </a:p>
+                  </a:txBody>
+                  <a:tcPr marL="68580" marR="68580" marT="0" marB="0"/>
+                </a:tc>
+                <a:tc>
+                  <a:txBody>
+                    <a:bodyPr/>
+                    <a:lstStyle/>
+                    <a:p>
+                      <a:pPr algn="just">
+                        <a:spcAft>
+                          <a:spcPts val="0"/>
+                        </a:spcAft>
+                      </a:pPr>
+                      <a:r>
+                        <a:rPr lang="es-ES_tradnl" sz="1600" dirty="0">
+                          <a:effectLst/>
+                          <a:latin typeface="Calibri" panose="020F0502020204030204" pitchFamily="34" charset="0"/>
+                        </a:rPr>
+                        <a:t>Desviación del software esperado por el cliente al realizado</a:t>
+                      </a:r>
+                      <a:endParaRPr lang="es-CL" sz="1600" dirty="0">
+                        <a:solidFill>
+                          <a:srgbClr val="2E74B5"/>
+                        </a:solidFill>
+                        <a:effectLst/>
+                        <a:latin typeface="Calibri" panose="020F0502020204030204" pitchFamily="34" charset="0"/>
+                        <a:ea typeface="Calibri" panose="020F0502020204030204" pitchFamily="34" charset="0"/>
+                        <a:cs typeface="Times New Roman" panose="02020603050405020304" pitchFamily="18" charset="0"/>
+                      </a:endParaRPr>
+                    </a:p>
+                  </a:txBody>
+                  <a:tcPr marL="68580" marR="68580" marT="0" marB="0"/>
+                </a:tc>
+                <a:tc>
+                  <a:txBody>
+                    <a:bodyPr/>
+                    <a:lstStyle/>
+                    <a:p>
+                      <a:pPr algn="just">
+                        <a:spcAft>
+                          <a:spcPts val="0"/>
+                        </a:spcAft>
+                      </a:pPr>
+                      <a:r>
+                        <a:rPr lang="es-ES_tradnl" sz="1600" dirty="0">
+                          <a:effectLst/>
+                          <a:latin typeface="Calibri" panose="020F0502020204030204" pitchFamily="34" charset="0"/>
+                        </a:rPr>
+                        <a:t>Mala comprensión de la visión del cliente</a:t>
+                      </a:r>
+                      <a:endParaRPr lang="es-CL" sz="1600" dirty="0">
+                        <a:solidFill>
+                          <a:srgbClr val="2E74B5"/>
+                        </a:solidFill>
+                        <a:effectLst/>
+                        <a:latin typeface="Calibri" panose="020F0502020204030204" pitchFamily="34" charset="0"/>
+                        <a:ea typeface="Calibri" panose="020F0502020204030204" pitchFamily="34" charset="0"/>
+                        <a:cs typeface="Times New Roman" panose="02020603050405020304" pitchFamily="18" charset="0"/>
+                      </a:endParaRPr>
+                    </a:p>
+                  </a:txBody>
+                  <a:tcPr marL="68580" marR="68580" marT="0" marB="0"/>
+                </a:tc>
+                <a:extLst>
+                  <a:ext uri="{0D108BD9-81ED-4DB2-BD59-A6C34878D82A}">
+                    <a16:rowId xmlns:a16="http://schemas.microsoft.com/office/drawing/2014/main" val="597330488"/>
+                  </a:ext>
+                </a:extLst>
+              </a:tr>
+              <a:tr h="503360">
+                <a:tc>
+                  <a:txBody>
+                    <a:bodyPr/>
+                    <a:lstStyle/>
+                    <a:p>
+                      <a:pPr>
+                        <a:spcAft>
+                          <a:spcPts val="0"/>
+                        </a:spcAft>
+                      </a:pPr>
+                      <a:r>
+                        <a:rPr lang="es-ES_tradnl" sz="1600" dirty="0">
+                          <a:effectLst/>
+                          <a:latin typeface="Calibri" panose="020F0502020204030204" pitchFamily="34" charset="0"/>
+                        </a:rPr>
+                        <a:t>R003</a:t>
+                      </a:r>
+                      <a:endParaRPr lang="es-CL" sz="1600" dirty="0">
+                        <a:solidFill>
+                          <a:srgbClr val="2E74B5"/>
+                        </a:solidFill>
+                        <a:effectLst/>
+                        <a:latin typeface="Calibri" panose="020F0502020204030204" pitchFamily="34" charset="0"/>
+                        <a:ea typeface="Calibri" panose="020F0502020204030204" pitchFamily="34" charset="0"/>
+                        <a:cs typeface="Times New Roman" panose="02020603050405020304" pitchFamily="18" charset="0"/>
+                      </a:endParaRPr>
+                    </a:p>
+                  </a:txBody>
+                  <a:tcPr marL="68580" marR="68580" marT="0" marB="0"/>
+                </a:tc>
+                <a:tc>
+                  <a:txBody>
+                    <a:bodyPr/>
+                    <a:lstStyle/>
+                    <a:p>
+                      <a:pPr algn="just">
+                        <a:spcAft>
+                          <a:spcPts val="0"/>
+                        </a:spcAft>
+                      </a:pPr>
+                      <a:r>
+                        <a:rPr lang="es-ES_tradnl" sz="1600" dirty="0">
+                          <a:effectLst/>
+                          <a:latin typeface="Calibri" panose="020F0502020204030204" pitchFamily="34" charset="0"/>
+                        </a:rPr>
+                        <a:t>Se acaba el presupuesto económico para el desarrollo</a:t>
+                      </a:r>
+                      <a:endParaRPr lang="es-CL" sz="1600" dirty="0">
+                        <a:solidFill>
+                          <a:srgbClr val="2E74B5"/>
+                        </a:solidFill>
+                        <a:effectLst/>
+                        <a:latin typeface="Calibri" panose="020F0502020204030204" pitchFamily="34" charset="0"/>
+                        <a:ea typeface="Calibri" panose="020F0502020204030204" pitchFamily="34" charset="0"/>
+                        <a:cs typeface="Times New Roman" panose="02020603050405020304" pitchFamily="18" charset="0"/>
+                      </a:endParaRPr>
+                    </a:p>
+                  </a:txBody>
+                  <a:tcPr marL="68580" marR="68580" marT="0" marB="0"/>
+                </a:tc>
+                <a:tc>
+                  <a:txBody>
+                    <a:bodyPr/>
+                    <a:lstStyle/>
+                    <a:p>
+                      <a:pPr algn="just">
+                        <a:spcAft>
+                          <a:spcPts val="0"/>
+                        </a:spcAft>
+                      </a:pPr>
+                      <a:r>
+                        <a:rPr lang="es-ES_tradnl" sz="1600" dirty="0">
+                          <a:effectLst/>
+                          <a:latin typeface="Calibri" panose="020F0502020204030204" pitchFamily="34" charset="0"/>
+                        </a:rPr>
+                        <a:t>Mala gestión del departamento financiero</a:t>
+                      </a:r>
+                      <a:endParaRPr lang="es-CL" sz="1600" dirty="0">
+                        <a:solidFill>
+                          <a:srgbClr val="2E74B5"/>
+                        </a:solidFill>
+                        <a:effectLst/>
+                        <a:latin typeface="Calibri" panose="020F0502020204030204" pitchFamily="34" charset="0"/>
+                        <a:ea typeface="Calibri" panose="020F0502020204030204" pitchFamily="34" charset="0"/>
+                        <a:cs typeface="Times New Roman" panose="02020603050405020304" pitchFamily="18" charset="0"/>
+                      </a:endParaRPr>
+                    </a:p>
+                  </a:txBody>
+                  <a:tcPr marL="68580" marR="68580" marT="0" marB="0"/>
+                </a:tc>
+                <a:extLst>
+                  <a:ext uri="{0D108BD9-81ED-4DB2-BD59-A6C34878D82A}">
+                    <a16:rowId xmlns:a16="http://schemas.microsoft.com/office/drawing/2014/main" val="1688239424"/>
+                  </a:ext>
+                </a:extLst>
+              </a:tr>
+              <a:tr h="755039">
+                <a:tc>
+                  <a:txBody>
+                    <a:bodyPr/>
+                    <a:lstStyle/>
+                    <a:p>
+                      <a:pPr>
+                        <a:spcAft>
+                          <a:spcPts val="0"/>
+                        </a:spcAft>
+                      </a:pPr>
+                      <a:r>
+                        <a:rPr lang="es-ES_tradnl" sz="1600" dirty="0">
+                          <a:effectLst/>
+                          <a:latin typeface="Calibri" panose="020F0502020204030204" pitchFamily="34" charset="0"/>
+                        </a:rPr>
+                        <a:t>R004</a:t>
+                      </a:r>
+                      <a:endParaRPr lang="es-CL" sz="1600" dirty="0">
+                        <a:solidFill>
+                          <a:srgbClr val="2E74B5"/>
+                        </a:solidFill>
+                        <a:effectLst/>
+                        <a:latin typeface="Calibri" panose="020F0502020204030204" pitchFamily="34" charset="0"/>
+                        <a:ea typeface="Calibri" panose="020F0502020204030204" pitchFamily="34" charset="0"/>
+                        <a:cs typeface="Times New Roman" panose="02020603050405020304" pitchFamily="18" charset="0"/>
+                      </a:endParaRPr>
+                    </a:p>
+                  </a:txBody>
+                  <a:tcPr marL="68580" marR="68580" marT="0" marB="0"/>
+                </a:tc>
+                <a:tc>
+                  <a:txBody>
+                    <a:bodyPr/>
+                    <a:lstStyle/>
+                    <a:p>
+                      <a:pPr algn="just">
+                        <a:spcAft>
+                          <a:spcPts val="0"/>
+                        </a:spcAft>
+                      </a:pPr>
+                      <a:r>
+                        <a:rPr lang="es-ES_tradnl" sz="1600" dirty="0">
+                          <a:effectLst/>
+                          <a:latin typeface="Calibri" panose="020F0502020204030204" pitchFamily="34" charset="0"/>
+                        </a:rPr>
+                        <a:t>Retraso en la adquisición, entrega e instalación de equipos.</a:t>
+                      </a:r>
+                      <a:endParaRPr lang="es-CL" sz="1600" dirty="0">
+                        <a:solidFill>
+                          <a:srgbClr val="2E74B5"/>
+                        </a:solidFill>
+                        <a:effectLst/>
+                        <a:latin typeface="Calibri" panose="020F0502020204030204" pitchFamily="34" charset="0"/>
+                        <a:ea typeface="Calibri" panose="020F0502020204030204" pitchFamily="34" charset="0"/>
+                        <a:cs typeface="Times New Roman" panose="02020603050405020304" pitchFamily="18" charset="0"/>
+                      </a:endParaRPr>
+                    </a:p>
+                  </a:txBody>
+                  <a:tcPr marL="68580" marR="68580" marT="0" marB="0"/>
+                </a:tc>
+                <a:tc>
+                  <a:txBody>
+                    <a:bodyPr/>
+                    <a:lstStyle/>
+                    <a:p>
+                      <a:pPr algn="just">
+                        <a:spcAft>
+                          <a:spcPts val="0"/>
+                        </a:spcAft>
+                      </a:pPr>
+                      <a:r>
+                        <a:rPr lang="es-ES_tradnl" sz="1600" dirty="0">
+                          <a:effectLst/>
+                          <a:latin typeface="Calibri" panose="020F0502020204030204" pitchFamily="34" charset="0"/>
+                        </a:rPr>
+                        <a:t>Lentitud en entrega</a:t>
+                      </a:r>
+                      <a:endParaRPr lang="es-CL" sz="1600" dirty="0">
+                        <a:solidFill>
+                          <a:srgbClr val="2E74B5"/>
+                        </a:solidFill>
+                        <a:effectLst/>
+                        <a:latin typeface="Calibri" panose="020F0502020204030204" pitchFamily="34" charset="0"/>
+                        <a:ea typeface="Calibri" panose="020F0502020204030204" pitchFamily="34" charset="0"/>
+                        <a:cs typeface="Times New Roman" panose="02020603050405020304" pitchFamily="18" charset="0"/>
+                      </a:endParaRPr>
+                    </a:p>
+                  </a:txBody>
+                  <a:tcPr marL="68580" marR="68580" marT="0" marB="0"/>
+                </a:tc>
+                <a:extLst>
+                  <a:ext uri="{0D108BD9-81ED-4DB2-BD59-A6C34878D82A}">
+                    <a16:rowId xmlns:a16="http://schemas.microsoft.com/office/drawing/2014/main" val="1946153587"/>
+                  </a:ext>
+                </a:extLst>
+              </a:tr>
+              <a:tr h="755039">
+                <a:tc>
+                  <a:txBody>
+                    <a:bodyPr/>
+                    <a:lstStyle/>
+                    <a:p>
+                      <a:pPr>
+                        <a:spcAft>
+                          <a:spcPts val="0"/>
+                        </a:spcAft>
+                      </a:pPr>
+                      <a:r>
+                        <a:rPr lang="es-ES_tradnl" sz="1600" dirty="0">
+                          <a:effectLst/>
+                          <a:latin typeface="Calibri" panose="020F0502020204030204" pitchFamily="34" charset="0"/>
+                        </a:rPr>
+                        <a:t>R005</a:t>
+                      </a:r>
+                      <a:endParaRPr lang="es-CL" sz="1600" dirty="0">
+                        <a:solidFill>
+                          <a:srgbClr val="2E74B5"/>
+                        </a:solidFill>
+                        <a:effectLst/>
+                        <a:latin typeface="Calibri" panose="020F0502020204030204" pitchFamily="34" charset="0"/>
+                        <a:ea typeface="Calibri" panose="020F0502020204030204" pitchFamily="34" charset="0"/>
+                        <a:cs typeface="Times New Roman" panose="02020603050405020304" pitchFamily="18" charset="0"/>
+                      </a:endParaRPr>
+                    </a:p>
+                  </a:txBody>
+                  <a:tcPr marL="68580" marR="68580" marT="0" marB="0"/>
+                </a:tc>
+                <a:tc>
+                  <a:txBody>
+                    <a:bodyPr/>
+                    <a:lstStyle/>
+                    <a:p>
+                      <a:pPr algn="just">
+                        <a:spcAft>
+                          <a:spcPts val="0"/>
+                        </a:spcAft>
+                      </a:pPr>
+                      <a:r>
+                        <a:rPr lang="es-ES_tradnl" sz="1600" dirty="0">
+                          <a:effectLst/>
+                          <a:latin typeface="Calibri" panose="020F0502020204030204" pitchFamily="34" charset="0"/>
+                        </a:rPr>
+                        <a:t>Mal uso del producto de software</a:t>
+                      </a:r>
+                      <a:endParaRPr lang="es-CL" sz="1600" dirty="0">
+                        <a:solidFill>
+                          <a:srgbClr val="2E74B5"/>
+                        </a:solidFill>
+                        <a:effectLst/>
+                        <a:latin typeface="Calibri" panose="020F0502020204030204" pitchFamily="34" charset="0"/>
+                        <a:ea typeface="Calibri" panose="020F0502020204030204" pitchFamily="34" charset="0"/>
+                        <a:cs typeface="Times New Roman" panose="02020603050405020304" pitchFamily="18" charset="0"/>
+                      </a:endParaRPr>
+                    </a:p>
+                  </a:txBody>
+                  <a:tcPr marL="68580" marR="68580" marT="0" marB="0"/>
+                </a:tc>
+                <a:tc>
+                  <a:txBody>
+                    <a:bodyPr/>
+                    <a:lstStyle/>
+                    <a:p>
+                      <a:pPr algn="just">
+                        <a:spcAft>
+                          <a:spcPts val="0"/>
+                        </a:spcAft>
+                      </a:pPr>
+                      <a:r>
+                        <a:rPr lang="es-ES_tradnl" sz="1600" dirty="0">
+                          <a:effectLst/>
+                          <a:latin typeface="Calibri" panose="020F0502020204030204" pitchFamily="34" charset="0"/>
+                        </a:rPr>
+                        <a:t>Poca claridad en la capacitación de los usuarios por parte de la persona que enseñará el uso</a:t>
+                      </a:r>
+                      <a:endParaRPr lang="es-CL" sz="1600" dirty="0">
+                        <a:solidFill>
+                          <a:srgbClr val="2E74B5"/>
+                        </a:solidFill>
+                        <a:effectLst/>
+                        <a:latin typeface="Calibri" panose="020F0502020204030204" pitchFamily="34" charset="0"/>
+                        <a:ea typeface="Calibri" panose="020F0502020204030204" pitchFamily="34" charset="0"/>
+                        <a:cs typeface="Times New Roman" panose="02020603050405020304" pitchFamily="18" charset="0"/>
+                      </a:endParaRPr>
+                    </a:p>
+                  </a:txBody>
+                  <a:tcPr marL="68580" marR="68580" marT="0" marB="0"/>
+                </a:tc>
+                <a:extLst>
+                  <a:ext uri="{0D108BD9-81ED-4DB2-BD59-A6C34878D82A}">
+                    <a16:rowId xmlns:a16="http://schemas.microsoft.com/office/drawing/2014/main" val="2149181052"/>
+                  </a:ext>
+                </a:extLst>
+              </a:tr>
+              <a:tr h="503360">
+                <a:tc>
+                  <a:txBody>
+                    <a:bodyPr/>
+                    <a:lstStyle/>
+                    <a:p>
+                      <a:pPr>
+                        <a:spcAft>
+                          <a:spcPts val="0"/>
+                        </a:spcAft>
+                      </a:pPr>
+                      <a:r>
+                        <a:rPr lang="es-ES_tradnl" sz="1600" dirty="0">
+                          <a:effectLst/>
+                          <a:latin typeface="Calibri" panose="020F0502020204030204" pitchFamily="34" charset="0"/>
+                        </a:rPr>
+                        <a:t>R006</a:t>
+                      </a:r>
+                      <a:endParaRPr lang="es-CL" sz="1600" dirty="0">
+                        <a:solidFill>
+                          <a:srgbClr val="2E74B5"/>
+                        </a:solidFill>
+                        <a:effectLst/>
+                        <a:latin typeface="Calibri" panose="020F0502020204030204" pitchFamily="34" charset="0"/>
+                        <a:ea typeface="Calibri" panose="020F0502020204030204" pitchFamily="34" charset="0"/>
+                        <a:cs typeface="Times New Roman" panose="02020603050405020304" pitchFamily="18" charset="0"/>
+                      </a:endParaRPr>
+                    </a:p>
+                  </a:txBody>
+                  <a:tcPr marL="68580" marR="68580" marT="0" marB="0"/>
+                </a:tc>
+                <a:tc>
+                  <a:txBody>
+                    <a:bodyPr/>
+                    <a:lstStyle/>
+                    <a:p>
+                      <a:pPr algn="just">
+                        <a:spcAft>
+                          <a:spcPts val="0"/>
+                        </a:spcAft>
+                      </a:pPr>
+                      <a:r>
+                        <a:rPr lang="es-ES_tradnl" sz="1600" dirty="0">
+                          <a:effectLst/>
+                          <a:latin typeface="Calibri" panose="020F0502020204030204" pitchFamily="34" charset="0"/>
+                        </a:rPr>
+                        <a:t>Fallo en la carga inicial de los datos en la base de datos</a:t>
+                      </a:r>
+                      <a:endParaRPr lang="es-CL" sz="1600" dirty="0">
+                        <a:solidFill>
+                          <a:srgbClr val="2E74B5"/>
+                        </a:solidFill>
+                        <a:effectLst/>
+                        <a:latin typeface="Calibri" panose="020F0502020204030204" pitchFamily="34" charset="0"/>
+                        <a:ea typeface="Calibri" panose="020F0502020204030204" pitchFamily="34" charset="0"/>
+                        <a:cs typeface="Times New Roman" panose="02020603050405020304" pitchFamily="18" charset="0"/>
+                      </a:endParaRPr>
+                    </a:p>
+                  </a:txBody>
+                  <a:tcPr marL="68580" marR="68580" marT="0" marB="0"/>
+                </a:tc>
+                <a:tc>
+                  <a:txBody>
+                    <a:bodyPr/>
+                    <a:lstStyle/>
+                    <a:p>
+                      <a:pPr algn="just">
+                        <a:spcAft>
+                          <a:spcPts val="0"/>
+                        </a:spcAft>
+                      </a:pPr>
+                      <a:r>
+                        <a:rPr lang="es-ES_tradnl" sz="1600" dirty="0">
+                          <a:effectLst/>
+                          <a:latin typeface="Calibri" panose="020F0502020204030204" pitchFamily="34" charset="0"/>
+                        </a:rPr>
+                        <a:t>Inconsistencia omitidas en los datos</a:t>
+                      </a:r>
+                      <a:endParaRPr lang="es-CL" sz="1600" dirty="0">
+                        <a:solidFill>
+                          <a:srgbClr val="2E74B5"/>
+                        </a:solidFill>
+                        <a:effectLst/>
+                        <a:latin typeface="Calibri" panose="020F0502020204030204" pitchFamily="34" charset="0"/>
+                        <a:ea typeface="Calibri" panose="020F0502020204030204" pitchFamily="34" charset="0"/>
+                        <a:cs typeface="Times New Roman" panose="02020603050405020304" pitchFamily="18" charset="0"/>
+                      </a:endParaRPr>
+                    </a:p>
+                  </a:txBody>
+                  <a:tcPr marL="68580" marR="68580" marT="0" marB="0"/>
+                </a:tc>
+                <a:extLst>
+                  <a:ext uri="{0D108BD9-81ED-4DB2-BD59-A6C34878D82A}">
+                    <a16:rowId xmlns:a16="http://schemas.microsoft.com/office/drawing/2014/main" val="3336538697"/>
+                  </a:ext>
+                </a:extLst>
+              </a:tr>
+            </a:tbl>
+          </a:graphicData>
+        </a:graphic>
+      </p:graphicFrame>
+      <p:sp>
+        <p:nvSpPr>
+          <p:cNvPr id="7" name="Content Placeholder 2"/>
+          <p:cNvSpPr txBox="1">
+            <a:spLocks/>
+          </p:cNvSpPr>
+          <p:nvPr/>
+        </p:nvSpPr>
+        <p:spPr>
+          <a:xfrm>
+            <a:off x="531639" y="2268085"/>
+            <a:ext cx="6887389" cy="3599316"/>
+          </a:xfrm>
+          <a:prstGeom prst="rect">
+            <a:avLst/>
+          </a:prstGeom>
+        </p:spPr>
+        <p:txBody>
+          <a:bodyPr vert="horz" lIns="91440" tIns="45720" rIns="91440" bIns="45720" rtlCol="0">
+            <a:normAutofit/>
+          </a:bodyPr>
+          <a:lstStyle>
+            <a:lvl1pPr marL="228600" indent="-228600" algn="l" defTabSz="914400" rtl="0" eaLnBrk="1" latinLnBrk="0" hangingPunct="1">
+              <a:lnSpc>
+                <a:spcPct val="90000"/>
+              </a:lnSpc>
+              <a:spcBef>
+                <a:spcPts val="1000"/>
+              </a:spcBef>
+              <a:buFont typeface="Arial" panose="020B0604020202020204" pitchFamily="34" charset="0"/>
+              <a:buChar char="•"/>
+              <a:defRPr sz="2400" kern="1200">
+                <a:solidFill>
+                  <a:schemeClr val="tx1"/>
+                </a:solidFill>
+                <a:latin typeface="+mn-lt"/>
+                <a:ea typeface="+mn-ea"/>
+                <a:cs typeface="+mn-cs"/>
+              </a:defRPr>
+            </a:lvl1pPr>
+            <a:lvl2pPr marL="685800" indent="-228600" algn="l" defTabSz="914400" rtl="0" eaLnBrk="1" latinLnBrk="0" hangingPunct="1">
+              <a:lnSpc>
+                <a:spcPct val="90000"/>
+              </a:lnSpc>
+              <a:spcBef>
+                <a:spcPts val="500"/>
+              </a:spcBef>
+              <a:buFont typeface="Arial" panose="020B0604020202020204" pitchFamily="34" charset="0"/>
+              <a:buChar char="•"/>
+              <a:defRPr sz="2000" kern="1200">
+                <a:solidFill>
+                  <a:schemeClr val="tx1"/>
+                </a:solidFill>
+                <a:latin typeface="+mn-lt"/>
+                <a:ea typeface="+mn-ea"/>
+                <a:cs typeface="+mn-cs"/>
+              </a:defRPr>
+            </a:lvl2pPr>
+            <a:lvl3pPr marL="1143000" indent="-228600" algn="l" defTabSz="914400" rtl="0" eaLnBrk="1" latinLnBrk="0" hangingPunct="1">
+              <a:lnSpc>
+                <a:spcPct val="90000"/>
+              </a:lnSpc>
+              <a:spcBef>
+                <a:spcPts val="500"/>
+              </a:spcBef>
+              <a:buFont typeface="Arial" panose="020B0604020202020204" pitchFamily="34" charset="0"/>
+              <a:buChar char="•"/>
+              <a:defRPr sz="1800" kern="1200">
+                <a:solidFill>
+                  <a:schemeClr val="tx1"/>
+                </a:solidFill>
+                <a:latin typeface="+mn-lt"/>
+                <a:ea typeface="+mn-ea"/>
+                <a:cs typeface="+mn-cs"/>
+              </a:defRPr>
+            </a:lvl3pPr>
+            <a:lvl4pPr marL="1600200" indent="-228600" algn="l" defTabSz="914400" rtl="0" eaLnBrk="1" latinLnBrk="0" hangingPunct="1">
+              <a:lnSpc>
+                <a:spcPct val="90000"/>
+              </a:lnSpc>
+              <a:spcBef>
+                <a:spcPts val="500"/>
+              </a:spcBef>
+              <a:buFont typeface="Arial" panose="020B0604020202020204" pitchFamily="34" charset="0"/>
+              <a:buChar char="•"/>
+              <a:defRPr sz="1600" kern="1200">
+                <a:solidFill>
+                  <a:schemeClr val="tx1"/>
+                </a:solidFill>
+                <a:latin typeface="+mn-lt"/>
+                <a:ea typeface="+mn-ea"/>
+                <a:cs typeface="+mn-cs"/>
+              </a:defRPr>
+            </a:lvl4pPr>
+            <a:lvl5pPr marL="2057400" indent="-228600" algn="l" defTabSz="914400" rtl="0" eaLnBrk="1" latinLnBrk="0" hangingPunct="1">
+              <a:lnSpc>
+                <a:spcPct val="90000"/>
+              </a:lnSpc>
+              <a:spcBef>
+                <a:spcPts val="500"/>
+              </a:spcBef>
+              <a:buFont typeface="Arial" panose="020B0604020202020204" pitchFamily="34" charset="0"/>
+              <a:buChar char="•"/>
+              <a:defRPr sz="1600" kern="1200">
+                <a:solidFill>
+                  <a:schemeClr val="tx1"/>
+                </a:solidFill>
+                <a:latin typeface="+mn-lt"/>
+                <a:ea typeface="+mn-ea"/>
+                <a:cs typeface="+mn-cs"/>
+              </a:defRPr>
+            </a:lvl5pPr>
+            <a:lvl6pPr marL="2514600" indent="-228600" algn="l" defTabSz="914400" rtl="0" eaLnBrk="1" latinLnBrk="0" hangingPunct="1">
+              <a:lnSpc>
+                <a:spcPct val="90000"/>
+              </a:lnSpc>
+              <a:spcBef>
+                <a:spcPts val="500"/>
+              </a:spcBef>
+              <a:buFont typeface="Arial" panose="020B0604020202020204" pitchFamily="34" charset="0"/>
+              <a:buChar char="•"/>
+              <a:defRPr sz="1400" kern="1200">
+                <a:solidFill>
+                  <a:schemeClr val="tx1"/>
+                </a:solidFill>
+                <a:latin typeface="+mn-lt"/>
+                <a:ea typeface="+mn-ea"/>
+                <a:cs typeface="+mn-cs"/>
+              </a:defRPr>
+            </a:lvl6pPr>
+            <a:lvl7pPr marL="2971800" indent="-228600" algn="l" defTabSz="914400" rtl="0" eaLnBrk="1" latinLnBrk="0" hangingPunct="1">
+              <a:lnSpc>
+                <a:spcPct val="90000"/>
+              </a:lnSpc>
+              <a:spcBef>
+                <a:spcPts val="500"/>
+              </a:spcBef>
+              <a:buFont typeface="Arial" panose="020B0604020202020204" pitchFamily="34" charset="0"/>
+              <a:buChar char="•"/>
+              <a:defRPr sz="1400" kern="1200">
+                <a:solidFill>
+                  <a:schemeClr val="tx1"/>
+                </a:solidFill>
+                <a:latin typeface="+mn-lt"/>
+                <a:ea typeface="+mn-ea"/>
+                <a:cs typeface="+mn-cs"/>
+              </a:defRPr>
+            </a:lvl7pPr>
+            <a:lvl8pPr marL="3429000" indent="-228600" algn="l" defTabSz="914400" rtl="0" eaLnBrk="1" latinLnBrk="0" hangingPunct="1">
+              <a:lnSpc>
+                <a:spcPct val="90000"/>
+              </a:lnSpc>
+              <a:spcBef>
+                <a:spcPts val="500"/>
+              </a:spcBef>
+              <a:buFont typeface="Arial" panose="020B0604020202020204" pitchFamily="34" charset="0"/>
+              <a:buChar char="•"/>
+              <a:defRPr sz="1400" kern="1200">
+                <a:solidFill>
+                  <a:schemeClr val="tx1"/>
+                </a:solidFill>
+                <a:latin typeface="+mn-lt"/>
+                <a:ea typeface="+mn-ea"/>
+                <a:cs typeface="+mn-cs"/>
+              </a:defRPr>
+            </a:lvl8pPr>
+            <a:lvl9pPr marL="3886200" indent="-228600" algn="l" defTabSz="914400" rtl="0" eaLnBrk="1" latinLnBrk="0" hangingPunct="1">
+              <a:lnSpc>
+                <a:spcPct val="90000"/>
+              </a:lnSpc>
+              <a:spcBef>
+                <a:spcPts val="500"/>
+              </a:spcBef>
+              <a:buFont typeface="Arial" panose="020B0604020202020204" pitchFamily="34" charset="0"/>
+              <a:buChar char="•"/>
+              <a:defRPr sz="1400" kern="1200">
+                <a:solidFill>
+                  <a:schemeClr val="tx1"/>
+                </a:solidFill>
+                <a:latin typeface="+mn-lt"/>
+                <a:ea typeface="+mn-ea"/>
+                <a:cs typeface="+mn-cs"/>
+              </a:defRPr>
+            </a:lvl9pPr>
+          </a:lstStyle>
+          <a:p>
+            <a:r>
+              <a:rPr lang="es-CL" dirty="0">
+                <a:latin typeface="Calibri" panose="020F0502020204030204" pitchFamily="34" charset="0"/>
+              </a:rPr>
+              <a:t>Identificación de riesgos</a:t>
+            </a:r>
+          </a:p>
+        </p:txBody>
+      </p:sp>
+    </p:spTree>
+    <p:extLst>
+      <p:ext uri="{BB962C8B-B14F-4D97-AF65-F5344CB8AC3E}">
+        <p14:creationId xmlns:p14="http://schemas.microsoft.com/office/powerpoint/2010/main" val="1195647531"/>
+      </p:ext>
+    </p:extLst>
+  </p:cSld>
+  <p:clrMapOvr>
+    <a:masterClrMapping/>
+  </p:clrMapOvr>
+</p:sld>
+</file>
+
+<file path=ppt/slides/slide59.xml><?xml version="1.0" encoding="utf-8"?>
+<p:sld xmlns:a="http://schemas.openxmlformats.org/drawingml/2006/main" xmlns:r="http://schemas.openxmlformats.org/officeDocument/2006/relationships" xmlns:p="http://schemas.openxmlformats.org/presentationml/2006/main">
+  <p:cSld>
+    <p:spTree>
+      <p:nvGrpSpPr>
+        <p:cNvPr id="1" name=""/>
+        <p:cNvGrpSpPr/>
+        <p:nvPr/>
+      </p:nvGrpSpPr>
+      <p:grpSpPr>
+        <a:xfrm>
+          <a:off x="0" y="0"/>
+          <a:ext cx="0" cy="0"/>
+          <a:chOff x="0" y="0"/>
+          <a:chExt cx="0" cy="0"/>
+        </a:xfrm>
+      </p:grpSpPr>
+      <p:sp>
+        <p:nvSpPr>
+          <p:cNvPr id="2" name="Title 1"/>
+          <p:cNvSpPr>
+            <a:spLocks noGrp="1"/>
+          </p:cNvSpPr>
+          <p:nvPr>
+            <p:ph type="title"/>
+          </p:nvPr>
+        </p:nvSpPr>
+        <p:spPr/>
+        <p:txBody>
+          <a:bodyPr/>
+          <a:lstStyle/>
+          <a:p>
+            <a:r>
+              <a:rPr lang="es-CL" dirty="0"/>
+              <a:t>Gestión de riesgos</a:t>
+            </a:r>
+          </a:p>
+        </p:txBody>
+      </p:sp>
+      <p:pic>
+        <p:nvPicPr>
+          <p:cNvPr id="2050" name="Picture 2" descr="Resultado de imagen para duoc"/>
+          <p:cNvPicPr>
+            <a:picLocks noChangeAspect="1" noChangeArrowheads="1"/>
+          </p:cNvPicPr>
+          <p:nvPr/>
+        </p:nvPicPr>
+        <p:blipFill>
+          <a:blip r:embed="rId2">
+            <a:extLst>
+              <a:ext uri="{28A0092B-C50C-407E-A947-70E740481C1C}">
+                <a14:useLocalDpi xmlns:a14="http://schemas.microsoft.com/office/drawing/2010/main" val="0"/>
+              </a:ext>
+            </a:extLst>
+          </a:blip>
+          <a:srcRect/>
+          <a:stretch>
+            <a:fillRect/>
+          </a:stretch>
+        </p:blipFill>
+        <p:spPr bwMode="auto">
+          <a:xfrm>
+            <a:off x="7770945" y="599455"/>
+            <a:ext cx="1373055" cy="307545"/>
+          </a:xfrm>
+          <a:prstGeom prst="rect">
+            <a:avLst/>
+          </a:prstGeom>
+          <a:noFill/>
+          <a:extLst>
+            <a:ext uri="{909E8E84-426E-40DD-AFC4-6F175D3DCCD1}">
+              <a14:hiddenFill xmlns:a14="http://schemas.microsoft.com/office/drawing/2010/main">
+                <a:solidFill>
+                  <a:srgbClr val="FFFFFF"/>
+                </a:solidFill>
+              </a14:hiddenFill>
+            </a:ext>
+          </a:extLst>
+        </p:spPr>
+      </p:pic>
+      <p:sp>
+        <p:nvSpPr>
+          <p:cNvPr id="5" name="Slide Number Placeholder 4"/>
+          <p:cNvSpPr>
+            <a:spLocks noGrp="1"/>
+          </p:cNvSpPr>
+          <p:nvPr>
+            <p:ph type="sldNum" sz="quarter" idx="12"/>
+          </p:nvPr>
+        </p:nvSpPr>
+        <p:spPr/>
+        <p:txBody>
+          <a:bodyPr/>
+          <a:lstStyle/>
+          <a:p>
+            <a:pPr algn="ctr"/>
+            <a:fld id="{82B5D99C-3243-4CCA-89CF-846763E29181}" type="slidenum">
+              <a:rPr lang="es-CL" smtClean="0"/>
+              <a:pPr algn="ctr"/>
+              <a:t>59</a:t>
+            </a:fld>
+            <a:endParaRPr lang="es-CL" dirty="0"/>
+          </a:p>
+        </p:txBody>
+      </p:sp>
+      <p:sp>
+        <p:nvSpPr>
+          <p:cNvPr id="8" name="Content Placeholder 2"/>
+          <p:cNvSpPr>
+            <a:spLocks noGrp="1"/>
+          </p:cNvSpPr>
+          <p:nvPr>
+            <p:ph idx="1"/>
+          </p:nvPr>
+        </p:nvSpPr>
+        <p:spPr>
+          <a:xfrm>
+            <a:off x="531639" y="2268085"/>
+            <a:ext cx="6887389" cy="3599316"/>
+          </a:xfrm>
+        </p:spPr>
+        <p:txBody>
+          <a:bodyPr/>
+          <a:lstStyle/>
+          <a:p>
+            <a:r>
+              <a:rPr lang="es-CL" dirty="0">
+                <a:latin typeface="Calibri" panose="020F0502020204030204" pitchFamily="34" charset="0"/>
+              </a:rPr>
+              <a:t>Monitoreo de riesgos</a:t>
+            </a:r>
+          </a:p>
+        </p:txBody>
+      </p:sp>
+      <p:graphicFrame>
+        <p:nvGraphicFramePr>
+          <p:cNvPr id="3" name="Table 2"/>
+          <p:cNvGraphicFramePr>
+            <a:graphicFrameLocks noGrp="1"/>
+          </p:cNvGraphicFramePr>
+          <p:nvPr>
+            <p:extLst>
+              <p:ext uri="{D42A27DB-BD31-4B8C-83A1-F6EECF244321}">
+                <p14:modId xmlns:p14="http://schemas.microsoft.com/office/powerpoint/2010/main" val="1495283994"/>
+              </p:ext>
+            </p:extLst>
+          </p:nvPr>
+        </p:nvGraphicFramePr>
+        <p:xfrm>
+          <a:off x="531639" y="3165230"/>
+          <a:ext cx="7733130" cy="3692770"/>
+        </p:xfrm>
+        <a:graphic>
+          <a:graphicData uri="http://schemas.openxmlformats.org/drawingml/2006/table">
+            <a:tbl>
+              <a:tblPr firstRow="1" firstCol="1" bandRow="1">
+                <a:tableStyleId>{5C22544A-7EE6-4342-B048-85BDC9FD1C3A}</a:tableStyleId>
+              </a:tblPr>
+              <a:tblGrid>
+                <a:gridCol w="1325352">
+                  <a:extLst>
+                    <a:ext uri="{9D8B030D-6E8A-4147-A177-3AD203B41FA5}">
+                      <a16:colId xmlns:a16="http://schemas.microsoft.com/office/drawing/2014/main" val="2993666740"/>
+                    </a:ext>
+                  </a:extLst>
+                </a:gridCol>
+                <a:gridCol w="6407778">
+                  <a:extLst>
+                    <a:ext uri="{9D8B030D-6E8A-4147-A177-3AD203B41FA5}">
+                      <a16:colId xmlns:a16="http://schemas.microsoft.com/office/drawing/2014/main" val="2118971616"/>
+                    </a:ext>
+                  </a:extLst>
+                </a:gridCol>
+              </a:tblGrid>
+              <a:tr h="671413">
+                <a:tc>
+                  <a:txBody>
+                    <a:bodyPr/>
+                    <a:lstStyle/>
+                    <a:p>
+                      <a:pPr>
+                        <a:spcAft>
+                          <a:spcPts val="0"/>
+                        </a:spcAft>
+                      </a:pPr>
+                      <a:r>
+                        <a:rPr lang="es-ES_tradnl" sz="2000" dirty="0">
+                          <a:effectLst/>
+                          <a:latin typeface="Calibri" panose="020F0502020204030204" pitchFamily="34" charset="0"/>
+                        </a:rPr>
+                        <a:t>Cód. Riesgo</a:t>
+                      </a:r>
+                      <a:endParaRPr lang="es-CL" sz="2000" dirty="0">
+                        <a:solidFill>
+                          <a:srgbClr val="2E74B5"/>
+                        </a:solidFill>
+                        <a:effectLst/>
+                        <a:latin typeface="Calibri" panose="020F0502020204030204" pitchFamily="34" charset="0"/>
+                        <a:ea typeface="Calibri" panose="020F0502020204030204" pitchFamily="34" charset="0"/>
+                        <a:cs typeface="Times New Roman" panose="02020603050405020304" pitchFamily="18" charset="0"/>
+                      </a:endParaRPr>
+                    </a:p>
+                  </a:txBody>
+                  <a:tcPr marL="68580" marR="68580" marT="0" marB="0"/>
+                </a:tc>
+                <a:tc>
+                  <a:txBody>
+                    <a:bodyPr/>
+                    <a:lstStyle/>
+                    <a:p>
+                      <a:pPr>
+                        <a:spcAft>
+                          <a:spcPts val="0"/>
+                        </a:spcAft>
+                      </a:pPr>
+                      <a:r>
+                        <a:rPr lang="es-ES_tradnl" sz="2000" dirty="0">
+                          <a:effectLst/>
+                          <a:latin typeface="Calibri" panose="020F0502020204030204" pitchFamily="34" charset="0"/>
+                        </a:rPr>
+                        <a:t>Método de monitoreo</a:t>
+                      </a:r>
+                      <a:endParaRPr lang="es-CL" sz="2000" dirty="0">
+                        <a:solidFill>
+                          <a:srgbClr val="2E74B5"/>
+                        </a:solidFill>
+                        <a:effectLst/>
+                        <a:latin typeface="Calibri" panose="020F0502020204030204" pitchFamily="34" charset="0"/>
+                        <a:ea typeface="Calibri" panose="020F0502020204030204" pitchFamily="34" charset="0"/>
+                        <a:cs typeface="Times New Roman" panose="02020603050405020304" pitchFamily="18" charset="0"/>
+                      </a:endParaRPr>
+                    </a:p>
+                  </a:txBody>
+                  <a:tcPr marL="68580" marR="68580" marT="0" marB="0"/>
+                </a:tc>
+                <a:extLst>
+                  <a:ext uri="{0D108BD9-81ED-4DB2-BD59-A6C34878D82A}">
+                    <a16:rowId xmlns:a16="http://schemas.microsoft.com/office/drawing/2014/main" val="1122596421"/>
+                  </a:ext>
+                </a:extLst>
+              </a:tr>
+              <a:tr h="335706">
+                <a:tc>
+                  <a:txBody>
+                    <a:bodyPr/>
+                    <a:lstStyle/>
+                    <a:p>
+                      <a:pPr>
+                        <a:spcAft>
+                          <a:spcPts val="0"/>
+                        </a:spcAft>
+                      </a:pPr>
+                      <a:r>
+                        <a:rPr lang="es-ES_tradnl" sz="2000" dirty="0">
+                          <a:effectLst/>
+                          <a:latin typeface="Calibri" panose="020F0502020204030204" pitchFamily="34" charset="0"/>
+                        </a:rPr>
+                        <a:t>R001</a:t>
+                      </a:r>
+                      <a:endParaRPr lang="es-CL" sz="2000" dirty="0">
+                        <a:solidFill>
+                          <a:srgbClr val="2E74B5"/>
+                        </a:solidFill>
+                        <a:effectLst/>
+                        <a:latin typeface="Calibri" panose="020F0502020204030204" pitchFamily="34" charset="0"/>
+                        <a:ea typeface="Calibri" panose="020F0502020204030204" pitchFamily="34" charset="0"/>
+                        <a:cs typeface="Times New Roman" panose="02020603050405020304" pitchFamily="18" charset="0"/>
+                      </a:endParaRPr>
+                    </a:p>
+                  </a:txBody>
+                  <a:tcPr marL="68580" marR="68580" marT="0" marB="0"/>
+                </a:tc>
+                <a:tc>
+                  <a:txBody>
+                    <a:bodyPr/>
+                    <a:lstStyle/>
+                    <a:p>
+                      <a:pPr>
+                        <a:spcAft>
+                          <a:spcPts val="0"/>
+                        </a:spcAft>
+                      </a:pPr>
+                      <a:r>
+                        <a:rPr lang="es-ES_tradnl" sz="2000" dirty="0">
+                          <a:effectLst/>
+                          <a:latin typeface="Calibri" panose="020F0502020204030204" pitchFamily="34" charset="0"/>
+                        </a:rPr>
+                        <a:t>Revisión de contratos de trabajadores</a:t>
+                      </a:r>
+                      <a:endParaRPr lang="es-CL" sz="2000" dirty="0">
+                        <a:solidFill>
+                          <a:srgbClr val="2E74B5"/>
+                        </a:solidFill>
+                        <a:effectLst/>
+                        <a:latin typeface="Calibri" panose="020F0502020204030204" pitchFamily="34" charset="0"/>
+                        <a:ea typeface="Calibri" panose="020F0502020204030204" pitchFamily="34" charset="0"/>
+                        <a:cs typeface="Times New Roman" panose="02020603050405020304" pitchFamily="18" charset="0"/>
+                      </a:endParaRPr>
+                    </a:p>
+                  </a:txBody>
+                  <a:tcPr marL="68580" marR="68580" marT="0" marB="0"/>
+                </a:tc>
+                <a:extLst>
+                  <a:ext uri="{0D108BD9-81ED-4DB2-BD59-A6C34878D82A}">
+                    <a16:rowId xmlns:a16="http://schemas.microsoft.com/office/drawing/2014/main" val="2545725903"/>
+                  </a:ext>
+                </a:extLst>
+              </a:tr>
+              <a:tr h="671413">
+                <a:tc>
+                  <a:txBody>
+                    <a:bodyPr/>
+                    <a:lstStyle/>
+                    <a:p>
+                      <a:pPr>
+                        <a:spcAft>
+                          <a:spcPts val="0"/>
+                        </a:spcAft>
+                      </a:pPr>
+                      <a:r>
+                        <a:rPr lang="es-ES_tradnl" sz="2000" dirty="0">
+                          <a:effectLst/>
+                          <a:latin typeface="Calibri" panose="020F0502020204030204" pitchFamily="34" charset="0"/>
+                        </a:rPr>
+                        <a:t>R002</a:t>
+                      </a:r>
+                      <a:endParaRPr lang="es-CL" sz="2000" dirty="0">
+                        <a:solidFill>
+                          <a:srgbClr val="2E74B5"/>
+                        </a:solidFill>
+                        <a:effectLst/>
+                        <a:latin typeface="Calibri" panose="020F0502020204030204" pitchFamily="34" charset="0"/>
+                        <a:ea typeface="Calibri" panose="020F0502020204030204" pitchFamily="34" charset="0"/>
+                        <a:cs typeface="Times New Roman" panose="02020603050405020304" pitchFamily="18" charset="0"/>
+                      </a:endParaRPr>
+                    </a:p>
+                  </a:txBody>
+                  <a:tcPr marL="68580" marR="68580" marT="0" marB="0"/>
+                </a:tc>
+                <a:tc>
+                  <a:txBody>
+                    <a:bodyPr/>
+                    <a:lstStyle/>
+                    <a:p>
+                      <a:pPr>
+                        <a:spcAft>
+                          <a:spcPts val="0"/>
+                        </a:spcAft>
+                      </a:pPr>
+                      <a:r>
+                        <a:rPr lang="es-ES_tradnl" sz="2000" dirty="0">
+                          <a:effectLst/>
+                          <a:latin typeface="Calibri" panose="020F0502020204030204" pitchFamily="34" charset="0"/>
+                        </a:rPr>
+                        <a:t>Reuniones constantes con el cliente y muestra del software</a:t>
+                      </a:r>
+                      <a:endParaRPr lang="es-CL" sz="2000" dirty="0">
+                        <a:solidFill>
+                          <a:srgbClr val="2E74B5"/>
+                        </a:solidFill>
+                        <a:effectLst/>
+                        <a:latin typeface="Calibri" panose="020F0502020204030204" pitchFamily="34" charset="0"/>
+                        <a:ea typeface="Calibri" panose="020F0502020204030204" pitchFamily="34" charset="0"/>
+                        <a:cs typeface="Times New Roman" panose="02020603050405020304" pitchFamily="18" charset="0"/>
+                      </a:endParaRPr>
+                    </a:p>
+                  </a:txBody>
+                  <a:tcPr marL="68580" marR="68580" marT="0" marB="0"/>
+                </a:tc>
+                <a:extLst>
+                  <a:ext uri="{0D108BD9-81ED-4DB2-BD59-A6C34878D82A}">
+                    <a16:rowId xmlns:a16="http://schemas.microsoft.com/office/drawing/2014/main" val="1842856218"/>
+                  </a:ext>
+                </a:extLst>
+              </a:tr>
+              <a:tr h="671413">
+                <a:tc>
+                  <a:txBody>
+                    <a:bodyPr/>
+                    <a:lstStyle/>
+                    <a:p>
+                      <a:pPr>
+                        <a:spcAft>
+                          <a:spcPts val="0"/>
+                        </a:spcAft>
+                      </a:pPr>
+                      <a:r>
+                        <a:rPr lang="es-ES_tradnl" sz="2000" dirty="0">
+                          <a:effectLst/>
+                          <a:latin typeface="Calibri" panose="020F0502020204030204" pitchFamily="34" charset="0"/>
+                        </a:rPr>
+                        <a:t>R003</a:t>
+                      </a:r>
+                      <a:endParaRPr lang="es-CL" sz="2000" dirty="0">
+                        <a:solidFill>
+                          <a:srgbClr val="2E74B5"/>
+                        </a:solidFill>
+                        <a:effectLst/>
+                        <a:latin typeface="Calibri" panose="020F0502020204030204" pitchFamily="34" charset="0"/>
+                        <a:ea typeface="Calibri" panose="020F0502020204030204" pitchFamily="34" charset="0"/>
+                        <a:cs typeface="Times New Roman" panose="02020603050405020304" pitchFamily="18" charset="0"/>
+                      </a:endParaRPr>
+                    </a:p>
+                  </a:txBody>
+                  <a:tcPr marL="68580" marR="68580" marT="0" marB="0"/>
+                </a:tc>
+                <a:tc>
+                  <a:txBody>
+                    <a:bodyPr/>
+                    <a:lstStyle/>
+                    <a:p>
+                      <a:pPr>
+                        <a:spcAft>
+                          <a:spcPts val="0"/>
+                        </a:spcAft>
+                      </a:pPr>
+                      <a:r>
+                        <a:rPr lang="es-ES_tradnl" sz="2000" dirty="0">
+                          <a:effectLst/>
+                          <a:latin typeface="Calibri" panose="020F0502020204030204" pitchFamily="34" charset="0"/>
+                        </a:rPr>
+                        <a:t>Calcular costos del proyecto y ver presupuesto actual </a:t>
+                      </a:r>
+                      <a:endParaRPr lang="es-CL" sz="2000" dirty="0">
+                        <a:solidFill>
+                          <a:srgbClr val="2E74B5"/>
+                        </a:solidFill>
+                        <a:effectLst/>
+                        <a:latin typeface="Calibri" panose="020F0502020204030204" pitchFamily="34" charset="0"/>
+                        <a:ea typeface="Calibri" panose="020F0502020204030204" pitchFamily="34" charset="0"/>
+                        <a:cs typeface="Times New Roman" panose="02020603050405020304" pitchFamily="18" charset="0"/>
+                      </a:endParaRPr>
+                    </a:p>
+                  </a:txBody>
+                  <a:tcPr marL="68580" marR="68580" marT="0" marB="0"/>
+                </a:tc>
+                <a:extLst>
+                  <a:ext uri="{0D108BD9-81ED-4DB2-BD59-A6C34878D82A}">
+                    <a16:rowId xmlns:a16="http://schemas.microsoft.com/office/drawing/2014/main" val="1005803415"/>
+                  </a:ext>
+                </a:extLst>
+              </a:tr>
+              <a:tr h="335706">
+                <a:tc>
+                  <a:txBody>
+                    <a:bodyPr/>
+                    <a:lstStyle/>
+                    <a:p>
+                      <a:pPr>
+                        <a:spcAft>
+                          <a:spcPts val="0"/>
+                        </a:spcAft>
+                      </a:pPr>
+                      <a:r>
+                        <a:rPr lang="es-ES_tradnl" sz="2000" dirty="0">
+                          <a:effectLst/>
+                          <a:latin typeface="Calibri" panose="020F0502020204030204" pitchFamily="34" charset="0"/>
+                        </a:rPr>
+                        <a:t>R004</a:t>
+                      </a:r>
+                      <a:endParaRPr lang="es-CL" sz="2000" dirty="0">
+                        <a:solidFill>
+                          <a:srgbClr val="2E74B5"/>
+                        </a:solidFill>
+                        <a:effectLst/>
+                        <a:latin typeface="Calibri" panose="020F0502020204030204" pitchFamily="34" charset="0"/>
+                        <a:ea typeface="Calibri" panose="020F0502020204030204" pitchFamily="34" charset="0"/>
+                        <a:cs typeface="Times New Roman" panose="02020603050405020304" pitchFamily="18" charset="0"/>
+                      </a:endParaRPr>
+                    </a:p>
+                  </a:txBody>
+                  <a:tcPr marL="68580" marR="68580" marT="0" marB="0"/>
+                </a:tc>
+                <a:tc>
+                  <a:txBody>
+                    <a:bodyPr/>
+                    <a:lstStyle/>
+                    <a:p>
+                      <a:pPr>
+                        <a:spcAft>
+                          <a:spcPts val="0"/>
+                        </a:spcAft>
+                      </a:pPr>
+                      <a:r>
+                        <a:rPr lang="es-ES_tradnl" sz="2000" dirty="0">
+                          <a:effectLst/>
+                          <a:latin typeface="Calibri" panose="020F0502020204030204" pitchFamily="34" charset="0"/>
+                        </a:rPr>
+                        <a:t>Comunicación constante con el distribuidor</a:t>
+                      </a:r>
+                      <a:endParaRPr lang="es-CL" sz="2000" dirty="0">
+                        <a:solidFill>
+                          <a:srgbClr val="2E74B5"/>
+                        </a:solidFill>
+                        <a:effectLst/>
+                        <a:latin typeface="Calibri" panose="020F0502020204030204" pitchFamily="34" charset="0"/>
+                        <a:ea typeface="Calibri" panose="020F0502020204030204" pitchFamily="34" charset="0"/>
+                        <a:cs typeface="Times New Roman" panose="02020603050405020304" pitchFamily="18" charset="0"/>
+                      </a:endParaRPr>
+                    </a:p>
+                  </a:txBody>
+                  <a:tcPr marL="68580" marR="68580" marT="0" marB="0"/>
+                </a:tc>
+                <a:extLst>
+                  <a:ext uri="{0D108BD9-81ED-4DB2-BD59-A6C34878D82A}">
+                    <a16:rowId xmlns:a16="http://schemas.microsoft.com/office/drawing/2014/main" val="26328463"/>
+                  </a:ext>
+                </a:extLst>
+              </a:tr>
+              <a:tr h="671413">
+                <a:tc>
+                  <a:txBody>
+                    <a:bodyPr/>
+                    <a:lstStyle/>
+                    <a:p>
+                      <a:pPr>
+                        <a:spcAft>
+                          <a:spcPts val="0"/>
+                        </a:spcAft>
+                      </a:pPr>
+                      <a:r>
+                        <a:rPr lang="es-ES_tradnl" sz="2000" dirty="0">
+                          <a:effectLst/>
+                          <a:latin typeface="Calibri" panose="020F0502020204030204" pitchFamily="34" charset="0"/>
+                        </a:rPr>
+                        <a:t>R005</a:t>
+                      </a:r>
+                      <a:endParaRPr lang="es-CL" sz="2000" dirty="0">
+                        <a:solidFill>
+                          <a:srgbClr val="2E74B5"/>
+                        </a:solidFill>
+                        <a:effectLst/>
+                        <a:latin typeface="Calibri" panose="020F0502020204030204" pitchFamily="34" charset="0"/>
+                        <a:ea typeface="Calibri" panose="020F0502020204030204" pitchFamily="34" charset="0"/>
+                        <a:cs typeface="Times New Roman" panose="02020603050405020304" pitchFamily="18" charset="0"/>
+                      </a:endParaRPr>
+                    </a:p>
+                  </a:txBody>
+                  <a:tcPr marL="68580" marR="68580" marT="0" marB="0"/>
+                </a:tc>
+                <a:tc>
+                  <a:txBody>
+                    <a:bodyPr/>
+                    <a:lstStyle/>
+                    <a:p>
+                      <a:pPr>
+                        <a:spcAft>
+                          <a:spcPts val="0"/>
+                        </a:spcAft>
+                      </a:pPr>
+                      <a:r>
+                        <a:rPr lang="es-ES_tradnl" sz="2000" dirty="0">
+                          <a:effectLst/>
+                          <a:latin typeface="Calibri" panose="020F0502020204030204" pitchFamily="34" charset="0"/>
+                        </a:rPr>
+                        <a:t>Encuesta de satisfacción y de conocimientos adquiridos</a:t>
+                      </a:r>
+                      <a:endParaRPr lang="es-CL" sz="2000" dirty="0">
+                        <a:solidFill>
+                          <a:srgbClr val="2E74B5"/>
+                        </a:solidFill>
+                        <a:effectLst/>
+                        <a:latin typeface="Calibri" panose="020F0502020204030204" pitchFamily="34" charset="0"/>
+                        <a:ea typeface="Calibri" panose="020F0502020204030204" pitchFamily="34" charset="0"/>
+                        <a:cs typeface="Times New Roman" panose="02020603050405020304" pitchFamily="18" charset="0"/>
+                      </a:endParaRPr>
+                    </a:p>
+                  </a:txBody>
+                  <a:tcPr marL="68580" marR="68580" marT="0" marB="0"/>
+                </a:tc>
+                <a:extLst>
+                  <a:ext uri="{0D108BD9-81ED-4DB2-BD59-A6C34878D82A}">
+                    <a16:rowId xmlns:a16="http://schemas.microsoft.com/office/drawing/2014/main" val="1783114073"/>
+                  </a:ext>
+                </a:extLst>
+              </a:tr>
+              <a:tr h="335706">
+                <a:tc>
+                  <a:txBody>
+                    <a:bodyPr/>
+                    <a:lstStyle/>
+                    <a:p>
+                      <a:pPr>
+                        <a:spcAft>
+                          <a:spcPts val="0"/>
+                        </a:spcAft>
+                      </a:pPr>
+                      <a:r>
+                        <a:rPr lang="es-ES_tradnl" sz="2000" dirty="0">
+                          <a:effectLst/>
+                          <a:latin typeface="Calibri" panose="020F0502020204030204" pitchFamily="34" charset="0"/>
+                        </a:rPr>
+                        <a:t>R006</a:t>
+                      </a:r>
+                      <a:endParaRPr lang="es-CL" sz="2000" dirty="0">
+                        <a:solidFill>
+                          <a:srgbClr val="2E74B5"/>
+                        </a:solidFill>
+                        <a:effectLst/>
+                        <a:latin typeface="Calibri" panose="020F0502020204030204" pitchFamily="34" charset="0"/>
+                        <a:ea typeface="Calibri" panose="020F0502020204030204" pitchFamily="34" charset="0"/>
+                        <a:cs typeface="Times New Roman" panose="02020603050405020304" pitchFamily="18" charset="0"/>
+                      </a:endParaRPr>
+                    </a:p>
+                  </a:txBody>
+                  <a:tcPr marL="68580" marR="68580" marT="0" marB="0"/>
+                </a:tc>
+                <a:tc>
+                  <a:txBody>
+                    <a:bodyPr/>
+                    <a:lstStyle/>
+                    <a:p>
+                      <a:pPr>
+                        <a:spcAft>
+                          <a:spcPts val="0"/>
+                        </a:spcAft>
+                      </a:pPr>
+                      <a:r>
+                        <a:rPr lang="es-ES_tradnl" sz="2000" dirty="0">
+                          <a:effectLst/>
+                          <a:latin typeface="Calibri" panose="020F0502020204030204" pitchFamily="34" charset="0"/>
+                        </a:rPr>
+                        <a:t>Revisión de los datos cargados</a:t>
+                      </a:r>
+                      <a:endParaRPr lang="es-CL" sz="2000" dirty="0">
+                        <a:solidFill>
+                          <a:srgbClr val="2E74B5"/>
+                        </a:solidFill>
+                        <a:effectLst/>
+                        <a:latin typeface="Calibri" panose="020F0502020204030204" pitchFamily="34" charset="0"/>
+                        <a:ea typeface="Calibri" panose="020F0502020204030204" pitchFamily="34" charset="0"/>
+                        <a:cs typeface="Times New Roman" panose="02020603050405020304" pitchFamily="18" charset="0"/>
+                      </a:endParaRPr>
+                    </a:p>
+                  </a:txBody>
+                  <a:tcPr marL="68580" marR="68580" marT="0" marB="0"/>
+                </a:tc>
+                <a:extLst>
+                  <a:ext uri="{0D108BD9-81ED-4DB2-BD59-A6C34878D82A}">
+                    <a16:rowId xmlns:a16="http://schemas.microsoft.com/office/drawing/2014/main" val="2783881508"/>
+                  </a:ext>
+                </a:extLst>
+              </a:tr>
+            </a:tbl>
+          </a:graphicData>
+        </a:graphic>
+      </p:graphicFrame>
+    </p:spTree>
+    <p:extLst>
+      <p:ext uri="{BB962C8B-B14F-4D97-AF65-F5344CB8AC3E}">
+        <p14:creationId xmlns:p14="http://schemas.microsoft.com/office/powerpoint/2010/main" val="1293653118"/>
+      </p:ext>
+    </p:extLst>
+  </p:cSld>
+  <p:clrMapOvr>
+    <a:masterClrMapping/>
+  </p:clrMapOvr>
+</p:sld>
+</file>
+
+<file path=ppt/slides/slide6.xml><?xml version="1.0" encoding="utf-8"?>
+<p:sld xmlns:a="http://schemas.openxmlformats.org/drawingml/2006/main" xmlns:r="http://schemas.openxmlformats.org/officeDocument/2006/relationships" xmlns:p="http://schemas.openxmlformats.org/presentationml/2006/main">
+  <p:cSld>
+    <p:spTree>
+      <p:nvGrpSpPr>
+        <p:cNvPr id="1" name=""/>
+        <p:cNvGrpSpPr/>
+        <p:nvPr/>
+      </p:nvGrpSpPr>
+      <p:grpSpPr>
+        <a:xfrm>
+          <a:off x="0" y="0"/>
+          <a:ext cx="0" cy="0"/>
+          <a:chOff x="0" y="0"/>
+          <a:chExt cx="0" cy="0"/>
+        </a:xfrm>
+      </p:grpSpPr>
+      <p:sp>
+        <p:nvSpPr>
+          <p:cNvPr id="2" name="Title 1"/>
+          <p:cNvSpPr>
+            <a:spLocks noGrp="1"/>
+          </p:cNvSpPr>
+          <p:nvPr>
+            <p:ph type="title"/>
+          </p:nvPr>
+        </p:nvSpPr>
+        <p:spPr/>
+        <p:txBody>
+          <a:bodyPr/>
+          <a:lstStyle/>
+          <a:p>
+            <a:r>
+              <a:rPr lang="es-CL" dirty="0"/>
+              <a:t>Descripción del caso</a:t>
+            </a:r>
+          </a:p>
+        </p:txBody>
+      </p:sp>
+      <p:sp>
+        <p:nvSpPr>
+          <p:cNvPr id="3" name="Content Placeholder 2"/>
+          <p:cNvSpPr>
+            <a:spLocks noGrp="1"/>
+          </p:cNvSpPr>
+          <p:nvPr>
+            <p:ph idx="1"/>
+          </p:nvPr>
+        </p:nvSpPr>
+        <p:spPr/>
+        <p:txBody>
+          <a:bodyPr/>
+          <a:lstStyle/>
+          <a:p>
+            <a:r>
+              <a:rPr lang="es-CL" dirty="0">
+                <a:latin typeface="Calibri" panose="020F0502020204030204" pitchFamily="34" charset="0"/>
+              </a:rPr>
+              <a:t>Descripción de la empresa</a:t>
+            </a:r>
+          </a:p>
+          <a:p>
+            <a:pPr marL="0" indent="0">
+              <a:buNone/>
+            </a:pPr>
+            <a:r>
+              <a:rPr lang="es-ES_tradnl" dirty="0">
+                <a:latin typeface="Calibri" panose="020F0502020204030204" pitchFamily="34" charset="0"/>
+              </a:rPr>
+              <a:t>El centro médico Hipócrates es una institución dedicada a servicios de salud, que emplea a médicos, tecnólogos médicos, enfermeras y operadores para ofrecer diversos procedimientos a sus clientes, entre ellos consultas médicas, exámenes e imagenología. </a:t>
+            </a:r>
+            <a:endParaRPr lang="es-CL" dirty="0">
+              <a:latin typeface="Calibri" panose="020F0502020204030204" pitchFamily="34" charset="0"/>
+            </a:endParaRPr>
+          </a:p>
+          <a:p>
+            <a:pPr marL="0" indent="0">
+              <a:buNone/>
+            </a:pPr>
+            <a:endParaRPr lang="es-CL" dirty="0">
+              <a:latin typeface="Calibri" panose="020F0502020204030204" pitchFamily="34" charset="0"/>
+            </a:endParaRPr>
+          </a:p>
+        </p:txBody>
+      </p:sp>
+      <p:pic>
+        <p:nvPicPr>
+          <p:cNvPr id="2050" name="Picture 2" descr="Resultado de imagen para duoc"/>
+          <p:cNvPicPr>
+            <a:picLocks noChangeAspect="1" noChangeArrowheads="1"/>
+          </p:cNvPicPr>
+          <p:nvPr/>
+        </p:nvPicPr>
+        <p:blipFill>
+          <a:blip r:embed="rId2">
+            <a:extLst>
+              <a:ext uri="{28A0092B-C50C-407E-A947-70E740481C1C}">
+                <a14:useLocalDpi xmlns:a14="http://schemas.microsoft.com/office/drawing/2010/main" val="0"/>
+              </a:ext>
+            </a:extLst>
+          </a:blip>
+          <a:srcRect/>
+          <a:stretch>
+            <a:fillRect/>
+          </a:stretch>
+        </p:blipFill>
+        <p:spPr bwMode="auto">
+          <a:xfrm>
+            <a:off x="7770945" y="599455"/>
+            <a:ext cx="1373055" cy="307545"/>
+          </a:xfrm>
+          <a:prstGeom prst="rect">
+            <a:avLst/>
+          </a:prstGeom>
+          <a:noFill/>
+          <a:extLst>
+            <a:ext uri="{909E8E84-426E-40DD-AFC4-6F175D3DCCD1}">
+              <a14:hiddenFill xmlns:a14="http://schemas.microsoft.com/office/drawing/2010/main">
+                <a:solidFill>
+                  <a:srgbClr val="FFFFFF"/>
+                </a:solidFill>
+              </a14:hiddenFill>
+            </a:ext>
+          </a:extLst>
+        </p:spPr>
+      </p:pic>
+      <p:sp>
+        <p:nvSpPr>
+          <p:cNvPr id="5" name="Slide Number Placeholder 4"/>
+          <p:cNvSpPr>
+            <a:spLocks noGrp="1"/>
+          </p:cNvSpPr>
+          <p:nvPr>
+            <p:ph type="sldNum" sz="quarter" idx="12"/>
+          </p:nvPr>
+        </p:nvSpPr>
+        <p:spPr/>
+        <p:txBody>
+          <a:bodyPr/>
+          <a:lstStyle/>
+          <a:p>
+            <a:pPr algn="ctr"/>
+            <a:fld id="{82B5D99C-3243-4CCA-89CF-846763E29181}" type="slidenum">
+              <a:rPr lang="es-CL" smtClean="0"/>
+              <a:pPr algn="ctr"/>
               <a:t>6</a:t>
             </a:fld>
             <a:endParaRPr lang="es-CL" dirty="0"/>
@@ -31800,6 +33638,3515 @@
     <p:extLst>
       <p:ext uri="{BB962C8B-B14F-4D97-AF65-F5344CB8AC3E}">
         <p14:creationId xmlns:p14="http://schemas.microsoft.com/office/powerpoint/2010/main" val="392522673"/>
+      </p:ext>
+    </p:extLst>
+  </p:cSld>
+  <p:clrMapOvr>
+    <a:masterClrMapping/>
+  </p:clrMapOvr>
+</p:sld>
+</file>
+
+<file path=ppt/slides/slide60.xml><?xml version="1.0" encoding="utf-8"?>
+<p:sld xmlns:a="http://schemas.openxmlformats.org/drawingml/2006/main" xmlns:r="http://schemas.openxmlformats.org/officeDocument/2006/relationships" xmlns:p="http://schemas.openxmlformats.org/presentationml/2006/main">
+  <p:cSld>
+    <p:spTree>
+      <p:nvGrpSpPr>
+        <p:cNvPr id="1" name=""/>
+        <p:cNvGrpSpPr/>
+        <p:nvPr/>
+      </p:nvGrpSpPr>
+      <p:grpSpPr>
+        <a:xfrm>
+          <a:off x="0" y="0"/>
+          <a:ext cx="0" cy="0"/>
+          <a:chOff x="0" y="0"/>
+          <a:chExt cx="0" cy="0"/>
+        </a:xfrm>
+      </p:grpSpPr>
+      <p:sp>
+        <p:nvSpPr>
+          <p:cNvPr id="2" name="Title 1"/>
+          <p:cNvSpPr>
+            <a:spLocks noGrp="1"/>
+          </p:cNvSpPr>
+          <p:nvPr>
+            <p:ph type="title"/>
+          </p:nvPr>
+        </p:nvSpPr>
+        <p:spPr/>
+        <p:txBody>
+          <a:bodyPr/>
+          <a:lstStyle/>
+          <a:p>
+            <a:r>
+              <a:rPr lang="es-CL" dirty="0"/>
+              <a:t>Gestión de riesgos</a:t>
+            </a:r>
+          </a:p>
+        </p:txBody>
+      </p:sp>
+      <p:pic>
+        <p:nvPicPr>
+          <p:cNvPr id="2050" name="Picture 2" descr="Resultado de imagen para duoc"/>
+          <p:cNvPicPr>
+            <a:picLocks noChangeAspect="1" noChangeArrowheads="1"/>
+          </p:cNvPicPr>
+          <p:nvPr/>
+        </p:nvPicPr>
+        <p:blipFill>
+          <a:blip r:embed="rId2">
+            <a:extLst>
+              <a:ext uri="{28A0092B-C50C-407E-A947-70E740481C1C}">
+                <a14:useLocalDpi xmlns:a14="http://schemas.microsoft.com/office/drawing/2010/main" val="0"/>
+              </a:ext>
+            </a:extLst>
+          </a:blip>
+          <a:srcRect/>
+          <a:stretch>
+            <a:fillRect/>
+          </a:stretch>
+        </p:blipFill>
+        <p:spPr bwMode="auto">
+          <a:xfrm>
+            <a:off x="7770945" y="599455"/>
+            <a:ext cx="1373055" cy="307545"/>
+          </a:xfrm>
+          <a:prstGeom prst="rect">
+            <a:avLst/>
+          </a:prstGeom>
+          <a:noFill/>
+          <a:extLst>
+            <a:ext uri="{909E8E84-426E-40DD-AFC4-6F175D3DCCD1}">
+              <a14:hiddenFill xmlns:a14="http://schemas.microsoft.com/office/drawing/2010/main">
+                <a:solidFill>
+                  <a:srgbClr val="FFFFFF"/>
+                </a:solidFill>
+              </a14:hiddenFill>
+            </a:ext>
+          </a:extLst>
+        </p:spPr>
+      </p:pic>
+      <p:sp>
+        <p:nvSpPr>
+          <p:cNvPr id="5" name="Slide Number Placeholder 4"/>
+          <p:cNvSpPr>
+            <a:spLocks noGrp="1"/>
+          </p:cNvSpPr>
+          <p:nvPr>
+            <p:ph type="sldNum" sz="quarter" idx="12"/>
+          </p:nvPr>
+        </p:nvSpPr>
+        <p:spPr/>
+        <p:txBody>
+          <a:bodyPr/>
+          <a:lstStyle/>
+          <a:p>
+            <a:pPr algn="ctr"/>
+            <a:fld id="{82B5D99C-3243-4CCA-89CF-846763E29181}" type="slidenum">
+              <a:rPr lang="es-CL" smtClean="0"/>
+              <a:pPr algn="ctr"/>
+              <a:t>60</a:t>
+            </a:fld>
+            <a:endParaRPr lang="es-CL" dirty="0"/>
+          </a:p>
+        </p:txBody>
+      </p:sp>
+      <p:sp>
+        <p:nvSpPr>
+          <p:cNvPr id="8" name="Content Placeholder 2"/>
+          <p:cNvSpPr>
+            <a:spLocks noGrp="1"/>
+          </p:cNvSpPr>
+          <p:nvPr>
+            <p:ph idx="1"/>
+          </p:nvPr>
+        </p:nvSpPr>
+        <p:spPr>
+          <a:xfrm>
+            <a:off x="531639" y="2268085"/>
+            <a:ext cx="6887389" cy="3599316"/>
+          </a:xfrm>
+        </p:spPr>
+        <p:txBody>
+          <a:bodyPr/>
+          <a:lstStyle/>
+          <a:p>
+            <a:r>
+              <a:rPr lang="es-CL" dirty="0">
+                <a:latin typeface="Calibri" panose="020F0502020204030204" pitchFamily="34" charset="0"/>
+              </a:rPr>
+              <a:t>Clasificación de probabilidad</a:t>
+            </a:r>
+          </a:p>
+        </p:txBody>
+      </p:sp>
+      <p:graphicFrame>
+        <p:nvGraphicFramePr>
+          <p:cNvPr id="3" name="Table 2"/>
+          <p:cNvGraphicFramePr>
+            <a:graphicFrameLocks noGrp="1"/>
+          </p:cNvGraphicFramePr>
+          <p:nvPr>
+            <p:extLst>
+              <p:ext uri="{D42A27DB-BD31-4B8C-83A1-F6EECF244321}">
+                <p14:modId xmlns:p14="http://schemas.microsoft.com/office/powerpoint/2010/main" val="1308562860"/>
+              </p:ext>
+            </p:extLst>
+          </p:nvPr>
+        </p:nvGraphicFramePr>
+        <p:xfrm>
+          <a:off x="1565031" y="3587591"/>
+          <a:ext cx="5863142" cy="2279808"/>
+        </p:xfrm>
+        <a:graphic>
+          <a:graphicData uri="http://schemas.openxmlformats.org/drawingml/2006/table">
+            <a:tbl>
+              <a:tblPr firstRow="1" firstCol="1" bandRow="1">
+                <a:tableStyleId>{5C22544A-7EE6-4342-B048-85BDC9FD1C3A}</a:tableStyleId>
+              </a:tblPr>
+              <a:tblGrid>
+                <a:gridCol w="3078408">
+                  <a:extLst>
+                    <a:ext uri="{9D8B030D-6E8A-4147-A177-3AD203B41FA5}">
+                      <a16:colId xmlns:a16="http://schemas.microsoft.com/office/drawing/2014/main" val="1733722272"/>
+                    </a:ext>
+                  </a:extLst>
+                </a:gridCol>
+                <a:gridCol w="2784734">
+                  <a:extLst>
+                    <a:ext uri="{9D8B030D-6E8A-4147-A177-3AD203B41FA5}">
+                      <a16:colId xmlns:a16="http://schemas.microsoft.com/office/drawing/2014/main" val="3887050052"/>
+                    </a:ext>
+                  </a:extLst>
+                </a:gridCol>
+              </a:tblGrid>
+              <a:tr h="379968">
+                <a:tc>
+                  <a:txBody>
+                    <a:bodyPr/>
+                    <a:lstStyle/>
+                    <a:p>
+                      <a:pPr algn="ctr">
+                        <a:spcAft>
+                          <a:spcPts val="0"/>
+                        </a:spcAft>
+                      </a:pPr>
+                      <a:r>
+                        <a:rPr lang="es-ES_tradnl" sz="2000" dirty="0">
+                          <a:effectLst/>
+                          <a:latin typeface="Calibri" panose="020F0502020204030204" pitchFamily="34" charset="0"/>
+                        </a:rPr>
+                        <a:t>Probabilidad</a:t>
+                      </a:r>
+                      <a:endParaRPr lang="es-CL" sz="2000" dirty="0">
+                        <a:solidFill>
+                          <a:srgbClr val="2E74B5"/>
+                        </a:solidFill>
+                        <a:effectLst/>
+                        <a:latin typeface="Calibri" panose="020F0502020204030204" pitchFamily="34" charset="0"/>
+                        <a:ea typeface="Calibri" panose="020F0502020204030204" pitchFamily="34" charset="0"/>
+                        <a:cs typeface="Times New Roman" panose="02020603050405020304" pitchFamily="18" charset="0"/>
+                      </a:endParaRPr>
+                    </a:p>
+                  </a:txBody>
+                  <a:tcPr marL="68580" marR="68580" marT="0" marB="0"/>
+                </a:tc>
+                <a:tc>
+                  <a:txBody>
+                    <a:bodyPr/>
+                    <a:lstStyle/>
+                    <a:p>
+                      <a:pPr algn="ctr">
+                        <a:spcAft>
+                          <a:spcPts val="0"/>
+                        </a:spcAft>
+                      </a:pPr>
+                      <a:r>
+                        <a:rPr lang="es-ES_tradnl" sz="2000" dirty="0">
+                          <a:effectLst/>
+                          <a:latin typeface="Calibri" panose="020F0502020204030204" pitchFamily="34" charset="0"/>
+                        </a:rPr>
+                        <a:t>Valor Numérico</a:t>
+                      </a:r>
+                      <a:endParaRPr lang="es-CL" sz="2000" dirty="0">
+                        <a:solidFill>
+                          <a:srgbClr val="2E74B5"/>
+                        </a:solidFill>
+                        <a:effectLst/>
+                        <a:latin typeface="Calibri" panose="020F0502020204030204" pitchFamily="34" charset="0"/>
+                        <a:ea typeface="Calibri" panose="020F0502020204030204" pitchFamily="34" charset="0"/>
+                        <a:cs typeface="Times New Roman" panose="02020603050405020304" pitchFamily="18" charset="0"/>
+                      </a:endParaRPr>
+                    </a:p>
+                  </a:txBody>
+                  <a:tcPr marL="68580" marR="68580" marT="0" marB="0"/>
+                </a:tc>
+                <a:extLst>
+                  <a:ext uri="{0D108BD9-81ED-4DB2-BD59-A6C34878D82A}">
+                    <a16:rowId xmlns:a16="http://schemas.microsoft.com/office/drawing/2014/main" val="1118479044"/>
+                  </a:ext>
+                </a:extLst>
+              </a:tr>
+              <a:tr h="379968">
+                <a:tc>
+                  <a:txBody>
+                    <a:bodyPr/>
+                    <a:lstStyle/>
+                    <a:p>
+                      <a:pPr>
+                        <a:spcAft>
+                          <a:spcPts val="0"/>
+                        </a:spcAft>
+                      </a:pPr>
+                      <a:r>
+                        <a:rPr lang="es-ES_tradnl" sz="2000" dirty="0">
+                          <a:effectLst/>
+                          <a:latin typeface="Calibri" panose="020F0502020204030204" pitchFamily="34" charset="0"/>
+                        </a:rPr>
+                        <a:t>Muy Improbable</a:t>
+                      </a:r>
+                      <a:endParaRPr lang="es-CL" sz="2000" dirty="0">
+                        <a:solidFill>
+                          <a:srgbClr val="2E74B5"/>
+                        </a:solidFill>
+                        <a:effectLst/>
+                        <a:latin typeface="Calibri" panose="020F0502020204030204" pitchFamily="34" charset="0"/>
+                        <a:ea typeface="Calibri" panose="020F0502020204030204" pitchFamily="34" charset="0"/>
+                        <a:cs typeface="Times New Roman" panose="02020603050405020304" pitchFamily="18" charset="0"/>
+                      </a:endParaRPr>
+                    </a:p>
+                  </a:txBody>
+                  <a:tcPr marL="68580" marR="68580" marT="0" marB="0"/>
+                </a:tc>
+                <a:tc>
+                  <a:txBody>
+                    <a:bodyPr/>
+                    <a:lstStyle/>
+                    <a:p>
+                      <a:pPr algn="ctr">
+                        <a:spcAft>
+                          <a:spcPts val="0"/>
+                        </a:spcAft>
+                      </a:pPr>
+                      <a:r>
+                        <a:rPr lang="es-ES_tradnl" sz="2000" dirty="0">
+                          <a:effectLst/>
+                          <a:latin typeface="Calibri" panose="020F0502020204030204" pitchFamily="34" charset="0"/>
+                        </a:rPr>
+                        <a:t>0.1</a:t>
+                      </a:r>
+                      <a:endParaRPr lang="es-CL" sz="2000" dirty="0">
+                        <a:solidFill>
+                          <a:srgbClr val="2E74B5"/>
+                        </a:solidFill>
+                        <a:effectLst/>
+                        <a:latin typeface="Calibri" panose="020F0502020204030204" pitchFamily="34" charset="0"/>
+                        <a:ea typeface="Calibri" panose="020F0502020204030204" pitchFamily="34" charset="0"/>
+                        <a:cs typeface="Times New Roman" panose="02020603050405020304" pitchFamily="18" charset="0"/>
+                      </a:endParaRPr>
+                    </a:p>
+                  </a:txBody>
+                  <a:tcPr marL="68580" marR="68580" marT="0" marB="0"/>
+                </a:tc>
+                <a:extLst>
+                  <a:ext uri="{0D108BD9-81ED-4DB2-BD59-A6C34878D82A}">
+                    <a16:rowId xmlns:a16="http://schemas.microsoft.com/office/drawing/2014/main" val="4013782739"/>
+                  </a:ext>
+                </a:extLst>
+              </a:tr>
+              <a:tr h="379968">
+                <a:tc>
+                  <a:txBody>
+                    <a:bodyPr/>
+                    <a:lstStyle/>
+                    <a:p>
+                      <a:pPr>
+                        <a:spcAft>
+                          <a:spcPts val="0"/>
+                        </a:spcAft>
+                      </a:pPr>
+                      <a:r>
+                        <a:rPr lang="es-ES_tradnl" sz="2000" dirty="0">
+                          <a:effectLst/>
+                          <a:latin typeface="Calibri" panose="020F0502020204030204" pitchFamily="34" charset="0"/>
+                        </a:rPr>
+                        <a:t>Relativamente Probable</a:t>
+                      </a:r>
+                      <a:endParaRPr lang="es-CL" sz="2000" dirty="0">
+                        <a:solidFill>
+                          <a:srgbClr val="2E74B5"/>
+                        </a:solidFill>
+                        <a:effectLst/>
+                        <a:latin typeface="Calibri" panose="020F0502020204030204" pitchFamily="34" charset="0"/>
+                        <a:ea typeface="Calibri" panose="020F0502020204030204" pitchFamily="34" charset="0"/>
+                        <a:cs typeface="Times New Roman" panose="02020603050405020304" pitchFamily="18" charset="0"/>
+                      </a:endParaRPr>
+                    </a:p>
+                  </a:txBody>
+                  <a:tcPr marL="68580" marR="68580" marT="0" marB="0"/>
+                </a:tc>
+                <a:tc>
+                  <a:txBody>
+                    <a:bodyPr/>
+                    <a:lstStyle/>
+                    <a:p>
+                      <a:pPr algn="ctr">
+                        <a:spcAft>
+                          <a:spcPts val="0"/>
+                        </a:spcAft>
+                      </a:pPr>
+                      <a:r>
+                        <a:rPr lang="es-ES_tradnl" sz="2000" dirty="0">
+                          <a:effectLst/>
+                          <a:latin typeface="Calibri" panose="020F0502020204030204" pitchFamily="34" charset="0"/>
+                        </a:rPr>
+                        <a:t>0.3</a:t>
+                      </a:r>
+                      <a:endParaRPr lang="es-CL" sz="2000" dirty="0">
+                        <a:solidFill>
+                          <a:srgbClr val="2E74B5"/>
+                        </a:solidFill>
+                        <a:effectLst/>
+                        <a:latin typeface="Calibri" panose="020F0502020204030204" pitchFamily="34" charset="0"/>
+                        <a:ea typeface="Calibri" panose="020F0502020204030204" pitchFamily="34" charset="0"/>
+                        <a:cs typeface="Times New Roman" panose="02020603050405020304" pitchFamily="18" charset="0"/>
+                      </a:endParaRPr>
+                    </a:p>
+                  </a:txBody>
+                  <a:tcPr marL="68580" marR="68580" marT="0" marB="0"/>
+                </a:tc>
+                <a:extLst>
+                  <a:ext uri="{0D108BD9-81ED-4DB2-BD59-A6C34878D82A}">
+                    <a16:rowId xmlns:a16="http://schemas.microsoft.com/office/drawing/2014/main" val="1455706308"/>
+                  </a:ext>
+                </a:extLst>
+              </a:tr>
+              <a:tr h="379968">
+                <a:tc>
+                  <a:txBody>
+                    <a:bodyPr/>
+                    <a:lstStyle/>
+                    <a:p>
+                      <a:pPr>
+                        <a:spcAft>
+                          <a:spcPts val="0"/>
+                        </a:spcAft>
+                      </a:pPr>
+                      <a:r>
+                        <a:rPr lang="es-ES_tradnl" sz="2000" dirty="0">
+                          <a:effectLst/>
+                          <a:latin typeface="Calibri" panose="020F0502020204030204" pitchFamily="34" charset="0"/>
+                        </a:rPr>
+                        <a:t>Probable</a:t>
+                      </a:r>
+                      <a:endParaRPr lang="es-CL" sz="2000" dirty="0">
+                        <a:solidFill>
+                          <a:srgbClr val="2E74B5"/>
+                        </a:solidFill>
+                        <a:effectLst/>
+                        <a:latin typeface="Calibri" panose="020F0502020204030204" pitchFamily="34" charset="0"/>
+                        <a:ea typeface="Calibri" panose="020F0502020204030204" pitchFamily="34" charset="0"/>
+                        <a:cs typeface="Times New Roman" panose="02020603050405020304" pitchFamily="18" charset="0"/>
+                      </a:endParaRPr>
+                    </a:p>
+                  </a:txBody>
+                  <a:tcPr marL="68580" marR="68580" marT="0" marB="0"/>
+                </a:tc>
+                <a:tc>
+                  <a:txBody>
+                    <a:bodyPr/>
+                    <a:lstStyle/>
+                    <a:p>
+                      <a:pPr algn="ctr">
+                        <a:spcAft>
+                          <a:spcPts val="0"/>
+                        </a:spcAft>
+                      </a:pPr>
+                      <a:r>
+                        <a:rPr lang="es-ES_tradnl" sz="2000" dirty="0">
+                          <a:effectLst/>
+                          <a:latin typeface="Calibri" panose="020F0502020204030204" pitchFamily="34" charset="0"/>
+                        </a:rPr>
+                        <a:t>0.5</a:t>
+                      </a:r>
+                      <a:endParaRPr lang="es-CL" sz="2000" dirty="0">
+                        <a:solidFill>
+                          <a:srgbClr val="2E74B5"/>
+                        </a:solidFill>
+                        <a:effectLst/>
+                        <a:latin typeface="Calibri" panose="020F0502020204030204" pitchFamily="34" charset="0"/>
+                        <a:ea typeface="Calibri" panose="020F0502020204030204" pitchFamily="34" charset="0"/>
+                        <a:cs typeface="Times New Roman" panose="02020603050405020304" pitchFamily="18" charset="0"/>
+                      </a:endParaRPr>
+                    </a:p>
+                  </a:txBody>
+                  <a:tcPr marL="68580" marR="68580" marT="0" marB="0"/>
+                </a:tc>
+                <a:extLst>
+                  <a:ext uri="{0D108BD9-81ED-4DB2-BD59-A6C34878D82A}">
+                    <a16:rowId xmlns:a16="http://schemas.microsoft.com/office/drawing/2014/main" val="1055680233"/>
+                  </a:ext>
+                </a:extLst>
+              </a:tr>
+              <a:tr h="379968">
+                <a:tc>
+                  <a:txBody>
+                    <a:bodyPr/>
+                    <a:lstStyle/>
+                    <a:p>
+                      <a:pPr>
+                        <a:spcAft>
+                          <a:spcPts val="0"/>
+                        </a:spcAft>
+                      </a:pPr>
+                      <a:r>
+                        <a:rPr lang="es-ES_tradnl" sz="2000" dirty="0">
+                          <a:effectLst/>
+                          <a:latin typeface="Calibri" panose="020F0502020204030204" pitchFamily="34" charset="0"/>
+                        </a:rPr>
+                        <a:t>Muy Probable</a:t>
+                      </a:r>
+                      <a:endParaRPr lang="es-CL" sz="2000" dirty="0">
+                        <a:solidFill>
+                          <a:srgbClr val="2E74B5"/>
+                        </a:solidFill>
+                        <a:effectLst/>
+                        <a:latin typeface="Calibri" panose="020F0502020204030204" pitchFamily="34" charset="0"/>
+                        <a:ea typeface="Calibri" panose="020F0502020204030204" pitchFamily="34" charset="0"/>
+                        <a:cs typeface="Times New Roman" panose="02020603050405020304" pitchFamily="18" charset="0"/>
+                      </a:endParaRPr>
+                    </a:p>
+                  </a:txBody>
+                  <a:tcPr marL="68580" marR="68580" marT="0" marB="0"/>
+                </a:tc>
+                <a:tc>
+                  <a:txBody>
+                    <a:bodyPr/>
+                    <a:lstStyle/>
+                    <a:p>
+                      <a:pPr algn="ctr">
+                        <a:spcAft>
+                          <a:spcPts val="0"/>
+                        </a:spcAft>
+                      </a:pPr>
+                      <a:r>
+                        <a:rPr lang="es-ES_tradnl" sz="2000" dirty="0">
+                          <a:effectLst/>
+                          <a:latin typeface="Calibri" panose="020F0502020204030204" pitchFamily="34" charset="0"/>
+                        </a:rPr>
+                        <a:t>0.7</a:t>
+                      </a:r>
+                      <a:endParaRPr lang="es-CL" sz="2000" dirty="0">
+                        <a:solidFill>
+                          <a:srgbClr val="2E74B5"/>
+                        </a:solidFill>
+                        <a:effectLst/>
+                        <a:latin typeface="Calibri" panose="020F0502020204030204" pitchFamily="34" charset="0"/>
+                        <a:ea typeface="Calibri" panose="020F0502020204030204" pitchFamily="34" charset="0"/>
+                        <a:cs typeface="Times New Roman" panose="02020603050405020304" pitchFamily="18" charset="0"/>
+                      </a:endParaRPr>
+                    </a:p>
+                  </a:txBody>
+                  <a:tcPr marL="68580" marR="68580" marT="0" marB="0"/>
+                </a:tc>
+                <a:extLst>
+                  <a:ext uri="{0D108BD9-81ED-4DB2-BD59-A6C34878D82A}">
+                    <a16:rowId xmlns:a16="http://schemas.microsoft.com/office/drawing/2014/main" val="2239579783"/>
+                  </a:ext>
+                </a:extLst>
+              </a:tr>
+              <a:tr h="379968">
+                <a:tc>
+                  <a:txBody>
+                    <a:bodyPr/>
+                    <a:lstStyle/>
+                    <a:p>
+                      <a:pPr>
+                        <a:spcAft>
+                          <a:spcPts val="0"/>
+                        </a:spcAft>
+                      </a:pPr>
+                      <a:r>
+                        <a:rPr lang="es-ES_tradnl" sz="2000" dirty="0">
+                          <a:effectLst/>
+                          <a:latin typeface="Calibri" panose="020F0502020204030204" pitchFamily="34" charset="0"/>
+                        </a:rPr>
+                        <a:t>Casi Certeza</a:t>
+                      </a:r>
+                      <a:endParaRPr lang="es-CL" sz="2000" dirty="0">
+                        <a:solidFill>
+                          <a:srgbClr val="2E74B5"/>
+                        </a:solidFill>
+                        <a:effectLst/>
+                        <a:latin typeface="Calibri" panose="020F0502020204030204" pitchFamily="34" charset="0"/>
+                        <a:ea typeface="Calibri" panose="020F0502020204030204" pitchFamily="34" charset="0"/>
+                        <a:cs typeface="Times New Roman" panose="02020603050405020304" pitchFamily="18" charset="0"/>
+                      </a:endParaRPr>
+                    </a:p>
+                  </a:txBody>
+                  <a:tcPr marL="68580" marR="68580" marT="0" marB="0"/>
+                </a:tc>
+                <a:tc>
+                  <a:txBody>
+                    <a:bodyPr/>
+                    <a:lstStyle/>
+                    <a:p>
+                      <a:pPr algn="ctr">
+                        <a:spcAft>
+                          <a:spcPts val="0"/>
+                        </a:spcAft>
+                      </a:pPr>
+                      <a:r>
+                        <a:rPr lang="es-ES_tradnl" sz="2000" dirty="0">
+                          <a:effectLst/>
+                          <a:latin typeface="Calibri" panose="020F0502020204030204" pitchFamily="34" charset="0"/>
+                        </a:rPr>
+                        <a:t>0.9</a:t>
+                      </a:r>
+                      <a:endParaRPr lang="es-CL" sz="2000" dirty="0">
+                        <a:solidFill>
+                          <a:srgbClr val="2E74B5"/>
+                        </a:solidFill>
+                        <a:effectLst/>
+                        <a:latin typeface="Calibri" panose="020F0502020204030204" pitchFamily="34" charset="0"/>
+                        <a:ea typeface="Calibri" panose="020F0502020204030204" pitchFamily="34" charset="0"/>
+                        <a:cs typeface="Times New Roman" panose="02020603050405020304" pitchFamily="18" charset="0"/>
+                      </a:endParaRPr>
+                    </a:p>
+                  </a:txBody>
+                  <a:tcPr marL="68580" marR="68580" marT="0" marB="0"/>
+                </a:tc>
+                <a:extLst>
+                  <a:ext uri="{0D108BD9-81ED-4DB2-BD59-A6C34878D82A}">
+                    <a16:rowId xmlns:a16="http://schemas.microsoft.com/office/drawing/2014/main" val="1069342149"/>
+                  </a:ext>
+                </a:extLst>
+              </a:tr>
+            </a:tbl>
+          </a:graphicData>
+        </a:graphic>
+      </p:graphicFrame>
+    </p:spTree>
+    <p:extLst>
+      <p:ext uri="{BB962C8B-B14F-4D97-AF65-F5344CB8AC3E}">
+        <p14:creationId xmlns:p14="http://schemas.microsoft.com/office/powerpoint/2010/main" val="302346351"/>
+      </p:ext>
+    </p:extLst>
+  </p:cSld>
+  <p:clrMapOvr>
+    <a:masterClrMapping/>
+  </p:clrMapOvr>
+</p:sld>
+</file>
+
+<file path=ppt/slides/slide61.xml><?xml version="1.0" encoding="utf-8"?>
+<p:sld xmlns:a="http://schemas.openxmlformats.org/drawingml/2006/main" xmlns:r="http://schemas.openxmlformats.org/officeDocument/2006/relationships" xmlns:p="http://schemas.openxmlformats.org/presentationml/2006/main">
+  <p:cSld>
+    <p:spTree>
+      <p:nvGrpSpPr>
+        <p:cNvPr id="1" name=""/>
+        <p:cNvGrpSpPr/>
+        <p:nvPr/>
+      </p:nvGrpSpPr>
+      <p:grpSpPr>
+        <a:xfrm>
+          <a:off x="0" y="0"/>
+          <a:ext cx="0" cy="0"/>
+          <a:chOff x="0" y="0"/>
+          <a:chExt cx="0" cy="0"/>
+        </a:xfrm>
+      </p:grpSpPr>
+      <p:sp>
+        <p:nvSpPr>
+          <p:cNvPr id="2" name="Title 1"/>
+          <p:cNvSpPr>
+            <a:spLocks noGrp="1"/>
+          </p:cNvSpPr>
+          <p:nvPr>
+            <p:ph type="title"/>
+          </p:nvPr>
+        </p:nvSpPr>
+        <p:spPr/>
+        <p:txBody>
+          <a:bodyPr/>
+          <a:lstStyle/>
+          <a:p>
+            <a:r>
+              <a:rPr lang="es-CL" dirty="0"/>
+              <a:t>Gestión de riesgos</a:t>
+            </a:r>
+          </a:p>
+        </p:txBody>
+      </p:sp>
+      <p:pic>
+        <p:nvPicPr>
+          <p:cNvPr id="2050" name="Picture 2" descr="Resultado de imagen para duoc"/>
+          <p:cNvPicPr>
+            <a:picLocks noChangeAspect="1" noChangeArrowheads="1"/>
+          </p:cNvPicPr>
+          <p:nvPr/>
+        </p:nvPicPr>
+        <p:blipFill>
+          <a:blip r:embed="rId2">
+            <a:extLst>
+              <a:ext uri="{28A0092B-C50C-407E-A947-70E740481C1C}">
+                <a14:useLocalDpi xmlns:a14="http://schemas.microsoft.com/office/drawing/2010/main" val="0"/>
+              </a:ext>
+            </a:extLst>
+          </a:blip>
+          <a:srcRect/>
+          <a:stretch>
+            <a:fillRect/>
+          </a:stretch>
+        </p:blipFill>
+        <p:spPr bwMode="auto">
+          <a:xfrm>
+            <a:off x="7770945" y="599455"/>
+            <a:ext cx="1373055" cy="307545"/>
+          </a:xfrm>
+          <a:prstGeom prst="rect">
+            <a:avLst/>
+          </a:prstGeom>
+          <a:noFill/>
+          <a:extLst>
+            <a:ext uri="{909E8E84-426E-40DD-AFC4-6F175D3DCCD1}">
+              <a14:hiddenFill xmlns:a14="http://schemas.microsoft.com/office/drawing/2010/main">
+                <a:solidFill>
+                  <a:srgbClr val="FFFFFF"/>
+                </a:solidFill>
+              </a14:hiddenFill>
+            </a:ext>
+          </a:extLst>
+        </p:spPr>
+      </p:pic>
+      <p:sp>
+        <p:nvSpPr>
+          <p:cNvPr id="5" name="Slide Number Placeholder 4"/>
+          <p:cNvSpPr>
+            <a:spLocks noGrp="1"/>
+          </p:cNvSpPr>
+          <p:nvPr>
+            <p:ph type="sldNum" sz="quarter" idx="12"/>
+          </p:nvPr>
+        </p:nvSpPr>
+        <p:spPr/>
+        <p:txBody>
+          <a:bodyPr/>
+          <a:lstStyle/>
+          <a:p>
+            <a:pPr algn="ctr"/>
+            <a:fld id="{82B5D99C-3243-4CCA-89CF-846763E29181}" type="slidenum">
+              <a:rPr lang="es-CL" smtClean="0"/>
+              <a:pPr algn="ctr"/>
+              <a:t>61</a:t>
+            </a:fld>
+            <a:endParaRPr lang="es-CL" dirty="0"/>
+          </a:p>
+        </p:txBody>
+      </p:sp>
+      <p:sp>
+        <p:nvSpPr>
+          <p:cNvPr id="8" name="Content Placeholder 2"/>
+          <p:cNvSpPr>
+            <a:spLocks noGrp="1"/>
+          </p:cNvSpPr>
+          <p:nvPr>
+            <p:ph idx="1"/>
+          </p:nvPr>
+        </p:nvSpPr>
+        <p:spPr>
+          <a:xfrm>
+            <a:off x="531639" y="2268085"/>
+            <a:ext cx="6887389" cy="3599316"/>
+          </a:xfrm>
+        </p:spPr>
+        <p:txBody>
+          <a:bodyPr/>
+          <a:lstStyle/>
+          <a:p>
+            <a:r>
+              <a:rPr lang="es-CL" dirty="0">
+                <a:latin typeface="Calibri" panose="020F0502020204030204" pitchFamily="34" charset="0"/>
+              </a:rPr>
+              <a:t>Plan de respuesta de riesgos</a:t>
+            </a:r>
+          </a:p>
+        </p:txBody>
+      </p:sp>
+      <p:graphicFrame>
+        <p:nvGraphicFramePr>
+          <p:cNvPr id="3" name="Table 2"/>
+          <p:cNvGraphicFramePr>
+            <a:graphicFrameLocks noGrp="1"/>
+          </p:cNvGraphicFramePr>
+          <p:nvPr>
+            <p:extLst>
+              <p:ext uri="{D42A27DB-BD31-4B8C-83A1-F6EECF244321}">
+                <p14:modId xmlns:p14="http://schemas.microsoft.com/office/powerpoint/2010/main" val="2769430731"/>
+              </p:ext>
+            </p:extLst>
+          </p:nvPr>
+        </p:nvGraphicFramePr>
+        <p:xfrm>
+          <a:off x="0" y="2712720"/>
+          <a:ext cx="9144000" cy="4145280"/>
+        </p:xfrm>
+        <a:graphic>
+          <a:graphicData uri="http://schemas.openxmlformats.org/drawingml/2006/table">
+            <a:tbl>
+              <a:tblPr firstRow="1" firstCol="1" bandRow="1">
+                <a:tableStyleId>{5C22544A-7EE6-4342-B048-85BDC9FD1C3A}</a:tableStyleId>
+              </a:tblPr>
+              <a:tblGrid>
+                <a:gridCol w="780739">
+                  <a:extLst>
+                    <a:ext uri="{9D8B030D-6E8A-4147-A177-3AD203B41FA5}">
+                      <a16:colId xmlns:a16="http://schemas.microsoft.com/office/drawing/2014/main" val="2947975985"/>
+                    </a:ext>
+                  </a:extLst>
+                </a:gridCol>
+                <a:gridCol w="896315">
+                  <a:extLst>
+                    <a:ext uri="{9D8B030D-6E8A-4147-A177-3AD203B41FA5}">
+                      <a16:colId xmlns:a16="http://schemas.microsoft.com/office/drawing/2014/main" val="278434936"/>
+                    </a:ext>
+                  </a:extLst>
+                </a:gridCol>
+                <a:gridCol w="946876">
+                  <a:extLst>
+                    <a:ext uri="{9D8B030D-6E8A-4147-A177-3AD203B41FA5}">
+                      <a16:colId xmlns:a16="http://schemas.microsoft.com/office/drawing/2014/main" val="2783707337"/>
+                    </a:ext>
+                  </a:extLst>
+                </a:gridCol>
+                <a:gridCol w="2062074">
+                  <a:extLst>
+                    <a:ext uri="{9D8B030D-6E8A-4147-A177-3AD203B41FA5}">
+                      <a16:colId xmlns:a16="http://schemas.microsoft.com/office/drawing/2014/main" val="3910223999"/>
+                    </a:ext>
+                  </a:extLst>
+                </a:gridCol>
+                <a:gridCol w="985926">
+                  <a:extLst>
+                    <a:ext uri="{9D8B030D-6E8A-4147-A177-3AD203B41FA5}">
+                      <a16:colId xmlns:a16="http://schemas.microsoft.com/office/drawing/2014/main" val="1099945704"/>
+                    </a:ext>
+                  </a:extLst>
+                </a:gridCol>
+                <a:gridCol w="1131426">
+                  <a:extLst>
+                    <a:ext uri="{9D8B030D-6E8A-4147-A177-3AD203B41FA5}">
+                      <a16:colId xmlns:a16="http://schemas.microsoft.com/office/drawing/2014/main" val="997912526"/>
+                    </a:ext>
+                  </a:extLst>
+                </a:gridCol>
+                <a:gridCol w="2340644">
+                  <a:extLst>
+                    <a:ext uri="{9D8B030D-6E8A-4147-A177-3AD203B41FA5}">
+                      <a16:colId xmlns:a16="http://schemas.microsoft.com/office/drawing/2014/main" val="1150140822"/>
+                    </a:ext>
+                  </a:extLst>
+                </a:gridCol>
+              </a:tblGrid>
+              <a:tr h="400929">
+                <a:tc>
+                  <a:txBody>
+                    <a:bodyPr/>
+                    <a:lstStyle/>
+                    <a:p>
+                      <a:pPr algn="ctr">
+                        <a:spcAft>
+                          <a:spcPts val="0"/>
+                        </a:spcAft>
+                      </a:pPr>
+                      <a:r>
+                        <a:rPr lang="es-ES_tradnl" sz="1600" dirty="0">
+                          <a:effectLst/>
+                          <a:latin typeface="Calibri" panose="020F0502020204030204" pitchFamily="34" charset="0"/>
+                        </a:rPr>
+                        <a:t>Cód. </a:t>
+                      </a:r>
+                      <a:endParaRPr lang="es-CL" sz="1600" dirty="0">
+                        <a:effectLst/>
+                        <a:latin typeface="Calibri" panose="020F0502020204030204" pitchFamily="34" charset="0"/>
+                      </a:endParaRPr>
+                    </a:p>
+                    <a:p>
+                      <a:pPr algn="ctr">
+                        <a:spcAft>
+                          <a:spcPts val="0"/>
+                        </a:spcAft>
+                      </a:pPr>
+                      <a:r>
+                        <a:rPr lang="es-ES_tradnl" sz="1600" dirty="0">
+                          <a:effectLst/>
+                          <a:latin typeface="Calibri" panose="020F0502020204030204" pitchFamily="34" charset="0"/>
+                        </a:rPr>
+                        <a:t>Riesgo</a:t>
+                      </a:r>
+                      <a:endParaRPr lang="es-CL" sz="1600" dirty="0">
+                        <a:solidFill>
+                          <a:srgbClr val="2E74B5"/>
+                        </a:solidFill>
+                        <a:effectLst/>
+                        <a:latin typeface="Calibri" panose="020F0502020204030204" pitchFamily="34" charset="0"/>
+                        <a:ea typeface="Calibri" panose="020F0502020204030204" pitchFamily="34" charset="0"/>
+                        <a:cs typeface="Times New Roman" panose="02020603050405020304" pitchFamily="18" charset="0"/>
+                      </a:endParaRPr>
+                    </a:p>
+                  </a:txBody>
+                  <a:tcPr marL="44986" marR="44986" marT="0" marB="0"/>
+                </a:tc>
+                <a:tc>
+                  <a:txBody>
+                    <a:bodyPr/>
+                    <a:lstStyle/>
+                    <a:p>
+                      <a:pPr algn="ctr">
+                        <a:spcAft>
+                          <a:spcPts val="0"/>
+                        </a:spcAft>
+                      </a:pPr>
+                      <a:r>
+                        <a:rPr lang="es-ES_tradnl" sz="1600" dirty="0">
+                          <a:effectLst/>
+                          <a:latin typeface="Calibri" panose="020F0502020204030204" pitchFamily="34" charset="0"/>
+                        </a:rPr>
+                        <a:t>PROB. Impacto Total</a:t>
+                      </a:r>
+                      <a:endParaRPr lang="es-CL" sz="1600" dirty="0">
+                        <a:solidFill>
+                          <a:srgbClr val="2E74B5"/>
+                        </a:solidFill>
+                        <a:effectLst/>
+                        <a:latin typeface="Calibri" panose="020F0502020204030204" pitchFamily="34" charset="0"/>
+                        <a:ea typeface="Calibri" panose="020F0502020204030204" pitchFamily="34" charset="0"/>
+                        <a:cs typeface="Times New Roman" panose="02020603050405020304" pitchFamily="18" charset="0"/>
+                      </a:endParaRPr>
+                    </a:p>
+                  </a:txBody>
+                  <a:tcPr marL="44986" marR="44986" marT="0" marB="0"/>
+                </a:tc>
+                <a:tc>
+                  <a:txBody>
+                    <a:bodyPr/>
+                    <a:lstStyle/>
+                    <a:p>
+                      <a:pPr algn="ctr">
+                        <a:spcAft>
+                          <a:spcPts val="0"/>
+                        </a:spcAft>
+                      </a:pPr>
+                      <a:r>
+                        <a:rPr lang="es-ES_tradnl" sz="1600" dirty="0">
+                          <a:effectLst/>
+                          <a:latin typeface="Calibri" panose="020F0502020204030204" pitchFamily="34" charset="0"/>
+                        </a:rPr>
+                        <a:t>Tipo de Riesgo</a:t>
+                      </a:r>
+                      <a:endParaRPr lang="es-CL" sz="1600" dirty="0">
+                        <a:solidFill>
+                          <a:srgbClr val="2E74B5"/>
+                        </a:solidFill>
+                        <a:effectLst/>
+                        <a:latin typeface="Calibri" panose="020F0502020204030204" pitchFamily="34" charset="0"/>
+                        <a:ea typeface="Calibri" panose="020F0502020204030204" pitchFamily="34" charset="0"/>
+                        <a:cs typeface="Times New Roman" panose="02020603050405020304" pitchFamily="18" charset="0"/>
+                      </a:endParaRPr>
+                    </a:p>
+                  </a:txBody>
+                  <a:tcPr marL="44986" marR="44986" marT="0" marB="0"/>
+                </a:tc>
+                <a:tc>
+                  <a:txBody>
+                    <a:bodyPr/>
+                    <a:lstStyle/>
+                    <a:p>
+                      <a:pPr algn="ctr">
+                        <a:spcAft>
+                          <a:spcPts val="0"/>
+                        </a:spcAft>
+                      </a:pPr>
+                      <a:r>
+                        <a:rPr lang="es-ES_tradnl" sz="1600" dirty="0">
+                          <a:effectLst/>
+                          <a:latin typeface="Calibri" panose="020F0502020204030204" pitchFamily="34" charset="0"/>
+                        </a:rPr>
+                        <a:t>Respuestas Planificadas</a:t>
+                      </a:r>
+                      <a:endParaRPr lang="es-CL" sz="1600" dirty="0">
+                        <a:solidFill>
+                          <a:srgbClr val="2E74B5"/>
+                        </a:solidFill>
+                        <a:effectLst/>
+                        <a:latin typeface="Calibri" panose="020F0502020204030204" pitchFamily="34" charset="0"/>
+                        <a:ea typeface="Calibri" panose="020F0502020204030204" pitchFamily="34" charset="0"/>
+                        <a:cs typeface="Times New Roman" panose="02020603050405020304" pitchFamily="18" charset="0"/>
+                      </a:endParaRPr>
+                    </a:p>
+                  </a:txBody>
+                  <a:tcPr marL="44986" marR="44986" marT="0" marB="0"/>
+                </a:tc>
+                <a:tc>
+                  <a:txBody>
+                    <a:bodyPr/>
+                    <a:lstStyle/>
+                    <a:p>
+                      <a:pPr algn="ctr">
+                        <a:spcAft>
+                          <a:spcPts val="0"/>
+                        </a:spcAft>
+                      </a:pPr>
+                      <a:r>
+                        <a:rPr lang="es-ES_tradnl" sz="1600" dirty="0">
+                          <a:effectLst/>
+                          <a:latin typeface="Calibri" panose="020F0502020204030204" pitchFamily="34" charset="0"/>
+                        </a:rPr>
+                        <a:t>Tipo de Respuesta</a:t>
+                      </a:r>
+                      <a:endParaRPr lang="es-CL" sz="1600" dirty="0">
+                        <a:solidFill>
+                          <a:srgbClr val="2E74B5"/>
+                        </a:solidFill>
+                        <a:effectLst/>
+                        <a:latin typeface="Calibri" panose="020F0502020204030204" pitchFamily="34" charset="0"/>
+                        <a:ea typeface="Calibri" panose="020F0502020204030204" pitchFamily="34" charset="0"/>
+                        <a:cs typeface="Times New Roman" panose="02020603050405020304" pitchFamily="18" charset="0"/>
+                      </a:endParaRPr>
+                    </a:p>
+                  </a:txBody>
+                  <a:tcPr marL="44986" marR="44986" marT="0" marB="0"/>
+                </a:tc>
+                <a:tc>
+                  <a:txBody>
+                    <a:bodyPr/>
+                    <a:lstStyle/>
+                    <a:p>
+                      <a:pPr algn="ctr">
+                        <a:spcAft>
+                          <a:spcPts val="0"/>
+                        </a:spcAft>
+                      </a:pPr>
+                      <a:r>
+                        <a:rPr lang="es-ES_tradnl" sz="1600" dirty="0">
+                          <a:effectLst/>
+                          <a:latin typeface="Calibri" panose="020F0502020204030204" pitchFamily="34" charset="0"/>
+                        </a:rPr>
+                        <a:t>Fecha Planificada</a:t>
+                      </a:r>
+                      <a:endParaRPr lang="es-CL" sz="1600" dirty="0">
+                        <a:solidFill>
+                          <a:srgbClr val="2E74B5"/>
+                        </a:solidFill>
+                        <a:effectLst/>
+                        <a:latin typeface="Calibri" panose="020F0502020204030204" pitchFamily="34" charset="0"/>
+                        <a:ea typeface="Calibri" panose="020F0502020204030204" pitchFamily="34" charset="0"/>
+                        <a:cs typeface="Times New Roman" panose="02020603050405020304" pitchFamily="18" charset="0"/>
+                      </a:endParaRPr>
+                    </a:p>
+                  </a:txBody>
+                  <a:tcPr marL="44986" marR="44986" marT="0" marB="0"/>
+                </a:tc>
+                <a:tc>
+                  <a:txBody>
+                    <a:bodyPr/>
+                    <a:lstStyle/>
+                    <a:p>
+                      <a:pPr algn="ctr">
+                        <a:spcAft>
+                          <a:spcPts val="0"/>
+                        </a:spcAft>
+                      </a:pPr>
+                      <a:r>
+                        <a:rPr lang="es-ES_tradnl" sz="1600" dirty="0">
+                          <a:effectLst/>
+                          <a:latin typeface="Calibri" panose="020F0502020204030204" pitchFamily="34" charset="0"/>
+                        </a:rPr>
+                        <a:t>Plan de Contingencia</a:t>
+                      </a:r>
+                      <a:endParaRPr lang="es-CL" sz="1600" dirty="0">
+                        <a:solidFill>
+                          <a:srgbClr val="2E74B5"/>
+                        </a:solidFill>
+                        <a:effectLst/>
+                        <a:latin typeface="Calibri" panose="020F0502020204030204" pitchFamily="34" charset="0"/>
+                        <a:ea typeface="Calibri" panose="020F0502020204030204" pitchFamily="34" charset="0"/>
+                        <a:cs typeface="Times New Roman" panose="02020603050405020304" pitchFamily="18" charset="0"/>
+                      </a:endParaRPr>
+                    </a:p>
+                  </a:txBody>
+                  <a:tcPr marL="44986" marR="44986" marT="0" marB="0"/>
+                </a:tc>
+                <a:extLst>
+                  <a:ext uri="{0D108BD9-81ED-4DB2-BD59-A6C34878D82A}">
+                    <a16:rowId xmlns:a16="http://schemas.microsoft.com/office/drawing/2014/main" val="3421607130"/>
+                  </a:ext>
+                </a:extLst>
+              </a:tr>
+              <a:tr h="935502">
+                <a:tc>
+                  <a:txBody>
+                    <a:bodyPr/>
+                    <a:lstStyle/>
+                    <a:p>
+                      <a:pPr algn="ctr">
+                        <a:spcAft>
+                          <a:spcPts val="0"/>
+                        </a:spcAft>
+                      </a:pPr>
+                      <a:r>
+                        <a:rPr lang="es-ES_tradnl" sz="1600" dirty="0">
+                          <a:effectLst/>
+                          <a:latin typeface="Calibri" panose="020F0502020204030204" pitchFamily="34" charset="0"/>
+                        </a:rPr>
+                        <a:t>R001</a:t>
+                      </a:r>
+                      <a:endParaRPr lang="es-CL" sz="1600" dirty="0">
+                        <a:solidFill>
+                          <a:srgbClr val="2E74B5"/>
+                        </a:solidFill>
+                        <a:effectLst/>
+                        <a:latin typeface="Calibri" panose="020F0502020204030204" pitchFamily="34" charset="0"/>
+                        <a:ea typeface="Calibri" panose="020F0502020204030204" pitchFamily="34" charset="0"/>
+                        <a:cs typeface="Times New Roman" panose="02020603050405020304" pitchFamily="18" charset="0"/>
+                      </a:endParaRPr>
+                    </a:p>
+                  </a:txBody>
+                  <a:tcPr marL="44986" marR="44986" marT="0" marB="0"/>
+                </a:tc>
+                <a:tc>
+                  <a:txBody>
+                    <a:bodyPr/>
+                    <a:lstStyle/>
+                    <a:p>
+                      <a:pPr algn="ctr">
+                        <a:spcAft>
+                          <a:spcPts val="0"/>
+                        </a:spcAft>
+                      </a:pPr>
+                      <a:r>
+                        <a:rPr lang="es-ES_tradnl" sz="1600" dirty="0">
+                          <a:effectLst/>
+                          <a:latin typeface="Calibri" panose="020F0502020204030204" pitchFamily="34" charset="0"/>
+                        </a:rPr>
+                        <a:t>0.10</a:t>
+                      </a:r>
+                      <a:endParaRPr lang="es-CL" sz="1600" dirty="0">
+                        <a:solidFill>
+                          <a:srgbClr val="2E74B5"/>
+                        </a:solidFill>
+                        <a:effectLst/>
+                        <a:latin typeface="Calibri" panose="020F0502020204030204" pitchFamily="34" charset="0"/>
+                        <a:ea typeface="Calibri" panose="020F0502020204030204" pitchFamily="34" charset="0"/>
+                        <a:cs typeface="Times New Roman" panose="02020603050405020304" pitchFamily="18" charset="0"/>
+                      </a:endParaRPr>
+                    </a:p>
+                  </a:txBody>
+                  <a:tcPr marL="44986" marR="44986" marT="0" marB="0"/>
+                </a:tc>
+                <a:tc>
+                  <a:txBody>
+                    <a:bodyPr/>
+                    <a:lstStyle/>
+                    <a:p>
+                      <a:pPr>
+                        <a:spcAft>
+                          <a:spcPts val="0"/>
+                        </a:spcAft>
+                      </a:pPr>
+                      <a:r>
+                        <a:rPr lang="es-ES_tradnl" sz="1600" dirty="0">
+                          <a:effectLst/>
+                          <a:latin typeface="Calibri" panose="020F0502020204030204" pitchFamily="34" charset="0"/>
+                        </a:rPr>
+                        <a:t>RRHH</a:t>
+                      </a:r>
+                      <a:endParaRPr lang="es-CL" sz="1600" dirty="0">
+                        <a:solidFill>
+                          <a:srgbClr val="2E74B5"/>
+                        </a:solidFill>
+                        <a:effectLst/>
+                        <a:latin typeface="Calibri" panose="020F0502020204030204" pitchFamily="34" charset="0"/>
+                        <a:ea typeface="Calibri" panose="020F0502020204030204" pitchFamily="34" charset="0"/>
+                        <a:cs typeface="Times New Roman" panose="02020603050405020304" pitchFamily="18" charset="0"/>
+                      </a:endParaRPr>
+                    </a:p>
+                  </a:txBody>
+                  <a:tcPr marL="44986" marR="44986" marT="0" marB="0"/>
+                </a:tc>
+                <a:tc>
+                  <a:txBody>
+                    <a:bodyPr/>
+                    <a:lstStyle/>
+                    <a:p>
+                      <a:pPr marL="4445" algn="just">
+                        <a:spcAft>
+                          <a:spcPts val="0"/>
+                        </a:spcAft>
+                      </a:pPr>
+                      <a:r>
+                        <a:rPr lang="es-ES_tradnl" sz="1600" dirty="0">
+                          <a:effectLst/>
+                          <a:latin typeface="Calibri" panose="020F0502020204030204" pitchFamily="34" charset="0"/>
+                        </a:rPr>
+                        <a:t>Contratar un nuevo miembro y entrenarlo rápidamente para que cubra las responsabilidades abandonadas lo más rápido posible.</a:t>
+                      </a:r>
+                      <a:endParaRPr lang="es-CL" sz="1600" dirty="0">
+                        <a:solidFill>
+                          <a:srgbClr val="2E74B5"/>
+                        </a:solidFill>
+                        <a:effectLst/>
+                        <a:latin typeface="Calibri" panose="020F0502020204030204" pitchFamily="34" charset="0"/>
+                        <a:ea typeface="Calibri" panose="020F0502020204030204" pitchFamily="34" charset="0"/>
+                        <a:cs typeface="Times New Roman" panose="02020603050405020304" pitchFamily="18" charset="0"/>
+                      </a:endParaRPr>
+                    </a:p>
+                  </a:txBody>
+                  <a:tcPr marL="44986" marR="44986" marT="0" marB="0"/>
+                </a:tc>
+                <a:tc>
+                  <a:txBody>
+                    <a:bodyPr/>
+                    <a:lstStyle/>
+                    <a:p>
+                      <a:pPr algn="just">
+                        <a:spcAft>
+                          <a:spcPts val="0"/>
+                        </a:spcAft>
+                      </a:pPr>
+                      <a:r>
+                        <a:rPr lang="es-ES_tradnl" sz="1600" dirty="0">
+                          <a:effectLst/>
+                          <a:latin typeface="Calibri" panose="020F0502020204030204" pitchFamily="34" charset="0"/>
+                        </a:rPr>
+                        <a:t>Mitigar</a:t>
+                      </a:r>
+                      <a:endParaRPr lang="es-CL" sz="1600" dirty="0">
+                        <a:solidFill>
+                          <a:srgbClr val="2E74B5"/>
+                        </a:solidFill>
+                        <a:effectLst/>
+                        <a:latin typeface="Calibri" panose="020F0502020204030204" pitchFamily="34" charset="0"/>
+                        <a:ea typeface="Calibri" panose="020F0502020204030204" pitchFamily="34" charset="0"/>
+                        <a:cs typeface="Times New Roman" panose="02020603050405020304" pitchFamily="18" charset="0"/>
+                      </a:endParaRPr>
+                    </a:p>
+                  </a:txBody>
+                  <a:tcPr marL="44986" marR="44986" marT="0" marB="0"/>
+                </a:tc>
+                <a:tc>
+                  <a:txBody>
+                    <a:bodyPr/>
+                    <a:lstStyle/>
+                    <a:p>
+                      <a:pPr algn="just">
+                        <a:spcAft>
+                          <a:spcPts val="0"/>
+                        </a:spcAft>
+                      </a:pPr>
+                      <a:r>
+                        <a:rPr lang="es-ES_tradnl" sz="1600" dirty="0">
+                          <a:effectLst/>
+                          <a:latin typeface="Calibri" panose="020F0502020204030204" pitchFamily="34" charset="0"/>
+                        </a:rPr>
+                        <a:t>Durante el proyecto.</a:t>
+                      </a:r>
+                      <a:endParaRPr lang="es-CL" sz="1600" dirty="0">
+                        <a:solidFill>
+                          <a:srgbClr val="2E74B5"/>
+                        </a:solidFill>
+                        <a:effectLst/>
+                        <a:latin typeface="Calibri" panose="020F0502020204030204" pitchFamily="34" charset="0"/>
+                        <a:ea typeface="Calibri" panose="020F0502020204030204" pitchFamily="34" charset="0"/>
+                        <a:cs typeface="Times New Roman" panose="02020603050405020304" pitchFamily="18" charset="0"/>
+                      </a:endParaRPr>
+                    </a:p>
+                  </a:txBody>
+                  <a:tcPr marL="44986" marR="44986" marT="0" marB="0"/>
+                </a:tc>
+                <a:tc>
+                  <a:txBody>
+                    <a:bodyPr/>
+                    <a:lstStyle/>
+                    <a:p>
+                      <a:pPr algn="just">
+                        <a:spcAft>
+                          <a:spcPts val="0"/>
+                        </a:spcAft>
+                      </a:pPr>
+                      <a:r>
+                        <a:rPr lang="es-ES_tradnl" sz="1600" dirty="0">
+                          <a:effectLst/>
+                          <a:latin typeface="Calibri" panose="020F0502020204030204" pitchFamily="34" charset="0"/>
+                        </a:rPr>
+                        <a:t>Mantener documentación de cada rol del proyecto y control de tareas pendientes.</a:t>
+                      </a:r>
+                      <a:endParaRPr lang="es-CL" sz="1600" dirty="0">
+                        <a:effectLst/>
+                        <a:latin typeface="Calibri" panose="020F0502020204030204" pitchFamily="34" charset="0"/>
+                      </a:endParaRPr>
+                    </a:p>
+                    <a:p>
+                      <a:pPr algn="just">
+                        <a:spcAft>
+                          <a:spcPts val="0"/>
+                        </a:spcAft>
+                      </a:pPr>
+                      <a:r>
+                        <a:rPr lang="es-ES_tradnl" sz="1600" dirty="0">
+                          <a:effectLst/>
+                          <a:latin typeface="Calibri" panose="020F0502020204030204" pitchFamily="34" charset="0"/>
+                        </a:rPr>
+                        <a:t>Mantener actualizados los procesos de entrenamiento para nuevo personal.</a:t>
+                      </a:r>
+                      <a:endParaRPr lang="es-CL" sz="1600" dirty="0">
+                        <a:solidFill>
+                          <a:srgbClr val="2E74B5"/>
+                        </a:solidFill>
+                        <a:effectLst/>
+                        <a:latin typeface="Calibri" panose="020F0502020204030204" pitchFamily="34" charset="0"/>
+                        <a:ea typeface="Calibri" panose="020F0502020204030204" pitchFamily="34" charset="0"/>
+                        <a:cs typeface="Times New Roman" panose="02020603050405020304" pitchFamily="18" charset="0"/>
+                      </a:endParaRPr>
+                    </a:p>
+                  </a:txBody>
+                  <a:tcPr marL="44986" marR="44986" marT="0" marB="0"/>
+                </a:tc>
+                <a:extLst>
+                  <a:ext uri="{0D108BD9-81ED-4DB2-BD59-A6C34878D82A}">
+                    <a16:rowId xmlns:a16="http://schemas.microsoft.com/office/drawing/2014/main" val="3660223654"/>
+                  </a:ext>
+                </a:extLst>
+              </a:tr>
+              <a:tr h="801859">
+                <a:tc>
+                  <a:txBody>
+                    <a:bodyPr/>
+                    <a:lstStyle/>
+                    <a:p>
+                      <a:pPr algn="ctr">
+                        <a:spcAft>
+                          <a:spcPts val="0"/>
+                        </a:spcAft>
+                      </a:pPr>
+                      <a:r>
+                        <a:rPr lang="es-ES_tradnl" sz="1600" dirty="0">
+                          <a:effectLst/>
+                          <a:latin typeface="Calibri" panose="020F0502020204030204" pitchFamily="34" charset="0"/>
+                        </a:rPr>
+                        <a:t>R002</a:t>
+                      </a:r>
+                      <a:endParaRPr lang="es-CL" sz="1600" dirty="0">
+                        <a:solidFill>
+                          <a:srgbClr val="2E74B5"/>
+                        </a:solidFill>
+                        <a:effectLst/>
+                        <a:latin typeface="Calibri" panose="020F0502020204030204" pitchFamily="34" charset="0"/>
+                        <a:ea typeface="Calibri" panose="020F0502020204030204" pitchFamily="34" charset="0"/>
+                        <a:cs typeface="Times New Roman" panose="02020603050405020304" pitchFamily="18" charset="0"/>
+                      </a:endParaRPr>
+                    </a:p>
+                  </a:txBody>
+                  <a:tcPr marL="44986" marR="44986" marT="0" marB="0"/>
+                </a:tc>
+                <a:tc>
+                  <a:txBody>
+                    <a:bodyPr/>
+                    <a:lstStyle/>
+                    <a:p>
+                      <a:pPr algn="ctr">
+                        <a:spcAft>
+                          <a:spcPts val="0"/>
+                        </a:spcAft>
+                      </a:pPr>
+                      <a:r>
+                        <a:rPr lang="es-ES_tradnl" sz="1600" dirty="0">
+                          <a:effectLst/>
+                          <a:latin typeface="Calibri" panose="020F0502020204030204" pitchFamily="34" charset="0"/>
+                        </a:rPr>
+                        <a:t>0.20</a:t>
+                      </a:r>
+                      <a:endParaRPr lang="es-CL" sz="1600" dirty="0">
+                        <a:solidFill>
+                          <a:srgbClr val="2E74B5"/>
+                        </a:solidFill>
+                        <a:effectLst/>
+                        <a:latin typeface="Calibri" panose="020F0502020204030204" pitchFamily="34" charset="0"/>
+                        <a:ea typeface="Calibri" panose="020F0502020204030204" pitchFamily="34" charset="0"/>
+                        <a:cs typeface="Times New Roman" panose="02020603050405020304" pitchFamily="18" charset="0"/>
+                      </a:endParaRPr>
+                    </a:p>
+                  </a:txBody>
+                  <a:tcPr marL="44986" marR="44986" marT="0" marB="0"/>
+                </a:tc>
+                <a:tc>
+                  <a:txBody>
+                    <a:bodyPr/>
+                    <a:lstStyle/>
+                    <a:p>
+                      <a:pPr algn="just">
+                        <a:spcAft>
+                          <a:spcPts val="0"/>
+                        </a:spcAft>
+                      </a:pPr>
+                      <a:r>
+                        <a:rPr lang="es-ES_tradnl" sz="1600" dirty="0">
+                          <a:effectLst/>
+                          <a:latin typeface="Calibri" panose="020F0502020204030204" pitchFamily="34" charset="0"/>
+                        </a:rPr>
+                        <a:t>Contractual</a:t>
+                      </a:r>
+                      <a:endParaRPr lang="es-CL" sz="1600" dirty="0">
+                        <a:solidFill>
+                          <a:srgbClr val="2E74B5"/>
+                        </a:solidFill>
+                        <a:effectLst/>
+                        <a:latin typeface="Calibri" panose="020F0502020204030204" pitchFamily="34" charset="0"/>
+                        <a:ea typeface="Calibri" panose="020F0502020204030204" pitchFamily="34" charset="0"/>
+                        <a:cs typeface="Times New Roman" panose="02020603050405020304" pitchFamily="18" charset="0"/>
+                      </a:endParaRPr>
+                    </a:p>
+                  </a:txBody>
+                  <a:tcPr marL="44986" marR="44986" marT="0" marB="0"/>
+                </a:tc>
+                <a:tc>
+                  <a:txBody>
+                    <a:bodyPr/>
+                    <a:lstStyle/>
+                    <a:p>
+                      <a:pPr algn="just">
+                        <a:spcAft>
+                          <a:spcPts val="0"/>
+                        </a:spcAft>
+                      </a:pPr>
+                      <a:r>
+                        <a:rPr lang="es-ES_tradnl" sz="1600" dirty="0">
+                          <a:effectLst/>
+                          <a:latin typeface="Calibri" panose="020F0502020204030204" pitchFamily="34" charset="0"/>
+                        </a:rPr>
+                        <a:t>Usar la documentación de respaldo para que ambas parten tengan el mismo objetivo.</a:t>
+                      </a:r>
+                      <a:endParaRPr lang="es-CL" sz="1600" dirty="0">
+                        <a:effectLst/>
+                        <a:latin typeface="Calibri" panose="020F0502020204030204" pitchFamily="34" charset="0"/>
+                      </a:endParaRPr>
+                    </a:p>
+                    <a:p>
+                      <a:pPr algn="just">
+                        <a:spcAft>
+                          <a:spcPts val="0"/>
+                        </a:spcAft>
+                      </a:pPr>
+                      <a:r>
+                        <a:rPr lang="es-ES_tradnl" sz="1600" dirty="0">
+                          <a:effectLst/>
+                          <a:latin typeface="Calibri" panose="020F0502020204030204" pitchFamily="34" charset="0"/>
+                        </a:rPr>
+                        <a:t>Definir lo que se va a hacer por contrato.</a:t>
+                      </a:r>
+                      <a:endParaRPr lang="es-CL" sz="1600" dirty="0">
+                        <a:solidFill>
+                          <a:srgbClr val="2E74B5"/>
+                        </a:solidFill>
+                        <a:effectLst/>
+                        <a:latin typeface="Calibri" panose="020F0502020204030204" pitchFamily="34" charset="0"/>
+                        <a:ea typeface="Calibri" panose="020F0502020204030204" pitchFamily="34" charset="0"/>
+                        <a:cs typeface="Times New Roman" panose="02020603050405020304" pitchFamily="18" charset="0"/>
+                      </a:endParaRPr>
+                    </a:p>
+                  </a:txBody>
+                  <a:tcPr marL="44986" marR="44986" marT="0" marB="0"/>
+                </a:tc>
+                <a:tc>
+                  <a:txBody>
+                    <a:bodyPr/>
+                    <a:lstStyle/>
+                    <a:p>
+                      <a:pPr algn="just">
+                        <a:spcAft>
+                          <a:spcPts val="0"/>
+                        </a:spcAft>
+                      </a:pPr>
+                      <a:r>
+                        <a:rPr lang="es-ES_tradnl" sz="1600" dirty="0">
+                          <a:effectLst/>
+                          <a:latin typeface="Calibri" panose="020F0502020204030204" pitchFamily="34" charset="0"/>
+                        </a:rPr>
+                        <a:t>Evitar</a:t>
+                      </a:r>
+                      <a:endParaRPr lang="es-CL" sz="1600" dirty="0">
+                        <a:solidFill>
+                          <a:srgbClr val="2E74B5"/>
+                        </a:solidFill>
+                        <a:effectLst/>
+                        <a:latin typeface="Calibri" panose="020F0502020204030204" pitchFamily="34" charset="0"/>
+                        <a:ea typeface="Calibri" panose="020F0502020204030204" pitchFamily="34" charset="0"/>
+                        <a:cs typeface="Times New Roman" panose="02020603050405020304" pitchFamily="18" charset="0"/>
+                      </a:endParaRPr>
+                    </a:p>
+                  </a:txBody>
+                  <a:tcPr marL="44986" marR="44986" marT="0" marB="0"/>
+                </a:tc>
+                <a:tc>
+                  <a:txBody>
+                    <a:bodyPr/>
+                    <a:lstStyle/>
+                    <a:p>
+                      <a:pPr algn="just">
+                        <a:spcAft>
+                          <a:spcPts val="0"/>
+                        </a:spcAft>
+                      </a:pPr>
+                      <a:r>
+                        <a:rPr lang="es-ES_tradnl" sz="1600" dirty="0">
+                          <a:effectLst/>
+                          <a:latin typeface="Calibri" panose="020F0502020204030204" pitchFamily="34" charset="0"/>
+                        </a:rPr>
+                        <a:t>Inicio del proyecto</a:t>
+                      </a:r>
+                      <a:endParaRPr lang="es-CL" sz="1600" dirty="0">
+                        <a:solidFill>
+                          <a:srgbClr val="2E74B5"/>
+                        </a:solidFill>
+                        <a:effectLst/>
+                        <a:latin typeface="Calibri" panose="020F0502020204030204" pitchFamily="34" charset="0"/>
+                        <a:ea typeface="Calibri" panose="020F0502020204030204" pitchFamily="34" charset="0"/>
+                        <a:cs typeface="Times New Roman" panose="02020603050405020304" pitchFamily="18" charset="0"/>
+                      </a:endParaRPr>
+                    </a:p>
+                  </a:txBody>
+                  <a:tcPr marL="44986" marR="44986" marT="0" marB="0"/>
+                </a:tc>
+                <a:tc>
+                  <a:txBody>
+                    <a:bodyPr/>
+                    <a:lstStyle/>
+                    <a:p>
+                      <a:pPr algn="just">
+                        <a:spcAft>
+                          <a:spcPts val="0"/>
+                        </a:spcAft>
+                      </a:pPr>
+                      <a:r>
+                        <a:rPr lang="es-ES_tradnl" sz="1600" dirty="0">
+                          <a:effectLst/>
+                          <a:latin typeface="Calibri" panose="020F0502020204030204" pitchFamily="34" charset="0"/>
+                        </a:rPr>
+                        <a:t>Tener respaldo de lo aprobado por el cliente</a:t>
+                      </a:r>
+                      <a:endParaRPr lang="es-CL" sz="1600" dirty="0">
+                        <a:solidFill>
+                          <a:srgbClr val="2E74B5"/>
+                        </a:solidFill>
+                        <a:effectLst/>
+                        <a:latin typeface="Calibri" panose="020F0502020204030204" pitchFamily="34" charset="0"/>
+                        <a:ea typeface="Calibri" panose="020F0502020204030204" pitchFamily="34" charset="0"/>
+                        <a:cs typeface="Times New Roman" panose="02020603050405020304" pitchFamily="18" charset="0"/>
+                      </a:endParaRPr>
+                    </a:p>
+                  </a:txBody>
+                  <a:tcPr marL="44986" marR="44986" marT="0" marB="0"/>
+                </a:tc>
+                <a:extLst>
+                  <a:ext uri="{0D108BD9-81ED-4DB2-BD59-A6C34878D82A}">
+                    <a16:rowId xmlns:a16="http://schemas.microsoft.com/office/drawing/2014/main" val="86456629"/>
+                  </a:ext>
+                </a:extLst>
+              </a:tr>
+            </a:tbl>
+          </a:graphicData>
+        </a:graphic>
+      </p:graphicFrame>
+    </p:spTree>
+    <p:extLst>
+      <p:ext uri="{BB962C8B-B14F-4D97-AF65-F5344CB8AC3E}">
+        <p14:creationId xmlns:p14="http://schemas.microsoft.com/office/powerpoint/2010/main" val="963974209"/>
+      </p:ext>
+    </p:extLst>
+  </p:cSld>
+  <p:clrMapOvr>
+    <a:masterClrMapping/>
+  </p:clrMapOvr>
+</p:sld>
+</file>
+
+<file path=ppt/slides/slide62.xml><?xml version="1.0" encoding="utf-8"?>
+<p:sld xmlns:a="http://schemas.openxmlformats.org/drawingml/2006/main" xmlns:r="http://schemas.openxmlformats.org/officeDocument/2006/relationships" xmlns:p="http://schemas.openxmlformats.org/presentationml/2006/main">
+  <p:cSld>
+    <p:spTree>
+      <p:nvGrpSpPr>
+        <p:cNvPr id="1" name=""/>
+        <p:cNvGrpSpPr/>
+        <p:nvPr/>
+      </p:nvGrpSpPr>
+      <p:grpSpPr>
+        <a:xfrm>
+          <a:off x="0" y="0"/>
+          <a:ext cx="0" cy="0"/>
+          <a:chOff x="0" y="0"/>
+          <a:chExt cx="0" cy="0"/>
+        </a:xfrm>
+      </p:grpSpPr>
+      <p:sp>
+        <p:nvSpPr>
+          <p:cNvPr id="2" name="Title 1"/>
+          <p:cNvSpPr>
+            <a:spLocks noGrp="1"/>
+          </p:cNvSpPr>
+          <p:nvPr>
+            <p:ph type="title"/>
+          </p:nvPr>
+        </p:nvSpPr>
+        <p:spPr/>
+        <p:txBody>
+          <a:bodyPr/>
+          <a:lstStyle/>
+          <a:p>
+            <a:r>
+              <a:rPr lang="es-CL" dirty="0"/>
+              <a:t>Gestión de riesgos</a:t>
+            </a:r>
+          </a:p>
+        </p:txBody>
+      </p:sp>
+      <p:pic>
+        <p:nvPicPr>
+          <p:cNvPr id="2050" name="Picture 2" descr="Resultado de imagen para duoc"/>
+          <p:cNvPicPr>
+            <a:picLocks noChangeAspect="1" noChangeArrowheads="1"/>
+          </p:cNvPicPr>
+          <p:nvPr/>
+        </p:nvPicPr>
+        <p:blipFill>
+          <a:blip r:embed="rId2">
+            <a:extLst>
+              <a:ext uri="{28A0092B-C50C-407E-A947-70E740481C1C}">
+                <a14:useLocalDpi xmlns:a14="http://schemas.microsoft.com/office/drawing/2010/main" val="0"/>
+              </a:ext>
+            </a:extLst>
+          </a:blip>
+          <a:srcRect/>
+          <a:stretch>
+            <a:fillRect/>
+          </a:stretch>
+        </p:blipFill>
+        <p:spPr bwMode="auto">
+          <a:xfrm>
+            <a:off x="7770945" y="599455"/>
+            <a:ext cx="1373055" cy="307545"/>
+          </a:xfrm>
+          <a:prstGeom prst="rect">
+            <a:avLst/>
+          </a:prstGeom>
+          <a:noFill/>
+          <a:extLst>
+            <a:ext uri="{909E8E84-426E-40DD-AFC4-6F175D3DCCD1}">
+              <a14:hiddenFill xmlns:a14="http://schemas.microsoft.com/office/drawing/2010/main">
+                <a:solidFill>
+                  <a:srgbClr val="FFFFFF"/>
+                </a:solidFill>
+              </a14:hiddenFill>
+            </a:ext>
+          </a:extLst>
+        </p:spPr>
+      </p:pic>
+      <p:sp>
+        <p:nvSpPr>
+          <p:cNvPr id="5" name="Slide Number Placeholder 4"/>
+          <p:cNvSpPr>
+            <a:spLocks noGrp="1"/>
+          </p:cNvSpPr>
+          <p:nvPr>
+            <p:ph type="sldNum" sz="quarter" idx="12"/>
+          </p:nvPr>
+        </p:nvSpPr>
+        <p:spPr/>
+        <p:txBody>
+          <a:bodyPr/>
+          <a:lstStyle/>
+          <a:p>
+            <a:pPr algn="ctr"/>
+            <a:fld id="{82B5D99C-3243-4CCA-89CF-846763E29181}" type="slidenum">
+              <a:rPr lang="es-CL" smtClean="0"/>
+              <a:pPr algn="ctr"/>
+              <a:t>62</a:t>
+            </a:fld>
+            <a:endParaRPr lang="es-CL" dirty="0"/>
+          </a:p>
+        </p:txBody>
+      </p:sp>
+      <p:sp>
+        <p:nvSpPr>
+          <p:cNvPr id="8" name="Content Placeholder 2"/>
+          <p:cNvSpPr>
+            <a:spLocks noGrp="1"/>
+          </p:cNvSpPr>
+          <p:nvPr>
+            <p:ph idx="1"/>
+          </p:nvPr>
+        </p:nvSpPr>
+        <p:spPr>
+          <a:xfrm>
+            <a:off x="531639" y="2268085"/>
+            <a:ext cx="6887389" cy="3599316"/>
+          </a:xfrm>
+        </p:spPr>
+        <p:txBody>
+          <a:bodyPr/>
+          <a:lstStyle/>
+          <a:p>
+            <a:r>
+              <a:rPr lang="es-CL" dirty="0">
+                <a:latin typeface="Calibri" panose="020F0502020204030204" pitchFamily="34" charset="0"/>
+              </a:rPr>
+              <a:t>Plan de respuesta de riesgos</a:t>
+            </a:r>
+          </a:p>
+        </p:txBody>
+      </p:sp>
+      <p:graphicFrame>
+        <p:nvGraphicFramePr>
+          <p:cNvPr id="3" name="Table 2"/>
+          <p:cNvGraphicFramePr>
+            <a:graphicFrameLocks noGrp="1"/>
+          </p:cNvGraphicFramePr>
+          <p:nvPr>
+            <p:extLst>
+              <p:ext uri="{D42A27DB-BD31-4B8C-83A1-F6EECF244321}">
+                <p14:modId xmlns:p14="http://schemas.microsoft.com/office/powerpoint/2010/main" val="2115819776"/>
+              </p:ext>
+            </p:extLst>
+          </p:nvPr>
+        </p:nvGraphicFramePr>
+        <p:xfrm>
+          <a:off x="-1" y="2848709"/>
+          <a:ext cx="9144000" cy="3657600"/>
+        </p:xfrm>
+        <a:graphic>
+          <a:graphicData uri="http://schemas.openxmlformats.org/drawingml/2006/table">
+            <a:tbl>
+              <a:tblPr firstRow="1" firstCol="1" bandRow="1">
+                <a:tableStyleId>{5C22544A-7EE6-4342-B048-85BDC9FD1C3A}</a:tableStyleId>
+              </a:tblPr>
+              <a:tblGrid>
+                <a:gridCol w="780739">
+                  <a:extLst>
+                    <a:ext uri="{9D8B030D-6E8A-4147-A177-3AD203B41FA5}">
+                      <a16:colId xmlns:a16="http://schemas.microsoft.com/office/drawing/2014/main" val="2947975985"/>
+                    </a:ext>
+                  </a:extLst>
+                </a:gridCol>
+                <a:gridCol w="896315">
+                  <a:extLst>
+                    <a:ext uri="{9D8B030D-6E8A-4147-A177-3AD203B41FA5}">
+                      <a16:colId xmlns:a16="http://schemas.microsoft.com/office/drawing/2014/main" val="278434936"/>
+                    </a:ext>
+                  </a:extLst>
+                </a:gridCol>
+                <a:gridCol w="1114106">
+                  <a:extLst>
+                    <a:ext uri="{9D8B030D-6E8A-4147-A177-3AD203B41FA5}">
+                      <a16:colId xmlns:a16="http://schemas.microsoft.com/office/drawing/2014/main" val="2783707337"/>
+                    </a:ext>
+                  </a:extLst>
+                </a:gridCol>
+                <a:gridCol w="1894844">
+                  <a:extLst>
+                    <a:ext uri="{9D8B030D-6E8A-4147-A177-3AD203B41FA5}">
+                      <a16:colId xmlns:a16="http://schemas.microsoft.com/office/drawing/2014/main" val="3910223999"/>
+                    </a:ext>
+                  </a:extLst>
+                </a:gridCol>
+                <a:gridCol w="1003246">
+                  <a:extLst>
+                    <a:ext uri="{9D8B030D-6E8A-4147-A177-3AD203B41FA5}">
+                      <a16:colId xmlns:a16="http://schemas.microsoft.com/office/drawing/2014/main" val="1099945704"/>
+                    </a:ext>
+                  </a:extLst>
+                </a:gridCol>
+                <a:gridCol w="1114106">
+                  <a:extLst>
+                    <a:ext uri="{9D8B030D-6E8A-4147-A177-3AD203B41FA5}">
+                      <a16:colId xmlns:a16="http://schemas.microsoft.com/office/drawing/2014/main" val="997912526"/>
+                    </a:ext>
+                  </a:extLst>
+                </a:gridCol>
+                <a:gridCol w="2340644">
+                  <a:extLst>
+                    <a:ext uri="{9D8B030D-6E8A-4147-A177-3AD203B41FA5}">
+                      <a16:colId xmlns:a16="http://schemas.microsoft.com/office/drawing/2014/main" val="1150140822"/>
+                    </a:ext>
+                  </a:extLst>
+                </a:gridCol>
+              </a:tblGrid>
+              <a:tr h="400929">
+                <a:tc>
+                  <a:txBody>
+                    <a:bodyPr/>
+                    <a:lstStyle/>
+                    <a:p>
+                      <a:pPr algn="ctr">
+                        <a:spcAft>
+                          <a:spcPts val="0"/>
+                        </a:spcAft>
+                      </a:pPr>
+                      <a:r>
+                        <a:rPr lang="es-ES_tradnl" sz="1600" dirty="0">
+                          <a:effectLst/>
+                          <a:latin typeface="Calibri" panose="020F0502020204030204" pitchFamily="34" charset="0"/>
+                        </a:rPr>
+                        <a:t>Cód. </a:t>
+                      </a:r>
+                      <a:endParaRPr lang="es-CL" sz="1600" dirty="0">
+                        <a:effectLst/>
+                        <a:latin typeface="Calibri" panose="020F0502020204030204" pitchFamily="34" charset="0"/>
+                      </a:endParaRPr>
+                    </a:p>
+                    <a:p>
+                      <a:pPr algn="ctr">
+                        <a:spcAft>
+                          <a:spcPts val="0"/>
+                        </a:spcAft>
+                      </a:pPr>
+                      <a:r>
+                        <a:rPr lang="es-ES_tradnl" sz="1600" dirty="0">
+                          <a:effectLst/>
+                          <a:latin typeface="Calibri" panose="020F0502020204030204" pitchFamily="34" charset="0"/>
+                        </a:rPr>
+                        <a:t>Riesgo</a:t>
+                      </a:r>
+                      <a:endParaRPr lang="es-CL" sz="1600" dirty="0">
+                        <a:solidFill>
+                          <a:srgbClr val="2E74B5"/>
+                        </a:solidFill>
+                        <a:effectLst/>
+                        <a:latin typeface="Calibri" panose="020F0502020204030204" pitchFamily="34" charset="0"/>
+                        <a:ea typeface="Calibri" panose="020F0502020204030204" pitchFamily="34" charset="0"/>
+                        <a:cs typeface="Times New Roman" panose="02020603050405020304" pitchFamily="18" charset="0"/>
+                      </a:endParaRPr>
+                    </a:p>
+                  </a:txBody>
+                  <a:tcPr marL="44986" marR="44986" marT="0" marB="0"/>
+                </a:tc>
+                <a:tc>
+                  <a:txBody>
+                    <a:bodyPr/>
+                    <a:lstStyle/>
+                    <a:p>
+                      <a:pPr algn="ctr">
+                        <a:spcAft>
+                          <a:spcPts val="0"/>
+                        </a:spcAft>
+                      </a:pPr>
+                      <a:r>
+                        <a:rPr lang="es-ES_tradnl" sz="1600" dirty="0">
+                          <a:effectLst/>
+                          <a:latin typeface="Calibri" panose="020F0502020204030204" pitchFamily="34" charset="0"/>
+                        </a:rPr>
+                        <a:t>PROB. Impacto Total</a:t>
+                      </a:r>
+                      <a:endParaRPr lang="es-CL" sz="1600" dirty="0">
+                        <a:solidFill>
+                          <a:srgbClr val="2E74B5"/>
+                        </a:solidFill>
+                        <a:effectLst/>
+                        <a:latin typeface="Calibri" panose="020F0502020204030204" pitchFamily="34" charset="0"/>
+                        <a:ea typeface="Calibri" panose="020F0502020204030204" pitchFamily="34" charset="0"/>
+                        <a:cs typeface="Times New Roman" panose="02020603050405020304" pitchFamily="18" charset="0"/>
+                      </a:endParaRPr>
+                    </a:p>
+                  </a:txBody>
+                  <a:tcPr marL="44986" marR="44986" marT="0" marB="0"/>
+                </a:tc>
+                <a:tc>
+                  <a:txBody>
+                    <a:bodyPr/>
+                    <a:lstStyle/>
+                    <a:p>
+                      <a:pPr algn="ctr">
+                        <a:spcAft>
+                          <a:spcPts val="0"/>
+                        </a:spcAft>
+                      </a:pPr>
+                      <a:r>
+                        <a:rPr lang="es-ES_tradnl" sz="1600" dirty="0">
+                          <a:effectLst/>
+                          <a:latin typeface="Calibri" panose="020F0502020204030204" pitchFamily="34" charset="0"/>
+                        </a:rPr>
+                        <a:t>Tipo de Riesgo</a:t>
+                      </a:r>
+                      <a:endParaRPr lang="es-CL" sz="1600" dirty="0">
+                        <a:solidFill>
+                          <a:srgbClr val="2E74B5"/>
+                        </a:solidFill>
+                        <a:effectLst/>
+                        <a:latin typeface="Calibri" panose="020F0502020204030204" pitchFamily="34" charset="0"/>
+                        <a:ea typeface="Calibri" panose="020F0502020204030204" pitchFamily="34" charset="0"/>
+                        <a:cs typeface="Times New Roman" panose="02020603050405020304" pitchFamily="18" charset="0"/>
+                      </a:endParaRPr>
+                    </a:p>
+                  </a:txBody>
+                  <a:tcPr marL="44986" marR="44986" marT="0" marB="0"/>
+                </a:tc>
+                <a:tc>
+                  <a:txBody>
+                    <a:bodyPr/>
+                    <a:lstStyle/>
+                    <a:p>
+                      <a:pPr algn="ctr">
+                        <a:spcAft>
+                          <a:spcPts val="0"/>
+                        </a:spcAft>
+                      </a:pPr>
+                      <a:r>
+                        <a:rPr lang="es-ES_tradnl" sz="1600" dirty="0">
+                          <a:effectLst/>
+                          <a:latin typeface="Calibri" panose="020F0502020204030204" pitchFamily="34" charset="0"/>
+                        </a:rPr>
+                        <a:t>Respuestas Planificadas</a:t>
+                      </a:r>
+                      <a:endParaRPr lang="es-CL" sz="1600" dirty="0">
+                        <a:solidFill>
+                          <a:srgbClr val="2E74B5"/>
+                        </a:solidFill>
+                        <a:effectLst/>
+                        <a:latin typeface="Calibri" panose="020F0502020204030204" pitchFamily="34" charset="0"/>
+                        <a:ea typeface="Calibri" panose="020F0502020204030204" pitchFamily="34" charset="0"/>
+                        <a:cs typeface="Times New Roman" panose="02020603050405020304" pitchFamily="18" charset="0"/>
+                      </a:endParaRPr>
+                    </a:p>
+                  </a:txBody>
+                  <a:tcPr marL="44986" marR="44986" marT="0" marB="0"/>
+                </a:tc>
+                <a:tc>
+                  <a:txBody>
+                    <a:bodyPr/>
+                    <a:lstStyle/>
+                    <a:p>
+                      <a:pPr algn="ctr">
+                        <a:spcAft>
+                          <a:spcPts val="0"/>
+                        </a:spcAft>
+                      </a:pPr>
+                      <a:r>
+                        <a:rPr lang="es-ES_tradnl" sz="1600" dirty="0">
+                          <a:effectLst/>
+                          <a:latin typeface="Calibri" panose="020F0502020204030204" pitchFamily="34" charset="0"/>
+                        </a:rPr>
+                        <a:t>Tipo de Respuesta</a:t>
+                      </a:r>
+                      <a:endParaRPr lang="es-CL" sz="1600" dirty="0">
+                        <a:solidFill>
+                          <a:srgbClr val="2E74B5"/>
+                        </a:solidFill>
+                        <a:effectLst/>
+                        <a:latin typeface="Calibri" panose="020F0502020204030204" pitchFamily="34" charset="0"/>
+                        <a:ea typeface="Calibri" panose="020F0502020204030204" pitchFamily="34" charset="0"/>
+                        <a:cs typeface="Times New Roman" panose="02020603050405020304" pitchFamily="18" charset="0"/>
+                      </a:endParaRPr>
+                    </a:p>
+                  </a:txBody>
+                  <a:tcPr marL="44986" marR="44986" marT="0" marB="0"/>
+                </a:tc>
+                <a:tc>
+                  <a:txBody>
+                    <a:bodyPr/>
+                    <a:lstStyle/>
+                    <a:p>
+                      <a:pPr algn="ctr">
+                        <a:spcAft>
+                          <a:spcPts val="0"/>
+                        </a:spcAft>
+                      </a:pPr>
+                      <a:r>
+                        <a:rPr lang="es-ES_tradnl" sz="1600" dirty="0">
+                          <a:effectLst/>
+                          <a:latin typeface="Calibri" panose="020F0502020204030204" pitchFamily="34" charset="0"/>
+                        </a:rPr>
+                        <a:t>Fecha Planificada</a:t>
+                      </a:r>
+                      <a:endParaRPr lang="es-CL" sz="1600" dirty="0">
+                        <a:solidFill>
+                          <a:srgbClr val="2E74B5"/>
+                        </a:solidFill>
+                        <a:effectLst/>
+                        <a:latin typeface="Calibri" panose="020F0502020204030204" pitchFamily="34" charset="0"/>
+                        <a:ea typeface="Calibri" panose="020F0502020204030204" pitchFamily="34" charset="0"/>
+                        <a:cs typeface="Times New Roman" panose="02020603050405020304" pitchFamily="18" charset="0"/>
+                      </a:endParaRPr>
+                    </a:p>
+                  </a:txBody>
+                  <a:tcPr marL="44986" marR="44986" marT="0" marB="0"/>
+                </a:tc>
+                <a:tc>
+                  <a:txBody>
+                    <a:bodyPr/>
+                    <a:lstStyle/>
+                    <a:p>
+                      <a:pPr algn="ctr">
+                        <a:spcAft>
+                          <a:spcPts val="0"/>
+                        </a:spcAft>
+                      </a:pPr>
+                      <a:r>
+                        <a:rPr lang="es-ES_tradnl" sz="1600" dirty="0">
+                          <a:effectLst/>
+                          <a:latin typeface="Calibri" panose="020F0502020204030204" pitchFamily="34" charset="0"/>
+                        </a:rPr>
+                        <a:t>Plan de Contingencia</a:t>
+                      </a:r>
+                      <a:endParaRPr lang="es-CL" sz="1600" dirty="0">
+                        <a:solidFill>
+                          <a:srgbClr val="2E74B5"/>
+                        </a:solidFill>
+                        <a:effectLst/>
+                        <a:latin typeface="Calibri" panose="020F0502020204030204" pitchFamily="34" charset="0"/>
+                        <a:ea typeface="Calibri" panose="020F0502020204030204" pitchFamily="34" charset="0"/>
+                        <a:cs typeface="Times New Roman" panose="02020603050405020304" pitchFamily="18" charset="0"/>
+                      </a:endParaRPr>
+                    </a:p>
+                  </a:txBody>
+                  <a:tcPr marL="44986" marR="44986" marT="0" marB="0"/>
+                </a:tc>
+                <a:extLst>
+                  <a:ext uri="{0D108BD9-81ED-4DB2-BD59-A6C34878D82A}">
+                    <a16:rowId xmlns:a16="http://schemas.microsoft.com/office/drawing/2014/main" val="3421607130"/>
+                  </a:ext>
+                </a:extLst>
+              </a:tr>
+              <a:tr h="400929">
+                <a:tc>
+                  <a:txBody>
+                    <a:bodyPr/>
+                    <a:lstStyle/>
+                    <a:p>
+                      <a:pPr algn="ctr">
+                        <a:spcAft>
+                          <a:spcPts val="0"/>
+                        </a:spcAft>
+                      </a:pPr>
+                      <a:r>
+                        <a:rPr lang="es-ES_tradnl" sz="1600" dirty="0">
+                          <a:effectLst/>
+                          <a:latin typeface="Calibri" panose="020F0502020204030204" pitchFamily="34" charset="0"/>
+                        </a:rPr>
+                        <a:t>R003</a:t>
+                      </a:r>
+                      <a:endParaRPr lang="es-CL" sz="1600" dirty="0">
+                        <a:solidFill>
+                          <a:srgbClr val="2E74B5"/>
+                        </a:solidFill>
+                        <a:effectLst/>
+                        <a:latin typeface="Calibri" panose="020F0502020204030204" pitchFamily="34" charset="0"/>
+                        <a:ea typeface="Calibri" panose="020F0502020204030204" pitchFamily="34" charset="0"/>
+                        <a:cs typeface="Times New Roman" panose="02020603050405020304" pitchFamily="18" charset="0"/>
+                      </a:endParaRPr>
+                    </a:p>
+                  </a:txBody>
+                  <a:tcPr marL="44986" marR="44986" marT="0" marB="0"/>
+                </a:tc>
+                <a:tc>
+                  <a:txBody>
+                    <a:bodyPr/>
+                    <a:lstStyle/>
+                    <a:p>
+                      <a:pPr algn="ctr">
+                        <a:spcAft>
+                          <a:spcPts val="0"/>
+                        </a:spcAft>
+                      </a:pPr>
+                      <a:r>
+                        <a:rPr lang="es-ES_tradnl" sz="1600" dirty="0">
+                          <a:effectLst/>
+                          <a:latin typeface="Calibri" panose="020F0502020204030204" pitchFamily="34" charset="0"/>
+                        </a:rPr>
+                        <a:t>0.10</a:t>
+                      </a:r>
+                      <a:endParaRPr lang="es-CL" sz="1600" dirty="0">
+                        <a:solidFill>
+                          <a:srgbClr val="2E74B5"/>
+                        </a:solidFill>
+                        <a:effectLst/>
+                        <a:latin typeface="Calibri" panose="020F0502020204030204" pitchFamily="34" charset="0"/>
+                        <a:ea typeface="Calibri" panose="020F0502020204030204" pitchFamily="34" charset="0"/>
+                        <a:cs typeface="Times New Roman" panose="02020603050405020304" pitchFamily="18" charset="0"/>
+                      </a:endParaRPr>
+                    </a:p>
+                  </a:txBody>
+                  <a:tcPr marL="44986" marR="44986" marT="0" marB="0"/>
+                </a:tc>
+                <a:tc>
+                  <a:txBody>
+                    <a:bodyPr/>
+                    <a:lstStyle/>
+                    <a:p>
+                      <a:pPr algn="just">
+                        <a:spcAft>
+                          <a:spcPts val="0"/>
+                        </a:spcAft>
+                      </a:pPr>
+                      <a:r>
+                        <a:rPr lang="es-ES_tradnl" sz="1600" dirty="0">
+                          <a:effectLst/>
+                          <a:latin typeface="Calibri" panose="020F0502020204030204" pitchFamily="34" charset="0"/>
+                        </a:rPr>
+                        <a:t>Monetario</a:t>
+                      </a:r>
+                      <a:endParaRPr lang="es-CL" sz="1600" dirty="0">
+                        <a:solidFill>
+                          <a:srgbClr val="2E74B5"/>
+                        </a:solidFill>
+                        <a:effectLst/>
+                        <a:latin typeface="Calibri" panose="020F0502020204030204" pitchFamily="34" charset="0"/>
+                        <a:ea typeface="Calibri" panose="020F0502020204030204" pitchFamily="34" charset="0"/>
+                        <a:cs typeface="Times New Roman" panose="02020603050405020304" pitchFamily="18" charset="0"/>
+                      </a:endParaRPr>
+                    </a:p>
+                  </a:txBody>
+                  <a:tcPr marL="44986" marR="44986" marT="0" marB="0"/>
+                </a:tc>
+                <a:tc>
+                  <a:txBody>
+                    <a:bodyPr/>
+                    <a:lstStyle/>
+                    <a:p>
+                      <a:pPr algn="just">
+                        <a:spcAft>
+                          <a:spcPts val="0"/>
+                        </a:spcAft>
+                      </a:pPr>
+                      <a:r>
+                        <a:rPr lang="es-ES_tradnl" sz="1600" dirty="0">
+                          <a:effectLst/>
+                          <a:latin typeface="Calibri" panose="020F0502020204030204" pitchFamily="34" charset="0"/>
+                        </a:rPr>
+                        <a:t>Pedir un préstamo bancario para poder subsistir.</a:t>
+                      </a:r>
+                      <a:endParaRPr lang="es-CL" sz="1600" dirty="0">
+                        <a:solidFill>
+                          <a:srgbClr val="2E74B5"/>
+                        </a:solidFill>
+                        <a:effectLst/>
+                        <a:latin typeface="Calibri" panose="020F0502020204030204" pitchFamily="34" charset="0"/>
+                        <a:ea typeface="Calibri" panose="020F0502020204030204" pitchFamily="34" charset="0"/>
+                        <a:cs typeface="Times New Roman" panose="02020603050405020304" pitchFamily="18" charset="0"/>
+                      </a:endParaRPr>
+                    </a:p>
+                  </a:txBody>
+                  <a:tcPr marL="44986" marR="44986" marT="0" marB="0"/>
+                </a:tc>
+                <a:tc>
+                  <a:txBody>
+                    <a:bodyPr/>
+                    <a:lstStyle/>
+                    <a:p>
+                      <a:pPr algn="just">
+                        <a:spcAft>
+                          <a:spcPts val="0"/>
+                        </a:spcAft>
+                      </a:pPr>
+                      <a:r>
+                        <a:rPr lang="es-ES_tradnl" sz="1600" dirty="0">
+                          <a:effectLst/>
+                          <a:latin typeface="Calibri" panose="020F0502020204030204" pitchFamily="34" charset="0"/>
+                        </a:rPr>
+                        <a:t>Mitigar</a:t>
+                      </a:r>
+                      <a:endParaRPr lang="es-CL" sz="1600" dirty="0">
+                        <a:solidFill>
+                          <a:srgbClr val="2E74B5"/>
+                        </a:solidFill>
+                        <a:effectLst/>
+                        <a:latin typeface="Calibri" panose="020F0502020204030204" pitchFamily="34" charset="0"/>
+                        <a:ea typeface="Calibri" panose="020F0502020204030204" pitchFamily="34" charset="0"/>
+                        <a:cs typeface="Times New Roman" panose="02020603050405020304" pitchFamily="18" charset="0"/>
+                      </a:endParaRPr>
+                    </a:p>
+                  </a:txBody>
+                  <a:tcPr marL="44986" marR="44986" marT="0" marB="0"/>
+                </a:tc>
+                <a:tc>
+                  <a:txBody>
+                    <a:bodyPr/>
+                    <a:lstStyle/>
+                    <a:p>
+                      <a:pPr algn="just">
+                        <a:spcAft>
+                          <a:spcPts val="0"/>
+                        </a:spcAft>
+                      </a:pPr>
+                      <a:r>
+                        <a:rPr lang="es-ES_tradnl" sz="1600" dirty="0">
+                          <a:effectLst/>
+                          <a:latin typeface="Calibri" panose="020F0502020204030204" pitchFamily="34" charset="0"/>
+                        </a:rPr>
+                        <a:t>Durante el proyecto</a:t>
+                      </a:r>
+                      <a:endParaRPr lang="es-CL" sz="1600" dirty="0">
+                        <a:solidFill>
+                          <a:srgbClr val="2E74B5"/>
+                        </a:solidFill>
+                        <a:effectLst/>
+                        <a:latin typeface="Calibri" panose="020F0502020204030204" pitchFamily="34" charset="0"/>
+                        <a:ea typeface="Calibri" panose="020F0502020204030204" pitchFamily="34" charset="0"/>
+                        <a:cs typeface="Times New Roman" panose="02020603050405020304" pitchFamily="18" charset="0"/>
+                      </a:endParaRPr>
+                    </a:p>
+                  </a:txBody>
+                  <a:tcPr marL="44986" marR="44986" marT="0" marB="0"/>
+                </a:tc>
+                <a:tc>
+                  <a:txBody>
+                    <a:bodyPr/>
+                    <a:lstStyle/>
+                    <a:p>
+                      <a:pPr algn="just">
+                        <a:spcAft>
+                          <a:spcPts val="0"/>
+                        </a:spcAft>
+                      </a:pPr>
+                      <a:r>
+                        <a:rPr lang="es-ES_tradnl" sz="1600" dirty="0">
+                          <a:effectLst/>
+                          <a:latin typeface="Calibri" panose="020F0502020204030204" pitchFamily="34" charset="0"/>
+                        </a:rPr>
+                        <a:t>Préstamo bancario</a:t>
+                      </a:r>
+                      <a:endParaRPr lang="es-CL" sz="1600" dirty="0">
+                        <a:solidFill>
+                          <a:srgbClr val="2E74B5"/>
+                        </a:solidFill>
+                        <a:effectLst/>
+                        <a:latin typeface="Calibri" panose="020F0502020204030204" pitchFamily="34" charset="0"/>
+                        <a:ea typeface="Calibri" panose="020F0502020204030204" pitchFamily="34" charset="0"/>
+                        <a:cs typeface="Times New Roman" panose="02020603050405020304" pitchFamily="18" charset="0"/>
+                      </a:endParaRPr>
+                    </a:p>
+                  </a:txBody>
+                  <a:tcPr marL="44986" marR="44986" marT="0" marB="0"/>
+                </a:tc>
+                <a:extLst>
+                  <a:ext uri="{0D108BD9-81ED-4DB2-BD59-A6C34878D82A}">
+                    <a16:rowId xmlns:a16="http://schemas.microsoft.com/office/drawing/2014/main" val="3933116442"/>
+                  </a:ext>
+                </a:extLst>
+              </a:tr>
+              <a:tr h="400929">
+                <a:tc>
+                  <a:txBody>
+                    <a:bodyPr/>
+                    <a:lstStyle/>
+                    <a:p>
+                      <a:pPr algn="ctr">
+                        <a:spcAft>
+                          <a:spcPts val="0"/>
+                        </a:spcAft>
+                      </a:pPr>
+                      <a:r>
+                        <a:rPr lang="es-ES_tradnl" sz="1600" dirty="0">
+                          <a:effectLst/>
+                          <a:latin typeface="Calibri" panose="020F0502020204030204" pitchFamily="34" charset="0"/>
+                        </a:rPr>
+                        <a:t>R004</a:t>
+                      </a:r>
+                      <a:endParaRPr lang="es-CL" sz="1600" dirty="0">
+                        <a:solidFill>
+                          <a:srgbClr val="2E74B5"/>
+                        </a:solidFill>
+                        <a:effectLst/>
+                        <a:latin typeface="Calibri" panose="020F0502020204030204" pitchFamily="34" charset="0"/>
+                        <a:ea typeface="Calibri" panose="020F0502020204030204" pitchFamily="34" charset="0"/>
+                        <a:cs typeface="Times New Roman" panose="02020603050405020304" pitchFamily="18" charset="0"/>
+                      </a:endParaRPr>
+                    </a:p>
+                  </a:txBody>
+                  <a:tcPr marL="44986" marR="44986" marT="0" marB="0"/>
+                </a:tc>
+                <a:tc>
+                  <a:txBody>
+                    <a:bodyPr/>
+                    <a:lstStyle/>
+                    <a:p>
+                      <a:pPr algn="ctr">
+                        <a:spcAft>
+                          <a:spcPts val="0"/>
+                        </a:spcAft>
+                      </a:pPr>
+                      <a:r>
+                        <a:rPr lang="es-ES_tradnl" sz="1600" dirty="0">
+                          <a:effectLst/>
+                          <a:latin typeface="Calibri" panose="020F0502020204030204" pitchFamily="34" charset="0"/>
+                        </a:rPr>
+                        <a:t>0.25</a:t>
+                      </a:r>
+                      <a:endParaRPr lang="es-CL" sz="1600" dirty="0">
+                        <a:solidFill>
+                          <a:srgbClr val="2E74B5"/>
+                        </a:solidFill>
+                        <a:effectLst/>
+                        <a:latin typeface="Calibri" panose="020F0502020204030204" pitchFamily="34" charset="0"/>
+                        <a:ea typeface="Calibri" panose="020F0502020204030204" pitchFamily="34" charset="0"/>
+                        <a:cs typeface="Times New Roman" panose="02020603050405020304" pitchFamily="18" charset="0"/>
+                      </a:endParaRPr>
+                    </a:p>
+                  </a:txBody>
+                  <a:tcPr marL="44986" marR="44986" marT="0" marB="0"/>
+                </a:tc>
+                <a:tc>
+                  <a:txBody>
+                    <a:bodyPr/>
+                    <a:lstStyle/>
+                    <a:p>
+                      <a:pPr algn="just">
+                        <a:spcAft>
+                          <a:spcPts val="0"/>
+                        </a:spcAft>
+                      </a:pPr>
+                      <a:r>
+                        <a:rPr lang="es-ES_tradnl" sz="1600" dirty="0">
+                          <a:effectLst/>
+                          <a:latin typeface="Calibri" panose="020F0502020204030204" pitchFamily="34" charset="0"/>
+                        </a:rPr>
+                        <a:t>Tiempo</a:t>
+                      </a:r>
+                      <a:endParaRPr lang="es-CL" sz="1600" dirty="0">
+                        <a:solidFill>
+                          <a:srgbClr val="2E74B5"/>
+                        </a:solidFill>
+                        <a:effectLst/>
+                        <a:latin typeface="Calibri" panose="020F0502020204030204" pitchFamily="34" charset="0"/>
+                        <a:ea typeface="Calibri" panose="020F0502020204030204" pitchFamily="34" charset="0"/>
+                        <a:cs typeface="Times New Roman" panose="02020603050405020304" pitchFamily="18" charset="0"/>
+                      </a:endParaRPr>
+                    </a:p>
+                  </a:txBody>
+                  <a:tcPr marL="44986" marR="44986" marT="0" marB="0"/>
+                </a:tc>
+                <a:tc>
+                  <a:txBody>
+                    <a:bodyPr/>
+                    <a:lstStyle/>
+                    <a:p>
+                      <a:pPr algn="just">
+                        <a:spcAft>
+                          <a:spcPts val="0"/>
+                        </a:spcAft>
+                      </a:pPr>
+                      <a:r>
+                        <a:rPr lang="es-ES_tradnl" sz="1600" dirty="0">
+                          <a:effectLst/>
+                          <a:latin typeface="Calibri" panose="020F0502020204030204" pitchFamily="34" charset="0"/>
+                        </a:rPr>
+                        <a:t>Presionar para la entrega al proveedor.</a:t>
+                      </a:r>
+                      <a:endParaRPr lang="es-CL" sz="1600" dirty="0">
+                        <a:effectLst/>
+                        <a:latin typeface="Calibri" panose="020F0502020204030204" pitchFamily="34" charset="0"/>
+                      </a:endParaRPr>
+                    </a:p>
+                    <a:p>
+                      <a:pPr algn="just">
+                        <a:spcAft>
+                          <a:spcPts val="0"/>
+                        </a:spcAft>
+                      </a:pPr>
+                      <a:r>
+                        <a:rPr lang="es-ES_tradnl" sz="1600" dirty="0">
+                          <a:effectLst/>
+                          <a:latin typeface="Calibri" panose="020F0502020204030204" pitchFamily="34" charset="0"/>
+                        </a:rPr>
+                        <a:t>Cambiar de proveedor.</a:t>
+                      </a:r>
+                      <a:endParaRPr lang="es-CL" sz="1600" dirty="0">
+                        <a:solidFill>
+                          <a:srgbClr val="2E74B5"/>
+                        </a:solidFill>
+                        <a:effectLst/>
+                        <a:latin typeface="Calibri" panose="020F0502020204030204" pitchFamily="34" charset="0"/>
+                        <a:ea typeface="Calibri" panose="020F0502020204030204" pitchFamily="34" charset="0"/>
+                        <a:cs typeface="Times New Roman" panose="02020603050405020304" pitchFamily="18" charset="0"/>
+                      </a:endParaRPr>
+                    </a:p>
+                  </a:txBody>
+                  <a:tcPr marL="44986" marR="44986" marT="0" marB="0"/>
+                </a:tc>
+                <a:tc>
+                  <a:txBody>
+                    <a:bodyPr/>
+                    <a:lstStyle/>
+                    <a:p>
+                      <a:pPr algn="just">
+                        <a:spcAft>
+                          <a:spcPts val="0"/>
+                        </a:spcAft>
+                      </a:pPr>
+                      <a:r>
+                        <a:rPr lang="es-ES_tradnl" sz="1600" dirty="0">
+                          <a:effectLst/>
+                          <a:latin typeface="Calibri" panose="020F0502020204030204" pitchFamily="34" charset="0"/>
+                        </a:rPr>
+                        <a:t>Mitigar</a:t>
+                      </a:r>
+                      <a:endParaRPr lang="es-CL" sz="1600" dirty="0">
+                        <a:solidFill>
+                          <a:srgbClr val="2E74B5"/>
+                        </a:solidFill>
+                        <a:effectLst/>
+                        <a:latin typeface="Calibri" panose="020F0502020204030204" pitchFamily="34" charset="0"/>
+                        <a:ea typeface="Calibri" panose="020F0502020204030204" pitchFamily="34" charset="0"/>
+                        <a:cs typeface="Times New Roman" panose="02020603050405020304" pitchFamily="18" charset="0"/>
+                      </a:endParaRPr>
+                    </a:p>
+                  </a:txBody>
+                  <a:tcPr marL="44986" marR="44986" marT="0" marB="0"/>
+                </a:tc>
+                <a:tc>
+                  <a:txBody>
+                    <a:bodyPr/>
+                    <a:lstStyle/>
+                    <a:p>
+                      <a:pPr algn="just">
+                        <a:spcAft>
+                          <a:spcPts val="0"/>
+                        </a:spcAft>
+                      </a:pPr>
+                      <a:r>
+                        <a:rPr lang="es-ES_tradnl" sz="1600" dirty="0">
+                          <a:effectLst/>
+                          <a:latin typeface="Calibri" panose="020F0502020204030204" pitchFamily="34" charset="0"/>
+                        </a:rPr>
+                        <a:t>Durante el proyecto.</a:t>
+                      </a:r>
+                      <a:endParaRPr lang="es-CL" sz="1600" dirty="0">
+                        <a:solidFill>
+                          <a:srgbClr val="2E74B5"/>
+                        </a:solidFill>
+                        <a:effectLst/>
+                        <a:latin typeface="Calibri" panose="020F0502020204030204" pitchFamily="34" charset="0"/>
+                        <a:ea typeface="Calibri" panose="020F0502020204030204" pitchFamily="34" charset="0"/>
+                        <a:cs typeface="Times New Roman" panose="02020603050405020304" pitchFamily="18" charset="0"/>
+                      </a:endParaRPr>
+                    </a:p>
+                  </a:txBody>
+                  <a:tcPr marL="44986" marR="44986" marT="0" marB="0"/>
+                </a:tc>
+                <a:tc>
+                  <a:txBody>
+                    <a:bodyPr/>
+                    <a:lstStyle/>
+                    <a:p>
+                      <a:pPr algn="just">
+                        <a:spcAft>
+                          <a:spcPts val="0"/>
+                        </a:spcAft>
+                      </a:pPr>
+                      <a:r>
+                        <a:rPr lang="es-ES_tradnl" sz="1600" dirty="0">
+                          <a:effectLst/>
+                          <a:latin typeface="Calibri" panose="020F0502020204030204" pitchFamily="34" charset="0"/>
+                        </a:rPr>
+                        <a:t>Contactar con otro proveedor de respaldo</a:t>
+                      </a:r>
+                      <a:endParaRPr lang="es-CL" sz="1600" dirty="0">
+                        <a:solidFill>
+                          <a:srgbClr val="2E74B5"/>
+                        </a:solidFill>
+                        <a:effectLst/>
+                        <a:latin typeface="Calibri" panose="020F0502020204030204" pitchFamily="34" charset="0"/>
+                        <a:ea typeface="Calibri" panose="020F0502020204030204" pitchFamily="34" charset="0"/>
+                        <a:cs typeface="Times New Roman" panose="02020603050405020304" pitchFamily="18" charset="0"/>
+                      </a:endParaRPr>
+                    </a:p>
+                  </a:txBody>
+                  <a:tcPr marL="44986" marR="44986" marT="0" marB="0"/>
+                </a:tc>
+                <a:extLst>
+                  <a:ext uri="{0D108BD9-81ED-4DB2-BD59-A6C34878D82A}">
+                    <a16:rowId xmlns:a16="http://schemas.microsoft.com/office/drawing/2014/main" val="2827557095"/>
+                  </a:ext>
+                </a:extLst>
+              </a:tr>
+              <a:tr h="534572">
+                <a:tc>
+                  <a:txBody>
+                    <a:bodyPr/>
+                    <a:lstStyle/>
+                    <a:p>
+                      <a:pPr algn="ctr">
+                        <a:spcAft>
+                          <a:spcPts val="0"/>
+                        </a:spcAft>
+                      </a:pPr>
+                      <a:r>
+                        <a:rPr lang="es-ES_tradnl" sz="1600" dirty="0">
+                          <a:effectLst/>
+                          <a:latin typeface="Calibri" panose="020F0502020204030204" pitchFamily="34" charset="0"/>
+                        </a:rPr>
+                        <a:t>R005</a:t>
+                      </a:r>
+                      <a:endParaRPr lang="es-CL" sz="1600" dirty="0">
+                        <a:solidFill>
+                          <a:srgbClr val="2E74B5"/>
+                        </a:solidFill>
+                        <a:effectLst/>
+                        <a:latin typeface="Calibri" panose="020F0502020204030204" pitchFamily="34" charset="0"/>
+                        <a:ea typeface="Calibri" panose="020F0502020204030204" pitchFamily="34" charset="0"/>
+                        <a:cs typeface="Times New Roman" panose="02020603050405020304" pitchFamily="18" charset="0"/>
+                      </a:endParaRPr>
+                    </a:p>
+                  </a:txBody>
+                  <a:tcPr marL="44986" marR="44986" marT="0" marB="0"/>
+                </a:tc>
+                <a:tc>
+                  <a:txBody>
+                    <a:bodyPr/>
+                    <a:lstStyle/>
+                    <a:p>
+                      <a:pPr algn="ctr">
+                        <a:spcAft>
+                          <a:spcPts val="0"/>
+                        </a:spcAft>
+                      </a:pPr>
+                      <a:r>
+                        <a:rPr lang="es-ES_tradnl" sz="1600" dirty="0">
+                          <a:effectLst/>
+                          <a:latin typeface="Calibri" panose="020F0502020204030204" pitchFamily="34" charset="0"/>
+                        </a:rPr>
+                        <a:t>0.50</a:t>
+                      </a:r>
+                      <a:endParaRPr lang="es-CL" sz="1600" dirty="0">
+                        <a:solidFill>
+                          <a:srgbClr val="2E74B5"/>
+                        </a:solidFill>
+                        <a:effectLst/>
+                        <a:latin typeface="Calibri" panose="020F0502020204030204" pitchFamily="34" charset="0"/>
+                        <a:ea typeface="Calibri" panose="020F0502020204030204" pitchFamily="34" charset="0"/>
+                        <a:cs typeface="Times New Roman" panose="02020603050405020304" pitchFamily="18" charset="0"/>
+                      </a:endParaRPr>
+                    </a:p>
+                  </a:txBody>
+                  <a:tcPr marL="44986" marR="44986" marT="0" marB="0"/>
+                </a:tc>
+                <a:tc>
+                  <a:txBody>
+                    <a:bodyPr/>
+                    <a:lstStyle/>
+                    <a:p>
+                      <a:pPr algn="just">
+                        <a:spcAft>
+                          <a:spcPts val="0"/>
+                        </a:spcAft>
+                      </a:pPr>
+                      <a:r>
+                        <a:rPr lang="es-ES_tradnl" sz="1600" dirty="0">
+                          <a:effectLst/>
+                          <a:latin typeface="Calibri" panose="020F0502020204030204" pitchFamily="34" charset="0"/>
+                        </a:rPr>
+                        <a:t>RRHH</a:t>
+                      </a:r>
+                      <a:endParaRPr lang="es-CL" sz="1600" dirty="0">
+                        <a:solidFill>
+                          <a:srgbClr val="2E74B5"/>
+                        </a:solidFill>
+                        <a:effectLst/>
+                        <a:latin typeface="Calibri" panose="020F0502020204030204" pitchFamily="34" charset="0"/>
+                        <a:ea typeface="Calibri" panose="020F0502020204030204" pitchFamily="34" charset="0"/>
+                        <a:cs typeface="Times New Roman" panose="02020603050405020304" pitchFamily="18" charset="0"/>
+                      </a:endParaRPr>
+                    </a:p>
+                  </a:txBody>
+                  <a:tcPr marL="44986" marR="44986" marT="0" marB="0"/>
+                </a:tc>
+                <a:tc>
+                  <a:txBody>
+                    <a:bodyPr/>
+                    <a:lstStyle/>
+                    <a:p>
+                      <a:pPr algn="just">
+                        <a:spcAft>
+                          <a:spcPts val="0"/>
+                        </a:spcAft>
+                      </a:pPr>
+                      <a:r>
+                        <a:rPr lang="es-ES_tradnl" sz="1600" dirty="0">
+                          <a:effectLst/>
+                          <a:latin typeface="Calibri" panose="020F0502020204030204" pitchFamily="34" charset="0"/>
+                        </a:rPr>
+                        <a:t>Hacer una nueva capacitación.</a:t>
+                      </a:r>
+                      <a:endParaRPr lang="es-CL" sz="1600" dirty="0">
+                        <a:effectLst/>
+                        <a:latin typeface="Calibri" panose="020F0502020204030204" pitchFamily="34" charset="0"/>
+                      </a:endParaRPr>
+                    </a:p>
+                    <a:p>
+                      <a:pPr algn="just">
+                        <a:spcAft>
+                          <a:spcPts val="0"/>
+                        </a:spcAft>
+                      </a:pPr>
+                      <a:r>
+                        <a:rPr lang="es-ES_tradnl" sz="1600" dirty="0">
+                          <a:effectLst/>
+                          <a:latin typeface="Calibri" panose="020F0502020204030204" pitchFamily="34" charset="0"/>
+                        </a:rPr>
+                        <a:t>Instar a que hagan uso del manual de usuario</a:t>
+                      </a:r>
+                      <a:endParaRPr lang="es-CL" sz="1600" dirty="0">
+                        <a:solidFill>
+                          <a:srgbClr val="2E74B5"/>
+                        </a:solidFill>
+                        <a:effectLst/>
+                        <a:latin typeface="Calibri" panose="020F0502020204030204" pitchFamily="34" charset="0"/>
+                        <a:ea typeface="Calibri" panose="020F0502020204030204" pitchFamily="34" charset="0"/>
+                        <a:cs typeface="Times New Roman" panose="02020603050405020304" pitchFamily="18" charset="0"/>
+                      </a:endParaRPr>
+                    </a:p>
+                  </a:txBody>
+                  <a:tcPr marL="44986" marR="44986" marT="0" marB="0"/>
+                </a:tc>
+                <a:tc>
+                  <a:txBody>
+                    <a:bodyPr/>
+                    <a:lstStyle/>
+                    <a:p>
+                      <a:pPr algn="just">
+                        <a:spcAft>
+                          <a:spcPts val="0"/>
+                        </a:spcAft>
+                      </a:pPr>
+                      <a:r>
+                        <a:rPr lang="es-ES_tradnl" sz="1600" dirty="0">
+                          <a:effectLst/>
+                          <a:latin typeface="Calibri" panose="020F0502020204030204" pitchFamily="34" charset="0"/>
+                        </a:rPr>
+                        <a:t>Mitigar</a:t>
+                      </a:r>
+                      <a:endParaRPr lang="es-CL" sz="1600" dirty="0">
+                        <a:solidFill>
+                          <a:srgbClr val="2E74B5"/>
+                        </a:solidFill>
+                        <a:effectLst/>
+                        <a:latin typeface="Calibri" panose="020F0502020204030204" pitchFamily="34" charset="0"/>
+                        <a:ea typeface="Calibri" panose="020F0502020204030204" pitchFamily="34" charset="0"/>
+                        <a:cs typeface="Times New Roman" panose="02020603050405020304" pitchFamily="18" charset="0"/>
+                      </a:endParaRPr>
+                    </a:p>
+                  </a:txBody>
+                  <a:tcPr marL="44986" marR="44986" marT="0" marB="0"/>
+                </a:tc>
+                <a:tc>
+                  <a:txBody>
+                    <a:bodyPr/>
+                    <a:lstStyle/>
+                    <a:p>
+                      <a:pPr algn="just">
+                        <a:spcAft>
+                          <a:spcPts val="0"/>
+                        </a:spcAft>
+                      </a:pPr>
+                      <a:r>
+                        <a:rPr lang="es-ES_tradnl" sz="1600" dirty="0">
+                          <a:effectLst/>
+                          <a:latin typeface="Calibri" panose="020F0502020204030204" pitchFamily="34" charset="0"/>
+                        </a:rPr>
+                        <a:t>Durante el proyecto</a:t>
+                      </a:r>
+                      <a:endParaRPr lang="es-CL" sz="1600" dirty="0">
+                        <a:solidFill>
+                          <a:srgbClr val="2E74B5"/>
+                        </a:solidFill>
+                        <a:effectLst/>
+                        <a:latin typeface="Calibri" panose="020F0502020204030204" pitchFamily="34" charset="0"/>
+                        <a:ea typeface="Calibri" panose="020F0502020204030204" pitchFamily="34" charset="0"/>
+                        <a:cs typeface="Times New Roman" panose="02020603050405020304" pitchFamily="18" charset="0"/>
+                      </a:endParaRPr>
+                    </a:p>
+                  </a:txBody>
+                  <a:tcPr marL="44986" marR="44986" marT="0" marB="0"/>
+                </a:tc>
+                <a:tc>
+                  <a:txBody>
+                    <a:bodyPr/>
+                    <a:lstStyle/>
+                    <a:p>
+                      <a:pPr algn="just">
+                        <a:spcAft>
+                          <a:spcPts val="0"/>
+                        </a:spcAft>
+                      </a:pPr>
+                      <a:r>
+                        <a:rPr lang="es-ES_tradnl" sz="1600" dirty="0">
+                          <a:effectLst/>
+                          <a:latin typeface="Calibri" panose="020F0502020204030204" pitchFamily="34" charset="0"/>
+                        </a:rPr>
+                        <a:t>Respaldo por escrito</a:t>
+                      </a:r>
+                      <a:endParaRPr lang="es-CL" sz="1600" dirty="0">
+                        <a:solidFill>
+                          <a:srgbClr val="2E74B5"/>
+                        </a:solidFill>
+                        <a:effectLst/>
+                        <a:latin typeface="Calibri" panose="020F0502020204030204" pitchFamily="34" charset="0"/>
+                        <a:ea typeface="Calibri" panose="020F0502020204030204" pitchFamily="34" charset="0"/>
+                        <a:cs typeface="Times New Roman" panose="02020603050405020304" pitchFamily="18" charset="0"/>
+                      </a:endParaRPr>
+                    </a:p>
+                  </a:txBody>
+                  <a:tcPr marL="44986" marR="44986" marT="0" marB="0"/>
+                </a:tc>
+                <a:extLst>
+                  <a:ext uri="{0D108BD9-81ED-4DB2-BD59-A6C34878D82A}">
+                    <a16:rowId xmlns:a16="http://schemas.microsoft.com/office/drawing/2014/main" val="2603214316"/>
+                  </a:ext>
+                </a:extLst>
+              </a:tr>
+            </a:tbl>
+          </a:graphicData>
+        </a:graphic>
+      </p:graphicFrame>
+    </p:spTree>
+    <p:extLst>
+      <p:ext uri="{BB962C8B-B14F-4D97-AF65-F5344CB8AC3E}">
+        <p14:creationId xmlns:p14="http://schemas.microsoft.com/office/powerpoint/2010/main" val="283859236"/>
+      </p:ext>
+    </p:extLst>
+  </p:cSld>
+  <p:clrMapOvr>
+    <a:masterClrMapping/>
+  </p:clrMapOvr>
+</p:sld>
+</file>
+
+<file path=ppt/slides/slide63.xml><?xml version="1.0" encoding="utf-8"?>
+<p:sld xmlns:a="http://schemas.openxmlformats.org/drawingml/2006/main" xmlns:r="http://schemas.openxmlformats.org/officeDocument/2006/relationships" xmlns:p="http://schemas.openxmlformats.org/presentationml/2006/main">
+  <p:cSld>
+    <p:spTree>
+      <p:nvGrpSpPr>
+        <p:cNvPr id="1" name=""/>
+        <p:cNvGrpSpPr/>
+        <p:nvPr/>
+      </p:nvGrpSpPr>
+      <p:grpSpPr>
+        <a:xfrm>
+          <a:off x="0" y="0"/>
+          <a:ext cx="0" cy="0"/>
+          <a:chOff x="0" y="0"/>
+          <a:chExt cx="0" cy="0"/>
+        </a:xfrm>
+      </p:grpSpPr>
+      <p:sp>
+        <p:nvSpPr>
+          <p:cNvPr id="2" name="Title 1"/>
+          <p:cNvSpPr>
+            <a:spLocks noGrp="1"/>
+          </p:cNvSpPr>
+          <p:nvPr>
+            <p:ph type="title"/>
+          </p:nvPr>
+        </p:nvSpPr>
+        <p:spPr/>
+        <p:txBody>
+          <a:bodyPr/>
+          <a:lstStyle/>
+          <a:p>
+            <a:r>
+              <a:rPr lang="es-CL" dirty="0"/>
+              <a:t>Gestión de riesgos</a:t>
+            </a:r>
+          </a:p>
+        </p:txBody>
+      </p:sp>
+      <p:pic>
+        <p:nvPicPr>
+          <p:cNvPr id="2050" name="Picture 2" descr="Resultado de imagen para duoc"/>
+          <p:cNvPicPr>
+            <a:picLocks noChangeAspect="1" noChangeArrowheads="1"/>
+          </p:cNvPicPr>
+          <p:nvPr/>
+        </p:nvPicPr>
+        <p:blipFill>
+          <a:blip r:embed="rId2">
+            <a:extLst>
+              <a:ext uri="{28A0092B-C50C-407E-A947-70E740481C1C}">
+                <a14:useLocalDpi xmlns:a14="http://schemas.microsoft.com/office/drawing/2010/main" val="0"/>
+              </a:ext>
+            </a:extLst>
+          </a:blip>
+          <a:srcRect/>
+          <a:stretch>
+            <a:fillRect/>
+          </a:stretch>
+        </p:blipFill>
+        <p:spPr bwMode="auto">
+          <a:xfrm>
+            <a:off x="7770945" y="599455"/>
+            <a:ext cx="1373055" cy="307545"/>
+          </a:xfrm>
+          <a:prstGeom prst="rect">
+            <a:avLst/>
+          </a:prstGeom>
+          <a:noFill/>
+          <a:extLst>
+            <a:ext uri="{909E8E84-426E-40DD-AFC4-6F175D3DCCD1}">
+              <a14:hiddenFill xmlns:a14="http://schemas.microsoft.com/office/drawing/2010/main">
+                <a:solidFill>
+                  <a:srgbClr val="FFFFFF"/>
+                </a:solidFill>
+              </a14:hiddenFill>
+            </a:ext>
+          </a:extLst>
+        </p:spPr>
+      </p:pic>
+      <p:sp>
+        <p:nvSpPr>
+          <p:cNvPr id="5" name="Slide Number Placeholder 4"/>
+          <p:cNvSpPr>
+            <a:spLocks noGrp="1"/>
+          </p:cNvSpPr>
+          <p:nvPr>
+            <p:ph type="sldNum" sz="quarter" idx="12"/>
+          </p:nvPr>
+        </p:nvSpPr>
+        <p:spPr/>
+        <p:txBody>
+          <a:bodyPr/>
+          <a:lstStyle/>
+          <a:p>
+            <a:pPr algn="ctr"/>
+            <a:fld id="{82B5D99C-3243-4CCA-89CF-846763E29181}" type="slidenum">
+              <a:rPr lang="es-CL" smtClean="0"/>
+              <a:pPr algn="ctr"/>
+              <a:t>63</a:t>
+            </a:fld>
+            <a:endParaRPr lang="es-CL" dirty="0"/>
+          </a:p>
+        </p:txBody>
+      </p:sp>
+      <p:sp>
+        <p:nvSpPr>
+          <p:cNvPr id="8" name="Content Placeholder 2"/>
+          <p:cNvSpPr>
+            <a:spLocks noGrp="1"/>
+          </p:cNvSpPr>
+          <p:nvPr>
+            <p:ph idx="1"/>
+          </p:nvPr>
+        </p:nvSpPr>
+        <p:spPr>
+          <a:xfrm>
+            <a:off x="531639" y="2268085"/>
+            <a:ext cx="6887389" cy="3599316"/>
+          </a:xfrm>
+        </p:spPr>
+        <p:txBody>
+          <a:bodyPr/>
+          <a:lstStyle/>
+          <a:p>
+            <a:r>
+              <a:rPr lang="es-CL" dirty="0">
+                <a:latin typeface="Calibri" panose="020F0502020204030204" pitchFamily="34" charset="0"/>
+              </a:rPr>
+              <a:t>Plan de respuesta de riesgos</a:t>
+            </a:r>
+          </a:p>
+        </p:txBody>
+      </p:sp>
+      <p:graphicFrame>
+        <p:nvGraphicFramePr>
+          <p:cNvPr id="3" name="Table 2"/>
+          <p:cNvGraphicFramePr>
+            <a:graphicFrameLocks noGrp="1"/>
+          </p:cNvGraphicFramePr>
+          <p:nvPr>
+            <p:extLst>
+              <p:ext uri="{D42A27DB-BD31-4B8C-83A1-F6EECF244321}">
+                <p14:modId xmlns:p14="http://schemas.microsoft.com/office/powerpoint/2010/main" val="3372871267"/>
+              </p:ext>
+            </p:extLst>
+          </p:nvPr>
+        </p:nvGraphicFramePr>
+        <p:xfrm>
+          <a:off x="-1" y="2848709"/>
+          <a:ext cx="9144000" cy="1706880"/>
+        </p:xfrm>
+        <a:graphic>
+          <a:graphicData uri="http://schemas.openxmlformats.org/drawingml/2006/table">
+            <a:tbl>
+              <a:tblPr firstRow="1" firstCol="1" bandRow="1">
+                <a:tableStyleId>{5C22544A-7EE6-4342-B048-85BDC9FD1C3A}</a:tableStyleId>
+              </a:tblPr>
+              <a:tblGrid>
+                <a:gridCol w="780739">
+                  <a:extLst>
+                    <a:ext uri="{9D8B030D-6E8A-4147-A177-3AD203B41FA5}">
+                      <a16:colId xmlns:a16="http://schemas.microsoft.com/office/drawing/2014/main" val="2947975985"/>
+                    </a:ext>
+                  </a:extLst>
+                </a:gridCol>
+                <a:gridCol w="896315">
+                  <a:extLst>
+                    <a:ext uri="{9D8B030D-6E8A-4147-A177-3AD203B41FA5}">
+                      <a16:colId xmlns:a16="http://schemas.microsoft.com/office/drawing/2014/main" val="278434936"/>
+                    </a:ext>
+                  </a:extLst>
+                </a:gridCol>
+                <a:gridCol w="1114106">
+                  <a:extLst>
+                    <a:ext uri="{9D8B030D-6E8A-4147-A177-3AD203B41FA5}">
+                      <a16:colId xmlns:a16="http://schemas.microsoft.com/office/drawing/2014/main" val="2783707337"/>
+                    </a:ext>
+                  </a:extLst>
+                </a:gridCol>
+                <a:gridCol w="1894844">
+                  <a:extLst>
+                    <a:ext uri="{9D8B030D-6E8A-4147-A177-3AD203B41FA5}">
+                      <a16:colId xmlns:a16="http://schemas.microsoft.com/office/drawing/2014/main" val="3910223999"/>
+                    </a:ext>
+                  </a:extLst>
+                </a:gridCol>
+                <a:gridCol w="1003246">
+                  <a:extLst>
+                    <a:ext uri="{9D8B030D-6E8A-4147-A177-3AD203B41FA5}">
+                      <a16:colId xmlns:a16="http://schemas.microsoft.com/office/drawing/2014/main" val="1099945704"/>
+                    </a:ext>
+                  </a:extLst>
+                </a:gridCol>
+                <a:gridCol w="1114106">
+                  <a:extLst>
+                    <a:ext uri="{9D8B030D-6E8A-4147-A177-3AD203B41FA5}">
+                      <a16:colId xmlns:a16="http://schemas.microsoft.com/office/drawing/2014/main" val="997912526"/>
+                    </a:ext>
+                  </a:extLst>
+                </a:gridCol>
+                <a:gridCol w="2340644">
+                  <a:extLst>
+                    <a:ext uri="{9D8B030D-6E8A-4147-A177-3AD203B41FA5}">
+                      <a16:colId xmlns:a16="http://schemas.microsoft.com/office/drawing/2014/main" val="1150140822"/>
+                    </a:ext>
+                  </a:extLst>
+                </a:gridCol>
+              </a:tblGrid>
+              <a:tr h="400929">
+                <a:tc>
+                  <a:txBody>
+                    <a:bodyPr/>
+                    <a:lstStyle/>
+                    <a:p>
+                      <a:pPr algn="ctr">
+                        <a:spcAft>
+                          <a:spcPts val="0"/>
+                        </a:spcAft>
+                      </a:pPr>
+                      <a:r>
+                        <a:rPr lang="es-ES_tradnl" sz="1600" dirty="0">
+                          <a:effectLst/>
+                          <a:latin typeface="Calibri" panose="020F0502020204030204" pitchFamily="34" charset="0"/>
+                        </a:rPr>
+                        <a:t>Cód. </a:t>
+                      </a:r>
+                      <a:endParaRPr lang="es-CL" sz="1600" dirty="0">
+                        <a:effectLst/>
+                        <a:latin typeface="Calibri" panose="020F0502020204030204" pitchFamily="34" charset="0"/>
+                      </a:endParaRPr>
+                    </a:p>
+                    <a:p>
+                      <a:pPr algn="ctr">
+                        <a:spcAft>
+                          <a:spcPts val="0"/>
+                        </a:spcAft>
+                      </a:pPr>
+                      <a:r>
+                        <a:rPr lang="es-ES_tradnl" sz="1600" dirty="0">
+                          <a:effectLst/>
+                          <a:latin typeface="Calibri" panose="020F0502020204030204" pitchFamily="34" charset="0"/>
+                        </a:rPr>
+                        <a:t>Riesgo</a:t>
+                      </a:r>
+                      <a:endParaRPr lang="es-CL" sz="1600" dirty="0">
+                        <a:solidFill>
+                          <a:srgbClr val="2E74B5"/>
+                        </a:solidFill>
+                        <a:effectLst/>
+                        <a:latin typeface="Calibri" panose="020F0502020204030204" pitchFamily="34" charset="0"/>
+                        <a:ea typeface="Calibri" panose="020F0502020204030204" pitchFamily="34" charset="0"/>
+                        <a:cs typeface="Times New Roman" panose="02020603050405020304" pitchFamily="18" charset="0"/>
+                      </a:endParaRPr>
+                    </a:p>
+                  </a:txBody>
+                  <a:tcPr marL="44986" marR="44986" marT="0" marB="0"/>
+                </a:tc>
+                <a:tc>
+                  <a:txBody>
+                    <a:bodyPr/>
+                    <a:lstStyle/>
+                    <a:p>
+                      <a:pPr algn="ctr">
+                        <a:spcAft>
+                          <a:spcPts val="0"/>
+                        </a:spcAft>
+                      </a:pPr>
+                      <a:r>
+                        <a:rPr lang="es-ES_tradnl" sz="1600" dirty="0">
+                          <a:effectLst/>
+                          <a:latin typeface="Calibri" panose="020F0502020204030204" pitchFamily="34" charset="0"/>
+                        </a:rPr>
+                        <a:t>PROB. Impacto Total</a:t>
+                      </a:r>
+                      <a:endParaRPr lang="es-CL" sz="1600" dirty="0">
+                        <a:solidFill>
+                          <a:srgbClr val="2E74B5"/>
+                        </a:solidFill>
+                        <a:effectLst/>
+                        <a:latin typeface="Calibri" panose="020F0502020204030204" pitchFamily="34" charset="0"/>
+                        <a:ea typeface="Calibri" panose="020F0502020204030204" pitchFamily="34" charset="0"/>
+                        <a:cs typeface="Times New Roman" panose="02020603050405020304" pitchFamily="18" charset="0"/>
+                      </a:endParaRPr>
+                    </a:p>
+                  </a:txBody>
+                  <a:tcPr marL="44986" marR="44986" marT="0" marB="0"/>
+                </a:tc>
+                <a:tc>
+                  <a:txBody>
+                    <a:bodyPr/>
+                    <a:lstStyle/>
+                    <a:p>
+                      <a:pPr algn="ctr">
+                        <a:spcAft>
+                          <a:spcPts val="0"/>
+                        </a:spcAft>
+                      </a:pPr>
+                      <a:r>
+                        <a:rPr lang="es-ES_tradnl" sz="1600" dirty="0">
+                          <a:effectLst/>
+                          <a:latin typeface="Calibri" panose="020F0502020204030204" pitchFamily="34" charset="0"/>
+                        </a:rPr>
+                        <a:t>Tipo de Riesgo</a:t>
+                      </a:r>
+                      <a:endParaRPr lang="es-CL" sz="1600" dirty="0">
+                        <a:solidFill>
+                          <a:srgbClr val="2E74B5"/>
+                        </a:solidFill>
+                        <a:effectLst/>
+                        <a:latin typeface="Calibri" panose="020F0502020204030204" pitchFamily="34" charset="0"/>
+                        <a:ea typeface="Calibri" panose="020F0502020204030204" pitchFamily="34" charset="0"/>
+                        <a:cs typeface="Times New Roman" panose="02020603050405020304" pitchFamily="18" charset="0"/>
+                      </a:endParaRPr>
+                    </a:p>
+                  </a:txBody>
+                  <a:tcPr marL="44986" marR="44986" marT="0" marB="0"/>
+                </a:tc>
+                <a:tc>
+                  <a:txBody>
+                    <a:bodyPr/>
+                    <a:lstStyle/>
+                    <a:p>
+                      <a:pPr algn="ctr">
+                        <a:spcAft>
+                          <a:spcPts val="0"/>
+                        </a:spcAft>
+                      </a:pPr>
+                      <a:r>
+                        <a:rPr lang="es-ES_tradnl" sz="1600" dirty="0">
+                          <a:effectLst/>
+                          <a:latin typeface="Calibri" panose="020F0502020204030204" pitchFamily="34" charset="0"/>
+                        </a:rPr>
+                        <a:t>Respuestas Planificadas</a:t>
+                      </a:r>
+                      <a:endParaRPr lang="es-CL" sz="1600" dirty="0">
+                        <a:solidFill>
+                          <a:srgbClr val="2E74B5"/>
+                        </a:solidFill>
+                        <a:effectLst/>
+                        <a:latin typeface="Calibri" panose="020F0502020204030204" pitchFamily="34" charset="0"/>
+                        <a:ea typeface="Calibri" panose="020F0502020204030204" pitchFamily="34" charset="0"/>
+                        <a:cs typeface="Times New Roman" panose="02020603050405020304" pitchFamily="18" charset="0"/>
+                      </a:endParaRPr>
+                    </a:p>
+                  </a:txBody>
+                  <a:tcPr marL="44986" marR="44986" marT="0" marB="0"/>
+                </a:tc>
+                <a:tc>
+                  <a:txBody>
+                    <a:bodyPr/>
+                    <a:lstStyle/>
+                    <a:p>
+                      <a:pPr algn="ctr">
+                        <a:spcAft>
+                          <a:spcPts val="0"/>
+                        </a:spcAft>
+                      </a:pPr>
+                      <a:r>
+                        <a:rPr lang="es-ES_tradnl" sz="1600" dirty="0">
+                          <a:effectLst/>
+                          <a:latin typeface="Calibri" panose="020F0502020204030204" pitchFamily="34" charset="0"/>
+                        </a:rPr>
+                        <a:t>Tipo de Respuesta</a:t>
+                      </a:r>
+                      <a:endParaRPr lang="es-CL" sz="1600" dirty="0">
+                        <a:solidFill>
+                          <a:srgbClr val="2E74B5"/>
+                        </a:solidFill>
+                        <a:effectLst/>
+                        <a:latin typeface="Calibri" panose="020F0502020204030204" pitchFamily="34" charset="0"/>
+                        <a:ea typeface="Calibri" panose="020F0502020204030204" pitchFamily="34" charset="0"/>
+                        <a:cs typeface="Times New Roman" panose="02020603050405020304" pitchFamily="18" charset="0"/>
+                      </a:endParaRPr>
+                    </a:p>
+                  </a:txBody>
+                  <a:tcPr marL="44986" marR="44986" marT="0" marB="0"/>
+                </a:tc>
+                <a:tc>
+                  <a:txBody>
+                    <a:bodyPr/>
+                    <a:lstStyle/>
+                    <a:p>
+                      <a:pPr algn="ctr">
+                        <a:spcAft>
+                          <a:spcPts val="0"/>
+                        </a:spcAft>
+                      </a:pPr>
+                      <a:r>
+                        <a:rPr lang="es-ES_tradnl" sz="1600" dirty="0">
+                          <a:effectLst/>
+                          <a:latin typeface="Calibri" panose="020F0502020204030204" pitchFamily="34" charset="0"/>
+                        </a:rPr>
+                        <a:t>Fecha Planificada</a:t>
+                      </a:r>
+                      <a:endParaRPr lang="es-CL" sz="1600" dirty="0">
+                        <a:solidFill>
+                          <a:srgbClr val="2E74B5"/>
+                        </a:solidFill>
+                        <a:effectLst/>
+                        <a:latin typeface="Calibri" panose="020F0502020204030204" pitchFamily="34" charset="0"/>
+                        <a:ea typeface="Calibri" panose="020F0502020204030204" pitchFamily="34" charset="0"/>
+                        <a:cs typeface="Times New Roman" panose="02020603050405020304" pitchFamily="18" charset="0"/>
+                      </a:endParaRPr>
+                    </a:p>
+                  </a:txBody>
+                  <a:tcPr marL="44986" marR="44986" marT="0" marB="0"/>
+                </a:tc>
+                <a:tc>
+                  <a:txBody>
+                    <a:bodyPr/>
+                    <a:lstStyle/>
+                    <a:p>
+                      <a:pPr algn="ctr">
+                        <a:spcAft>
+                          <a:spcPts val="0"/>
+                        </a:spcAft>
+                      </a:pPr>
+                      <a:r>
+                        <a:rPr lang="es-ES_tradnl" sz="1600" dirty="0">
+                          <a:effectLst/>
+                          <a:latin typeface="Calibri" panose="020F0502020204030204" pitchFamily="34" charset="0"/>
+                        </a:rPr>
+                        <a:t>Plan de Contingencia</a:t>
+                      </a:r>
+                      <a:endParaRPr lang="es-CL" sz="1600" dirty="0">
+                        <a:solidFill>
+                          <a:srgbClr val="2E74B5"/>
+                        </a:solidFill>
+                        <a:effectLst/>
+                        <a:latin typeface="Calibri" panose="020F0502020204030204" pitchFamily="34" charset="0"/>
+                        <a:ea typeface="Calibri" panose="020F0502020204030204" pitchFamily="34" charset="0"/>
+                        <a:cs typeface="Times New Roman" panose="02020603050405020304" pitchFamily="18" charset="0"/>
+                      </a:endParaRPr>
+                    </a:p>
+                  </a:txBody>
+                  <a:tcPr marL="44986" marR="44986" marT="0" marB="0"/>
+                </a:tc>
+                <a:extLst>
+                  <a:ext uri="{0D108BD9-81ED-4DB2-BD59-A6C34878D82A}">
+                    <a16:rowId xmlns:a16="http://schemas.microsoft.com/office/drawing/2014/main" val="3421607130"/>
+                  </a:ext>
+                </a:extLst>
+              </a:tr>
+              <a:tr h="534572">
+                <a:tc>
+                  <a:txBody>
+                    <a:bodyPr/>
+                    <a:lstStyle/>
+                    <a:p>
+                      <a:pPr algn="ctr">
+                        <a:spcAft>
+                          <a:spcPts val="0"/>
+                        </a:spcAft>
+                      </a:pPr>
+                      <a:r>
+                        <a:rPr lang="es-ES_tradnl" sz="1600" dirty="0">
+                          <a:effectLst/>
+                          <a:latin typeface="Calibri" panose="020F0502020204030204" pitchFamily="34" charset="0"/>
+                        </a:rPr>
+                        <a:t>R006</a:t>
+                      </a:r>
+                      <a:endParaRPr lang="es-CL" sz="1600" dirty="0">
+                        <a:solidFill>
+                          <a:srgbClr val="2E74B5"/>
+                        </a:solidFill>
+                        <a:effectLst/>
+                        <a:latin typeface="Calibri" panose="020F0502020204030204" pitchFamily="34" charset="0"/>
+                        <a:ea typeface="Calibri" panose="020F0502020204030204" pitchFamily="34" charset="0"/>
+                        <a:cs typeface="Times New Roman" panose="02020603050405020304" pitchFamily="18" charset="0"/>
+                      </a:endParaRPr>
+                    </a:p>
+                  </a:txBody>
+                  <a:tcPr marL="44986" marR="44986" marT="0" marB="0"/>
+                </a:tc>
+                <a:tc>
+                  <a:txBody>
+                    <a:bodyPr/>
+                    <a:lstStyle/>
+                    <a:p>
+                      <a:pPr algn="ctr">
+                        <a:spcAft>
+                          <a:spcPts val="0"/>
+                        </a:spcAft>
+                      </a:pPr>
+                      <a:r>
+                        <a:rPr lang="es-ES_tradnl" sz="1600" dirty="0">
+                          <a:effectLst/>
+                          <a:latin typeface="Calibri" panose="020F0502020204030204" pitchFamily="34" charset="0"/>
+                        </a:rPr>
+                        <a:t>0.55</a:t>
+                      </a:r>
+                      <a:endParaRPr lang="es-CL" sz="1600" dirty="0">
+                        <a:solidFill>
+                          <a:srgbClr val="2E74B5"/>
+                        </a:solidFill>
+                        <a:effectLst/>
+                        <a:latin typeface="Calibri" panose="020F0502020204030204" pitchFamily="34" charset="0"/>
+                        <a:ea typeface="Calibri" panose="020F0502020204030204" pitchFamily="34" charset="0"/>
+                        <a:cs typeface="Times New Roman" panose="02020603050405020304" pitchFamily="18" charset="0"/>
+                      </a:endParaRPr>
+                    </a:p>
+                  </a:txBody>
+                  <a:tcPr marL="44986" marR="44986" marT="0" marB="0"/>
+                </a:tc>
+                <a:tc>
+                  <a:txBody>
+                    <a:bodyPr/>
+                    <a:lstStyle/>
+                    <a:p>
+                      <a:pPr algn="just">
+                        <a:spcAft>
+                          <a:spcPts val="0"/>
+                        </a:spcAft>
+                      </a:pPr>
+                      <a:r>
+                        <a:rPr lang="es-ES_tradnl" sz="1600" dirty="0">
+                          <a:effectLst/>
+                          <a:latin typeface="Calibri" panose="020F0502020204030204" pitchFamily="34" charset="0"/>
+                        </a:rPr>
+                        <a:t>RRHH</a:t>
+                      </a:r>
+                      <a:endParaRPr lang="es-CL" sz="1600" dirty="0">
+                        <a:solidFill>
+                          <a:srgbClr val="2E74B5"/>
+                        </a:solidFill>
+                        <a:effectLst/>
+                        <a:latin typeface="Calibri" panose="020F0502020204030204" pitchFamily="34" charset="0"/>
+                        <a:ea typeface="Calibri" panose="020F0502020204030204" pitchFamily="34" charset="0"/>
+                        <a:cs typeface="Times New Roman" panose="02020603050405020304" pitchFamily="18" charset="0"/>
+                      </a:endParaRPr>
+                    </a:p>
+                  </a:txBody>
+                  <a:tcPr marL="44986" marR="44986" marT="0" marB="0"/>
+                </a:tc>
+                <a:tc>
+                  <a:txBody>
+                    <a:bodyPr/>
+                    <a:lstStyle/>
+                    <a:p>
+                      <a:pPr algn="just">
+                        <a:spcAft>
+                          <a:spcPts val="0"/>
+                        </a:spcAft>
+                      </a:pPr>
+                      <a:r>
+                        <a:rPr lang="es-ES_tradnl" sz="1600" dirty="0">
+                          <a:effectLst/>
+                          <a:latin typeface="Calibri" panose="020F0502020204030204" pitchFamily="34" charset="0"/>
+                        </a:rPr>
+                        <a:t>Revisar informe de errores.</a:t>
+                      </a:r>
+                      <a:endParaRPr lang="es-CL" sz="1600" dirty="0">
+                        <a:effectLst/>
+                        <a:latin typeface="Calibri" panose="020F0502020204030204" pitchFamily="34" charset="0"/>
+                      </a:endParaRPr>
+                    </a:p>
+                    <a:p>
+                      <a:pPr algn="just">
+                        <a:spcAft>
+                          <a:spcPts val="0"/>
+                        </a:spcAft>
+                      </a:pPr>
+                      <a:r>
+                        <a:rPr lang="es-ES_tradnl" sz="1600" dirty="0">
+                          <a:effectLst/>
+                          <a:latin typeface="Calibri" panose="020F0502020204030204" pitchFamily="34" charset="0"/>
+                        </a:rPr>
+                        <a:t>Contactar con un consultor externo.</a:t>
+                      </a:r>
+                      <a:endParaRPr lang="es-CL" sz="1600" dirty="0">
+                        <a:solidFill>
+                          <a:srgbClr val="2E74B5"/>
+                        </a:solidFill>
+                        <a:effectLst/>
+                        <a:latin typeface="Calibri" panose="020F0502020204030204" pitchFamily="34" charset="0"/>
+                        <a:ea typeface="Calibri" panose="020F0502020204030204" pitchFamily="34" charset="0"/>
+                        <a:cs typeface="Times New Roman" panose="02020603050405020304" pitchFamily="18" charset="0"/>
+                      </a:endParaRPr>
+                    </a:p>
+                  </a:txBody>
+                  <a:tcPr marL="44986" marR="44986" marT="0" marB="0"/>
+                </a:tc>
+                <a:tc>
+                  <a:txBody>
+                    <a:bodyPr/>
+                    <a:lstStyle/>
+                    <a:p>
+                      <a:pPr algn="just">
+                        <a:spcAft>
+                          <a:spcPts val="0"/>
+                        </a:spcAft>
+                      </a:pPr>
+                      <a:r>
+                        <a:rPr lang="es-ES_tradnl" sz="1600" dirty="0">
+                          <a:effectLst/>
+                          <a:latin typeface="Calibri" panose="020F0502020204030204" pitchFamily="34" charset="0"/>
+                        </a:rPr>
+                        <a:t>Mitigar</a:t>
+                      </a:r>
+                      <a:endParaRPr lang="es-CL" sz="1600" dirty="0">
+                        <a:solidFill>
+                          <a:srgbClr val="2E74B5"/>
+                        </a:solidFill>
+                        <a:effectLst/>
+                        <a:latin typeface="Calibri" panose="020F0502020204030204" pitchFamily="34" charset="0"/>
+                        <a:ea typeface="Calibri" panose="020F0502020204030204" pitchFamily="34" charset="0"/>
+                        <a:cs typeface="Times New Roman" panose="02020603050405020304" pitchFamily="18" charset="0"/>
+                      </a:endParaRPr>
+                    </a:p>
+                  </a:txBody>
+                  <a:tcPr marL="44986" marR="44986" marT="0" marB="0"/>
+                </a:tc>
+                <a:tc>
+                  <a:txBody>
+                    <a:bodyPr/>
+                    <a:lstStyle/>
+                    <a:p>
+                      <a:pPr algn="just">
+                        <a:spcAft>
+                          <a:spcPts val="0"/>
+                        </a:spcAft>
+                      </a:pPr>
+                      <a:r>
+                        <a:rPr lang="es-ES_tradnl" sz="1600" dirty="0">
+                          <a:effectLst/>
+                          <a:latin typeface="Calibri" panose="020F0502020204030204" pitchFamily="34" charset="0"/>
+                        </a:rPr>
+                        <a:t>Durante el proyecto.</a:t>
+                      </a:r>
+                      <a:endParaRPr lang="es-CL" sz="1600" dirty="0">
+                        <a:solidFill>
+                          <a:srgbClr val="2E74B5"/>
+                        </a:solidFill>
+                        <a:effectLst/>
+                        <a:latin typeface="Calibri" panose="020F0502020204030204" pitchFamily="34" charset="0"/>
+                        <a:ea typeface="Calibri" panose="020F0502020204030204" pitchFamily="34" charset="0"/>
+                        <a:cs typeface="Times New Roman" panose="02020603050405020304" pitchFamily="18" charset="0"/>
+                      </a:endParaRPr>
+                    </a:p>
+                  </a:txBody>
+                  <a:tcPr marL="44986" marR="44986" marT="0" marB="0"/>
+                </a:tc>
+                <a:tc>
+                  <a:txBody>
+                    <a:bodyPr/>
+                    <a:lstStyle/>
+                    <a:p>
+                      <a:pPr algn="just">
+                        <a:spcAft>
+                          <a:spcPts val="0"/>
+                        </a:spcAft>
+                      </a:pPr>
+                      <a:r>
+                        <a:rPr lang="es-ES_tradnl" sz="1600" dirty="0">
+                          <a:effectLst/>
+                          <a:latin typeface="Calibri" panose="020F0502020204030204" pitchFamily="34" charset="0"/>
+                        </a:rPr>
+                        <a:t>Comunicarse con un experto en el área</a:t>
+                      </a:r>
+                      <a:endParaRPr lang="es-CL" sz="1600" dirty="0">
+                        <a:solidFill>
+                          <a:srgbClr val="2E74B5"/>
+                        </a:solidFill>
+                        <a:effectLst/>
+                        <a:latin typeface="Calibri" panose="020F0502020204030204" pitchFamily="34" charset="0"/>
+                        <a:ea typeface="Calibri" panose="020F0502020204030204" pitchFamily="34" charset="0"/>
+                        <a:cs typeface="Times New Roman" panose="02020603050405020304" pitchFamily="18" charset="0"/>
+                      </a:endParaRPr>
+                    </a:p>
+                  </a:txBody>
+                  <a:tcPr marL="44986" marR="44986" marT="0" marB="0"/>
+                </a:tc>
+                <a:extLst>
+                  <a:ext uri="{0D108BD9-81ED-4DB2-BD59-A6C34878D82A}">
+                    <a16:rowId xmlns:a16="http://schemas.microsoft.com/office/drawing/2014/main" val="1490764566"/>
+                  </a:ext>
+                </a:extLst>
+              </a:tr>
+            </a:tbl>
+          </a:graphicData>
+        </a:graphic>
+      </p:graphicFrame>
+    </p:spTree>
+    <p:extLst>
+      <p:ext uri="{BB962C8B-B14F-4D97-AF65-F5344CB8AC3E}">
+        <p14:creationId xmlns:p14="http://schemas.microsoft.com/office/powerpoint/2010/main" val="135795543"/>
+      </p:ext>
+    </p:extLst>
+  </p:cSld>
+  <p:clrMapOvr>
+    <a:masterClrMapping/>
+  </p:clrMapOvr>
+</p:sld>
+</file>
+
+<file path=ppt/slides/slide64.xml><?xml version="1.0" encoding="utf-8"?>
+<p:sld xmlns:a="http://schemas.openxmlformats.org/drawingml/2006/main" xmlns:r="http://schemas.openxmlformats.org/officeDocument/2006/relationships" xmlns:p="http://schemas.openxmlformats.org/presentationml/2006/main">
+  <p:cSld>
+    <p:spTree>
+      <p:nvGrpSpPr>
+        <p:cNvPr id="1" name=""/>
+        <p:cNvGrpSpPr/>
+        <p:nvPr/>
+      </p:nvGrpSpPr>
+      <p:grpSpPr>
+        <a:xfrm>
+          <a:off x="0" y="0"/>
+          <a:ext cx="0" cy="0"/>
+          <a:chOff x="0" y="0"/>
+          <a:chExt cx="0" cy="0"/>
+        </a:xfrm>
+      </p:grpSpPr>
+      <p:sp>
+        <p:nvSpPr>
+          <p:cNvPr id="2" name="Title 1"/>
+          <p:cNvSpPr>
+            <a:spLocks noGrp="1"/>
+          </p:cNvSpPr>
+          <p:nvPr>
+            <p:ph type="title"/>
+          </p:nvPr>
+        </p:nvSpPr>
+        <p:spPr/>
+        <p:txBody>
+          <a:bodyPr/>
+          <a:lstStyle/>
+          <a:p>
+            <a:endParaRPr lang="es-CL" dirty="0"/>
+          </a:p>
+        </p:txBody>
+      </p:sp>
+      <p:pic>
+        <p:nvPicPr>
+          <p:cNvPr id="2050" name="Picture 2" descr="Resultado de imagen para duoc"/>
+          <p:cNvPicPr>
+            <a:picLocks noChangeAspect="1" noChangeArrowheads="1"/>
+          </p:cNvPicPr>
+          <p:nvPr/>
+        </p:nvPicPr>
+        <p:blipFill>
+          <a:blip r:embed="rId2">
+            <a:extLst>
+              <a:ext uri="{28A0092B-C50C-407E-A947-70E740481C1C}">
+                <a14:useLocalDpi xmlns:a14="http://schemas.microsoft.com/office/drawing/2010/main" val="0"/>
+              </a:ext>
+            </a:extLst>
+          </a:blip>
+          <a:srcRect/>
+          <a:stretch>
+            <a:fillRect/>
+          </a:stretch>
+        </p:blipFill>
+        <p:spPr bwMode="auto">
+          <a:xfrm>
+            <a:off x="7770945" y="599455"/>
+            <a:ext cx="1373055" cy="307545"/>
+          </a:xfrm>
+          <a:prstGeom prst="rect">
+            <a:avLst/>
+          </a:prstGeom>
+          <a:noFill/>
+          <a:extLst>
+            <a:ext uri="{909E8E84-426E-40DD-AFC4-6F175D3DCCD1}">
+              <a14:hiddenFill xmlns:a14="http://schemas.microsoft.com/office/drawing/2010/main">
+                <a:solidFill>
+                  <a:srgbClr val="FFFFFF"/>
+                </a:solidFill>
+              </a14:hiddenFill>
+            </a:ext>
+          </a:extLst>
+        </p:spPr>
+      </p:pic>
+      <p:sp>
+        <p:nvSpPr>
+          <p:cNvPr id="5" name="Slide Number Placeholder 4"/>
+          <p:cNvSpPr>
+            <a:spLocks noGrp="1"/>
+          </p:cNvSpPr>
+          <p:nvPr>
+            <p:ph type="sldNum" sz="quarter" idx="12"/>
+          </p:nvPr>
+        </p:nvSpPr>
+        <p:spPr/>
+        <p:txBody>
+          <a:bodyPr/>
+          <a:lstStyle/>
+          <a:p>
+            <a:pPr algn="ctr"/>
+            <a:fld id="{82B5D99C-3243-4CCA-89CF-846763E29181}" type="slidenum">
+              <a:rPr lang="es-CL" smtClean="0"/>
+              <a:pPr algn="ctr"/>
+              <a:t>64</a:t>
+            </a:fld>
+            <a:endParaRPr lang="es-CL" dirty="0"/>
+          </a:p>
+        </p:txBody>
+      </p:sp>
+      <p:sp>
+        <p:nvSpPr>
+          <p:cNvPr id="8" name="Content Placeholder 2"/>
+          <p:cNvSpPr>
+            <a:spLocks noGrp="1"/>
+          </p:cNvSpPr>
+          <p:nvPr>
+            <p:ph idx="1"/>
+          </p:nvPr>
+        </p:nvSpPr>
+        <p:spPr>
+          <a:xfrm>
+            <a:off x="531639" y="2268085"/>
+            <a:ext cx="6887389" cy="3599316"/>
+          </a:xfrm>
+        </p:spPr>
+        <p:txBody>
+          <a:bodyPr/>
+          <a:lstStyle/>
+          <a:p>
+            <a:endParaRPr lang="es-CL" dirty="0">
+              <a:latin typeface="Calibri" panose="020F0502020204030204" pitchFamily="34" charset="0"/>
+            </a:endParaRPr>
+          </a:p>
+        </p:txBody>
+      </p:sp>
+    </p:spTree>
+    <p:extLst>
+      <p:ext uri="{BB962C8B-B14F-4D97-AF65-F5344CB8AC3E}">
+        <p14:creationId xmlns:p14="http://schemas.microsoft.com/office/powerpoint/2010/main" val="2924300858"/>
       </p:ext>
     </p:extLst>
   </p:cSld>

--- a/docs/plan-de-proyecto/ppt-iteracion1.pptx
+++ b/docs/plan-de-proyecto/ppt-iteracion1.pptx
@@ -2017,970 +2017,6 @@
       <dsp:cNvGrpSpPr/>
     </dsp:nvGrpSpPr>
     <dsp:grpSpPr/>
-    <dsp:sp modelId="{55A3A6D7-775E-4B65-A7B5-A9F6264F63EF}">
-      <dsp:nvSpPr>
-        <dsp:cNvPr id="0" name=""/>
-        <dsp:cNvSpPr/>
-      </dsp:nvSpPr>
-      <dsp:spPr>
-        <a:xfrm>
-          <a:off x="3643933" y="620530"/>
-          <a:ext cx="2400255" cy="259683"/>
-        </a:xfrm>
-        <a:custGeom>
-          <a:avLst/>
-          <a:gdLst/>
-          <a:ahLst/>
-          <a:cxnLst/>
-          <a:rect l="0" t="0" r="0" b="0"/>
-          <a:pathLst>
-            <a:path>
-              <a:moveTo>
-                <a:pt x="0" y="0"/>
-              </a:moveTo>
-              <a:lnTo>
-                <a:pt x="0" y="129841"/>
-              </a:lnTo>
-              <a:lnTo>
-                <a:pt x="2400255" y="129841"/>
-              </a:lnTo>
-              <a:lnTo>
-                <a:pt x="2400255" y="259683"/>
-              </a:lnTo>
-            </a:path>
-          </a:pathLst>
-        </a:custGeom>
-        <a:noFill/>
-        <a:ln w="57150" cap="rnd" cmpd="sng" algn="ctr">
-          <a:solidFill>
-            <a:schemeClr val="accent5">
-              <a:shade val="90000"/>
-            </a:schemeClr>
-          </a:solidFill>
-          <a:prstDash val="solid"/>
-        </a:ln>
-        <a:effectLst/>
-      </dsp:spPr>
-      <dsp:style>
-        <a:lnRef idx="1">
-          <a:schemeClr val="accent5"/>
-        </a:lnRef>
-        <a:fillRef idx="0">
-          <a:schemeClr val="accent5"/>
-        </a:fillRef>
-        <a:effectRef idx="0">
-          <a:schemeClr val="accent5"/>
-        </a:effectRef>
-        <a:fontRef idx="minor">
-          <a:schemeClr val="tx1"/>
-        </a:fontRef>
-      </dsp:style>
-    </dsp:sp>
-    <dsp:sp modelId="{51079A84-49C8-41F4-9D05-7FEC4FEC4B6E}">
-      <dsp:nvSpPr>
-        <dsp:cNvPr id="0" name=""/>
-        <dsp:cNvSpPr/>
-      </dsp:nvSpPr>
-      <dsp:spPr>
-        <a:xfrm>
-          <a:off x="3643933" y="620530"/>
-          <a:ext cx="903983" cy="259683"/>
-        </a:xfrm>
-        <a:custGeom>
-          <a:avLst/>
-          <a:gdLst/>
-          <a:ahLst/>
-          <a:cxnLst/>
-          <a:rect l="0" t="0" r="0" b="0"/>
-          <a:pathLst>
-            <a:path>
-              <a:moveTo>
-                <a:pt x="0" y="0"/>
-              </a:moveTo>
-              <a:lnTo>
-                <a:pt x="0" y="129841"/>
-              </a:lnTo>
-              <a:lnTo>
-                <a:pt x="903983" y="129841"/>
-              </a:lnTo>
-              <a:lnTo>
-                <a:pt x="903983" y="259683"/>
-              </a:lnTo>
-            </a:path>
-          </a:pathLst>
-        </a:custGeom>
-        <a:noFill/>
-        <a:ln w="57150" cap="rnd" cmpd="sng" algn="ctr">
-          <a:solidFill>
-            <a:schemeClr val="accent5">
-              <a:shade val="90000"/>
-            </a:schemeClr>
-          </a:solidFill>
-          <a:prstDash val="solid"/>
-        </a:ln>
-        <a:effectLst/>
-      </dsp:spPr>
-      <dsp:style>
-        <a:lnRef idx="1">
-          <a:schemeClr val="accent5"/>
-        </a:lnRef>
-        <a:fillRef idx="0">
-          <a:schemeClr val="accent5"/>
-        </a:fillRef>
-        <a:effectRef idx="0">
-          <a:schemeClr val="accent5"/>
-        </a:effectRef>
-        <a:fontRef idx="minor">
-          <a:schemeClr val="tx1"/>
-        </a:fontRef>
-      </dsp:style>
-    </dsp:sp>
-    <dsp:sp modelId="{BA71F716-B112-458F-8838-548FF5B9C93A}">
-      <dsp:nvSpPr>
-        <dsp:cNvPr id="0" name=""/>
-        <dsp:cNvSpPr/>
-      </dsp:nvSpPr>
-      <dsp:spPr>
-        <a:xfrm>
-          <a:off x="3051644" y="620530"/>
-          <a:ext cx="592288" cy="259683"/>
-        </a:xfrm>
-        <a:custGeom>
-          <a:avLst/>
-          <a:gdLst/>
-          <a:ahLst/>
-          <a:cxnLst/>
-          <a:rect l="0" t="0" r="0" b="0"/>
-          <a:pathLst>
-            <a:path>
-              <a:moveTo>
-                <a:pt x="592288" y="0"/>
-              </a:moveTo>
-              <a:lnTo>
-                <a:pt x="592288" y="129841"/>
-              </a:lnTo>
-              <a:lnTo>
-                <a:pt x="0" y="129841"/>
-              </a:lnTo>
-              <a:lnTo>
-                <a:pt x="0" y="259683"/>
-              </a:lnTo>
-            </a:path>
-          </a:pathLst>
-        </a:custGeom>
-        <a:noFill/>
-        <a:ln w="57150" cap="rnd" cmpd="sng" algn="ctr">
-          <a:solidFill>
-            <a:schemeClr val="accent5">
-              <a:shade val="90000"/>
-            </a:schemeClr>
-          </a:solidFill>
-          <a:prstDash val="solid"/>
-        </a:ln>
-        <a:effectLst/>
-      </dsp:spPr>
-      <dsp:style>
-        <a:lnRef idx="1">
-          <a:schemeClr val="accent5"/>
-        </a:lnRef>
-        <a:fillRef idx="0">
-          <a:schemeClr val="accent5"/>
-        </a:fillRef>
-        <a:effectRef idx="0">
-          <a:schemeClr val="accent5"/>
-        </a:effectRef>
-        <a:fontRef idx="minor">
-          <a:schemeClr val="tx1"/>
-        </a:fontRef>
-      </dsp:style>
-    </dsp:sp>
-    <dsp:sp modelId="{4AC446E9-5EA3-4104-9A6A-6BB4559C7F1B}">
-      <dsp:nvSpPr>
-        <dsp:cNvPr id="0" name=""/>
-        <dsp:cNvSpPr/>
-      </dsp:nvSpPr>
-      <dsp:spPr>
-        <a:xfrm>
-          <a:off x="780211" y="1498508"/>
-          <a:ext cx="232242" cy="2324786"/>
-        </a:xfrm>
-        <a:custGeom>
-          <a:avLst/>
-          <a:gdLst/>
-          <a:ahLst/>
-          <a:cxnLst/>
-          <a:rect l="0" t="0" r="0" b="0"/>
-          <a:pathLst>
-            <a:path>
-              <a:moveTo>
-                <a:pt x="0" y="0"/>
-              </a:moveTo>
-              <a:lnTo>
-                <a:pt x="0" y="2324786"/>
-              </a:lnTo>
-              <a:lnTo>
-                <a:pt x="232242" y="2324786"/>
-              </a:lnTo>
-            </a:path>
-          </a:pathLst>
-        </a:custGeom>
-        <a:noFill/>
-        <a:ln w="57150" cap="rnd" cmpd="sng" algn="ctr">
-          <a:solidFill>
-            <a:schemeClr val="accent5">
-              <a:shade val="90000"/>
-            </a:schemeClr>
-          </a:solidFill>
-          <a:prstDash val="solid"/>
-        </a:ln>
-        <a:effectLst/>
-      </dsp:spPr>
-      <dsp:style>
-        <a:lnRef idx="1">
-          <a:schemeClr val="accent5"/>
-        </a:lnRef>
-        <a:fillRef idx="0">
-          <a:schemeClr val="accent5"/>
-        </a:fillRef>
-        <a:effectRef idx="0">
-          <a:schemeClr val="accent5"/>
-        </a:effectRef>
-        <a:fontRef idx="minor">
-          <a:schemeClr val="tx1"/>
-        </a:fontRef>
-      </dsp:style>
-    </dsp:sp>
-    <dsp:sp modelId="{04370048-40F0-4BF0-AE52-3BE549A51D3C}">
-      <dsp:nvSpPr>
-        <dsp:cNvPr id="0" name=""/>
-        <dsp:cNvSpPr/>
-      </dsp:nvSpPr>
-      <dsp:spPr>
-        <a:xfrm>
-          <a:off x="780211" y="1498508"/>
-          <a:ext cx="232242" cy="1446808"/>
-        </a:xfrm>
-        <a:custGeom>
-          <a:avLst/>
-          <a:gdLst/>
-          <a:ahLst/>
-          <a:cxnLst/>
-          <a:rect l="0" t="0" r="0" b="0"/>
-          <a:pathLst>
-            <a:path>
-              <a:moveTo>
-                <a:pt x="0" y="0"/>
-              </a:moveTo>
-              <a:lnTo>
-                <a:pt x="0" y="1446808"/>
-              </a:lnTo>
-              <a:lnTo>
-                <a:pt x="232242" y="1446808"/>
-              </a:lnTo>
-            </a:path>
-          </a:pathLst>
-        </a:custGeom>
-        <a:noFill/>
-        <a:ln w="57150" cap="rnd" cmpd="sng" algn="ctr">
-          <a:solidFill>
-            <a:schemeClr val="accent5">
-              <a:shade val="90000"/>
-            </a:schemeClr>
-          </a:solidFill>
-          <a:prstDash val="solid"/>
-        </a:ln>
-        <a:effectLst/>
-      </dsp:spPr>
-      <dsp:style>
-        <a:lnRef idx="1">
-          <a:schemeClr val="accent5"/>
-        </a:lnRef>
-        <a:fillRef idx="0">
-          <a:schemeClr val="accent5"/>
-        </a:fillRef>
-        <a:effectRef idx="0">
-          <a:schemeClr val="accent5"/>
-        </a:effectRef>
-        <a:fontRef idx="minor">
-          <a:schemeClr val="tx1"/>
-        </a:fontRef>
-      </dsp:style>
-    </dsp:sp>
-    <dsp:sp modelId="{2AF7BFB9-8E78-4BA8-9226-5FFD57DCB69D}">
-      <dsp:nvSpPr>
-        <dsp:cNvPr id="0" name=""/>
-        <dsp:cNvSpPr/>
-      </dsp:nvSpPr>
-      <dsp:spPr>
-        <a:xfrm>
-          <a:off x="780211" y="1498508"/>
-          <a:ext cx="232242" cy="568830"/>
-        </a:xfrm>
-        <a:custGeom>
-          <a:avLst/>
-          <a:gdLst/>
-          <a:ahLst/>
-          <a:cxnLst/>
-          <a:rect l="0" t="0" r="0" b="0"/>
-          <a:pathLst>
-            <a:path>
-              <a:moveTo>
-                <a:pt x="0" y="0"/>
-              </a:moveTo>
-              <a:lnTo>
-                <a:pt x="0" y="568830"/>
-              </a:lnTo>
-              <a:lnTo>
-                <a:pt x="232242" y="568830"/>
-              </a:lnTo>
-            </a:path>
-          </a:pathLst>
-        </a:custGeom>
-        <a:noFill/>
-        <a:ln w="57150" cap="rnd" cmpd="sng" algn="ctr">
-          <a:solidFill>
-            <a:schemeClr val="accent5">
-              <a:shade val="90000"/>
-            </a:schemeClr>
-          </a:solidFill>
-          <a:prstDash val="solid"/>
-        </a:ln>
-        <a:effectLst/>
-      </dsp:spPr>
-      <dsp:style>
-        <a:lnRef idx="1">
-          <a:schemeClr val="accent5"/>
-        </a:lnRef>
-        <a:fillRef idx="0">
-          <a:schemeClr val="accent5"/>
-        </a:fillRef>
-        <a:effectRef idx="0">
-          <a:schemeClr val="accent5"/>
-        </a:effectRef>
-        <a:fontRef idx="minor">
-          <a:schemeClr val="tx1"/>
-        </a:fontRef>
-      </dsp:style>
-    </dsp:sp>
-    <dsp:sp modelId="{F4A28CDB-FF3F-4012-B8B0-38A1800A2096}">
-      <dsp:nvSpPr>
-        <dsp:cNvPr id="0" name=""/>
-        <dsp:cNvSpPr/>
-      </dsp:nvSpPr>
-      <dsp:spPr>
-        <a:xfrm>
-          <a:off x="1399524" y="620530"/>
-          <a:ext cx="2244408" cy="259683"/>
-        </a:xfrm>
-        <a:custGeom>
-          <a:avLst/>
-          <a:gdLst/>
-          <a:ahLst/>
-          <a:cxnLst/>
-          <a:rect l="0" t="0" r="0" b="0"/>
-          <a:pathLst>
-            <a:path>
-              <a:moveTo>
-                <a:pt x="2244408" y="0"/>
-              </a:moveTo>
-              <a:lnTo>
-                <a:pt x="2244408" y="129841"/>
-              </a:lnTo>
-              <a:lnTo>
-                <a:pt x="0" y="129841"/>
-              </a:lnTo>
-              <a:lnTo>
-                <a:pt x="0" y="259683"/>
-              </a:lnTo>
-            </a:path>
-          </a:pathLst>
-        </a:custGeom>
-        <a:noFill/>
-        <a:ln w="57150" cap="rnd" cmpd="sng" algn="ctr">
-          <a:solidFill>
-            <a:schemeClr val="accent5">
-              <a:shade val="90000"/>
-            </a:schemeClr>
-          </a:solidFill>
-          <a:prstDash val="solid"/>
-        </a:ln>
-        <a:effectLst/>
-      </dsp:spPr>
-      <dsp:style>
-        <a:lnRef idx="1">
-          <a:schemeClr val="accent5"/>
-        </a:lnRef>
-        <a:fillRef idx="0">
-          <a:schemeClr val="accent5"/>
-        </a:fillRef>
-        <a:effectRef idx="0">
-          <a:schemeClr val="accent5"/>
-        </a:effectRef>
-        <a:fontRef idx="minor">
-          <a:schemeClr val="tx1"/>
-        </a:fontRef>
-      </dsp:style>
-    </dsp:sp>
-    <dsp:sp modelId="{4377A0B1-66D2-45BC-9E33-1825128E382B}">
-      <dsp:nvSpPr>
-        <dsp:cNvPr id="0" name=""/>
-        <dsp:cNvSpPr/>
-      </dsp:nvSpPr>
-      <dsp:spPr>
-        <a:xfrm>
-          <a:off x="3025639" y="2235"/>
-          <a:ext cx="1236588" cy="618294"/>
-        </a:xfrm>
-        <a:prstGeom prst="rect">
-          <a:avLst/>
-        </a:prstGeom>
-        <a:solidFill>
-          <a:schemeClr val="accent2"/>
-        </a:solidFill>
-        <a:ln w="15875" cap="rnd" cmpd="sng" algn="ctr">
-          <a:solidFill>
-            <a:schemeClr val="accent2">
-              <a:shade val="50000"/>
-            </a:schemeClr>
-          </a:solidFill>
-          <a:prstDash val="solid"/>
-        </a:ln>
-        <a:effectLst/>
-      </dsp:spPr>
-      <dsp:style>
-        <a:lnRef idx="2">
-          <a:schemeClr val="accent2">
-            <a:shade val="50000"/>
-          </a:schemeClr>
-        </a:lnRef>
-        <a:fillRef idx="1">
-          <a:schemeClr val="accent2"/>
-        </a:fillRef>
-        <a:effectRef idx="0">
-          <a:schemeClr val="accent2"/>
-        </a:effectRef>
-        <a:fontRef idx="minor">
-          <a:schemeClr val="lt1"/>
-        </a:fontRef>
-      </dsp:style>
-      <dsp:txBody>
-        <a:bodyPr spcFirstLastPara="0" vert="horz" wrap="square" lIns="8890" tIns="8890" rIns="8890" bIns="8890" numCol="1" spcCol="1270" anchor="ctr" anchorCtr="0">
-          <a:noAutofit/>
-        </a:bodyPr>
-        <a:lstStyle/>
-        <a:p>
-          <a:pPr lvl="0" algn="ctr" defTabSz="622300">
-            <a:lnSpc>
-              <a:spcPct val="90000"/>
-            </a:lnSpc>
-            <a:spcBef>
-              <a:spcPct val="0"/>
-            </a:spcBef>
-            <a:spcAft>
-              <a:spcPct val="35000"/>
-            </a:spcAft>
-          </a:pPr>
-          <a:r>
-            <a:rPr lang="es-CL" sz="1400" kern="1200" dirty="0"/>
-            <a:t>Jefe de proyecto </a:t>
-          </a:r>
-        </a:p>
-      </dsp:txBody>
-      <dsp:txXfrm>
-        <a:off x="3025639" y="2235"/>
-        <a:ext cx="1236588" cy="618294"/>
-      </dsp:txXfrm>
-    </dsp:sp>
-    <dsp:sp modelId="{9FDD5839-824F-4F90-B720-B486A3CC8069}">
-      <dsp:nvSpPr>
-        <dsp:cNvPr id="0" name=""/>
-        <dsp:cNvSpPr/>
-      </dsp:nvSpPr>
-      <dsp:spPr>
-        <a:xfrm>
-          <a:off x="625383" y="880213"/>
-          <a:ext cx="1548283" cy="618294"/>
-        </a:xfrm>
-        <a:prstGeom prst="rect">
-          <a:avLst/>
-        </a:prstGeom>
-        <a:solidFill>
-          <a:schemeClr val="accent2"/>
-        </a:solidFill>
-        <a:ln w="15875" cap="rnd" cmpd="sng" algn="ctr">
-          <a:solidFill>
-            <a:schemeClr val="accent2">
-              <a:shade val="50000"/>
-            </a:schemeClr>
-          </a:solidFill>
-          <a:prstDash val="solid"/>
-        </a:ln>
-        <a:effectLst/>
-      </dsp:spPr>
-      <dsp:style>
-        <a:lnRef idx="2">
-          <a:schemeClr val="accent2">
-            <a:shade val="50000"/>
-          </a:schemeClr>
-        </a:lnRef>
-        <a:fillRef idx="1">
-          <a:schemeClr val="accent2"/>
-        </a:fillRef>
-        <a:effectRef idx="0">
-          <a:schemeClr val="accent2"/>
-        </a:effectRef>
-        <a:fontRef idx="minor">
-          <a:schemeClr val="lt1"/>
-        </a:fontRef>
-      </dsp:style>
-      <dsp:txBody>
-        <a:bodyPr spcFirstLastPara="0" vert="horz" wrap="square" lIns="8890" tIns="8890" rIns="8890" bIns="8890" numCol="1" spcCol="1270" anchor="ctr" anchorCtr="0">
-          <a:noAutofit/>
-        </a:bodyPr>
-        <a:lstStyle/>
-        <a:p>
-          <a:pPr lvl="0" algn="ctr" defTabSz="622300">
-            <a:lnSpc>
-              <a:spcPct val="90000"/>
-            </a:lnSpc>
-            <a:spcBef>
-              <a:spcPct val="0"/>
-            </a:spcBef>
-            <a:spcAft>
-              <a:spcPct val="35000"/>
-            </a:spcAft>
-          </a:pPr>
-          <a:r>
-            <a:rPr lang="es-CL" sz="1400" kern="1200" dirty="0"/>
-            <a:t>Ingeniero en informática</a:t>
-          </a:r>
-        </a:p>
-      </dsp:txBody>
-      <dsp:txXfrm>
-        <a:off x="625383" y="880213"/>
-        <a:ext cx="1548283" cy="618294"/>
-      </dsp:txXfrm>
-    </dsp:sp>
-    <dsp:sp modelId="{9BF67DDF-7787-4F50-B039-7392461AD898}">
-      <dsp:nvSpPr>
-        <dsp:cNvPr id="0" name=""/>
-        <dsp:cNvSpPr/>
-      </dsp:nvSpPr>
-      <dsp:spPr>
-        <a:xfrm>
-          <a:off x="1012454" y="1758191"/>
-          <a:ext cx="1236588" cy="618294"/>
-        </a:xfrm>
-        <a:prstGeom prst="rect">
-          <a:avLst/>
-        </a:prstGeom>
-        <a:solidFill>
-          <a:schemeClr val="accent2"/>
-        </a:solidFill>
-        <a:ln w="15875" cap="rnd" cmpd="sng" algn="ctr">
-          <a:solidFill>
-            <a:schemeClr val="accent2">
-              <a:shade val="50000"/>
-            </a:schemeClr>
-          </a:solidFill>
-          <a:prstDash val="solid"/>
-        </a:ln>
-        <a:effectLst/>
-      </dsp:spPr>
-      <dsp:style>
-        <a:lnRef idx="2">
-          <a:schemeClr val="accent2">
-            <a:shade val="50000"/>
-          </a:schemeClr>
-        </a:lnRef>
-        <a:fillRef idx="1">
-          <a:schemeClr val="accent2"/>
-        </a:fillRef>
-        <a:effectRef idx="0">
-          <a:schemeClr val="accent2"/>
-        </a:effectRef>
-        <a:fontRef idx="minor">
-          <a:schemeClr val="lt1"/>
-        </a:fontRef>
-      </dsp:style>
-      <dsp:txBody>
-        <a:bodyPr spcFirstLastPara="0" vert="horz" wrap="square" lIns="8890" tIns="8890" rIns="8890" bIns="8890" numCol="1" spcCol="1270" anchor="ctr" anchorCtr="0">
-          <a:noAutofit/>
-        </a:bodyPr>
-        <a:lstStyle/>
-        <a:p>
-          <a:pPr lvl="0" algn="ctr" defTabSz="622300">
-            <a:lnSpc>
-              <a:spcPct val="90000"/>
-            </a:lnSpc>
-            <a:spcBef>
-              <a:spcPct val="0"/>
-            </a:spcBef>
-            <a:spcAft>
-              <a:spcPct val="35000"/>
-            </a:spcAft>
-          </a:pPr>
-          <a:r>
-            <a:rPr lang="es-CL" sz="1400" kern="1200" dirty="0"/>
-            <a:t>Desarrollador Java</a:t>
-          </a:r>
-        </a:p>
-      </dsp:txBody>
-      <dsp:txXfrm>
-        <a:off x="1012454" y="1758191"/>
-        <a:ext cx="1236588" cy="618294"/>
-      </dsp:txXfrm>
-    </dsp:sp>
-    <dsp:sp modelId="{779B4EAE-1347-4513-AEE0-C4C84F9A9F21}">
-      <dsp:nvSpPr>
-        <dsp:cNvPr id="0" name=""/>
-        <dsp:cNvSpPr/>
-      </dsp:nvSpPr>
-      <dsp:spPr>
-        <a:xfrm>
-          <a:off x="1012454" y="2636169"/>
-          <a:ext cx="1236588" cy="618294"/>
-        </a:xfrm>
-        <a:prstGeom prst="rect">
-          <a:avLst/>
-        </a:prstGeom>
-        <a:solidFill>
-          <a:schemeClr val="accent2"/>
-        </a:solidFill>
-        <a:ln w="15875" cap="rnd" cmpd="sng" algn="ctr">
-          <a:solidFill>
-            <a:schemeClr val="accent2">
-              <a:shade val="50000"/>
-            </a:schemeClr>
-          </a:solidFill>
-          <a:prstDash val="solid"/>
-        </a:ln>
-        <a:effectLst/>
-      </dsp:spPr>
-      <dsp:style>
-        <a:lnRef idx="2">
-          <a:schemeClr val="accent2">
-            <a:shade val="50000"/>
-          </a:schemeClr>
-        </a:lnRef>
-        <a:fillRef idx="1">
-          <a:schemeClr val="accent2"/>
-        </a:fillRef>
-        <a:effectRef idx="0">
-          <a:schemeClr val="accent2"/>
-        </a:effectRef>
-        <a:fontRef idx="minor">
-          <a:schemeClr val="lt1"/>
-        </a:fontRef>
-      </dsp:style>
-      <dsp:txBody>
-        <a:bodyPr spcFirstLastPara="0" vert="horz" wrap="square" lIns="8890" tIns="8890" rIns="8890" bIns="8890" numCol="1" spcCol="1270" anchor="ctr" anchorCtr="0">
-          <a:noAutofit/>
-        </a:bodyPr>
-        <a:lstStyle/>
-        <a:p>
-          <a:pPr lvl="0" algn="ctr" defTabSz="622300">
-            <a:lnSpc>
-              <a:spcPct val="90000"/>
-            </a:lnSpc>
-            <a:spcBef>
-              <a:spcPct val="0"/>
-            </a:spcBef>
-            <a:spcAft>
-              <a:spcPct val="35000"/>
-            </a:spcAft>
-          </a:pPr>
-          <a:r>
-            <a:rPr lang="es-CL" sz="1400" kern="1200" dirty="0"/>
-            <a:t>Desarrollador .NET</a:t>
-          </a:r>
-        </a:p>
-      </dsp:txBody>
-      <dsp:txXfrm>
-        <a:off x="1012454" y="2636169"/>
-        <a:ext cx="1236588" cy="618294"/>
-      </dsp:txXfrm>
-    </dsp:sp>
-    <dsp:sp modelId="{E38B9066-00F8-494E-955D-FDA83C85B670}">
-      <dsp:nvSpPr>
-        <dsp:cNvPr id="0" name=""/>
-        <dsp:cNvSpPr/>
-      </dsp:nvSpPr>
-      <dsp:spPr>
-        <a:xfrm>
-          <a:off x="1012454" y="3514147"/>
-          <a:ext cx="1236588" cy="618294"/>
-        </a:xfrm>
-        <a:prstGeom prst="rect">
-          <a:avLst/>
-        </a:prstGeom>
-        <a:solidFill>
-          <a:schemeClr val="accent2"/>
-        </a:solidFill>
-        <a:ln w="15875" cap="rnd" cmpd="sng" algn="ctr">
-          <a:solidFill>
-            <a:schemeClr val="accent2">
-              <a:shade val="50000"/>
-            </a:schemeClr>
-          </a:solidFill>
-          <a:prstDash val="solid"/>
-        </a:ln>
-        <a:effectLst/>
-      </dsp:spPr>
-      <dsp:style>
-        <a:lnRef idx="2">
-          <a:schemeClr val="accent2">
-            <a:shade val="50000"/>
-          </a:schemeClr>
-        </a:lnRef>
-        <a:fillRef idx="1">
-          <a:schemeClr val="accent2"/>
-        </a:fillRef>
-        <a:effectRef idx="0">
-          <a:schemeClr val="accent2"/>
-        </a:effectRef>
-        <a:fontRef idx="minor">
-          <a:schemeClr val="lt1"/>
-        </a:fontRef>
-      </dsp:style>
-      <dsp:txBody>
-        <a:bodyPr spcFirstLastPara="0" vert="horz" wrap="square" lIns="8890" tIns="8890" rIns="8890" bIns="8890" numCol="1" spcCol="1270" anchor="ctr" anchorCtr="0">
-          <a:noAutofit/>
-        </a:bodyPr>
-        <a:lstStyle/>
-        <a:p>
-          <a:pPr lvl="0" algn="ctr" defTabSz="622300">
-            <a:lnSpc>
-              <a:spcPct val="90000"/>
-            </a:lnSpc>
-            <a:spcBef>
-              <a:spcPct val="0"/>
-            </a:spcBef>
-            <a:spcAft>
-              <a:spcPct val="35000"/>
-            </a:spcAft>
-          </a:pPr>
-          <a:r>
-            <a:rPr lang="es-CL" sz="1400" kern="1200" dirty="0"/>
-            <a:t>Programador PL/SQL</a:t>
-          </a:r>
-        </a:p>
-      </dsp:txBody>
-      <dsp:txXfrm>
-        <a:off x="1012454" y="3514147"/>
-        <a:ext cx="1236588" cy="618294"/>
-      </dsp:txXfrm>
-    </dsp:sp>
-    <dsp:sp modelId="{88C888B0-2047-41DA-A048-687AAA45645D}">
-      <dsp:nvSpPr>
-        <dsp:cNvPr id="0" name=""/>
-        <dsp:cNvSpPr/>
-      </dsp:nvSpPr>
-      <dsp:spPr>
-        <a:xfrm>
-          <a:off x="2433350" y="880213"/>
-          <a:ext cx="1236588" cy="618294"/>
-        </a:xfrm>
-        <a:prstGeom prst="rect">
-          <a:avLst/>
-        </a:prstGeom>
-        <a:solidFill>
-          <a:schemeClr val="accent2"/>
-        </a:solidFill>
-        <a:ln w="15875" cap="rnd" cmpd="sng" algn="ctr">
-          <a:solidFill>
-            <a:schemeClr val="accent2">
-              <a:shade val="50000"/>
-            </a:schemeClr>
-          </a:solidFill>
-          <a:prstDash val="solid"/>
-        </a:ln>
-        <a:effectLst/>
-      </dsp:spPr>
-      <dsp:style>
-        <a:lnRef idx="2">
-          <a:schemeClr val="accent2">
-            <a:shade val="50000"/>
-          </a:schemeClr>
-        </a:lnRef>
-        <a:fillRef idx="1">
-          <a:schemeClr val="accent2"/>
-        </a:fillRef>
-        <a:effectRef idx="0">
-          <a:schemeClr val="accent2"/>
-        </a:effectRef>
-        <a:fontRef idx="minor">
-          <a:schemeClr val="lt1"/>
-        </a:fontRef>
-      </dsp:style>
-      <dsp:txBody>
-        <a:bodyPr spcFirstLastPara="0" vert="horz" wrap="square" lIns="8890" tIns="8890" rIns="8890" bIns="8890" numCol="1" spcCol="1270" anchor="ctr" anchorCtr="0">
-          <a:noAutofit/>
-        </a:bodyPr>
-        <a:lstStyle/>
-        <a:p>
-          <a:pPr lvl="0" algn="ctr" defTabSz="622300">
-            <a:lnSpc>
-              <a:spcPct val="90000"/>
-            </a:lnSpc>
-            <a:spcBef>
-              <a:spcPct val="0"/>
-            </a:spcBef>
-            <a:spcAft>
-              <a:spcPct val="35000"/>
-            </a:spcAft>
-          </a:pPr>
-          <a:r>
-            <a:rPr lang="es-CL" sz="1400" kern="1200" dirty="0"/>
-            <a:t>Ingeniero en procesos </a:t>
-          </a:r>
-        </a:p>
-      </dsp:txBody>
-      <dsp:txXfrm>
-        <a:off x="2433350" y="880213"/>
-        <a:ext cx="1236588" cy="618294"/>
-      </dsp:txXfrm>
-    </dsp:sp>
-    <dsp:sp modelId="{20967916-DBC3-4772-AC6E-80B61336A42B}">
-      <dsp:nvSpPr>
-        <dsp:cNvPr id="0" name=""/>
-        <dsp:cNvSpPr/>
-      </dsp:nvSpPr>
-      <dsp:spPr>
-        <a:xfrm>
-          <a:off x="3929622" y="880213"/>
-          <a:ext cx="1236588" cy="618294"/>
-        </a:xfrm>
-        <a:prstGeom prst="rect">
-          <a:avLst/>
-        </a:prstGeom>
-        <a:solidFill>
-          <a:schemeClr val="accent2"/>
-        </a:solidFill>
-        <a:ln w="15875" cap="rnd" cmpd="sng" algn="ctr">
-          <a:solidFill>
-            <a:schemeClr val="accent2">
-              <a:shade val="50000"/>
-            </a:schemeClr>
-          </a:solidFill>
-          <a:prstDash val="solid"/>
-        </a:ln>
-        <a:effectLst/>
-      </dsp:spPr>
-      <dsp:style>
-        <a:lnRef idx="2">
-          <a:schemeClr val="accent2">
-            <a:shade val="50000"/>
-          </a:schemeClr>
-        </a:lnRef>
-        <a:fillRef idx="1">
-          <a:schemeClr val="accent2"/>
-        </a:fillRef>
-        <a:effectRef idx="0">
-          <a:schemeClr val="accent2"/>
-        </a:effectRef>
-        <a:fontRef idx="minor">
-          <a:schemeClr val="lt1"/>
-        </a:fontRef>
-      </dsp:style>
-      <dsp:txBody>
-        <a:bodyPr spcFirstLastPara="0" vert="horz" wrap="square" lIns="8890" tIns="8890" rIns="8890" bIns="8890" numCol="1" spcCol="1270" anchor="ctr" anchorCtr="0">
-          <a:noAutofit/>
-        </a:bodyPr>
-        <a:lstStyle/>
-        <a:p>
-          <a:pPr lvl="0" algn="ctr" defTabSz="622300">
-            <a:lnSpc>
-              <a:spcPct val="90000"/>
-            </a:lnSpc>
-            <a:spcBef>
-              <a:spcPct val="0"/>
-            </a:spcBef>
-            <a:spcAft>
-              <a:spcPct val="35000"/>
-            </a:spcAft>
-          </a:pPr>
-          <a:r>
-            <a:rPr lang="es-CL" sz="1400" kern="1200" dirty="0"/>
-            <a:t>Diseñador de prototipos</a:t>
-          </a:r>
-        </a:p>
-      </dsp:txBody>
-      <dsp:txXfrm>
-        <a:off x="3929622" y="880213"/>
-        <a:ext cx="1236588" cy="618294"/>
-      </dsp:txXfrm>
-    </dsp:sp>
-    <dsp:sp modelId="{950EF06F-4CCE-49EA-B54E-44C45D3DC267}">
-      <dsp:nvSpPr>
-        <dsp:cNvPr id="0" name=""/>
-        <dsp:cNvSpPr/>
-      </dsp:nvSpPr>
-      <dsp:spPr>
-        <a:xfrm>
-          <a:off x="5425895" y="880213"/>
-          <a:ext cx="1236588" cy="618294"/>
-        </a:xfrm>
-        <a:prstGeom prst="rect">
-          <a:avLst/>
-        </a:prstGeom>
-        <a:solidFill>
-          <a:schemeClr val="accent2"/>
-        </a:solidFill>
-        <a:ln w="15875" cap="rnd" cmpd="sng" algn="ctr">
-          <a:solidFill>
-            <a:schemeClr val="accent2">
-              <a:shade val="50000"/>
-            </a:schemeClr>
-          </a:solidFill>
-          <a:prstDash val="solid"/>
-        </a:ln>
-        <a:effectLst/>
-      </dsp:spPr>
-      <dsp:style>
-        <a:lnRef idx="2">
-          <a:schemeClr val="accent2">
-            <a:shade val="50000"/>
-          </a:schemeClr>
-        </a:lnRef>
-        <a:fillRef idx="1">
-          <a:schemeClr val="accent2"/>
-        </a:fillRef>
-        <a:effectRef idx="0">
-          <a:schemeClr val="accent2"/>
-        </a:effectRef>
-        <a:fontRef idx="minor">
-          <a:schemeClr val="lt1"/>
-        </a:fontRef>
-      </dsp:style>
-      <dsp:txBody>
-        <a:bodyPr spcFirstLastPara="0" vert="horz" wrap="square" lIns="8890" tIns="8890" rIns="8890" bIns="8890" numCol="1" spcCol="1270" anchor="ctr" anchorCtr="0">
-          <a:noAutofit/>
-        </a:bodyPr>
-        <a:lstStyle/>
-        <a:p>
-          <a:pPr lvl="0" algn="ctr" defTabSz="622300">
-            <a:lnSpc>
-              <a:spcPct val="90000"/>
-            </a:lnSpc>
-            <a:spcBef>
-              <a:spcPct val="0"/>
-            </a:spcBef>
-            <a:spcAft>
-              <a:spcPct val="35000"/>
-            </a:spcAft>
-          </a:pPr>
-          <a:r>
-            <a:rPr lang="es-CL" sz="1400" kern="1200" dirty="0"/>
-            <a:t>Ingeniero de pruebas</a:t>
-          </a:r>
-        </a:p>
-      </dsp:txBody>
-      <dsp:txXfrm>
-        <a:off x="5425895" y="880213"/>
-        <a:ext cx="1236588" cy="618294"/>
-      </dsp:txXfrm>
-    </dsp:sp>
   </dsp:spTree>
 </dsp:drawing>
 </file>
@@ -13896,9 +12932,6 @@
               </a:rPr>
               <a:t>8. Comprobación de hora</a:t>
             </a:r>
-            <a:endParaRPr lang="es-CL" sz="2400" dirty="0">
-              <a:latin typeface="Calibri" panose="020F0502020204030204" pitchFamily="34" charset="0"/>
-            </a:endParaRPr>
           </a:p>
         </p:txBody>
       </p:sp>
@@ -14609,9 +13642,6 @@
               </a:rPr>
               <a:t>17. Calcular precio atención</a:t>
             </a:r>
-            <a:endParaRPr lang="es-CL" sz="2400" dirty="0">
-              <a:latin typeface="Calibri" panose="020F0502020204030204" pitchFamily="34" charset="0"/>
-            </a:endParaRPr>
           </a:p>
         </p:txBody>
       </p:sp>
@@ -16945,12 +15975,139 @@
             <p:ph idx="1"/>
           </p:nvPr>
         </p:nvSpPr>
-        <p:spPr/>
+        <p:spPr>
+          <a:xfrm>
+            <a:off x="1942415" y="1383792"/>
+            <a:ext cx="6591985" cy="5346192"/>
+          </a:xfrm>
+        </p:spPr>
         <p:txBody>
-          <a:bodyPr/>
+          <a:bodyPr>
+            <a:noAutofit/>
+          </a:bodyPr>
           <a:lstStyle/>
           <a:p>
-            <a:endParaRPr lang="es-ES"/>
+            <a:pPr>
+              <a:buFont typeface="+mj-lt"/>
+              <a:buAutoNum type="arabicPeriod"/>
+            </a:pPr>
+            <a:r>
+              <a:rPr lang="es-CL" sz="2400" dirty="0"/>
+              <a:t>Análisis y </a:t>
+            </a:r>
+            <a:r>
+              <a:rPr lang="es-CL" sz="2400" dirty="0" smtClean="0"/>
+              <a:t>planificación</a:t>
+            </a:r>
+          </a:p>
+          <a:p>
+            <a:pPr>
+              <a:buFont typeface="+mj-lt"/>
+              <a:buAutoNum type="arabicPeriod"/>
+            </a:pPr>
+            <a:r>
+              <a:rPr lang="es-CL" sz="2400" dirty="0" smtClean="0"/>
+              <a:t>Gestión</a:t>
+            </a:r>
+          </a:p>
+          <a:p>
+            <a:pPr>
+              <a:buFont typeface="+mj-lt"/>
+              <a:buAutoNum type="arabicPeriod"/>
+            </a:pPr>
+            <a:r>
+              <a:rPr lang="es-CL" sz="2400" dirty="0" smtClean="0"/>
+              <a:t>RRHH</a:t>
+            </a:r>
+          </a:p>
+          <a:p>
+            <a:pPr>
+              <a:buFont typeface="+mj-lt"/>
+              <a:buAutoNum type="arabicPeriod"/>
+            </a:pPr>
+            <a:r>
+              <a:rPr lang="es-CL" sz="2400" dirty="0" smtClean="0"/>
+              <a:t>Diseño</a:t>
+            </a:r>
+          </a:p>
+          <a:p>
+            <a:pPr>
+              <a:buFont typeface="+mj-lt"/>
+              <a:buAutoNum type="arabicPeriod"/>
+            </a:pPr>
+            <a:r>
+              <a:rPr lang="es-CL" sz="2400" dirty="0" smtClean="0"/>
+              <a:t>Estructuración</a:t>
+            </a:r>
+          </a:p>
+          <a:p>
+            <a:pPr>
+              <a:buFont typeface="+mj-lt"/>
+              <a:buAutoNum type="arabicPeriod"/>
+            </a:pPr>
+            <a:r>
+              <a:rPr lang="es-CL" sz="2400" dirty="0" smtClean="0"/>
+              <a:t>Adquisiciones</a:t>
+            </a:r>
+          </a:p>
+          <a:p>
+            <a:pPr>
+              <a:buFont typeface="+mj-lt"/>
+              <a:buAutoNum type="arabicPeriod"/>
+            </a:pPr>
+            <a:r>
+              <a:rPr lang="es-CL" sz="2400" dirty="0" smtClean="0"/>
+              <a:t>Construcción</a:t>
+            </a:r>
+          </a:p>
+          <a:p>
+            <a:pPr>
+              <a:buFont typeface="+mj-lt"/>
+              <a:buAutoNum type="arabicPeriod"/>
+            </a:pPr>
+            <a:r>
+              <a:rPr lang="es-CL" sz="2400" dirty="0" smtClean="0"/>
+              <a:t>Pruebas </a:t>
+            </a:r>
+            <a:r>
+              <a:rPr lang="es-CL" sz="2400" dirty="0"/>
+              <a:t>de </a:t>
+            </a:r>
+            <a:r>
+              <a:rPr lang="es-CL" sz="2400" dirty="0" smtClean="0"/>
+              <a:t>calidad</a:t>
+            </a:r>
+          </a:p>
+          <a:p>
+            <a:pPr>
+              <a:buFont typeface="+mj-lt"/>
+              <a:buAutoNum type="arabicPeriod"/>
+            </a:pPr>
+            <a:r>
+              <a:rPr lang="es-CL" sz="2400" dirty="0" smtClean="0"/>
+              <a:t>Migración</a:t>
+            </a:r>
+          </a:p>
+          <a:p>
+            <a:pPr>
+              <a:buFont typeface="+mj-lt"/>
+              <a:buAutoNum type="arabicPeriod"/>
+            </a:pPr>
+            <a:r>
+              <a:rPr lang="es-CL" sz="2400" dirty="0" smtClean="0"/>
+              <a:t>Implantación </a:t>
+            </a:r>
+          </a:p>
+          <a:p>
+            <a:pPr>
+              <a:buFont typeface="+mj-lt"/>
+              <a:buAutoNum type="arabicPeriod"/>
+            </a:pPr>
+            <a:r>
+              <a:rPr lang="es-CL" sz="2400" dirty="0" smtClean="0"/>
+              <a:t>Cierre</a:t>
+            </a:r>
+            <a:endParaRPr lang="es-ES" sz="2400" dirty="0"/>
           </a:p>
         </p:txBody>
       </p:sp>
@@ -18133,14 +17290,14 @@
                 <a:gridCol w="3630705">
                   <a:extLst>
                     <a:ext uri="{9D8B030D-6E8A-4147-A177-3AD203B41FA5}">
-                      <a16:colId xmlns:a16="http://schemas.microsoft.com/office/drawing/2014/main" xmlns="" val="576900497"/>
+                      <a16:colId xmlns="" xmlns:a16="http://schemas.microsoft.com/office/drawing/2014/main" val="576900497"/>
                     </a:ext>
                   </a:extLst>
                 </a:gridCol>
                 <a:gridCol w="3630705">
                   <a:extLst>
                     <a:ext uri="{9D8B030D-6E8A-4147-A177-3AD203B41FA5}">
-                      <a16:colId xmlns:a16="http://schemas.microsoft.com/office/drawing/2014/main" xmlns="" val="404792023"/>
+                      <a16:colId xmlns="" xmlns:a16="http://schemas.microsoft.com/office/drawing/2014/main" val="404792023"/>
                     </a:ext>
                   </a:extLst>
                 </a:gridCol>
@@ -18345,7 +17502,7 @@
                 </a:tc>
                 <a:extLst>
                   <a:ext uri="{0D108BD9-81ED-4DB2-BD59-A6C34878D82A}">
-                    <a16:rowId xmlns:a16="http://schemas.microsoft.com/office/drawing/2014/main" xmlns="" val="687705351"/>
+                    <a16:rowId xmlns="" xmlns:a16="http://schemas.microsoft.com/office/drawing/2014/main" val="687705351"/>
                   </a:ext>
                 </a:extLst>
               </a:tr>

--- a/docs/plan-de-proyecto/ppt-iteracion1.pptx
+++ b/docs/plan-de-proyecto/ppt-iteracion1.pptx
@@ -12341,11 +12341,11 @@
           <a:p>
             <a:r>
               <a:rPr lang="es-CL" dirty="0" smtClean="0"/>
-              <a:t> </a:t>
+              <a:t>Pablo </a:t>
             </a:r>
             <a:r>
               <a:rPr lang="es-CL" dirty="0"/>
-              <a:t>Pablo de la Sotta</a:t>
+              <a:t>de la Sotta</a:t>
             </a:r>
           </a:p>
           <a:p>
@@ -14085,41 +14085,18 @@
               <a:buChar char="Ø"/>
             </a:pPr>
             <a:r>
-              <a:rPr lang="es-CL" sz="2400" dirty="0">
+              <a:rPr lang="es-CL" sz="4400" dirty="0">
                 <a:latin typeface="Calibri" panose="020F0502020204030204" pitchFamily="34" charset="0"/>
               </a:rPr>
-              <a:t>Después de haber entregado el producto, no se le hará mantención.</a:t>
-            </a:r>
-          </a:p>
-          <a:p>
-            <a:pPr>
-              <a:buFont typeface="Wingdings" panose="05000000000000000000" pitchFamily="2" charset="2"/>
-              <a:buChar char="Ø"/>
-            </a:pPr>
-            <a:r>
-              <a:rPr lang="es-CL" sz="2400" dirty="0">
+              <a:t>Después de haber entregado el producto, no se le hará mantención</a:t>
+            </a:r>
+            <a:r>
+              <a:rPr lang="es-CL" sz="4400" dirty="0" smtClean="0">
                 <a:latin typeface="Calibri" panose="020F0502020204030204" pitchFamily="34" charset="0"/>
               </a:rPr>
-              <a:t>La cantidad de recursos humanos que cooperará en el proyecto será definida al principio del proyecto.</a:t>
-            </a:r>
-          </a:p>
-          <a:p>
-            <a:pPr>
-              <a:buFont typeface="Wingdings" panose="05000000000000000000" pitchFamily="2" charset="2"/>
-              <a:buChar char="Ø"/>
-            </a:pPr>
-            <a:r>
-              <a:rPr lang="es-CL" sz="2400" dirty="0">
-                <a:latin typeface="Calibri" panose="020F0502020204030204" pitchFamily="34" charset="0"/>
-              </a:rPr>
-              <a:t>La fecha esperada de entrega no se puede exceder más allá de 5 días hábiles desde la fecha estimada al comienzo del proyecto.</a:t>
-            </a:r>
-          </a:p>
-          <a:p>
-            <a:pPr marL="0" indent="0">
-              <a:buNone/>
-            </a:pPr>
-            <a:endParaRPr lang="es-CL" dirty="0">
+              <a:t>.</a:t>
+            </a:r>
+            <a:endParaRPr lang="es-CL" sz="4400" dirty="0">
               <a:latin typeface="Calibri" panose="020F0502020204030204" pitchFamily="34" charset="0"/>
             </a:endParaRPr>
           </a:p>
@@ -17290,14 +17267,14 @@
                 <a:gridCol w="3630705">
                   <a:extLst>
                     <a:ext uri="{9D8B030D-6E8A-4147-A177-3AD203B41FA5}">
-                      <a16:colId xmlns="" xmlns:a16="http://schemas.microsoft.com/office/drawing/2014/main" val="576900497"/>
+                      <a16:colId xmlns:a16="http://schemas.microsoft.com/office/drawing/2014/main" xmlns="" val="576900497"/>
                     </a:ext>
                   </a:extLst>
                 </a:gridCol>
                 <a:gridCol w="3630705">
                   <a:extLst>
                     <a:ext uri="{9D8B030D-6E8A-4147-A177-3AD203B41FA5}">
-                      <a16:colId xmlns="" xmlns:a16="http://schemas.microsoft.com/office/drawing/2014/main" val="404792023"/>
+                      <a16:colId xmlns:a16="http://schemas.microsoft.com/office/drawing/2014/main" xmlns="" val="404792023"/>
                     </a:ext>
                   </a:extLst>
                 </a:gridCol>
@@ -17502,7 +17479,7 @@
                 </a:tc>
                 <a:extLst>
                   <a:ext uri="{0D108BD9-81ED-4DB2-BD59-A6C34878D82A}">
-                    <a16:rowId xmlns="" xmlns:a16="http://schemas.microsoft.com/office/drawing/2014/main" val="687705351"/>
+                    <a16:rowId xmlns:a16="http://schemas.microsoft.com/office/drawing/2014/main" xmlns="" val="687705351"/>
                   </a:ext>
                 </a:extLst>
               </a:tr>
